--- a/modele_presentation.pptx
+++ b/modele_presentation.pptx
@@ -9,6 +9,8 @@
     <p:sldId id="257" r:id="rId3"/>
     <p:sldId id="258" r:id="rId4"/>
     <p:sldId id="259" r:id="rId5"/>
+    <p:sldId id="260" r:id="rId6"/>
+    <p:sldId id="261" r:id="rId7"/>
   </p:sldIdLst>
   <p:sldSz cx="9144000" cy="5143500" type="screen16x9"/>
   <p:notesSz cx="6858000" cy="9144000"/>
@@ -3118,7 +3120,7 @@
             </a:pPr>
             <a:r>
               <a:rPr/>
-              <a:t>Modele_Presentation</a:t>
+              <a:t>Presentation du Modele</a:t>
             </a:r>
           </a:p>
         </p:txBody>
@@ -3187,7 +3189,12 @@
             <p:ph type="title"/>
           </p:nvPr>
         </p:nvSpPr>
-        <p:spPr/>
+        <p:spPr>
+          <a:xfrm>
+            <a:off x="722313" y="3305176"/>
+            <a:ext cx="7772400" cy="1021556"/>
+          </a:xfrm>
+        </p:spPr>
         <p:txBody>
           <a:bodyPr/>
           <a:lstStyle/>
@@ -3197,42 +3204,7 @@
             </a:pPr>
             <a:r>
               <a:rPr/>
-              <a:t>Quarto</a:t>
-            </a:r>
-          </a:p>
-        </p:txBody>
-      </p:sp>
-      <p:sp>
-        <p:nvSpPr>
-          <p:cNvPr id="3" name="Content Placeholder 2"/>
-          <p:cNvSpPr>
-            <a:spLocks noGrp="1"/>
-          </p:cNvSpPr>
-          <p:nvPr>
-            <p:ph idx="1"/>
-          </p:nvPr>
-        </p:nvSpPr>
-        <p:spPr/>
-        <p:txBody>
-          <a:bodyPr/>
-          <a:lstStyle/>
-          <a:p>
-            <a:pPr lvl="0" indent="0" marL="0">
-              <a:buNone/>
-            </a:pPr>
-            <a:r>
-              <a:rPr/>
-              <a:t>Quarto enables you to weave together content and executable code into a finished presentation. To learn more about Quarto presentations see </a:t>
-            </a:r>
-            <a:r>
-              <a:rPr>
-                <a:hlinkClick r:id="rId2"/>
-              </a:rPr>
-              <a:t>https://quarto.org/docs/presentations/</a:t>
-            </a:r>
-            <a:r>
-              <a:rPr/>
-              <a:t>.</a:t>
+              <a:t>Presentation des donnees</a:t>
             </a:r>
           </a:p>
         </p:txBody>
@@ -3279,7 +3251,7 @@
             </a:pPr>
             <a:r>
               <a:rPr/>
-              <a:t>Bullets</a:t>
+              <a:t>Quarto</a:t>
             </a:r>
           </a:p>
         </p:txBody>
@@ -3304,29 +3276,17 @@
             </a:pPr>
             <a:r>
               <a:rPr/>
-              <a:t>When you click the </a:t>
-            </a:r>
-            <a:r>
-              <a:rPr b="1"/>
-              <a:t>Render</a:t>
+              <a:t>Quarto enables you to weave together content and executable code into a finished presentation. To learn more about Quarto presentations see </a:t>
+            </a:r>
+            <a:r>
+              <a:rPr>
+                <a:hlinkClick r:id="rId2"/>
+              </a:rPr>
+              <a:t>https://quarto.org/docs/presentations/</a:t>
             </a:r>
             <a:r>
               <a:rPr/>
-              <a:t> button a document will be generated that includes:</a:t>
-            </a:r>
-          </a:p>
-          <a:p>
-            <a:pPr lvl="0"/>
-            <a:r>
-              <a:rPr/>
-              <a:t>Content authored with markdown</a:t>
-            </a:r>
-          </a:p>
-          <a:p>
-            <a:pPr lvl="0"/>
-            <a:r>
-              <a:rPr/>
-              <a:t>Output from executable code</a:t>
+              <a:t>.</a:t>
             </a:r>
           </a:p>
         </p:txBody>
@@ -3337,6 +3297,152 @@
 </file>
 
 <file path=ppt/slides/slide4.xml><?xml version="1.0" encoding="utf-8"?>
+<p:sld xmlns:a="http://schemas.openxmlformats.org/drawingml/2006/main" xmlns:r="http://schemas.openxmlformats.org/officeDocument/2006/relationships" xmlns:p="http://schemas.openxmlformats.org/presentationml/2006/main">
+  <p:cSld>
+    <p:spTree>
+      <p:nvGrpSpPr>
+        <p:cNvPr id="1" name=""/>
+        <p:cNvGrpSpPr/>
+        <p:nvPr/>
+      </p:nvGrpSpPr>
+      <p:grpSpPr>
+        <a:xfrm>
+          <a:off x="0" y="0"/>
+          <a:ext cx="0" cy="0"/>
+          <a:chOff x="0" y="0"/>
+          <a:chExt cx="0" cy="0"/>
+        </a:xfrm>
+      </p:grpSpPr>
+      <p:sp>
+        <p:nvSpPr>
+          <p:cNvPr id="2" name="Title 1"/>
+          <p:cNvSpPr>
+            <a:spLocks noGrp="1"/>
+          </p:cNvSpPr>
+          <p:nvPr>
+            <p:ph type="title"/>
+          </p:nvPr>
+        </p:nvSpPr>
+        <p:spPr/>
+        <p:txBody>
+          <a:bodyPr/>
+          <a:lstStyle/>
+          <a:p>
+            <a:pPr lvl="0" indent="0" marL="0">
+              <a:buNone/>
+            </a:pPr>
+            <a:r>
+              <a:rPr/>
+              <a:t>Bullets</a:t>
+            </a:r>
+          </a:p>
+        </p:txBody>
+      </p:sp>
+      <p:sp>
+        <p:nvSpPr>
+          <p:cNvPr id="3" name="Content Placeholder 2"/>
+          <p:cNvSpPr>
+            <a:spLocks noGrp="1"/>
+          </p:cNvSpPr>
+          <p:nvPr>
+            <p:ph idx="1"/>
+          </p:nvPr>
+        </p:nvSpPr>
+        <p:spPr/>
+        <p:txBody>
+          <a:bodyPr/>
+          <a:lstStyle/>
+          <a:p>
+            <a:pPr lvl="0" indent="0" marL="0">
+              <a:buNone/>
+            </a:pPr>
+            <a:r>
+              <a:rPr/>
+              <a:t>When you click the </a:t>
+            </a:r>
+            <a:r>
+              <a:rPr b="1"/>
+              <a:t>Render</a:t>
+            </a:r>
+            <a:r>
+              <a:rPr/>
+              <a:t> button a document will be generated that includes:</a:t>
+            </a:r>
+          </a:p>
+          <a:p>
+            <a:pPr lvl="0"/>
+            <a:r>
+              <a:rPr/>
+              <a:t>Content authored with markdown</a:t>
+            </a:r>
+          </a:p>
+          <a:p>
+            <a:pPr lvl="0"/>
+            <a:r>
+              <a:rPr/>
+              <a:t>Output from executable code</a:t>
+            </a:r>
+          </a:p>
+        </p:txBody>
+      </p:sp>
+    </p:spTree>
+  </p:cSld>
+</p:sld>
+</file>
+
+<file path=ppt/slides/slide5.xml><?xml version="1.0" encoding="utf-8"?>
+<p:sld xmlns:a="http://schemas.openxmlformats.org/drawingml/2006/main" xmlns:r="http://schemas.openxmlformats.org/officeDocument/2006/relationships" xmlns:p="http://schemas.openxmlformats.org/presentationml/2006/main">
+  <p:cSld>
+    <p:spTree>
+      <p:nvGrpSpPr>
+        <p:cNvPr id="1" name=""/>
+        <p:cNvGrpSpPr/>
+        <p:nvPr/>
+      </p:nvGrpSpPr>
+      <p:grpSpPr>
+        <a:xfrm>
+          <a:off x="0" y="0"/>
+          <a:ext cx="0" cy="0"/>
+          <a:chOff x="0" y="0"/>
+          <a:chExt cx="0" cy="0"/>
+        </a:xfrm>
+      </p:grpSpPr>
+      <p:sp>
+        <p:nvSpPr>
+          <p:cNvPr id="2" name="Title 1"/>
+          <p:cNvSpPr>
+            <a:spLocks noGrp="1"/>
+          </p:cNvSpPr>
+          <p:nvPr>
+            <p:ph type="title"/>
+          </p:nvPr>
+        </p:nvSpPr>
+        <p:spPr>
+          <a:xfrm>
+            <a:off x="722313" y="3305176"/>
+            <a:ext cx="7772400" cy="1021556"/>
+          </a:xfrm>
+        </p:spPr>
+        <p:txBody>
+          <a:bodyPr/>
+          <a:lstStyle/>
+          <a:p>
+            <a:pPr lvl="0" indent="0" marL="0">
+              <a:buNone/>
+            </a:pPr>
+            <a:r>
+              <a:rPr/>
+              <a:t>Analyse Descriptive</a:t>
+            </a:r>
+          </a:p>
+        </p:txBody>
+      </p:sp>
+    </p:spTree>
+  </p:cSld>
+</p:sld>
+</file>
+
+<file path=ppt/slides/slide6.xml><?xml version="1.0" encoding="utf-8"?>
 <p:sld xmlns:a="http://schemas.openxmlformats.org/drawingml/2006/main" xmlns:r="http://schemas.openxmlformats.org/officeDocument/2006/relationships" xmlns:p="http://schemas.openxmlformats.org/presentationml/2006/main">
   <p:cSld>
     <p:spTree>

--- a/modele_presentation.pptx
+++ b/modele_presentation.pptx
@@ -11,6 +11,9 @@
     <p:sldId id="259" r:id="rId5"/>
     <p:sldId id="260" r:id="rId6"/>
     <p:sldId id="261" r:id="rId7"/>
+    <p:sldId id="262" r:id="rId8"/>
+    <p:sldId id="263" r:id="rId9"/>
+    <p:sldId id="264" r:id="rId10"/>
   </p:sldIdLst>
   <p:sldSz cx="9144000" cy="5143500" type="screen16x9"/>
   <p:notesSz cx="6858000" cy="9144000"/>
@@ -3204,7 +3207,7 @@
             </a:pPr>
             <a:r>
               <a:rPr/>
-              <a:t>Presentation des donnees</a:t>
+              <a:t>Presentation des Donnees</a:t>
             </a:r>
           </a:p>
         </p:txBody>
@@ -3251,7 +3254,7 @@
             </a:pPr>
             <a:r>
               <a:rPr/>
-              <a:t>Quarto</a:t>
+              <a:t>Source des Donnees</a:t>
             </a:r>
           </a:p>
         </p:txBody>
@@ -3271,28 +3274,378 @@
           <a:bodyPr/>
           <a:lstStyle/>
           <a:p>
-            <a:pPr lvl="0" indent="0" marL="0">
-              <a:buNone/>
-            </a:pPr>
+            <a:pPr lvl="0"/>
             <a:r>
               <a:rPr/>
-              <a:t>Quarto enables you to weave together content and executable code into a finished presentation. To learn more about Quarto presentations see </a:t>
+              <a:t>tx.change : Taux de Change Reel</a:t>
             </a:r>
-            <a:r>
-              <a:rPr>
-                <a:hlinkClick r:id="rId2"/>
-              </a:rPr>
-              <a:t>https://quarto.org/docs/presentations/</a:t>
-            </a:r>
+          </a:p>
+          <a:p>
+            <a:pPr lvl="0"/>
             <a:r>
               <a:rPr/>
-              <a:t>.</a:t>
+              <a:t>imp: Importation Haitienne</a:t>
+            </a:r>
+          </a:p>
+          <a:p>
+            <a:pPr lvl="0"/>
+            <a:r>
+              <a:rPr/>
+              <a:t>exp: Exportation Haitienne</a:t>
+            </a:r>
+          </a:p>
+          <a:p>
+            <a:pPr lvl="0"/>
+            <a:r>
+              <a:rPr/>
+              <a:t>pib: Produit Interieur Brute Haitienne</a:t>
+            </a:r>
+          </a:p>
+          <a:p>
+            <a:pPr lvl="0"/>
+            <a:r>
+              <a:rPr/>
+              <a:t>pib.usa: Produit Interieur Brute des Etats Unis</a:t>
+            </a:r>
+          </a:p>
+          <a:p>
+            <a:pPr lvl="0"/>
+            <a:r>
+              <a:rPr/>
+              <a:t>ipc: L’indice des prix a la Consommation</a:t>
             </a:r>
           </a:p>
         </p:txBody>
       </p:sp>
     </p:spTree>
   </p:cSld>
+  <p:timing>
+    <p:tnLst>
+      <p:par>
+        <p:cTn id="1" dur="indefinite" restart="never" nodeType="tmRoot">
+          <p:childTnLst>
+            <p:seq concurrent="1" nextAc="seek">
+              <p:cTn id="2" dur="indefinite" nodeType="mainSeq">
+                <p:childTnLst>
+                  <p:par>
+                    <p:cTn id="3" fill="hold">
+                      <p:stCondLst>
+                        <p:cond delay="indefinite"/>
+                      </p:stCondLst>
+                      <p:childTnLst>
+                        <p:par>
+                          <p:cTn id="4" fill="hold">
+                            <p:stCondLst>
+                              <p:cond delay="0"/>
+                            </p:stCondLst>
+                            <p:childTnLst>
+                              <p:par>
+                                <p:cTn id="5" presetID="1" presetClass="entr" presetSubtype="0" fill="hold" grpId="0" nodeType="clickEffect">
+                                  <p:stCondLst>
+                                    <p:cond delay="0"/>
+                                  </p:stCondLst>
+                                  <p:childTnLst>
+                                    <p:set>
+                                      <p:cBhvr>
+                                        <p:cTn id="6" dur="1" fill="hold">
+                                          <p:stCondLst>
+                                            <p:cond delay="0"/>
+                                          </p:stCondLst>
+                                        </p:cTn>
+                                        <p:tgtEl>
+                                          <p:spTgt spid="3">
+                                            <p:txEl>
+                                              <p:pRg st="0" end="0"/>
+                                            </p:txEl>
+                                          </p:spTgt>
+                                        </p:tgtEl>
+                                        <p:attrNameLst>
+                                          <p:attrName>style.visibility</p:attrName>
+                                        </p:attrNameLst>
+                                      </p:cBhvr>
+                                      <p:to>
+                                        <p:strVal val="visible"/>
+                                      </p:to>
+                                    </p:set>
+                                  </p:childTnLst>
+                                </p:cTn>
+                              </p:par>
+                            </p:childTnLst>
+                          </p:cTn>
+                        </p:par>
+                      </p:childTnLst>
+                    </p:cTn>
+                  </p:par>
+                  <p:par>
+                    <p:cTn id="7" fill="hold">
+                      <p:stCondLst>
+                        <p:cond delay="indefinite"/>
+                      </p:stCondLst>
+                      <p:childTnLst>
+                        <p:par>
+                          <p:cTn id="8" fill="hold">
+                            <p:stCondLst>
+                              <p:cond delay="0"/>
+                            </p:stCondLst>
+                            <p:childTnLst>
+                              <p:par>
+                                <p:cTn id="9" presetID="1" presetClass="entr" presetSubtype="0" fill="hold" grpId="0" nodeType="clickEffect">
+                                  <p:stCondLst>
+                                    <p:cond delay="0"/>
+                                  </p:stCondLst>
+                                  <p:childTnLst>
+                                    <p:set>
+                                      <p:cBhvr>
+                                        <p:cTn id="10" dur="1" fill="hold">
+                                          <p:stCondLst>
+                                            <p:cond delay="0"/>
+                                          </p:stCondLst>
+                                        </p:cTn>
+                                        <p:tgtEl>
+                                          <p:spTgt spid="3">
+                                            <p:txEl>
+                                              <p:pRg st="1" end="1"/>
+                                            </p:txEl>
+                                          </p:spTgt>
+                                        </p:tgtEl>
+                                        <p:attrNameLst>
+                                          <p:attrName>style.visibility</p:attrName>
+                                        </p:attrNameLst>
+                                      </p:cBhvr>
+                                      <p:to>
+                                        <p:strVal val="visible"/>
+                                      </p:to>
+                                    </p:set>
+                                  </p:childTnLst>
+                                </p:cTn>
+                              </p:par>
+                            </p:childTnLst>
+                          </p:cTn>
+                        </p:par>
+                      </p:childTnLst>
+                    </p:cTn>
+                  </p:par>
+                  <p:par>
+                    <p:cTn id="11" fill="hold">
+                      <p:stCondLst>
+                        <p:cond delay="indefinite"/>
+                      </p:stCondLst>
+                      <p:childTnLst>
+                        <p:par>
+                          <p:cTn id="12" fill="hold">
+                            <p:stCondLst>
+                              <p:cond delay="0"/>
+                            </p:stCondLst>
+                            <p:childTnLst>
+                              <p:par>
+                                <p:cTn id="13" presetID="1" presetClass="entr" presetSubtype="0" fill="hold" grpId="0" nodeType="clickEffect">
+                                  <p:stCondLst>
+                                    <p:cond delay="0"/>
+                                  </p:stCondLst>
+                                  <p:childTnLst>
+                                    <p:set>
+                                      <p:cBhvr>
+                                        <p:cTn id="14" dur="1" fill="hold">
+                                          <p:stCondLst>
+                                            <p:cond delay="0"/>
+                                          </p:stCondLst>
+                                        </p:cTn>
+                                        <p:tgtEl>
+                                          <p:spTgt spid="3">
+                                            <p:txEl>
+                                              <p:pRg st="2" end="2"/>
+                                            </p:txEl>
+                                          </p:spTgt>
+                                        </p:tgtEl>
+                                        <p:attrNameLst>
+                                          <p:attrName>style.visibility</p:attrName>
+                                        </p:attrNameLst>
+                                      </p:cBhvr>
+                                      <p:to>
+                                        <p:strVal val="visible"/>
+                                      </p:to>
+                                    </p:set>
+                                  </p:childTnLst>
+                                </p:cTn>
+                              </p:par>
+                            </p:childTnLst>
+                          </p:cTn>
+                        </p:par>
+                      </p:childTnLst>
+                    </p:cTn>
+                  </p:par>
+                  <p:par>
+                    <p:cTn id="15" fill="hold">
+                      <p:stCondLst>
+                        <p:cond delay="indefinite"/>
+                      </p:stCondLst>
+                      <p:childTnLst>
+                        <p:par>
+                          <p:cTn id="16" fill="hold">
+                            <p:stCondLst>
+                              <p:cond delay="0"/>
+                            </p:stCondLst>
+                            <p:childTnLst>
+                              <p:par>
+                                <p:cTn id="17" presetID="1" presetClass="entr" presetSubtype="0" fill="hold" grpId="0" nodeType="clickEffect">
+                                  <p:stCondLst>
+                                    <p:cond delay="0"/>
+                                  </p:stCondLst>
+                                  <p:childTnLst>
+                                    <p:set>
+                                      <p:cBhvr>
+                                        <p:cTn id="18" dur="1" fill="hold">
+                                          <p:stCondLst>
+                                            <p:cond delay="0"/>
+                                          </p:stCondLst>
+                                        </p:cTn>
+                                        <p:tgtEl>
+                                          <p:spTgt spid="3">
+                                            <p:txEl>
+                                              <p:pRg st="3" end="3"/>
+                                            </p:txEl>
+                                          </p:spTgt>
+                                        </p:tgtEl>
+                                        <p:attrNameLst>
+                                          <p:attrName>style.visibility</p:attrName>
+                                        </p:attrNameLst>
+                                      </p:cBhvr>
+                                      <p:to>
+                                        <p:strVal val="visible"/>
+                                      </p:to>
+                                    </p:set>
+                                  </p:childTnLst>
+                                </p:cTn>
+                              </p:par>
+                            </p:childTnLst>
+                          </p:cTn>
+                        </p:par>
+                      </p:childTnLst>
+                    </p:cTn>
+                  </p:par>
+                  <p:par>
+                    <p:cTn id="19" fill="hold">
+                      <p:stCondLst>
+                        <p:cond delay="indefinite"/>
+                      </p:stCondLst>
+                      <p:childTnLst>
+                        <p:par>
+                          <p:cTn id="20" fill="hold">
+                            <p:stCondLst>
+                              <p:cond delay="0"/>
+                            </p:stCondLst>
+                            <p:childTnLst>
+                              <p:par>
+                                <p:cTn id="21" presetID="1" presetClass="entr" presetSubtype="0" fill="hold" grpId="0" nodeType="clickEffect">
+                                  <p:stCondLst>
+                                    <p:cond delay="0"/>
+                                  </p:stCondLst>
+                                  <p:childTnLst>
+                                    <p:set>
+                                      <p:cBhvr>
+                                        <p:cTn id="22" dur="1" fill="hold">
+                                          <p:stCondLst>
+                                            <p:cond delay="0"/>
+                                          </p:stCondLst>
+                                        </p:cTn>
+                                        <p:tgtEl>
+                                          <p:spTgt spid="3">
+                                            <p:txEl>
+                                              <p:pRg st="4" end="4"/>
+                                            </p:txEl>
+                                          </p:spTgt>
+                                        </p:tgtEl>
+                                        <p:attrNameLst>
+                                          <p:attrName>style.visibility</p:attrName>
+                                        </p:attrNameLst>
+                                      </p:cBhvr>
+                                      <p:to>
+                                        <p:strVal val="visible"/>
+                                      </p:to>
+                                    </p:set>
+                                  </p:childTnLst>
+                                </p:cTn>
+                              </p:par>
+                            </p:childTnLst>
+                          </p:cTn>
+                        </p:par>
+                      </p:childTnLst>
+                    </p:cTn>
+                  </p:par>
+                  <p:par>
+                    <p:cTn id="23" fill="hold">
+                      <p:stCondLst>
+                        <p:cond delay="indefinite"/>
+                      </p:stCondLst>
+                      <p:childTnLst>
+                        <p:par>
+                          <p:cTn id="24" fill="hold">
+                            <p:stCondLst>
+                              <p:cond delay="0"/>
+                            </p:stCondLst>
+                            <p:childTnLst>
+                              <p:par>
+                                <p:cTn id="25" presetID="1" presetClass="entr" presetSubtype="0" fill="hold" grpId="0" nodeType="clickEffect">
+                                  <p:stCondLst>
+                                    <p:cond delay="0"/>
+                                  </p:stCondLst>
+                                  <p:childTnLst>
+                                    <p:set>
+                                      <p:cBhvr>
+                                        <p:cTn id="26" dur="1" fill="hold">
+                                          <p:stCondLst>
+                                            <p:cond delay="0"/>
+                                          </p:stCondLst>
+                                        </p:cTn>
+                                        <p:tgtEl>
+                                          <p:spTgt spid="3">
+                                            <p:txEl>
+                                              <p:pRg st="5" end="5"/>
+                                            </p:txEl>
+                                          </p:spTgt>
+                                        </p:tgtEl>
+                                        <p:attrNameLst>
+                                          <p:attrName>style.visibility</p:attrName>
+                                        </p:attrNameLst>
+                                      </p:cBhvr>
+                                      <p:to>
+                                        <p:strVal val="visible"/>
+                                      </p:to>
+                                    </p:set>
+                                  </p:childTnLst>
+                                </p:cTn>
+                              </p:par>
+                            </p:childTnLst>
+                          </p:cTn>
+                        </p:par>
+                      </p:childTnLst>
+                    </p:cTn>
+                  </p:par>
+                </p:childTnLst>
+              </p:cTn>
+              <p:prevCondLst>
+                <p:cond evt="onPrev" delay="0">
+                  <p:tgtEl>
+                    <p:sldTgt/>
+                  </p:tgtEl>
+                </p:cond>
+              </p:prevCondLst>
+              <p:nextCondLst>
+                <p:cond evt="onNext" delay="0">
+                  <p:tgtEl>
+                    <p:sldTgt/>
+                  </p:tgtEl>
+                </p:cond>
+              </p:nextCondLst>
+            </p:seq>
+          </p:childTnLst>
+        </p:cTn>
+      </p:par>
+    </p:tnLst>
+    <p:bldLst>
+      <p:bldP spid="3" grpId="0" uiExpand="1" build="p"/>
+    </p:bldLst>
+  </p:timing>
 </p:sld>
 </file>
 
@@ -3333,58 +3686,479 @@
             </a:pPr>
             <a:r>
               <a:rPr/>
-              <a:t>Bullets</a:t>
+              <a:t>Tableau des metadonnees</a:t>
             </a:r>
           </a:p>
         </p:txBody>
       </p:sp>
-      <p:sp>
-        <p:nvSpPr>
-          <p:cNvPr id="3" name="Content Placeholder 2"/>
-          <p:cNvSpPr>
-            <a:spLocks noGrp="1"/>
-          </p:cNvSpPr>
+      <p:graphicFrame>
+        <p:nvGraphicFramePr>
+          <p:cNvPr id="6" name="Content Placeholder 5"/>
+          <p:cNvGraphicFramePr>
+            <a:graphicFrameLocks noGrp="1"/>
+          </p:cNvGraphicFramePr>
           <p:nvPr>
             <p:ph idx="1"/>
           </p:nvPr>
-        </p:nvSpPr>
-        <p:spPr/>
-        <p:txBody>
-          <a:bodyPr/>
-          <a:lstStyle/>
-          <a:p>
-            <a:pPr lvl="0" indent="0" marL="0">
-              <a:buNone/>
-            </a:pPr>
-            <a:r>
-              <a:rPr/>
-              <a:t>When you click the </a:t>
-            </a:r>
-            <a:r>
-              <a:rPr b="1"/>
-              <a:t>Render</a:t>
-            </a:r>
-            <a:r>
-              <a:rPr/>
-              <a:t> button a document will be generated that includes:</a:t>
-            </a:r>
-          </a:p>
-          <a:p>
-            <a:pPr lvl="0"/>
-            <a:r>
-              <a:rPr/>
-              <a:t>Content authored with markdown</a:t>
-            </a:r>
-          </a:p>
-          <a:p>
-            <a:pPr lvl="0"/>
-            <a:r>
-              <a:rPr/>
-              <a:t>Output from executable code</a:t>
-            </a:r>
-          </a:p>
-        </p:txBody>
-      </p:sp>
+        </p:nvGraphicFramePr>
+        <p:xfrm>
+          <a:off x="457200" y="1193800"/>
+          <a:ext cx="8229600" cy="3390900"/>
+        </p:xfrm>
+        <a:graphic>
+          <a:graphicData uri="http://schemas.openxmlformats.org/drawingml/2006/table">
+            <a:tbl>
+              <a:tblPr firstRow="1" bandRow="1">
+                <a:tableStyleId>{5C22544A-7EE6-4342-B048-85BDC9FD1C3A}</a:tableStyleId>
+              </a:tblPr>
+              <a:tblGrid>
+                <a:gridCol w="2057400"/>
+                <a:gridCol w="2057400"/>
+                <a:gridCol w="2057400"/>
+                <a:gridCol w="2057400"/>
+              </a:tblGrid>
+              <a:tr h="0">
+                <a:tc>
+                  <a:txBody>
+                    <a:bodyPr/>
+                    <a:lstStyle/>
+                    <a:p>
+                      <a:pPr lvl="0" indent="0" marL="0">
+                        <a:buNone/>
+                      </a:pPr>
+                      <a:r>
+                        <a:rPr/>
+                        <a:t>Variable</a:t>
+                      </a:r>
+                    </a:p>
+                  </a:txBody>
+                  <a:tcPr/>
+                </a:tc>
+                <a:tc>
+                  <a:txBody>
+                    <a:bodyPr/>
+                    <a:lstStyle/>
+                    <a:p>
+                      <a:pPr lvl="0" indent="0" marL="0">
+                        <a:buNone/>
+                      </a:pPr>
+                      <a:r>
+                        <a:rPr/>
+                        <a:t>Specificite</a:t>
+                      </a:r>
+                    </a:p>
+                  </a:txBody>
+                  <a:tcPr/>
+                </a:tc>
+                <a:tc>
+                  <a:txBody>
+                    <a:bodyPr/>
+                    <a:lstStyle/>
+                    <a:p>
+                      <a:pPr lvl="0" indent="0" marL="0">
+                        <a:buNone/>
+                      </a:pPr>
+                      <a:r>
+                        <a:rPr/>
+                        <a:t>Periode</a:t>
+                      </a:r>
+                    </a:p>
+                  </a:txBody>
+                  <a:tcPr/>
+                </a:tc>
+                <a:tc>
+                  <a:txBody>
+                    <a:bodyPr/>
+                    <a:lstStyle/>
+                    <a:p>
+                      <a:pPr lvl="0" indent="0" marL="0">
+                        <a:buNone/>
+                      </a:pPr>
+                      <a:r>
+                        <a:rPr/>
+                        <a:t>Notes</a:t>
+                      </a:r>
+                    </a:p>
+                  </a:txBody>
+                  <a:tcPr/>
+                </a:tc>
+              </a:tr>
+              <a:tr h="0">
+                <a:tc>
+                  <a:txBody>
+                    <a:bodyPr/>
+                    <a:lstStyle/>
+                    <a:p>
+                      <a:pPr lvl="0" indent="0" marL="0">
+                        <a:buNone/>
+                      </a:pPr>
+                      <a:r>
+                        <a:rPr/>
+                        <a:t>tx.change</a:t>
+                      </a:r>
+                    </a:p>
+                  </a:txBody>
+                </a:tc>
+                <a:tc>
+                  <a:txBody>
+                    <a:bodyPr/>
+                    <a:lstStyle/>
+                    <a:p>
+                      <a:pPr lvl="0" indent="0" marL="0">
+                        <a:buNone/>
+                      </a:pPr>
+                      <a:r>
+                        <a:rPr/>
+                        <a:t>HTG/USD</a:t>
+                      </a:r>
+                    </a:p>
+                  </a:txBody>
+                </a:tc>
+                <a:tc>
+                  <a:txBody>
+                    <a:bodyPr/>
+                    <a:lstStyle/>
+                    <a:p>
+                      <a:pPr lvl="0" indent="0" marL="0">
+                        <a:buNone/>
+                      </a:pPr>
+                      <a:r>
+                        <a:rPr/>
+                        <a:t>1960-2022</a:t>
+                      </a:r>
+                    </a:p>
+                  </a:txBody>
+                </a:tc>
+                <a:tc>
+                  <a:txBody>
+                    <a:bodyPr/>
+                    <a:lstStyle/>
+                    <a:p>
+                      <a:pPr lvl="0" indent="0" marL="0">
+                        <a:buNone/>
+                      </a:pPr>
+                      <a:r>
+                        <a:rPr/>
+                        <a:t>une moyenne annuelle sur la base des moyennes mensuelles.</a:t>
+                      </a:r>
+                    </a:p>
+                  </a:txBody>
+                </a:tc>
+              </a:tr>
+              <a:tr h="0">
+                <a:tc>
+                  <a:txBody>
+                    <a:bodyPr/>
+                    <a:lstStyle/>
+                    <a:p>
+                      <a:pPr lvl="0" indent="0" marL="0">
+                        <a:buNone/>
+                      </a:pPr>
+                      <a:r>
+                        <a:rPr/>
+                        <a:t>importation</a:t>
+                      </a:r>
+                    </a:p>
+                  </a:txBody>
+                </a:tc>
+                <a:tc>
+                  <a:txBody>
+                    <a:bodyPr/>
+                    <a:lstStyle/>
+                    <a:p>
+                      <a:pPr lvl="0" indent="0" marL="0">
+                        <a:buNone/>
+                      </a:pPr>
+                      <a:r>
+                        <a:rPr/>
+                        <a:t>USD constant 2010</a:t>
+                      </a:r>
+                    </a:p>
+                  </a:txBody>
+                </a:tc>
+                <a:tc>
+                  <a:txBody>
+                    <a:bodyPr/>
+                    <a:lstStyle/>
+                    <a:p>
+                      <a:pPr lvl="0" indent="0" marL="0">
+                        <a:buNone/>
+                      </a:pPr>
+                      <a:r>
+                        <a:rPr/>
+                        <a:t>1988-2022</a:t>
+                      </a:r>
+                    </a:p>
+                  </a:txBody>
+                </a:tc>
+                <a:tc>
+                  <a:txBody>
+                    <a:bodyPr/>
+                    <a:lstStyle/>
+                    <a:p>
+                      <a:pPr lvl="0" indent="0" marL="0">
+                        <a:buNone/>
+                      </a:pPr>
+                      <a:r>
+                        <a:rPr/>
+                        <a:t>n/a</a:t>
+                      </a:r>
+                    </a:p>
+                  </a:txBody>
+                </a:tc>
+              </a:tr>
+              <a:tr h="0">
+                <a:tc>
+                  <a:txBody>
+                    <a:bodyPr/>
+                    <a:lstStyle/>
+                    <a:p>
+                      <a:pPr lvl="0" indent="0" marL="0">
+                        <a:buNone/>
+                      </a:pPr>
+                      <a:r>
+                        <a:rPr/>
+                        <a:t>exportation</a:t>
+                      </a:r>
+                    </a:p>
+                  </a:txBody>
+                </a:tc>
+                <a:tc>
+                  <a:txBody>
+                    <a:bodyPr/>
+                    <a:lstStyle/>
+                    <a:p>
+                      <a:pPr lvl="0" indent="0" marL="0">
+                        <a:buNone/>
+                      </a:pPr>
+                      <a:r>
+                        <a:rPr/>
+                        <a:t>USD constant 2010</a:t>
+                      </a:r>
+                    </a:p>
+                  </a:txBody>
+                </a:tc>
+                <a:tc>
+                  <a:txBody>
+                    <a:bodyPr/>
+                    <a:lstStyle/>
+                    <a:p>
+                      <a:pPr lvl="0" indent="0" marL="0">
+                        <a:buNone/>
+                      </a:pPr>
+                      <a:r>
+                        <a:rPr/>
+                        <a:t>1988-2022</a:t>
+                      </a:r>
+                    </a:p>
+                  </a:txBody>
+                </a:tc>
+                <a:tc>
+                  <a:txBody>
+                    <a:bodyPr/>
+                    <a:lstStyle/>
+                    <a:p>
+                      <a:pPr lvl="0" indent="0" marL="0">
+                        <a:buNone/>
+                      </a:pPr>
+                      <a:r>
+                        <a:rPr/>
+                        <a:t>n/a</a:t>
+                      </a:r>
+                    </a:p>
+                  </a:txBody>
+                </a:tc>
+              </a:tr>
+              <a:tr h="0">
+                <a:tc>
+                  <a:txBody>
+                    <a:bodyPr/>
+                    <a:lstStyle/>
+                    <a:p>
+                      <a:pPr lvl="0" indent="0" marL="0">
+                        <a:buNone/>
+                      </a:pPr>
+                      <a:r>
+                        <a:rPr/>
+                        <a:t>pib</a:t>
+                      </a:r>
+                    </a:p>
+                  </a:txBody>
+                </a:tc>
+                <a:tc>
+                  <a:txBody>
+                    <a:bodyPr/>
+                    <a:lstStyle/>
+                    <a:p>
+                      <a:pPr lvl="0" indent="0" marL="0">
+                        <a:buNone/>
+                      </a:pPr>
+                      <a:r>
+                        <a:rPr/>
+                        <a:t>USD constant 2010</a:t>
+                      </a:r>
+                    </a:p>
+                  </a:txBody>
+                </a:tc>
+                <a:tc>
+                  <a:txBody>
+                    <a:bodyPr/>
+                    <a:lstStyle/>
+                    <a:p>
+                      <a:pPr lvl="0" indent="0" marL="0">
+                        <a:buNone/>
+                      </a:pPr>
+                      <a:r>
+                        <a:rPr/>
+                        <a:t>1960-2022</a:t>
+                      </a:r>
+                    </a:p>
+                  </a:txBody>
+                </a:tc>
+                <a:tc>
+                  <a:txBody>
+                    <a:bodyPr/>
+                    <a:lstStyle/>
+                    <a:p>
+                      <a:pPr lvl="0" indent="0" marL="0">
+                        <a:buNone/>
+                      </a:pPr>
+                      <a:r>
+                        <a:rPr/>
+                        <a:t>n/a</a:t>
+                      </a:r>
+                    </a:p>
+                  </a:txBody>
+                </a:tc>
+              </a:tr>
+              <a:tr h="0">
+                <a:tc>
+                  <a:txBody>
+                    <a:bodyPr/>
+                    <a:lstStyle/>
+                    <a:p>
+                      <a:pPr lvl="0" indent="0" marL="0">
+                        <a:buNone/>
+                      </a:pPr>
+                      <a:r>
+                        <a:rPr/>
+                        <a:t>pib.usa</a:t>
+                      </a:r>
+                    </a:p>
+                  </a:txBody>
+                </a:tc>
+                <a:tc>
+                  <a:txBody>
+                    <a:bodyPr/>
+                    <a:lstStyle/>
+                    <a:p>
+                      <a:pPr lvl="0" indent="0" marL="0">
+                        <a:buNone/>
+                      </a:pPr>
+                      <a:r>
+                        <a:rPr/>
+                        <a:t>USD constant 2010</a:t>
+                      </a:r>
+                    </a:p>
+                  </a:txBody>
+                </a:tc>
+                <a:tc>
+                  <a:txBody>
+                    <a:bodyPr/>
+                    <a:lstStyle/>
+                    <a:p>
+                      <a:pPr lvl="0" indent="0" marL="0">
+                        <a:buNone/>
+                      </a:pPr>
+                      <a:r>
+                        <a:rPr/>
+                        <a:t>1960-2022</a:t>
+                      </a:r>
+                    </a:p>
+                  </a:txBody>
+                </a:tc>
+                <a:tc>
+                  <a:txBody>
+                    <a:bodyPr/>
+                    <a:lstStyle/>
+                    <a:p>
+                      <a:pPr lvl="0" indent="0" marL="0">
+                        <a:buNone/>
+                      </a:pPr>
+                      <a:r>
+                        <a:rPr/>
+                        <a:t>n/a</a:t>
+                      </a:r>
+                    </a:p>
+                  </a:txBody>
+                </a:tc>
+              </a:tr>
+              <a:tr h="0">
+                <a:tc>
+                  <a:txBody>
+                    <a:bodyPr/>
+                    <a:lstStyle/>
+                    <a:p>
+                      <a:pPr lvl="0" indent="0" marL="0">
+                        <a:buNone/>
+                      </a:pPr>
+                      <a:r>
+                        <a:rPr/>
+                        <a:t>inflation</a:t>
+                      </a:r>
+                    </a:p>
+                  </a:txBody>
+                </a:tc>
+                <a:tc>
+                  <a:txBody>
+                    <a:bodyPr/>
+                    <a:lstStyle/>
+                    <a:p>
+                      <a:pPr lvl="0" indent="0" marL="0">
+                        <a:buNone/>
+                      </a:pPr>
+                      <a:r>
+                        <a:rPr/>
+                        <a:t>(2010 = 100)</a:t>
+                      </a:r>
+                    </a:p>
+                  </a:txBody>
+                </a:tc>
+                <a:tc>
+                  <a:txBody>
+                    <a:bodyPr/>
+                    <a:lstStyle/>
+                    <a:p>
+                      <a:pPr lvl="0" indent="0" marL="0">
+                        <a:buNone/>
+                      </a:pPr>
+                      <a:r>
+                        <a:rPr/>
+                        <a:t>1960-2022</a:t>
+                      </a:r>
+                    </a:p>
+                  </a:txBody>
+                </a:tc>
+                <a:tc>
+                  <a:txBody>
+                    <a:bodyPr/>
+                    <a:lstStyle/>
+                    <a:p>
+                      <a:pPr lvl="0" indent="0" marL="0">
+                        <a:buNone/>
+                      </a:pPr>
+                      <a:r>
+                        <a:rPr/>
+                        <a:t>n/a</a:t>
+                      </a:r>
+                    </a:p>
+                  </a:txBody>
+                </a:tc>
+              </a:tr>
+            </a:tbl>
+          </a:graphicData>
+        </a:graphic>
+      </p:graphicFrame>
     </p:spTree>
   </p:cSld>
 </p:sld>
@@ -3417,12 +4191,7 @@
             <p:ph type="title"/>
           </p:nvPr>
         </p:nvSpPr>
-        <p:spPr>
-          <a:xfrm>
-            <a:off x="722313" y="3305176"/>
-            <a:ext cx="7772400" cy="1021556"/>
-          </a:xfrm>
-        </p:spPr>
+        <p:spPr/>
         <p:txBody>
           <a:bodyPr/>
           <a:lstStyle/>
@@ -3432,11 +4201,3978 @@
             </a:pPr>
             <a:r>
               <a:rPr/>
-              <a:t>Analyse Descriptive</a:t>
+              <a:t>Tableau Presentant les Donnees Brutes</a:t>
             </a:r>
           </a:p>
         </p:txBody>
       </p:sp>
+      <p:graphicFrame>
+        <p:nvGraphicFramePr>
+          <p:cNvPr id="6" name="Content Placeholder 5"/>
+          <p:cNvGraphicFramePr>
+            <a:graphicFrameLocks noGrp="1"/>
+          </p:cNvGraphicFramePr>
+          <p:nvPr>
+            <p:ph idx="1"/>
+          </p:nvPr>
+        </p:nvGraphicFramePr>
+        <p:xfrm>
+          <a:off x="457200" y="1193800"/>
+          <a:ext cx="8229600" cy="3390900"/>
+        </p:xfrm>
+        <a:graphic>
+          <a:graphicData uri="http://schemas.openxmlformats.org/drawingml/2006/table">
+            <a:tbl>
+              <a:tblPr firstRow="1" bandRow="1">
+                <a:tableStyleId>{5C22544A-7EE6-4342-B048-85BDC9FD1C3A}</a:tableStyleId>
+              </a:tblPr>
+              <a:tblGrid>
+                <a:gridCol w="1168400"/>
+                <a:gridCol w="1168400"/>
+                <a:gridCol w="1168400"/>
+                <a:gridCol w="1168400"/>
+                <a:gridCol w="1168400"/>
+                <a:gridCol w="1168400"/>
+                <a:gridCol w="1168400"/>
+              </a:tblGrid>
+              <a:tr h="0">
+                <a:tc>
+                  <a:txBody>
+                    <a:bodyPr/>
+                    <a:lstStyle/>
+                    <a:p>
+                      <a:pPr lvl="0" indent="0" marL="0">
+                        <a:buNone/>
+                      </a:pPr>
+                      <a:r>
+                        <a:rPr b="1"/>
+                        <a:t>Year</a:t>
+                      </a:r>
+                    </a:p>
+                  </a:txBody>
+                  <a:tcPr/>
+                </a:tc>
+                <a:tc>
+                  <a:txBody>
+                    <a:bodyPr/>
+                    <a:lstStyle/>
+                    <a:p>
+                      <a:pPr lvl="0" indent="0" marL="0">
+                        <a:buNone/>
+                      </a:pPr>
+                      <a:r>
+                        <a:rPr/>
+                        <a:t>tx.change</a:t>
+                      </a:r>
+                    </a:p>
+                  </a:txBody>
+                  <a:tcPr/>
+                </a:tc>
+                <a:tc>
+                  <a:txBody>
+                    <a:bodyPr/>
+                    <a:lstStyle/>
+                    <a:p>
+                      <a:pPr lvl="0" indent="0" marL="0">
+                        <a:buNone/>
+                      </a:pPr>
+                      <a:r>
+                        <a:rPr/>
+                        <a:t>imp</a:t>
+                      </a:r>
+                    </a:p>
+                  </a:txBody>
+                  <a:tcPr/>
+                </a:tc>
+                <a:tc>
+                  <a:txBody>
+                    <a:bodyPr/>
+                    <a:lstStyle/>
+                    <a:p>
+                      <a:pPr lvl="0" indent="0" marL="0">
+                        <a:buNone/>
+                      </a:pPr>
+                      <a:r>
+                        <a:rPr/>
+                        <a:t>exp</a:t>
+                      </a:r>
+                    </a:p>
+                  </a:txBody>
+                  <a:tcPr/>
+                </a:tc>
+                <a:tc>
+                  <a:txBody>
+                    <a:bodyPr/>
+                    <a:lstStyle/>
+                    <a:p>
+                      <a:pPr lvl="0" indent="0" marL="0">
+                        <a:buNone/>
+                      </a:pPr>
+                      <a:r>
+                        <a:rPr/>
+                        <a:t>pib</a:t>
+                      </a:r>
+                    </a:p>
+                  </a:txBody>
+                  <a:tcPr/>
+                </a:tc>
+                <a:tc>
+                  <a:txBody>
+                    <a:bodyPr/>
+                    <a:lstStyle/>
+                    <a:p>
+                      <a:pPr lvl="0" indent="0" marL="0">
+                        <a:buNone/>
+                      </a:pPr>
+                      <a:r>
+                        <a:rPr/>
+                        <a:t>pib.usa</a:t>
+                      </a:r>
+                    </a:p>
+                  </a:txBody>
+                  <a:tcPr/>
+                </a:tc>
+                <a:tc>
+                  <a:txBody>
+                    <a:bodyPr/>
+                    <a:lstStyle/>
+                    <a:p>
+                      <a:pPr lvl="0" indent="0" marL="0">
+                        <a:buNone/>
+                      </a:pPr>
+                      <a:r>
+                        <a:rPr/>
+                        <a:t>ipc</a:t>
+                      </a:r>
+                    </a:p>
+                  </a:txBody>
+                  <a:tcPr/>
+                </a:tc>
+              </a:tr>
+              <a:tr h="0">
+                <a:tc>
+                  <a:txBody>
+                    <a:bodyPr/>
+                    <a:lstStyle/>
+                    <a:p>
+                      <a:pPr lvl="0" indent="0" marL="0">
+                        <a:buNone/>
+                      </a:pPr>
+                      <a:r>
+                        <a:rPr/>
+                        <a:t>1988</a:t>
+                      </a:r>
+                    </a:p>
+                  </a:txBody>
+                </a:tc>
+                <a:tc>
+                  <a:txBody>
+                    <a:bodyPr/>
+                    <a:lstStyle/>
+                    <a:p>
+                      <a:pPr lvl="0" indent="0" marL="0">
+                        <a:buNone/>
+                      </a:pPr>
+                      <a:r>
+                        <a:rPr/>
+                        <a:t>5.000000</a:t>
+                      </a:r>
+                    </a:p>
+                  </a:txBody>
+                </a:tc>
+                <a:tc>
+                  <a:txBody>
+                    <a:bodyPr/>
+                    <a:lstStyle/>
+                    <a:p>
+                      <a:pPr lvl="0" indent="0" marL="0">
+                        <a:buNone/>
+                      </a:pPr>
+                      <a:r>
+                        <a:rPr/>
+                        <a:t>745600334</a:t>
+                      </a:r>
+                    </a:p>
+                  </a:txBody>
+                </a:tc>
+                <a:tc>
+                  <a:txBody>
+                    <a:bodyPr/>
+                    <a:lstStyle/>
+                    <a:p>
+                      <a:pPr lvl="0" indent="0" marL="0">
+                        <a:buNone/>
+                      </a:pPr>
+                      <a:r>
+                        <a:rPr/>
+                        <a:t>499392985</a:t>
+                      </a:r>
+                    </a:p>
+                  </a:txBody>
+                </a:tc>
+                <a:tc>
+                  <a:txBody>
+                    <a:bodyPr/>
+                    <a:lstStyle/>
+                    <a:p>
+                      <a:pPr lvl="0" indent="0" marL="0">
+                        <a:buNone/>
+                      </a:pPr>
+                      <a:r>
+                        <a:rPr/>
+                        <a:t>11370998251</a:t>
+                      </a:r>
+                    </a:p>
+                  </a:txBody>
+                </a:tc>
+                <a:tc>
+                  <a:txBody>
+                    <a:bodyPr/>
+                    <a:lstStyle/>
+                    <a:p>
+                      <a:pPr lvl="0" indent="0" marL="0">
+                        <a:buNone/>
+                      </a:pPr>
+                      <a:r>
+                        <a:rPr/>
+                        <a:t>9.288320e+12</a:t>
+                      </a:r>
+                    </a:p>
+                  </a:txBody>
+                </a:tc>
+                <a:tc>
+                  <a:txBody>
+                    <a:bodyPr/>
+                    <a:lstStyle/>
+                    <a:p>
+                      <a:pPr lvl="0" indent="0" marL="0">
+                        <a:buNone/>
+                      </a:pPr>
+                      <a:r>
+                        <a:rPr/>
+                        <a:t>4.544</a:t>
+                      </a:r>
+                    </a:p>
+                  </a:txBody>
+                </a:tc>
+              </a:tr>
+              <a:tr h="0">
+                <a:tc>
+                  <a:txBody>
+                    <a:bodyPr/>
+                    <a:lstStyle/>
+                    <a:p>
+                      <a:pPr lvl="0" indent="0" marL="0">
+                        <a:buNone/>
+                      </a:pPr>
+                      <a:r>
+                        <a:rPr/>
+                        <a:t>1989</a:t>
+                      </a:r>
+                    </a:p>
+                  </a:txBody>
+                </a:tc>
+                <a:tc>
+                  <a:txBody>
+                    <a:bodyPr/>
+                    <a:lstStyle/>
+                    <a:p>
+                      <a:pPr lvl="0" indent="0" marL="0">
+                        <a:buNone/>
+                      </a:pPr>
+                      <a:r>
+                        <a:rPr/>
+                        <a:t>5.000000</a:t>
+                      </a:r>
+                    </a:p>
+                  </a:txBody>
+                </a:tc>
+                <a:tc>
+                  <a:txBody>
+                    <a:bodyPr/>
+                    <a:lstStyle/>
+                    <a:p>
+                      <a:pPr lvl="0" indent="0" marL="0">
+                        <a:buNone/>
+                      </a:pPr>
+                      <a:r>
+                        <a:rPr/>
+                        <a:t>657818737</a:t>
+                      </a:r>
+                    </a:p>
+                  </a:txBody>
+                </a:tc>
+                <a:tc>
+                  <a:txBody>
+                    <a:bodyPr/>
+                    <a:lstStyle/>
+                    <a:p>
+                      <a:pPr lvl="0" indent="0" marL="0">
+                        <a:buNone/>
+                      </a:pPr>
+                      <a:r>
+                        <a:rPr/>
+                        <a:t>549473202</a:t>
+                      </a:r>
+                    </a:p>
+                  </a:txBody>
+                </a:tc>
+                <a:tc>
+                  <a:txBody>
+                    <a:bodyPr/>
+                    <a:lstStyle/>
+                    <a:p>
+                      <a:pPr lvl="0" indent="0" marL="0">
+                        <a:buNone/>
+                      </a:pPr>
+                      <a:r>
+                        <a:rPr/>
+                        <a:t>11039712814</a:t>
+                      </a:r>
+                    </a:p>
+                  </a:txBody>
+                </a:tc>
+                <a:tc>
+                  <a:txBody>
+                    <a:bodyPr/>
+                    <a:lstStyle/>
+                    <a:p>
+                      <a:pPr lvl="0" indent="0" marL="0">
+                        <a:buNone/>
+                      </a:pPr>
+                      <a:r>
+                        <a:rPr/>
+                        <a:t>9.629447e+12</a:t>
+                      </a:r>
+                    </a:p>
+                  </a:txBody>
+                </a:tc>
+                <a:tc>
+                  <a:txBody>
+                    <a:bodyPr/>
+                    <a:lstStyle/>
+                    <a:p>
+                      <a:pPr lvl="0" indent="0" marL="0">
+                        <a:buNone/>
+                      </a:pPr>
+                      <a:r>
+                        <a:rPr/>
+                        <a:t>4.859</a:t>
+                      </a:r>
+                    </a:p>
+                  </a:txBody>
+                </a:tc>
+              </a:tr>
+              <a:tr h="0">
+                <a:tc>
+                  <a:txBody>
+                    <a:bodyPr/>
+                    <a:lstStyle/>
+                    <a:p>
+                      <a:pPr lvl="0" indent="0" marL="0">
+                        <a:buNone/>
+                      </a:pPr>
+                      <a:r>
+                        <a:rPr/>
+                        <a:t>1990</a:t>
+                      </a:r>
+                    </a:p>
+                  </a:txBody>
+                </a:tc>
+                <a:tc>
+                  <a:txBody>
+                    <a:bodyPr/>
+                    <a:lstStyle/>
+                    <a:p>
+                      <a:pPr lvl="0" indent="0" marL="0">
+                        <a:buNone/>
+                      </a:pPr>
+                      <a:r>
+                        <a:rPr/>
+                        <a:t>5.000000</a:t>
+                      </a:r>
+                    </a:p>
+                  </a:txBody>
+                </a:tc>
+                <a:tc>
+                  <a:txBody>
+                    <a:bodyPr/>
+                    <a:lstStyle/>
+                    <a:p>
+                      <a:pPr lvl="0" indent="0" marL="0">
+                        <a:buNone/>
+                      </a:pPr>
+                      <a:r>
+                        <a:rPr/>
+                        <a:t>834229358</a:t>
+                      </a:r>
+                    </a:p>
+                  </a:txBody>
+                </a:tc>
+                <a:tc>
+                  <a:txBody>
+                    <a:bodyPr/>
+                    <a:lstStyle/>
+                    <a:p>
+                      <a:pPr lvl="0" indent="0" marL="0">
+                        <a:buNone/>
+                      </a:pPr>
+                      <a:r>
+                        <a:rPr/>
+                        <a:t>551332713</a:t>
+                      </a:r>
+                    </a:p>
+                  </a:txBody>
+                </a:tc>
+                <a:tc>
+                  <a:txBody>
+                    <a:bodyPr/>
+                    <a:lstStyle/>
+                    <a:p>
+                      <a:pPr lvl="0" indent="0" marL="0">
+                        <a:buNone/>
+                      </a:pPr>
+                      <a:r>
+                        <a:rPr/>
+                        <a:t>11154318590</a:t>
+                      </a:r>
+                    </a:p>
+                  </a:txBody>
+                </a:tc>
+                <a:tc>
+                  <a:txBody>
+                    <a:bodyPr/>
+                    <a:lstStyle/>
+                    <a:p>
+                      <a:pPr lvl="0" indent="0" marL="0">
+                        <a:buNone/>
+                      </a:pPr>
+                      <a:r>
+                        <a:rPr/>
+                        <a:t>9.811433e+12</a:t>
+                      </a:r>
+                    </a:p>
+                  </a:txBody>
+                </a:tc>
+                <a:tc>
+                  <a:txBody>
+                    <a:bodyPr/>
+                    <a:lstStyle/>
+                    <a:p>
+                      <a:pPr lvl="0" indent="0" marL="0">
+                        <a:buNone/>
+                      </a:pPr>
+                      <a:r>
+                        <a:rPr/>
+                        <a:t>5.892</a:t>
+                      </a:r>
+                    </a:p>
+                  </a:txBody>
+                </a:tc>
+              </a:tr>
+              <a:tr h="0">
+                <a:tc>
+                  <a:txBody>
+                    <a:bodyPr/>
+                    <a:lstStyle/>
+                    <a:p>
+                      <a:pPr lvl="0" indent="0" marL="0">
+                        <a:buNone/>
+                      </a:pPr>
+                      <a:r>
+                        <a:rPr/>
+                        <a:t>1991</a:t>
+                      </a:r>
+                    </a:p>
+                  </a:txBody>
+                </a:tc>
+                <a:tc>
+                  <a:txBody>
+                    <a:bodyPr/>
+                    <a:lstStyle/>
+                    <a:p>
+                      <a:pPr lvl="0" indent="0" marL="0">
+                        <a:buNone/>
+                      </a:pPr>
+                      <a:r>
+                        <a:rPr/>
+                        <a:t>6.034167</a:t>
+                      </a:r>
+                    </a:p>
+                  </a:txBody>
+                </a:tc>
+                <a:tc>
+                  <a:txBody>
+                    <a:bodyPr/>
+                    <a:lstStyle/>
+                    <a:p>
+                      <a:pPr lvl="0" indent="0" marL="0">
+                        <a:buNone/>
+                      </a:pPr>
+                      <a:r>
+                        <a:rPr/>
+                        <a:t>704836857</a:t>
+                      </a:r>
+                    </a:p>
+                  </a:txBody>
+                </a:tc>
+                <a:tc>
+                  <a:txBody>
+                    <a:bodyPr/>
+                    <a:lstStyle/>
+                    <a:p>
+                      <a:pPr lvl="0" indent="0" marL="0">
+                        <a:buNone/>
+                      </a:pPr>
+                      <a:r>
+                        <a:rPr/>
+                        <a:t>496638065</a:t>
+                      </a:r>
+                    </a:p>
+                  </a:txBody>
+                </a:tc>
+                <a:tc>
+                  <a:txBody>
+                    <a:bodyPr/>
+                    <a:lstStyle/>
+                    <a:p>
+                      <a:pPr lvl="0" indent="0" marL="0">
+                        <a:buNone/>
+                      </a:pPr>
+                      <a:r>
+                        <a:rPr/>
+                        <a:t>11364080540</a:t>
+                      </a:r>
+                    </a:p>
+                  </a:txBody>
+                </a:tc>
+                <a:tc>
+                  <a:txBody>
+                    <a:bodyPr/>
+                    <a:lstStyle/>
+                    <a:p>
+                      <a:pPr lvl="0" indent="0" marL="0">
+                        <a:buNone/>
+                      </a:pPr>
+                      <a:r>
+                        <a:rPr/>
+                        <a:t>9.800433e+12</a:t>
+                      </a:r>
+                    </a:p>
+                  </a:txBody>
+                </a:tc>
+                <a:tc>
+                  <a:txBody>
+                    <a:bodyPr/>
+                    <a:lstStyle/>
+                    <a:p>
+                      <a:pPr lvl="0" indent="0" marL="0">
+                        <a:buNone/>
+                      </a:pPr>
+                      <a:r>
+                        <a:rPr/>
+                        <a:t>6.801</a:t>
+                      </a:r>
+                    </a:p>
+                  </a:txBody>
+                </a:tc>
+              </a:tr>
+              <a:tr h="0">
+                <a:tc>
+                  <a:txBody>
+                    <a:bodyPr/>
+                    <a:lstStyle/>
+                    <a:p>
+                      <a:pPr lvl="0" indent="0" marL="0">
+                        <a:buNone/>
+                      </a:pPr>
+                      <a:r>
+                        <a:rPr/>
+                        <a:t>1992</a:t>
+                      </a:r>
+                    </a:p>
+                  </a:txBody>
+                </a:tc>
+                <a:tc>
+                  <a:txBody>
+                    <a:bodyPr/>
+                    <a:lstStyle/>
+                    <a:p>
+                      <a:pPr lvl="0" indent="0" marL="0">
+                        <a:buNone/>
+                      </a:pPr>
+                      <a:r>
+                        <a:rPr/>
+                        <a:t>9.801667</a:t>
+                      </a:r>
+                    </a:p>
+                  </a:txBody>
+                </a:tc>
+                <a:tc>
+                  <a:txBody>
+                    <a:bodyPr/>
+                    <a:lstStyle/>
+                    <a:p>
+                      <a:pPr lvl="0" indent="0" marL="0">
+                        <a:buNone/>
+                      </a:pPr>
+                      <a:r>
+                        <a:rPr/>
+                        <a:t>626903014</a:t>
+                      </a:r>
+                    </a:p>
+                  </a:txBody>
+                </a:tc>
+                <a:tc>
+                  <a:txBody>
+                    <a:bodyPr/>
+                    <a:lstStyle/>
+                    <a:p>
+                      <a:pPr lvl="0" indent="0" marL="0">
+                        <a:buNone/>
+                      </a:pPr>
+                      <a:r>
+                        <a:rPr/>
+                        <a:t>374412508</a:t>
+                      </a:r>
+                    </a:p>
+                  </a:txBody>
+                </a:tc>
+                <a:tc>
+                  <a:txBody>
+                    <a:bodyPr/>
+                    <a:lstStyle/>
+                    <a:p>
+                      <a:pPr lvl="0" indent="0" marL="0">
+                        <a:buNone/>
+                      </a:pPr>
+                      <a:r>
+                        <a:rPr/>
+                        <a:t>10760655486</a:t>
+                      </a:r>
+                    </a:p>
+                  </a:txBody>
+                </a:tc>
+                <a:tc>
+                  <a:txBody>
+                    <a:bodyPr/>
+                    <a:lstStyle/>
+                    <a:p>
+                      <a:pPr lvl="0" indent="0" marL="0">
+                        <a:buNone/>
+                      </a:pPr>
+                      <a:r>
+                        <a:rPr/>
+                        <a:t>1.014565e+13</a:t>
+                      </a:r>
+                    </a:p>
+                  </a:txBody>
+                </a:tc>
+                <a:tc>
+                  <a:txBody>
+                    <a:bodyPr/>
+                    <a:lstStyle/>
+                    <a:p>
+                      <a:pPr lvl="0" indent="0" marL="0">
+                        <a:buNone/>
+                      </a:pPr>
+                      <a:r>
+                        <a:rPr/>
+                        <a:t>8.118</a:t>
+                      </a:r>
+                    </a:p>
+                  </a:txBody>
+                </a:tc>
+              </a:tr>
+              <a:tr h="0">
+                <a:tc>
+                  <a:txBody>
+                    <a:bodyPr/>
+                    <a:lstStyle/>
+                    <a:p>
+                      <a:pPr lvl="0" indent="0" marL="0">
+                        <a:buNone/>
+                      </a:pPr>
+                      <a:r>
+                        <a:rPr/>
+                        <a:t>1993</a:t>
+                      </a:r>
+                    </a:p>
+                  </a:txBody>
+                </a:tc>
+                <a:tc>
+                  <a:txBody>
+                    <a:bodyPr/>
+                    <a:lstStyle/>
+                    <a:p>
+                      <a:pPr lvl="0" indent="0" marL="0">
+                        <a:buNone/>
+                      </a:pPr>
+                      <a:r>
+                        <a:rPr/>
+                        <a:t>12.822500</a:t>
+                      </a:r>
+                    </a:p>
+                  </a:txBody>
+                </a:tc>
+                <a:tc>
+                  <a:txBody>
+                    <a:bodyPr/>
+                    <a:lstStyle/>
+                    <a:p>
+                      <a:pPr lvl="0" indent="0" marL="0">
+                        <a:buNone/>
+                      </a:pPr>
+                      <a:r>
+                        <a:rPr/>
+                        <a:t>925716700</a:t>
+                      </a:r>
+                    </a:p>
+                  </a:txBody>
+                </a:tc>
+                <a:tc>
+                  <a:txBody>
+                    <a:bodyPr/>
+                    <a:lstStyle/>
+                    <a:p>
+                      <a:pPr lvl="0" indent="0" marL="0">
+                        <a:buNone/>
+                      </a:pPr>
+                      <a:r>
+                        <a:rPr/>
+                        <a:t>457649660</a:t>
+                      </a:r>
+                    </a:p>
+                  </a:txBody>
+                </a:tc>
+                <a:tc>
+                  <a:txBody>
+                    <a:bodyPr/>
+                    <a:lstStyle/>
+                    <a:p>
+                      <a:pPr lvl="0" indent="0" marL="0">
+                        <a:buNone/>
+                      </a:pPr>
+                      <a:r>
+                        <a:rPr/>
+                        <a:t>10176750469</a:t>
+                      </a:r>
+                    </a:p>
+                  </a:txBody>
+                </a:tc>
+                <a:tc>
+                  <a:txBody>
+                    <a:bodyPr/>
+                    <a:lstStyle/>
+                    <a:p>
+                      <a:pPr lvl="0" indent="0" marL="0">
+                        <a:buNone/>
+                      </a:pPr>
+                      <a:r>
+                        <a:rPr/>
+                        <a:t>1.042483e+13</a:t>
+                      </a:r>
+                    </a:p>
+                  </a:txBody>
+                </a:tc>
+                <a:tc>
+                  <a:txBody>
+                    <a:bodyPr/>
+                    <a:lstStyle/>
+                    <a:p>
+                      <a:pPr lvl="0" indent="0" marL="0">
+                        <a:buNone/>
+                      </a:pPr>
+                      <a:r>
+                        <a:rPr/>
+                        <a:t>10.529</a:t>
+                      </a:r>
+                    </a:p>
+                  </a:txBody>
+                </a:tc>
+              </a:tr>
+              <a:tr h="0">
+                <a:tc>
+                  <a:txBody>
+                    <a:bodyPr/>
+                    <a:lstStyle/>
+                    <a:p>
+                      <a:pPr lvl="0" indent="0" marL="0">
+                        <a:buNone/>
+                      </a:pPr>
+                      <a:r>
+                        <a:rPr/>
+                        <a:t>1994</a:t>
+                      </a:r>
+                    </a:p>
+                  </a:txBody>
+                </a:tc>
+                <a:tc>
+                  <a:txBody>
+                    <a:bodyPr/>
+                    <a:lstStyle/>
+                    <a:p>
+                      <a:pPr lvl="0" indent="0" marL="0">
+                        <a:buNone/>
+                      </a:pPr>
+                      <a:r>
+                        <a:rPr/>
+                        <a:t>15.040000</a:t>
+                      </a:r>
+                    </a:p>
+                  </a:txBody>
+                </a:tc>
+                <a:tc>
+                  <a:txBody>
+                    <a:bodyPr/>
+                    <a:lstStyle/>
+                    <a:p>
+                      <a:pPr lvl="0" indent="0" marL="0">
+                        <a:buNone/>
+                      </a:pPr>
+                      <a:r>
+                        <a:rPr/>
+                        <a:t>757331148</a:t>
+                      </a:r>
+                    </a:p>
+                  </a:txBody>
+                </a:tc>
+                <a:tc>
+                  <a:txBody>
+                    <a:bodyPr/>
+                    <a:lstStyle/>
+                    <a:p>
+                      <a:pPr lvl="0" indent="0" marL="0">
+                        <a:buNone/>
+                      </a:pPr>
+                      <a:r>
+                        <a:rPr/>
+                        <a:t>303552625</a:t>
+                      </a:r>
+                    </a:p>
+                  </a:txBody>
+                </a:tc>
+                <a:tc>
+                  <a:txBody>
+                    <a:bodyPr/>
+                    <a:lstStyle/>
+                    <a:p>
+                      <a:pPr lvl="0" indent="0" marL="0">
+                        <a:buNone/>
+                      </a:pPr>
+                      <a:r>
+                        <a:rPr/>
+                        <a:t>8960564746</a:t>
+                      </a:r>
+                    </a:p>
+                  </a:txBody>
+                </a:tc>
+                <a:tc>
+                  <a:txBody>
+                    <a:bodyPr/>
+                    <a:lstStyle/>
+                    <a:p>
+                      <a:pPr lvl="0" indent="0" marL="0">
+                        <a:buNone/>
+                      </a:pPr>
+                      <a:r>
+                        <a:rPr/>
+                        <a:t>1.084483e+13</a:t>
+                      </a:r>
+                    </a:p>
+                  </a:txBody>
+                </a:tc>
+                <a:tc>
+                  <a:txBody>
+                    <a:bodyPr/>
+                    <a:lstStyle/>
+                    <a:p>
+                      <a:pPr lvl="0" indent="0" marL="0">
+                        <a:buNone/>
+                      </a:pPr>
+                      <a:r>
+                        <a:rPr/>
+                        <a:t>14.670</a:t>
+                      </a:r>
+                    </a:p>
+                  </a:txBody>
+                </a:tc>
+              </a:tr>
+              <a:tr h="0">
+                <a:tc>
+                  <a:txBody>
+                    <a:bodyPr/>
+                    <a:lstStyle/>
+                    <a:p>
+                      <a:pPr lvl="0" indent="0" marL="0">
+                        <a:buNone/>
+                      </a:pPr>
+                      <a:r>
+                        <a:rPr/>
+                        <a:t>1995</a:t>
+                      </a:r>
+                    </a:p>
+                  </a:txBody>
+                </a:tc>
+                <a:tc>
+                  <a:txBody>
+                    <a:bodyPr/>
+                    <a:lstStyle/>
+                    <a:p>
+                      <a:pPr lvl="0" indent="0" marL="0">
+                        <a:buNone/>
+                      </a:pPr>
+                      <a:r>
+                        <a:rPr/>
+                        <a:t>15.109733</a:t>
+                      </a:r>
+                    </a:p>
+                  </a:txBody>
+                </a:tc>
+                <a:tc>
+                  <a:txBody>
+                    <a:bodyPr/>
+                    <a:lstStyle/>
+                    <a:p>
+                      <a:pPr lvl="0" indent="0" marL="0">
+                        <a:buNone/>
+                      </a:pPr>
+                      <a:r>
+                        <a:rPr/>
+                        <a:t>1281062678</a:t>
+                      </a:r>
+                    </a:p>
+                  </a:txBody>
+                </a:tc>
+                <a:tc>
+                  <a:txBody>
+                    <a:bodyPr/>
+                    <a:lstStyle/>
+                    <a:p>
+                      <a:pPr lvl="0" indent="0" marL="0">
+                        <a:buNone/>
+                      </a:pPr>
+                      <a:r>
+                        <a:rPr/>
+                        <a:t>410306598</a:t>
+                      </a:r>
+                    </a:p>
+                  </a:txBody>
+                </a:tc>
+                <a:tc>
+                  <a:txBody>
+                    <a:bodyPr/>
+                    <a:lstStyle/>
+                    <a:p>
+                      <a:pPr lvl="0" indent="0" marL="0">
+                        <a:buNone/>
+                      </a:pPr>
+                      <a:r>
+                        <a:rPr/>
+                        <a:t>9847455234</a:t>
+                      </a:r>
+                    </a:p>
+                  </a:txBody>
+                </a:tc>
+                <a:tc>
+                  <a:txBody>
+                    <a:bodyPr/>
+                    <a:lstStyle/>
+                    <a:p>
+                      <a:pPr lvl="0" indent="0" marL="0">
+                        <a:buNone/>
+                      </a:pPr>
+                      <a:r>
+                        <a:rPr/>
+                        <a:t>1.113593e+13</a:t>
+                      </a:r>
+                    </a:p>
+                  </a:txBody>
+                </a:tc>
+                <a:tc>
+                  <a:txBody>
+                    <a:bodyPr/>
+                    <a:lstStyle/>
+                    <a:p>
+                      <a:pPr lvl="0" indent="0" marL="0">
+                        <a:buNone/>
+                      </a:pPr>
+                      <a:r>
+                        <a:rPr/>
+                        <a:t>18.720</a:t>
+                      </a:r>
+                    </a:p>
+                  </a:txBody>
+                </a:tc>
+              </a:tr>
+              <a:tr h="0">
+                <a:tc>
+                  <a:txBody>
+                    <a:bodyPr/>
+                    <a:lstStyle/>
+                    <a:p>
+                      <a:pPr lvl="0" indent="0" marL="0">
+                        <a:buNone/>
+                      </a:pPr>
+                      <a:r>
+                        <a:rPr/>
+                        <a:t>1996</a:t>
+                      </a:r>
+                    </a:p>
+                  </a:txBody>
+                </a:tc>
+                <a:tc>
+                  <a:txBody>
+                    <a:bodyPr/>
+                    <a:lstStyle/>
+                    <a:p>
+                      <a:pPr lvl="0" indent="0" marL="0">
+                        <a:buNone/>
+                      </a:pPr>
+                      <a:r>
+                        <a:rPr/>
+                        <a:t>15.701150</a:t>
+                      </a:r>
+                    </a:p>
+                  </a:txBody>
+                </a:tc>
+                <a:tc>
+                  <a:txBody>
+                    <a:bodyPr/>
+                    <a:lstStyle/>
+                    <a:p>
+                      <a:pPr lvl="0" indent="0" marL="0">
+                        <a:buNone/>
+                      </a:pPr>
+                      <a:r>
+                        <a:rPr/>
+                        <a:t>1698392335</a:t>
+                      </a:r>
+                    </a:p>
+                  </a:txBody>
+                </a:tc>
+                <a:tc>
+                  <a:txBody>
+                    <a:bodyPr/>
+                    <a:lstStyle/>
+                    <a:p>
+                      <a:pPr lvl="0" indent="0" marL="0">
+                        <a:buNone/>
+                      </a:pPr>
+                      <a:r>
+                        <a:rPr/>
+                        <a:t>522320922</a:t>
+                      </a:r>
+                    </a:p>
+                  </a:txBody>
+                </a:tc>
+                <a:tc>
+                  <a:txBody>
+                    <a:bodyPr/>
+                    <a:lstStyle/>
+                    <a:p>
+                      <a:pPr lvl="0" indent="0" marL="0">
+                        <a:buNone/>
+                      </a:pPr>
+                      <a:r>
+                        <a:rPr/>
+                        <a:t>10255216034</a:t>
+                      </a:r>
+                    </a:p>
+                  </a:txBody>
+                </a:tc>
+                <a:tc>
+                  <a:txBody>
+                    <a:bodyPr/>
+                    <a:lstStyle/>
+                    <a:p>
+                      <a:pPr lvl="0" indent="0" marL="0">
+                        <a:buNone/>
+                      </a:pPr>
+                      <a:r>
+                        <a:rPr/>
+                        <a:t>1.155604e+13</a:t>
+                      </a:r>
+                    </a:p>
+                  </a:txBody>
+                </a:tc>
+                <a:tc>
+                  <a:txBody>
+                    <a:bodyPr/>
+                    <a:lstStyle/>
+                    <a:p>
+                      <a:pPr lvl="0" indent="0" marL="0">
+                        <a:buNone/>
+                      </a:pPr>
+                      <a:r>
+                        <a:rPr/>
+                        <a:t>22.574</a:t>
+                      </a:r>
+                    </a:p>
+                  </a:txBody>
+                </a:tc>
+              </a:tr>
+              <a:tr h="0">
+                <a:tc>
+                  <a:txBody>
+                    <a:bodyPr/>
+                    <a:lstStyle/>
+                    <a:p>
+                      <a:pPr lvl="0" indent="0" marL="0">
+                        <a:buNone/>
+                      </a:pPr>
+                      <a:r>
+                        <a:rPr/>
+                        <a:t>1997</a:t>
+                      </a:r>
+                    </a:p>
+                  </a:txBody>
+                </a:tc>
+                <a:tc>
+                  <a:txBody>
+                    <a:bodyPr/>
+                    <a:lstStyle/>
+                    <a:p>
+                      <a:pPr lvl="0" indent="0" marL="0">
+                        <a:buNone/>
+                      </a:pPr>
+                      <a:r>
+                        <a:rPr/>
+                        <a:t>16.654500</a:t>
+                      </a:r>
+                    </a:p>
+                  </a:txBody>
+                </a:tc>
+                <a:tc>
+                  <a:txBody>
+                    <a:bodyPr/>
+                    <a:lstStyle/>
+                    <a:p>
+                      <a:pPr lvl="0" indent="0" marL="0">
+                        <a:buNone/>
+                      </a:pPr>
+                      <a:r>
+                        <a:rPr/>
+                        <a:t>1820946308</a:t>
+                      </a:r>
+                    </a:p>
+                  </a:txBody>
+                </a:tc>
+                <a:tc>
+                  <a:txBody>
+                    <a:bodyPr/>
+                    <a:lstStyle/>
+                    <a:p>
+                      <a:pPr lvl="0" indent="0" marL="0">
+                        <a:buNone/>
+                      </a:pPr>
+                      <a:r>
+                        <a:rPr/>
+                        <a:t>596893972</a:t>
+                      </a:r>
+                    </a:p>
+                  </a:txBody>
+                </a:tc>
+                <a:tc>
+                  <a:txBody>
+                    <a:bodyPr/>
+                    <a:lstStyle/>
+                    <a:p>
+                      <a:pPr lvl="0" indent="0" marL="0">
+                        <a:buNone/>
+                      </a:pPr>
+                      <a:r>
+                        <a:rPr/>
+                        <a:t>10532590290</a:t>
+                      </a:r>
+                    </a:p>
+                  </a:txBody>
+                </a:tc>
+                <a:tc>
+                  <a:txBody>
+                    <a:bodyPr/>
+                    <a:lstStyle/>
+                    <a:p>
+                      <a:pPr lvl="0" indent="0" marL="0">
+                        <a:buNone/>
+                      </a:pPr>
+                      <a:r>
+                        <a:rPr/>
+                        <a:t>1.206995e+13</a:t>
+                      </a:r>
+                    </a:p>
+                  </a:txBody>
+                </a:tc>
+                <a:tc>
+                  <a:txBody>
+                    <a:bodyPr/>
+                    <a:lstStyle/>
+                    <a:p>
+                      <a:pPr lvl="0" indent="0" marL="0">
+                        <a:buNone/>
+                      </a:pPr>
+                      <a:r>
+                        <a:rPr/>
+                        <a:t>27.215</a:t>
+                      </a:r>
+                    </a:p>
+                  </a:txBody>
+                </a:tc>
+              </a:tr>
+              <a:tr h="0">
+                <a:tc>
+                  <a:txBody>
+                    <a:bodyPr/>
+                    <a:lstStyle/>
+                    <a:p>
+                      <a:pPr lvl="0" indent="0" marL="0">
+                        <a:buNone/>
+                      </a:pPr>
+                      <a:r>
+                        <a:rPr/>
+                        <a:t>1998</a:t>
+                      </a:r>
+                    </a:p>
+                  </a:txBody>
+                </a:tc>
+                <a:tc>
+                  <a:txBody>
+                    <a:bodyPr/>
+                    <a:lstStyle/>
+                    <a:p>
+                      <a:pPr lvl="0" indent="0" marL="0">
+                        <a:buNone/>
+                      </a:pPr>
+                      <a:r>
+                        <a:rPr/>
+                        <a:t>16.765667</a:t>
+                      </a:r>
+                    </a:p>
+                  </a:txBody>
+                </a:tc>
+                <a:tc>
+                  <a:txBody>
+                    <a:bodyPr/>
+                    <a:lstStyle/>
+                    <a:p>
+                      <a:pPr lvl="0" indent="0" marL="0">
+                        <a:buNone/>
+                      </a:pPr>
+                      <a:r>
+                        <a:rPr/>
+                        <a:t>1941077488</a:t>
+                      </a:r>
+                    </a:p>
+                  </a:txBody>
+                </a:tc>
+                <a:tc>
+                  <a:txBody>
+                    <a:bodyPr/>
+                    <a:lstStyle/>
+                    <a:p>
+                      <a:pPr lvl="0" indent="0" marL="0">
+                        <a:buNone/>
+                      </a:pPr>
+                      <a:r>
+                        <a:rPr/>
+                        <a:t>735828883</a:t>
+                      </a:r>
+                    </a:p>
+                  </a:txBody>
+                </a:tc>
+                <a:tc>
+                  <a:txBody>
+                    <a:bodyPr/>
+                    <a:lstStyle/>
+                    <a:p>
+                      <a:pPr lvl="0" indent="0" marL="0">
+                        <a:buNone/>
+                      </a:pPr>
+                      <a:r>
+                        <a:rPr/>
+                        <a:t>10762394593</a:t>
+                      </a:r>
+                    </a:p>
+                  </a:txBody>
+                </a:tc>
+                <a:tc>
+                  <a:txBody>
+                    <a:bodyPr/>
+                    <a:lstStyle/>
+                    <a:p>
+                      <a:pPr lvl="0" indent="0" marL="0">
+                        <a:buNone/>
+                      </a:pPr>
+                      <a:r>
+                        <a:rPr/>
+                        <a:t>1.261086e+13</a:t>
+                      </a:r>
+                    </a:p>
+                  </a:txBody>
+                </a:tc>
+                <a:tc>
+                  <a:txBody>
+                    <a:bodyPr/>
+                    <a:lstStyle/>
+                    <a:p>
+                      <a:pPr lvl="0" indent="0" marL="0">
+                        <a:buNone/>
+                      </a:pPr>
+                      <a:r>
+                        <a:rPr/>
+                        <a:t>28.649</a:t>
+                      </a:r>
+                    </a:p>
+                  </a:txBody>
+                </a:tc>
+              </a:tr>
+              <a:tr h="0">
+                <a:tc>
+                  <a:txBody>
+                    <a:bodyPr/>
+                    <a:lstStyle/>
+                    <a:p>
+                      <a:pPr lvl="0" indent="0" marL="0">
+                        <a:buNone/>
+                      </a:pPr>
+                      <a:r>
+                        <a:rPr/>
+                        <a:t>1999</a:t>
+                      </a:r>
+                    </a:p>
+                  </a:txBody>
+                </a:tc>
+                <a:tc>
+                  <a:txBody>
+                    <a:bodyPr/>
+                    <a:lstStyle/>
+                    <a:p>
+                      <a:pPr lvl="0" indent="0" marL="0">
+                        <a:buNone/>
+                      </a:pPr>
+                      <a:r>
+                        <a:rPr/>
+                        <a:t>16.937892</a:t>
+                      </a:r>
+                    </a:p>
+                  </a:txBody>
+                </a:tc>
+                <a:tc>
+                  <a:txBody>
+                    <a:bodyPr/>
+                    <a:lstStyle/>
+                    <a:p>
+                      <a:pPr lvl="0" indent="0" marL="0">
+                        <a:buNone/>
+                      </a:pPr>
+                      <a:r>
+                        <a:rPr/>
+                        <a:t>2381827658</a:t>
+                      </a:r>
+                    </a:p>
+                  </a:txBody>
+                </a:tc>
+                <a:tc>
+                  <a:txBody>
+                    <a:bodyPr/>
+                    <a:lstStyle/>
+                    <a:p>
+                      <a:pPr lvl="0" indent="0" marL="0">
+                        <a:buNone/>
+                      </a:pPr>
+                      <a:r>
+                        <a:rPr/>
+                        <a:t>857126146</a:t>
+                      </a:r>
+                    </a:p>
+                  </a:txBody>
+                </a:tc>
+                <a:tc>
+                  <a:txBody>
+                    <a:bodyPr/>
+                    <a:lstStyle/>
+                    <a:p>
+                      <a:pPr lvl="0" indent="0" marL="0">
+                        <a:buNone/>
+                      </a:pPr>
+                      <a:r>
+                        <a:rPr/>
+                        <a:t>11054082178</a:t>
+                      </a:r>
+                    </a:p>
+                  </a:txBody>
+                </a:tc>
+                <a:tc>
+                  <a:txBody>
+                    <a:bodyPr/>
+                    <a:lstStyle/>
+                    <a:p>
+                      <a:pPr lvl="0" indent="0" marL="0">
+                        <a:buNone/>
+                      </a:pPr>
+                      <a:r>
+                        <a:rPr/>
+                        <a:t>1.321548e+13</a:t>
+                      </a:r>
+                    </a:p>
+                  </a:txBody>
+                </a:tc>
+                <a:tc>
+                  <a:txBody>
+                    <a:bodyPr/>
+                    <a:lstStyle/>
+                    <a:p>
+                      <a:pPr lvl="0" indent="0" marL="0">
+                        <a:buNone/>
+                      </a:pPr>
+                      <a:r>
+                        <a:rPr/>
+                        <a:t>29.509</a:t>
+                      </a:r>
+                    </a:p>
+                  </a:txBody>
+                </a:tc>
+              </a:tr>
+              <a:tr h="0">
+                <a:tc>
+                  <a:txBody>
+                    <a:bodyPr/>
+                    <a:lstStyle/>
+                    <a:p>
+                      <a:pPr lvl="0" indent="0" marL="0">
+                        <a:buNone/>
+                      </a:pPr>
+                      <a:r>
+                        <a:rPr/>
+                        <a:t>2000</a:t>
+                      </a:r>
+                    </a:p>
+                  </a:txBody>
+                </a:tc>
+                <a:tc>
+                  <a:txBody>
+                    <a:bodyPr/>
+                    <a:lstStyle/>
+                    <a:p>
+                      <a:pPr lvl="0" indent="0" marL="0">
+                        <a:buNone/>
+                      </a:pPr>
+                      <a:r>
+                        <a:rPr/>
+                        <a:t>21.170667</a:t>
+                      </a:r>
+                    </a:p>
+                  </a:txBody>
+                </a:tc>
+                <a:tc>
+                  <a:txBody>
+                    <a:bodyPr/>
+                    <a:lstStyle/>
+                    <a:p>
+                      <a:pPr lvl="0" indent="0" marL="0">
+                        <a:buNone/>
+                      </a:pPr>
+                      <a:r>
+                        <a:rPr/>
+                        <a:t>2580052840</a:t>
+                      </a:r>
+                    </a:p>
+                  </a:txBody>
+                </a:tc>
+                <a:tc>
+                  <a:txBody>
+                    <a:bodyPr/>
+                    <a:lstStyle/>
+                    <a:p>
+                      <a:pPr lvl="0" indent="0" marL="0">
+                        <a:buNone/>
+                      </a:pPr>
+                      <a:r>
+                        <a:rPr/>
+                        <a:t>266998303</a:t>
+                      </a:r>
+                    </a:p>
+                  </a:txBody>
+                </a:tc>
+                <a:tc>
+                  <a:txBody>
+                    <a:bodyPr/>
+                    <a:lstStyle/>
+                    <a:p>
+                      <a:pPr lvl="0" indent="0" marL="0">
+                        <a:buNone/>
+                      </a:pPr>
+                      <a:r>
+                        <a:rPr/>
+                        <a:t>11150259244</a:t>
+                      </a:r>
+                    </a:p>
+                  </a:txBody>
+                </a:tc>
+                <a:tc>
+                  <a:txBody>
+                    <a:bodyPr/>
+                    <a:lstStyle/>
+                    <a:p>
+                      <a:pPr lvl="0" indent="0" marL="0">
+                        <a:buNone/>
+                      </a:pPr>
+                      <a:r>
+                        <a:rPr/>
+                        <a:t>1.375430e+13</a:t>
+                      </a:r>
+                    </a:p>
+                  </a:txBody>
+                </a:tc>
+                <a:tc>
+                  <a:txBody>
+                    <a:bodyPr/>
+                    <a:lstStyle/>
+                    <a:p>
+                      <a:pPr lvl="0" indent="0" marL="0">
+                        <a:buNone/>
+                      </a:pPr>
+                      <a:r>
+                        <a:rPr/>
+                        <a:t>32.264</a:t>
+                      </a:r>
+                    </a:p>
+                  </a:txBody>
+                </a:tc>
+              </a:tr>
+              <a:tr h="0">
+                <a:tc>
+                  <a:txBody>
+                    <a:bodyPr/>
+                    <a:lstStyle/>
+                    <a:p>
+                      <a:pPr lvl="0" indent="0" marL="0">
+                        <a:buNone/>
+                      </a:pPr>
+                      <a:r>
+                        <a:rPr/>
+                        <a:t>2001</a:t>
+                      </a:r>
+                    </a:p>
+                  </a:txBody>
+                </a:tc>
+                <a:tc>
+                  <a:txBody>
+                    <a:bodyPr/>
+                    <a:lstStyle/>
+                    <a:p>
+                      <a:pPr lvl="0" indent="0" marL="0">
+                        <a:buNone/>
+                      </a:pPr>
+                      <a:r>
+                        <a:rPr/>
+                        <a:t>24.429083</a:t>
+                      </a:r>
+                    </a:p>
+                  </a:txBody>
+                </a:tc>
+                <a:tc>
+                  <a:txBody>
+                    <a:bodyPr/>
+                    <a:lstStyle/>
+                    <a:p>
+                      <a:pPr lvl="0" indent="0" marL="0">
+                        <a:buNone/>
+                      </a:pPr>
+                      <a:r>
+                        <a:rPr/>
+                        <a:t>2501294679</a:t>
+                      </a:r>
+                    </a:p>
+                  </a:txBody>
+                </a:tc>
+                <a:tc>
+                  <a:txBody>
+                    <a:bodyPr/>
+                    <a:lstStyle/>
+                    <a:p>
+                      <a:pPr lvl="0" indent="0" marL="0">
+                        <a:buNone/>
+                      </a:pPr>
+                      <a:r>
+                        <a:rPr/>
+                        <a:t>262119450</a:t>
+                      </a:r>
+                    </a:p>
+                  </a:txBody>
+                </a:tc>
+                <a:tc>
+                  <a:txBody>
+                    <a:bodyPr/>
+                    <a:lstStyle/>
+                    <a:p>
+                      <a:pPr lvl="0" indent="0" marL="0">
+                        <a:buNone/>
+                      </a:pPr>
+                      <a:r>
+                        <a:rPr/>
+                        <a:t>11112041966</a:t>
+                      </a:r>
+                    </a:p>
+                  </a:txBody>
+                </a:tc>
+                <a:tc>
+                  <a:txBody>
+                    <a:bodyPr/>
+                    <a:lstStyle/>
+                    <a:p>
+                      <a:pPr lvl="0" indent="0" marL="0">
+                        <a:buNone/>
+                      </a:pPr>
+                      <a:r>
+                        <a:rPr/>
+                        <a:t>1.388556e+13</a:t>
+                      </a:r>
+                    </a:p>
+                  </a:txBody>
+                </a:tc>
+                <a:tc>
+                  <a:txBody>
+                    <a:bodyPr/>
+                    <a:lstStyle/>
+                    <a:p>
+                      <a:pPr lvl="0" indent="0" marL="0">
+                        <a:buNone/>
+                      </a:pPr>
+                      <a:r>
+                        <a:rPr/>
+                        <a:t>36.560</a:t>
+                      </a:r>
+                    </a:p>
+                  </a:txBody>
+                </a:tc>
+              </a:tr>
+              <a:tr h="0">
+                <a:tc>
+                  <a:txBody>
+                    <a:bodyPr/>
+                    <a:lstStyle/>
+                    <a:p>
+                      <a:pPr lvl="0" indent="0" marL="0">
+                        <a:buNone/>
+                      </a:pPr>
+                      <a:r>
+                        <a:rPr/>
+                        <a:t>2002</a:t>
+                      </a:r>
+                    </a:p>
+                  </a:txBody>
+                </a:tc>
+                <a:tc>
+                  <a:txBody>
+                    <a:bodyPr/>
+                    <a:lstStyle/>
+                    <a:p>
+                      <a:pPr lvl="0" indent="0" marL="0">
+                        <a:buNone/>
+                      </a:pPr>
+                      <a:r>
+                        <a:rPr/>
+                        <a:t>29.250483</a:t>
+                      </a:r>
+                    </a:p>
+                  </a:txBody>
+                </a:tc>
+                <a:tc>
+                  <a:txBody>
+                    <a:bodyPr/>
+                    <a:lstStyle/>
+                    <a:p>
+                      <a:pPr lvl="0" indent="0" marL="0">
+                        <a:buNone/>
+                      </a:pPr>
+                      <a:r>
+                        <a:rPr/>
+                        <a:t>2410003411</a:t>
+                      </a:r>
+                    </a:p>
+                  </a:txBody>
+                </a:tc>
+                <a:tc>
+                  <a:txBody>
+                    <a:bodyPr/>
+                    <a:lstStyle/>
+                    <a:p>
+                      <a:pPr lvl="0" indent="0" marL="0">
+                        <a:buNone/>
+                      </a:pPr>
+                      <a:r>
+                        <a:rPr/>
+                        <a:t>251250512</a:t>
+                      </a:r>
+                    </a:p>
+                  </a:txBody>
+                </a:tc>
+                <a:tc>
+                  <a:txBody>
+                    <a:bodyPr/>
+                    <a:lstStyle/>
+                    <a:p>
+                      <a:pPr lvl="0" indent="0" marL="0">
+                        <a:buNone/>
+                      </a:pPr>
+                      <a:r>
+                        <a:rPr/>
+                        <a:t>11228920661</a:t>
+                      </a:r>
+                    </a:p>
+                  </a:txBody>
+                </a:tc>
+                <a:tc>
+                  <a:txBody>
+                    <a:bodyPr/>
+                    <a:lstStyle/>
+                    <a:p>
+                      <a:pPr lvl="0" indent="0" marL="0">
+                        <a:buNone/>
+                      </a:pPr>
+                      <a:r>
+                        <a:rPr/>
+                        <a:t>1.412105e+13</a:t>
+                      </a:r>
+                    </a:p>
+                  </a:txBody>
+                </a:tc>
+                <a:tc>
+                  <a:txBody>
+                    <a:bodyPr/>
+                    <a:lstStyle/>
+                    <a:p>
+                      <a:pPr lvl="0" indent="0" marL="0">
+                        <a:buNone/>
+                      </a:pPr>
+                      <a:r>
+                        <a:rPr/>
+                        <a:t>39.131</a:t>
+                      </a:r>
+                    </a:p>
+                  </a:txBody>
+                </a:tc>
+              </a:tr>
+              <a:tr h="0">
+                <a:tc>
+                  <a:txBody>
+                    <a:bodyPr/>
+                    <a:lstStyle/>
+                    <a:p>
+                      <a:pPr lvl="0" indent="0" marL="0">
+                        <a:buNone/>
+                      </a:pPr>
+                      <a:r>
+                        <a:rPr/>
+                        <a:t>2003</a:t>
+                      </a:r>
+                    </a:p>
+                  </a:txBody>
+                </a:tc>
+                <a:tc>
+                  <a:txBody>
+                    <a:bodyPr/>
+                    <a:lstStyle/>
+                    <a:p>
+                      <a:pPr lvl="0" indent="0" marL="0">
+                        <a:buNone/>
+                      </a:pPr>
+                      <a:r>
+                        <a:rPr/>
+                        <a:t>42.366758</a:t>
+                      </a:r>
+                    </a:p>
+                  </a:txBody>
+                </a:tc>
+                <a:tc>
+                  <a:txBody>
+                    <a:bodyPr/>
+                    <a:lstStyle/>
+                    <a:p>
+                      <a:pPr lvl="0" indent="0" marL="0">
+                        <a:buNone/>
+                      </a:pPr>
+                      <a:r>
+                        <a:rPr/>
+                        <a:t>2664368099</a:t>
+                      </a:r>
+                    </a:p>
+                  </a:txBody>
+                </a:tc>
+                <a:tc>
+                  <a:txBody>
+                    <a:bodyPr/>
+                    <a:lstStyle/>
+                    <a:p>
+                      <a:pPr lvl="0" indent="0" marL="0">
+                        <a:buNone/>
+                      </a:pPr>
+                      <a:r>
+                        <a:rPr/>
+                        <a:t>524038869</a:t>
+                      </a:r>
+                    </a:p>
+                  </a:txBody>
+                </a:tc>
+                <a:tc>
+                  <a:txBody>
+                    <a:bodyPr/>
+                    <a:lstStyle/>
+                    <a:p>
+                      <a:pPr lvl="0" indent="0" marL="0">
+                        <a:buNone/>
+                      </a:pPr>
+                      <a:r>
+                        <a:rPr/>
+                        <a:t>11619774656</a:t>
+                      </a:r>
+                    </a:p>
+                  </a:txBody>
+                </a:tc>
+                <a:tc>
+                  <a:txBody>
+                    <a:bodyPr/>
+                    <a:lstStyle/>
+                    <a:p>
+                      <a:pPr lvl="0" indent="0" marL="0">
+                        <a:buNone/>
+                      </a:pPr>
+                      <a:r>
+                        <a:rPr/>
+                        <a:t>1.451591e+13</a:t>
+                      </a:r>
+                    </a:p>
+                  </a:txBody>
+                </a:tc>
+                <a:tc>
+                  <a:txBody>
+                    <a:bodyPr/>
+                    <a:lstStyle/>
+                    <a:p>
+                      <a:pPr lvl="0" indent="0" marL="0">
+                        <a:buNone/>
+                      </a:pPr>
+                      <a:r>
+                        <a:rPr/>
+                        <a:t>50.362</a:t>
+                      </a:r>
+                    </a:p>
+                  </a:txBody>
+                </a:tc>
+              </a:tr>
+              <a:tr h="0">
+                <a:tc>
+                  <a:txBody>
+                    <a:bodyPr/>
+                    <a:lstStyle/>
+                    <a:p>
+                      <a:pPr lvl="0" indent="0" marL="0">
+                        <a:buNone/>
+                      </a:pPr>
+                      <a:r>
+                        <a:rPr/>
+                        <a:t>2004</a:t>
+                      </a:r>
+                    </a:p>
+                  </a:txBody>
+                </a:tc>
+                <a:tc>
+                  <a:txBody>
+                    <a:bodyPr/>
+                    <a:lstStyle/>
+                    <a:p>
+                      <a:pPr lvl="0" indent="0" marL="0">
+                        <a:buNone/>
+                      </a:pPr>
+                      <a:r>
+                        <a:rPr/>
+                        <a:t>38.352033</a:t>
+                      </a:r>
+                    </a:p>
+                  </a:txBody>
+                </a:tc>
+                <a:tc>
+                  <a:txBody>
+                    <a:bodyPr/>
+                    <a:lstStyle/>
+                    <a:p>
+                      <a:pPr lvl="0" indent="0" marL="0">
+                        <a:buNone/>
+                      </a:pPr>
+                      <a:r>
+                        <a:rPr/>
+                        <a:t>2684992998</a:t>
+                      </a:r>
+                    </a:p>
+                  </a:txBody>
+                </a:tc>
+                <a:tc>
+                  <a:txBody>
+                    <a:bodyPr/>
+                    <a:lstStyle/>
+                    <a:p>
+                      <a:pPr lvl="0" indent="0" marL="0">
+                        <a:buNone/>
+                      </a:pPr>
+                      <a:r>
+                        <a:rPr/>
+                        <a:t>468876283</a:t>
+                      </a:r>
+                    </a:p>
+                  </a:txBody>
+                </a:tc>
+                <a:tc>
+                  <a:txBody>
+                    <a:bodyPr/>
+                    <a:lstStyle/>
+                    <a:p>
+                      <a:pPr lvl="0" indent="0" marL="0">
+                        <a:buNone/>
+                      </a:pPr>
+                      <a:r>
+                        <a:rPr/>
+                        <a:t>11466642670</a:t>
+                      </a:r>
+                    </a:p>
+                  </a:txBody>
+                </a:tc>
+                <a:tc>
+                  <a:txBody>
+                    <a:bodyPr/>
+                    <a:lstStyle/>
+                    <a:p>
+                      <a:pPr lvl="0" indent="0" marL="0">
+                        <a:buNone/>
+                      </a:pPr>
+                      <a:r>
+                        <a:rPr/>
+                        <a:t>1.507514e+13</a:t>
+                      </a:r>
+                    </a:p>
+                  </a:txBody>
+                </a:tc>
+                <a:tc>
+                  <a:txBody>
+                    <a:bodyPr/>
+                    <a:lstStyle/>
+                    <a:p>
+                      <a:pPr lvl="0" indent="0" marL="0">
+                        <a:buNone/>
+                      </a:pPr>
+                      <a:r>
+                        <a:rPr/>
+                        <a:t>60.954</a:t>
+                      </a:r>
+                    </a:p>
+                  </a:txBody>
+                </a:tc>
+              </a:tr>
+              <a:tr h="0">
+                <a:tc>
+                  <a:txBody>
+                    <a:bodyPr/>
+                    <a:lstStyle/>
+                    <a:p>
+                      <a:pPr lvl="0" indent="0" marL="0">
+                        <a:buNone/>
+                      </a:pPr>
+                      <a:r>
+                        <a:rPr/>
+                        <a:t>2005</a:t>
+                      </a:r>
+                    </a:p>
+                  </a:txBody>
+                </a:tc>
+                <a:tc>
+                  <a:txBody>
+                    <a:bodyPr/>
+                    <a:lstStyle/>
+                    <a:p>
+                      <a:pPr lvl="0" indent="0" marL="0">
+                        <a:buNone/>
+                      </a:pPr>
+                      <a:r>
+                        <a:rPr/>
+                        <a:t>40.448550</a:t>
+                      </a:r>
+                    </a:p>
+                  </a:txBody>
+                </a:tc>
+                <a:tc>
+                  <a:txBody>
+                    <a:bodyPr/>
+                    <a:lstStyle/>
+                    <a:p>
+                      <a:pPr lvl="0" indent="0" marL="0">
+                        <a:buNone/>
+                      </a:pPr>
+                      <a:r>
+                        <a:rPr/>
+                        <a:t>2523553664</a:t>
+                      </a:r>
+                    </a:p>
+                  </a:txBody>
+                </a:tc>
+                <a:tc>
+                  <a:txBody>
+                    <a:bodyPr/>
+                    <a:lstStyle/>
+                    <a:p>
+                      <a:pPr lvl="0" indent="0" marL="0">
+                        <a:buNone/>
+                      </a:pPr>
+                      <a:r>
+                        <a:rPr/>
+                        <a:t>481325636</a:t>
+                      </a:r>
+                    </a:p>
+                  </a:txBody>
+                </a:tc>
+                <a:tc>
+                  <a:txBody>
+                    <a:bodyPr/>
+                    <a:lstStyle/>
+                    <a:p>
+                      <a:pPr lvl="0" indent="0" marL="0">
+                        <a:buNone/>
+                      </a:pPr>
+                      <a:r>
+                        <a:rPr/>
+                        <a:t>11818917813</a:t>
+                      </a:r>
+                    </a:p>
+                  </a:txBody>
+                </a:tc>
+                <a:tc>
+                  <a:txBody>
+                    <a:bodyPr/>
+                    <a:lstStyle/>
+                    <a:p>
+                      <a:pPr lvl="0" indent="0" marL="0">
+                        <a:buNone/>
+                      </a:pPr>
+                      <a:r>
+                        <a:rPr/>
+                        <a:t>1.560024e+13</a:t>
+                      </a:r>
+                    </a:p>
+                  </a:txBody>
+                </a:tc>
+                <a:tc>
+                  <a:txBody>
+                    <a:bodyPr/>
+                    <a:lstStyle/>
+                    <a:p>
+                      <a:pPr lvl="0" indent="0" marL="0">
+                        <a:buNone/>
+                      </a:pPr>
+                      <a:r>
+                        <a:rPr/>
+                        <a:t>69.471</a:t>
+                      </a:r>
+                    </a:p>
+                  </a:txBody>
+                </a:tc>
+              </a:tr>
+              <a:tr h="0">
+                <a:tc>
+                  <a:txBody>
+                    <a:bodyPr/>
+                    <a:lstStyle/>
+                    <a:p>
+                      <a:pPr lvl="0" indent="0" marL="0">
+                        <a:buNone/>
+                      </a:pPr>
+                      <a:r>
+                        <a:rPr/>
+                        <a:t>2006</a:t>
+                      </a:r>
+                    </a:p>
+                  </a:txBody>
+                </a:tc>
+                <a:tc>
+                  <a:txBody>
+                    <a:bodyPr/>
+                    <a:lstStyle/>
+                    <a:p>
+                      <a:pPr lvl="0" indent="0" marL="0">
+                        <a:buNone/>
+                      </a:pPr>
+                      <a:r>
+                        <a:rPr/>
+                        <a:t>40.408517</a:t>
+                      </a:r>
+                    </a:p>
+                  </a:txBody>
+                </a:tc>
+                <a:tc>
+                  <a:txBody>
+                    <a:bodyPr/>
+                    <a:lstStyle/>
+                    <a:p>
+                      <a:pPr lvl="0" indent="0" marL="0">
+                        <a:buNone/>
+                      </a:pPr>
+                      <a:r>
+                        <a:rPr/>
+                        <a:t>3004202345</a:t>
+                      </a:r>
+                    </a:p>
+                  </a:txBody>
+                </a:tc>
+                <a:tc>
+                  <a:txBody>
+                    <a:bodyPr/>
+                    <a:lstStyle/>
+                    <a:p>
+                      <a:pPr lvl="0" indent="0" marL="0">
+                        <a:buNone/>
+                      </a:pPr>
+                      <a:r>
+                        <a:rPr/>
+                        <a:t>350351399</a:t>
+                      </a:r>
+                    </a:p>
+                  </a:txBody>
+                </a:tc>
+                <a:tc>
+                  <a:txBody>
+                    <a:bodyPr/>
+                    <a:lstStyle/>
+                    <a:p>
+                      <a:pPr lvl="0" indent="0" marL="0">
+                        <a:buNone/>
+                      </a:pPr>
+                      <a:r>
+                        <a:rPr/>
+                        <a:t>12027964993</a:t>
+                      </a:r>
+                    </a:p>
+                  </a:txBody>
+                </a:tc>
+                <a:tc>
+                  <a:txBody>
+                    <a:bodyPr/>
+                    <a:lstStyle/>
+                    <a:p>
+                      <a:pPr lvl="0" indent="0" marL="0">
+                        <a:buNone/>
+                      </a:pPr>
+                      <a:r>
+                        <a:rPr/>
+                        <a:t>1.603437e+13</a:t>
+                      </a:r>
+                    </a:p>
+                  </a:txBody>
+                </a:tc>
+                <a:tc>
+                  <a:txBody>
+                    <a:bodyPr/>
+                    <a:lstStyle/>
+                    <a:p>
+                      <a:pPr lvl="0" indent="0" marL="0">
+                        <a:buNone/>
+                      </a:pPr>
+                      <a:r>
+                        <a:rPr/>
+                        <a:t>77.353</a:t>
+                      </a:r>
+                    </a:p>
+                  </a:txBody>
+                </a:tc>
+              </a:tr>
+              <a:tr h="0">
+                <a:tc>
+                  <a:txBody>
+                    <a:bodyPr/>
+                    <a:lstStyle/>
+                    <a:p>
+                      <a:pPr lvl="0" indent="0" marL="0">
+                        <a:buNone/>
+                      </a:pPr>
+                      <a:r>
+                        <a:rPr/>
+                        <a:t>2007</a:t>
+                      </a:r>
+                    </a:p>
+                  </a:txBody>
+                </a:tc>
+                <a:tc>
+                  <a:txBody>
+                    <a:bodyPr/>
+                    <a:lstStyle/>
+                    <a:p>
+                      <a:pPr lvl="0" indent="0" marL="0">
+                        <a:buNone/>
+                      </a:pPr>
+                      <a:r>
+                        <a:rPr/>
+                        <a:t>36.861417</a:t>
+                      </a:r>
+                    </a:p>
+                  </a:txBody>
+                </a:tc>
+                <a:tc>
+                  <a:txBody>
+                    <a:bodyPr/>
+                    <a:lstStyle/>
+                    <a:p>
+                      <a:pPr lvl="0" indent="0" marL="0">
+                        <a:buNone/>
+                      </a:pPr>
+                      <a:r>
+                        <a:rPr/>
+                        <a:t>2876170061</a:t>
+                      </a:r>
+                    </a:p>
+                  </a:txBody>
+                </a:tc>
+                <a:tc>
+                  <a:txBody>
+                    <a:bodyPr/>
+                    <a:lstStyle/>
+                    <a:p>
+                      <a:pPr lvl="0" indent="0" marL="0">
+                        <a:buNone/>
+                      </a:pPr>
+                      <a:r>
+                        <a:rPr/>
+                        <a:t>717478448</a:t>
+                      </a:r>
+                    </a:p>
+                  </a:txBody>
+                </a:tc>
+                <a:tc>
+                  <a:txBody>
+                    <a:bodyPr/>
+                    <a:lstStyle/>
+                    <a:p>
+                      <a:pPr lvl="0" indent="0" marL="0">
+                        <a:buNone/>
+                      </a:pPr>
+                      <a:r>
+                        <a:rPr/>
+                        <a:t>12594064767</a:t>
+                      </a:r>
+                    </a:p>
+                  </a:txBody>
+                </a:tc>
+                <a:tc>
+                  <a:txBody>
+                    <a:bodyPr/>
+                    <a:lstStyle/>
+                    <a:p>
+                      <a:pPr lvl="0" indent="0" marL="0">
+                        <a:buNone/>
+                      </a:pPr>
+                      <a:r>
+                        <a:rPr/>
+                        <a:t>1.635674e+13</a:t>
+                      </a:r>
+                    </a:p>
+                  </a:txBody>
+                </a:tc>
+                <a:tc>
+                  <a:txBody>
+                    <a:bodyPr/>
+                    <a:lstStyle/>
+                    <a:p>
+                      <a:pPr lvl="0" indent="0" marL="0">
+                        <a:buNone/>
+                      </a:pPr>
+                      <a:r>
+                        <a:rPr/>
+                        <a:t>82.425</a:t>
+                      </a:r>
+                    </a:p>
+                  </a:txBody>
+                </a:tc>
+              </a:tr>
+              <a:tr h="0">
+                <a:tc>
+                  <a:txBody>
+                    <a:bodyPr/>
+                    <a:lstStyle/>
+                    <a:p>
+                      <a:pPr lvl="0" indent="0" marL="0">
+                        <a:buNone/>
+                      </a:pPr>
+                      <a:r>
+                        <a:rPr/>
+                        <a:t>2008</a:t>
+                      </a:r>
+                    </a:p>
+                  </a:txBody>
+                </a:tc>
+                <a:tc>
+                  <a:txBody>
+                    <a:bodyPr/>
+                    <a:lstStyle/>
+                    <a:p>
+                      <a:pPr lvl="0" indent="0" marL="0">
+                        <a:buNone/>
+                      </a:pPr>
+                      <a:r>
+                        <a:rPr/>
+                        <a:t>39.107592</a:t>
+                      </a:r>
+                    </a:p>
+                  </a:txBody>
+                </a:tc>
+                <a:tc>
+                  <a:txBody>
+                    <a:bodyPr/>
+                    <a:lstStyle/>
+                    <a:p>
+                      <a:pPr lvl="0" indent="0" marL="0">
+                        <a:buNone/>
+                      </a:pPr>
+                      <a:r>
+                        <a:rPr/>
+                        <a:t>3257532927</a:t>
+                      </a:r>
+                    </a:p>
+                  </a:txBody>
+                </a:tc>
+                <a:tc>
+                  <a:txBody>
+                    <a:bodyPr/>
+                    <a:lstStyle/>
+                    <a:p>
+                      <a:pPr lvl="0" indent="0" marL="0">
+                        <a:buNone/>
+                      </a:pPr>
+                      <a:r>
+                        <a:rPr/>
+                        <a:t>768662481</a:t>
+                      </a:r>
+                    </a:p>
+                  </a:txBody>
+                </a:tc>
+                <a:tc>
+                  <a:txBody>
+                    <a:bodyPr/>
+                    <a:lstStyle/>
+                    <a:p>
+                      <a:pPr lvl="0" indent="0" marL="0">
+                        <a:buNone/>
+                      </a:pPr>
+                      <a:r>
+                        <a:rPr/>
+                        <a:t>12928819077</a:t>
+                      </a:r>
+                    </a:p>
+                  </a:txBody>
+                </a:tc>
+                <a:tc>
+                  <a:txBody>
+                    <a:bodyPr/>
+                    <a:lstStyle/>
+                    <a:p>
+                      <a:pPr lvl="0" indent="0" marL="0">
+                        <a:buNone/>
+                      </a:pPr>
+                      <a:r>
+                        <a:rPr/>
+                        <a:t>1.637673e+13</a:t>
+                      </a:r>
+                    </a:p>
+                  </a:txBody>
+                </a:tc>
+                <a:tc>
+                  <a:txBody>
+                    <a:bodyPr/>
+                    <a:lstStyle/>
+                    <a:p>
+                      <a:pPr lvl="0" indent="0" marL="0">
+                        <a:buNone/>
+                      </a:pPr>
+                      <a:r>
+                        <a:rPr/>
+                        <a:t>95.021</a:t>
+                      </a:r>
+                    </a:p>
+                  </a:txBody>
+                </a:tc>
+              </a:tr>
+              <a:tr h="0">
+                <a:tc>
+                  <a:txBody>
+                    <a:bodyPr/>
+                    <a:lstStyle/>
+                    <a:p>
+                      <a:pPr lvl="0" indent="0" marL="0">
+                        <a:buNone/>
+                      </a:pPr>
+                      <a:r>
+                        <a:rPr/>
+                        <a:t>2009</a:t>
+                      </a:r>
+                    </a:p>
+                  </a:txBody>
+                </a:tc>
+                <a:tc>
+                  <a:txBody>
+                    <a:bodyPr/>
+                    <a:lstStyle/>
+                    <a:p>
+                      <a:pPr lvl="0" indent="0" marL="0">
+                        <a:buNone/>
+                      </a:pPr>
+                      <a:r>
+                        <a:rPr/>
+                        <a:t>41.197608</a:t>
+                      </a:r>
+                    </a:p>
+                  </a:txBody>
+                </a:tc>
+                <a:tc>
+                  <a:txBody>
+                    <a:bodyPr/>
+                    <a:lstStyle/>
+                    <a:p>
+                      <a:pPr lvl="0" indent="0" marL="0">
+                        <a:buNone/>
+                      </a:pPr>
+                      <a:r>
+                        <a:rPr/>
+                        <a:t>3452360261</a:t>
+                      </a:r>
+                    </a:p>
+                  </a:txBody>
+                </a:tc>
+                <a:tc>
+                  <a:txBody>
+                    <a:bodyPr/>
+                    <a:lstStyle/>
+                    <a:p>
+                      <a:pPr lvl="0" indent="0" marL="0">
+                        <a:buNone/>
+                      </a:pPr>
+                      <a:r>
+                        <a:rPr/>
+                        <a:t>838386155</a:t>
+                      </a:r>
+                    </a:p>
+                  </a:txBody>
+                </a:tc>
+                <a:tc>
+                  <a:txBody>
+                    <a:bodyPr/>
+                    <a:lstStyle/>
+                    <a:p>
+                      <a:pPr lvl="0" indent="0" marL="0">
+                        <a:buNone/>
+                      </a:pPr>
+                      <a:r>
+                        <a:rPr/>
+                        <a:t>13690375514</a:t>
+                      </a:r>
+                    </a:p>
+                  </a:txBody>
+                </a:tc>
+                <a:tc>
+                  <a:txBody>
+                    <a:bodyPr/>
+                    <a:lstStyle/>
+                    <a:p>
+                      <a:pPr lvl="0" indent="0" marL="0">
+                        <a:buNone/>
+                      </a:pPr>
+                      <a:r>
+                        <a:rPr/>
+                        <a:t>1.595095e+13</a:t>
+                      </a:r>
+                    </a:p>
+                  </a:txBody>
+                </a:tc>
+                <a:tc>
+                  <a:txBody>
+                    <a:bodyPr/>
+                    <a:lstStyle/>
+                    <a:p>
+                      <a:pPr lvl="0" indent="0" marL="0">
+                        <a:buNone/>
+                      </a:pPr>
+                      <a:r>
+                        <a:rPr/>
+                        <a:t>95.395</a:t>
+                      </a:r>
+                    </a:p>
+                  </a:txBody>
+                </a:tc>
+              </a:tr>
+              <a:tr h="0">
+                <a:tc>
+                  <a:txBody>
+                    <a:bodyPr/>
+                    <a:lstStyle/>
+                    <a:p>
+                      <a:pPr lvl="0" indent="0" marL="0">
+                        <a:buNone/>
+                      </a:pPr>
+                      <a:r>
+                        <a:rPr/>
+                        <a:t>2010</a:t>
+                      </a:r>
+                    </a:p>
+                  </a:txBody>
+                </a:tc>
+                <a:tc>
+                  <a:txBody>
+                    <a:bodyPr/>
+                    <a:lstStyle/>
+                    <a:p>
+                      <a:pPr lvl="0" indent="0" marL="0">
+                        <a:buNone/>
+                      </a:pPr>
+                      <a:r>
+                        <a:rPr/>
+                        <a:t>39.797400</a:t>
+                      </a:r>
+                    </a:p>
+                  </a:txBody>
+                </a:tc>
+                <a:tc>
+                  <a:txBody>
+                    <a:bodyPr/>
+                    <a:lstStyle/>
+                    <a:p>
+                      <a:pPr lvl="0" indent="0" marL="0">
+                        <a:buNone/>
+                      </a:pPr>
+                      <a:r>
+                        <a:rPr/>
+                        <a:t>4339676816</a:t>
+                      </a:r>
+                    </a:p>
+                  </a:txBody>
+                </a:tc>
+                <a:tc>
+                  <a:txBody>
+                    <a:bodyPr/>
+                    <a:lstStyle/>
+                    <a:p>
+                      <a:pPr lvl="0" indent="0" marL="0">
+                        <a:buNone/>
+                      </a:pPr>
+                      <a:r>
+                        <a:rPr/>
+                        <a:t>686833397</a:t>
+                      </a:r>
+                    </a:p>
+                  </a:txBody>
+                </a:tc>
+                <a:tc>
+                  <a:txBody>
+                    <a:bodyPr/>
+                    <a:lstStyle/>
+                    <a:p>
+                      <a:pPr lvl="0" indent="0" marL="0">
+                        <a:buNone/>
+                      </a:pPr>
+                      <a:r>
+                        <a:rPr/>
+                        <a:t>12916662363</a:t>
+                      </a:r>
+                    </a:p>
+                  </a:txBody>
+                </a:tc>
+                <a:tc>
+                  <a:txBody>
+                    <a:bodyPr/>
+                    <a:lstStyle/>
+                    <a:p>
+                      <a:pPr lvl="0" indent="0" marL="0">
+                        <a:buNone/>
+                      </a:pPr>
+                      <a:r>
+                        <a:rPr/>
+                        <a:t>1.638304e+13</a:t>
+                      </a:r>
+                    </a:p>
+                  </a:txBody>
+                </a:tc>
+                <a:tc>
+                  <a:txBody>
+                    <a:bodyPr/>
+                    <a:lstStyle/>
+                    <a:p>
+                      <a:pPr lvl="0" indent="0" marL="0">
+                        <a:buNone/>
+                      </a:pPr>
+                      <a:r>
+                        <a:rPr/>
+                        <a:t>100.000</a:t>
+                      </a:r>
+                    </a:p>
+                  </a:txBody>
+                </a:tc>
+              </a:tr>
+              <a:tr h="0">
+                <a:tc>
+                  <a:txBody>
+                    <a:bodyPr/>
+                    <a:lstStyle/>
+                    <a:p>
+                      <a:pPr lvl="0" indent="0" marL="0">
+                        <a:buNone/>
+                      </a:pPr>
+                      <a:r>
+                        <a:rPr/>
+                        <a:t>2011</a:t>
+                      </a:r>
+                    </a:p>
+                  </a:txBody>
+                </a:tc>
+                <a:tc>
+                  <a:txBody>
+                    <a:bodyPr/>
+                    <a:lstStyle/>
+                    <a:p>
+                      <a:pPr lvl="0" indent="0" marL="0">
+                        <a:buNone/>
+                      </a:pPr>
+                      <a:r>
+                        <a:rPr/>
+                        <a:t>40.522822</a:t>
+                      </a:r>
+                    </a:p>
+                  </a:txBody>
+                </a:tc>
+                <a:tc>
+                  <a:txBody>
+                    <a:bodyPr/>
+                    <a:lstStyle/>
+                    <a:p>
+                      <a:pPr lvl="0" indent="0" marL="0">
+                        <a:buNone/>
+                      </a:pPr>
+                      <a:r>
+                        <a:rPr/>
+                        <a:t>4196125299</a:t>
+                      </a:r>
+                    </a:p>
+                  </a:txBody>
+                </a:tc>
+                <a:tc>
+                  <a:txBody>
+                    <a:bodyPr/>
+                    <a:lstStyle/>
+                    <a:p>
+                      <a:pPr lvl="0" indent="0" marL="0">
+                        <a:buNone/>
+                      </a:pPr>
+                      <a:r>
+                        <a:rPr/>
+                        <a:t>1580865372</a:t>
+                      </a:r>
+                    </a:p>
+                  </a:txBody>
+                </a:tc>
+                <a:tc>
+                  <a:txBody>
+                    <a:bodyPr/>
+                    <a:lstStyle/>
+                    <a:p>
+                      <a:pPr lvl="0" indent="0" marL="0">
+                        <a:buNone/>
+                      </a:pPr>
+                      <a:r>
+                        <a:rPr/>
+                        <a:t>13575181393</a:t>
+                      </a:r>
+                    </a:p>
+                  </a:txBody>
+                </a:tc>
+                <a:tc>
+                  <a:txBody>
+                    <a:bodyPr/>
+                    <a:lstStyle/>
+                    <a:p>
+                      <a:pPr lvl="0" indent="0" marL="0">
+                        <a:buNone/>
+                      </a:pPr>
+                      <a:r>
+                        <a:rPr/>
+                        <a:t>1.663696e+13</a:t>
+                      </a:r>
+                    </a:p>
+                  </a:txBody>
+                </a:tc>
+                <a:tc>
+                  <a:txBody>
+                    <a:bodyPr/>
+                    <a:lstStyle/>
+                    <a:p>
+                      <a:pPr lvl="0" indent="0" marL="0">
+                        <a:buNone/>
+                      </a:pPr>
+                      <a:r>
+                        <a:rPr/>
+                        <a:t>106.333</a:t>
+                      </a:r>
+                    </a:p>
+                  </a:txBody>
+                </a:tc>
+              </a:tr>
+              <a:tr h="0">
+                <a:tc>
+                  <a:txBody>
+                    <a:bodyPr/>
+                    <a:lstStyle/>
+                    <a:p>
+                      <a:pPr lvl="0" indent="0" marL="0">
+                        <a:buNone/>
+                      </a:pPr>
+                      <a:r>
+                        <a:rPr/>
+                        <a:t>2012</a:t>
+                      </a:r>
+                    </a:p>
+                  </a:txBody>
+                </a:tc>
+                <a:tc>
+                  <a:txBody>
+                    <a:bodyPr/>
+                    <a:lstStyle/>
+                    <a:p>
+                      <a:pPr lvl="0" indent="0" marL="0">
+                        <a:buNone/>
+                      </a:pPr>
+                      <a:r>
+                        <a:rPr/>
+                        <a:t>41.949723</a:t>
+                      </a:r>
+                    </a:p>
+                  </a:txBody>
+                </a:tc>
+                <a:tc>
+                  <a:txBody>
+                    <a:bodyPr/>
+                    <a:lstStyle/>
+                    <a:p>
+                      <a:pPr lvl="0" indent="0" marL="0">
+                        <a:buNone/>
+                      </a:pPr>
+                      <a:r>
+                        <a:rPr/>
+                        <a:t>3869442762</a:t>
+                      </a:r>
+                    </a:p>
+                  </a:txBody>
+                </a:tc>
+                <a:tc>
+                  <a:txBody>
+                    <a:bodyPr/>
+                    <a:lstStyle/>
+                    <a:p>
+                      <a:pPr lvl="0" indent="0" marL="0">
+                        <a:buNone/>
+                      </a:pPr>
+                      <a:r>
+                        <a:rPr/>
+                        <a:t>1562010133</a:t>
+                      </a:r>
+                    </a:p>
+                  </a:txBody>
+                </a:tc>
+                <a:tc>
+                  <a:txBody>
+                    <a:bodyPr/>
+                    <a:lstStyle/>
+                    <a:p>
+                      <a:pPr lvl="0" indent="0" marL="0">
+                        <a:buNone/>
+                      </a:pPr>
+                      <a:r>
+                        <a:rPr/>
+                        <a:t>13643386417</a:t>
+                      </a:r>
+                    </a:p>
+                  </a:txBody>
+                </a:tc>
+                <a:tc>
+                  <a:txBody>
+                    <a:bodyPr/>
+                    <a:lstStyle/>
+                    <a:p>
+                      <a:pPr lvl="0" indent="0" marL="0">
+                        <a:buNone/>
+                      </a:pPr>
+                      <a:r>
+                        <a:rPr/>
+                        <a:t>1.701639e+13</a:t>
+                      </a:r>
+                    </a:p>
+                  </a:txBody>
+                </a:tc>
+                <a:tc>
+                  <a:txBody>
+                    <a:bodyPr/>
+                    <a:lstStyle/>
+                    <a:p>
+                      <a:pPr lvl="0" indent="0" marL="0">
+                        <a:buNone/>
+                      </a:pPr>
+                      <a:r>
+                        <a:rPr/>
+                        <a:t>111.669</a:t>
+                      </a:r>
+                    </a:p>
+                  </a:txBody>
+                </a:tc>
+              </a:tr>
+              <a:tr h="0">
+                <a:tc>
+                  <a:txBody>
+                    <a:bodyPr/>
+                    <a:lstStyle/>
+                    <a:p>
+                      <a:pPr lvl="0" indent="0" marL="0">
+                        <a:buNone/>
+                      </a:pPr>
+                      <a:r>
+                        <a:rPr/>
+                        <a:t>2013</a:t>
+                      </a:r>
+                    </a:p>
+                  </a:txBody>
+                </a:tc>
+                <a:tc>
+                  <a:txBody>
+                    <a:bodyPr/>
+                    <a:lstStyle/>
+                    <a:p>
+                      <a:pPr lvl="0" indent="0" marL="0">
+                        <a:buNone/>
+                      </a:pPr>
+                      <a:r>
+                        <a:rPr/>
+                        <a:t>43.462783</a:t>
+                      </a:r>
+                    </a:p>
+                  </a:txBody>
+                </a:tc>
+                <a:tc>
+                  <a:txBody>
+                    <a:bodyPr/>
+                    <a:lstStyle/>
+                    <a:p>
+                      <a:pPr lvl="0" indent="0" marL="0">
+                        <a:buNone/>
+                      </a:pPr>
+                      <a:r>
+                        <a:rPr/>
+                        <a:t>4314317512</a:t>
+                      </a:r>
+                    </a:p>
+                  </a:txBody>
+                </a:tc>
+                <a:tc>
+                  <a:txBody>
+                    <a:bodyPr/>
+                    <a:lstStyle/>
+                    <a:p>
+                      <a:pPr lvl="0" indent="0" marL="0">
+                        <a:buNone/>
+                      </a:pPr>
+                      <a:r>
+                        <a:rPr/>
+                        <a:t>1650047860</a:t>
+                      </a:r>
+                    </a:p>
+                  </a:txBody>
+                </a:tc>
+                <a:tc>
+                  <a:txBody>
+                    <a:bodyPr/>
+                    <a:lstStyle/>
+                    <a:p>
+                      <a:pPr lvl="0" indent="0" marL="0">
+                        <a:buNone/>
+                      </a:pPr>
+                      <a:r>
+                        <a:rPr/>
+                        <a:t>14233433426</a:t>
+                      </a:r>
+                    </a:p>
+                  </a:txBody>
+                </a:tc>
+                <a:tc>
+                  <a:txBody>
+                    <a:bodyPr/>
+                    <a:lstStyle/>
+                    <a:p>
+                      <a:pPr lvl="0" indent="0" marL="0">
+                        <a:buNone/>
+                      </a:pPr>
+                      <a:r>
+                        <a:rPr/>
+                        <a:t>1.732981e+13</a:t>
+                      </a:r>
+                    </a:p>
+                  </a:txBody>
+                </a:tc>
+                <a:tc>
+                  <a:txBody>
+                    <a:bodyPr/>
+                    <a:lstStyle/>
+                    <a:p>
+                      <a:pPr lvl="0" indent="0" marL="0">
+                        <a:buNone/>
+                      </a:pPr>
+                      <a:r>
+                        <a:rPr/>
+                        <a:t>116.990</a:t>
+                      </a:r>
+                    </a:p>
+                  </a:txBody>
+                </a:tc>
+              </a:tr>
+              <a:tr h="0">
+                <a:tc>
+                  <a:txBody>
+                    <a:bodyPr/>
+                    <a:lstStyle/>
+                    <a:p>
+                      <a:pPr lvl="0" indent="0" marL="0">
+                        <a:buNone/>
+                      </a:pPr>
+                      <a:r>
+                        <a:rPr/>
+                        <a:t>2014</a:t>
+                      </a:r>
+                    </a:p>
+                  </a:txBody>
+                </a:tc>
+                <a:tc>
+                  <a:txBody>
+                    <a:bodyPr/>
+                    <a:lstStyle/>
+                    <a:p>
+                      <a:pPr lvl="0" indent="0" marL="0">
+                        <a:buNone/>
+                      </a:pPr>
+                      <a:r>
+                        <a:rPr/>
+                        <a:t>45.215981</a:t>
+                      </a:r>
+                    </a:p>
+                  </a:txBody>
+                </a:tc>
+                <a:tc>
+                  <a:txBody>
+                    <a:bodyPr/>
+                    <a:lstStyle/>
+                    <a:p>
+                      <a:pPr lvl="0" indent="0" marL="0">
+                        <a:buNone/>
+                      </a:pPr>
+                      <a:r>
+                        <a:rPr/>
+                        <a:t>4223512840</a:t>
+                      </a:r>
+                    </a:p>
+                  </a:txBody>
+                </a:tc>
+                <a:tc>
+                  <a:txBody>
+                    <a:bodyPr/>
+                    <a:lstStyle/>
+                    <a:p>
+                      <a:pPr lvl="0" indent="0" marL="0">
+                        <a:buNone/>
+                      </a:pPr>
+                      <a:r>
+                        <a:rPr/>
+                        <a:t>1744864455</a:t>
+                      </a:r>
+                    </a:p>
+                  </a:txBody>
+                </a:tc>
+                <a:tc>
+                  <a:txBody>
+                    <a:bodyPr/>
+                    <a:lstStyle/>
+                    <a:p>
+                      <a:pPr lvl="0" indent="0" marL="0">
+                        <a:buNone/>
+                      </a:pPr>
+                      <a:r>
+                        <a:rPr/>
+                        <a:t>14644604938</a:t>
+                      </a:r>
+                    </a:p>
+                  </a:txBody>
+                </a:tc>
+                <a:tc>
+                  <a:txBody>
+                    <a:bodyPr/>
+                    <a:lstStyle/>
+                    <a:p>
+                      <a:pPr lvl="0" indent="0" marL="0">
+                        <a:buNone/>
+                      </a:pPr>
+                      <a:r>
+                        <a:rPr/>
+                        <a:t>1.772628e+13</a:t>
+                      </a:r>
+                    </a:p>
+                  </a:txBody>
+                </a:tc>
+                <a:tc>
+                  <a:txBody>
+                    <a:bodyPr/>
+                    <a:lstStyle/>
+                    <a:p>
+                      <a:pPr lvl="0" indent="0" marL="0">
+                        <a:buNone/>
+                      </a:pPr>
+                      <a:r>
+                        <a:rPr/>
+                        <a:t>121.012</a:t>
+                      </a:r>
+                    </a:p>
+                  </a:txBody>
+                </a:tc>
+              </a:tr>
+              <a:tr h="0">
+                <a:tc>
+                  <a:txBody>
+                    <a:bodyPr/>
+                    <a:lstStyle/>
+                    <a:p>
+                      <a:pPr lvl="0" indent="0" marL="0">
+                        <a:buNone/>
+                      </a:pPr>
+                      <a:r>
+                        <a:rPr/>
+                        <a:t>2015</a:t>
+                      </a:r>
+                    </a:p>
+                  </a:txBody>
+                </a:tc>
+                <a:tc>
+                  <a:txBody>
+                    <a:bodyPr/>
+                    <a:lstStyle/>
+                    <a:p>
+                      <a:pPr lvl="0" indent="0" marL="0">
+                        <a:buNone/>
+                      </a:pPr>
+                      <a:r>
+                        <a:rPr/>
+                        <a:t>50.706427</a:t>
+                      </a:r>
+                    </a:p>
+                  </a:txBody>
+                </a:tc>
+                <a:tc>
+                  <a:txBody>
+                    <a:bodyPr/>
+                    <a:lstStyle/>
+                    <a:p>
+                      <a:pPr lvl="0" indent="0" marL="0">
+                        <a:buNone/>
+                      </a:pPr>
+                      <a:r>
+                        <a:rPr/>
+                        <a:t>4481319846</a:t>
+                      </a:r>
+                    </a:p>
+                  </a:txBody>
+                </a:tc>
+                <a:tc>
+                  <a:txBody>
+                    <a:bodyPr/>
+                    <a:lstStyle/>
+                    <a:p>
+                      <a:pPr lvl="0" indent="0" marL="0">
+                        <a:buNone/>
+                      </a:pPr>
+                      <a:r>
+                        <a:rPr/>
+                        <a:t>1747466817</a:t>
+                      </a:r>
+                    </a:p>
+                  </a:txBody>
+                </a:tc>
+                <a:tc>
+                  <a:txBody>
+                    <a:bodyPr/>
+                    <a:lstStyle/>
+                    <a:p>
+                      <a:pPr lvl="0" indent="0" marL="0">
+                        <a:buNone/>
+                      </a:pPr>
+                      <a:r>
+                        <a:rPr/>
+                        <a:t>14849629408</a:t>
+                      </a:r>
+                    </a:p>
+                  </a:txBody>
+                </a:tc>
+                <a:tc>
+                  <a:txBody>
+                    <a:bodyPr/>
+                    <a:lstStyle/>
+                    <a:p>
+                      <a:pPr lvl="0" indent="0" marL="0">
+                        <a:buNone/>
+                      </a:pPr>
+                      <a:r>
+                        <a:rPr/>
+                        <a:t>1.820602e+13</a:t>
+                      </a:r>
+                    </a:p>
+                  </a:txBody>
+                </a:tc>
+                <a:tc>
+                  <a:txBody>
+                    <a:bodyPr/>
+                    <a:lstStyle/>
+                    <a:p>
+                      <a:pPr lvl="0" indent="0" marL="0">
+                        <a:buNone/>
+                      </a:pPr>
+                      <a:r>
+                        <a:rPr/>
+                        <a:t>129.158</a:t>
+                      </a:r>
+                    </a:p>
+                  </a:txBody>
+                </a:tc>
+              </a:tr>
+              <a:tr h="0">
+                <a:tc>
+                  <a:txBody>
+                    <a:bodyPr/>
+                    <a:lstStyle/>
+                    <a:p>
+                      <a:pPr lvl="0" indent="0" marL="0">
+                        <a:buNone/>
+                      </a:pPr>
+                      <a:r>
+                        <a:rPr/>
+                        <a:t>2016</a:t>
+                      </a:r>
+                    </a:p>
+                  </a:txBody>
+                </a:tc>
+                <a:tc>
+                  <a:txBody>
+                    <a:bodyPr/>
+                    <a:lstStyle/>
+                    <a:p>
+                      <a:pPr lvl="0" indent="0" marL="0">
+                        <a:buNone/>
+                      </a:pPr>
+                      <a:r>
+                        <a:rPr/>
+                        <a:t>63.335818</a:t>
+                      </a:r>
+                    </a:p>
+                  </a:txBody>
+                </a:tc>
+                <a:tc>
+                  <a:txBody>
+                    <a:bodyPr/>
+                    <a:lstStyle/>
+                    <a:p>
+                      <a:pPr lvl="0" indent="0" marL="0">
+                        <a:buNone/>
+                      </a:pPr>
+                      <a:r>
+                        <a:rPr/>
+                        <a:t>5098194685</a:t>
+                      </a:r>
+                    </a:p>
+                  </a:txBody>
+                </a:tc>
+                <a:tc>
+                  <a:txBody>
+                    <a:bodyPr/>
+                    <a:lstStyle/>
+                    <a:p>
+                      <a:pPr lvl="0" indent="0" marL="0">
+                        <a:buNone/>
+                      </a:pPr>
+                      <a:r>
+                        <a:rPr/>
+                        <a:t>1649811070</a:t>
+                      </a:r>
+                    </a:p>
+                  </a:txBody>
+                </a:tc>
+                <a:tc>
+                  <a:txBody>
+                    <a:bodyPr/>
+                    <a:lstStyle/>
+                    <a:p>
+                      <a:pPr lvl="0" indent="0" marL="0">
+                        <a:buNone/>
+                      </a:pPr>
+                      <a:r>
+                        <a:rPr/>
+                        <a:t>15118774201</a:t>
+                      </a:r>
+                    </a:p>
+                  </a:txBody>
+                </a:tc>
+                <a:tc>
+                  <a:txBody>
+                    <a:bodyPr/>
+                    <a:lstStyle/>
+                    <a:p>
+                      <a:pPr lvl="0" indent="0" marL="0">
+                        <a:buNone/>
+                      </a:pPr>
+                      <a:r>
+                        <a:rPr/>
+                        <a:t>1.850960e+13</a:t>
+                      </a:r>
+                    </a:p>
+                  </a:txBody>
+                </a:tc>
+                <a:tc>
+                  <a:txBody>
+                    <a:bodyPr/>
+                    <a:lstStyle/>
+                    <a:p>
+                      <a:pPr lvl="0" indent="0" marL="0">
+                        <a:buNone/>
+                      </a:pPr>
+                      <a:r>
+                        <a:rPr/>
+                        <a:t>144.015</a:t>
+                      </a:r>
+                    </a:p>
+                  </a:txBody>
+                </a:tc>
+              </a:tr>
+              <a:tr h="0">
+                <a:tc>
+                  <a:txBody>
+                    <a:bodyPr/>
+                    <a:lstStyle/>
+                    <a:p>
+                      <a:pPr lvl="0" indent="0" marL="0">
+                        <a:buNone/>
+                      </a:pPr>
+                      <a:r>
+                        <a:rPr/>
+                        <a:t>2017</a:t>
+                      </a:r>
+                    </a:p>
+                  </a:txBody>
+                </a:tc>
+                <a:tc>
+                  <a:txBody>
+                    <a:bodyPr/>
+                    <a:lstStyle/>
+                    <a:p>
+                      <a:pPr lvl="0" indent="0" marL="0">
+                        <a:buNone/>
+                      </a:pPr>
+                      <a:r>
+                        <a:rPr/>
+                        <a:t>64.769680</a:t>
+                      </a:r>
+                    </a:p>
+                  </a:txBody>
+                </a:tc>
+                <a:tc>
+                  <a:txBody>
+                    <a:bodyPr/>
+                    <a:lstStyle/>
+                    <a:p>
+                      <a:pPr lvl="0" indent="0" marL="0">
+                        <a:buNone/>
+                      </a:pPr>
+                      <a:r>
+                        <a:rPr/>
+                        <a:t>5730757919</a:t>
+                      </a:r>
+                    </a:p>
+                  </a:txBody>
+                </a:tc>
+                <a:tc>
+                  <a:txBody>
+                    <a:bodyPr/>
+                    <a:lstStyle/>
+                    <a:p>
+                      <a:pPr lvl="0" indent="0" marL="0">
+                        <a:buNone/>
+                      </a:pPr>
+                      <a:r>
+                        <a:rPr/>
+                        <a:t>1658608711</a:t>
+                      </a:r>
+                    </a:p>
+                  </a:txBody>
+                </a:tc>
+                <a:tc>
+                  <a:txBody>
+                    <a:bodyPr/>
+                    <a:lstStyle/>
+                    <a:p>
+                      <a:pPr lvl="0" indent="0" marL="0">
+                        <a:buNone/>
+                      </a:pPr>
+                      <a:r>
+                        <a:rPr/>
+                        <a:t>15498296457</a:t>
+                      </a:r>
+                    </a:p>
+                  </a:txBody>
+                </a:tc>
+                <a:tc>
+                  <a:txBody>
+                    <a:bodyPr/>
+                    <a:lstStyle/>
+                    <a:p>
+                      <a:pPr lvl="0" indent="0" marL="0">
+                        <a:buNone/>
+                      </a:pPr>
+                      <a:r>
+                        <a:rPr/>
+                        <a:t>1.892457e+13</a:t>
+                      </a:r>
+                    </a:p>
+                  </a:txBody>
+                </a:tc>
+                <a:tc>
+                  <a:txBody>
+                    <a:bodyPr/>
+                    <a:lstStyle/>
+                    <a:p>
+                      <a:pPr lvl="0" indent="0" marL="0">
+                        <a:buNone/>
+                      </a:pPr>
+                      <a:r>
+                        <a:rPr/>
+                        <a:t>159.396</a:t>
+                      </a:r>
+                    </a:p>
+                  </a:txBody>
+                </a:tc>
+              </a:tr>
+              <a:tr h="0">
+                <a:tc>
+                  <a:txBody>
+                    <a:bodyPr/>
+                    <a:lstStyle/>
+                    <a:p>
+                      <a:pPr lvl="0" indent="0" marL="0">
+                        <a:buNone/>
+                      </a:pPr>
+                      <a:r>
+                        <a:rPr/>
+                        <a:t>2018</a:t>
+                      </a:r>
+                    </a:p>
+                  </a:txBody>
+                </a:tc>
+                <a:tc>
+                  <a:txBody>
+                    <a:bodyPr/>
+                    <a:lstStyle/>
+                    <a:p>
+                      <a:pPr lvl="0" indent="0" marL="0">
+                        <a:buNone/>
+                      </a:pPr>
+                      <a:r>
+                        <a:rPr/>
+                        <a:t>68.031754</a:t>
+                      </a:r>
+                    </a:p>
+                  </a:txBody>
+                </a:tc>
+                <a:tc>
+                  <a:txBody>
+                    <a:bodyPr/>
+                    <a:lstStyle/>
+                    <a:p>
+                      <a:pPr lvl="0" indent="0" marL="0">
+                        <a:buNone/>
+                      </a:pPr>
+                      <a:r>
+                        <a:rPr/>
+                        <a:t>6014098931</a:t>
+                      </a:r>
+                    </a:p>
+                  </a:txBody>
+                </a:tc>
+                <a:tc>
+                  <a:txBody>
+                    <a:bodyPr/>
+                    <a:lstStyle/>
+                    <a:p>
+                      <a:pPr lvl="0" indent="0" marL="0">
+                        <a:buNone/>
+                      </a:pPr>
+                      <a:r>
+                        <a:rPr/>
+                        <a:t>1656636116</a:t>
+                      </a:r>
+                    </a:p>
+                  </a:txBody>
+                </a:tc>
+                <a:tc>
+                  <a:txBody>
+                    <a:bodyPr/>
+                    <a:lstStyle/>
+                    <a:p>
+                      <a:pPr lvl="0" indent="0" marL="0">
+                        <a:buNone/>
+                      </a:pPr>
+                      <a:r>
+                        <a:rPr/>
+                        <a:t>15756778743</a:t>
+                      </a:r>
+                    </a:p>
+                  </a:txBody>
+                </a:tc>
+                <a:tc>
+                  <a:txBody>
+                    <a:bodyPr/>
+                    <a:lstStyle/>
+                    <a:p>
+                      <a:pPr lvl="0" indent="0" marL="0">
+                        <a:buNone/>
+                      </a:pPr>
+                      <a:r>
+                        <a:rPr/>
+                        <a:t>1.948197e+13</a:t>
+                      </a:r>
+                    </a:p>
+                  </a:txBody>
+                </a:tc>
+                <a:tc>
+                  <a:txBody>
+                    <a:bodyPr/>
+                    <a:lstStyle/>
+                    <a:p>
+                      <a:pPr lvl="0" indent="0" marL="0">
+                        <a:buNone/>
+                      </a:pPr>
+                      <a:r>
+                        <a:rPr/>
+                        <a:t>179.291</a:t>
+                      </a:r>
+                    </a:p>
+                  </a:txBody>
+                </a:tc>
+              </a:tr>
+              <a:tr h="0">
+                <a:tc>
+                  <a:txBody>
+                    <a:bodyPr/>
+                    <a:lstStyle/>
+                    <a:p>
+                      <a:pPr lvl="0" indent="0" marL="0">
+                        <a:buNone/>
+                      </a:pPr>
+                      <a:r>
+                        <a:rPr/>
+                        <a:t>2019</a:t>
+                      </a:r>
+                    </a:p>
+                  </a:txBody>
+                </a:tc>
+                <a:tc>
+                  <a:txBody>
+                    <a:bodyPr/>
+                    <a:lstStyle/>
+                    <a:p>
+                      <a:pPr lvl="0" indent="0" marL="0">
+                        <a:buNone/>
+                      </a:pPr>
+                      <a:r>
+                        <a:rPr/>
+                        <a:t>88.814966</a:t>
+                      </a:r>
+                    </a:p>
+                  </a:txBody>
+                </a:tc>
+                <a:tc>
+                  <a:txBody>
+                    <a:bodyPr/>
+                    <a:lstStyle/>
+                    <a:p>
+                      <a:pPr lvl="0" indent="0" marL="0">
+                        <a:buNone/>
+                      </a:pPr>
+                      <a:r>
+                        <a:rPr/>
+                        <a:t>6298217964</a:t>
+                      </a:r>
+                    </a:p>
+                  </a:txBody>
+                </a:tc>
+                <a:tc>
+                  <a:txBody>
+                    <a:bodyPr/>
+                    <a:lstStyle/>
+                    <a:p>
+                      <a:pPr lvl="0" indent="0" marL="0">
+                        <a:buNone/>
+                      </a:pPr>
+                      <a:r>
+                        <a:rPr/>
+                        <a:t>1621321956</a:t>
+                      </a:r>
+                    </a:p>
+                  </a:txBody>
+                </a:tc>
+                <a:tc>
+                  <a:txBody>
+                    <a:bodyPr/>
+                    <a:lstStyle/>
+                    <a:p>
+                      <a:pPr lvl="0" indent="0" marL="0">
+                        <a:buNone/>
+                      </a:pPr>
+                      <a:r>
+                        <a:rPr/>
+                        <a:t>15485274162</a:t>
+                      </a:r>
+                    </a:p>
+                  </a:txBody>
+                </a:tc>
+                <a:tc>
+                  <a:txBody>
+                    <a:bodyPr/>
+                    <a:lstStyle/>
+                    <a:p>
+                      <a:pPr lvl="0" indent="0" marL="0">
+                        <a:buNone/>
+                      </a:pPr>
+                      <a:r>
+                        <a:rPr/>
+                        <a:t>1.992898e+13</a:t>
+                      </a:r>
+                    </a:p>
+                  </a:txBody>
+                </a:tc>
+                <a:tc>
+                  <a:txBody>
+                    <a:bodyPr/>
+                    <a:lstStyle/>
+                    <a:p>
+                      <a:pPr lvl="0" indent="0" marL="0">
+                        <a:buNone/>
+                      </a:pPr>
+                      <a:r>
+                        <a:rPr/>
+                        <a:t>212.825</a:t>
+                      </a:r>
+                    </a:p>
+                  </a:txBody>
+                </a:tc>
+              </a:tr>
+              <a:tr h="0">
+                <a:tc>
+                  <a:txBody>
+                    <a:bodyPr/>
+                    <a:lstStyle/>
+                    <a:p>
+                      <a:pPr lvl="0" indent="0" marL="0">
+                        <a:buNone/>
+                      </a:pPr>
+                      <a:r>
+                        <a:rPr/>
+                        <a:t>2020</a:t>
+                      </a:r>
+                    </a:p>
+                  </a:txBody>
+                </a:tc>
+                <a:tc>
+                  <a:txBody>
+                    <a:bodyPr/>
+                    <a:lstStyle/>
+                    <a:p>
+                      <a:pPr lvl="0" indent="0" marL="0">
+                        <a:buNone/>
+                      </a:pPr>
+                      <a:r>
+                        <a:rPr/>
+                        <a:t>93.509807</a:t>
+                      </a:r>
+                    </a:p>
+                  </a:txBody>
+                </a:tc>
+                <a:tc>
+                  <a:txBody>
+                    <a:bodyPr/>
+                    <a:lstStyle/>
+                    <a:p>
+                      <a:pPr lvl="0" indent="0" marL="0">
+                        <a:buNone/>
+                      </a:pPr>
+                      <a:r>
+                        <a:rPr/>
+                        <a:t>5147018632</a:t>
+                      </a:r>
+                    </a:p>
+                  </a:txBody>
+                </a:tc>
+                <a:tc>
+                  <a:txBody>
+                    <a:bodyPr/>
+                    <a:lstStyle/>
+                    <a:p>
+                      <a:pPr lvl="0" indent="0" marL="0">
+                        <a:buNone/>
+                      </a:pPr>
+                      <a:r>
+                        <a:rPr/>
+                        <a:t>1006359113</a:t>
+                      </a:r>
+                    </a:p>
+                  </a:txBody>
+                </a:tc>
+                <a:tc>
+                  <a:txBody>
+                    <a:bodyPr/>
+                    <a:lstStyle/>
+                    <a:p>
+                      <a:pPr lvl="0" indent="0" marL="0">
+                        <a:buNone/>
+                      </a:pPr>
+                      <a:r>
+                        <a:rPr/>
+                        <a:t>14973407577</a:t>
+                      </a:r>
+                    </a:p>
+                  </a:txBody>
+                </a:tc>
+                <a:tc>
+                  <a:txBody>
+                    <a:bodyPr/>
+                    <a:lstStyle/>
+                    <a:p>
+                      <a:pPr lvl="0" indent="0" marL="0">
+                        <a:buNone/>
+                      </a:pPr>
+                      <a:r>
+                        <a:rPr/>
+                        <a:t>1.937738e+13</a:t>
+                      </a:r>
+                    </a:p>
+                  </a:txBody>
+                </a:tc>
+                <a:tc>
+                  <a:txBody>
+                    <a:bodyPr/>
+                    <a:lstStyle/>
+                    <a:p>
+                      <a:pPr lvl="0" indent="0" marL="0">
+                        <a:buNone/>
+                      </a:pPr>
+                      <a:r>
+                        <a:rPr/>
+                        <a:t>261.342</a:t>
+                      </a:r>
+                    </a:p>
+                  </a:txBody>
+                </a:tc>
+              </a:tr>
+              <a:tr h="0">
+                <a:tc>
+                  <a:txBody>
+                    <a:bodyPr/>
+                    <a:lstStyle/>
+                    <a:p>
+                      <a:pPr lvl="0" indent="0" marL="0">
+                        <a:buNone/>
+                      </a:pPr>
+                      <a:r>
+                        <a:rPr/>
+                        <a:t>2021</a:t>
+                      </a:r>
+                    </a:p>
+                  </a:txBody>
+                </a:tc>
+                <a:tc>
+                  <a:txBody>
+                    <a:bodyPr/>
+                    <a:lstStyle/>
+                    <a:p>
+                      <a:pPr lvl="0" indent="0" marL="0">
+                        <a:buNone/>
+                      </a:pPr>
+                      <a:r>
+                        <a:rPr/>
+                        <a:t>89.226637</a:t>
+                      </a:r>
+                    </a:p>
+                  </a:txBody>
+                </a:tc>
+                <a:tc>
+                  <a:txBody>
+                    <a:bodyPr/>
+                    <a:lstStyle/>
+                    <a:p>
+                      <a:pPr lvl="0" indent="0" marL="0">
+                        <a:buNone/>
+                      </a:pPr>
+                      <a:r>
+                        <a:rPr/>
+                        <a:t>5267020634</a:t>
+                      </a:r>
+                    </a:p>
+                  </a:txBody>
+                </a:tc>
+                <a:tc>
+                  <a:txBody>
+                    <a:bodyPr/>
+                    <a:lstStyle/>
+                    <a:p>
+                      <a:pPr lvl="0" indent="0" marL="0">
+                        <a:buNone/>
+                      </a:pPr>
+                      <a:r>
+                        <a:rPr/>
+                        <a:t>1242453998</a:t>
+                      </a:r>
+                    </a:p>
+                  </a:txBody>
+                </a:tc>
+                <a:tc>
+                  <a:txBody>
+                    <a:bodyPr/>
+                    <a:lstStyle/>
+                    <a:p>
+                      <a:pPr lvl="0" indent="0" marL="0">
+                        <a:buNone/>
+                      </a:pPr>
+                      <a:r>
+                        <a:rPr/>
+                        <a:t>14704149790</a:t>
+                      </a:r>
+                    </a:p>
+                  </a:txBody>
+                </a:tc>
+                <a:tc>
+                  <a:txBody>
+                    <a:bodyPr/>
+                    <a:lstStyle/>
+                    <a:p>
+                      <a:pPr lvl="0" indent="0" marL="0">
+                        <a:buNone/>
+                      </a:pPr>
+                      <a:r>
+                        <a:rPr/>
+                        <a:t>2.052946e+13</a:t>
+                      </a:r>
+                    </a:p>
+                  </a:txBody>
+                </a:tc>
+                <a:tc>
+                  <a:txBody>
+                    <a:bodyPr/>
+                    <a:lstStyle/>
+                    <a:p>
+                      <a:pPr lvl="0" indent="0" marL="0">
+                        <a:buNone/>
+                      </a:pPr>
+                      <a:r>
+                        <a:rPr/>
+                        <a:t>305.356</a:t>
+                      </a:r>
+                    </a:p>
+                  </a:txBody>
+                </a:tc>
+              </a:tr>
+              <a:tr h="0">
+                <a:tc>
+                  <a:txBody>
+                    <a:bodyPr/>
+                    <a:lstStyle/>
+                    <a:p>
+                      <a:pPr lvl="0" indent="0" marL="0">
+                        <a:buNone/>
+                      </a:pPr>
+                      <a:r>
+                        <a:rPr/>
+                        <a:t>2022</a:t>
+                      </a:r>
+                    </a:p>
+                  </a:txBody>
+                </a:tc>
+                <a:tc>
+                  <a:txBody>
+                    <a:bodyPr/>
+                    <a:lstStyle/>
+                    <a:p>
+                      <a:pPr lvl="0" indent="0" marL="0">
+                        <a:buNone/>
+                      </a:pPr>
+                      <a:r>
+                        <a:rPr/>
+                        <a:t>115.630716</a:t>
+                      </a:r>
+                    </a:p>
+                  </a:txBody>
+                </a:tc>
+                <a:tc>
+                  <a:txBody>
+                    <a:bodyPr/>
+                    <a:lstStyle/>
+                    <a:p>
+                      <a:pPr lvl="0" indent="0" marL="0">
+                        <a:buNone/>
+                      </a:pPr>
+                      <a:r>
+                        <a:rPr/>
+                        <a:t>5526008278</a:t>
+                      </a:r>
+                    </a:p>
+                  </a:txBody>
+                </a:tc>
+                <a:tc>
+                  <a:txBody>
+                    <a:bodyPr/>
+                    <a:lstStyle/>
+                    <a:p>
+                      <a:pPr lvl="0" indent="0" marL="0">
+                        <a:buNone/>
+                      </a:pPr>
+                      <a:r>
+                        <a:rPr/>
+                        <a:t>1272003003</a:t>
+                      </a:r>
+                    </a:p>
+                  </a:txBody>
+                </a:tc>
+                <a:tc>
+                  <a:txBody>
+                    <a:bodyPr/>
+                    <a:lstStyle/>
+                    <a:p>
+                      <a:pPr lvl="0" indent="0" marL="0">
+                        <a:buNone/>
+                      </a:pPr>
+                      <a:r>
+                        <a:rPr/>
+                        <a:t>14456828346</a:t>
+                      </a:r>
+                    </a:p>
+                  </a:txBody>
+                </a:tc>
+                <a:tc>
+                  <a:txBody>
+                    <a:bodyPr/>
+                    <a:lstStyle/>
+                    <a:p>
+                      <a:pPr lvl="0" indent="0" marL="0">
+                        <a:buNone/>
+                      </a:pPr>
+                      <a:r>
+                        <a:rPr/>
+                        <a:t>2.095269e+13</a:t>
+                      </a:r>
+                    </a:p>
+                  </a:txBody>
+                </a:tc>
+                <a:tc>
+                  <a:txBody>
+                    <a:bodyPr/>
+                    <a:lstStyle/>
+                    <a:p>
+                      <a:pPr lvl="0" indent="0" marL="0">
+                        <a:buNone/>
+                      </a:pPr>
+                      <a:r>
+                        <a:rPr/>
+                        <a:t>409.127</a:t>
+                      </a:r>
+                    </a:p>
+                  </a:txBody>
+                </a:tc>
+              </a:tr>
+              <a:tr h="0">
+                <a:tc>
+                  <a:txBody>
+                    <a:bodyPr/>
+                    <a:lstStyle/>
+                    <a:p>
+                      <a:pPr lvl="0" indent="0" marL="0">
+                        <a:buNone/>
+                      </a:pPr>
+                      <a:r>
+                        <a:rPr b="1"/>
+                        <a:t>Source:</a:t>
+                      </a:r>
+                      <a:r>
+                        <a:rPr/>
+                        <a:t> Banque de la republique d’Haiti</a:t>
+                      </a:r>
+                    </a:p>
+                  </a:txBody>
+                </a:tc>
+                <a:tc>
+                  <a:txBody>
+                    <a:bodyPr/>
+                    <a:lstStyle/>
+                    <a:p>
+                      <a:endParaRPr/>
+                    </a:p>
+                  </a:txBody>
+                </a:tc>
+                <a:tc>
+                  <a:txBody>
+                    <a:bodyPr/>
+                    <a:lstStyle/>
+                    <a:p>
+                      <a:endParaRPr/>
+                    </a:p>
+                  </a:txBody>
+                </a:tc>
+                <a:tc>
+                  <a:txBody>
+                    <a:bodyPr/>
+                    <a:lstStyle/>
+                    <a:p>
+                      <a:endParaRPr/>
+                    </a:p>
+                  </a:txBody>
+                </a:tc>
+                <a:tc>
+                  <a:txBody>
+                    <a:bodyPr/>
+                    <a:lstStyle/>
+                    <a:p>
+                      <a:endParaRPr/>
+                    </a:p>
+                  </a:txBody>
+                </a:tc>
+                <a:tc>
+                  <a:txBody>
+                    <a:bodyPr/>
+                    <a:lstStyle/>
+                    <a:p>
+                      <a:endParaRPr/>
+                    </a:p>
+                  </a:txBody>
+                </a:tc>
+                <a:tc>
+                  <a:txBody>
+                    <a:bodyPr/>
+                    <a:lstStyle/>
+                    <a:p>
+                      <a:endParaRPr/>
+                    </a:p>
+                  </a:txBody>
+                </a:tc>
+              </a:tr>
+            </a:tbl>
+          </a:graphicData>
+        </a:graphic>
+      </p:graphicFrame>
     </p:spTree>
   </p:cSld>
 </p:sld>
@@ -3479,19 +8215,4060 @@
             </a:pPr>
             <a:r>
               <a:rPr/>
-              <a:t>Code</a:t>
+              <a:t>Tableau Presentant les Donnees en Logarithme Neperien</a:t>
             </a:r>
           </a:p>
         </p:txBody>
       </p:sp>
+      <p:graphicFrame>
+        <p:nvGraphicFramePr>
+          <p:cNvPr id="6" name="Content Placeholder 5"/>
+          <p:cNvGraphicFramePr>
+            <a:graphicFrameLocks noGrp="1"/>
+          </p:cNvGraphicFramePr>
+          <p:nvPr>
+            <p:ph idx="1"/>
+          </p:nvPr>
+        </p:nvGraphicFramePr>
+        <p:xfrm>
+          <a:off x="457200" y="1193800"/>
+          <a:ext cx="8229600" cy="3390900"/>
+        </p:xfrm>
+        <a:graphic>
+          <a:graphicData uri="http://schemas.openxmlformats.org/drawingml/2006/table">
+            <a:tbl>
+              <a:tblPr firstRow="1" bandRow="1">
+                <a:tableStyleId>{5C22544A-7EE6-4342-B048-85BDC9FD1C3A}</a:tableStyleId>
+              </a:tblPr>
+              <a:tblGrid>
+                <a:gridCol w="1168400"/>
+                <a:gridCol w="1168400"/>
+                <a:gridCol w="1168400"/>
+                <a:gridCol w="1168400"/>
+                <a:gridCol w="1168400"/>
+                <a:gridCol w="1168400"/>
+                <a:gridCol w="1168400"/>
+              </a:tblGrid>
+              <a:tr h="0">
+                <a:tc>
+                  <a:txBody>
+                    <a:bodyPr/>
+                    <a:lstStyle/>
+                    <a:p>
+                      <a:pPr lvl="0" indent="0" marL="0">
+                        <a:buNone/>
+                      </a:pPr>
+                      <a:r>
+                        <a:rPr b="1"/>
+                        <a:t>Year</a:t>
+                      </a:r>
+                    </a:p>
+                  </a:txBody>
+                  <a:tcPr/>
+                </a:tc>
+                <a:tc>
+                  <a:txBody>
+                    <a:bodyPr/>
+                    <a:lstStyle/>
+                    <a:p>
+                      <a:pPr lvl="0" indent="0" marL="0">
+                        <a:buNone/>
+                      </a:pPr>
+                      <a:r>
+                        <a:rPr/>
+                        <a:t>tx.change</a:t>
+                      </a:r>
+                    </a:p>
+                  </a:txBody>
+                  <a:tcPr/>
+                </a:tc>
+                <a:tc>
+                  <a:txBody>
+                    <a:bodyPr/>
+                    <a:lstStyle/>
+                    <a:p>
+                      <a:pPr lvl="0" indent="0" marL="0">
+                        <a:buNone/>
+                      </a:pPr>
+                      <a:r>
+                        <a:rPr/>
+                        <a:t>imp</a:t>
+                      </a:r>
+                    </a:p>
+                  </a:txBody>
+                  <a:tcPr/>
+                </a:tc>
+                <a:tc>
+                  <a:txBody>
+                    <a:bodyPr/>
+                    <a:lstStyle/>
+                    <a:p>
+                      <a:pPr lvl="0" indent="0" marL="0">
+                        <a:buNone/>
+                      </a:pPr>
+                      <a:r>
+                        <a:rPr/>
+                        <a:t>exp</a:t>
+                      </a:r>
+                    </a:p>
+                  </a:txBody>
+                  <a:tcPr/>
+                </a:tc>
+                <a:tc>
+                  <a:txBody>
+                    <a:bodyPr/>
+                    <a:lstStyle/>
+                    <a:p>
+                      <a:pPr lvl="0" indent="0" marL="0">
+                        <a:buNone/>
+                      </a:pPr>
+                      <a:r>
+                        <a:rPr/>
+                        <a:t>pib</a:t>
+                      </a:r>
+                    </a:p>
+                  </a:txBody>
+                  <a:tcPr/>
+                </a:tc>
+                <a:tc>
+                  <a:txBody>
+                    <a:bodyPr/>
+                    <a:lstStyle/>
+                    <a:p>
+                      <a:pPr lvl="0" indent="0" marL="0">
+                        <a:buNone/>
+                      </a:pPr>
+                      <a:r>
+                        <a:rPr/>
+                        <a:t>pib.usa</a:t>
+                      </a:r>
+                    </a:p>
+                  </a:txBody>
+                  <a:tcPr/>
+                </a:tc>
+                <a:tc>
+                  <a:txBody>
+                    <a:bodyPr/>
+                    <a:lstStyle/>
+                    <a:p>
+                      <a:pPr lvl="0" indent="0" marL="0">
+                        <a:buNone/>
+                      </a:pPr>
+                      <a:r>
+                        <a:rPr/>
+                        <a:t>ipc</a:t>
+                      </a:r>
+                    </a:p>
+                  </a:txBody>
+                  <a:tcPr/>
+                </a:tc>
+              </a:tr>
+              <a:tr h="0">
+                <a:tc>
+                  <a:txBody>
+                    <a:bodyPr/>
+                    <a:lstStyle/>
+                    <a:p>
+                      <a:pPr lvl="0" indent="0" marL="0">
+                        <a:buNone/>
+                      </a:pPr>
+                      <a:r>
+                        <a:rPr/>
+                        <a:t>1988</a:t>
+                      </a:r>
+                    </a:p>
+                  </a:txBody>
+                </a:tc>
+                <a:tc>
+                  <a:txBody>
+                    <a:bodyPr/>
+                    <a:lstStyle/>
+                    <a:p>
+                      <a:pPr lvl="0" indent="0" marL="0">
+                        <a:buNone/>
+                      </a:pPr>
+                      <a:r>
+                        <a:rPr/>
+                        <a:t>1.609438</a:t>
+                      </a:r>
+                    </a:p>
+                  </a:txBody>
+                </a:tc>
+                <a:tc>
+                  <a:txBody>
+                    <a:bodyPr/>
+                    <a:lstStyle/>
+                    <a:p>
+                      <a:pPr lvl="0" indent="0" marL="0">
+                        <a:buNone/>
+                      </a:pPr>
+                      <a:r>
+                        <a:rPr/>
+                        <a:t>20.42970</a:t>
+                      </a:r>
+                    </a:p>
+                  </a:txBody>
+                </a:tc>
+                <a:tc>
+                  <a:txBody>
+                    <a:bodyPr/>
+                    <a:lstStyle/>
+                    <a:p>
+                      <a:pPr lvl="0" indent="0" marL="0">
+                        <a:buNone/>
+                      </a:pPr>
+                      <a:r>
+                        <a:rPr/>
+                        <a:t>20.02890</a:t>
+                      </a:r>
+                    </a:p>
+                  </a:txBody>
+                </a:tc>
+                <a:tc>
+                  <a:txBody>
+                    <a:bodyPr/>
+                    <a:lstStyle/>
+                    <a:p>
+                      <a:pPr lvl="0" indent="0" marL="0">
+                        <a:buNone/>
+                      </a:pPr>
+                      <a:r>
+                        <a:rPr/>
+                        <a:t>23.15433</a:t>
+                      </a:r>
+                    </a:p>
+                  </a:txBody>
+                </a:tc>
+                <a:tc>
+                  <a:txBody>
+                    <a:bodyPr/>
+                    <a:lstStyle/>
+                    <a:p>
+                      <a:pPr lvl="0" indent="0" marL="0">
+                        <a:buNone/>
+                      </a:pPr>
+                      <a:r>
+                        <a:rPr/>
+                        <a:t>29.85978</a:t>
+                      </a:r>
+                    </a:p>
+                  </a:txBody>
+                </a:tc>
+                <a:tc>
+                  <a:txBody>
+                    <a:bodyPr/>
+                    <a:lstStyle/>
+                    <a:p>
+                      <a:pPr lvl="0" indent="0" marL="0">
+                        <a:buNone/>
+                      </a:pPr>
+                      <a:r>
+                        <a:rPr/>
+                        <a:t>1.513808</a:t>
+                      </a:r>
+                    </a:p>
+                  </a:txBody>
+                </a:tc>
+              </a:tr>
+              <a:tr h="0">
+                <a:tc>
+                  <a:txBody>
+                    <a:bodyPr/>
+                    <a:lstStyle/>
+                    <a:p>
+                      <a:pPr lvl="0" indent="0" marL="0">
+                        <a:buNone/>
+                      </a:pPr>
+                      <a:r>
+                        <a:rPr/>
+                        <a:t>1989</a:t>
+                      </a:r>
+                    </a:p>
+                  </a:txBody>
+                </a:tc>
+                <a:tc>
+                  <a:txBody>
+                    <a:bodyPr/>
+                    <a:lstStyle/>
+                    <a:p>
+                      <a:pPr lvl="0" indent="0" marL="0">
+                        <a:buNone/>
+                      </a:pPr>
+                      <a:r>
+                        <a:rPr/>
+                        <a:t>1.609438</a:t>
+                      </a:r>
+                    </a:p>
+                  </a:txBody>
+                </a:tc>
+                <a:tc>
+                  <a:txBody>
+                    <a:bodyPr/>
+                    <a:lstStyle/>
+                    <a:p>
+                      <a:pPr lvl="0" indent="0" marL="0">
+                        <a:buNone/>
+                      </a:pPr>
+                      <a:r>
+                        <a:rPr/>
+                        <a:t>20.30444</a:t>
+                      </a:r>
+                    </a:p>
+                  </a:txBody>
+                </a:tc>
+                <a:tc>
+                  <a:txBody>
+                    <a:bodyPr/>
+                    <a:lstStyle/>
+                    <a:p>
+                      <a:pPr lvl="0" indent="0" marL="0">
+                        <a:buNone/>
+                      </a:pPr>
+                      <a:r>
+                        <a:rPr/>
+                        <a:t>20.12447</a:t>
+                      </a:r>
+                    </a:p>
+                  </a:txBody>
+                </a:tc>
+                <a:tc>
+                  <a:txBody>
+                    <a:bodyPr/>
+                    <a:lstStyle/>
+                    <a:p>
+                      <a:pPr lvl="0" indent="0" marL="0">
+                        <a:buNone/>
+                      </a:pPr>
+                      <a:r>
+                        <a:rPr/>
+                        <a:t>23.12476</a:t>
+                      </a:r>
+                    </a:p>
+                  </a:txBody>
+                </a:tc>
+                <a:tc>
+                  <a:txBody>
+                    <a:bodyPr/>
+                    <a:lstStyle/>
+                    <a:p>
+                      <a:pPr lvl="0" indent="0" marL="0">
+                        <a:buNone/>
+                      </a:pPr>
+                      <a:r>
+                        <a:rPr/>
+                        <a:t>29.89585</a:t>
+                      </a:r>
+                    </a:p>
+                  </a:txBody>
+                </a:tc>
+                <a:tc>
+                  <a:txBody>
+                    <a:bodyPr/>
+                    <a:lstStyle/>
+                    <a:p>
+                      <a:pPr lvl="0" indent="0" marL="0">
+                        <a:buNone/>
+                      </a:pPr>
+                      <a:r>
+                        <a:rPr/>
+                        <a:t>1.580833</a:t>
+                      </a:r>
+                    </a:p>
+                  </a:txBody>
+                </a:tc>
+              </a:tr>
+              <a:tr h="0">
+                <a:tc>
+                  <a:txBody>
+                    <a:bodyPr/>
+                    <a:lstStyle/>
+                    <a:p>
+                      <a:pPr lvl="0" indent="0" marL="0">
+                        <a:buNone/>
+                      </a:pPr>
+                      <a:r>
+                        <a:rPr/>
+                        <a:t>1990</a:t>
+                      </a:r>
+                    </a:p>
+                  </a:txBody>
+                </a:tc>
+                <a:tc>
+                  <a:txBody>
+                    <a:bodyPr/>
+                    <a:lstStyle/>
+                    <a:p>
+                      <a:pPr lvl="0" indent="0" marL="0">
+                        <a:buNone/>
+                      </a:pPr>
+                      <a:r>
+                        <a:rPr/>
+                        <a:t>1.609438</a:t>
+                      </a:r>
+                    </a:p>
+                  </a:txBody>
+                </a:tc>
+                <a:tc>
+                  <a:txBody>
+                    <a:bodyPr/>
+                    <a:lstStyle/>
+                    <a:p>
+                      <a:pPr lvl="0" indent="0" marL="0">
+                        <a:buNone/>
+                      </a:pPr>
+                      <a:r>
+                        <a:rPr/>
+                        <a:t>20.54202</a:t>
+                      </a:r>
+                    </a:p>
+                  </a:txBody>
+                </a:tc>
+                <a:tc>
+                  <a:txBody>
+                    <a:bodyPr/>
+                    <a:lstStyle/>
+                    <a:p>
+                      <a:pPr lvl="0" indent="0" marL="0">
+                        <a:buNone/>
+                      </a:pPr>
+                      <a:r>
+                        <a:rPr/>
+                        <a:t>20.12785</a:t>
+                      </a:r>
+                    </a:p>
+                  </a:txBody>
+                </a:tc>
+                <a:tc>
+                  <a:txBody>
+                    <a:bodyPr/>
+                    <a:lstStyle/>
+                    <a:p>
+                      <a:pPr lvl="0" indent="0" marL="0">
+                        <a:buNone/>
+                      </a:pPr>
+                      <a:r>
+                        <a:rPr/>
+                        <a:t>23.13509</a:t>
+                      </a:r>
+                    </a:p>
+                  </a:txBody>
+                </a:tc>
+                <a:tc>
+                  <a:txBody>
+                    <a:bodyPr/>
+                    <a:lstStyle/>
+                    <a:p>
+                      <a:pPr lvl="0" indent="0" marL="0">
+                        <a:buNone/>
+                      </a:pPr>
+                      <a:r>
+                        <a:rPr/>
+                        <a:t>29.91457</a:t>
+                      </a:r>
+                    </a:p>
+                  </a:txBody>
+                </a:tc>
+                <a:tc>
+                  <a:txBody>
+                    <a:bodyPr/>
+                    <a:lstStyle/>
+                    <a:p>
+                      <a:pPr lvl="0" indent="0" marL="0">
+                        <a:buNone/>
+                      </a:pPr>
+                      <a:r>
+                        <a:rPr/>
+                        <a:t>1.773595</a:t>
+                      </a:r>
+                    </a:p>
+                  </a:txBody>
+                </a:tc>
+              </a:tr>
+              <a:tr h="0">
+                <a:tc>
+                  <a:txBody>
+                    <a:bodyPr/>
+                    <a:lstStyle/>
+                    <a:p>
+                      <a:pPr lvl="0" indent="0" marL="0">
+                        <a:buNone/>
+                      </a:pPr>
+                      <a:r>
+                        <a:rPr/>
+                        <a:t>1991</a:t>
+                      </a:r>
+                    </a:p>
+                  </a:txBody>
+                </a:tc>
+                <a:tc>
+                  <a:txBody>
+                    <a:bodyPr/>
+                    <a:lstStyle/>
+                    <a:p>
+                      <a:pPr lvl="0" indent="0" marL="0">
+                        <a:buNone/>
+                      </a:pPr>
+                      <a:r>
+                        <a:rPr/>
+                        <a:t>1.797438</a:t>
+                      </a:r>
+                    </a:p>
+                  </a:txBody>
+                </a:tc>
+                <a:tc>
+                  <a:txBody>
+                    <a:bodyPr/>
+                    <a:lstStyle/>
+                    <a:p>
+                      <a:pPr lvl="0" indent="0" marL="0">
+                        <a:buNone/>
+                      </a:pPr>
+                      <a:r>
+                        <a:rPr/>
+                        <a:t>20.37348</a:t>
+                      </a:r>
+                    </a:p>
+                  </a:txBody>
+                </a:tc>
+                <a:tc>
+                  <a:txBody>
+                    <a:bodyPr/>
+                    <a:lstStyle/>
+                    <a:p>
+                      <a:pPr lvl="0" indent="0" marL="0">
+                        <a:buNone/>
+                      </a:pPr>
+                      <a:r>
+                        <a:rPr/>
+                        <a:t>20.02337</a:t>
+                      </a:r>
+                    </a:p>
+                  </a:txBody>
+                </a:tc>
+                <a:tc>
+                  <a:txBody>
+                    <a:bodyPr/>
+                    <a:lstStyle/>
+                    <a:p>
+                      <a:pPr lvl="0" indent="0" marL="0">
+                        <a:buNone/>
+                      </a:pPr>
+                      <a:r>
+                        <a:rPr/>
+                        <a:t>23.15372</a:t>
+                      </a:r>
+                    </a:p>
+                  </a:txBody>
+                </a:tc>
+                <a:tc>
+                  <a:txBody>
+                    <a:bodyPr/>
+                    <a:lstStyle/>
+                    <a:p>
+                      <a:pPr lvl="0" indent="0" marL="0">
+                        <a:buNone/>
+                      </a:pPr>
+                      <a:r>
+                        <a:rPr/>
+                        <a:t>29.91345</a:t>
+                      </a:r>
+                    </a:p>
+                  </a:txBody>
+                </a:tc>
+                <a:tc>
+                  <a:txBody>
+                    <a:bodyPr/>
+                    <a:lstStyle/>
+                    <a:p>
+                      <a:pPr lvl="0" indent="0" marL="0">
+                        <a:buNone/>
+                      </a:pPr>
+                      <a:r>
+                        <a:rPr/>
+                        <a:t>1.917070</a:t>
+                      </a:r>
+                    </a:p>
+                  </a:txBody>
+                </a:tc>
+              </a:tr>
+              <a:tr h="0">
+                <a:tc>
+                  <a:txBody>
+                    <a:bodyPr/>
+                    <a:lstStyle/>
+                    <a:p>
+                      <a:pPr lvl="0" indent="0" marL="0">
+                        <a:buNone/>
+                      </a:pPr>
+                      <a:r>
+                        <a:rPr/>
+                        <a:t>1992</a:t>
+                      </a:r>
+                    </a:p>
+                  </a:txBody>
+                </a:tc>
+                <a:tc>
+                  <a:txBody>
+                    <a:bodyPr/>
+                    <a:lstStyle/>
+                    <a:p>
+                      <a:pPr lvl="0" indent="0" marL="0">
+                        <a:buNone/>
+                      </a:pPr>
+                      <a:r>
+                        <a:rPr/>
+                        <a:t>2.282552</a:t>
+                      </a:r>
+                    </a:p>
+                  </a:txBody>
+                </a:tc>
+                <a:tc>
+                  <a:txBody>
+                    <a:bodyPr/>
+                    <a:lstStyle/>
+                    <a:p>
+                      <a:pPr lvl="0" indent="0" marL="0">
+                        <a:buNone/>
+                      </a:pPr>
+                      <a:r>
+                        <a:rPr/>
+                        <a:t>20.25630</a:t>
+                      </a:r>
+                    </a:p>
+                  </a:txBody>
+                </a:tc>
+                <a:tc>
+                  <a:txBody>
+                    <a:bodyPr/>
+                    <a:lstStyle/>
+                    <a:p>
+                      <a:pPr lvl="0" indent="0" marL="0">
+                        <a:buNone/>
+                      </a:pPr>
+                      <a:r>
+                        <a:rPr/>
+                        <a:t>19.74087</a:t>
+                      </a:r>
+                    </a:p>
+                  </a:txBody>
+                </a:tc>
+                <a:tc>
+                  <a:txBody>
+                    <a:bodyPr/>
+                    <a:lstStyle/>
+                    <a:p>
+                      <a:pPr lvl="0" indent="0" marL="0">
+                        <a:buNone/>
+                      </a:pPr>
+                      <a:r>
+                        <a:rPr/>
+                        <a:t>23.09916</a:t>
+                      </a:r>
+                    </a:p>
+                  </a:txBody>
+                </a:tc>
+                <a:tc>
+                  <a:txBody>
+                    <a:bodyPr/>
+                    <a:lstStyle/>
+                    <a:p>
+                      <a:pPr lvl="0" indent="0" marL="0">
+                        <a:buNone/>
+                      </a:pPr>
+                      <a:r>
+                        <a:rPr/>
+                        <a:t>29.94807</a:t>
+                      </a:r>
+                    </a:p>
+                  </a:txBody>
+                </a:tc>
+                <a:tc>
+                  <a:txBody>
+                    <a:bodyPr/>
+                    <a:lstStyle/>
+                    <a:p>
+                      <a:pPr lvl="0" indent="0" marL="0">
+                        <a:buNone/>
+                      </a:pPr>
+                      <a:r>
+                        <a:rPr/>
+                        <a:t>2.094084</a:t>
+                      </a:r>
+                    </a:p>
+                  </a:txBody>
+                </a:tc>
+              </a:tr>
+              <a:tr h="0">
+                <a:tc>
+                  <a:txBody>
+                    <a:bodyPr/>
+                    <a:lstStyle/>
+                    <a:p>
+                      <a:pPr lvl="0" indent="0" marL="0">
+                        <a:buNone/>
+                      </a:pPr>
+                      <a:r>
+                        <a:rPr/>
+                        <a:t>1993</a:t>
+                      </a:r>
+                    </a:p>
+                  </a:txBody>
+                </a:tc>
+                <a:tc>
+                  <a:txBody>
+                    <a:bodyPr/>
+                    <a:lstStyle/>
+                    <a:p>
+                      <a:pPr lvl="0" indent="0" marL="0">
+                        <a:buNone/>
+                      </a:pPr>
+                      <a:r>
+                        <a:rPr/>
+                        <a:t>2.551201</a:t>
+                      </a:r>
+                    </a:p>
+                  </a:txBody>
+                </a:tc>
+                <a:tc>
+                  <a:txBody>
+                    <a:bodyPr/>
+                    <a:lstStyle/>
+                    <a:p>
+                      <a:pPr lvl="0" indent="0" marL="0">
+                        <a:buNone/>
+                      </a:pPr>
+                      <a:r>
+                        <a:rPr/>
+                        <a:t>20.64608</a:t>
+                      </a:r>
+                    </a:p>
+                  </a:txBody>
+                </a:tc>
+                <a:tc>
+                  <a:txBody>
+                    <a:bodyPr/>
+                    <a:lstStyle/>
+                    <a:p>
+                      <a:pPr lvl="0" indent="0" marL="0">
+                        <a:buNone/>
+                      </a:pPr>
+                      <a:r>
+                        <a:rPr/>
+                        <a:t>19.94161</a:t>
+                      </a:r>
+                    </a:p>
+                  </a:txBody>
+                </a:tc>
+                <a:tc>
+                  <a:txBody>
+                    <a:bodyPr/>
+                    <a:lstStyle/>
+                    <a:p>
+                      <a:pPr lvl="0" indent="0" marL="0">
+                        <a:buNone/>
+                      </a:pPr>
+                      <a:r>
+                        <a:rPr/>
+                        <a:t>23.04337</a:t>
+                      </a:r>
+                    </a:p>
+                  </a:txBody>
+                </a:tc>
+                <a:tc>
+                  <a:txBody>
+                    <a:bodyPr/>
+                    <a:lstStyle/>
+                    <a:p>
+                      <a:pPr lvl="0" indent="0" marL="0">
+                        <a:buNone/>
+                      </a:pPr>
+                      <a:r>
+                        <a:rPr/>
+                        <a:t>29.97521</a:t>
+                      </a:r>
+                    </a:p>
+                  </a:txBody>
+                </a:tc>
+                <a:tc>
+                  <a:txBody>
+                    <a:bodyPr/>
+                    <a:lstStyle/>
+                    <a:p>
+                      <a:pPr lvl="0" indent="0" marL="0">
+                        <a:buNone/>
+                      </a:pPr>
+                      <a:r>
+                        <a:rPr/>
+                        <a:t>2.354133</a:t>
+                      </a:r>
+                    </a:p>
+                  </a:txBody>
+                </a:tc>
+              </a:tr>
+              <a:tr h="0">
+                <a:tc>
+                  <a:txBody>
+                    <a:bodyPr/>
+                    <a:lstStyle/>
+                    <a:p>
+                      <a:pPr lvl="0" indent="0" marL="0">
+                        <a:buNone/>
+                      </a:pPr>
+                      <a:r>
+                        <a:rPr/>
+                        <a:t>1994</a:t>
+                      </a:r>
+                    </a:p>
+                  </a:txBody>
+                </a:tc>
+                <a:tc>
+                  <a:txBody>
+                    <a:bodyPr/>
+                    <a:lstStyle/>
+                    <a:p>
+                      <a:pPr lvl="0" indent="0" marL="0">
+                        <a:buNone/>
+                      </a:pPr>
+                      <a:r>
+                        <a:rPr/>
+                        <a:t>2.710713</a:t>
+                      </a:r>
+                    </a:p>
+                  </a:txBody>
+                </a:tc>
+                <a:tc>
+                  <a:txBody>
+                    <a:bodyPr/>
+                    <a:lstStyle/>
+                    <a:p>
+                      <a:pPr lvl="0" indent="0" marL="0">
+                        <a:buNone/>
+                      </a:pPr>
+                      <a:r>
+                        <a:rPr/>
+                        <a:t>20.44531</a:t>
+                      </a:r>
+                    </a:p>
+                  </a:txBody>
+                </a:tc>
+                <a:tc>
+                  <a:txBody>
+                    <a:bodyPr/>
+                    <a:lstStyle/>
+                    <a:p>
+                      <a:pPr lvl="0" indent="0" marL="0">
+                        <a:buNone/>
+                      </a:pPr>
+                      <a:r>
+                        <a:rPr/>
+                        <a:t>19.53107</a:t>
+                      </a:r>
+                    </a:p>
+                  </a:txBody>
+                </a:tc>
+                <a:tc>
+                  <a:txBody>
+                    <a:bodyPr/>
+                    <a:lstStyle/>
+                    <a:p>
+                      <a:pPr lvl="0" indent="0" marL="0">
+                        <a:buNone/>
+                      </a:pPr>
+                      <a:r>
+                        <a:rPr/>
+                        <a:t>22.91610</a:t>
+                      </a:r>
+                    </a:p>
+                  </a:txBody>
+                </a:tc>
+                <a:tc>
+                  <a:txBody>
+                    <a:bodyPr/>
+                    <a:lstStyle/>
+                    <a:p>
+                      <a:pPr lvl="0" indent="0" marL="0">
+                        <a:buNone/>
+                      </a:pPr>
+                      <a:r>
+                        <a:rPr/>
+                        <a:t>30.01471</a:t>
+                      </a:r>
+                    </a:p>
+                  </a:txBody>
+                </a:tc>
+                <a:tc>
+                  <a:txBody>
+                    <a:bodyPr/>
+                    <a:lstStyle/>
+                    <a:p>
+                      <a:pPr lvl="0" indent="0" marL="0">
+                        <a:buNone/>
+                      </a:pPr>
+                      <a:r>
+                        <a:rPr/>
+                        <a:t>2.685805</a:t>
+                      </a:r>
+                    </a:p>
+                  </a:txBody>
+                </a:tc>
+              </a:tr>
+              <a:tr h="0">
+                <a:tc>
+                  <a:txBody>
+                    <a:bodyPr/>
+                    <a:lstStyle/>
+                    <a:p>
+                      <a:pPr lvl="0" indent="0" marL="0">
+                        <a:buNone/>
+                      </a:pPr>
+                      <a:r>
+                        <a:rPr/>
+                        <a:t>1995</a:t>
+                      </a:r>
+                    </a:p>
+                  </a:txBody>
+                </a:tc>
+                <a:tc>
+                  <a:txBody>
+                    <a:bodyPr/>
+                    <a:lstStyle/>
+                    <a:p>
+                      <a:pPr lvl="0" indent="0" marL="0">
+                        <a:buNone/>
+                      </a:pPr>
+                      <a:r>
+                        <a:rPr/>
+                        <a:t>2.715339</a:t>
+                      </a:r>
+                    </a:p>
+                  </a:txBody>
+                </a:tc>
+                <a:tc>
+                  <a:txBody>
+                    <a:bodyPr/>
+                    <a:lstStyle/>
+                    <a:p>
+                      <a:pPr lvl="0" indent="0" marL="0">
+                        <a:buNone/>
+                      </a:pPr>
+                      <a:r>
+                        <a:rPr/>
+                        <a:t>20.97096</a:t>
+                      </a:r>
+                    </a:p>
+                  </a:txBody>
+                </a:tc>
+                <a:tc>
+                  <a:txBody>
+                    <a:bodyPr/>
+                    <a:lstStyle/>
+                    <a:p>
+                      <a:pPr lvl="0" indent="0" marL="0">
+                        <a:buNone/>
+                      </a:pPr>
+                      <a:r>
+                        <a:rPr/>
+                        <a:t>19.83242</a:t>
+                      </a:r>
+                    </a:p>
+                  </a:txBody>
+                </a:tc>
+                <a:tc>
+                  <a:txBody>
+                    <a:bodyPr/>
+                    <a:lstStyle/>
+                    <a:p>
+                      <a:pPr lvl="0" indent="0" marL="0">
+                        <a:buNone/>
+                      </a:pPr>
+                      <a:r>
+                        <a:rPr/>
+                        <a:t>23.01048</a:t>
+                      </a:r>
+                    </a:p>
+                  </a:txBody>
+                </a:tc>
+                <a:tc>
+                  <a:txBody>
+                    <a:bodyPr/>
+                    <a:lstStyle/>
+                    <a:p>
+                      <a:pPr lvl="0" indent="0" marL="0">
+                        <a:buNone/>
+                      </a:pPr>
+                      <a:r>
+                        <a:rPr/>
+                        <a:t>30.04120</a:t>
+                      </a:r>
+                    </a:p>
+                  </a:txBody>
+                </a:tc>
+                <a:tc>
+                  <a:txBody>
+                    <a:bodyPr/>
+                    <a:lstStyle/>
+                    <a:p>
+                      <a:pPr lvl="0" indent="0" marL="0">
+                        <a:buNone/>
+                      </a:pPr>
+                      <a:r>
+                        <a:rPr/>
+                        <a:t>2.929592</a:t>
+                      </a:r>
+                    </a:p>
+                  </a:txBody>
+                </a:tc>
+              </a:tr>
+              <a:tr h="0">
+                <a:tc>
+                  <a:txBody>
+                    <a:bodyPr/>
+                    <a:lstStyle/>
+                    <a:p>
+                      <a:pPr lvl="0" indent="0" marL="0">
+                        <a:buNone/>
+                      </a:pPr>
+                      <a:r>
+                        <a:rPr/>
+                        <a:t>1996</a:t>
+                      </a:r>
+                    </a:p>
+                  </a:txBody>
+                </a:tc>
+                <a:tc>
+                  <a:txBody>
+                    <a:bodyPr/>
+                    <a:lstStyle/>
+                    <a:p>
+                      <a:pPr lvl="0" indent="0" marL="0">
+                        <a:buNone/>
+                      </a:pPr>
+                      <a:r>
+                        <a:rPr/>
+                        <a:t>2.753734</a:t>
+                      </a:r>
+                    </a:p>
+                  </a:txBody>
+                </a:tc>
+                <a:tc>
+                  <a:txBody>
+                    <a:bodyPr/>
+                    <a:lstStyle/>
+                    <a:p>
+                      <a:pPr lvl="0" indent="0" marL="0">
+                        <a:buNone/>
+                      </a:pPr>
+                      <a:r>
+                        <a:rPr/>
+                        <a:t>21.25295</a:t>
+                      </a:r>
+                    </a:p>
+                  </a:txBody>
+                </a:tc>
+                <a:tc>
+                  <a:txBody>
+                    <a:bodyPr/>
+                    <a:lstStyle/>
+                    <a:p>
+                      <a:pPr lvl="0" indent="0" marL="0">
+                        <a:buNone/>
+                      </a:pPr>
+                      <a:r>
+                        <a:rPr/>
+                        <a:t>20.07379</a:t>
+                      </a:r>
+                    </a:p>
+                  </a:txBody>
+                </a:tc>
+                <a:tc>
+                  <a:txBody>
+                    <a:bodyPr/>
+                    <a:lstStyle/>
+                    <a:p>
+                      <a:pPr lvl="0" indent="0" marL="0">
+                        <a:buNone/>
+                      </a:pPr>
+                      <a:r>
+                        <a:rPr/>
+                        <a:t>23.05105</a:t>
+                      </a:r>
+                    </a:p>
+                  </a:txBody>
+                </a:tc>
+                <a:tc>
+                  <a:txBody>
+                    <a:bodyPr/>
+                    <a:lstStyle/>
+                    <a:p>
+                      <a:pPr lvl="0" indent="0" marL="0">
+                        <a:buNone/>
+                      </a:pPr>
+                      <a:r>
+                        <a:rPr/>
+                        <a:t>30.07823</a:t>
+                      </a:r>
+                    </a:p>
+                  </a:txBody>
+                </a:tc>
+                <a:tc>
+                  <a:txBody>
+                    <a:bodyPr/>
+                    <a:lstStyle/>
+                    <a:p>
+                      <a:pPr lvl="0" indent="0" marL="0">
+                        <a:buNone/>
+                      </a:pPr>
+                      <a:r>
+                        <a:rPr/>
+                        <a:t>3.116799</a:t>
+                      </a:r>
+                    </a:p>
+                  </a:txBody>
+                </a:tc>
+              </a:tr>
+              <a:tr h="0">
+                <a:tc>
+                  <a:txBody>
+                    <a:bodyPr/>
+                    <a:lstStyle/>
+                    <a:p>
+                      <a:pPr lvl="0" indent="0" marL="0">
+                        <a:buNone/>
+                      </a:pPr>
+                      <a:r>
+                        <a:rPr/>
+                        <a:t>1997</a:t>
+                      </a:r>
+                    </a:p>
+                  </a:txBody>
+                </a:tc>
+                <a:tc>
+                  <a:txBody>
+                    <a:bodyPr/>
+                    <a:lstStyle/>
+                    <a:p>
+                      <a:pPr lvl="0" indent="0" marL="0">
+                        <a:buNone/>
+                      </a:pPr>
+                      <a:r>
+                        <a:rPr/>
+                        <a:t>2.812680</a:t>
+                      </a:r>
+                    </a:p>
+                  </a:txBody>
+                </a:tc>
+                <a:tc>
+                  <a:txBody>
+                    <a:bodyPr/>
+                    <a:lstStyle/>
+                    <a:p>
+                      <a:pPr lvl="0" indent="0" marL="0">
+                        <a:buNone/>
+                      </a:pPr>
+                      <a:r>
+                        <a:rPr/>
+                        <a:t>21.32262</a:t>
+                      </a:r>
+                    </a:p>
+                  </a:txBody>
+                </a:tc>
+                <a:tc>
+                  <a:txBody>
+                    <a:bodyPr/>
+                    <a:lstStyle/>
+                    <a:p>
+                      <a:pPr lvl="0" indent="0" marL="0">
+                        <a:buNone/>
+                      </a:pPr>
+                      <a:r>
+                        <a:rPr/>
+                        <a:t>20.20725</a:t>
+                      </a:r>
+                    </a:p>
+                  </a:txBody>
+                </a:tc>
+                <a:tc>
+                  <a:txBody>
+                    <a:bodyPr/>
+                    <a:lstStyle/>
+                    <a:p>
+                      <a:pPr lvl="0" indent="0" marL="0">
+                        <a:buNone/>
+                      </a:pPr>
+                      <a:r>
+                        <a:rPr/>
+                        <a:t>23.07774</a:t>
+                      </a:r>
+                    </a:p>
+                  </a:txBody>
+                </a:tc>
+                <a:tc>
+                  <a:txBody>
+                    <a:bodyPr/>
+                    <a:lstStyle/>
+                    <a:p>
+                      <a:pPr lvl="0" indent="0" marL="0">
+                        <a:buNone/>
+                      </a:pPr>
+                      <a:r>
+                        <a:rPr/>
+                        <a:t>30.12174</a:t>
+                      </a:r>
+                    </a:p>
+                  </a:txBody>
+                </a:tc>
+                <a:tc>
+                  <a:txBody>
+                    <a:bodyPr/>
+                    <a:lstStyle/>
+                    <a:p>
+                      <a:pPr lvl="0" indent="0" marL="0">
+                        <a:buNone/>
+                      </a:pPr>
+                      <a:r>
+                        <a:rPr/>
+                        <a:t>3.303768</a:t>
+                      </a:r>
+                    </a:p>
+                  </a:txBody>
+                </a:tc>
+              </a:tr>
+              <a:tr h="0">
+                <a:tc>
+                  <a:txBody>
+                    <a:bodyPr/>
+                    <a:lstStyle/>
+                    <a:p>
+                      <a:pPr lvl="0" indent="0" marL="0">
+                        <a:buNone/>
+                      </a:pPr>
+                      <a:r>
+                        <a:rPr/>
+                        <a:t>1998</a:t>
+                      </a:r>
+                    </a:p>
+                  </a:txBody>
+                </a:tc>
+                <a:tc>
+                  <a:txBody>
+                    <a:bodyPr/>
+                    <a:lstStyle/>
+                    <a:p>
+                      <a:pPr lvl="0" indent="0" marL="0">
+                        <a:buNone/>
+                      </a:pPr>
+                      <a:r>
+                        <a:rPr/>
+                        <a:t>2.819333</a:t>
+                      </a:r>
+                    </a:p>
+                  </a:txBody>
+                </a:tc>
+                <a:tc>
+                  <a:txBody>
+                    <a:bodyPr/>
+                    <a:lstStyle/>
+                    <a:p>
+                      <a:pPr lvl="0" indent="0" marL="0">
+                        <a:buNone/>
+                      </a:pPr>
+                      <a:r>
+                        <a:rPr/>
+                        <a:t>21.38651</a:t>
+                      </a:r>
+                    </a:p>
+                  </a:txBody>
+                </a:tc>
+                <a:tc>
+                  <a:txBody>
+                    <a:bodyPr/>
+                    <a:lstStyle/>
+                    <a:p>
+                      <a:pPr lvl="0" indent="0" marL="0">
+                        <a:buNone/>
+                      </a:pPr>
+                      <a:r>
+                        <a:rPr/>
+                        <a:t>20.41651</a:t>
+                      </a:r>
+                    </a:p>
+                  </a:txBody>
+                </a:tc>
+                <a:tc>
+                  <a:txBody>
+                    <a:bodyPr/>
+                    <a:lstStyle/>
+                    <a:p>
+                      <a:pPr lvl="0" indent="0" marL="0">
+                        <a:buNone/>
+                      </a:pPr>
+                      <a:r>
+                        <a:rPr/>
+                        <a:t>23.09932</a:t>
+                      </a:r>
+                    </a:p>
+                  </a:txBody>
+                </a:tc>
+                <a:tc>
+                  <a:txBody>
+                    <a:bodyPr/>
+                    <a:lstStyle/>
+                    <a:p>
+                      <a:pPr lvl="0" indent="0" marL="0">
+                        <a:buNone/>
+                      </a:pPr>
+                      <a:r>
+                        <a:rPr/>
+                        <a:t>30.16558</a:t>
+                      </a:r>
+                    </a:p>
+                  </a:txBody>
+                </a:tc>
+                <a:tc>
+                  <a:txBody>
+                    <a:bodyPr/>
+                    <a:lstStyle/>
+                    <a:p>
+                      <a:pPr lvl="0" indent="0" marL="0">
+                        <a:buNone/>
+                      </a:pPr>
+                      <a:r>
+                        <a:rPr/>
+                        <a:t>3.355119</a:t>
+                      </a:r>
+                    </a:p>
+                  </a:txBody>
+                </a:tc>
+              </a:tr>
+              <a:tr h="0">
+                <a:tc>
+                  <a:txBody>
+                    <a:bodyPr/>
+                    <a:lstStyle/>
+                    <a:p>
+                      <a:pPr lvl="0" indent="0" marL="0">
+                        <a:buNone/>
+                      </a:pPr>
+                      <a:r>
+                        <a:rPr/>
+                        <a:t>1999</a:t>
+                      </a:r>
+                    </a:p>
+                  </a:txBody>
+                </a:tc>
+                <a:tc>
+                  <a:txBody>
+                    <a:bodyPr/>
+                    <a:lstStyle/>
+                    <a:p>
+                      <a:pPr lvl="0" indent="0" marL="0">
+                        <a:buNone/>
+                      </a:pPr>
+                      <a:r>
+                        <a:rPr/>
+                        <a:t>2.829553</a:t>
+                      </a:r>
+                    </a:p>
+                  </a:txBody>
+                </a:tc>
+                <a:tc>
+                  <a:txBody>
+                    <a:bodyPr/>
+                    <a:lstStyle/>
+                    <a:p>
+                      <a:pPr lvl="0" indent="0" marL="0">
+                        <a:buNone/>
+                      </a:pPr>
+                      <a:r>
+                        <a:rPr/>
+                        <a:t>21.59113</a:t>
+                      </a:r>
+                    </a:p>
+                  </a:txBody>
+                </a:tc>
+                <a:tc>
+                  <a:txBody>
+                    <a:bodyPr/>
+                    <a:lstStyle/>
+                    <a:p>
+                      <a:pPr lvl="0" indent="0" marL="0">
+                        <a:buNone/>
+                      </a:pPr>
+                      <a:r>
+                        <a:rPr/>
+                        <a:t>20.56910</a:t>
+                      </a:r>
+                    </a:p>
+                  </a:txBody>
+                </a:tc>
+                <a:tc>
+                  <a:txBody>
+                    <a:bodyPr/>
+                    <a:lstStyle/>
+                    <a:p>
+                      <a:pPr lvl="0" indent="0" marL="0">
+                        <a:buNone/>
+                      </a:pPr>
+                      <a:r>
+                        <a:rPr/>
+                        <a:t>23.12607</a:t>
+                      </a:r>
+                    </a:p>
+                  </a:txBody>
+                </a:tc>
+                <a:tc>
+                  <a:txBody>
+                    <a:bodyPr/>
+                    <a:lstStyle/>
+                    <a:p>
+                      <a:pPr lvl="0" indent="0" marL="0">
+                        <a:buNone/>
+                      </a:pPr>
+                      <a:r>
+                        <a:rPr/>
+                        <a:t>30.21241</a:t>
+                      </a:r>
+                    </a:p>
+                  </a:txBody>
+                </a:tc>
+                <a:tc>
+                  <a:txBody>
+                    <a:bodyPr/>
+                    <a:lstStyle/>
+                    <a:p>
+                      <a:pPr lvl="0" indent="0" marL="0">
+                        <a:buNone/>
+                      </a:pPr>
+                      <a:r>
+                        <a:rPr/>
+                        <a:t>3.384695</a:t>
+                      </a:r>
+                    </a:p>
+                  </a:txBody>
+                </a:tc>
+              </a:tr>
+              <a:tr h="0">
+                <a:tc>
+                  <a:txBody>
+                    <a:bodyPr/>
+                    <a:lstStyle/>
+                    <a:p>
+                      <a:pPr lvl="0" indent="0" marL="0">
+                        <a:buNone/>
+                      </a:pPr>
+                      <a:r>
+                        <a:rPr/>
+                        <a:t>2000</a:t>
+                      </a:r>
+                    </a:p>
+                  </a:txBody>
+                </a:tc>
+                <a:tc>
+                  <a:txBody>
+                    <a:bodyPr/>
+                    <a:lstStyle/>
+                    <a:p>
+                      <a:pPr lvl="0" indent="0" marL="0">
+                        <a:buNone/>
+                      </a:pPr>
+                      <a:r>
+                        <a:rPr/>
+                        <a:t>3.052617</a:t>
+                      </a:r>
+                    </a:p>
+                  </a:txBody>
+                </a:tc>
+                <a:tc>
+                  <a:txBody>
+                    <a:bodyPr/>
+                    <a:lstStyle/>
+                    <a:p>
+                      <a:pPr lvl="0" indent="0" marL="0">
+                        <a:buNone/>
+                      </a:pPr>
+                      <a:r>
+                        <a:rPr/>
+                        <a:t>21.67108</a:t>
+                      </a:r>
+                    </a:p>
+                  </a:txBody>
+                </a:tc>
+                <a:tc>
+                  <a:txBody>
+                    <a:bodyPr/>
+                    <a:lstStyle/>
+                    <a:p>
+                      <a:pPr lvl="0" indent="0" marL="0">
+                        <a:buNone/>
+                      </a:pPr>
+                      <a:r>
+                        <a:rPr/>
+                        <a:t>19.40275</a:t>
+                      </a:r>
+                    </a:p>
+                  </a:txBody>
+                </a:tc>
+                <a:tc>
+                  <a:txBody>
+                    <a:bodyPr/>
+                    <a:lstStyle/>
+                    <a:p>
+                      <a:pPr lvl="0" indent="0" marL="0">
+                        <a:buNone/>
+                      </a:pPr>
+                      <a:r>
+                        <a:rPr/>
+                        <a:t>23.13473</a:t>
+                      </a:r>
+                    </a:p>
+                  </a:txBody>
+                </a:tc>
+                <a:tc>
+                  <a:txBody>
+                    <a:bodyPr/>
+                    <a:lstStyle/>
+                    <a:p>
+                      <a:pPr lvl="0" indent="0" marL="0">
+                        <a:buNone/>
+                      </a:pPr>
+                      <a:r>
+                        <a:rPr/>
+                        <a:t>30.25237</a:t>
+                      </a:r>
+                    </a:p>
+                  </a:txBody>
+                </a:tc>
+                <a:tc>
+                  <a:txBody>
+                    <a:bodyPr/>
+                    <a:lstStyle/>
+                    <a:p>
+                      <a:pPr lvl="0" indent="0" marL="0">
+                        <a:buNone/>
+                      </a:pPr>
+                      <a:r>
+                        <a:rPr/>
+                        <a:t>3.473952</a:t>
+                      </a:r>
+                    </a:p>
+                  </a:txBody>
+                </a:tc>
+              </a:tr>
+              <a:tr h="0">
+                <a:tc>
+                  <a:txBody>
+                    <a:bodyPr/>
+                    <a:lstStyle/>
+                    <a:p>
+                      <a:pPr lvl="0" indent="0" marL="0">
+                        <a:buNone/>
+                      </a:pPr>
+                      <a:r>
+                        <a:rPr/>
+                        <a:t>2001</a:t>
+                      </a:r>
+                    </a:p>
+                  </a:txBody>
+                </a:tc>
+                <a:tc>
+                  <a:txBody>
+                    <a:bodyPr/>
+                    <a:lstStyle/>
+                    <a:p>
+                      <a:pPr lvl="0" indent="0" marL="0">
+                        <a:buNone/>
+                      </a:pPr>
+                      <a:r>
+                        <a:rPr/>
+                        <a:t>3.195774</a:t>
+                      </a:r>
+                    </a:p>
+                  </a:txBody>
+                </a:tc>
+                <a:tc>
+                  <a:txBody>
+                    <a:bodyPr/>
+                    <a:lstStyle/>
+                    <a:p>
+                      <a:pPr lvl="0" indent="0" marL="0">
+                        <a:buNone/>
+                      </a:pPr>
+                      <a:r>
+                        <a:rPr/>
+                        <a:t>21.64007</a:t>
+                      </a:r>
+                    </a:p>
+                  </a:txBody>
+                </a:tc>
+                <a:tc>
+                  <a:txBody>
+                    <a:bodyPr/>
+                    <a:lstStyle/>
+                    <a:p>
+                      <a:pPr lvl="0" indent="0" marL="0">
+                        <a:buNone/>
+                      </a:pPr>
+                      <a:r>
+                        <a:rPr/>
+                        <a:t>19.38431</a:t>
+                      </a:r>
+                    </a:p>
+                  </a:txBody>
+                </a:tc>
+                <a:tc>
+                  <a:txBody>
+                    <a:bodyPr/>
+                    <a:lstStyle/>
+                    <a:p>
+                      <a:pPr lvl="0" indent="0" marL="0">
+                        <a:buNone/>
+                      </a:pPr>
+                      <a:r>
+                        <a:rPr/>
+                        <a:t>23.13130</a:t>
+                      </a:r>
+                    </a:p>
+                  </a:txBody>
+                </a:tc>
+                <a:tc>
+                  <a:txBody>
+                    <a:bodyPr/>
+                    <a:lstStyle/>
+                    <a:p>
+                      <a:pPr lvl="0" indent="0" marL="0">
+                        <a:buNone/>
+                      </a:pPr>
+                      <a:r>
+                        <a:rPr/>
+                        <a:t>30.26187</a:t>
+                      </a:r>
+                    </a:p>
+                  </a:txBody>
+                </a:tc>
+                <a:tc>
+                  <a:txBody>
+                    <a:bodyPr/>
+                    <a:lstStyle/>
+                    <a:p>
+                      <a:pPr lvl="0" indent="0" marL="0">
+                        <a:buNone/>
+                      </a:pPr>
+                      <a:r>
+                        <a:rPr/>
+                        <a:t>3.598955</a:t>
+                      </a:r>
+                    </a:p>
+                  </a:txBody>
+                </a:tc>
+              </a:tr>
+              <a:tr h="0">
+                <a:tc>
+                  <a:txBody>
+                    <a:bodyPr/>
+                    <a:lstStyle/>
+                    <a:p>
+                      <a:pPr lvl="0" indent="0" marL="0">
+                        <a:buNone/>
+                      </a:pPr>
+                      <a:r>
+                        <a:rPr/>
+                        <a:t>2002</a:t>
+                      </a:r>
+                    </a:p>
+                  </a:txBody>
+                </a:tc>
+                <a:tc>
+                  <a:txBody>
+                    <a:bodyPr/>
+                    <a:lstStyle/>
+                    <a:p>
+                      <a:pPr lvl="0" indent="0" marL="0">
+                        <a:buNone/>
+                      </a:pPr>
+                      <a:r>
+                        <a:rPr/>
+                        <a:t>3.375896</a:t>
+                      </a:r>
+                    </a:p>
+                  </a:txBody>
+                </a:tc>
+                <a:tc>
+                  <a:txBody>
+                    <a:bodyPr/>
+                    <a:lstStyle/>
+                    <a:p>
+                      <a:pPr lvl="0" indent="0" marL="0">
+                        <a:buNone/>
+                      </a:pPr>
+                      <a:r>
+                        <a:rPr/>
+                        <a:t>21.60289</a:t>
+                      </a:r>
+                    </a:p>
+                  </a:txBody>
+                </a:tc>
+                <a:tc>
+                  <a:txBody>
+                    <a:bodyPr/>
+                    <a:lstStyle/>
+                    <a:p>
+                      <a:pPr lvl="0" indent="0" marL="0">
+                        <a:buNone/>
+                      </a:pPr>
+                      <a:r>
+                        <a:rPr/>
+                        <a:t>19.34196</a:t>
+                      </a:r>
+                    </a:p>
+                  </a:txBody>
+                </a:tc>
+                <a:tc>
+                  <a:txBody>
+                    <a:bodyPr/>
+                    <a:lstStyle/>
+                    <a:p>
+                      <a:pPr lvl="0" indent="0" marL="0">
+                        <a:buNone/>
+                      </a:pPr>
+                      <a:r>
+                        <a:rPr/>
+                        <a:t>23.14176</a:t>
+                      </a:r>
+                    </a:p>
+                  </a:txBody>
+                </a:tc>
+                <a:tc>
+                  <a:txBody>
+                    <a:bodyPr/>
+                    <a:lstStyle/>
+                    <a:p>
+                      <a:pPr lvl="0" indent="0" marL="0">
+                        <a:buNone/>
+                      </a:pPr>
+                      <a:r>
+                        <a:rPr/>
+                        <a:t>30.27869</a:t>
+                      </a:r>
+                    </a:p>
+                  </a:txBody>
+                </a:tc>
+                <a:tc>
+                  <a:txBody>
+                    <a:bodyPr/>
+                    <a:lstStyle/>
+                    <a:p>
+                      <a:pPr lvl="0" indent="0" marL="0">
+                        <a:buNone/>
+                      </a:pPr>
+                      <a:r>
+                        <a:rPr/>
+                        <a:t>3.666915</a:t>
+                      </a:r>
+                    </a:p>
+                  </a:txBody>
+                </a:tc>
+              </a:tr>
+              <a:tr h="0">
+                <a:tc>
+                  <a:txBody>
+                    <a:bodyPr/>
+                    <a:lstStyle/>
+                    <a:p>
+                      <a:pPr lvl="0" indent="0" marL="0">
+                        <a:buNone/>
+                      </a:pPr>
+                      <a:r>
+                        <a:rPr/>
+                        <a:t>2003</a:t>
+                      </a:r>
+                    </a:p>
+                  </a:txBody>
+                </a:tc>
+                <a:tc>
+                  <a:txBody>
+                    <a:bodyPr/>
+                    <a:lstStyle/>
+                    <a:p>
+                      <a:pPr lvl="0" indent="0" marL="0">
+                        <a:buNone/>
+                      </a:pPr>
+                      <a:r>
+                        <a:rPr/>
+                        <a:t>3.746364</a:t>
+                      </a:r>
+                    </a:p>
+                  </a:txBody>
+                </a:tc>
+                <a:tc>
+                  <a:txBody>
+                    <a:bodyPr/>
+                    <a:lstStyle/>
+                    <a:p>
+                      <a:pPr lvl="0" indent="0" marL="0">
+                        <a:buNone/>
+                      </a:pPr>
+                      <a:r>
+                        <a:rPr/>
+                        <a:t>21.70323</a:t>
+                      </a:r>
+                    </a:p>
+                  </a:txBody>
+                </a:tc>
+                <a:tc>
+                  <a:txBody>
+                    <a:bodyPr/>
+                    <a:lstStyle/>
+                    <a:p>
+                      <a:pPr lvl="0" indent="0" marL="0">
+                        <a:buNone/>
+                      </a:pPr>
+                      <a:r>
+                        <a:rPr/>
+                        <a:t>20.07708</a:t>
+                      </a:r>
+                    </a:p>
+                  </a:txBody>
+                </a:tc>
+                <a:tc>
+                  <a:txBody>
+                    <a:bodyPr/>
+                    <a:lstStyle/>
+                    <a:p>
+                      <a:pPr lvl="0" indent="0" marL="0">
+                        <a:buNone/>
+                      </a:pPr>
+                      <a:r>
+                        <a:rPr/>
+                        <a:t>23.17597</a:t>
+                      </a:r>
+                    </a:p>
+                  </a:txBody>
+                </a:tc>
+                <a:tc>
+                  <a:txBody>
+                    <a:bodyPr/>
+                    <a:lstStyle/>
+                    <a:p>
+                      <a:pPr lvl="0" indent="0" marL="0">
+                        <a:buNone/>
+                      </a:pPr>
+                      <a:r>
+                        <a:rPr/>
+                        <a:t>30.30627</a:t>
+                      </a:r>
+                    </a:p>
+                  </a:txBody>
+                </a:tc>
+                <a:tc>
+                  <a:txBody>
+                    <a:bodyPr/>
+                    <a:lstStyle/>
+                    <a:p>
+                      <a:pPr lvl="0" indent="0" marL="0">
+                        <a:buNone/>
+                      </a:pPr>
+                      <a:r>
+                        <a:rPr/>
+                        <a:t>3.919237</a:t>
+                      </a:r>
+                    </a:p>
+                  </a:txBody>
+                </a:tc>
+              </a:tr>
+              <a:tr h="0">
+                <a:tc>
+                  <a:txBody>
+                    <a:bodyPr/>
+                    <a:lstStyle/>
+                    <a:p>
+                      <a:pPr lvl="0" indent="0" marL="0">
+                        <a:buNone/>
+                      </a:pPr>
+                      <a:r>
+                        <a:rPr/>
+                        <a:t>2004</a:t>
+                      </a:r>
+                    </a:p>
+                  </a:txBody>
+                </a:tc>
+                <a:tc>
+                  <a:txBody>
+                    <a:bodyPr/>
+                    <a:lstStyle/>
+                    <a:p>
+                      <a:pPr lvl="0" indent="0" marL="0">
+                        <a:buNone/>
+                      </a:pPr>
+                      <a:r>
+                        <a:rPr/>
+                        <a:t>3.646808</a:t>
+                      </a:r>
+                    </a:p>
+                  </a:txBody>
+                </a:tc>
+                <a:tc>
+                  <a:txBody>
+                    <a:bodyPr/>
+                    <a:lstStyle/>
+                    <a:p>
+                      <a:pPr lvl="0" indent="0" marL="0">
+                        <a:buNone/>
+                      </a:pPr>
+                      <a:r>
+                        <a:rPr/>
+                        <a:t>21.71094</a:t>
+                      </a:r>
+                    </a:p>
+                  </a:txBody>
+                </a:tc>
+                <a:tc>
+                  <a:txBody>
+                    <a:bodyPr/>
+                    <a:lstStyle/>
+                    <a:p>
+                      <a:pPr lvl="0" indent="0" marL="0">
+                        <a:buNone/>
+                      </a:pPr>
+                      <a:r>
+                        <a:rPr/>
+                        <a:t>19.96585</a:t>
+                      </a:r>
+                    </a:p>
+                  </a:txBody>
+                </a:tc>
+                <a:tc>
+                  <a:txBody>
+                    <a:bodyPr/>
+                    <a:lstStyle/>
+                    <a:p>
+                      <a:pPr lvl="0" indent="0" marL="0">
+                        <a:buNone/>
+                      </a:pPr>
+                      <a:r>
+                        <a:rPr/>
+                        <a:t>23.16271</a:t>
+                      </a:r>
+                    </a:p>
+                  </a:txBody>
+                </a:tc>
+                <a:tc>
+                  <a:txBody>
+                    <a:bodyPr/>
+                    <a:lstStyle/>
+                    <a:p>
+                      <a:pPr lvl="0" indent="0" marL="0">
+                        <a:buNone/>
+                      </a:pPr>
+                      <a:r>
+                        <a:rPr/>
+                        <a:t>30.34407</a:t>
+                      </a:r>
+                    </a:p>
+                  </a:txBody>
+                </a:tc>
+                <a:tc>
+                  <a:txBody>
+                    <a:bodyPr/>
+                    <a:lstStyle/>
+                    <a:p>
+                      <a:pPr lvl="0" indent="0" marL="0">
+                        <a:buNone/>
+                      </a:pPr>
+                      <a:r>
+                        <a:rPr/>
+                        <a:t>4.110119</a:t>
+                      </a:r>
+                    </a:p>
+                  </a:txBody>
+                </a:tc>
+              </a:tr>
+              <a:tr h="0">
+                <a:tc>
+                  <a:txBody>
+                    <a:bodyPr/>
+                    <a:lstStyle/>
+                    <a:p>
+                      <a:pPr lvl="0" indent="0" marL="0">
+                        <a:buNone/>
+                      </a:pPr>
+                      <a:r>
+                        <a:rPr/>
+                        <a:t>2005</a:t>
+                      </a:r>
+                    </a:p>
+                  </a:txBody>
+                </a:tc>
+                <a:tc>
+                  <a:txBody>
+                    <a:bodyPr/>
+                    <a:lstStyle/>
+                    <a:p>
+                      <a:pPr lvl="0" indent="0" marL="0">
+                        <a:buNone/>
+                      </a:pPr>
+                      <a:r>
+                        <a:rPr/>
+                        <a:t>3.700031</a:t>
+                      </a:r>
+                    </a:p>
+                  </a:txBody>
+                </a:tc>
+                <a:tc>
+                  <a:txBody>
+                    <a:bodyPr/>
+                    <a:lstStyle/>
+                    <a:p>
+                      <a:pPr lvl="0" indent="0" marL="0">
+                        <a:buNone/>
+                      </a:pPr>
+                      <a:r>
+                        <a:rPr/>
+                        <a:t>21.64893</a:t>
+                      </a:r>
+                    </a:p>
+                  </a:txBody>
+                </a:tc>
+                <a:tc>
+                  <a:txBody>
+                    <a:bodyPr/>
+                    <a:lstStyle/>
+                    <a:p>
+                      <a:pPr lvl="0" indent="0" marL="0">
+                        <a:buNone/>
+                      </a:pPr>
+                      <a:r>
+                        <a:rPr/>
+                        <a:t>19.99205</a:t>
+                      </a:r>
+                    </a:p>
+                  </a:txBody>
+                </a:tc>
+                <a:tc>
+                  <a:txBody>
+                    <a:bodyPr/>
+                    <a:lstStyle/>
+                    <a:p>
+                      <a:pPr lvl="0" indent="0" marL="0">
+                        <a:buNone/>
+                      </a:pPr>
+                      <a:r>
+                        <a:rPr/>
+                        <a:t>23.19297</a:t>
+                      </a:r>
+                    </a:p>
+                  </a:txBody>
+                </a:tc>
+                <a:tc>
+                  <a:txBody>
+                    <a:bodyPr/>
+                    <a:lstStyle/>
+                    <a:p>
+                      <a:pPr lvl="0" indent="0" marL="0">
+                        <a:buNone/>
+                      </a:pPr>
+                      <a:r>
+                        <a:rPr/>
+                        <a:t>30.37831</a:t>
+                      </a:r>
+                    </a:p>
+                  </a:txBody>
+                </a:tc>
+                <a:tc>
+                  <a:txBody>
+                    <a:bodyPr/>
+                    <a:lstStyle/>
+                    <a:p>
+                      <a:pPr lvl="0" indent="0" marL="0">
+                        <a:buNone/>
+                      </a:pPr>
+                      <a:r>
+                        <a:rPr/>
+                        <a:t>4.240909</a:t>
+                      </a:r>
+                    </a:p>
+                  </a:txBody>
+                </a:tc>
+              </a:tr>
+              <a:tr h="0">
+                <a:tc>
+                  <a:txBody>
+                    <a:bodyPr/>
+                    <a:lstStyle/>
+                    <a:p>
+                      <a:pPr lvl="0" indent="0" marL="0">
+                        <a:buNone/>
+                      </a:pPr>
+                      <a:r>
+                        <a:rPr/>
+                        <a:t>2006</a:t>
+                      </a:r>
+                    </a:p>
+                  </a:txBody>
+                </a:tc>
+                <a:tc>
+                  <a:txBody>
+                    <a:bodyPr/>
+                    <a:lstStyle/>
+                    <a:p>
+                      <a:pPr lvl="0" indent="0" marL="0">
+                        <a:buNone/>
+                      </a:pPr>
+                      <a:r>
+                        <a:rPr/>
+                        <a:t>3.699041</a:t>
+                      </a:r>
+                    </a:p>
+                  </a:txBody>
+                </a:tc>
+                <a:tc>
+                  <a:txBody>
+                    <a:bodyPr/>
+                    <a:lstStyle/>
+                    <a:p>
+                      <a:pPr lvl="0" indent="0" marL="0">
+                        <a:buNone/>
+                      </a:pPr>
+                      <a:r>
+                        <a:rPr/>
+                        <a:t>21.82328</a:t>
+                      </a:r>
+                    </a:p>
+                  </a:txBody>
+                </a:tc>
+                <a:tc>
+                  <a:txBody>
+                    <a:bodyPr/>
+                    <a:lstStyle/>
+                    <a:p>
+                      <a:pPr lvl="0" indent="0" marL="0">
+                        <a:buNone/>
+                      </a:pPr>
+                      <a:r>
+                        <a:rPr/>
+                        <a:t>19.67445</a:t>
+                      </a:r>
+                    </a:p>
+                  </a:txBody>
+                </a:tc>
+                <a:tc>
+                  <a:txBody>
+                    <a:bodyPr/>
+                    <a:lstStyle/>
+                    <a:p>
+                      <a:pPr lvl="0" indent="0" marL="0">
+                        <a:buNone/>
+                      </a:pPr>
+                      <a:r>
+                        <a:rPr/>
+                        <a:t>23.21050</a:t>
+                      </a:r>
+                    </a:p>
+                  </a:txBody>
+                </a:tc>
+                <a:tc>
+                  <a:txBody>
+                    <a:bodyPr/>
+                    <a:lstStyle/>
+                    <a:p>
+                      <a:pPr lvl="0" indent="0" marL="0">
+                        <a:buNone/>
+                      </a:pPr>
+                      <a:r>
+                        <a:rPr/>
+                        <a:t>30.40576</a:t>
+                      </a:r>
+                    </a:p>
+                  </a:txBody>
+                </a:tc>
+                <a:tc>
+                  <a:txBody>
+                    <a:bodyPr/>
+                    <a:lstStyle/>
+                    <a:p>
+                      <a:pPr lvl="0" indent="0" marL="0">
+                        <a:buNone/>
+                      </a:pPr>
+                      <a:r>
+                        <a:rPr/>
+                        <a:t>4.348379</a:t>
+                      </a:r>
+                    </a:p>
+                  </a:txBody>
+                </a:tc>
+              </a:tr>
+              <a:tr h="0">
+                <a:tc>
+                  <a:txBody>
+                    <a:bodyPr/>
+                    <a:lstStyle/>
+                    <a:p>
+                      <a:pPr lvl="0" indent="0" marL="0">
+                        <a:buNone/>
+                      </a:pPr>
+                      <a:r>
+                        <a:rPr/>
+                        <a:t>2007</a:t>
+                      </a:r>
+                    </a:p>
+                  </a:txBody>
+                </a:tc>
+                <a:tc>
+                  <a:txBody>
+                    <a:bodyPr/>
+                    <a:lstStyle/>
+                    <a:p>
+                      <a:pPr lvl="0" indent="0" marL="0">
+                        <a:buNone/>
+                      </a:pPr>
+                      <a:r>
+                        <a:rPr/>
+                        <a:t>3.607165</a:t>
+                      </a:r>
+                    </a:p>
+                  </a:txBody>
+                </a:tc>
+                <a:tc>
+                  <a:txBody>
+                    <a:bodyPr/>
+                    <a:lstStyle/>
+                    <a:p>
+                      <a:pPr lvl="0" indent="0" marL="0">
+                        <a:buNone/>
+                      </a:pPr>
+                      <a:r>
+                        <a:rPr/>
+                        <a:t>21.77973</a:t>
+                      </a:r>
+                    </a:p>
+                  </a:txBody>
+                </a:tc>
+                <a:tc>
+                  <a:txBody>
+                    <a:bodyPr/>
+                    <a:lstStyle/>
+                    <a:p>
+                      <a:pPr lvl="0" indent="0" marL="0">
+                        <a:buNone/>
+                      </a:pPr>
+                      <a:r>
+                        <a:rPr/>
+                        <a:t>20.39125</a:t>
+                      </a:r>
+                    </a:p>
+                  </a:txBody>
+                </a:tc>
+                <a:tc>
+                  <a:txBody>
+                    <a:bodyPr/>
+                    <a:lstStyle/>
+                    <a:p>
+                      <a:pPr lvl="0" indent="0" marL="0">
+                        <a:buNone/>
+                      </a:pPr>
+                      <a:r>
+                        <a:rPr/>
+                        <a:t>23.25649</a:t>
+                      </a:r>
+                    </a:p>
+                  </a:txBody>
+                </a:tc>
+                <a:tc>
+                  <a:txBody>
+                    <a:bodyPr/>
+                    <a:lstStyle/>
+                    <a:p>
+                      <a:pPr lvl="0" indent="0" marL="0">
+                        <a:buNone/>
+                      </a:pPr>
+                      <a:r>
+                        <a:rPr/>
+                        <a:t>30.42566</a:t>
+                      </a:r>
+                    </a:p>
+                  </a:txBody>
+                </a:tc>
+                <a:tc>
+                  <a:txBody>
+                    <a:bodyPr/>
+                    <a:lstStyle/>
+                    <a:p>
+                      <a:pPr lvl="0" indent="0" marL="0">
+                        <a:buNone/>
+                      </a:pPr>
+                      <a:r>
+                        <a:rPr/>
+                        <a:t>4.411889</a:t>
+                      </a:r>
+                    </a:p>
+                  </a:txBody>
+                </a:tc>
+              </a:tr>
+              <a:tr h="0">
+                <a:tc>
+                  <a:txBody>
+                    <a:bodyPr/>
+                    <a:lstStyle/>
+                    <a:p>
+                      <a:pPr lvl="0" indent="0" marL="0">
+                        <a:buNone/>
+                      </a:pPr>
+                      <a:r>
+                        <a:rPr/>
+                        <a:t>2008</a:t>
+                      </a:r>
+                    </a:p>
+                  </a:txBody>
+                </a:tc>
+                <a:tc>
+                  <a:txBody>
+                    <a:bodyPr/>
+                    <a:lstStyle/>
+                    <a:p>
+                      <a:pPr lvl="0" indent="0" marL="0">
+                        <a:buNone/>
+                      </a:pPr>
+                      <a:r>
+                        <a:rPr/>
+                        <a:t>3.666317</a:t>
+                      </a:r>
+                    </a:p>
+                  </a:txBody>
+                </a:tc>
+                <a:tc>
+                  <a:txBody>
+                    <a:bodyPr/>
+                    <a:lstStyle/>
+                    <a:p>
+                      <a:pPr lvl="0" indent="0" marL="0">
+                        <a:buNone/>
+                      </a:pPr>
+                      <a:r>
+                        <a:rPr/>
+                        <a:t>21.90424</a:t>
+                      </a:r>
+                    </a:p>
+                  </a:txBody>
+                </a:tc>
+                <a:tc>
+                  <a:txBody>
+                    <a:bodyPr/>
+                    <a:lstStyle/>
+                    <a:p>
+                      <a:pPr lvl="0" indent="0" marL="0">
+                        <a:buNone/>
+                      </a:pPr>
+                      <a:r>
+                        <a:rPr/>
+                        <a:t>20.46016</a:t>
+                      </a:r>
+                    </a:p>
+                  </a:txBody>
+                </a:tc>
+                <a:tc>
+                  <a:txBody>
+                    <a:bodyPr/>
+                    <a:lstStyle/>
+                    <a:p>
+                      <a:pPr lvl="0" indent="0" marL="0">
+                        <a:buNone/>
+                      </a:pPr>
+                      <a:r>
+                        <a:rPr/>
+                        <a:t>23.28272</a:t>
+                      </a:r>
+                    </a:p>
+                  </a:txBody>
+                </a:tc>
+                <a:tc>
+                  <a:txBody>
+                    <a:bodyPr/>
+                    <a:lstStyle/>
+                    <a:p>
+                      <a:pPr lvl="0" indent="0" marL="0">
+                        <a:buNone/>
+                      </a:pPr>
+                      <a:r>
+                        <a:rPr/>
+                        <a:t>30.42688</a:t>
+                      </a:r>
+                    </a:p>
+                  </a:txBody>
+                </a:tc>
+                <a:tc>
+                  <a:txBody>
+                    <a:bodyPr/>
+                    <a:lstStyle/>
+                    <a:p>
+                      <a:pPr lvl="0" indent="0" marL="0">
+                        <a:buNone/>
+                      </a:pPr>
+                      <a:r>
+                        <a:rPr/>
+                        <a:t>4.554098</a:t>
+                      </a:r>
+                    </a:p>
+                  </a:txBody>
+                </a:tc>
+              </a:tr>
+              <a:tr h="0">
+                <a:tc>
+                  <a:txBody>
+                    <a:bodyPr/>
+                    <a:lstStyle/>
+                    <a:p>
+                      <a:pPr lvl="0" indent="0" marL="0">
+                        <a:buNone/>
+                      </a:pPr>
+                      <a:r>
+                        <a:rPr/>
+                        <a:t>2009</a:t>
+                      </a:r>
+                    </a:p>
+                  </a:txBody>
+                </a:tc>
+                <a:tc>
+                  <a:txBody>
+                    <a:bodyPr/>
+                    <a:lstStyle/>
+                    <a:p>
+                      <a:pPr lvl="0" indent="0" marL="0">
+                        <a:buNone/>
+                      </a:pPr>
+                      <a:r>
+                        <a:rPr/>
+                        <a:t>3.718380</a:t>
+                      </a:r>
+                    </a:p>
+                  </a:txBody>
+                </a:tc>
+                <a:tc>
+                  <a:txBody>
+                    <a:bodyPr/>
+                    <a:lstStyle/>
+                    <a:p>
+                      <a:pPr lvl="0" indent="0" marL="0">
+                        <a:buNone/>
+                      </a:pPr>
+                      <a:r>
+                        <a:rPr/>
+                        <a:t>21.96232</a:t>
+                      </a:r>
+                    </a:p>
+                  </a:txBody>
+                </a:tc>
+                <a:tc>
+                  <a:txBody>
+                    <a:bodyPr/>
+                    <a:lstStyle/>
+                    <a:p>
+                      <a:pPr lvl="0" indent="0" marL="0">
+                        <a:buNone/>
+                      </a:pPr>
+                      <a:r>
+                        <a:rPr/>
+                        <a:t>20.54699</a:t>
+                      </a:r>
+                    </a:p>
+                  </a:txBody>
+                </a:tc>
+                <a:tc>
+                  <a:txBody>
+                    <a:bodyPr/>
+                    <a:lstStyle/>
+                    <a:p>
+                      <a:pPr lvl="0" indent="0" marL="0">
+                        <a:buNone/>
+                      </a:pPr>
+                      <a:r>
+                        <a:rPr/>
+                        <a:t>23.33996</a:t>
+                      </a:r>
+                    </a:p>
+                  </a:txBody>
+                </a:tc>
+                <a:tc>
+                  <a:txBody>
+                    <a:bodyPr/>
+                    <a:lstStyle/>
+                    <a:p>
+                      <a:pPr lvl="0" indent="0" marL="0">
+                        <a:buNone/>
+                      </a:pPr>
+                      <a:r>
+                        <a:rPr/>
+                        <a:t>30.40054</a:t>
+                      </a:r>
+                    </a:p>
+                  </a:txBody>
+                </a:tc>
+                <a:tc>
+                  <a:txBody>
+                    <a:bodyPr/>
+                    <a:lstStyle/>
+                    <a:p>
+                      <a:pPr lvl="0" indent="0" marL="0">
+                        <a:buNone/>
+                      </a:pPr>
+                      <a:r>
+                        <a:rPr/>
+                        <a:t>4.558026</a:t>
+                      </a:r>
+                    </a:p>
+                  </a:txBody>
+                </a:tc>
+              </a:tr>
+              <a:tr h="0">
+                <a:tc>
+                  <a:txBody>
+                    <a:bodyPr/>
+                    <a:lstStyle/>
+                    <a:p>
+                      <a:pPr lvl="0" indent="0" marL="0">
+                        <a:buNone/>
+                      </a:pPr>
+                      <a:r>
+                        <a:rPr/>
+                        <a:t>2010</a:t>
+                      </a:r>
+                    </a:p>
+                  </a:txBody>
+                </a:tc>
+                <a:tc>
+                  <a:txBody>
+                    <a:bodyPr/>
+                    <a:lstStyle/>
+                    <a:p>
+                      <a:pPr lvl="0" indent="0" marL="0">
+                        <a:buNone/>
+                      </a:pPr>
+                      <a:r>
+                        <a:rPr/>
+                        <a:t>3.683802</a:t>
+                      </a:r>
+                    </a:p>
+                  </a:txBody>
+                </a:tc>
+                <a:tc>
+                  <a:txBody>
+                    <a:bodyPr/>
+                    <a:lstStyle/>
+                    <a:p>
+                      <a:pPr lvl="0" indent="0" marL="0">
+                        <a:buNone/>
+                      </a:pPr>
+                      <a:r>
+                        <a:rPr/>
+                        <a:t>22.19107</a:t>
+                      </a:r>
+                    </a:p>
+                  </a:txBody>
+                </a:tc>
+                <a:tc>
+                  <a:txBody>
+                    <a:bodyPr/>
+                    <a:lstStyle/>
+                    <a:p>
+                      <a:pPr lvl="0" indent="0" marL="0">
+                        <a:buNone/>
+                      </a:pPr>
+                      <a:r>
+                        <a:rPr/>
+                        <a:t>20.34760</a:t>
+                      </a:r>
+                    </a:p>
+                  </a:txBody>
+                </a:tc>
+                <a:tc>
+                  <a:txBody>
+                    <a:bodyPr/>
+                    <a:lstStyle/>
+                    <a:p>
+                      <a:pPr lvl="0" indent="0" marL="0">
+                        <a:buNone/>
+                      </a:pPr>
+                      <a:r>
+                        <a:rPr/>
+                        <a:t>23.28178</a:t>
+                      </a:r>
+                    </a:p>
+                  </a:txBody>
+                </a:tc>
+                <a:tc>
+                  <a:txBody>
+                    <a:bodyPr/>
+                    <a:lstStyle/>
+                    <a:p>
+                      <a:pPr lvl="0" indent="0" marL="0">
+                        <a:buNone/>
+                      </a:pPr>
+                      <a:r>
+                        <a:rPr/>
+                        <a:t>30.42727</a:t>
+                      </a:r>
+                    </a:p>
+                  </a:txBody>
+                </a:tc>
+                <a:tc>
+                  <a:txBody>
+                    <a:bodyPr/>
+                    <a:lstStyle/>
+                    <a:p>
+                      <a:pPr lvl="0" indent="0" marL="0">
+                        <a:buNone/>
+                      </a:pPr>
+                      <a:r>
+                        <a:rPr/>
+                        <a:t>4.605170</a:t>
+                      </a:r>
+                    </a:p>
+                  </a:txBody>
+                </a:tc>
+              </a:tr>
+              <a:tr h="0">
+                <a:tc>
+                  <a:txBody>
+                    <a:bodyPr/>
+                    <a:lstStyle/>
+                    <a:p>
+                      <a:pPr lvl="0" indent="0" marL="0">
+                        <a:buNone/>
+                      </a:pPr>
+                      <a:r>
+                        <a:rPr/>
+                        <a:t>2011</a:t>
+                      </a:r>
+                    </a:p>
+                  </a:txBody>
+                </a:tc>
+                <a:tc>
+                  <a:txBody>
+                    <a:bodyPr/>
+                    <a:lstStyle/>
+                    <a:p>
+                      <a:pPr lvl="0" indent="0" marL="0">
+                        <a:buNone/>
+                      </a:pPr>
+                      <a:r>
+                        <a:rPr/>
+                        <a:t>3.701865</a:t>
+                      </a:r>
+                    </a:p>
+                  </a:txBody>
+                </a:tc>
+                <a:tc>
+                  <a:txBody>
+                    <a:bodyPr/>
+                    <a:lstStyle/>
+                    <a:p>
+                      <a:pPr lvl="0" indent="0" marL="0">
+                        <a:buNone/>
+                      </a:pPr>
+                      <a:r>
+                        <a:rPr/>
+                        <a:t>22.15743</a:t>
+                      </a:r>
+                    </a:p>
+                  </a:txBody>
+                </a:tc>
+                <a:tc>
+                  <a:txBody>
+                    <a:bodyPr/>
+                    <a:lstStyle/>
+                    <a:p>
+                      <a:pPr lvl="0" indent="0" marL="0">
+                        <a:buNone/>
+                      </a:pPr>
+                      <a:r>
+                        <a:rPr/>
+                        <a:t>21.18124</a:t>
+                      </a:r>
+                    </a:p>
+                  </a:txBody>
+                </a:tc>
+                <a:tc>
+                  <a:txBody>
+                    <a:bodyPr/>
+                    <a:lstStyle/>
+                    <a:p>
+                      <a:pPr lvl="0" indent="0" marL="0">
+                        <a:buNone/>
+                      </a:pPr>
+                      <a:r>
+                        <a:rPr/>
+                        <a:t>23.33151</a:t>
+                      </a:r>
+                    </a:p>
+                  </a:txBody>
+                </a:tc>
+                <a:tc>
+                  <a:txBody>
+                    <a:bodyPr/>
+                    <a:lstStyle/>
+                    <a:p>
+                      <a:pPr lvl="0" indent="0" marL="0">
+                        <a:buNone/>
+                      </a:pPr>
+                      <a:r>
+                        <a:rPr/>
+                        <a:t>30.44265</a:t>
+                      </a:r>
+                    </a:p>
+                  </a:txBody>
+                </a:tc>
+                <a:tc>
+                  <a:txBody>
+                    <a:bodyPr/>
+                    <a:lstStyle/>
+                    <a:p>
+                      <a:pPr lvl="0" indent="0" marL="0">
+                        <a:buNone/>
+                      </a:pPr>
+                      <a:r>
+                        <a:rPr/>
+                        <a:t>4.666576</a:t>
+                      </a:r>
+                    </a:p>
+                  </a:txBody>
+                </a:tc>
+              </a:tr>
+              <a:tr h="0">
+                <a:tc>
+                  <a:txBody>
+                    <a:bodyPr/>
+                    <a:lstStyle/>
+                    <a:p>
+                      <a:pPr lvl="0" indent="0" marL="0">
+                        <a:buNone/>
+                      </a:pPr>
+                      <a:r>
+                        <a:rPr/>
+                        <a:t>2012</a:t>
+                      </a:r>
+                    </a:p>
+                  </a:txBody>
+                </a:tc>
+                <a:tc>
+                  <a:txBody>
+                    <a:bodyPr/>
+                    <a:lstStyle/>
+                    <a:p>
+                      <a:pPr lvl="0" indent="0" marL="0">
+                        <a:buNone/>
+                      </a:pPr>
+                      <a:r>
+                        <a:rPr/>
+                        <a:t>3.736472</a:t>
+                      </a:r>
+                    </a:p>
+                  </a:txBody>
+                </a:tc>
+                <a:tc>
+                  <a:txBody>
+                    <a:bodyPr/>
+                    <a:lstStyle/>
+                    <a:p>
+                      <a:pPr lvl="0" indent="0" marL="0">
+                        <a:buNone/>
+                      </a:pPr>
+                      <a:r>
+                        <a:rPr/>
+                        <a:t>22.07638</a:t>
+                      </a:r>
+                    </a:p>
+                  </a:txBody>
+                </a:tc>
+                <a:tc>
+                  <a:txBody>
+                    <a:bodyPr/>
+                    <a:lstStyle/>
+                    <a:p>
+                      <a:pPr lvl="0" indent="0" marL="0">
+                        <a:buNone/>
+                      </a:pPr>
+                      <a:r>
+                        <a:rPr/>
+                        <a:t>21.16924</a:t>
+                      </a:r>
+                    </a:p>
+                  </a:txBody>
+                </a:tc>
+                <a:tc>
+                  <a:txBody>
+                    <a:bodyPr/>
+                    <a:lstStyle/>
+                    <a:p>
+                      <a:pPr lvl="0" indent="0" marL="0">
+                        <a:buNone/>
+                      </a:pPr>
+                      <a:r>
+                        <a:rPr/>
+                        <a:t>23.33652</a:t>
+                      </a:r>
+                    </a:p>
+                  </a:txBody>
+                </a:tc>
+                <a:tc>
+                  <a:txBody>
+                    <a:bodyPr/>
+                    <a:lstStyle/>
+                    <a:p>
+                      <a:pPr lvl="0" indent="0" marL="0">
+                        <a:buNone/>
+                      </a:pPr>
+                      <a:r>
+                        <a:rPr/>
+                        <a:t>30.46520</a:t>
+                      </a:r>
+                    </a:p>
+                  </a:txBody>
+                </a:tc>
+                <a:tc>
+                  <a:txBody>
+                    <a:bodyPr/>
+                    <a:lstStyle/>
+                    <a:p>
+                      <a:pPr lvl="0" indent="0" marL="0">
+                        <a:buNone/>
+                      </a:pPr>
+                      <a:r>
+                        <a:rPr/>
+                        <a:t>4.715539</a:t>
+                      </a:r>
+                    </a:p>
+                  </a:txBody>
+                </a:tc>
+              </a:tr>
+              <a:tr h="0">
+                <a:tc>
+                  <a:txBody>
+                    <a:bodyPr/>
+                    <a:lstStyle/>
+                    <a:p>
+                      <a:pPr lvl="0" indent="0" marL="0">
+                        <a:buNone/>
+                      </a:pPr>
+                      <a:r>
+                        <a:rPr/>
+                        <a:t>2013</a:t>
+                      </a:r>
+                    </a:p>
+                  </a:txBody>
+                </a:tc>
+                <a:tc>
+                  <a:txBody>
+                    <a:bodyPr/>
+                    <a:lstStyle/>
+                    <a:p>
+                      <a:pPr lvl="0" indent="0" marL="0">
+                        <a:buNone/>
+                      </a:pPr>
+                      <a:r>
+                        <a:rPr/>
+                        <a:t>3.771905</a:t>
+                      </a:r>
+                    </a:p>
+                  </a:txBody>
+                </a:tc>
+                <a:tc>
+                  <a:txBody>
+                    <a:bodyPr/>
+                    <a:lstStyle/>
+                    <a:p>
+                      <a:pPr lvl="0" indent="0" marL="0">
+                        <a:buNone/>
+                      </a:pPr>
+                      <a:r>
+                        <a:rPr/>
+                        <a:t>22.18520</a:t>
+                      </a:r>
+                    </a:p>
+                  </a:txBody>
+                </a:tc>
+                <a:tc>
+                  <a:txBody>
+                    <a:bodyPr/>
+                    <a:lstStyle/>
+                    <a:p>
+                      <a:pPr lvl="0" indent="0" marL="0">
+                        <a:buNone/>
+                      </a:pPr>
+                      <a:r>
+                        <a:rPr/>
+                        <a:t>21.22407</a:t>
+                      </a:r>
+                    </a:p>
+                  </a:txBody>
+                </a:tc>
+                <a:tc>
+                  <a:txBody>
+                    <a:bodyPr/>
+                    <a:lstStyle/>
+                    <a:p>
+                      <a:pPr lvl="0" indent="0" marL="0">
+                        <a:buNone/>
+                      </a:pPr>
+                      <a:r>
+                        <a:rPr/>
+                        <a:t>23.37886</a:t>
+                      </a:r>
+                    </a:p>
+                  </a:txBody>
+                </a:tc>
+                <a:tc>
+                  <a:txBody>
+                    <a:bodyPr/>
+                    <a:lstStyle/>
+                    <a:p>
+                      <a:pPr lvl="0" indent="0" marL="0">
+                        <a:buNone/>
+                      </a:pPr>
+                      <a:r>
+                        <a:rPr/>
+                        <a:t>30.48345</a:t>
+                      </a:r>
+                    </a:p>
+                  </a:txBody>
+                </a:tc>
+                <a:tc>
+                  <a:txBody>
+                    <a:bodyPr/>
+                    <a:lstStyle/>
+                    <a:p>
+                      <a:pPr lvl="0" indent="0" marL="0">
+                        <a:buNone/>
+                      </a:pPr>
+                      <a:r>
+                        <a:rPr/>
+                        <a:t>4.762088</a:t>
+                      </a:r>
+                    </a:p>
+                  </a:txBody>
+                </a:tc>
+              </a:tr>
+              <a:tr h="0">
+                <a:tc>
+                  <a:txBody>
+                    <a:bodyPr/>
+                    <a:lstStyle/>
+                    <a:p>
+                      <a:pPr lvl="0" indent="0" marL="0">
+                        <a:buNone/>
+                      </a:pPr>
+                      <a:r>
+                        <a:rPr/>
+                        <a:t>2014</a:t>
+                      </a:r>
+                    </a:p>
+                  </a:txBody>
+                </a:tc>
+                <a:tc>
+                  <a:txBody>
+                    <a:bodyPr/>
+                    <a:lstStyle/>
+                    <a:p>
+                      <a:pPr lvl="0" indent="0" marL="0">
+                        <a:buNone/>
+                      </a:pPr>
+                      <a:r>
+                        <a:rPr/>
+                        <a:t>3.811451</a:t>
+                      </a:r>
+                    </a:p>
+                  </a:txBody>
+                </a:tc>
+                <a:tc>
+                  <a:txBody>
+                    <a:bodyPr/>
+                    <a:lstStyle/>
+                    <a:p>
+                      <a:pPr lvl="0" indent="0" marL="0">
+                        <a:buNone/>
+                      </a:pPr>
+                      <a:r>
+                        <a:rPr/>
+                        <a:t>22.16393</a:t>
+                      </a:r>
+                    </a:p>
+                  </a:txBody>
+                </a:tc>
+                <a:tc>
+                  <a:txBody>
+                    <a:bodyPr/>
+                    <a:lstStyle/>
+                    <a:p>
+                      <a:pPr lvl="0" indent="0" marL="0">
+                        <a:buNone/>
+                      </a:pPr>
+                      <a:r>
+                        <a:rPr/>
+                        <a:t>21.27994</a:t>
+                      </a:r>
+                    </a:p>
+                  </a:txBody>
+                </a:tc>
+                <a:tc>
+                  <a:txBody>
+                    <a:bodyPr/>
+                    <a:lstStyle/>
+                    <a:p>
+                      <a:pPr lvl="0" indent="0" marL="0">
+                        <a:buNone/>
+                      </a:pPr>
+                      <a:r>
+                        <a:rPr/>
+                        <a:t>23.40734</a:t>
+                      </a:r>
+                    </a:p>
+                  </a:txBody>
+                </a:tc>
+                <a:tc>
+                  <a:txBody>
+                    <a:bodyPr/>
+                    <a:lstStyle/>
+                    <a:p>
+                      <a:pPr lvl="0" indent="0" marL="0">
+                        <a:buNone/>
+                      </a:pPr>
+                      <a:r>
+                        <a:rPr/>
+                        <a:t>30.50607</a:t>
+                      </a:r>
+                    </a:p>
+                  </a:txBody>
+                </a:tc>
+                <a:tc>
+                  <a:txBody>
+                    <a:bodyPr/>
+                    <a:lstStyle/>
+                    <a:p>
+                      <a:pPr lvl="0" indent="0" marL="0">
+                        <a:buNone/>
+                      </a:pPr>
+                      <a:r>
+                        <a:rPr/>
+                        <a:t>4.795890</a:t>
+                      </a:r>
+                    </a:p>
+                  </a:txBody>
+                </a:tc>
+              </a:tr>
+              <a:tr h="0">
+                <a:tc>
+                  <a:txBody>
+                    <a:bodyPr/>
+                    <a:lstStyle/>
+                    <a:p>
+                      <a:pPr lvl="0" indent="0" marL="0">
+                        <a:buNone/>
+                      </a:pPr>
+                      <a:r>
+                        <a:rPr/>
+                        <a:t>2015</a:t>
+                      </a:r>
+                    </a:p>
+                  </a:txBody>
+                </a:tc>
+                <a:tc>
+                  <a:txBody>
+                    <a:bodyPr/>
+                    <a:lstStyle/>
+                    <a:p>
+                      <a:pPr lvl="0" indent="0" marL="0">
+                        <a:buNone/>
+                      </a:pPr>
+                      <a:r>
+                        <a:rPr/>
+                        <a:t>3.926053</a:t>
+                      </a:r>
+                    </a:p>
+                  </a:txBody>
+                </a:tc>
+                <a:tc>
+                  <a:txBody>
+                    <a:bodyPr/>
+                    <a:lstStyle/>
+                    <a:p>
+                      <a:pPr lvl="0" indent="0" marL="0">
+                        <a:buNone/>
+                      </a:pPr>
+                      <a:r>
+                        <a:rPr/>
+                        <a:t>22.22318</a:t>
+                      </a:r>
+                    </a:p>
+                  </a:txBody>
+                </a:tc>
+                <a:tc>
+                  <a:txBody>
+                    <a:bodyPr/>
+                    <a:lstStyle/>
+                    <a:p>
+                      <a:pPr lvl="0" indent="0" marL="0">
+                        <a:buNone/>
+                      </a:pPr>
+                      <a:r>
+                        <a:rPr/>
+                        <a:t>21.28143</a:t>
+                      </a:r>
+                    </a:p>
+                  </a:txBody>
+                </a:tc>
+                <a:tc>
+                  <a:txBody>
+                    <a:bodyPr/>
+                    <a:lstStyle/>
+                    <a:p>
+                      <a:pPr lvl="0" indent="0" marL="0">
+                        <a:buNone/>
+                      </a:pPr>
+                      <a:r>
+                        <a:rPr/>
+                        <a:t>23.42124</a:t>
+                      </a:r>
+                    </a:p>
+                  </a:txBody>
+                </a:tc>
+                <a:tc>
+                  <a:txBody>
+                    <a:bodyPr/>
+                    <a:lstStyle/>
+                    <a:p>
+                      <a:pPr lvl="0" indent="0" marL="0">
+                        <a:buNone/>
+                      </a:pPr>
+                      <a:r>
+                        <a:rPr/>
+                        <a:t>30.53277</a:t>
+                      </a:r>
+                    </a:p>
+                  </a:txBody>
+                </a:tc>
+                <a:tc>
+                  <a:txBody>
+                    <a:bodyPr/>
+                    <a:lstStyle/>
+                    <a:p>
+                      <a:pPr lvl="0" indent="0" marL="0">
+                        <a:buNone/>
+                      </a:pPr>
+                      <a:r>
+                        <a:rPr/>
+                        <a:t>4.861036</a:t>
+                      </a:r>
+                    </a:p>
+                  </a:txBody>
+                </a:tc>
+              </a:tr>
+              <a:tr h="0">
+                <a:tc>
+                  <a:txBody>
+                    <a:bodyPr/>
+                    <a:lstStyle/>
+                    <a:p>
+                      <a:pPr lvl="0" indent="0" marL="0">
+                        <a:buNone/>
+                      </a:pPr>
+                      <a:r>
+                        <a:rPr/>
+                        <a:t>2016</a:t>
+                      </a:r>
+                    </a:p>
+                  </a:txBody>
+                </a:tc>
+                <a:tc>
+                  <a:txBody>
+                    <a:bodyPr/>
+                    <a:lstStyle/>
+                    <a:p>
+                      <a:pPr lvl="0" indent="0" marL="0">
+                        <a:buNone/>
+                      </a:pPr>
+                      <a:r>
+                        <a:rPr/>
+                        <a:t>4.148451</a:t>
+                      </a:r>
+                    </a:p>
+                  </a:txBody>
+                </a:tc>
+                <a:tc>
+                  <a:txBody>
+                    <a:bodyPr/>
+                    <a:lstStyle/>
+                    <a:p>
+                      <a:pPr lvl="0" indent="0" marL="0">
+                        <a:buNone/>
+                      </a:pPr>
+                      <a:r>
+                        <a:rPr/>
+                        <a:t>22.35215</a:t>
+                      </a:r>
+                    </a:p>
+                  </a:txBody>
+                </a:tc>
+                <a:tc>
+                  <a:txBody>
+                    <a:bodyPr/>
+                    <a:lstStyle/>
+                    <a:p>
+                      <a:pPr lvl="0" indent="0" marL="0">
+                        <a:buNone/>
+                      </a:pPr>
+                      <a:r>
+                        <a:rPr/>
+                        <a:t>21.22393</a:t>
+                      </a:r>
+                    </a:p>
+                  </a:txBody>
+                </a:tc>
+                <a:tc>
+                  <a:txBody>
+                    <a:bodyPr/>
+                    <a:lstStyle/>
+                    <a:p>
+                      <a:pPr lvl="0" indent="0" marL="0">
+                        <a:buNone/>
+                      </a:pPr>
+                      <a:r>
+                        <a:rPr/>
+                        <a:t>23.43920</a:t>
+                      </a:r>
+                    </a:p>
+                  </a:txBody>
+                </a:tc>
+                <a:tc>
+                  <a:txBody>
+                    <a:bodyPr/>
+                    <a:lstStyle/>
+                    <a:p>
+                      <a:pPr lvl="0" indent="0" marL="0">
+                        <a:buNone/>
+                      </a:pPr>
+                      <a:r>
+                        <a:rPr/>
+                        <a:t>30.54931</a:t>
+                      </a:r>
+                    </a:p>
+                  </a:txBody>
+                </a:tc>
+                <a:tc>
+                  <a:txBody>
+                    <a:bodyPr/>
+                    <a:lstStyle/>
+                    <a:p>
+                      <a:pPr lvl="0" indent="0" marL="0">
+                        <a:buNone/>
+                      </a:pPr>
+                      <a:r>
+                        <a:rPr/>
+                        <a:t>4.969917</a:t>
+                      </a:r>
+                    </a:p>
+                  </a:txBody>
+                </a:tc>
+              </a:tr>
+              <a:tr h="0">
+                <a:tc>
+                  <a:txBody>
+                    <a:bodyPr/>
+                    <a:lstStyle/>
+                    <a:p>
+                      <a:pPr lvl="0" indent="0" marL="0">
+                        <a:buNone/>
+                      </a:pPr>
+                      <a:r>
+                        <a:rPr/>
+                        <a:t>2017</a:t>
+                      </a:r>
+                    </a:p>
+                  </a:txBody>
+                </a:tc>
+                <a:tc>
+                  <a:txBody>
+                    <a:bodyPr/>
+                    <a:lstStyle/>
+                    <a:p>
+                      <a:pPr lvl="0" indent="0" marL="0">
+                        <a:buNone/>
+                      </a:pPr>
+                      <a:r>
+                        <a:rPr/>
+                        <a:t>4.170838</a:t>
+                      </a:r>
+                    </a:p>
+                  </a:txBody>
+                </a:tc>
+                <a:tc>
+                  <a:txBody>
+                    <a:bodyPr/>
+                    <a:lstStyle/>
+                    <a:p>
+                      <a:pPr lvl="0" indent="0" marL="0">
+                        <a:buNone/>
+                      </a:pPr>
+                      <a:r>
+                        <a:rPr/>
+                        <a:t>22.46911</a:t>
+                      </a:r>
+                    </a:p>
+                  </a:txBody>
+                </a:tc>
+                <a:tc>
+                  <a:txBody>
+                    <a:bodyPr/>
+                    <a:lstStyle/>
+                    <a:p>
+                      <a:pPr lvl="0" indent="0" marL="0">
+                        <a:buNone/>
+                      </a:pPr>
+                      <a:r>
+                        <a:rPr/>
+                        <a:t>21.22924</a:t>
+                      </a:r>
+                    </a:p>
+                  </a:txBody>
+                </a:tc>
+                <a:tc>
+                  <a:txBody>
+                    <a:bodyPr/>
+                    <a:lstStyle/>
+                    <a:p>
+                      <a:pPr lvl="0" indent="0" marL="0">
+                        <a:buNone/>
+                      </a:pPr>
+                      <a:r>
+                        <a:rPr/>
+                        <a:t>23.46400</a:t>
+                      </a:r>
+                    </a:p>
+                  </a:txBody>
+                </a:tc>
+                <a:tc>
+                  <a:txBody>
+                    <a:bodyPr/>
+                    <a:lstStyle/>
+                    <a:p>
+                      <a:pPr lvl="0" indent="0" marL="0">
+                        <a:buNone/>
+                      </a:pPr>
+                      <a:r>
+                        <a:rPr/>
+                        <a:t>30.57148</a:t>
+                      </a:r>
+                    </a:p>
+                  </a:txBody>
+                </a:tc>
+                <a:tc>
+                  <a:txBody>
+                    <a:bodyPr/>
+                    <a:lstStyle/>
+                    <a:p>
+                      <a:pPr lvl="0" indent="0" marL="0">
+                        <a:buNone/>
+                      </a:pPr>
+                      <a:r>
+                        <a:rPr/>
+                        <a:t>5.071392</a:t>
+                      </a:r>
+                    </a:p>
+                  </a:txBody>
+                </a:tc>
+              </a:tr>
+              <a:tr h="0">
+                <a:tc>
+                  <a:txBody>
+                    <a:bodyPr/>
+                    <a:lstStyle/>
+                    <a:p>
+                      <a:pPr lvl="0" indent="0" marL="0">
+                        <a:buNone/>
+                      </a:pPr>
+                      <a:r>
+                        <a:rPr/>
+                        <a:t>2018</a:t>
+                      </a:r>
+                    </a:p>
+                  </a:txBody>
+                </a:tc>
+                <a:tc>
+                  <a:txBody>
+                    <a:bodyPr/>
+                    <a:lstStyle/>
+                    <a:p>
+                      <a:pPr lvl="0" indent="0" marL="0">
+                        <a:buNone/>
+                      </a:pPr>
+                      <a:r>
+                        <a:rPr/>
+                        <a:t>4.219975</a:t>
+                      </a:r>
+                    </a:p>
+                  </a:txBody>
+                </a:tc>
+                <a:tc>
+                  <a:txBody>
+                    <a:bodyPr/>
+                    <a:lstStyle/>
+                    <a:p>
+                      <a:pPr lvl="0" indent="0" marL="0">
+                        <a:buNone/>
+                      </a:pPr>
+                      <a:r>
+                        <a:rPr/>
+                        <a:t>22.51737</a:t>
+                      </a:r>
+                    </a:p>
+                  </a:txBody>
+                </a:tc>
+                <a:tc>
+                  <a:txBody>
+                    <a:bodyPr/>
+                    <a:lstStyle/>
+                    <a:p>
+                      <a:pPr lvl="0" indent="0" marL="0">
+                        <a:buNone/>
+                      </a:pPr>
+                      <a:r>
+                        <a:rPr/>
+                        <a:t>21.22805</a:t>
+                      </a:r>
+                    </a:p>
+                  </a:txBody>
+                </a:tc>
+                <a:tc>
+                  <a:txBody>
+                    <a:bodyPr/>
+                    <a:lstStyle/>
+                    <a:p>
+                      <a:pPr lvl="0" indent="0" marL="0">
+                        <a:buNone/>
+                      </a:pPr>
+                      <a:r>
+                        <a:rPr/>
+                        <a:t>23.48054</a:t>
+                      </a:r>
+                    </a:p>
+                  </a:txBody>
+                </a:tc>
+                <a:tc>
+                  <a:txBody>
+                    <a:bodyPr/>
+                    <a:lstStyle/>
+                    <a:p>
+                      <a:pPr lvl="0" indent="0" marL="0">
+                        <a:buNone/>
+                      </a:pPr>
+                      <a:r>
+                        <a:rPr/>
+                        <a:t>30.60051</a:t>
+                      </a:r>
+                    </a:p>
+                  </a:txBody>
+                </a:tc>
+                <a:tc>
+                  <a:txBody>
+                    <a:bodyPr/>
+                    <a:lstStyle/>
+                    <a:p>
+                      <a:pPr lvl="0" indent="0" marL="0">
+                        <a:buNone/>
+                      </a:pPr>
+                      <a:r>
+                        <a:rPr/>
+                        <a:t>5.189010</a:t>
+                      </a:r>
+                    </a:p>
+                  </a:txBody>
+                </a:tc>
+              </a:tr>
+              <a:tr h="0">
+                <a:tc>
+                  <a:txBody>
+                    <a:bodyPr/>
+                    <a:lstStyle/>
+                    <a:p>
+                      <a:pPr lvl="0" indent="0" marL="0">
+                        <a:buNone/>
+                      </a:pPr>
+                      <a:r>
+                        <a:rPr/>
+                        <a:t>2019</a:t>
+                      </a:r>
+                    </a:p>
+                  </a:txBody>
+                </a:tc>
+                <a:tc>
+                  <a:txBody>
+                    <a:bodyPr/>
+                    <a:lstStyle/>
+                    <a:p>
+                      <a:pPr lvl="0" indent="0" marL="0">
+                        <a:buNone/>
+                      </a:pPr>
+                      <a:r>
+                        <a:rPr/>
+                        <a:t>4.486555</a:t>
+                      </a:r>
+                    </a:p>
+                  </a:txBody>
+                </a:tc>
+                <a:tc>
+                  <a:txBody>
+                    <a:bodyPr/>
+                    <a:lstStyle/>
+                    <a:p>
+                      <a:pPr lvl="0" indent="0" marL="0">
+                        <a:buNone/>
+                      </a:pPr>
+                      <a:r>
+                        <a:rPr/>
+                        <a:t>22.56353</a:t>
+                      </a:r>
+                    </a:p>
+                  </a:txBody>
+                </a:tc>
+                <a:tc>
+                  <a:txBody>
+                    <a:bodyPr/>
+                    <a:lstStyle/>
+                    <a:p>
+                      <a:pPr lvl="0" indent="0" marL="0">
+                        <a:buNone/>
+                      </a:pPr>
+                      <a:r>
+                        <a:rPr/>
+                        <a:t>21.20651</a:t>
+                      </a:r>
+                    </a:p>
+                  </a:txBody>
+                </a:tc>
+                <a:tc>
+                  <a:txBody>
+                    <a:bodyPr/>
+                    <a:lstStyle/>
+                    <a:p>
+                      <a:pPr lvl="0" indent="0" marL="0">
+                        <a:buNone/>
+                      </a:pPr>
+                      <a:r>
+                        <a:rPr/>
+                        <a:t>23.46316</a:t>
+                      </a:r>
+                    </a:p>
+                  </a:txBody>
+                </a:tc>
+                <a:tc>
+                  <a:txBody>
+                    <a:bodyPr/>
+                    <a:lstStyle/>
+                    <a:p>
+                      <a:pPr lvl="0" indent="0" marL="0">
+                        <a:buNone/>
+                      </a:pPr>
+                      <a:r>
+                        <a:rPr/>
+                        <a:t>30.62320</a:t>
+                      </a:r>
+                    </a:p>
+                  </a:txBody>
+                </a:tc>
+                <a:tc>
+                  <a:txBody>
+                    <a:bodyPr/>
+                    <a:lstStyle/>
+                    <a:p>
+                      <a:pPr lvl="0" indent="0" marL="0">
+                        <a:buNone/>
+                      </a:pPr>
+                      <a:r>
+                        <a:rPr/>
+                        <a:t>5.360470</a:t>
+                      </a:r>
+                    </a:p>
+                  </a:txBody>
+                </a:tc>
+              </a:tr>
+              <a:tr h="0">
+                <a:tc>
+                  <a:txBody>
+                    <a:bodyPr/>
+                    <a:lstStyle/>
+                    <a:p>
+                      <a:pPr lvl="0" indent="0" marL="0">
+                        <a:buNone/>
+                      </a:pPr>
+                      <a:r>
+                        <a:rPr/>
+                        <a:t>2020</a:t>
+                      </a:r>
+                    </a:p>
+                  </a:txBody>
+                </a:tc>
+                <a:tc>
+                  <a:txBody>
+                    <a:bodyPr/>
+                    <a:lstStyle/>
+                    <a:p>
+                      <a:pPr lvl="0" indent="0" marL="0">
+                        <a:buNone/>
+                      </a:pPr>
+                      <a:r>
+                        <a:rPr/>
+                        <a:t>4.538066</a:t>
+                      </a:r>
+                    </a:p>
+                  </a:txBody>
+                </a:tc>
+                <a:tc>
+                  <a:txBody>
+                    <a:bodyPr/>
+                    <a:lstStyle/>
+                    <a:p>
+                      <a:pPr lvl="0" indent="0" marL="0">
+                        <a:buNone/>
+                      </a:pPr>
+                      <a:r>
+                        <a:rPr/>
+                        <a:t>22.36168</a:t>
+                      </a:r>
+                    </a:p>
+                  </a:txBody>
+                </a:tc>
+                <a:tc>
+                  <a:txBody>
+                    <a:bodyPr/>
+                    <a:lstStyle/>
+                    <a:p>
+                      <a:pPr lvl="0" indent="0" marL="0">
+                        <a:buNone/>
+                      </a:pPr>
+                      <a:r>
+                        <a:rPr/>
+                        <a:t>20.72960</a:t>
+                      </a:r>
+                    </a:p>
+                  </a:txBody>
+                </a:tc>
+                <a:tc>
+                  <a:txBody>
+                    <a:bodyPr/>
+                    <a:lstStyle/>
+                    <a:p>
+                      <a:pPr lvl="0" indent="0" marL="0">
+                        <a:buNone/>
+                      </a:pPr>
+                      <a:r>
+                        <a:rPr/>
+                        <a:t>23.42954</a:t>
+                      </a:r>
+                    </a:p>
+                  </a:txBody>
+                </a:tc>
+                <a:tc>
+                  <a:txBody>
+                    <a:bodyPr/>
+                    <a:lstStyle/>
+                    <a:p>
+                      <a:pPr lvl="0" indent="0" marL="0">
+                        <a:buNone/>
+                      </a:pPr>
+                      <a:r>
+                        <a:rPr/>
+                        <a:t>30.59513</a:t>
+                      </a:r>
+                    </a:p>
+                  </a:txBody>
+                </a:tc>
+                <a:tc>
+                  <a:txBody>
+                    <a:bodyPr/>
+                    <a:lstStyle/>
+                    <a:p>
+                      <a:pPr lvl="0" indent="0" marL="0">
+                        <a:buNone/>
+                      </a:pPr>
+                      <a:r>
+                        <a:rPr/>
+                        <a:t>5.565830</a:t>
+                      </a:r>
+                    </a:p>
+                  </a:txBody>
+                </a:tc>
+              </a:tr>
+              <a:tr h="0">
+                <a:tc>
+                  <a:txBody>
+                    <a:bodyPr/>
+                    <a:lstStyle/>
+                    <a:p>
+                      <a:pPr lvl="0" indent="0" marL="0">
+                        <a:buNone/>
+                      </a:pPr>
+                      <a:r>
+                        <a:rPr/>
+                        <a:t>2021</a:t>
+                      </a:r>
+                    </a:p>
+                  </a:txBody>
+                </a:tc>
+                <a:tc>
+                  <a:txBody>
+                    <a:bodyPr/>
+                    <a:lstStyle/>
+                    <a:p>
+                      <a:pPr lvl="0" indent="0" marL="0">
+                        <a:buNone/>
+                      </a:pPr>
+                      <a:r>
+                        <a:rPr/>
+                        <a:t>4.491180</a:t>
+                      </a:r>
+                    </a:p>
+                  </a:txBody>
+                </a:tc>
+                <a:tc>
+                  <a:txBody>
+                    <a:bodyPr/>
+                    <a:lstStyle/>
+                    <a:p>
+                      <a:pPr lvl="0" indent="0" marL="0">
+                        <a:buNone/>
+                      </a:pPr>
+                      <a:r>
+                        <a:rPr/>
+                        <a:t>22.38473</a:t>
+                      </a:r>
+                    </a:p>
+                  </a:txBody>
+                </a:tc>
+                <a:tc>
+                  <a:txBody>
+                    <a:bodyPr/>
+                    <a:lstStyle/>
+                    <a:p>
+                      <a:pPr lvl="0" indent="0" marL="0">
+                        <a:buNone/>
+                      </a:pPr>
+                      <a:r>
+                        <a:rPr/>
+                        <a:t>20.94035</a:t>
+                      </a:r>
+                    </a:p>
+                  </a:txBody>
+                </a:tc>
+                <a:tc>
+                  <a:txBody>
+                    <a:bodyPr/>
+                    <a:lstStyle/>
+                    <a:p>
+                      <a:pPr lvl="0" indent="0" marL="0">
+                        <a:buNone/>
+                      </a:pPr>
+                      <a:r>
+                        <a:rPr/>
+                        <a:t>23.41140</a:t>
+                      </a:r>
+                    </a:p>
+                  </a:txBody>
+                </a:tc>
+                <a:tc>
+                  <a:txBody>
+                    <a:bodyPr/>
+                    <a:lstStyle/>
+                    <a:p>
+                      <a:pPr lvl="0" indent="0" marL="0">
+                        <a:buNone/>
+                      </a:pPr>
+                      <a:r>
+                        <a:rPr/>
+                        <a:t>30.65288</a:t>
+                      </a:r>
+                    </a:p>
+                  </a:txBody>
+                </a:tc>
+                <a:tc>
+                  <a:txBody>
+                    <a:bodyPr/>
+                    <a:lstStyle/>
+                    <a:p>
+                      <a:pPr lvl="0" indent="0" marL="0">
+                        <a:buNone/>
+                      </a:pPr>
+                      <a:r>
+                        <a:rPr/>
+                        <a:t>5.721478</a:t>
+                      </a:r>
+                    </a:p>
+                  </a:txBody>
+                </a:tc>
+              </a:tr>
+              <a:tr h="0">
+                <a:tc>
+                  <a:txBody>
+                    <a:bodyPr/>
+                    <a:lstStyle/>
+                    <a:p>
+                      <a:pPr lvl="0" indent="0" marL="0">
+                        <a:buNone/>
+                      </a:pPr>
+                      <a:r>
+                        <a:rPr/>
+                        <a:t>2022</a:t>
+                      </a:r>
+                    </a:p>
+                  </a:txBody>
+                </a:tc>
+                <a:tc>
+                  <a:txBody>
+                    <a:bodyPr/>
+                    <a:lstStyle/>
+                    <a:p>
+                      <a:pPr lvl="0" indent="0" marL="0">
+                        <a:buNone/>
+                      </a:pPr>
+                      <a:r>
+                        <a:rPr/>
+                        <a:t>4.750402</a:t>
+                      </a:r>
+                    </a:p>
+                  </a:txBody>
+                </a:tc>
+                <a:tc>
+                  <a:txBody>
+                    <a:bodyPr/>
+                    <a:lstStyle/>
+                    <a:p>
+                      <a:pPr lvl="0" indent="0" marL="0">
+                        <a:buNone/>
+                      </a:pPr>
+                      <a:r>
+                        <a:rPr/>
+                        <a:t>22.43273</a:t>
+                      </a:r>
+                    </a:p>
+                  </a:txBody>
+                </a:tc>
+                <a:tc>
+                  <a:txBody>
+                    <a:bodyPr/>
+                    <a:lstStyle/>
+                    <a:p>
+                      <a:pPr lvl="0" indent="0" marL="0">
+                        <a:buNone/>
+                      </a:pPr>
+                      <a:r>
+                        <a:rPr/>
+                        <a:t>20.96386</a:t>
+                      </a:r>
+                    </a:p>
+                  </a:txBody>
+                </a:tc>
+                <a:tc>
+                  <a:txBody>
+                    <a:bodyPr/>
+                    <a:lstStyle/>
+                    <a:p>
+                      <a:pPr lvl="0" indent="0" marL="0">
+                        <a:buNone/>
+                      </a:pPr>
+                      <a:r>
+                        <a:rPr/>
+                        <a:t>23.39443</a:t>
+                      </a:r>
+                    </a:p>
+                  </a:txBody>
+                </a:tc>
+                <a:tc>
+                  <a:txBody>
+                    <a:bodyPr/>
+                    <a:lstStyle/>
+                    <a:p>
+                      <a:pPr lvl="0" indent="0" marL="0">
+                        <a:buNone/>
+                      </a:pPr>
+                      <a:r>
+                        <a:rPr/>
+                        <a:t>30.67329</a:t>
+                      </a:r>
+                    </a:p>
+                  </a:txBody>
+                </a:tc>
+                <a:tc>
+                  <a:txBody>
+                    <a:bodyPr/>
+                    <a:lstStyle/>
+                    <a:p>
+                      <a:pPr lvl="0" indent="0" marL="0">
+                        <a:buNone/>
+                      </a:pPr>
+                      <a:r>
+                        <a:rPr/>
+                        <a:t>6.014026</a:t>
+                      </a:r>
+                    </a:p>
+                  </a:txBody>
+                </a:tc>
+              </a:tr>
+              <a:tr h="0">
+                <a:tc>
+                  <a:txBody>
+                    <a:bodyPr/>
+                    <a:lstStyle/>
+                    <a:p>
+                      <a:pPr lvl="0" indent="0" marL="0">
+                        <a:buNone/>
+                      </a:pPr>
+                      <a:r>
+                        <a:rPr b="1"/>
+                        <a:t>Source:</a:t>
+                      </a:r>
+                      <a:r>
+                        <a:rPr/>
+                        <a:t> Banque de la republique d’Haiti</a:t>
+                      </a:r>
+                    </a:p>
+                  </a:txBody>
+                </a:tc>
+                <a:tc>
+                  <a:txBody>
+                    <a:bodyPr/>
+                    <a:lstStyle/>
+                    <a:p>
+                      <a:endParaRPr/>
+                    </a:p>
+                  </a:txBody>
+                </a:tc>
+                <a:tc>
+                  <a:txBody>
+                    <a:bodyPr/>
+                    <a:lstStyle/>
+                    <a:p>
+                      <a:endParaRPr/>
+                    </a:p>
+                  </a:txBody>
+                </a:tc>
+                <a:tc>
+                  <a:txBody>
+                    <a:bodyPr/>
+                    <a:lstStyle/>
+                    <a:p>
+                      <a:endParaRPr/>
+                    </a:p>
+                  </a:txBody>
+                </a:tc>
+                <a:tc>
+                  <a:txBody>
+                    <a:bodyPr/>
+                    <a:lstStyle/>
+                    <a:p>
+                      <a:endParaRPr/>
+                    </a:p>
+                  </a:txBody>
+                </a:tc>
+                <a:tc>
+                  <a:txBody>
+                    <a:bodyPr/>
+                    <a:lstStyle/>
+                    <a:p>
+                      <a:endParaRPr/>
+                    </a:p>
+                  </a:txBody>
+                </a:tc>
+                <a:tc>
+                  <a:txBody>
+                    <a:bodyPr/>
+                    <a:lstStyle/>
+                    <a:p>
+                      <a:endParaRPr/>
+                    </a:p>
+                  </a:txBody>
+                </a:tc>
+              </a:tr>
+            </a:tbl>
+          </a:graphicData>
+        </a:graphic>
+      </p:graphicFrame>
+    </p:spTree>
+  </p:cSld>
+</p:sld>
+</file>
+
+<file path=ppt/slides/slide7.xml><?xml version="1.0" encoding="utf-8"?>
+<p:sld xmlns:a="http://schemas.openxmlformats.org/drawingml/2006/main" xmlns:r="http://schemas.openxmlformats.org/officeDocument/2006/relationships" xmlns:p="http://schemas.openxmlformats.org/presentationml/2006/main">
+  <p:cSld>
+    <p:spTree>
+      <p:nvGrpSpPr>
+        <p:cNvPr id="1" name=""/>
+        <p:cNvGrpSpPr/>
+        <p:nvPr/>
+      </p:nvGrpSpPr>
+      <p:grpSpPr>
+        <a:xfrm>
+          <a:off x="0" y="0"/>
+          <a:ext cx="0" cy="0"/>
+          <a:chOff x="0" y="0"/>
+          <a:chExt cx="0" cy="0"/>
+        </a:xfrm>
+      </p:grpSpPr>
       <p:sp>
         <p:nvSpPr>
-          <p:cNvPr id="3" name="Content Placeholder 2"/>
+          <p:cNvPr id="2" name="Title 1"/>
           <p:cNvSpPr>
             <a:spLocks noGrp="1"/>
           </p:cNvSpPr>
           <p:nvPr>
-            <p:ph idx="1"/>
+            <p:ph type="title"/>
+          </p:nvPr>
+        </p:nvSpPr>
+        <p:spPr>
+          <a:xfrm>
+            <a:off x="722313" y="3305176"/>
+            <a:ext cx="7772400" cy="1021556"/>
+          </a:xfrm>
+        </p:spPr>
+        <p:txBody>
+          <a:bodyPr/>
+          <a:lstStyle/>
+          <a:p>
+            <a:pPr lvl="0" indent="0" marL="0">
+              <a:buNone/>
+            </a:pPr>
+            <a:r>
+              <a:rPr/>
+              <a:t>Analyse Graphiques</a:t>
+            </a:r>
+          </a:p>
+        </p:txBody>
+      </p:sp>
+    </p:spTree>
+  </p:cSld>
+</p:sld>
+</file>
+
+<file path=ppt/slides/slide8.xml><?xml version="1.0" encoding="utf-8"?>
+<p:sld xmlns:a="http://schemas.openxmlformats.org/drawingml/2006/main" xmlns:r="http://schemas.openxmlformats.org/officeDocument/2006/relationships" xmlns:p="http://schemas.openxmlformats.org/presentationml/2006/main">
+  <p:cSld>
+    <p:spTree>
+      <p:nvGrpSpPr>
+        <p:cNvPr id="1" name=""/>
+        <p:cNvGrpSpPr/>
+        <p:nvPr/>
+      </p:nvGrpSpPr>
+      <p:grpSpPr>
+        <a:xfrm>
+          <a:off x="0" y="0"/>
+          <a:ext cx="0" cy="0"/>
+          <a:chOff x="0" y="0"/>
+          <a:chExt cx="0" cy="0"/>
+        </a:xfrm>
+      </p:grpSpPr>
+      <p:sp>
+        <p:nvSpPr>
+          <p:cNvPr id="2" name="Title 1"/>
+          <p:cNvSpPr>
+            <a:spLocks noGrp="1"/>
+          </p:cNvSpPr>
+          <p:nvPr>
+            <p:ph type="title"/>
           </p:nvPr>
         </p:nvSpPr>
         <p:spPr/>
@@ -3504,30 +12281,118 @@
             </a:pPr>
             <a:r>
               <a:rPr/>
-              <a:t>When you click the </a:t>
-            </a:r>
-            <a:r>
-              <a:rPr b="1"/>
-              <a:t>Render</a:t>
-            </a:r>
-            <a:r>
-              <a:rPr/>
-              <a:t> button a presentation will be generated that includes both content and the output of embedded code. You can embed code like this:</a:t>
-            </a:r>
-          </a:p>
-          <a:p>
-            <a:pPr lvl="0" indent="0">
-              <a:buNone/>
-            </a:pPr>
-            <a:r>
-              <a:rPr>
-                <a:latin typeface="Courier"/>
-              </a:rPr>
-              <a:t>[1] 2</a:t>
+              <a:t>Graphes des donnees Brutes</a:t>
             </a:r>
           </a:p>
         </p:txBody>
       </p:sp>
+      <p:pic>
+        <p:nvPicPr>
+          <p:cNvPr descr="modele_presentation_files/figure-pptx/brut%20plot-1.png" id="0" name="Picture 1"/>
+          <p:cNvPicPr>
+            <a:picLocks noGrp="1" noChangeAspect="1"/>
+          </p:cNvPicPr>
+          <p:nvPr/>
+        </p:nvPicPr>
+        <p:blipFill>
+          <a:blip r:embed="rId2"/>
+          <a:stretch>
+            <a:fillRect/>
+          </a:stretch>
+        </p:blipFill>
+        <p:spPr bwMode="auto">
+          <a:xfrm>
+            <a:off x="1181100" y="1193800"/>
+            <a:ext cx="6781800" cy="3390900"/>
+          </a:xfrm>
+          <a:prstGeom prst="rect">
+            <a:avLst/>
+          </a:prstGeom>
+          <a:noFill/>
+          <a:ln w="9525">
+            <a:noFill/>
+            <a:headEnd/>
+            <a:tailEnd/>
+          </a:ln>
+        </p:spPr>
+      </p:pic>
+    </p:spTree>
+  </p:cSld>
+</p:sld>
+</file>
+
+<file path=ppt/slides/slide9.xml><?xml version="1.0" encoding="utf-8"?>
+<p:sld xmlns:a="http://schemas.openxmlformats.org/drawingml/2006/main" xmlns:r="http://schemas.openxmlformats.org/officeDocument/2006/relationships" xmlns:p="http://schemas.openxmlformats.org/presentationml/2006/main">
+  <p:cSld>
+    <p:spTree>
+      <p:nvGrpSpPr>
+        <p:cNvPr id="1" name=""/>
+        <p:cNvGrpSpPr/>
+        <p:nvPr/>
+      </p:nvGrpSpPr>
+      <p:grpSpPr>
+        <a:xfrm>
+          <a:off x="0" y="0"/>
+          <a:ext cx="0" cy="0"/>
+          <a:chOff x="0" y="0"/>
+          <a:chExt cx="0" cy="0"/>
+        </a:xfrm>
+      </p:grpSpPr>
+      <p:sp>
+        <p:nvSpPr>
+          <p:cNvPr id="2" name="Title 1"/>
+          <p:cNvSpPr>
+            <a:spLocks noGrp="1"/>
+          </p:cNvSpPr>
+          <p:nvPr>
+            <p:ph type="title"/>
+          </p:nvPr>
+        </p:nvSpPr>
+        <p:spPr/>
+        <p:txBody>
+          <a:bodyPr/>
+          <a:lstStyle/>
+          <a:p>
+            <a:pPr lvl="0" indent="0" marL="0">
+              <a:buNone/>
+            </a:pPr>
+            <a:r>
+              <a:rPr/>
+              <a:t>Graphes des donnees en Logarithme Neperien</a:t>
+            </a:r>
+          </a:p>
+        </p:txBody>
+      </p:sp>
+      <p:pic>
+        <p:nvPicPr>
+          <p:cNvPr descr="modele_presentation_files/figure-pptx/plot%20log-1.png" id="0" name="Picture 1"/>
+          <p:cNvPicPr>
+            <a:picLocks noGrp="1" noChangeAspect="1"/>
+          </p:cNvPicPr>
+          <p:nvPr/>
+        </p:nvPicPr>
+        <p:blipFill>
+          <a:blip r:embed="rId2"/>
+          <a:stretch>
+            <a:fillRect/>
+          </a:stretch>
+        </p:blipFill>
+        <p:spPr bwMode="auto">
+          <a:xfrm>
+            <a:off x="1181100" y="1193800"/>
+            <a:ext cx="6781800" cy="3390900"/>
+          </a:xfrm>
+          <a:prstGeom prst="rect">
+            <a:avLst/>
+          </a:prstGeom>
+          <a:noFill/>
+          <a:ln w="9525">
+            <a:noFill/>
+            <a:headEnd/>
+            <a:tailEnd/>
+          </a:ln>
+        </p:spPr>
+      </p:pic>
     </p:spTree>
   </p:cSld>
 </p:sld>

--- a/modele_presentation.pptx
+++ b/modele_presentation.pptx
@@ -14,6 +14,21 @@
     <p:sldId id="262" r:id="rId8"/>
     <p:sldId id="263" r:id="rId9"/>
     <p:sldId id="264" r:id="rId10"/>
+    <p:sldId id="265" r:id="rId11"/>
+    <p:sldId id="266" r:id="rId12"/>
+    <p:sldId id="267" r:id="rId13"/>
+    <p:sldId id="268" r:id="rId14"/>
+    <p:sldId id="269" r:id="rId15"/>
+    <p:sldId id="270" r:id="rId16"/>
+    <p:sldId id="271" r:id="rId17"/>
+    <p:sldId id="272" r:id="rId18"/>
+    <p:sldId id="273" r:id="rId19"/>
+    <p:sldId id="274" r:id="rId20"/>
+    <p:sldId id="275" r:id="rId21"/>
+    <p:sldId id="276" r:id="rId22"/>
+    <p:sldId id="277" r:id="rId23"/>
+    <p:sldId id="278" r:id="rId24"/>
+    <p:sldId id="279" r:id="rId25"/>
   </p:sldIdLst>
   <p:sldSz cx="9144000" cy="5143500" type="screen16x9"/>
   <p:notesSz cx="6858000" cy="9144000"/>
@@ -3165,6 +3180,751 @@
 </p:sld>
 </file>
 
+<file path=ppt/slides/slide10.xml><?xml version="1.0" encoding="utf-8"?>
+<p:sld xmlns:a="http://schemas.openxmlformats.org/drawingml/2006/main" xmlns:r="http://schemas.openxmlformats.org/officeDocument/2006/relationships" xmlns:p="http://schemas.openxmlformats.org/presentationml/2006/main">
+  <p:cSld>
+    <p:spTree>
+      <p:nvGrpSpPr>
+        <p:cNvPr id="1" name=""/>
+        <p:cNvGrpSpPr/>
+        <p:nvPr/>
+      </p:nvGrpSpPr>
+      <p:grpSpPr>
+        <a:xfrm>
+          <a:off x="0" y="0"/>
+          <a:ext cx="0" cy="0"/>
+          <a:chOff x="0" y="0"/>
+          <a:chExt cx="0" cy="0"/>
+        </a:xfrm>
+      </p:grpSpPr>
+      <p:sp>
+        <p:nvSpPr>
+          <p:cNvPr id="2" name="Title 1"/>
+          <p:cNvSpPr>
+            <a:spLocks noGrp="1"/>
+          </p:cNvSpPr>
+          <p:nvPr>
+            <p:ph type="title"/>
+          </p:nvPr>
+        </p:nvSpPr>
+        <p:spPr/>
+        <p:txBody>
+          <a:bodyPr/>
+          <a:lstStyle/>
+          <a:p>
+            <a:pPr lvl="0" indent="0" marL="0">
+              <a:buNone/>
+            </a:pPr>
+            <a:r>
+              <a:rPr/>
+              <a:t>Exportation</a:t>
+            </a:r>
+          </a:p>
+        </p:txBody>
+      </p:sp>
+      <p:pic>
+        <p:nvPicPr>
+          <p:cNvPr descr="modele_presentation_files/figure-pptx/exp%20brut%20plot-1.png" id="0" name="Picture 1"/>
+          <p:cNvPicPr>
+            <a:picLocks noGrp="1" noChangeAspect="1"/>
+          </p:cNvPicPr>
+          <p:nvPr/>
+        </p:nvPicPr>
+        <p:blipFill>
+          <a:blip r:embed="rId2"/>
+          <a:stretch>
+            <a:fillRect/>
+          </a:stretch>
+        </p:blipFill>
+        <p:spPr bwMode="auto">
+          <a:xfrm>
+            <a:off x="1181100" y="1193800"/>
+            <a:ext cx="6781800" cy="3390900"/>
+          </a:xfrm>
+          <a:prstGeom prst="rect">
+            <a:avLst/>
+          </a:prstGeom>
+          <a:noFill/>
+          <a:ln w="9525">
+            <a:noFill/>
+            <a:headEnd/>
+            <a:tailEnd/>
+          </a:ln>
+        </p:spPr>
+      </p:pic>
+    </p:spTree>
+  </p:cSld>
+</p:sld>
+</file>
+
+<file path=ppt/slides/slide11.xml><?xml version="1.0" encoding="utf-8"?>
+<p:sld xmlns:a="http://schemas.openxmlformats.org/drawingml/2006/main" xmlns:r="http://schemas.openxmlformats.org/officeDocument/2006/relationships" xmlns:p="http://schemas.openxmlformats.org/presentationml/2006/main">
+  <p:cSld>
+    <p:spTree>
+      <p:nvGrpSpPr>
+        <p:cNvPr id="1" name=""/>
+        <p:cNvGrpSpPr/>
+        <p:nvPr/>
+      </p:nvGrpSpPr>
+      <p:grpSpPr>
+        <a:xfrm>
+          <a:off x="0" y="0"/>
+          <a:ext cx="0" cy="0"/>
+          <a:chOff x="0" y="0"/>
+          <a:chExt cx="0" cy="0"/>
+        </a:xfrm>
+      </p:grpSpPr>
+      <p:sp>
+        <p:nvSpPr>
+          <p:cNvPr id="2" name="Title 1"/>
+          <p:cNvSpPr>
+            <a:spLocks noGrp="1"/>
+          </p:cNvSpPr>
+          <p:nvPr>
+            <p:ph type="title"/>
+          </p:nvPr>
+        </p:nvSpPr>
+        <p:spPr/>
+        <p:txBody>
+          <a:bodyPr/>
+          <a:lstStyle/>
+          <a:p>
+            <a:pPr lvl="0" indent="0" marL="0">
+              <a:buNone/>
+            </a:pPr>
+            <a:r>
+              <a:rPr/>
+              <a:t>PIB</a:t>
+            </a:r>
+          </a:p>
+        </p:txBody>
+      </p:sp>
+      <p:pic>
+        <p:nvPicPr>
+          <p:cNvPr descr="modele_presentation_files/figure-pptx/pib%20brut%20data%20plot-1.png" id="0" name="Picture 1"/>
+          <p:cNvPicPr>
+            <a:picLocks noGrp="1" noChangeAspect="1"/>
+          </p:cNvPicPr>
+          <p:nvPr/>
+        </p:nvPicPr>
+        <p:blipFill>
+          <a:blip r:embed="rId2"/>
+          <a:stretch>
+            <a:fillRect/>
+          </a:stretch>
+        </p:blipFill>
+        <p:spPr bwMode="auto">
+          <a:xfrm>
+            <a:off x="1181100" y="1193800"/>
+            <a:ext cx="6781800" cy="3390900"/>
+          </a:xfrm>
+          <a:prstGeom prst="rect">
+            <a:avLst/>
+          </a:prstGeom>
+          <a:noFill/>
+          <a:ln w="9525">
+            <a:noFill/>
+            <a:headEnd/>
+            <a:tailEnd/>
+          </a:ln>
+        </p:spPr>
+      </p:pic>
+    </p:spTree>
+  </p:cSld>
+</p:sld>
+</file>
+
+<file path=ppt/slides/slide12.xml><?xml version="1.0" encoding="utf-8"?>
+<p:sld xmlns:a="http://schemas.openxmlformats.org/drawingml/2006/main" xmlns:r="http://schemas.openxmlformats.org/officeDocument/2006/relationships" xmlns:p="http://schemas.openxmlformats.org/presentationml/2006/main">
+  <p:cSld>
+    <p:spTree>
+      <p:nvGrpSpPr>
+        <p:cNvPr id="1" name=""/>
+        <p:cNvGrpSpPr/>
+        <p:nvPr/>
+      </p:nvGrpSpPr>
+      <p:grpSpPr>
+        <a:xfrm>
+          <a:off x="0" y="0"/>
+          <a:ext cx="0" cy="0"/>
+          <a:chOff x="0" y="0"/>
+          <a:chExt cx="0" cy="0"/>
+        </a:xfrm>
+      </p:grpSpPr>
+      <p:sp>
+        <p:nvSpPr>
+          <p:cNvPr id="2" name="Title 1"/>
+          <p:cNvSpPr>
+            <a:spLocks noGrp="1"/>
+          </p:cNvSpPr>
+          <p:nvPr>
+            <p:ph type="title"/>
+          </p:nvPr>
+        </p:nvSpPr>
+        <p:spPr/>
+        <p:txBody>
+          <a:bodyPr/>
+          <a:lstStyle/>
+          <a:p>
+            <a:pPr lvl="0" indent="0" marL="0">
+              <a:buNone/>
+            </a:pPr>
+            <a:r>
+              <a:rPr/>
+              <a:t>PIB USA</a:t>
+            </a:r>
+          </a:p>
+        </p:txBody>
+      </p:sp>
+      <p:pic>
+        <p:nvPicPr>
+          <p:cNvPr descr="modele_presentation_files/figure-pptx/pib.usa%20brut%20plot-1.png" id="0" name="Picture 1"/>
+          <p:cNvPicPr>
+            <a:picLocks noGrp="1" noChangeAspect="1"/>
+          </p:cNvPicPr>
+          <p:nvPr/>
+        </p:nvPicPr>
+        <p:blipFill>
+          <a:blip r:embed="rId2"/>
+          <a:stretch>
+            <a:fillRect/>
+          </a:stretch>
+        </p:blipFill>
+        <p:spPr bwMode="auto">
+          <a:xfrm>
+            <a:off x="1181100" y="1193800"/>
+            <a:ext cx="6781800" cy="3390900"/>
+          </a:xfrm>
+          <a:prstGeom prst="rect">
+            <a:avLst/>
+          </a:prstGeom>
+          <a:noFill/>
+          <a:ln w="9525">
+            <a:noFill/>
+            <a:headEnd/>
+            <a:tailEnd/>
+          </a:ln>
+        </p:spPr>
+      </p:pic>
+    </p:spTree>
+  </p:cSld>
+</p:sld>
+</file>
+
+<file path=ppt/slides/slide13.xml><?xml version="1.0" encoding="utf-8"?>
+<p:sld xmlns:a="http://schemas.openxmlformats.org/drawingml/2006/main" xmlns:r="http://schemas.openxmlformats.org/officeDocument/2006/relationships" xmlns:p="http://schemas.openxmlformats.org/presentationml/2006/main">
+  <p:cSld>
+    <p:spTree>
+      <p:nvGrpSpPr>
+        <p:cNvPr id="1" name=""/>
+        <p:cNvGrpSpPr/>
+        <p:nvPr/>
+      </p:nvGrpSpPr>
+      <p:grpSpPr>
+        <a:xfrm>
+          <a:off x="0" y="0"/>
+          <a:ext cx="0" cy="0"/>
+          <a:chOff x="0" y="0"/>
+          <a:chExt cx="0" cy="0"/>
+        </a:xfrm>
+      </p:grpSpPr>
+      <p:sp>
+        <p:nvSpPr>
+          <p:cNvPr id="2" name="Title 1"/>
+          <p:cNvSpPr>
+            <a:spLocks noGrp="1"/>
+          </p:cNvSpPr>
+          <p:nvPr>
+            <p:ph type="title"/>
+          </p:nvPr>
+        </p:nvSpPr>
+        <p:spPr/>
+        <p:txBody>
+          <a:bodyPr/>
+          <a:lstStyle/>
+          <a:p>
+            <a:pPr lvl="0" indent="0" marL="0">
+              <a:buNone/>
+            </a:pPr>
+            <a:r>
+              <a:rPr/>
+              <a:t>IPc</a:t>
+            </a:r>
+          </a:p>
+        </p:txBody>
+      </p:sp>
+      <p:pic>
+        <p:nvPicPr>
+          <p:cNvPr descr="modele_presentation_files/figure-pptx/ipc%20brut%20plot-1.png" id="0" name="Picture 1"/>
+          <p:cNvPicPr>
+            <a:picLocks noGrp="1" noChangeAspect="1"/>
+          </p:cNvPicPr>
+          <p:nvPr/>
+        </p:nvPicPr>
+        <p:blipFill>
+          <a:blip r:embed="rId2"/>
+          <a:stretch>
+            <a:fillRect/>
+          </a:stretch>
+        </p:blipFill>
+        <p:spPr bwMode="auto">
+          <a:xfrm>
+            <a:off x="1181100" y="1193800"/>
+            <a:ext cx="6781800" cy="3390900"/>
+          </a:xfrm>
+          <a:prstGeom prst="rect">
+            <a:avLst/>
+          </a:prstGeom>
+          <a:noFill/>
+          <a:ln w="9525">
+            <a:noFill/>
+            <a:headEnd/>
+            <a:tailEnd/>
+          </a:ln>
+        </p:spPr>
+      </p:pic>
+    </p:spTree>
+  </p:cSld>
+</p:sld>
+</file>
+
+<file path=ppt/slides/slide14.xml><?xml version="1.0" encoding="utf-8"?>
+<p:sld xmlns:a="http://schemas.openxmlformats.org/drawingml/2006/main" xmlns:r="http://schemas.openxmlformats.org/officeDocument/2006/relationships" xmlns:p="http://schemas.openxmlformats.org/presentationml/2006/main">
+  <p:cSld>
+    <p:spTree>
+      <p:nvGrpSpPr>
+        <p:cNvPr id="1" name=""/>
+        <p:cNvGrpSpPr/>
+        <p:nvPr/>
+      </p:nvGrpSpPr>
+      <p:grpSpPr>
+        <a:xfrm>
+          <a:off x="0" y="0"/>
+          <a:ext cx="0" cy="0"/>
+          <a:chOff x="0" y="0"/>
+          <a:chExt cx="0" cy="0"/>
+        </a:xfrm>
+      </p:grpSpPr>
+      <p:sp>
+        <p:nvSpPr>
+          <p:cNvPr id="2" name="Title 1"/>
+          <p:cNvSpPr>
+            <a:spLocks noGrp="1"/>
+          </p:cNvSpPr>
+          <p:nvPr>
+            <p:ph type="title"/>
+          </p:nvPr>
+        </p:nvSpPr>
+        <p:spPr>
+          <a:xfrm>
+            <a:off x="722313" y="3305176"/>
+            <a:ext cx="7772400" cy="1021556"/>
+          </a:xfrm>
+        </p:spPr>
+        <p:txBody>
+          <a:bodyPr/>
+          <a:lstStyle/>
+          <a:p>
+            <a:pPr lvl="0" indent="0" marL="0">
+              <a:buNone/>
+            </a:pPr>
+            <a:r>
+              <a:rPr/>
+              <a:t>Analyse graphiques evolution des series en Logarithme Neperien allant de 1988 a 2022</a:t>
+            </a:r>
+          </a:p>
+        </p:txBody>
+      </p:sp>
+    </p:spTree>
+  </p:cSld>
+</p:sld>
+</file>
+
+<file path=ppt/slides/slide15.xml><?xml version="1.0" encoding="utf-8"?>
+<p:sld xmlns:a="http://schemas.openxmlformats.org/drawingml/2006/main" xmlns:r="http://schemas.openxmlformats.org/officeDocument/2006/relationships" xmlns:p="http://schemas.openxmlformats.org/presentationml/2006/main">
+  <p:cSld>
+    <p:spTree>
+      <p:nvGrpSpPr>
+        <p:cNvPr id="1" name=""/>
+        <p:cNvGrpSpPr/>
+        <p:nvPr/>
+      </p:nvGrpSpPr>
+      <p:grpSpPr>
+        <a:xfrm>
+          <a:off x="0" y="0"/>
+          <a:ext cx="0" cy="0"/>
+          <a:chOff x="0" y="0"/>
+          <a:chExt cx="0" cy="0"/>
+        </a:xfrm>
+      </p:grpSpPr>
+      <p:sp>
+        <p:nvSpPr>
+          <p:cNvPr id="2" name="Title 1"/>
+          <p:cNvSpPr>
+            <a:spLocks noGrp="1"/>
+          </p:cNvSpPr>
+          <p:nvPr>
+            <p:ph type="title"/>
+          </p:nvPr>
+        </p:nvSpPr>
+        <p:spPr/>
+        <p:txBody>
+          <a:bodyPr/>
+          <a:lstStyle/>
+          <a:p>
+            <a:pPr lvl="0" indent="0" marL="0">
+              <a:buNone/>
+            </a:pPr>
+            <a:r>
+              <a:rPr/>
+              <a:t>Taux de Change</a:t>
+            </a:r>
+          </a:p>
+        </p:txBody>
+      </p:sp>
+      <p:pic>
+        <p:nvPicPr>
+          <p:cNvPr descr="modele_presentation_files/figure-pptx/tx.c%20LN%20plot-1.png" id="0" name="Picture 1"/>
+          <p:cNvPicPr>
+            <a:picLocks noGrp="1" noChangeAspect="1"/>
+          </p:cNvPicPr>
+          <p:nvPr/>
+        </p:nvPicPr>
+        <p:blipFill>
+          <a:blip r:embed="rId2"/>
+          <a:stretch>
+            <a:fillRect/>
+          </a:stretch>
+        </p:blipFill>
+        <p:spPr bwMode="auto">
+          <a:xfrm>
+            <a:off x="1181100" y="1193800"/>
+            <a:ext cx="6781800" cy="3390900"/>
+          </a:xfrm>
+          <a:prstGeom prst="rect">
+            <a:avLst/>
+          </a:prstGeom>
+          <a:noFill/>
+          <a:ln w="9525">
+            <a:noFill/>
+            <a:headEnd/>
+            <a:tailEnd/>
+          </a:ln>
+        </p:spPr>
+      </p:pic>
+    </p:spTree>
+  </p:cSld>
+</p:sld>
+</file>
+
+<file path=ppt/slides/slide16.xml><?xml version="1.0" encoding="utf-8"?>
+<p:sld xmlns:a="http://schemas.openxmlformats.org/drawingml/2006/main" xmlns:r="http://schemas.openxmlformats.org/officeDocument/2006/relationships" xmlns:p="http://schemas.openxmlformats.org/presentationml/2006/main">
+  <p:cSld>
+    <p:spTree>
+      <p:nvGrpSpPr>
+        <p:cNvPr id="1" name=""/>
+        <p:cNvGrpSpPr/>
+        <p:nvPr/>
+      </p:nvGrpSpPr>
+      <p:grpSpPr>
+        <a:xfrm>
+          <a:off x="0" y="0"/>
+          <a:ext cx="0" cy="0"/>
+          <a:chOff x="0" y="0"/>
+          <a:chExt cx="0" cy="0"/>
+        </a:xfrm>
+      </p:grpSpPr>
+      <p:sp>
+        <p:nvSpPr>
+          <p:cNvPr id="2" name="Title 1"/>
+          <p:cNvSpPr>
+            <a:spLocks noGrp="1"/>
+          </p:cNvSpPr>
+          <p:nvPr>
+            <p:ph type="title"/>
+          </p:nvPr>
+        </p:nvSpPr>
+        <p:spPr/>
+        <p:txBody>
+          <a:bodyPr/>
+          <a:lstStyle/>
+          <a:p>
+            <a:pPr lvl="0" indent="0" marL="0">
+              <a:buNone/>
+            </a:pPr>
+            <a:r>
+              <a:rPr/>
+              <a:t>Importation</a:t>
+            </a:r>
+          </a:p>
+        </p:txBody>
+      </p:sp>
+      <p:pic>
+        <p:nvPicPr>
+          <p:cNvPr descr="modele_presentation_files/figure-pptx/Imp%20LN%20plot-1.png" id="0" name="Picture 1"/>
+          <p:cNvPicPr>
+            <a:picLocks noGrp="1" noChangeAspect="1"/>
+          </p:cNvPicPr>
+          <p:nvPr/>
+        </p:nvPicPr>
+        <p:blipFill>
+          <a:blip r:embed="rId2"/>
+          <a:stretch>
+            <a:fillRect/>
+          </a:stretch>
+        </p:blipFill>
+        <p:spPr bwMode="auto">
+          <a:xfrm>
+            <a:off x="1181100" y="1193800"/>
+            <a:ext cx="6781800" cy="3390900"/>
+          </a:xfrm>
+          <a:prstGeom prst="rect">
+            <a:avLst/>
+          </a:prstGeom>
+          <a:noFill/>
+          <a:ln w="9525">
+            <a:noFill/>
+            <a:headEnd/>
+            <a:tailEnd/>
+          </a:ln>
+        </p:spPr>
+      </p:pic>
+    </p:spTree>
+  </p:cSld>
+</p:sld>
+</file>
+
+<file path=ppt/slides/slide17.xml><?xml version="1.0" encoding="utf-8"?>
+<p:sld xmlns:a="http://schemas.openxmlformats.org/drawingml/2006/main" xmlns:r="http://schemas.openxmlformats.org/officeDocument/2006/relationships" xmlns:p="http://schemas.openxmlformats.org/presentationml/2006/main">
+  <p:cSld>
+    <p:spTree>
+      <p:nvGrpSpPr>
+        <p:cNvPr id="1" name=""/>
+        <p:cNvGrpSpPr/>
+        <p:nvPr/>
+      </p:nvGrpSpPr>
+      <p:grpSpPr>
+        <a:xfrm>
+          <a:off x="0" y="0"/>
+          <a:ext cx="0" cy="0"/>
+          <a:chOff x="0" y="0"/>
+          <a:chExt cx="0" cy="0"/>
+        </a:xfrm>
+      </p:grpSpPr>
+      <p:sp>
+        <p:nvSpPr>
+          <p:cNvPr id="2" name="Title 1"/>
+          <p:cNvSpPr>
+            <a:spLocks noGrp="1"/>
+          </p:cNvSpPr>
+          <p:nvPr>
+            <p:ph type="title"/>
+          </p:nvPr>
+        </p:nvSpPr>
+        <p:spPr/>
+        <p:txBody>
+          <a:bodyPr/>
+          <a:lstStyle/>
+          <a:p>
+            <a:pPr lvl="0" indent="0" marL="0">
+              <a:buNone/>
+            </a:pPr>
+            <a:r>
+              <a:rPr/>
+              <a:t>Exportation</a:t>
+            </a:r>
+          </a:p>
+        </p:txBody>
+      </p:sp>
+      <p:pic>
+        <p:nvPicPr>
+          <p:cNvPr descr="modele_presentation_files/figure-pptx/exp%20LN%20plot-1.png" id="0" name="Picture 1"/>
+          <p:cNvPicPr>
+            <a:picLocks noGrp="1" noChangeAspect="1"/>
+          </p:cNvPicPr>
+          <p:nvPr/>
+        </p:nvPicPr>
+        <p:blipFill>
+          <a:blip r:embed="rId2"/>
+          <a:stretch>
+            <a:fillRect/>
+          </a:stretch>
+        </p:blipFill>
+        <p:spPr bwMode="auto">
+          <a:xfrm>
+            <a:off x="1181100" y="1193800"/>
+            <a:ext cx="6781800" cy="3390900"/>
+          </a:xfrm>
+          <a:prstGeom prst="rect">
+            <a:avLst/>
+          </a:prstGeom>
+          <a:noFill/>
+          <a:ln w="9525">
+            <a:noFill/>
+            <a:headEnd/>
+            <a:tailEnd/>
+          </a:ln>
+        </p:spPr>
+      </p:pic>
+    </p:spTree>
+  </p:cSld>
+</p:sld>
+</file>
+
+<file path=ppt/slides/slide18.xml><?xml version="1.0" encoding="utf-8"?>
+<p:sld xmlns:a="http://schemas.openxmlformats.org/drawingml/2006/main" xmlns:r="http://schemas.openxmlformats.org/officeDocument/2006/relationships" xmlns:p="http://schemas.openxmlformats.org/presentationml/2006/main">
+  <p:cSld>
+    <p:spTree>
+      <p:nvGrpSpPr>
+        <p:cNvPr id="1" name=""/>
+        <p:cNvGrpSpPr/>
+        <p:nvPr/>
+      </p:nvGrpSpPr>
+      <p:grpSpPr>
+        <a:xfrm>
+          <a:off x="0" y="0"/>
+          <a:ext cx="0" cy="0"/>
+          <a:chOff x="0" y="0"/>
+          <a:chExt cx="0" cy="0"/>
+        </a:xfrm>
+      </p:grpSpPr>
+      <p:sp>
+        <p:nvSpPr>
+          <p:cNvPr id="2" name="Title 1"/>
+          <p:cNvSpPr>
+            <a:spLocks noGrp="1"/>
+          </p:cNvSpPr>
+          <p:nvPr>
+            <p:ph type="title"/>
+          </p:nvPr>
+        </p:nvSpPr>
+        <p:spPr/>
+        <p:txBody>
+          <a:bodyPr/>
+          <a:lstStyle/>
+          <a:p>
+            <a:pPr lvl="0" indent="0" marL="0">
+              <a:buNone/>
+            </a:pPr>
+            <a:r>
+              <a:rPr/>
+              <a:t>PIB</a:t>
+            </a:r>
+          </a:p>
+        </p:txBody>
+      </p:sp>
+      <p:pic>
+        <p:nvPicPr>
+          <p:cNvPr descr="modele_presentation_files/figure-pptx/pib%20LN%20data%20plot-1.png" id="0" name="Picture 1"/>
+          <p:cNvPicPr>
+            <a:picLocks noGrp="1" noChangeAspect="1"/>
+          </p:cNvPicPr>
+          <p:nvPr/>
+        </p:nvPicPr>
+        <p:blipFill>
+          <a:blip r:embed="rId2"/>
+          <a:stretch>
+            <a:fillRect/>
+          </a:stretch>
+        </p:blipFill>
+        <p:spPr bwMode="auto">
+          <a:xfrm>
+            <a:off x="1181100" y="1193800"/>
+            <a:ext cx="6781800" cy="3390900"/>
+          </a:xfrm>
+          <a:prstGeom prst="rect">
+            <a:avLst/>
+          </a:prstGeom>
+          <a:noFill/>
+          <a:ln w="9525">
+            <a:noFill/>
+            <a:headEnd/>
+            <a:tailEnd/>
+          </a:ln>
+        </p:spPr>
+      </p:pic>
+    </p:spTree>
+  </p:cSld>
+</p:sld>
+</file>
+
+<file path=ppt/slides/slide19.xml><?xml version="1.0" encoding="utf-8"?>
+<p:sld xmlns:a="http://schemas.openxmlformats.org/drawingml/2006/main" xmlns:r="http://schemas.openxmlformats.org/officeDocument/2006/relationships" xmlns:p="http://schemas.openxmlformats.org/presentationml/2006/main">
+  <p:cSld>
+    <p:spTree>
+      <p:nvGrpSpPr>
+        <p:cNvPr id="1" name=""/>
+        <p:cNvGrpSpPr/>
+        <p:nvPr/>
+      </p:nvGrpSpPr>
+      <p:grpSpPr>
+        <a:xfrm>
+          <a:off x="0" y="0"/>
+          <a:ext cx="0" cy="0"/>
+          <a:chOff x="0" y="0"/>
+          <a:chExt cx="0" cy="0"/>
+        </a:xfrm>
+      </p:grpSpPr>
+      <p:sp>
+        <p:nvSpPr>
+          <p:cNvPr id="2" name="Title 1"/>
+          <p:cNvSpPr>
+            <a:spLocks noGrp="1"/>
+          </p:cNvSpPr>
+          <p:nvPr>
+            <p:ph type="title"/>
+          </p:nvPr>
+        </p:nvSpPr>
+        <p:spPr/>
+        <p:txBody>
+          <a:bodyPr/>
+          <a:lstStyle/>
+          <a:p>
+            <a:pPr lvl="0" indent="0" marL="0">
+              <a:buNone/>
+            </a:pPr>
+            <a:r>
+              <a:rPr/>
+              <a:t>PIB USA</a:t>
+            </a:r>
+          </a:p>
+        </p:txBody>
+      </p:sp>
+      <p:pic>
+        <p:nvPicPr>
+          <p:cNvPr descr="modele_presentation_files/figure-pptx/pib.usa%20LN%20plot-1.png" id="0" name="Picture 1"/>
+          <p:cNvPicPr>
+            <a:picLocks noGrp="1" noChangeAspect="1"/>
+          </p:cNvPicPr>
+          <p:nvPr/>
+        </p:nvPicPr>
+        <p:blipFill>
+          <a:blip r:embed="rId2"/>
+          <a:stretch>
+            <a:fillRect/>
+          </a:stretch>
+        </p:blipFill>
+        <p:spPr bwMode="auto">
+          <a:xfrm>
+            <a:off x="1181100" y="1193800"/>
+            <a:ext cx="6781800" cy="3390900"/>
+          </a:xfrm>
+          <a:prstGeom prst="rect">
+            <a:avLst/>
+          </a:prstGeom>
+          <a:noFill/>
+          <a:ln w="9525">
+            <a:noFill/>
+            <a:headEnd/>
+            <a:tailEnd/>
+          </a:ln>
+        </p:spPr>
+      </p:pic>
+    </p:spTree>
+  </p:cSld>
+</p:sld>
+</file>
+
 <file path=ppt/slides/slide2.xml><?xml version="1.0" encoding="utf-8"?>
 <p:sld xmlns:a="http://schemas.openxmlformats.org/drawingml/2006/main" xmlns:r="http://schemas.openxmlformats.org/officeDocument/2006/relationships" xmlns:p="http://schemas.openxmlformats.org/presentationml/2006/main">
   <p:cSld>
@@ -3212,6 +3972,1900 @@
           </a:p>
         </p:txBody>
       </p:sp>
+    </p:spTree>
+  </p:cSld>
+</p:sld>
+</file>
+
+<file path=ppt/slides/slide20.xml><?xml version="1.0" encoding="utf-8"?>
+<p:sld xmlns:a="http://schemas.openxmlformats.org/drawingml/2006/main" xmlns:r="http://schemas.openxmlformats.org/officeDocument/2006/relationships" xmlns:p="http://schemas.openxmlformats.org/presentationml/2006/main">
+  <p:cSld>
+    <p:spTree>
+      <p:nvGrpSpPr>
+        <p:cNvPr id="1" name=""/>
+        <p:cNvGrpSpPr/>
+        <p:nvPr/>
+      </p:nvGrpSpPr>
+      <p:grpSpPr>
+        <a:xfrm>
+          <a:off x="0" y="0"/>
+          <a:ext cx="0" cy="0"/>
+          <a:chOff x="0" y="0"/>
+          <a:chExt cx="0" cy="0"/>
+        </a:xfrm>
+      </p:grpSpPr>
+      <p:sp>
+        <p:nvSpPr>
+          <p:cNvPr id="2" name="Title 1"/>
+          <p:cNvSpPr>
+            <a:spLocks noGrp="1"/>
+          </p:cNvSpPr>
+          <p:nvPr>
+            <p:ph type="title"/>
+          </p:nvPr>
+        </p:nvSpPr>
+        <p:spPr/>
+        <p:txBody>
+          <a:bodyPr/>
+          <a:lstStyle/>
+          <a:p>
+            <a:pPr lvl="0" indent="0" marL="0">
+              <a:buNone/>
+            </a:pPr>
+            <a:r>
+              <a:rPr/>
+              <a:t>IPc</a:t>
+            </a:r>
+          </a:p>
+        </p:txBody>
+      </p:sp>
+      <p:pic>
+        <p:nvPicPr>
+          <p:cNvPr descr="modele_presentation_files/figure-pptx/ipc%20LN%20plot-1.png" id="0" name="Picture 1"/>
+          <p:cNvPicPr>
+            <a:picLocks noGrp="1" noChangeAspect="1"/>
+          </p:cNvPicPr>
+          <p:nvPr/>
+        </p:nvPicPr>
+        <p:blipFill>
+          <a:blip r:embed="rId2"/>
+          <a:stretch>
+            <a:fillRect/>
+          </a:stretch>
+        </p:blipFill>
+        <p:spPr bwMode="auto">
+          <a:xfrm>
+            <a:off x="1181100" y="1193800"/>
+            <a:ext cx="6781800" cy="3390900"/>
+          </a:xfrm>
+          <a:prstGeom prst="rect">
+            <a:avLst/>
+          </a:prstGeom>
+          <a:noFill/>
+          <a:ln w="9525">
+            <a:noFill/>
+            <a:headEnd/>
+            <a:tailEnd/>
+          </a:ln>
+        </p:spPr>
+      </p:pic>
+    </p:spTree>
+  </p:cSld>
+</p:sld>
+</file>
+
+<file path=ppt/slides/slide21.xml><?xml version="1.0" encoding="utf-8"?>
+<p:sld xmlns:a="http://schemas.openxmlformats.org/drawingml/2006/main" xmlns:r="http://schemas.openxmlformats.org/officeDocument/2006/relationships" xmlns:p="http://schemas.openxmlformats.org/presentationml/2006/main">
+  <p:cSld>
+    <p:spTree>
+      <p:nvGrpSpPr>
+        <p:cNvPr id="1" name=""/>
+        <p:cNvGrpSpPr/>
+        <p:nvPr/>
+      </p:nvGrpSpPr>
+      <p:grpSpPr>
+        <a:xfrm>
+          <a:off x="0" y="0"/>
+          <a:ext cx="0" cy="0"/>
+          <a:chOff x="0" y="0"/>
+          <a:chExt cx="0" cy="0"/>
+        </a:xfrm>
+      </p:grpSpPr>
+      <p:sp>
+        <p:nvSpPr>
+          <p:cNvPr id="2" name="Title 1"/>
+          <p:cNvSpPr>
+            <a:spLocks noGrp="1"/>
+          </p:cNvSpPr>
+          <p:nvPr>
+            <p:ph type="title"/>
+          </p:nvPr>
+        </p:nvSpPr>
+        <p:spPr>
+          <a:xfrm>
+            <a:off x="722313" y="3305176"/>
+            <a:ext cx="7772400" cy="1021556"/>
+          </a:xfrm>
+        </p:spPr>
+        <p:txBody>
+          <a:bodyPr/>
+          <a:lstStyle/>
+          <a:p>
+            <a:pPr lvl="0" indent="0" marL="0">
+              <a:buNone/>
+            </a:pPr>
+            <a:r>
+              <a:rPr/>
+              <a:t>Choix de la Transformation en Log des series</a:t>
+            </a:r>
+          </a:p>
+        </p:txBody>
+      </p:sp>
+    </p:spTree>
+  </p:cSld>
+</p:sld>
+</file>
+
+<file path=ppt/slides/slide22.xml><?xml version="1.0" encoding="utf-8"?>
+<p:sld xmlns:a="http://schemas.openxmlformats.org/drawingml/2006/main" xmlns:r="http://schemas.openxmlformats.org/officeDocument/2006/relationships" xmlns:p="http://schemas.openxmlformats.org/presentationml/2006/main">
+  <p:cSld>
+    <p:spTree>
+      <p:nvGrpSpPr>
+        <p:cNvPr id="1" name=""/>
+        <p:cNvGrpSpPr/>
+        <p:nvPr/>
+      </p:nvGrpSpPr>
+      <p:grpSpPr>
+        <a:xfrm>
+          <a:off x="0" y="0"/>
+          <a:ext cx="0" cy="0"/>
+          <a:chOff x="0" y="0"/>
+          <a:chExt cx="0" cy="0"/>
+        </a:xfrm>
+      </p:grpSpPr>
+      <p:sp>
+        <p:nvSpPr>
+          <p:cNvPr id="2" name="Title 1"/>
+          <p:cNvSpPr>
+            <a:spLocks noGrp="1"/>
+          </p:cNvSpPr>
+          <p:nvPr>
+            <p:ph type="title"/>
+          </p:nvPr>
+        </p:nvSpPr>
+        <p:spPr/>
+        <p:txBody>
+          <a:bodyPr/>
+          <a:lstStyle/>
+          <a:p>
+            <a:pPr lvl="0" indent="0" marL="0">
+              <a:buNone/>
+            </a:pPr>
+            <a:r>
+              <a:rPr/>
+              <a:t>Litterature des series en Log</a:t>
+            </a:r>
+          </a:p>
+        </p:txBody>
+      </p:sp>
+      <p:sp>
+        <p:nvSpPr>
+          <p:cNvPr id="3" name="Content Placeholder 2"/>
+          <p:cNvSpPr>
+            <a:spLocks noGrp="1"/>
+          </p:cNvSpPr>
+          <p:nvPr>
+            <p:ph idx="1"/>
+          </p:nvPr>
+        </p:nvSpPr>
+        <p:spPr/>
+        <p:txBody>
+          <a:bodyPr/>
+          <a:lstStyle/>
+          <a:p>
+            <a:pPr lvl="0" indent="0" marL="0">
+              <a:buNone/>
+            </a:pPr>
+            <a:r>
+              <a:rPr/>
+              <a:t>Dans la littérature économétrique sur les séries temporelles, la transformation en logarithme naturel (LN) est souvent utilisée pour plusieurs raisons principales :</a:t>
+            </a:r>
+          </a:p>
+          <a:p>
+            <a:pPr lvl="0" indent="-342900" marL="342900">
+              <a:buAutoNum type="arabicPeriod"/>
+            </a:pPr>
+            <a:r>
+              <a:rPr b="1"/>
+              <a:t>Stabilisation de la variance</a:t>
+            </a:r>
+            <a:r>
+              <a:rPr/>
+              <a:t> : Les séries temporelles peuvent souvent présenter des variations importantes dans leur variance au fil du temps, ce qui peut rendre difficile l’application de techniques statistiques classiques. En prenant le logarithme des valeurs, on réduit généralement l’amplitude des variations de la série, ce qui peut rendre la variance plus stable et faciliter l’analyse.</a:t>
+            </a:r>
+          </a:p>
+          <a:p>
+            <a:pPr lvl="0" indent="-342900" marL="342900">
+              <a:buAutoNum startAt="2" type="arabicPeriod"/>
+            </a:pPr>
+            <a:r>
+              <a:rPr b="1"/>
+              <a:t>Linéarisation des tendances multiplicatives</a:t>
+            </a:r>
+            <a:r>
+              <a:rPr/>
+              <a:t> : Si une série temporelle présente une tendance qui augmente ou diminue de manière exponentielle, prendre le logarithme peut linéariser cette tendance, ce qui permet d’appliquer des modèles linéaires plus simples et plus interprétables. Par exemple, si une série a une croissance exponentielle, la transformation en logarithme peut la transformer en une croissance linéaire.</a:t>
+            </a:r>
+          </a:p>
+          <a:p>
+            <a:pPr lvl="0" indent="-342900" marL="342900">
+              <a:buAutoNum startAt="3" type="arabicPeriod"/>
+            </a:pPr>
+            <a:r>
+              <a:rPr b="1"/>
+              <a:t>Interprétation des variations relatives</a:t>
+            </a:r>
+            <a:r>
+              <a:rPr/>
+              <a:t> : En prenant le logarithme des valeurs, les variations absolues dans les séries temporelles sont transformées en variations relatives, ce qui peut être plus pertinent dans certains contextes économiques. Par exemple, une variation de 0,1 sur une série avec une valeur initiale de 1 aura un effet différent de la même variation sur une série avec une valeur initiale de 100. Les transformations en logarithme permettent de rendre ces variations comparables et plus facilement interprétables.</a:t>
+            </a:r>
+          </a:p>
+          <a:p>
+            <a:pPr lvl="0" indent="-342900" marL="342900">
+              <a:buAutoNum startAt="4" type="arabicPeriod"/>
+            </a:pPr>
+            <a:r>
+              <a:rPr b="1"/>
+              <a:t>Normalisation des distributions</a:t>
+            </a:r>
+            <a:r>
+              <a:rPr/>
+              <a:t> : Dans certains cas, les données peuvent être fortement asymétriques ou présenter des distributions non normales. La transformation en logarithme peut aider à se rapprocher d’une distribution normale, ce qui peut être utile pour l’application de certaines techniques statistiques qui supposent une distribution normale des données.</a:t>
+            </a:r>
+          </a:p>
+          <a:p>
+            <a:pPr lvl="0" indent="0" marL="0">
+              <a:buNone/>
+            </a:pPr>
+            <a:r>
+              <a:rPr/>
+              <a:t>En résumé, les transformations en logarithme sont largement utilisées dans l’analyse des séries temporelles pour stabiliser la variance, linéariser les tendances, faciliter l’interprétation des variations relatives et normaliser les distributions, ce qui rend l’analyse et la modélisation des données plus robustes et interprétables.</a:t>
+            </a:r>
+          </a:p>
+        </p:txBody>
+      </p:sp>
+    </p:spTree>
+  </p:cSld>
+  <p:timing>
+    <p:tnLst>
+      <p:par>
+        <p:cTn id="1" dur="indefinite" restart="never" nodeType="tmRoot">
+          <p:childTnLst>
+            <p:seq concurrent="1" nextAc="seek">
+              <p:cTn id="2" dur="indefinite" nodeType="mainSeq">
+                <p:childTnLst>
+                  <p:par>
+                    <p:cTn id="3" fill="hold">
+                      <p:stCondLst>
+                        <p:cond delay="indefinite"/>
+                      </p:stCondLst>
+                      <p:childTnLst>
+                        <p:par>
+                          <p:cTn id="4" fill="hold">
+                            <p:stCondLst>
+                              <p:cond delay="0"/>
+                            </p:stCondLst>
+                            <p:childTnLst>
+                              <p:par>
+                                <p:cTn id="5" presetID="1" presetClass="entr" presetSubtype="0" fill="hold" grpId="0" nodeType="clickEffect">
+                                  <p:stCondLst>
+                                    <p:cond delay="0"/>
+                                  </p:stCondLst>
+                                  <p:childTnLst>
+                                    <p:set>
+                                      <p:cBhvr>
+                                        <p:cTn id="6" dur="1" fill="hold">
+                                          <p:stCondLst>
+                                            <p:cond delay="0"/>
+                                          </p:stCondLst>
+                                        </p:cTn>
+                                        <p:tgtEl>
+                                          <p:spTgt spid="3">
+                                            <p:txEl>
+                                              <p:pRg st="1" end="1"/>
+                                            </p:txEl>
+                                          </p:spTgt>
+                                        </p:tgtEl>
+                                        <p:attrNameLst>
+                                          <p:attrName>style.visibility</p:attrName>
+                                        </p:attrNameLst>
+                                      </p:cBhvr>
+                                      <p:to>
+                                        <p:strVal val="visible"/>
+                                      </p:to>
+                                    </p:set>
+                                  </p:childTnLst>
+                                </p:cTn>
+                              </p:par>
+                            </p:childTnLst>
+                          </p:cTn>
+                        </p:par>
+                      </p:childTnLst>
+                    </p:cTn>
+                  </p:par>
+                  <p:par>
+                    <p:cTn id="7" fill="hold">
+                      <p:stCondLst>
+                        <p:cond delay="indefinite"/>
+                      </p:stCondLst>
+                      <p:childTnLst>
+                        <p:par>
+                          <p:cTn id="8" fill="hold">
+                            <p:stCondLst>
+                              <p:cond delay="0"/>
+                            </p:stCondLst>
+                            <p:childTnLst>
+                              <p:par>
+                                <p:cTn id="9" presetID="1" presetClass="entr" presetSubtype="0" fill="hold" grpId="0" nodeType="clickEffect">
+                                  <p:stCondLst>
+                                    <p:cond delay="0"/>
+                                  </p:stCondLst>
+                                  <p:childTnLst>
+                                    <p:set>
+                                      <p:cBhvr>
+                                        <p:cTn id="10" dur="1" fill="hold">
+                                          <p:stCondLst>
+                                            <p:cond delay="0"/>
+                                          </p:stCondLst>
+                                        </p:cTn>
+                                        <p:tgtEl>
+                                          <p:spTgt spid="3">
+                                            <p:txEl>
+                                              <p:pRg st="2" end="2"/>
+                                            </p:txEl>
+                                          </p:spTgt>
+                                        </p:tgtEl>
+                                        <p:attrNameLst>
+                                          <p:attrName>style.visibility</p:attrName>
+                                        </p:attrNameLst>
+                                      </p:cBhvr>
+                                      <p:to>
+                                        <p:strVal val="visible"/>
+                                      </p:to>
+                                    </p:set>
+                                  </p:childTnLst>
+                                </p:cTn>
+                              </p:par>
+                            </p:childTnLst>
+                          </p:cTn>
+                        </p:par>
+                      </p:childTnLst>
+                    </p:cTn>
+                  </p:par>
+                  <p:par>
+                    <p:cTn id="11" fill="hold">
+                      <p:stCondLst>
+                        <p:cond delay="indefinite"/>
+                      </p:stCondLst>
+                      <p:childTnLst>
+                        <p:par>
+                          <p:cTn id="12" fill="hold">
+                            <p:stCondLst>
+                              <p:cond delay="0"/>
+                            </p:stCondLst>
+                            <p:childTnLst>
+                              <p:par>
+                                <p:cTn id="13" presetID="1" presetClass="entr" presetSubtype="0" fill="hold" grpId="0" nodeType="clickEffect">
+                                  <p:stCondLst>
+                                    <p:cond delay="0"/>
+                                  </p:stCondLst>
+                                  <p:childTnLst>
+                                    <p:set>
+                                      <p:cBhvr>
+                                        <p:cTn id="14" dur="1" fill="hold">
+                                          <p:stCondLst>
+                                            <p:cond delay="0"/>
+                                          </p:stCondLst>
+                                        </p:cTn>
+                                        <p:tgtEl>
+                                          <p:spTgt spid="3">
+                                            <p:txEl>
+                                              <p:pRg st="3" end="3"/>
+                                            </p:txEl>
+                                          </p:spTgt>
+                                        </p:tgtEl>
+                                        <p:attrNameLst>
+                                          <p:attrName>style.visibility</p:attrName>
+                                        </p:attrNameLst>
+                                      </p:cBhvr>
+                                      <p:to>
+                                        <p:strVal val="visible"/>
+                                      </p:to>
+                                    </p:set>
+                                  </p:childTnLst>
+                                </p:cTn>
+                              </p:par>
+                            </p:childTnLst>
+                          </p:cTn>
+                        </p:par>
+                      </p:childTnLst>
+                    </p:cTn>
+                  </p:par>
+                  <p:par>
+                    <p:cTn id="15" fill="hold">
+                      <p:stCondLst>
+                        <p:cond delay="indefinite"/>
+                      </p:stCondLst>
+                      <p:childTnLst>
+                        <p:par>
+                          <p:cTn id="16" fill="hold">
+                            <p:stCondLst>
+                              <p:cond delay="0"/>
+                            </p:stCondLst>
+                            <p:childTnLst>
+                              <p:par>
+                                <p:cTn id="17" presetID="1" presetClass="entr" presetSubtype="0" fill="hold" grpId="0" nodeType="clickEffect">
+                                  <p:stCondLst>
+                                    <p:cond delay="0"/>
+                                  </p:stCondLst>
+                                  <p:childTnLst>
+                                    <p:set>
+                                      <p:cBhvr>
+                                        <p:cTn id="18" dur="1" fill="hold">
+                                          <p:stCondLst>
+                                            <p:cond delay="0"/>
+                                          </p:stCondLst>
+                                        </p:cTn>
+                                        <p:tgtEl>
+                                          <p:spTgt spid="3">
+                                            <p:txEl>
+                                              <p:pRg st="4" end="4"/>
+                                            </p:txEl>
+                                          </p:spTgt>
+                                        </p:tgtEl>
+                                        <p:attrNameLst>
+                                          <p:attrName>style.visibility</p:attrName>
+                                        </p:attrNameLst>
+                                      </p:cBhvr>
+                                      <p:to>
+                                        <p:strVal val="visible"/>
+                                      </p:to>
+                                    </p:set>
+                                  </p:childTnLst>
+                                </p:cTn>
+                              </p:par>
+                            </p:childTnLst>
+                          </p:cTn>
+                        </p:par>
+                      </p:childTnLst>
+                    </p:cTn>
+                  </p:par>
+                </p:childTnLst>
+              </p:cTn>
+              <p:prevCondLst>
+                <p:cond evt="onPrev" delay="0">
+                  <p:tgtEl>
+                    <p:sldTgt/>
+                  </p:tgtEl>
+                </p:cond>
+              </p:prevCondLst>
+              <p:nextCondLst>
+                <p:cond evt="onNext" delay="0">
+                  <p:tgtEl>
+                    <p:sldTgt/>
+                  </p:tgtEl>
+                </p:cond>
+              </p:nextCondLst>
+            </p:seq>
+          </p:childTnLst>
+        </p:cTn>
+      </p:par>
+    </p:tnLst>
+    <p:bldLst>
+      <p:bldP spid="3" grpId="0" uiExpand="1" build="p"/>
+    </p:bldLst>
+  </p:timing>
+</p:sld>
+</file>
+
+<file path=ppt/slides/slide23.xml><?xml version="1.0" encoding="utf-8"?>
+<p:sld xmlns:a="http://schemas.openxmlformats.org/drawingml/2006/main" xmlns:r="http://schemas.openxmlformats.org/officeDocument/2006/relationships" xmlns:p="http://schemas.openxmlformats.org/presentationml/2006/main">
+  <p:cSld>
+    <p:spTree>
+      <p:nvGrpSpPr>
+        <p:cNvPr id="1" name=""/>
+        <p:cNvGrpSpPr/>
+        <p:nvPr/>
+      </p:nvGrpSpPr>
+      <p:grpSpPr>
+        <a:xfrm>
+          <a:off x="0" y="0"/>
+          <a:ext cx="0" cy="0"/>
+          <a:chOff x="0" y="0"/>
+          <a:chExt cx="0" cy="0"/>
+        </a:xfrm>
+      </p:grpSpPr>
+      <p:sp>
+        <p:nvSpPr>
+          <p:cNvPr id="2" name="Title 1"/>
+          <p:cNvSpPr>
+            <a:spLocks noGrp="1"/>
+          </p:cNvSpPr>
+          <p:nvPr>
+            <p:ph type="title"/>
+          </p:nvPr>
+        </p:nvSpPr>
+        <p:spPr>
+          <a:xfrm>
+            <a:off x="722313" y="3305176"/>
+            <a:ext cx="7772400" cy="1021556"/>
+          </a:xfrm>
+        </p:spPr>
+        <p:txBody>
+          <a:bodyPr/>
+          <a:lstStyle/>
+          <a:p>
+            <a:pPr lvl="0" indent="0" marL="0">
+              <a:buNone/>
+            </a:pPr>
+            <a:r>
+              <a:rPr/>
+              <a:t>Analyse Descriptive des Series en transformation LN</a:t>
+            </a:r>
+          </a:p>
+        </p:txBody>
+      </p:sp>
+    </p:spTree>
+  </p:cSld>
+</p:sld>
+</file>
+
+<file path=ppt/slides/slide24.xml><?xml version="1.0" encoding="utf-8"?>
+<p:sld xmlns:a="http://schemas.openxmlformats.org/drawingml/2006/main" xmlns:r="http://schemas.openxmlformats.org/officeDocument/2006/relationships" xmlns:p="http://schemas.openxmlformats.org/presentationml/2006/main">
+  <p:cSld>
+    <p:spTree>
+      <p:nvGrpSpPr>
+        <p:cNvPr id="1" name=""/>
+        <p:cNvGrpSpPr/>
+        <p:nvPr/>
+      </p:nvGrpSpPr>
+      <p:grpSpPr>
+        <a:xfrm>
+          <a:off x="0" y="0"/>
+          <a:ext cx="0" cy="0"/>
+          <a:chOff x="0" y="0"/>
+          <a:chExt cx="0" cy="0"/>
+        </a:xfrm>
+      </p:grpSpPr>
+      <p:sp>
+        <p:nvSpPr>
+          <p:cNvPr id="2" name="Title 1"/>
+          <p:cNvSpPr>
+            <a:spLocks noGrp="1"/>
+          </p:cNvSpPr>
+          <p:nvPr>
+            <p:ph type="title"/>
+          </p:nvPr>
+        </p:nvSpPr>
+        <p:spPr/>
+        <p:txBody>
+          <a:bodyPr/>
+          <a:lstStyle/>
+          <a:p>
+            <a:pPr lvl="0" indent="0" marL="0">
+              <a:buNone/>
+            </a:pPr>
+            <a:r>
+              <a:rPr/>
+              <a:t>Indicateurs statistiques des variables utilisees dans la modelisation econometrique</a:t>
+            </a:r>
+          </a:p>
+        </p:txBody>
+      </p:sp>
+      <p:graphicFrame>
+        <p:nvGraphicFramePr>
+          <p:cNvPr id="6" name="Content Placeholder 5"/>
+          <p:cNvGraphicFramePr>
+            <a:graphicFrameLocks noGrp="1"/>
+          </p:cNvGraphicFramePr>
+          <p:nvPr>
+            <p:ph idx="1"/>
+          </p:nvPr>
+        </p:nvGraphicFramePr>
+        <p:xfrm>
+          <a:off x="457200" y="1193800"/>
+          <a:ext cx="8229600" cy="3390900"/>
+        </p:xfrm>
+        <a:graphic>
+          <a:graphicData uri="http://schemas.openxmlformats.org/drawingml/2006/table">
+            <a:tbl>
+              <a:tblPr firstRow="1" bandRow="1">
+                <a:tableStyleId>{5C22544A-7EE6-4342-B048-85BDC9FD1C3A}</a:tableStyleId>
+              </a:tblPr>
+              <a:tblGrid>
+                <a:gridCol w="812800"/>
+                <a:gridCol w="812800"/>
+                <a:gridCol w="812800"/>
+                <a:gridCol w="812800"/>
+                <a:gridCol w="812800"/>
+                <a:gridCol w="812800"/>
+                <a:gridCol w="812800"/>
+                <a:gridCol w="812800"/>
+                <a:gridCol w="812800"/>
+                <a:gridCol w="812800"/>
+              </a:tblGrid>
+              <a:tr h="0">
+                <a:tc>
+                  <a:txBody>
+                    <a:bodyPr/>
+                    <a:lstStyle/>
+                    <a:p>
+                      <a:endParaRPr/>
+                    </a:p>
+                  </a:txBody>
+                  <a:tcPr/>
+                </a:tc>
+                <a:tc>
+                  <a:txBody>
+                    <a:bodyPr/>
+                    <a:lstStyle/>
+                    <a:p>
+                      <a:pPr lvl="0" indent="0" marL="0">
+                        <a:buNone/>
+                      </a:pPr>
+                      <a:r>
+                        <a:rPr/>
+                        <a:t>mean</a:t>
+                      </a:r>
+                    </a:p>
+                  </a:txBody>
+                  <a:tcPr/>
+                </a:tc>
+                <a:tc>
+                  <a:txBody>
+                    <a:bodyPr/>
+                    <a:lstStyle/>
+                    <a:p>
+                      <a:pPr lvl="0" indent="0" marL="0">
+                        <a:buNone/>
+                      </a:pPr>
+                      <a:r>
+                        <a:rPr/>
+                        <a:t>std. dev.</a:t>
+                      </a:r>
+                    </a:p>
+                  </a:txBody>
+                  <a:tcPr/>
+                </a:tc>
+                <a:tc>
+                  <a:txBody>
+                    <a:bodyPr/>
+                    <a:lstStyle/>
+                    <a:p>
+                      <a:pPr lvl="0" indent="0" marL="0">
+                        <a:buNone/>
+                      </a:pPr>
+                      <a:r>
+                        <a:rPr/>
+                        <a:t>median</a:t>
+                      </a:r>
+                    </a:p>
+                  </a:txBody>
+                  <a:tcPr/>
+                </a:tc>
+                <a:tc>
+                  <a:txBody>
+                    <a:bodyPr/>
+                    <a:lstStyle/>
+                    <a:p>
+                      <a:pPr lvl="0" indent="0" marL="0">
+                        <a:buNone/>
+                      </a:pPr>
+                      <a:r>
+                        <a:rPr/>
+                        <a:t>min</a:t>
+                      </a:r>
+                    </a:p>
+                  </a:txBody>
+                  <a:tcPr/>
+                </a:tc>
+                <a:tc>
+                  <a:txBody>
+                    <a:bodyPr/>
+                    <a:lstStyle/>
+                    <a:p>
+                      <a:pPr lvl="0" indent="0" marL="0">
+                        <a:buNone/>
+                      </a:pPr>
+                      <a:r>
+                        <a:rPr/>
+                        <a:t>max</a:t>
+                      </a:r>
+                    </a:p>
+                  </a:txBody>
+                  <a:tcPr/>
+                </a:tc>
+                <a:tc>
+                  <a:txBody>
+                    <a:bodyPr/>
+                    <a:lstStyle/>
+                    <a:p>
+                      <a:pPr lvl="0" indent="0" marL="0">
+                        <a:buNone/>
+                      </a:pPr>
+                      <a:r>
+                        <a:rPr/>
+                        <a:t>skewness</a:t>
+                      </a:r>
+                    </a:p>
+                  </a:txBody>
+                  <a:tcPr/>
+                </a:tc>
+                <a:tc>
+                  <a:txBody>
+                    <a:bodyPr/>
+                    <a:lstStyle/>
+                    <a:p>
+                      <a:pPr lvl="0" indent="0" marL="0">
+                        <a:buNone/>
+                      </a:pPr>
+                      <a:r>
+                        <a:rPr/>
+                        <a:t>kurtosis</a:t>
+                      </a:r>
+                    </a:p>
+                  </a:txBody>
+                  <a:tcPr/>
+                </a:tc>
+                <a:tc>
+                  <a:txBody>
+                    <a:bodyPr/>
+                    <a:lstStyle/>
+                    <a:p>
+                      <a:pPr lvl="0" indent="0" marL="0">
+                        <a:buNone/>
+                      </a:pPr>
+                      <a:r>
+                        <a:rPr/>
+                        <a:t>Jarque.Bera</a:t>
+                      </a:r>
+                    </a:p>
+                  </a:txBody>
+                  <a:tcPr/>
+                </a:tc>
+                <a:tc>
+                  <a:txBody>
+                    <a:bodyPr/>
+                    <a:lstStyle/>
+                    <a:p>
+                      <a:pPr lvl="0" indent="0" marL="0">
+                        <a:buNone/>
+                      </a:pPr>
+                      <a:r>
+                        <a:rPr/>
+                        <a:t>Probability</a:t>
+                      </a:r>
+                    </a:p>
+                  </a:txBody>
+                  <a:tcPr/>
+                </a:tc>
+              </a:tr>
+              <a:tr h="0">
+                <a:tc>
+                  <a:txBody>
+                    <a:bodyPr/>
+                    <a:lstStyle/>
+                    <a:p>
+                      <a:pPr lvl="0" indent="0" marL="0">
+                        <a:buNone/>
+                      </a:pPr>
+                      <a:r>
+                        <a:rPr/>
+                        <a:t>Taux.Change</a:t>
+                      </a:r>
+                    </a:p>
+                  </a:txBody>
+                </a:tc>
+                <a:tc>
+                  <a:txBody>
+                    <a:bodyPr/>
+                    <a:lstStyle/>
+                    <a:p>
+                      <a:pPr lvl="0" indent="0" marL="0">
+                        <a:buNone/>
+                      </a:pPr>
+                      <a:r>
+                        <a:rPr/>
+                        <a:t>3.341322</a:t>
+                      </a:r>
+                    </a:p>
+                  </a:txBody>
+                </a:tc>
+                <a:tc>
+                  <a:txBody>
+                    <a:bodyPr/>
+                    <a:lstStyle/>
+                    <a:p>
+                      <a:pPr lvl="0" indent="0" marL="0">
+                        <a:buNone/>
+                      </a:pPr>
+                      <a:r>
+                        <a:rPr/>
+                        <a:t>0.8631124</a:t>
+                      </a:r>
+                    </a:p>
+                  </a:txBody>
+                </a:tc>
+                <a:tc>
+                  <a:txBody>
+                    <a:bodyPr/>
+                    <a:lstStyle/>
+                    <a:p>
+                      <a:pPr lvl="0" indent="0" marL="0">
+                        <a:buNone/>
+                      </a:pPr>
+                      <a:r>
+                        <a:rPr/>
+                        <a:t>3.666317</a:t>
+                      </a:r>
+                    </a:p>
+                  </a:txBody>
+                </a:tc>
+                <a:tc>
+                  <a:txBody>
+                    <a:bodyPr/>
+                    <a:lstStyle/>
+                    <a:p>
+                      <a:pPr lvl="0" indent="0" marL="0">
+                        <a:buNone/>
+                      </a:pPr>
+                      <a:r>
+                        <a:rPr/>
+                        <a:t>1.609438</a:t>
+                      </a:r>
+                    </a:p>
+                  </a:txBody>
+                </a:tc>
+                <a:tc>
+                  <a:txBody>
+                    <a:bodyPr/>
+                    <a:lstStyle/>
+                    <a:p>
+                      <a:pPr lvl="0" indent="0" marL="0">
+                        <a:buNone/>
+                      </a:pPr>
+                      <a:r>
+                        <a:rPr/>
+                        <a:t>4.750402</a:t>
+                      </a:r>
+                    </a:p>
+                  </a:txBody>
+                </a:tc>
+                <a:tc>
+                  <a:txBody>
+                    <a:bodyPr/>
+                    <a:lstStyle/>
+                    <a:p>
+                      <a:pPr lvl="0" indent="0" marL="0">
+                        <a:buNone/>
+                      </a:pPr>
+                      <a:r>
+                        <a:rPr/>
+                        <a:t>-0.53140728</a:t>
+                      </a:r>
+                    </a:p>
+                  </a:txBody>
+                </a:tc>
+                <a:tc>
+                  <a:txBody>
+                    <a:bodyPr/>
+                    <a:lstStyle/>
+                    <a:p>
+                      <a:pPr lvl="0" indent="0" marL="0">
+                        <a:buNone/>
+                      </a:pPr>
+                      <a:r>
+                        <a:rPr/>
+                        <a:t>-0.6167373</a:t>
+                      </a:r>
+                    </a:p>
+                  </a:txBody>
+                </a:tc>
+                <a:tc>
+                  <a:txBody>
+                    <a:bodyPr/>
+                    <a:lstStyle/>
+                    <a:p>
+                      <a:pPr lvl="0" indent="0" marL="0">
+                        <a:buNone/>
+                      </a:pPr>
+                      <a:r>
+                        <a:rPr/>
+                        <a:t>2.125285</a:t>
+                      </a:r>
+                    </a:p>
+                  </a:txBody>
+                </a:tc>
+                <a:tc>
+                  <a:txBody>
+                    <a:bodyPr/>
+                    <a:lstStyle/>
+                    <a:p>
+                      <a:pPr lvl="0" indent="0" marL="0">
+                        <a:buNone/>
+                      </a:pPr>
+                      <a:r>
+                        <a:rPr/>
+                        <a:t>0.3455416</a:t>
+                      </a:r>
+                    </a:p>
+                  </a:txBody>
+                </a:tc>
+              </a:tr>
+              <a:tr h="0">
+                <a:tc>
+                  <a:txBody>
+                    <a:bodyPr/>
+                    <a:lstStyle/>
+                    <a:p>
+                      <a:pPr lvl="0" indent="0" marL="0">
+                        <a:buNone/>
+                      </a:pPr>
+                      <a:r>
+                        <a:rPr/>
+                        <a:t>Importation</a:t>
+                      </a:r>
+                    </a:p>
+                  </a:txBody>
+                </a:tc>
+                <a:tc>
+                  <a:txBody>
+                    <a:bodyPr/>
+                    <a:lstStyle/>
+                    <a:p>
+                      <a:pPr lvl="0" indent="0" marL="0">
+                        <a:buNone/>
+                      </a:pPr>
+                      <a:r>
+                        <a:rPr/>
+                        <a:t>21.629906</a:t>
+                      </a:r>
+                    </a:p>
+                  </a:txBody>
+                </a:tc>
+                <a:tc>
+                  <a:txBody>
+                    <a:bodyPr/>
+                    <a:lstStyle/>
+                    <a:p>
+                      <a:pPr lvl="0" indent="0" marL="0">
+                        <a:buNone/>
+                      </a:pPr>
+                      <a:r>
+                        <a:rPr/>
+                        <a:t>0.7191157</a:t>
+                      </a:r>
+                    </a:p>
+                  </a:txBody>
+                </a:tc>
+                <a:tc>
+                  <a:txBody>
+                    <a:bodyPr/>
+                    <a:lstStyle/>
+                    <a:p>
+                      <a:pPr lvl="0" indent="0" marL="0">
+                        <a:buNone/>
+                      </a:pPr>
+                      <a:r>
+                        <a:rPr/>
+                        <a:t>21.710944</a:t>
+                      </a:r>
+                    </a:p>
+                  </a:txBody>
+                </a:tc>
+                <a:tc>
+                  <a:txBody>
+                    <a:bodyPr/>
+                    <a:lstStyle/>
+                    <a:p>
+                      <a:pPr lvl="0" indent="0" marL="0">
+                        <a:buNone/>
+                      </a:pPr>
+                      <a:r>
+                        <a:rPr/>
+                        <a:t>20.256302</a:t>
+                      </a:r>
+                    </a:p>
+                  </a:txBody>
+                </a:tc>
+                <a:tc>
+                  <a:txBody>
+                    <a:bodyPr/>
+                    <a:lstStyle/>
+                    <a:p>
+                      <a:pPr lvl="0" indent="0" marL="0">
+                        <a:buNone/>
+                      </a:pPr>
+                      <a:r>
+                        <a:rPr/>
+                        <a:t>22.563533</a:t>
+                      </a:r>
+                    </a:p>
+                  </a:txBody>
+                </a:tc>
+                <a:tc>
+                  <a:txBody>
+                    <a:bodyPr/>
+                    <a:lstStyle/>
+                    <a:p>
+                      <a:pPr lvl="0" indent="0" marL="0">
+                        <a:buNone/>
+                      </a:pPr>
+                      <a:r>
+                        <a:rPr/>
+                        <a:t>-0.62111600</a:t>
+                      </a:r>
+                    </a:p>
+                  </a:txBody>
+                </a:tc>
+                <a:tc>
+                  <a:txBody>
+                    <a:bodyPr/>
+                    <a:lstStyle/>
+                    <a:p>
+                      <a:pPr lvl="0" indent="0" marL="0">
+                        <a:buNone/>
+                      </a:pPr>
+                      <a:r>
+                        <a:rPr/>
+                        <a:t>-0.9216365</a:t>
+                      </a:r>
+                    </a:p>
+                  </a:txBody>
+                </a:tc>
+                <a:tc>
+                  <a:txBody>
+                    <a:bodyPr/>
+                    <a:lstStyle/>
+                    <a:p>
+                      <a:pPr lvl="0" indent="0" marL="0">
+                        <a:buNone/>
+                      </a:pPr>
+                      <a:r>
+                        <a:rPr/>
+                        <a:t>3.382576</a:t>
+                      </a:r>
+                    </a:p>
+                  </a:txBody>
+                </a:tc>
+                <a:tc>
+                  <a:txBody>
+                    <a:bodyPr/>
+                    <a:lstStyle/>
+                    <a:p>
+                      <a:pPr lvl="0" indent="0" marL="0">
+                        <a:buNone/>
+                      </a:pPr>
+                      <a:r>
+                        <a:rPr/>
+                        <a:t>0.1842820</a:t>
+                      </a:r>
+                    </a:p>
+                  </a:txBody>
+                </a:tc>
+              </a:tr>
+              <a:tr h="0">
+                <a:tc>
+                  <a:txBody>
+                    <a:bodyPr/>
+                    <a:lstStyle/>
+                    <a:p>
+                      <a:pPr lvl="0" indent="0" marL="0">
+                        <a:buNone/>
+                      </a:pPr>
+                      <a:r>
+                        <a:rPr/>
+                        <a:t>Exportation</a:t>
+                      </a:r>
+                    </a:p>
+                  </a:txBody>
+                </a:tc>
+                <a:tc>
+                  <a:txBody>
+                    <a:bodyPr/>
+                    <a:lstStyle/>
+                    <a:p>
+                      <a:pPr lvl="0" indent="0" marL="0">
+                        <a:buNone/>
+                      </a:pPr>
+                      <a:r>
+                        <a:rPr/>
+                        <a:t>20.395975</a:t>
+                      </a:r>
+                    </a:p>
+                  </a:txBody>
+                </a:tc>
+                <a:tc>
+                  <a:txBody>
+                    <a:bodyPr/>
+                    <a:lstStyle/>
+                    <a:p>
+                      <a:pPr lvl="0" indent="0" marL="0">
+                        <a:buNone/>
+                      </a:pPr>
+                      <a:r>
+                        <a:rPr/>
+                        <a:t>0.6262864</a:t>
+                      </a:r>
+                    </a:p>
+                  </a:txBody>
+                </a:tc>
+                <a:tc>
+                  <a:txBody>
+                    <a:bodyPr/>
+                    <a:lstStyle/>
+                    <a:p>
+                      <a:pPr lvl="0" indent="0" marL="0">
+                        <a:buNone/>
+                      </a:pPr>
+                      <a:r>
+                        <a:rPr/>
+                        <a:t>20.347602</a:t>
+                      </a:r>
+                    </a:p>
+                  </a:txBody>
+                </a:tc>
+                <a:tc>
+                  <a:txBody>
+                    <a:bodyPr/>
+                    <a:lstStyle/>
+                    <a:p>
+                      <a:pPr lvl="0" indent="0" marL="0">
+                        <a:buNone/>
+                      </a:pPr>
+                      <a:r>
+                        <a:rPr/>
+                        <a:t>19.341961</a:t>
+                      </a:r>
+                    </a:p>
+                  </a:txBody>
+                </a:tc>
+                <a:tc>
+                  <a:txBody>
+                    <a:bodyPr/>
+                    <a:lstStyle/>
+                    <a:p>
+                      <a:pPr lvl="0" indent="0" marL="0">
+                        <a:buNone/>
+                      </a:pPr>
+                      <a:r>
+                        <a:rPr/>
+                        <a:t>21.281433</a:t>
+                      </a:r>
+                    </a:p>
+                  </a:txBody>
+                </a:tc>
+                <a:tc>
+                  <a:txBody>
+                    <a:bodyPr/>
+                    <a:lstStyle/>
+                    <a:p>
+                      <a:pPr lvl="0" indent="0" marL="0">
+                        <a:buNone/>
+                      </a:pPr>
+                      <a:r>
+                        <a:rPr/>
+                        <a:t>0.04922427</a:t>
+                      </a:r>
+                    </a:p>
+                  </a:txBody>
+                </a:tc>
+                <a:tc>
+                  <a:txBody>
+                    <a:bodyPr/>
+                    <a:lstStyle/>
+                    <a:p>
+                      <a:pPr lvl="0" indent="0" marL="0">
+                        <a:buNone/>
+                      </a:pPr>
+                      <a:r>
+                        <a:rPr/>
+                        <a:t>-1.3199831</a:t>
+                      </a:r>
+                    </a:p>
+                  </a:txBody>
+                </a:tc>
+                <a:tc>
+                  <a:txBody>
+                    <a:bodyPr/>
+                    <a:lstStyle/>
+                    <a:p>
+                      <a:pPr lvl="0" indent="0" marL="0">
+                        <a:buNone/>
+                      </a:pPr>
+                      <a:r>
+                        <a:rPr/>
+                        <a:t>2.184953</a:t>
+                      </a:r>
+                    </a:p>
+                  </a:txBody>
+                </a:tc>
+                <a:tc>
+                  <a:txBody>
+                    <a:bodyPr/>
+                    <a:lstStyle/>
+                    <a:p>
+                      <a:pPr lvl="0" indent="0" marL="0">
+                        <a:buNone/>
+                      </a:pPr>
+                      <a:r>
+                        <a:rPr/>
+                        <a:t>0.3353848</a:t>
+                      </a:r>
+                    </a:p>
+                  </a:txBody>
+                </a:tc>
+              </a:tr>
+              <a:tr h="0">
+                <a:tc>
+                  <a:txBody>
+                    <a:bodyPr/>
+                    <a:lstStyle/>
+                    <a:p>
+                      <a:pPr lvl="0" indent="0" marL="0">
+                        <a:buNone/>
+                      </a:pPr>
+                      <a:r>
+                        <a:rPr/>
+                        <a:t>PIB</a:t>
+                      </a:r>
+                    </a:p>
+                  </a:txBody>
+                </a:tc>
+                <a:tc>
+                  <a:txBody>
+                    <a:bodyPr/>
+                    <a:lstStyle/>
+                    <a:p>
+                      <a:pPr lvl="0" indent="0" marL="0">
+                        <a:buNone/>
+                      </a:pPr>
+                      <a:r>
+                        <a:rPr/>
+                        <a:t>23.235995</a:t>
+                      </a:r>
+                    </a:p>
+                  </a:txBody>
+                </a:tc>
+                <a:tc>
+                  <a:txBody>
+                    <a:bodyPr/>
+                    <a:lstStyle/>
+                    <a:p>
+                      <a:pPr lvl="0" indent="0" marL="0">
+                        <a:buNone/>
+                      </a:pPr>
+                      <a:r>
+                        <a:rPr/>
+                        <a:t>0.1527612</a:t>
+                      </a:r>
+                    </a:p>
+                  </a:txBody>
+                </a:tc>
+                <a:tc>
+                  <a:txBody>
+                    <a:bodyPr/>
+                    <a:lstStyle/>
+                    <a:p>
+                      <a:pPr lvl="0" indent="0" marL="0">
+                        <a:buNone/>
+                      </a:pPr>
+                      <a:r>
+                        <a:rPr/>
+                        <a:t>23.192967</a:t>
+                      </a:r>
+                    </a:p>
+                  </a:txBody>
+                </a:tc>
+                <a:tc>
+                  <a:txBody>
+                    <a:bodyPr/>
+                    <a:lstStyle/>
+                    <a:p>
+                      <a:pPr lvl="0" indent="0" marL="0">
+                        <a:buNone/>
+                      </a:pPr>
+                      <a:r>
+                        <a:rPr/>
+                        <a:t>22.916099</a:t>
+                      </a:r>
+                    </a:p>
+                  </a:txBody>
+                </a:tc>
+                <a:tc>
+                  <a:txBody>
+                    <a:bodyPr/>
+                    <a:lstStyle/>
+                    <a:p>
+                      <a:pPr lvl="0" indent="0" marL="0">
+                        <a:buNone/>
+                      </a:pPr>
+                      <a:r>
+                        <a:rPr/>
+                        <a:t>23.480537</a:t>
+                      </a:r>
+                    </a:p>
+                  </a:txBody>
+                </a:tc>
+                <a:tc>
+                  <a:txBody>
+                    <a:bodyPr/>
+                    <a:lstStyle/>
+                    <a:p>
+                      <a:pPr lvl="0" indent="0" marL="0">
+                        <a:buNone/>
+                      </a:pPr>
+                      <a:r>
+                        <a:rPr/>
+                        <a:t>0.04339912</a:t>
+                      </a:r>
+                    </a:p>
+                  </a:txBody>
+                </a:tc>
+                <a:tc>
+                  <a:txBody>
+                    <a:bodyPr/>
+                    <a:lstStyle/>
+                    <a:p>
+                      <a:pPr lvl="0" indent="0" marL="0">
+                        <a:buNone/>
+                      </a:pPr>
+                      <a:r>
+                        <a:rPr/>
+                        <a:t>-1.2072964</a:t>
+                      </a:r>
+                    </a:p>
+                  </a:txBody>
+                </a:tc>
+                <a:tc>
+                  <a:txBody>
+                    <a:bodyPr/>
+                    <a:lstStyle/>
+                    <a:p>
+                      <a:pPr lvl="0" indent="0" marL="0">
+                        <a:buNone/>
+                      </a:pPr>
+                      <a:r>
+                        <a:rPr/>
+                        <a:t>1.777507</a:t>
+                      </a:r>
+                    </a:p>
+                  </a:txBody>
+                </a:tc>
+                <a:tc>
+                  <a:txBody>
+                    <a:bodyPr/>
+                    <a:lstStyle/>
+                    <a:p>
+                      <a:pPr lvl="0" indent="0" marL="0">
+                        <a:buNone/>
+                      </a:pPr>
+                      <a:r>
+                        <a:rPr/>
+                        <a:t>0.4111679</a:t>
+                      </a:r>
+                    </a:p>
+                  </a:txBody>
+                </a:tc>
+              </a:tr>
+              <a:tr h="0">
+                <a:tc>
+                  <a:txBody>
+                    <a:bodyPr/>
+                    <a:lstStyle/>
+                    <a:p>
+                      <a:pPr lvl="0" indent="0" marL="0">
+                        <a:buNone/>
+                      </a:pPr>
+                      <a:r>
+                        <a:rPr/>
+                        <a:t>PIB.USA</a:t>
+                      </a:r>
+                    </a:p>
+                  </a:txBody>
+                </a:tc>
+                <a:tc>
+                  <a:txBody>
+                    <a:bodyPr/>
+                    <a:lstStyle/>
+                    <a:p>
+                      <a:pPr lvl="0" indent="0" marL="0">
+                        <a:buNone/>
+                      </a:pPr>
+                      <a:r>
+                        <a:rPr/>
+                        <a:t>30.306983</a:t>
+                      </a:r>
+                    </a:p>
+                  </a:txBody>
+                </a:tc>
+                <a:tc>
+                  <a:txBody>
+                    <a:bodyPr/>
+                    <a:lstStyle/>
+                    <a:p>
+                      <a:pPr lvl="0" indent="0" marL="0">
+                        <a:buNone/>
+                      </a:pPr>
+                      <a:r>
+                        <a:rPr/>
+                        <a:t>0.2472806</a:t>
+                      </a:r>
+                    </a:p>
+                  </a:txBody>
+                </a:tc>
+                <a:tc>
+                  <a:txBody>
+                    <a:bodyPr/>
+                    <a:lstStyle/>
+                    <a:p>
+                      <a:pPr lvl="0" indent="0" marL="0">
+                        <a:buNone/>
+                      </a:pPr>
+                      <a:r>
+                        <a:rPr/>
+                        <a:t>30.378308</a:t>
+                      </a:r>
+                    </a:p>
+                  </a:txBody>
+                </a:tc>
+                <a:tc>
+                  <a:txBody>
+                    <a:bodyPr/>
+                    <a:lstStyle/>
+                    <a:p>
+                      <a:pPr lvl="0" indent="0" marL="0">
+                        <a:buNone/>
+                      </a:pPr>
+                      <a:r>
+                        <a:rPr/>
+                        <a:t>29.859779</a:t>
+                      </a:r>
+                    </a:p>
+                  </a:txBody>
+                </a:tc>
+                <a:tc>
+                  <a:txBody>
+                    <a:bodyPr/>
+                    <a:lstStyle/>
+                    <a:p>
+                      <a:pPr lvl="0" indent="0" marL="0">
+                        <a:buNone/>
+                      </a:pPr>
+                      <a:r>
+                        <a:rPr/>
+                        <a:t>30.673288</a:t>
+                      </a:r>
+                    </a:p>
+                  </a:txBody>
+                </a:tc>
+                <a:tc>
+                  <a:txBody>
+                    <a:bodyPr/>
+                    <a:lstStyle/>
+                    <a:p>
+                      <a:pPr lvl="0" indent="0" marL="0">
+                        <a:buNone/>
+                      </a:pPr>
+                      <a:r>
+                        <a:rPr/>
+                        <a:t>-0.35201080</a:t>
+                      </a:r>
+                    </a:p>
+                  </a:txBody>
+                </a:tc>
+                <a:tc>
+                  <a:txBody>
+                    <a:bodyPr/>
+                    <a:lstStyle/>
+                    <a:p>
+                      <a:pPr lvl="0" indent="0" marL="0">
+                        <a:buNone/>
+                      </a:pPr>
+                      <a:r>
+                        <a:rPr/>
+                        <a:t>-1.2152068</a:t>
+                      </a:r>
+                    </a:p>
+                  </a:txBody>
+                </a:tc>
+                <a:tc>
+                  <a:txBody>
+                    <a:bodyPr/>
+                    <a:lstStyle/>
+                    <a:p>
+                      <a:pPr lvl="0" indent="0" marL="0">
+                        <a:buNone/>
+                      </a:pPr>
+                      <a:r>
+                        <a:rPr/>
+                        <a:t>2.581015</a:t>
+                      </a:r>
+                    </a:p>
+                  </a:txBody>
+                </a:tc>
+                <a:tc>
+                  <a:txBody>
+                    <a:bodyPr/>
+                    <a:lstStyle/>
+                    <a:p>
+                      <a:pPr lvl="0" indent="0" marL="0">
+                        <a:buNone/>
+                      </a:pPr>
+                      <a:r>
+                        <a:rPr/>
+                        <a:t>0.2751311</a:t>
+                      </a:r>
+                    </a:p>
+                  </a:txBody>
+                </a:tc>
+              </a:tr>
+              <a:tr h="0">
+                <a:tc>
+                  <a:txBody>
+                    <a:bodyPr/>
+                    <a:lstStyle/>
+                    <a:p>
+                      <a:pPr lvl="0" indent="0" marL="0">
+                        <a:buNone/>
+                      </a:pPr>
+                      <a:r>
+                        <a:rPr/>
+                        <a:t>IPC</a:t>
+                      </a:r>
+                    </a:p>
+                  </a:txBody>
+                </a:tc>
+                <a:tc>
+                  <a:txBody>
+                    <a:bodyPr/>
+                    <a:lstStyle/>
+                    <a:p>
+                      <a:pPr lvl="0" indent="0" marL="0">
+                        <a:buNone/>
+                      </a:pPr>
+                      <a:r>
+                        <a:rPr/>
+                        <a:t>3.919720</a:t>
+                      </a:r>
+                    </a:p>
+                  </a:txBody>
+                </a:tc>
+                <a:tc>
+                  <a:txBody>
+                    <a:bodyPr/>
+                    <a:lstStyle/>
+                    <a:p>
+                      <a:pPr lvl="0" indent="0" marL="0">
+                        <a:buNone/>
+                      </a:pPr>
+                      <a:r>
+                        <a:rPr/>
+                        <a:t>1.2368675</a:t>
+                      </a:r>
+                    </a:p>
+                  </a:txBody>
+                </a:tc>
+                <a:tc>
+                  <a:txBody>
+                    <a:bodyPr/>
+                    <a:lstStyle/>
+                    <a:p>
+                      <a:pPr lvl="0" indent="0" marL="0">
+                        <a:buNone/>
+                      </a:pPr>
+                      <a:r>
+                        <a:rPr/>
+                        <a:t>4.240909</a:t>
+                      </a:r>
+                    </a:p>
+                  </a:txBody>
+                </a:tc>
+                <a:tc>
+                  <a:txBody>
+                    <a:bodyPr/>
+                    <a:lstStyle/>
+                    <a:p>
+                      <a:pPr lvl="0" indent="0" marL="0">
+                        <a:buNone/>
+                      </a:pPr>
+                      <a:r>
+                        <a:rPr/>
+                        <a:t>1.513808</a:t>
+                      </a:r>
+                    </a:p>
+                  </a:txBody>
+                </a:tc>
+                <a:tc>
+                  <a:txBody>
+                    <a:bodyPr/>
+                    <a:lstStyle/>
+                    <a:p>
+                      <a:pPr lvl="0" indent="0" marL="0">
+                        <a:buNone/>
+                      </a:pPr>
+                      <a:r>
+                        <a:rPr/>
+                        <a:t>6.014026</a:t>
+                      </a:r>
+                    </a:p>
+                  </a:txBody>
+                </a:tc>
+                <a:tc>
+                  <a:txBody>
+                    <a:bodyPr/>
+                    <a:lstStyle/>
+                    <a:p>
+                      <a:pPr lvl="0" indent="0" marL="0">
+                        <a:buNone/>
+                      </a:pPr>
+                      <a:r>
+                        <a:rPr/>
+                        <a:t>-0.41242809</a:t>
+                      </a:r>
+                    </a:p>
+                  </a:txBody>
+                </a:tc>
+                <a:tc>
+                  <a:txBody>
+                    <a:bodyPr/>
+                    <a:lstStyle/>
+                    <a:p>
+                      <a:pPr lvl="0" indent="0" marL="0">
+                        <a:buNone/>
+                      </a:pPr>
+                      <a:r>
+                        <a:rPr/>
+                        <a:t>-0.8982359</a:t>
+                      </a:r>
+                    </a:p>
+                  </a:txBody>
+                </a:tc>
+                <a:tc>
+                  <a:txBody>
+                    <a:bodyPr/>
+                    <a:lstStyle/>
+                    <a:p>
+                      <a:pPr lvl="0" indent="0" marL="0">
+                        <a:buNone/>
+                      </a:pPr>
+                      <a:r>
+                        <a:rPr/>
+                        <a:t>1.953293</a:t>
+                      </a:r>
+                    </a:p>
+                  </a:txBody>
+                </a:tc>
+                <a:tc>
+                  <a:txBody>
+                    <a:bodyPr/>
+                    <a:lstStyle/>
+                    <a:p>
+                      <a:pPr lvl="0" indent="0" marL="0">
+                        <a:buNone/>
+                      </a:pPr>
+                      <a:r>
+                        <a:rPr/>
+                        <a:t>0.3765718</a:t>
+                      </a:r>
+                    </a:p>
+                  </a:txBody>
+                </a:tc>
+              </a:tr>
+              <a:tr h="0">
+                <a:tc>
+                  <a:txBody>
+                    <a:bodyPr/>
+                    <a:lstStyle/>
+                    <a:p>
+                      <a:pPr lvl="0" indent="0" marL="0">
+                        <a:buNone/>
+                      </a:pPr>
+                      <a:r>
+                        <a:rPr i="1"/>
+                        <a:t>Note: Observations= 35, p-value treshold=0.05</a:t>
+                      </a:r>
+                    </a:p>
+                  </a:txBody>
+                </a:tc>
+                <a:tc>
+                  <a:txBody>
+                    <a:bodyPr/>
+                    <a:lstStyle/>
+                    <a:p>
+                      <a:endParaRPr/>
+                    </a:p>
+                  </a:txBody>
+                </a:tc>
+                <a:tc>
+                  <a:txBody>
+                    <a:bodyPr/>
+                    <a:lstStyle/>
+                    <a:p>
+                      <a:endParaRPr/>
+                    </a:p>
+                  </a:txBody>
+                </a:tc>
+                <a:tc>
+                  <a:txBody>
+                    <a:bodyPr/>
+                    <a:lstStyle/>
+                    <a:p>
+                      <a:endParaRPr/>
+                    </a:p>
+                  </a:txBody>
+                </a:tc>
+                <a:tc>
+                  <a:txBody>
+                    <a:bodyPr/>
+                    <a:lstStyle/>
+                    <a:p>
+                      <a:endParaRPr/>
+                    </a:p>
+                  </a:txBody>
+                </a:tc>
+                <a:tc>
+                  <a:txBody>
+                    <a:bodyPr/>
+                    <a:lstStyle/>
+                    <a:p>
+                      <a:endParaRPr/>
+                    </a:p>
+                  </a:txBody>
+                </a:tc>
+                <a:tc>
+                  <a:txBody>
+                    <a:bodyPr/>
+                    <a:lstStyle/>
+                    <a:p>
+                      <a:endParaRPr/>
+                    </a:p>
+                  </a:txBody>
+                </a:tc>
+                <a:tc>
+                  <a:txBody>
+                    <a:bodyPr/>
+                    <a:lstStyle/>
+                    <a:p>
+                      <a:endParaRPr/>
+                    </a:p>
+                  </a:txBody>
+                </a:tc>
+                <a:tc>
+                  <a:txBody>
+                    <a:bodyPr/>
+                    <a:lstStyle/>
+                    <a:p>
+                      <a:endParaRPr/>
+                    </a:p>
+                  </a:txBody>
+                </a:tc>
+                <a:tc>
+                  <a:txBody>
+                    <a:bodyPr/>
+                    <a:lstStyle/>
+                    <a:p>
+                      <a:endParaRPr/>
+                    </a:p>
+                  </a:txBody>
+                </a:tc>
+              </a:tr>
+              <a:tr h="0">
+                <a:tc>
+                  <a:txBody>
+                    <a:bodyPr/>
+                    <a:lstStyle/>
+                    <a:p>
+                      <a:pPr lvl="0" indent="0" marL="0">
+                        <a:buNone/>
+                      </a:pPr>
+                      <a:r>
+                        <a:rPr b="1"/>
+                        <a:t>Source:</a:t>
+                      </a:r>
+                      <a:r>
+                        <a:rPr/>
+                        <a:t> Indicateurs calcules par l’auteur avec R</a:t>
+                      </a:r>
+                    </a:p>
+                  </a:txBody>
+                </a:tc>
+                <a:tc>
+                  <a:txBody>
+                    <a:bodyPr/>
+                    <a:lstStyle/>
+                    <a:p>
+                      <a:endParaRPr/>
+                    </a:p>
+                  </a:txBody>
+                </a:tc>
+                <a:tc>
+                  <a:txBody>
+                    <a:bodyPr/>
+                    <a:lstStyle/>
+                    <a:p>
+                      <a:endParaRPr/>
+                    </a:p>
+                  </a:txBody>
+                </a:tc>
+                <a:tc>
+                  <a:txBody>
+                    <a:bodyPr/>
+                    <a:lstStyle/>
+                    <a:p>
+                      <a:endParaRPr/>
+                    </a:p>
+                  </a:txBody>
+                </a:tc>
+                <a:tc>
+                  <a:txBody>
+                    <a:bodyPr/>
+                    <a:lstStyle/>
+                    <a:p>
+                      <a:endParaRPr/>
+                    </a:p>
+                  </a:txBody>
+                </a:tc>
+                <a:tc>
+                  <a:txBody>
+                    <a:bodyPr/>
+                    <a:lstStyle/>
+                    <a:p>
+                      <a:endParaRPr/>
+                    </a:p>
+                  </a:txBody>
+                </a:tc>
+                <a:tc>
+                  <a:txBody>
+                    <a:bodyPr/>
+                    <a:lstStyle/>
+                    <a:p>
+                      <a:endParaRPr/>
+                    </a:p>
+                  </a:txBody>
+                </a:tc>
+                <a:tc>
+                  <a:txBody>
+                    <a:bodyPr/>
+                    <a:lstStyle/>
+                    <a:p>
+                      <a:endParaRPr/>
+                    </a:p>
+                  </a:txBody>
+                </a:tc>
+                <a:tc>
+                  <a:txBody>
+                    <a:bodyPr/>
+                    <a:lstStyle/>
+                    <a:p>
+                      <a:endParaRPr/>
+                    </a:p>
+                  </a:txBody>
+                </a:tc>
+                <a:tc>
+                  <a:txBody>
+                    <a:bodyPr/>
+                    <a:lstStyle/>
+                    <a:p>
+                      <a:endParaRPr/>
+                    </a:p>
+                  </a:txBody>
+                </a:tc>
+              </a:tr>
+            </a:tbl>
+          </a:graphicData>
+        </a:graphic>
+      </p:graphicFrame>
     </p:spTree>
   </p:cSld>
 </p:sld>
@@ -12234,7 +14888,7 @@
             </a:pPr>
             <a:r>
               <a:rPr/>
-              <a:t>Analyse Graphiques</a:t>
+              <a:t>Analyse graphiques evolution des series allant de 1988 a 2022</a:t>
             </a:r>
           </a:p>
         </p:txBody>
@@ -12281,14 +14935,14 @@
             </a:pPr>
             <a:r>
               <a:rPr/>
-              <a:t>Graphes des donnees Brutes</a:t>
+              <a:t>Taux de Change</a:t>
             </a:r>
           </a:p>
         </p:txBody>
       </p:sp>
       <p:pic>
         <p:nvPicPr>
-          <p:cNvPr descr="modele_presentation_files/figure-pptx/brut%20plot-1.png" id="0" name="Picture 1"/>
+          <p:cNvPr descr="modele_presentation_files/figure-pptx/tx.c%20brut%20plot-1.png" id="0" name="Picture 1"/>
           <p:cNvPicPr>
             <a:picLocks noGrp="1" noChangeAspect="1"/>
           </p:cNvPicPr>
@@ -12358,14 +15012,14 @@
             </a:pPr>
             <a:r>
               <a:rPr/>
-              <a:t>Graphes des donnees en Logarithme Neperien</a:t>
+              <a:t>Importation</a:t>
             </a:r>
           </a:p>
         </p:txBody>
       </p:sp>
       <p:pic>
         <p:nvPicPr>
-          <p:cNvPr descr="modele_presentation_files/figure-pptx/plot%20log-1.png" id="0" name="Picture 1"/>
+          <p:cNvPr descr="modele_presentation_files/figure-pptx/Imp%20brut%20plot-1.png" id="0" name="Picture 1"/>
           <p:cNvPicPr>
             <a:picLocks noGrp="1" noChangeAspect="1"/>
           </p:cNvPicPr>

--- a/modele_presentation.pptx
+++ b/modele_presentation.pptx
@@ -4186,7 +4186,7 @@
           </a:p>
           <a:p>
             <a:pPr lvl="0" indent="-342900" marL="342900">
-              <a:buAutoNum startAt="2" type="arabicPeriod"/>
+              <a:buAutoNum type="arabicPeriod"/>
             </a:pPr>
             <a:r>
               <a:rPr b="1"/>
@@ -4199,7 +4199,7 @@
           </a:p>
           <a:p>
             <a:pPr lvl="0" indent="-342900" marL="342900">
-              <a:buAutoNum startAt="3" type="arabicPeriod"/>
+              <a:buAutoNum type="arabicPeriod"/>
             </a:pPr>
             <a:r>
               <a:rPr b="1"/>
@@ -4212,7 +4212,7 @@
           </a:p>
           <a:p>
             <a:pPr lvl="0" indent="-342900" marL="342900">
-              <a:buAutoNum startAt="4" type="arabicPeriod"/>
+              <a:buAutoNum type="arabicPeriod"/>
             </a:pPr>
             <a:r>
               <a:rPr b="1"/>

--- a/modele_presentation.pptx
+++ b/modele_presentation.pptx
@@ -29,6 +29,13 @@
     <p:sldId id="277" r:id="rId23"/>
     <p:sldId id="278" r:id="rId24"/>
     <p:sldId id="279" r:id="rId25"/>
+    <p:sldId id="280" r:id="rId26"/>
+    <p:sldId id="281" r:id="rId27"/>
+    <p:sldId id="282" r:id="rId28"/>
+    <p:sldId id="283" r:id="rId29"/>
+    <p:sldId id="284" r:id="rId30"/>
+    <p:sldId id="285" r:id="rId31"/>
+    <p:sldId id="286" r:id="rId32"/>
   </p:sldIdLst>
   <p:sldSz cx="9144000" cy="5143500" type="screen16x9"/>
   <p:notesSz cx="6858000" cy="9144000"/>
@@ -5871,6 +5878,1073 @@
 </p:sld>
 </file>
 
+<file path=ppt/slides/slide25.xml><?xml version="1.0" encoding="utf-8"?>
+<p:sld xmlns:a="http://schemas.openxmlformats.org/drawingml/2006/main" xmlns:r="http://schemas.openxmlformats.org/officeDocument/2006/relationships" xmlns:p="http://schemas.openxmlformats.org/presentationml/2006/main">
+  <p:cSld>
+    <p:spTree>
+      <p:nvGrpSpPr>
+        <p:cNvPr id="1" name=""/>
+        <p:cNvGrpSpPr/>
+        <p:nvPr/>
+      </p:nvGrpSpPr>
+      <p:grpSpPr>
+        <a:xfrm>
+          <a:off x="0" y="0"/>
+          <a:ext cx="0" cy="0"/>
+          <a:chOff x="0" y="0"/>
+          <a:chExt cx="0" cy="0"/>
+        </a:xfrm>
+      </p:grpSpPr>
+      <p:sp>
+        <p:nvSpPr>
+          <p:cNvPr id="2" name="Title 1"/>
+          <p:cNvSpPr>
+            <a:spLocks noGrp="1"/>
+          </p:cNvSpPr>
+          <p:nvPr>
+            <p:ph type="title"/>
+          </p:nvPr>
+        </p:nvSpPr>
+        <p:spPr/>
+        <p:txBody>
+          <a:bodyPr/>
+          <a:lstStyle/>
+          <a:p>
+            <a:pPr lvl="0" indent="0" marL="0">
+              <a:buNone/>
+            </a:pPr>
+            <a:r>
+              <a:rPr/>
+              <a:t>Jarque Bera test</a:t>
+            </a:r>
+          </a:p>
+        </p:txBody>
+      </p:sp>
+      <mc:AlternateContent xmlns:mc="http://schemas.openxmlformats.org/markup-compatibility/2006">
+        <mc:Choice xmlns:a14="http://schemas.microsoft.com/office/drawing/2010/main" Requires="a14">
+          <p:sp>
+            <p:nvSpPr>
+              <p:cNvPr id="3" name="Content Placeholder 2"/>
+              <p:cNvSpPr>
+                <a:spLocks noGrp="1"/>
+              </p:cNvSpPr>
+              <p:nvPr>
+                <p:ph idx="1"/>
+              </p:nvPr>
+            </p:nvSpPr>
+            <p:spPr/>
+            <p:txBody>
+              <a:bodyPr/>
+              <a:lstStyle/>
+              <a:p>
+                <a:pPr lvl="0" indent="0" marL="0">
+                  <a:buNone/>
+                </a:pPr>
+                <a:r>
+                  <a:rPr b="1"/>
+                  <a:t>Test d’Hypothèse de Jarque-Bera :</a:t>
+                </a:r>
+              </a:p>
+              <a:p>
+                <a:pPr lvl="0" indent="0" marL="0">
+                  <a:buNone/>
+                </a:pPr>
+                <a:r>
+                  <a:rPr/>
+                  <a:t>Hypothèse Nulle (H₀) : Les données proviennent d’une distribution normale.</a:t>
+                </a:r>
+              </a:p>
+              <a:p>
+                <a:pPr lvl="0" indent="0" marL="0">
+                  <a:buNone/>
+                </a:pPr>
+                <a:r>
+                  <a:rPr/>
+                  <a:t>Hypothèse Alternative (H₁) : Les données ne proviennent pas d’une distribution normale.</a:t>
+                </a:r>
+              </a:p>
+              <a:p>
+                <a:pPr lvl="0" indent="0" marL="0">
+                  <a:buNone/>
+                </a:pPr>
+                <a:r>
+                  <a:rPr b="1"/>
+                  <a:t>Statistique de Jarque-Bera :</a:t>
+                </a:r>
+              </a:p>
+              <a:p>
+                <a:pPr lvl="0" indent="0" marL="0">
+                  <a:buNone/>
+                </a:pPr>
+                <a:r>
+                  <a:rPr/>
+                  <a:t>La statistique de Jarque-Bera (JB) est définie comme suit :</a:t>
+                </a:r>
+              </a:p>
+              <a:p>
+                <a:pPr lvl="0" indent="0" marL="0">
+                  <a:buNone/>
+                </a:pPr>
+                <a14:m>
+                  <m:oMathPara xmlns:m="http://schemas.openxmlformats.org/officeDocument/2006/math">
+                    <m:oMathParaPr>
+                      <m:jc m:val="center"/>
+                    </m:oMathParaPr>
+                    <m:oMath>
+                      <m:r>
+                        <m:t>J</m:t>
+                      </m:r>
+                      <m:r>
+                        <m:t>B</m:t>
+                      </m:r>
+                      <m:r>
+                        <m:rPr>
+                          <m:sty m:val="p"/>
+                        </m:rPr>
+                        <m:t>=</m:t>
+                      </m:r>
+                      <m:f>
+                        <m:fPr>
+                          <m:type m:val="bar"/>
+                        </m:fPr>
+                        <m:num>
+                          <m:r>
+                            <m:t>n</m:t>
+                          </m:r>
+                        </m:num>
+                        <m:den>
+                          <m:r>
+                            <m:t>6</m:t>
+                          </m:r>
+                        </m:den>
+                      </m:f>
+                      <m:d>
+                        <m:dPr>
+                          <m:begChr m:val="("/>
+                          <m:endChr m:val=")"/>
+                          <m:sepChr m:val=""/>
+                          <m:grow/>
+                        </m:dPr>
+                        <m:e>
+                          <m:sSup>
+                            <m:e>
+                              <m:r>
+                                <m:t>S</m:t>
+                              </m:r>
+                            </m:e>
+                            <m:sup>
+                              <m:r>
+                                <m:t>2</m:t>
+                              </m:r>
+                            </m:sup>
+                          </m:sSup>
+                          <m:r>
+                            <m:rPr>
+                              <m:sty m:val="p"/>
+                            </m:rPr>
+                            <m:t>+</m:t>
+                          </m:r>
+                          <m:f>
+                            <m:fPr>
+                              <m:type m:val="bar"/>
+                            </m:fPr>
+                            <m:num>
+                              <m:sSup>
+                                <m:e>
+                                  <m:d>
+                                    <m:dPr>
+                                      <m:begChr m:val="("/>
+                                      <m:endChr m:val=")"/>
+                                      <m:sepChr m:val=""/>
+                                      <m:grow/>
+                                    </m:dPr>
+                                    <m:e>
+                                      <m:r>
+                                        <m:t>K</m:t>
+                                      </m:r>
+                                      <m:r>
+                                        <m:rPr>
+                                          <m:sty m:val="p"/>
+                                        </m:rPr>
+                                        <m:t>−</m:t>
+                                      </m:r>
+                                      <m:r>
+                                        <m:t>3</m:t>
+                                      </m:r>
+                                    </m:e>
+                                  </m:d>
+                                </m:e>
+                                <m:sup>
+                                  <m:r>
+                                    <m:t>2</m:t>
+                                  </m:r>
+                                </m:sup>
+                              </m:sSup>
+                            </m:num>
+                            <m:den>
+                              <m:r>
+                                <m:t>4</m:t>
+                              </m:r>
+                            </m:den>
+                          </m:f>
+                        </m:e>
+                      </m:d>
+                    </m:oMath>
+                  </m:oMathPara>
+                </a14:m>
+              </a:p>
+              <a:p>
+                <a:pPr lvl="0" indent="0" marL="0">
+                  <a:buNone/>
+                </a:pPr>
+                <a:r>
+                  <a:rPr b="1"/>
+                  <a:t>Où :</a:t>
+                </a:r>
+              </a:p>
+              <a:p>
+                <a:pPr lvl="0"/>
+                <a:r>
+                  <a:rPr b="1"/>
+                  <a:t>n</a:t>
+                </a:r>
+                <a:r>
+                  <a:rPr/>
+                  <a:t> est la taille de l’échantillon.</a:t>
+                </a:r>
+              </a:p>
+              <a:p>
+                <a:pPr lvl="0"/>
+                <a:r>
+                  <a:rPr b="1"/>
+                  <a:t>S</a:t>
+                </a:r>
+                <a:r>
+                  <a:rPr/>
+                  <a:t> est le coefficient d’asymétrie de l’échantillon.</a:t>
+                </a:r>
+              </a:p>
+              <a:p>
+                <a:pPr lvl="0"/>
+                <a:r>
+                  <a:rPr b="1"/>
+                  <a:t>K</a:t>
+                </a:r>
+                <a:r>
+                  <a:rPr/>
+                  <a:t> est le coefficient d’aplatissement de l’échantillon.</a:t>
+                </a:r>
+              </a:p>
+              <a:p>
+                <a:pPr lvl="0" indent="0" marL="0">
+                  <a:buNone/>
+                </a:pPr>
+                <a:r>
+                  <a:rPr/>
+                  <a:t>Cette statistique suit une distribution du chi carré avec 2 degrés de liberté sous l’hypothèse nulle (H₀).</a:t>
+                </a:r>
+              </a:p>
+            </p:txBody>
+          </p:sp>
+        </mc:Choice>
+      </mc:AlternateContent>
+    </p:spTree>
+  </p:cSld>
+  <p:timing>
+    <p:tnLst>
+      <p:par>
+        <p:cTn id="1" dur="indefinite" restart="never" nodeType="tmRoot">
+          <p:childTnLst>
+            <p:seq concurrent="1" nextAc="seek">
+              <p:cTn id="2" dur="indefinite" nodeType="mainSeq">
+                <p:childTnLst>
+                  <p:par>
+                    <p:cTn id="3" fill="hold">
+                      <p:stCondLst>
+                        <p:cond delay="indefinite"/>
+                      </p:stCondLst>
+                      <p:childTnLst>
+                        <p:par>
+                          <p:cTn id="4" fill="hold">
+                            <p:stCondLst>
+                              <p:cond delay="0"/>
+                            </p:stCondLst>
+                            <p:childTnLst>
+                              <p:par>
+                                <p:cTn id="5" presetID="1" presetClass="entr" presetSubtype="0" fill="hold" grpId="0" nodeType="clickEffect">
+                                  <p:stCondLst>
+                                    <p:cond delay="0"/>
+                                  </p:stCondLst>
+                                  <p:childTnLst>
+                                    <p:set>
+                                      <p:cBhvr>
+                                        <p:cTn id="6" dur="1" fill="hold">
+                                          <p:stCondLst>
+                                            <p:cond delay="0"/>
+                                          </p:stCondLst>
+                                        </p:cTn>
+                                        <p:tgtEl>
+                                          <p:spTgt spid="3">
+                                            <p:txEl>
+                                              <p:pRg st="7" end="7"/>
+                                            </p:txEl>
+                                          </p:spTgt>
+                                        </p:tgtEl>
+                                        <p:attrNameLst>
+                                          <p:attrName>style.visibility</p:attrName>
+                                        </p:attrNameLst>
+                                      </p:cBhvr>
+                                      <p:to>
+                                        <p:strVal val="visible"/>
+                                      </p:to>
+                                    </p:set>
+                                  </p:childTnLst>
+                                </p:cTn>
+                              </p:par>
+                            </p:childTnLst>
+                          </p:cTn>
+                        </p:par>
+                      </p:childTnLst>
+                    </p:cTn>
+                  </p:par>
+                  <p:par>
+                    <p:cTn id="7" fill="hold">
+                      <p:stCondLst>
+                        <p:cond delay="indefinite"/>
+                      </p:stCondLst>
+                      <p:childTnLst>
+                        <p:par>
+                          <p:cTn id="8" fill="hold">
+                            <p:stCondLst>
+                              <p:cond delay="0"/>
+                            </p:stCondLst>
+                            <p:childTnLst>
+                              <p:par>
+                                <p:cTn id="9" presetID="1" presetClass="entr" presetSubtype="0" fill="hold" grpId="0" nodeType="clickEffect">
+                                  <p:stCondLst>
+                                    <p:cond delay="0"/>
+                                  </p:stCondLst>
+                                  <p:childTnLst>
+                                    <p:set>
+                                      <p:cBhvr>
+                                        <p:cTn id="10" dur="1" fill="hold">
+                                          <p:stCondLst>
+                                            <p:cond delay="0"/>
+                                          </p:stCondLst>
+                                        </p:cTn>
+                                        <p:tgtEl>
+                                          <p:spTgt spid="3">
+                                            <p:txEl>
+                                              <p:pRg st="8" end="8"/>
+                                            </p:txEl>
+                                          </p:spTgt>
+                                        </p:tgtEl>
+                                        <p:attrNameLst>
+                                          <p:attrName>style.visibility</p:attrName>
+                                        </p:attrNameLst>
+                                      </p:cBhvr>
+                                      <p:to>
+                                        <p:strVal val="visible"/>
+                                      </p:to>
+                                    </p:set>
+                                  </p:childTnLst>
+                                </p:cTn>
+                              </p:par>
+                            </p:childTnLst>
+                          </p:cTn>
+                        </p:par>
+                      </p:childTnLst>
+                    </p:cTn>
+                  </p:par>
+                  <p:par>
+                    <p:cTn id="11" fill="hold">
+                      <p:stCondLst>
+                        <p:cond delay="indefinite"/>
+                      </p:stCondLst>
+                      <p:childTnLst>
+                        <p:par>
+                          <p:cTn id="12" fill="hold">
+                            <p:stCondLst>
+                              <p:cond delay="0"/>
+                            </p:stCondLst>
+                            <p:childTnLst>
+                              <p:par>
+                                <p:cTn id="13" presetID="1" presetClass="entr" presetSubtype="0" fill="hold" grpId="0" nodeType="clickEffect">
+                                  <p:stCondLst>
+                                    <p:cond delay="0"/>
+                                  </p:stCondLst>
+                                  <p:childTnLst>
+                                    <p:set>
+                                      <p:cBhvr>
+                                        <p:cTn id="14" dur="1" fill="hold">
+                                          <p:stCondLst>
+                                            <p:cond delay="0"/>
+                                          </p:stCondLst>
+                                        </p:cTn>
+                                        <p:tgtEl>
+                                          <p:spTgt spid="3">
+                                            <p:txEl>
+                                              <p:pRg st="9" end="9"/>
+                                            </p:txEl>
+                                          </p:spTgt>
+                                        </p:tgtEl>
+                                        <p:attrNameLst>
+                                          <p:attrName>style.visibility</p:attrName>
+                                        </p:attrNameLst>
+                                      </p:cBhvr>
+                                      <p:to>
+                                        <p:strVal val="visible"/>
+                                      </p:to>
+                                    </p:set>
+                                  </p:childTnLst>
+                                </p:cTn>
+                              </p:par>
+                            </p:childTnLst>
+                          </p:cTn>
+                        </p:par>
+                      </p:childTnLst>
+                    </p:cTn>
+                  </p:par>
+                </p:childTnLst>
+              </p:cTn>
+              <p:prevCondLst>
+                <p:cond evt="onPrev" delay="0">
+                  <p:tgtEl>
+                    <p:sldTgt/>
+                  </p:tgtEl>
+                </p:cond>
+              </p:prevCondLst>
+              <p:nextCondLst>
+                <p:cond evt="onNext" delay="0">
+                  <p:tgtEl>
+                    <p:sldTgt/>
+                  </p:tgtEl>
+                </p:cond>
+              </p:nextCondLst>
+            </p:seq>
+          </p:childTnLst>
+        </p:cTn>
+      </p:par>
+    </p:tnLst>
+    <p:bldLst>
+      <p:bldP spid="3" grpId="0" uiExpand="1" build="p"/>
+    </p:bldLst>
+  </p:timing>
+</p:sld>
+</file>
+
+<file path=ppt/slides/slide26.xml><?xml version="1.0" encoding="utf-8"?>
+<p:sld xmlns:a="http://schemas.openxmlformats.org/drawingml/2006/main" xmlns:r="http://schemas.openxmlformats.org/officeDocument/2006/relationships" xmlns:p="http://schemas.openxmlformats.org/presentationml/2006/main">
+  <p:cSld>
+    <p:spTree>
+      <p:nvGrpSpPr>
+        <p:cNvPr id="1" name=""/>
+        <p:cNvGrpSpPr/>
+        <p:nvPr/>
+      </p:nvGrpSpPr>
+      <p:grpSpPr>
+        <a:xfrm>
+          <a:off x="0" y="0"/>
+          <a:ext cx="0" cy="0"/>
+          <a:chOff x="0" y="0"/>
+          <a:chExt cx="0" cy="0"/>
+        </a:xfrm>
+      </p:grpSpPr>
+      <p:sp>
+        <p:nvSpPr>
+          <p:cNvPr id="2" name="Title 1"/>
+          <p:cNvSpPr>
+            <a:spLocks noGrp="1"/>
+          </p:cNvSpPr>
+          <p:nvPr>
+            <p:ph type="title"/>
+          </p:nvPr>
+        </p:nvSpPr>
+        <p:spPr/>
+        <p:txBody>
+          <a:bodyPr/>
+          <a:lstStyle/>
+          <a:p>
+            <a:pPr lvl="0" indent="0" marL="0">
+              <a:buNone/>
+            </a:pPr>
+            <a:r>
+              <a:rPr/>
+              <a:t>Litterature du Test de Jarque Bera</a:t>
+            </a:r>
+          </a:p>
+        </p:txBody>
+      </p:sp>
+      <p:sp>
+        <p:nvSpPr>
+          <p:cNvPr id="3" name="Content Placeholder 2"/>
+          <p:cNvSpPr>
+            <a:spLocks noGrp="1"/>
+          </p:cNvSpPr>
+          <p:nvPr>
+            <p:ph idx="1"/>
+          </p:nvPr>
+        </p:nvSpPr>
+        <p:spPr/>
+        <p:txBody>
+          <a:bodyPr/>
+          <a:lstStyle/>
+          <a:p>
+            <a:pPr lvl="0" indent="0" marL="0">
+              <a:buNone/>
+            </a:pPr>
+            <a:r>
+              <a:rPr/>
+              <a:t>Le test de Jarque-Bera est un test statistique utilisé pour évaluer si un échantillon de données donné présente un coefficient d’asymétrie et un coefficient d’aplatissement qui sont approximativement distribués selon une loi normale, ce qui est une hypothèse courante dans de nombreuses techniques statistiques.</a:t>
+            </a:r>
+          </a:p>
+          <a:p>
+            <a:pPr lvl="0" indent="-342900" marL="342900">
+              <a:buAutoNum type="arabicPeriod"/>
+            </a:pPr>
+            <a:r>
+              <a:rPr/>
+              <a:t>Comparaison de la statistique de test à la valeur critique :</a:t>
+            </a:r>
+          </a:p>
+          <a:p>
+            <a:pPr lvl="0" indent="0" marL="0">
+              <a:buNone/>
+            </a:pPr>
+            <a:r>
+              <a:rPr/>
+              <a:t>La statistique de test de Jarque-Bera suit une distribution du chi carré avec 2 degrés de liberté sous l’hypothèse nulle. Par conséquent, vous comparez la statistique de test calculée à la valeur critique de la distribution du chi carré avec 2 degrés de liberté à votre niveau de signification choisi (par exemple, 0,05 ou 0,01).</a:t>
+            </a:r>
+          </a:p>
+          <a:p>
+            <a:pPr lvl="0" indent="-342900" marL="342900">
+              <a:buAutoNum startAt="2" type="arabicPeriod"/>
+            </a:pPr>
+            <a:r>
+              <a:rPr/>
+              <a:t>Prise de décision :</a:t>
+            </a:r>
+          </a:p>
+          <a:p>
+            <a:pPr lvl="0"/>
+            <a:r>
+              <a:rPr/>
+              <a:t>Si la statistique de test calculée est supérieure à la valeur critique, vous rejetez l’hypothèse nulle, concluant que les données ne proviennent pas d’une distribution normale.</a:t>
+            </a:r>
+          </a:p>
+          <a:p>
+            <a:pPr lvl="0"/>
+            <a:r>
+              <a:rPr/>
+              <a:t>Si la statistique de test calculée est inférieure ou égale à la valeur critique, vous ne rejetez pas l’hypothèse nulle, ce qui indique qu’il n’y a pas suffisamment de preuves pour conclure que les données ne proviennent pas d’une distribution normale.</a:t>
+            </a:r>
+          </a:p>
+        </p:txBody>
+      </p:sp>
+    </p:spTree>
+  </p:cSld>
+  <p:timing>
+    <p:tnLst>
+      <p:par>
+        <p:cTn id="1" dur="indefinite" restart="never" nodeType="tmRoot">
+          <p:childTnLst>
+            <p:seq concurrent="1" nextAc="seek">
+              <p:cTn id="2" dur="indefinite" nodeType="mainSeq">
+                <p:childTnLst>
+                  <p:par>
+                    <p:cTn id="3" fill="hold">
+                      <p:stCondLst>
+                        <p:cond delay="indefinite"/>
+                      </p:stCondLst>
+                      <p:childTnLst>
+                        <p:par>
+                          <p:cTn id="4" fill="hold">
+                            <p:stCondLst>
+                              <p:cond delay="0"/>
+                            </p:stCondLst>
+                            <p:childTnLst>
+                              <p:par>
+                                <p:cTn id="5" presetID="1" presetClass="entr" presetSubtype="0" fill="hold" grpId="0" nodeType="clickEffect">
+                                  <p:stCondLst>
+                                    <p:cond delay="0"/>
+                                  </p:stCondLst>
+                                  <p:childTnLst>
+                                    <p:set>
+                                      <p:cBhvr>
+                                        <p:cTn id="6" dur="1" fill="hold">
+                                          <p:stCondLst>
+                                            <p:cond delay="0"/>
+                                          </p:stCondLst>
+                                        </p:cTn>
+                                        <p:tgtEl>
+                                          <p:spTgt spid="3">
+                                            <p:txEl>
+                                              <p:pRg st="1" end="1"/>
+                                            </p:txEl>
+                                          </p:spTgt>
+                                        </p:tgtEl>
+                                        <p:attrNameLst>
+                                          <p:attrName>style.visibility</p:attrName>
+                                        </p:attrNameLst>
+                                      </p:cBhvr>
+                                      <p:to>
+                                        <p:strVal val="visible"/>
+                                      </p:to>
+                                    </p:set>
+                                  </p:childTnLst>
+                                </p:cTn>
+                              </p:par>
+                            </p:childTnLst>
+                          </p:cTn>
+                        </p:par>
+                      </p:childTnLst>
+                    </p:cTn>
+                  </p:par>
+                  <p:par>
+                    <p:cTn id="7" fill="hold">
+                      <p:stCondLst>
+                        <p:cond delay="indefinite"/>
+                      </p:stCondLst>
+                      <p:childTnLst>
+                        <p:par>
+                          <p:cTn id="8" fill="hold">
+                            <p:stCondLst>
+                              <p:cond delay="0"/>
+                            </p:stCondLst>
+                            <p:childTnLst>
+                              <p:par>
+                                <p:cTn id="9" presetID="1" presetClass="entr" presetSubtype="0" fill="hold" grpId="0" nodeType="clickEffect">
+                                  <p:stCondLst>
+                                    <p:cond delay="0"/>
+                                  </p:stCondLst>
+                                  <p:childTnLst>
+                                    <p:set>
+                                      <p:cBhvr>
+                                        <p:cTn id="10" dur="1" fill="hold">
+                                          <p:stCondLst>
+                                            <p:cond delay="0"/>
+                                          </p:stCondLst>
+                                        </p:cTn>
+                                        <p:tgtEl>
+                                          <p:spTgt spid="3">
+                                            <p:txEl>
+                                              <p:pRg st="3" end="3"/>
+                                            </p:txEl>
+                                          </p:spTgt>
+                                        </p:tgtEl>
+                                        <p:attrNameLst>
+                                          <p:attrName>style.visibility</p:attrName>
+                                        </p:attrNameLst>
+                                      </p:cBhvr>
+                                      <p:to>
+                                        <p:strVal val="visible"/>
+                                      </p:to>
+                                    </p:set>
+                                  </p:childTnLst>
+                                </p:cTn>
+                              </p:par>
+                            </p:childTnLst>
+                          </p:cTn>
+                        </p:par>
+                      </p:childTnLst>
+                    </p:cTn>
+                  </p:par>
+                  <p:par>
+                    <p:cTn id="11" fill="hold">
+                      <p:stCondLst>
+                        <p:cond delay="indefinite"/>
+                      </p:stCondLst>
+                      <p:childTnLst>
+                        <p:par>
+                          <p:cTn id="12" fill="hold">
+                            <p:stCondLst>
+                              <p:cond delay="0"/>
+                            </p:stCondLst>
+                            <p:childTnLst>
+                              <p:par>
+                                <p:cTn id="13" presetID="1" presetClass="entr" presetSubtype="0" fill="hold" grpId="0" nodeType="clickEffect">
+                                  <p:stCondLst>
+                                    <p:cond delay="0"/>
+                                  </p:stCondLst>
+                                  <p:childTnLst>
+                                    <p:set>
+                                      <p:cBhvr>
+                                        <p:cTn id="14" dur="1" fill="hold">
+                                          <p:stCondLst>
+                                            <p:cond delay="0"/>
+                                          </p:stCondLst>
+                                        </p:cTn>
+                                        <p:tgtEl>
+                                          <p:spTgt spid="3">
+                                            <p:txEl>
+                                              <p:pRg st="4" end="4"/>
+                                            </p:txEl>
+                                          </p:spTgt>
+                                        </p:tgtEl>
+                                        <p:attrNameLst>
+                                          <p:attrName>style.visibility</p:attrName>
+                                        </p:attrNameLst>
+                                      </p:cBhvr>
+                                      <p:to>
+                                        <p:strVal val="visible"/>
+                                      </p:to>
+                                    </p:set>
+                                  </p:childTnLst>
+                                </p:cTn>
+                              </p:par>
+                            </p:childTnLst>
+                          </p:cTn>
+                        </p:par>
+                      </p:childTnLst>
+                    </p:cTn>
+                  </p:par>
+                  <p:par>
+                    <p:cTn id="15" fill="hold">
+                      <p:stCondLst>
+                        <p:cond delay="indefinite"/>
+                      </p:stCondLst>
+                      <p:childTnLst>
+                        <p:par>
+                          <p:cTn id="16" fill="hold">
+                            <p:stCondLst>
+                              <p:cond delay="0"/>
+                            </p:stCondLst>
+                            <p:childTnLst>
+                              <p:par>
+                                <p:cTn id="17" presetID="1" presetClass="entr" presetSubtype="0" fill="hold" grpId="0" nodeType="clickEffect">
+                                  <p:stCondLst>
+                                    <p:cond delay="0"/>
+                                  </p:stCondLst>
+                                  <p:childTnLst>
+                                    <p:set>
+                                      <p:cBhvr>
+                                        <p:cTn id="18" dur="1" fill="hold">
+                                          <p:stCondLst>
+                                            <p:cond delay="0"/>
+                                          </p:stCondLst>
+                                        </p:cTn>
+                                        <p:tgtEl>
+                                          <p:spTgt spid="3">
+                                            <p:txEl>
+                                              <p:pRg st="5" end="5"/>
+                                            </p:txEl>
+                                          </p:spTgt>
+                                        </p:tgtEl>
+                                        <p:attrNameLst>
+                                          <p:attrName>style.visibility</p:attrName>
+                                        </p:attrNameLst>
+                                      </p:cBhvr>
+                                      <p:to>
+                                        <p:strVal val="visible"/>
+                                      </p:to>
+                                    </p:set>
+                                  </p:childTnLst>
+                                </p:cTn>
+                              </p:par>
+                            </p:childTnLst>
+                          </p:cTn>
+                        </p:par>
+                      </p:childTnLst>
+                    </p:cTn>
+                  </p:par>
+                </p:childTnLst>
+              </p:cTn>
+              <p:prevCondLst>
+                <p:cond evt="onPrev" delay="0">
+                  <p:tgtEl>
+                    <p:sldTgt/>
+                  </p:tgtEl>
+                </p:cond>
+              </p:prevCondLst>
+              <p:nextCondLst>
+                <p:cond evt="onNext" delay="0">
+                  <p:tgtEl>
+                    <p:sldTgt/>
+                  </p:tgtEl>
+                </p:cond>
+              </p:nextCondLst>
+            </p:seq>
+          </p:childTnLst>
+        </p:cTn>
+      </p:par>
+    </p:tnLst>
+    <p:bldLst>
+      <p:bldP spid="3" grpId="0" uiExpand="1" build="p"/>
+    </p:bldLst>
+  </p:timing>
+</p:sld>
+</file>
+
+<file path=ppt/slides/slide27.xml><?xml version="1.0" encoding="utf-8"?>
+<p:sld xmlns:a="http://schemas.openxmlformats.org/drawingml/2006/main" xmlns:r="http://schemas.openxmlformats.org/officeDocument/2006/relationships" xmlns:p="http://schemas.openxmlformats.org/presentationml/2006/main">
+  <p:cSld>
+    <p:spTree>
+      <p:nvGrpSpPr>
+        <p:cNvPr id="1" name=""/>
+        <p:cNvGrpSpPr/>
+        <p:nvPr/>
+      </p:nvGrpSpPr>
+      <p:grpSpPr>
+        <a:xfrm>
+          <a:off x="0" y="0"/>
+          <a:ext cx="0" cy="0"/>
+          <a:chOff x="0" y="0"/>
+          <a:chExt cx="0" cy="0"/>
+        </a:xfrm>
+      </p:grpSpPr>
+      <p:sp>
+        <p:nvSpPr>
+          <p:cNvPr id="2" name="Title 1"/>
+          <p:cNvSpPr>
+            <a:spLocks noGrp="1"/>
+          </p:cNvSpPr>
+          <p:nvPr>
+            <p:ph type="title"/>
+          </p:nvPr>
+        </p:nvSpPr>
+        <p:spPr/>
+        <p:txBody>
+          <a:bodyPr/>
+          <a:lstStyle/>
+          <a:p>
+            <a:pPr lvl="0" indent="0" marL="0">
+              <a:buNone/>
+            </a:pPr>
+            <a:r>
+              <a:rPr/>
+              <a:t>Rappel sur la notion de P-Value</a:t>
+            </a:r>
+          </a:p>
+        </p:txBody>
+      </p:sp>
+      <p:sp>
+        <p:nvSpPr>
+          <p:cNvPr id="3" name="Content Placeholder 2"/>
+          <p:cNvSpPr>
+            <a:spLocks noGrp="1"/>
+          </p:cNvSpPr>
+          <p:nvPr>
+            <p:ph idx="1"/>
+          </p:nvPr>
+        </p:nvSpPr>
+        <p:spPr/>
+        <p:txBody>
+          <a:bodyPr/>
+          <a:lstStyle/>
+          <a:p>
+            <a:pPr lvl="0" indent="0" marL="0">
+              <a:buNone/>
+            </a:pPr>
+            <a:r>
+              <a:rPr/>
+              <a:t>Dans le cadre du test de Jarque-Bera, la p-valeur est une mesure cruciale pour interpréter les résultats du test. Voici comment interpréter la p-valeur :</a:t>
+            </a:r>
+          </a:p>
+          <a:p>
+            <a:pPr lvl="0" indent="0" marL="0">
+              <a:buNone/>
+            </a:pPr>
+            <a:r>
+              <a:rPr/>
+              <a:t>Si la p-valeur est inférieure au seuil de signification (α) :</a:t>
+            </a:r>
+          </a:p>
+          <a:p>
+            <a:pPr lvl="0" indent="0" marL="0">
+              <a:buNone/>
+            </a:pPr>
+            <a:r>
+              <a:rPr/>
+              <a:t>Cela signifie que la probabilité d’observer les données (ou des données encore plus extrêmes) sous l’hypothèse nulle (que les données proviennent d’une distribution normale) est faible. Vous rejetez alors l’hypothèse nulle au niveau de signification α. En d’autres termes, vous avez suffisamment de preuves pour conclure que les données ne suivent pas une distribution normale en termes d’asymétrie et/ou d’aplatissement. Si la p-valeur est supérieure au seuil de signification (α) :</a:t>
+            </a:r>
+          </a:p>
+          <a:p>
+            <a:pPr lvl="0" indent="0" marL="0">
+              <a:buNone/>
+            </a:pPr>
+            <a:r>
+              <a:rPr/>
+              <a:t>Cela signifie que la probabilité d’observer les données (ou des données encore plus extrêmes) sous l’hypothèse nulle est élevée. Vous ne rejetez pas l’hypothèse nulle au niveau de signification α. En d’autres termes, vous ne disposez pas de suffisamment de preuves pour conclure que les données ne suivent pas une distribution normale en termes d’asymétrie et/ou d’aplatissement. En résumé :</a:t>
+            </a:r>
+          </a:p>
+          <a:p>
+            <a:pPr lvl="0" indent="0" marL="0">
+              <a:buNone/>
+            </a:pPr>
+            <a:r>
+              <a:rPr/>
+              <a:t>Une p-valeur faible suggère des preuves en faveur du rejet de l’hypothèse nulle, indiquant que les données ne suivent probablement pas une distribution normale. Une p-valeur élevée suggère un manque de preuves pour rejeter l’hypothèse nulle, ce qui signifie que les données pourraient suivre une distribution normale. Il est important de choisir un seuil de signification approprié (α) avant d’interpréter la p-valeur. Les valeurs typiques pour α sont 0,05 ou 0,01, mais cela dépend souvent du contexte de l’analyse et des normes de l’industrie.</a:t>
+            </a:r>
+          </a:p>
+        </p:txBody>
+      </p:sp>
+    </p:spTree>
+  </p:cSld>
+</p:sld>
+</file>
+
+<file path=ppt/slides/slide28.xml><?xml version="1.0" encoding="utf-8"?>
+<p:sld xmlns:a="http://schemas.openxmlformats.org/drawingml/2006/main" xmlns:r="http://schemas.openxmlformats.org/officeDocument/2006/relationships" xmlns:p="http://schemas.openxmlformats.org/presentationml/2006/main">
+  <p:cSld>
+    <p:spTree>
+      <p:nvGrpSpPr>
+        <p:cNvPr id="1" name=""/>
+        <p:cNvGrpSpPr/>
+        <p:nvPr/>
+      </p:nvGrpSpPr>
+      <p:grpSpPr>
+        <a:xfrm>
+          <a:off x="0" y="0"/>
+          <a:ext cx="0" cy="0"/>
+          <a:chOff x="0" y="0"/>
+          <a:chExt cx="0" cy="0"/>
+        </a:xfrm>
+      </p:grpSpPr>
+      <p:sp>
+        <p:nvSpPr>
+          <p:cNvPr id="2" name="Title 1"/>
+          <p:cNvSpPr>
+            <a:spLocks noGrp="1"/>
+          </p:cNvSpPr>
+          <p:nvPr>
+            <p:ph type="title"/>
+          </p:nvPr>
+        </p:nvSpPr>
+        <p:spPr/>
+        <p:txBody>
+          <a:bodyPr/>
+          <a:lstStyle/>
+          <a:p>
+            <a:pPr lvl="0" indent="0" marL="0">
+              <a:buNone/>
+            </a:pPr>
+            <a:r>
+              <a:rPr/>
+              <a:t>Conclusion du Test de Jarque Bera des series</a:t>
+            </a:r>
+          </a:p>
+        </p:txBody>
+      </p:sp>
+      <mc:AlternateContent xmlns:mc="http://schemas.openxmlformats.org/markup-compatibility/2006">
+        <mc:Choice xmlns:a14="http://schemas.microsoft.com/office/drawing/2010/main" Requires="a14">
+          <p:sp>
+            <p:nvSpPr>
+              <p:cNvPr id="3" name="Content Placeholder 2"/>
+              <p:cNvSpPr>
+                <a:spLocks noGrp="1"/>
+              </p:cNvSpPr>
+              <p:nvPr>
+                <p:ph idx="1"/>
+              </p:nvPr>
+            </p:nvSpPr>
+            <p:spPr/>
+            <p:txBody>
+              <a:bodyPr/>
+              <a:lstStyle/>
+              <a:p>
+                <a:pPr lvl="0" indent="0" marL="1270000">
+                  <a:buNone/>
+                </a:pPr>
+                <a:r>
+                  <a:rPr sz="2000"/>
+                  <a:t>On ne peut rejeter l’hypothese nulle pour aucune des series parce que </a:t>
+                </a:r>
+                <a14:m>
+                  <m:oMath xmlns:m="http://schemas.openxmlformats.org/officeDocument/2006/math">
+                    <m:r>
+                      <m:t>p</m:t>
+                    </m:r>
+                    <m:r>
+                      <m:rPr>
+                        <m:sty m:val="p"/>
+                      </m:rPr>
+                      <m:t>≥</m:t>
+                    </m:r>
+                    <m:r>
+                      <m:t>α</m:t>
+                    </m:r>
+                    <m:r>
+                      <m:rPr>
+                        <m:sty m:val="p"/>
+                      </m:rPr>
+                      <m:t>,</m:t>
+                    </m:r>
+                    <m:r>
+                      <m:t>α</m:t>
+                    </m:r>
+                    <m:r>
+                      <m:rPr>
+                        <m:sty m:val="p"/>
+                      </m:rPr>
+                      <m:t>=</m:t>
+                    </m:r>
+                    <m:r>
+                      <m:t>0.05</m:t>
+                    </m:r>
+                  </m:oMath>
+                </a14:m>
+              </a:p>
+            </p:txBody>
+          </p:sp>
+        </mc:Choice>
+      </mc:AlternateContent>
+    </p:spTree>
+  </p:cSld>
+</p:sld>
+</file>
+
+<file path=ppt/slides/slide29.xml><?xml version="1.0" encoding="utf-8"?>
+<p:sld xmlns:a="http://schemas.openxmlformats.org/drawingml/2006/main" xmlns:r="http://schemas.openxmlformats.org/officeDocument/2006/relationships" xmlns:p="http://schemas.openxmlformats.org/presentationml/2006/main">
+  <p:cSld>
+    <p:spTree>
+      <p:nvGrpSpPr>
+        <p:cNvPr id="1" name=""/>
+        <p:cNvGrpSpPr/>
+        <p:nvPr/>
+      </p:nvGrpSpPr>
+      <p:grpSpPr>
+        <a:xfrm>
+          <a:off x="0" y="0"/>
+          <a:ext cx="0" cy="0"/>
+          <a:chOff x="0" y="0"/>
+          <a:chExt cx="0" cy="0"/>
+        </a:xfrm>
+      </p:grpSpPr>
+      <p:sp>
+        <p:nvSpPr>
+          <p:cNvPr id="2" name="Title 1"/>
+          <p:cNvSpPr>
+            <a:spLocks noGrp="1"/>
+          </p:cNvSpPr>
+          <p:nvPr>
+            <p:ph type="title"/>
+          </p:nvPr>
+        </p:nvSpPr>
+        <p:spPr>
+          <a:xfrm>
+            <a:off x="722313" y="3305176"/>
+            <a:ext cx="7772400" cy="1021556"/>
+          </a:xfrm>
+        </p:spPr>
+        <p:txBody>
+          <a:bodyPr/>
+          <a:lstStyle/>
+          <a:p>
+            <a:pPr lvl="0" indent="0" marL="0">
+              <a:buNone/>
+            </a:pPr>
+            <a:r>
+              <a:rPr/>
+              <a:t>La stationarite des Variable (LN)</a:t>
+            </a:r>
+          </a:p>
+        </p:txBody>
+      </p:sp>
+    </p:spTree>
+  </p:cSld>
+</p:sld>
+</file>
+
 <file path=ppt/slides/slide3.xml><?xml version="1.0" encoding="utf-8"?>
 <p:sld xmlns:a="http://schemas.openxmlformats.org/drawingml/2006/main" xmlns:r="http://schemas.openxmlformats.org/officeDocument/2006/relationships" xmlns:p="http://schemas.openxmlformats.org/presentationml/2006/main">
   <p:cSld>
@@ -6300,6 +7374,100 @@
       <p:bldP spid="3" grpId="0" uiExpand="1" build="p"/>
     </p:bldLst>
   </p:timing>
+</p:sld>
+</file>
+
+<file path=ppt/slides/slide30.xml><?xml version="1.0" encoding="utf-8"?>
+<p:sld xmlns:a="http://schemas.openxmlformats.org/drawingml/2006/main" xmlns:r="http://schemas.openxmlformats.org/officeDocument/2006/relationships" xmlns:p="http://schemas.openxmlformats.org/presentationml/2006/main">
+  <p:cSld>
+    <p:spTree>
+      <p:nvGrpSpPr>
+        <p:cNvPr id="1" name=""/>
+        <p:cNvGrpSpPr/>
+        <p:nvPr/>
+      </p:nvGrpSpPr>
+      <p:grpSpPr>
+        <a:xfrm>
+          <a:off x="0" y="0"/>
+          <a:ext cx="0" cy="0"/>
+          <a:chOff x="0" y="0"/>
+          <a:chExt cx="0" cy="0"/>
+        </a:xfrm>
+      </p:grpSpPr>
+      <p:sp>
+        <p:nvSpPr>
+          <p:cNvPr id="2" name="Title 1"/>
+          <p:cNvSpPr>
+            <a:spLocks noGrp="1"/>
+          </p:cNvSpPr>
+          <p:nvPr>
+            <p:ph type="title"/>
+          </p:nvPr>
+        </p:nvSpPr>
+        <p:spPr/>
+        <p:txBody>
+          <a:bodyPr/>
+          <a:lstStyle/>
+          <a:p>
+            <a:pPr lvl="0" indent="0" marL="0">
+              <a:buNone/>
+            </a:pPr>
+            <a:r>
+              <a:rPr/>
+              <a:t>Les series en Niveau</a:t>
+            </a:r>
+          </a:p>
+        </p:txBody>
+      </p:sp>
+    </p:spTree>
+  </p:cSld>
+</p:sld>
+</file>
+
+<file path=ppt/slides/slide31.xml><?xml version="1.0" encoding="utf-8"?>
+<p:sld xmlns:a="http://schemas.openxmlformats.org/drawingml/2006/main" xmlns:r="http://schemas.openxmlformats.org/officeDocument/2006/relationships" xmlns:p="http://schemas.openxmlformats.org/presentationml/2006/main">
+  <p:cSld>
+    <p:spTree>
+      <p:nvGrpSpPr>
+        <p:cNvPr id="1" name=""/>
+        <p:cNvGrpSpPr/>
+        <p:nvPr/>
+      </p:nvGrpSpPr>
+      <p:grpSpPr>
+        <a:xfrm>
+          <a:off x="0" y="0"/>
+          <a:ext cx="0" cy="0"/>
+          <a:chOff x="0" y="0"/>
+          <a:chExt cx="0" cy="0"/>
+        </a:xfrm>
+      </p:grpSpPr>
+      <p:sp>
+        <p:nvSpPr>
+          <p:cNvPr id="2" name="Title 1"/>
+          <p:cNvSpPr>
+            <a:spLocks noGrp="1"/>
+          </p:cNvSpPr>
+          <p:nvPr>
+            <p:ph type="title"/>
+          </p:nvPr>
+        </p:nvSpPr>
+        <p:spPr/>
+        <p:txBody>
+          <a:bodyPr/>
+          <a:lstStyle/>
+          <a:p>
+            <a:pPr lvl="0" indent="0" marL="0">
+              <a:buNone/>
+            </a:pPr>
+            <a:r>
+              <a:rPr/>
+              <a:t>Les series en diff premiere</a:t>
+            </a:r>
+          </a:p>
+        </p:txBody>
+      </p:sp>
+    </p:spTree>
+  </p:cSld>
 </p:sld>
 </file>
 

--- a/modele_presentation.pptx
+++ b/modele_presentation.pptx
@@ -36,6 +36,8 @@
     <p:sldId id="284" r:id="rId30"/>
     <p:sldId id="285" r:id="rId31"/>
     <p:sldId id="286" r:id="rId32"/>
+    <p:sldId id="287" r:id="rId33"/>
+    <p:sldId id="288" r:id="rId34"/>
   </p:sldIdLst>
   <p:sldSz cx="9144000" cy="5143500" type="screen16x9"/>
   <p:notesSz cx="6858000" cy="9144000"/>
@@ -7414,7 +7416,32 @@
             </a:pPr>
             <a:r>
               <a:rPr/>
-              <a:t>Les series en Niveau</a:t>
+              <a:t>Procedure</a:t>
+            </a:r>
+          </a:p>
+        </p:txBody>
+      </p:sp>
+      <p:sp>
+        <p:nvSpPr>
+          <p:cNvPr id="3" name="Content Placeholder 2"/>
+          <p:cNvSpPr>
+            <a:spLocks noGrp="1"/>
+          </p:cNvSpPr>
+          <p:nvPr>
+            <p:ph idx="1"/>
+          </p:nvPr>
+        </p:nvSpPr>
+        <p:spPr/>
+        <p:txBody>
+          <a:bodyPr/>
+          <a:lstStyle/>
+          <a:p>
+            <a:pPr lvl="0" indent="0" marL="0">
+              <a:buNone/>
+            </a:pPr>
+            <a:r>
+              <a:rPr/>
+              <a:t>La procedure d’etude de la stationarite demande que l’on procede de stationarite pour les series en niveau. Ensuite on passe le filtre de difference sur les series et on recommence les tests.</a:t>
             </a:r>
           </a:p>
         </p:txBody>
@@ -7461,11 +7488,1082 @@
             </a:pPr>
             <a:r>
               <a:rPr/>
-              <a:t>Les series en diff premiere</a:t>
+              <a:t>Filtre de difference</a:t>
             </a:r>
           </a:p>
         </p:txBody>
       </p:sp>
+      <mc:AlternateContent xmlns:mc="http://schemas.openxmlformats.org/markup-compatibility/2006">
+        <mc:Choice xmlns:a14="http://schemas.microsoft.com/office/drawing/2010/main" Requires="a14">
+          <p:sp>
+            <p:nvSpPr>
+              <p:cNvPr id="3" name="Content Placeholder 2"/>
+              <p:cNvSpPr>
+                <a:spLocks noGrp="1"/>
+              </p:cNvSpPr>
+              <p:nvPr>
+                <p:ph idx="1"/>
+              </p:nvPr>
+            </p:nvSpPr>
+            <p:spPr/>
+            <p:txBody>
+              <a:bodyPr/>
+              <a:lstStyle/>
+              <a:p>
+                <a:pPr lvl="0" indent="0" marL="0">
+                  <a:buNone/>
+                </a:pPr>
+                <a:r>
+                  <a:rPr/>
+                  <a:t>Le filtre de différence est une opération couramment utilisée dans l’analyse des séries chronologiques pour transformer une série en une série stationnaire en différenciant les observations. La différenciation implique de soustraire chaque observation de la série par son observation précédente. Cette opération aide à éliminer les tendances et les structures temporelles de la série, rendant ainsi la série stationnaire. Voici comment le filtre de différence est mathématiquement représenté :</a:t>
+                </a:r>
+              </a:p>
+              <a:p>
+                <a:pPr lvl="0" indent="0" marL="0">
+                  <a:buNone/>
+                </a:pPr>
+                <a:r>
+                  <a:rPr/>
+                  <a:t>Si nous avons une série chronologique </a:t>
+                </a:r>
+                <a14:m>
+                  <m:oMath xmlns:m="http://schemas.openxmlformats.org/officeDocument/2006/math">
+                    <m:sSub>
+                      <m:e>
+                        <m:r>
+                          <m:t>y</m:t>
+                        </m:r>
+                      </m:e>
+                      <m:sub>
+                        <m:r>
+                          <m:t>t</m:t>
+                        </m:r>
+                      </m:sub>
+                    </m:sSub>
+                  </m:oMath>
+                </a14:m>
+                <a:r>
+                  <a:rPr/>
+                  <a:t> pour </a:t>
+                </a:r>
+                <a14:m>
+                  <m:oMath xmlns:m="http://schemas.openxmlformats.org/officeDocument/2006/math">
+                    <m:r>
+                      <m:t>t</m:t>
+                    </m:r>
+                    <m:r>
+                      <m:rPr>
+                        <m:sty m:val="p"/>
+                      </m:rPr>
+                      <m:t>=</m:t>
+                    </m:r>
+                    <m:r>
+                      <m:t>1</m:t>
+                    </m:r>
+                    <m:r>
+                      <m:rPr>
+                        <m:sty m:val="p"/>
+                      </m:rPr>
+                      <m:t>,</m:t>
+                    </m:r>
+                    <m:r>
+                      <m:t>2</m:t>
+                    </m:r>
+                    <m:r>
+                      <m:rPr>
+                        <m:sty m:val="p"/>
+                      </m:rPr>
+                      <m:t>,</m:t>
+                    </m:r>
+                    <m:r>
+                      <m:rPr>
+                        <m:sty m:val="p"/>
+                      </m:rPr>
+                      <m:t>.</m:t>
+                    </m:r>
+                    <m:r>
+                      <m:rPr>
+                        <m:sty m:val="p"/>
+                      </m:rPr>
+                      <m:t>.</m:t>
+                    </m:r>
+                    <m:r>
+                      <m:rPr>
+                        <m:sty m:val="p"/>
+                      </m:rPr>
+                      <m:t>.</m:t>
+                    </m:r>
+                    <m:r>
+                      <m:rPr>
+                        <m:sty m:val="p"/>
+                      </m:rPr>
+                      <m:t>,</m:t>
+                    </m:r>
+                    <m:r>
+                      <m:t>T</m:t>
+                    </m:r>
+                  </m:oMath>
+                </a14:m>
+                <a:r>
+                  <a:rPr/>
+                  <a:t>, alors la série de différences premières, notée </a:t>
+                </a:r>
+                <a14:m>
+                  <m:oMath xmlns:m="http://schemas.openxmlformats.org/officeDocument/2006/math">
+                    <m:r>
+                      <m:t>Δ</m:t>
+                    </m:r>
+                    <m:sSub>
+                      <m:e>
+                        <m:r>
+                          <m:t>y</m:t>
+                        </m:r>
+                      </m:e>
+                      <m:sub>
+                        <m:r>
+                          <m:t>t</m:t>
+                        </m:r>
+                      </m:sub>
+                    </m:sSub>
+                  </m:oMath>
+                </a14:m>
+                <a:r>
+                  <a:rPr/>
+                  <a:t>, est définie comme :</a:t>
+                </a:r>
+              </a:p>
+              <a:p>
+                <a:pPr lvl="0" indent="0" marL="0">
+                  <a:buNone/>
+                </a:pPr>
+                <a14:m>
+                  <m:oMathPara xmlns:m="http://schemas.openxmlformats.org/officeDocument/2006/math">
+                    <m:oMathParaPr>
+                      <m:jc m:val="center"/>
+                    </m:oMathParaPr>
+                    <m:oMath>
+                      <m:r>
+                        <m:t>Δ</m:t>
+                      </m:r>
+                      <m:sSub>
+                        <m:e>
+                          <m:r>
+                            <m:t>y</m:t>
+                          </m:r>
+                        </m:e>
+                        <m:sub>
+                          <m:r>
+                            <m:t>t</m:t>
+                          </m:r>
+                        </m:sub>
+                      </m:sSub>
+                      <m:r>
+                        <m:rPr>
+                          <m:sty m:val="p"/>
+                        </m:rPr>
+                        <m:t>=</m:t>
+                      </m:r>
+                      <m:sSub>
+                        <m:e>
+                          <m:r>
+                            <m:t>y</m:t>
+                          </m:r>
+                        </m:e>
+                        <m:sub>
+                          <m:r>
+                            <m:t>t</m:t>
+                          </m:r>
+                        </m:sub>
+                      </m:sSub>
+                      <m:r>
+                        <m:rPr>
+                          <m:sty m:val="p"/>
+                        </m:rPr>
+                        <m:t>−</m:t>
+                      </m:r>
+                      <m:sSub>
+                        <m:e>
+                          <m:r>
+                            <m:t>y</m:t>
+                          </m:r>
+                        </m:e>
+                        <m:sub>
+                          <m:r>
+                            <m:t>t</m:t>
+                          </m:r>
+                          <m:r>
+                            <m:rPr>
+                              <m:sty m:val="p"/>
+                            </m:rPr>
+                            <m:t>−</m:t>
+                          </m:r>
+                          <m:r>
+                            <m:t>1</m:t>
+                          </m:r>
+                        </m:sub>
+                      </m:sSub>
+                    </m:oMath>
+                  </m:oMathPara>
+                </a14:m>
+              </a:p>
+              <a:p>
+                <a:pPr lvl="0" indent="0" marL="0">
+                  <a:buNone/>
+                </a:pPr>
+                <a:r>
+                  <a:rPr/>
+                  <a:t>Cette équation montre que chaque observation </a:t>
+                </a:r>
+                <a14:m>
+                  <m:oMath xmlns:m="http://schemas.openxmlformats.org/officeDocument/2006/math">
+                    <m:sSub>
+                      <m:e>
+                        <m:r>
+                          <m:t>y</m:t>
+                        </m:r>
+                      </m:e>
+                      <m:sub>
+                        <m:r>
+                          <m:t>t</m:t>
+                        </m:r>
+                      </m:sub>
+                    </m:sSub>
+                  </m:oMath>
+                </a14:m>
+                <a:r>
+                  <a:rPr/>
+                  <a:t>est soustraite de son observation précédente </a:t>
+                </a:r>
+                <a14:m>
+                  <m:oMath xmlns:m="http://schemas.openxmlformats.org/officeDocument/2006/math">
+                    <m:sSub>
+                      <m:e>
+                        <m:r>
+                          <m:t>y</m:t>
+                        </m:r>
+                      </m:e>
+                      <m:sub>
+                        <m:r>
+                          <m:t>t</m:t>
+                        </m:r>
+                        <m:r>
+                          <m:rPr>
+                            <m:sty m:val="p"/>
+                          </m:rPr>
+                          <m:t>−</m:t>
+                        </m:r>
+                        <m:r>
+                          <m:t>1</m:t>
+                        </m:r>
+                      </m:sub>
+                    </m:sSub>
+                  </m:oMath>
+                </a14:m>
+                <a:r>
+                  <a:rPr/>
+                  <a:t> pour obtenir la différence première </a:t>
+                </a:r>
+                <a14:m>
+                  <m:oMath xmlns:m="http://schemas.openxmlformats.org/officeDocument/2006/math">
+                    <m:r>
+                      <m:t>Δ</m:t>
+                    </m:r>
+                    <m:sSub>
+                      <m:e>
+                        <m:r>
+                          <m:t>y</m:t>
+                        </m:r>
+                      </m:e>
+                      <m:sub>
+                        <m:r>
+                          <m:t>t</m:t>
+                        </m:r>
+                      </m:sub>
+                    </m:sSub>
+                  </m:oMath>
+                </a14:m>
+                <a:r>
+                  <a:rPr/>
+                  <a:t>. Cela peut être répété pour chaque observation dans la série, créant ainsi une nouvelle série de différences premières avec une longueur de </a:t>
+                </a:r>
+                <a14:m>
+                  <m:oMath xmlns:m="http://schemas.openxmlformats.org/officeDocument/2006/math">
+                    <m:r>
+                      <m:t>T</m:t>
+                    </m:r>
+                    <m:r>
+                      <m:rPr>
+                        <m:sty m:val="p"/>
+                      </m:rPr>
+                      <m:t>−</m:t>
+                    </m:r>
+                    <m:r>
+                      <m:t>1</m:t>
+                    </m:r>
+                  </m:oMath>
+                </a14:m>
+                <a:r>
+                  <a:rPr/>
+                  <a:t>, car la première observation n’a pas de valeur précédente à soustraire.</a:t>
+                </a:r>
+              </a:p>
+              <a:p>
+                <a:pPr lvl="0" indent="0" marL="0">
+                  <a:buNone/>
+                </a:pPr>
+                <a:r>
+                  <a:rPr/>
+                  <a:t>L’opération de différenciation peut être répétée plusieurs fois si nécessaire pour obtenir une série encore plus stationnaire, en soustrayant chaque observation par son observation précédente dans la série de différences premières. La série résultante est appelée série de différences d’ordre </a:t>
+                </a:r>
+                <a14:m>
+                  <m:oMath xmlns:m="http://schemas.openxmlformats.org/officeDocument/2006/math">
+                    <m:r>
+                      <m:t>d</m:t>
+                    </m:r>
+                  </m:oMath>
+                </a14:m>
+                <a:r>
+                  <a:rPr/>
+                  <a:t>, où </a:t>
+                </a:r>
+                <a14:m>
+                  <m:oMath xmlns:m="http://schemas.openxmlformats.org/officeDocument/2006/math">
+                    <m:r>
+                      <m:t>d</m:t>
+                    </m:r>
+                  </m:oMath>
+                </a14:m>
+                <a:r>
+                  <a:rPr/>
+                  <a:t> représente le nombre de différences effectuées.</a:t>
+                </a:r>
+              </a:p>
+              <a:p>
+                <a:pPr lvl="0" indent="0" marL="0">
+                  <a:buNone/>
+                </a:pPr>
+                <a:r>
+                  <a:rPr/>
+                  <a:t>Voici un exemple d’équation LaTeX pour représenter la série de différences premières : Cette équation peut être utilisée dans les documents LaTeX pour représenter mathématiquement le concept de différenciation dans l’analyse des séries chronologiques.</a:t>
+                </a:r>
+              </a:p>
+            </p:txBody>
+          </p:sp>
+        </mc:Choice>
+      </mc:AlternateContent>
+    </p:spTree>
+  </p:cSld>
+</p:sld>
+</file>
+
+<file path=ppt/slides/slide32.xml><?xml version="1.0" encoding="utf-8"?>
+<p:sld xmlns:a="http://schemas.openxmlformats.org/drawingml/2006/main" xmlns:r="http://schemas.openxmlformats.org/officeDocument/2006/relationships" xmlns:p="http://schemas.openxmlformats.org/presentationml/2006/main">
+  <p:cSld>
+    <p:spTree>
+      <p:nvGrpSpPr>
+        <p:cNvPr id="1" name=""/>
+        <p:cNvGrpSpPr/>
+        <p:nvPr/>
+      </p:nvGrpSpPr>
+      <p:grpSpPr>
+        <a:xfrm>
+          <a:off x="0" y="0"/>
+          <a:ext cx="0" cy="0"/>
+          <a:chOff x="0" y="0"/>
+          <a:chExt cx="0" cy="0"/>
+        </a:xfrm>
+      </p:grpSpPr>
+      <p:sp>
+        <p:nvSpPr>
+          <p:cNvPr id="2" name="Title 1"/>
+          <p:cNvSpPr>
+            <a:spLocks noGrp="1"/>
+          </p:cNvSpPr>
+          <p:nvPr>
+            <p:ph type="title"/>
+          </p:nvPr>
+        </p:nvSpPr>
+        <p:spPr/>
+        <p:txBody>
+          <a:bodyPr/>
+          <a:lstStyle/>
+          <a:p>
+            <a:pPr lvl="0" indent="0" marL="0">
+              <a:buNone/>
+            </a:pPr>
+            <a:r>
+              <a:rPr/>
+              <a:t>Hypotheses pour les tests de stationnarite</a:t>
+            </a:r>
+          </a:p>
+        </p:txBody>
+      </p:sp>
+      <p:sp>
+        <p:nvSpPr>
+          <p:cNvPr id="3" name="Content Placeholder 2"/>
+          <p:cNvSpPr>
+            <a:spLocks noGrp="1"/>
+          </p:cNvSpPr>
+          <p:nvPr>
+            <p:ph idx="1"/>
+          </p:nvPr>
+        </p:nvSpPr>
+        <p:spPr/>
+        <p:txBody>
+          <a:bodyPr/>
+          <a:lstStyle/>
+          <a:p>
+            <a:pPr lvl="0" indent="0" marL="0">
+              <a:buNone/>
+            </a:pPr>
+            <a:r>
+              <a:rPr/>
+              <a:t>Bien sûr, voici les hypothèses nulles et alternatives pour les tests ADF, KPSS et Phillips-Perron :</a:t>
+            </a:r>
+          </a:p>
+          <a:p>
+            <a:pPr lvl="0" indent="-342900" marL="342900">
+              <a:buAutoNum type="arabicPeriod"/>
+            </a:pPr>
+            <a:r>
+              <a:rPr b="1"/>
+              <a:t>Test de Dickey-Fuller Augmenté (ADF)</a:t>
+            </a:r>
+            <a:r>
+              <a:rPr/>
+              <a:t> :</a:t>
+            </a:r>
+          </a:p>
+          <a:p>
+            <a:pPr lvl="1"/>
+            <a:r>
+              <a:rPr/>
+              <a:t>Hypothèse Nulle (H0) : La série chronologique possède une racine unitaire, ce qui signifie qu’elle n’est pas stationnaire.</a:t>
+            </a:r>
+          </a:p>
+          <a:p>
+            <a:pPr lvl="1"/>
+            <a:r>
+              <a:rPr/>
+              <a:t>Hypothèse Alternative (H1) : La série chronologique ne possède pas de racine unitaire, ce qui signifie qu’elle est stationnaire.</a:t>
+            </a:r>
+          </a:p>
+          <a:p>
+            <a:pPr lvl="0" indent="-342900" marL="342900">
+              <a:buAutoNum type="arabicPeriod"/>
+            </a:pPr>
+            <a:r>
+              <a:rPr b="1"/>
+              <a:t>Test KPSS (Kwiatkowski-Phillips-Schmidt-Shin)</a:t>
+            </a:r>
+            <a:r>
+              <a:rPr/>
+              <a:t> :</a:t>
+            </a:r>
+          </a:p>
+          <a:p>
+            <a:pPr lvl="1"/>
+            <a:r>
+              <a:rPr/>
+              <a:t>Hypothèse Nulle (H0) : La série chronologique est stationnaire.</a:t>
+            </a:r>
+          </a:p>
+          <a:p>
+            <a:pPr lvl="1"/>
+            <a:r>
+              <a:rPr/>
+              <a:t>Hypothèse Alternative (H1) : La série chronologique n’est pas stationnaire.</a:t>
+            </a:r>
+          </a:p>
+          <a:p>
+            <a:pPr lvl="0" indent="-342900" marL="342900">
+              <a:buAutoNum type="arabicPeriod"/>
+            </a:pPr>
+            <a:r>
+              <a:rPr b="1"/>
+              <a:t>Test Phillips-Perron</a:t>
+            </a:r>
+            <a:r>
+              <a:rPr/>
+              <a:t> :</a:t>
+            </a:r>
+          </a:p>
+          <a:p>
+            <a:pPr lvl="1"/>
+            <a:r>
+              <a:rPr/>
+              <a:t>Hypothèse Nulle (H0) : La série chronologique possède une racine unitaire, ce qui signifie qu’elle n’est pas stationnaire.</a:t>
+            </a:r>
+          </a:p>
+          <a:p>
+            <a:pPr lvl="1"/>
+            <a:r>
+              <a:rPr/>
+              <a:t>Hypothèse Alternative (H1) : La série chronologique ne possède pas de racine unitaire, ce qui signifie qu’elle est stationnaire.</a:t>
+            </a:r>
+          </a:p>
+          <a:p>
+            <a:pPr lvl="0" indent="0" marL="0">
+              <a:buNone/>
+            </a:pPr>
+            <a:r>
+              <a:rPr/>
+              <a:t>Il est important de noter que les conclusions des tests dépendent de la p-value associée. Si la p-value est inférieure à un certain seuil (généralement 0,05), on rejette l’hypothèse nulle au profit de l’hypothèse alternative, ce qui signifie que la série est considérée comme stationnaire. Sinon, si la p-value est supérieure au seuil, on ne peut pas rejeter l’hypothèse nulle, ce qui indique que la série n’est pas stationnaire.</a:t>
+            </a:r>
+          </a:p>
+        </p:txBody>
+      </p:sp>
+    </p:spTree>
+  </p:cSld>
+  <p:timing>
+    <p:tnLst>
+      <p:par>
+        <p:cTn id="1" dur="indefinite" restart="never" nodeType="tmRoot">
+          <p:childTnLst>
+            <p:seq concurrent="1" nextAc="seek">
+              <p:cTn id="2" dur="indefinite" nodeType="mainSeq">
+                <p:childTnLst>
+                  <p:par>
+                    <p:cTn id="3" fill="hold">
+                      <p:stCondLst>
+                        <p:cond delay="indefinite"/>
+                      </p:stCondLst>
+                      <p:childTnLst>
+                        <p:par>
+                          <p:cTn id="4" fill="hold">
+                            <p:stCondLst>
+                              <p:cond delay="0"/>
+                            </p:stCondLst>
+                            <p:childTnLst>
+                              <p:par>
+                                <p:cTn id="5" presetID="1" presetClass="entr" presetSubtype="0" fill="hold" grpId="0" nodeType="clickEffect">
+                                  <p:stCondLst>
+                                    <p:cond delay="0"/>
+                                  </p:stCondLst>
+                                  <p:childTnLst>
+                                    <p:set>
+                                      <p:cBhvr>
+                                        <p:cTn id="6" dur="1" fill="hold">
+                                          <p:stCondLst>
+                                            <p:cond delay="0"/>
+                                          </p:stCondLst>
+                                        </p:cTn>
+                                        <p:tgtEl>
+                                          <p:spTgt spid="3">
+                                            <p:txEl>
+                                              <p:pRg st="1" end="1"/>
+                                            </p:txEl>
+                                          </p:spTgt>
+                                        </p:tgtEl>
+                                        <p:attrNameLst>
+                                          <p:attrName>style.visibility</p:attrName>
+                                        </p:attrNameLst>
+                                      </p:cBhvr>
+                                      <p:to>
+                                        <p:strVal val="visible"/>
+                                      </p:to>
+                                    </p:set>
+                                  </p:childTnLst>
+                                </p:cTn>
+                              </p:par>
+                            </p:childTnLst>
+                          </p:cTn>
+                        </p:par>
+                      </p:childTnLst>
+                    </p:cTn>
+                  </p:par>
+                  <p:par>
+                    <p:cTn id="7" fill="hold">
+                      <p:stCondLst>
+                        <p:cond delay="indefinite"/>
+                      </p:stCondLst>
+                      <p:childTnLst>
+                        <p:par>
+                          <p:cTn id="8" fill="hold">
+                            <p:stCondLst>
+                              <p:cond delay="0"/>
+                            </p:stCondLst>
+                            <p:childTnLst>
+                              <p:par>
+                                <p:cTn id="9" presetID="1" presetClass="entr" presetSubtype="0" fill="hold" grpId="0" nodeType="clickEffect">
+                                  <p:stCondLst>
+                                    <p:cond delay="0"/>
+                                  </p:stCondLst>
+                                  <p:childTnLst>
+                                    <p:set>
+                                      <p:cBhvr>
+                                        <p:cTn id="10" dur="1" fill="hold">
+                                          <p:stCondLst>
+                                            <p:cond delay="0"/>
+                                          </p:stCondLst>
+                                        </p:cTn>
+                                        <p:tgtEl>
+                                          <p:spTgt spid="3">
+                                            <p:txEl>
+                                              <p:pRg st="2" end="2"/>
+                                            </p:txEl>
+                                          </p:spTgt>
+                                        </p:tgtEl>
+                                        <p:attrNameLst>
+                                          <p:attrName>style.visibility</p:attrName>
+                                        </p:attrNameLst>
+                                      </p:cBhvr>
+                                      <p:to>
+                                        <p:strVal val="visible"/>
+                                      </p:to>
+                                    </p:set>
+                                  </p:childTnLst>
+                                </p:cTn>
+                              </p:par>
+                            </p:childTnLst>
+                          </p:cTn>
+                        </p:par>
+                      </p:childTnLst>
+                    </p:cTn>
+                  </p:par>
+                  <p:par>
+                    <p:cTn id="11" fill="hold">
+                      <p:stCondLst>
+                        <p:cond delay="indefinite"/>
+                      </p:stCondLst>
+                      <p:childTnLst>
+                        <p:par>
+                          <p:cTn id="12" fill="hold">
+                            <p:stCondLst>
+                              <p:cond delay="0"/>
+                            </p:stCondLst>
+                            <p:childTnLst>
+                              <p:par>
+                                <p:cTn id="13" presetID="1" presetClass="entr" presetSubtype="0" fill="hold" grpId="0" nodeType="clickEffect">
+                                  <p:stCondLst>
+                                    <p:cond delay="0"/>
+                                  </p:stCondLst>
+                                  <p:childTnLst>
+                                    <p:set>
+                                      <p:cBhvr>
+                                        <p:cTn id="14" dur="1" fill="hold">
+                                          <p:stCondLst>
+                                            <p:cond delay="0"/>
+                                          </p:stCondLst>
+                                        </p:cTn>
+                                        <p:tgtEl>
+                                          <p:spTgt spid="3">
+                                            <p:txEl>
+                                              <p:pRg st="3" end="3"/>
+                                            </p:txEl>
+                                          </p:spTgt>
+                                        </p:tgtEl>
+                                        <p:attrNameLst>
+                                          <p:attrName>style.visibility</p:attrName>
+                                        </p:attrNameLst>
+                                      </p:cBhvr>
+                                      <p:to>
+                                        <p:strVal val="visible"/>
+                                      </p:to>
+                                    </p:set>
+                                  </p:childTnLst>
+                                </p:cTn>
+                              </p:par>
+                            </p:childTnLst>
+                          </p:cTn>
+                        </p:par>
+                      </p:childTnLst>
+                    </p:cTn>
+                  </p:par>
+                  <p:par>
+                    <p:cTn id="15" fill="hold">
+                      <p:stCondLst>
+                        <p:cond delay="indefinite"/>
+                      </p:stCondLst>
+                      <p:childTnLst>
+                        <p:par>
+                          <p:cTn id="16" fill="hold">
+                            <p:stCondLst>
+                              <p:cond delay="0"/>
+                            </p:stCondLst>
+                            <p:childTnLst>
+                              <p:par>
+                                <p:cTn id="17" presetID="1" presetClass="entr" presetSubtype="0" fill="hold" grpId="0" nodeType="clickEffect">
+                                  <p:stCondLst>
+                                    <p:cond delay="0"/>
+                                  </p:stCondLst>
+                                  <p:childTnLst>
+                                    <p:set>
+                                      <p:cBhvr>
+                                        <p:cTn id="18" dur="1" fill="hold">
+                                          <p:stCondLst>
+                                            <p:cond delay="0"/>
+                                          </p:stCondLst>
+                                        </p:cTn>
+                                        <p:tgtEl>
+                                          <p:spTgt spid="3">
+                                            <p:txEl>
+                                              <p:pRg st="4" end="4"/>
+                                            </p:txEl>
+                                          </p:spTgt>
+                                        </p:tgtEl>
+                                        <p:attrNameLst>
+                                          <p:attrName>style.visibility</p:attrName>
+                                        </p:attrNameLst>
+                                      </p:cBhvr>
+                                      <p:to>
+                                        <p:strVal val="visible"/>
+                                      </p:to>
+                                    </p:set>
+                                  </p:childTnLst>
+                                </p:cTn>
+                              </p:par>
+                            </p:childTnLst>
+                          </p:cTn>
+                        </p:par>
+                      </p:childTnLst>
+                    </p:cTn>
+                  </p:par>
+                  <p:par>
+                    <p:cTn id="19" fill="hold">
+                      <p:stCondLst>
+                        <p:cond delay="indefinite"/>
+                      </p:stCondLst>
+                      <p:childTnLst>
+                        <p:par>
+                          <p:cTn id="20" fill="hold">
+                            <p:stCondLst>
+                              <p:cond delay="0"/>
+                            </p:stCondLst>
+                            <p:childTnLst>
+                              <p:par>
+                                <p:cTn id="21" presetID="1" presetClass="entr" presetSubtype="0" fill="hold" grpId="0" nodeType="clickEffect">
+                                  <p:stCondLst>
+                                    <p:cond delay="0"/>
+                                  </p:stCondLst>
+                                  <p:childTnLst>
+                                    <p:set>
+                                      <p:cBhvr>
+                                        <p:cTn id="22" dur="1" fill="hold">
+                                          <p:stCondLst>
+                                            <p:cond delay="0"/>
+                                          </p:stCondLst>
+                                        </p:cTn>
+                                        <p:tgtEl>
+                                          <p:spTgt spid="3">
+                                            <p:txEl>
+                                              <p:pRg st="5" end="5"/>
+                                            </p:txEl>
+                                          </p:spTgt>
+                                        </p:tgtEl>
+                                        <p:attrNameLst>
+                                          <p:attrName>style.visibility</p:attrName>
+                                        </p:attrNameLst>
+                                      </p:cBhvr>
+                                      <p:to>
+                                        <p:strVal val="visible"/>
+                                      </p:to>
+                                    </p:set>
+                                  </p:childTnLst>
+                                </p:cTn>
+                              </p:par>
+                            </p:childTnLst>
+                          </p:cTn>
+                        </p:par>
+                      </p:childTnLst>
+                    </p:cTn>
+                  </p:par>
+                  <p:par>
+                    <p:cTn id="23" fill="hold">
+                      <p:stCondLst>
+                        <p:cond delay="indefinite"/>
+                      </p:stCondLst>
+                      <p:childTnLst>
+                        <p:par>
+                          <p:cTn id="24" fill="hold">
+                            <p:stCondLst>
+                              <p:cond delay="0"/>
+                            </p:stCondLst>
+                            <p:childTnLst>
+                              <p:par>
+                                <p:cTn id="25" presetID="1" presetClass="entr" presetSubtype="0" fill="hold" grpId="0" nodeType="clickEffect">
+                                  <p:stCondLst>
+                                    <p:cond delay="0"/>
+                                  </p:stCondLst>
+                                  <p:childTnLst>
+                                    <p:set>
+                                      <p:cBhvr>
+                                        <p:cTn id="26" dur="1" fill="hold">
+                                          <p:stCondLst>
+                                            <p:cond delay="0"/>
+                                          </p:stCondLst>
+                                        </p:cTn>
+                                        <p:tgtEl>
+                                          <p:spTgt spid="3">
+                                            <p:txEl>
+                                              <p:pRg st="6" end="6"/>
+                                            </p:txEl>
+                                          </p:spTgt>
+                                        </p:tgtEl>
+                                        <p:attrNameLst>
+                                          <p:attrName>style.visibility</p:attrName>
+                                        </p:attrNameLst>
+                                      </p:cBhvr>
+                                      <p:to>
+                                        <p:strVal val="visible"/>
+                                      </p:to>
+                                    </p:set>
+                                  </p:childTnLst>
+                                </p:cTn>
+                              </p:par>
+                            </p:childTnLst>
+                          </p:cTn>
+                        </p:par>
+                      </p:childTnLst>
+                    </p:cTn>
+                  </p:par>
+                  <p:par>
+                    <p:cTn id="27" fill="hold">
+                      <p:stCondLst>
+                        <p:cond delay="indefinite"/>
+                      </p:stCondLst>
+                      <p:childTnLst>
+                        <p:par>
+                          <p:cTn id="28" fill="hold">
+                            <p:stCondLst>
+                              <p:cond delay="0"/>
+                            </p:stCondLst>
+                            <p:childTnLst>
+                              <p:par>
+                                <p:cTn id="29" presetID="1" presetClass="entr" presetSubtype="0" fill="hold" grpId="0" nodeType="clickEffect">
+                                  <p:stCondLst>
+                                    <p:cond delay="0"/>
+                                  </p:stCondLst>
+                                  <p:childTnLst>
+                                    <p:set>
+                                      <p:cBhvr>
+                                        <p:cTn id="30" dur="1" fill="hold">
+                                          <p:stCondLst>
+                                            <p:cond delay="0"/>
+                                          </p:stCondLst>
+                                        </p:cTn>
+                                        <p:tgtEl>
+                                          <p:spTgt spid="3">
+                                            <p:txEl>
+                                              <p:pRg st="7" end="7"/>
+                                            </p:txEl>
+                                          </p:spTgt>
+                                        </p:tgtEl>
+                                        <p:attrNameLst>
+                                          <p:attrName>style.visibility</p:attrName>
+                                        </p:attrNameLst>
+                                      </p:cBhvr>
+                                      <p:to>
+                                        <p:strVal val="visible"/>
+                                      </p:to>
+                                    </p:set>
+                                  </p:childTnLst>
+                                </p:cTn>
+                              </p:par>
+                            </p:childTnLst>
+                          </p:cTn>
+                        </p:par>
+                      </p:childTnLst>
+                    </p:cTn>
+                  </p:par>
+                  <p:par>
+                    <p:cTn id="31" fill="hold">
+                      <p:stCondLst>
+                        <p:cond delay="indefinite"/>
+                      </p:stCondLst>
+                      <p:childTnLst>
+                        <p:par>
+                          <p:cTn id="32" fill="hold">
+                            <p:stCondLst>
+                              <p:cond delay="0"/>
+                            </p:stCondLst>
+                            <p:childTnLst>
+                              <p:par>
+                                <p:cTn id="33" presetID="1" presetClass="entr" presetSubtype="0" fill="hold" grpId="0" nodeType="clickEffect">
+                                  <p:stCondLst>
+                                    <p:cond delay="0"/>
+                                  </p:stCondLst>
+                                  <p:childTnLst>
+                                    <p:set>
+                                      <p:cBhvr>
+                                        <p:cTn id="34" dur="1" fill="hold">
+                                          <p:stCondLst>
+                                            <p:cond delay="0"/>
+                                          </p:stCondLst>
+                                        </p:cTn>
+                                        <p:tgtEl>
+                                          <p:spTgt spid="3">
+                                            <p:txEl>
+                                              <p:pRg st="8" end="8"/>
+                                            </p:txEl>
+                                          </p:spTgt>
+                                        </p:tgtEl>
+                                        <p:attrNameLst>
+                                          <p:attrName>style.visibility</p:attrName>
+                                        </p:attrNameLst>
+                                      </p:cBhvr>
+                                      <p:to>
+                                        <p:strVal val="visible"/>
+                                      </p:to>
+                                    </p:set>
+                                  </p:childTnLst>
+                                </p:cTn>
+                              </p:par>
+                            </p:childTnLst>
+                          </p:cTn>
+                        </p:par>
+                      </p:childTnLst>
+                    </p:cTn>
+                  </p:par>
+                  <p:par>
+                    <p:cTn id="35" fill="hold">
+                      <p:stCondLst>
+                        <p:cond delay="indefinite"/>
+                      </p:stCondLst>
+                      <p:childTnLst>
+                        <p:par>
+                          <p:cTn id="36" fill="hold">
+                            <p:stCondLst>
+                              <p:cond delay="0"/>
+                            </p:stCondLst>
+                            <p:childTnLst>
+                              <p:par>
+                                <p:cTn id="37" presetID="1" presetClass="entr" presetSubtype="0" fill="hold" grpId="0" nodeType="clickEffect">
+                                  <p:stCondLst>
+                                    <p:cond delay="0"/>
+                                  </p:stCondLst>
+                                  <p:childTnLst>
+                                    <p:set>
+                                      <p:cBhvr>
+                                        <p:cTn id="38" dur="1" fill="hold">
+                                          <p:stCondLst>
+                                            <p:cond delay="0"/>
+                                          </p:stCondLst>
+                                        </p:cTn>
+                                        <p:tgtEl>
+                                          <p:spTgt spid="3">
+                                            <p:txEl>
+                                              <p:pRg st="9" end="9"/>
+                                            </p:txEl>
+                                          </p:spTgt>
+                                        </p:tgtEl>
+                                        <p:attrNameLst>
+                                          <p:attrName>style.visibility</p:attrName>
+                                        </p:attrNameLst>
+                                      </p:cBhvr>
+                                      <p:to>
+                                        <p:strVal val="visible"/>
+                                      </p:to>
+                                    </p:set>
+                                  </p:childTnLst>
+                                </p:cTn>
+                              </p:par>
+                            </p:childTnLst>
+                          </p:cTn>
+                        </p:par>
+                      </p:childTnLst>
+                    </p:cTn>
+                  </p:par>
+                </p:childTnLst>
+              </p:cTn>
+              <p:prevCondLst>
+                <p:cond evt="onPrev" delay="0">
+                  <p:tgtEl>
+                    <p:sldTgt/>
+                  </p:tgtEl>
+                </p:cond>
+              </p:prevCondLst>
+              <p:nextCondLst>
+                <p:cond evt="onNext" delay="0">
+                  <p:tgtEl>
+                    <p:sldTgt/>
+                  </p:tgtEl>
+                </p:cond>
+              </p:nextCondLst>
+            </p:seq>
+          </p:childTnLst>
+        </p:cTn>
+      </p:par>
+    </p:tnLst>
+    <p:bldLst>
+      <p:bldP spid="3" grpId="0" uiExpand="1" build="p"/>
+    </p:bldLst>
+  </p:timing>
+</p:sld>
+</file>
+
+<file path=ppt/slides/slide33.xml><?xml version="1.0" encoding="utf-8"?>
+<p:sld xmlns:a="http://schemas.openxmlformats.org/drawingml/2006/main" xmlns:r="http://schemas.openxmlformats.org/officeDocument/2006/relationships" xmlns:p="http://schemas.openxmlformats.org/presentationml/2006/main">
+  <p:cSld>
+    <p:spTree>
+      <p:nvGrpSpPr>
+        <p:cNvPr id="1" name=""/>
+        <p:cNvGrpSpPr/>
+        <p:nvPr/>
+      </p:nvGrpSpPr>
+      <p:grpSpPr>
+        <a:xfrm>
+          <a:off x="0" y="0"/>
+          <a:ext cx="0" cy="0"/>
+          <a:chOff x="0" y="0"/>
+          <a:chExt cx="0" cy="0"/>
+        </a:xfrm>
+      </p:grpSpPr>
+      <p:sp>
+        <p:nvSpPr>
+          <p:cNvPr id="2" name="Title 1"/>
+          <p:cNvSpPr>
+            <a:spLocks noGrp="1"/>
+          </p:cNvSpPr>
+          <p:nvPr>
+            <p:ph type="title"/>
+          </p:nvPr>
+        </p:nvSpPr>
+        <p:spPr/>
+        <p:txBody>
+          <a:bodyPr/>
+          <a:lstStyle/>
+          <a:p>
+            <a:pPr lvl="0" indent="0" marL="0">
+              <a:buNone/>
+            </a:pPr>
+            <a:r>
+              <a:rPr/>
+              <a:t>Tableau Presentant les resultats des tests de stationnarite</a:t>
+            </a:r>
+          </a:p>
+        </p:txBody>
+      </p:sp>
+      <p:pic>
+        <p:nvPicPr>
+          <p:cNvPr descr="./outputs/res_stationarity.png" id="0" name="Picture 1"/>
+          <p:cNvPicPr>
+            <a:picLocks noGrp="1" noChangeAspect="1"/>
+          </p:cNvPicPr>
+          <p:nvPr/>
+        </p:nvPicPr>
+        <p:blipFill>
+          <a:blip r:embed="rId2"/>
+          <a:stretch>
+            <a:fillRect/>
+          </a:stretch>
+        </p:blipFill>
+        <p:spPr bwMode="auto">
+          <a:xfrm>
+            <a:off x="1003300" y="1193800"/>
+            <a:ext cx="7124700" cy="3390900"/>
+          </a:xfrm>
+          <a:prstGeom prst="rect">
+            <a:avLst/>
+          </a:prstGeom>
+          <a:noFill/>
+          <a:ln w="9525">
+            <a:noFill/>
+            <a:headEnd/>
+            <a:tailEnd/>
+          </a:ln>
+        </p:spPr>
+      </p:pic>
     </p:spTree>
   </p:cSld>
 </p:sld>

--- a/modele_presentation.pptx
+++ b/modele_presentation.pptx
@@ -1,6 +1,6 @@
 
 <file path=ppt/presentation.xml><?xml version="1.0" encoding="utf-8"?>
-<p:presentation xmlns:a="http://schemas.openxmlformats.org/drawingml/2006/main" xmlns:p="http://schemas.openxmlformats.org/presentationml/2006/main" xmlns:r="http://schemas.openxmlformats.org/officeDocument/2006/relationships" autoCompressPictures="0" saveSubsetFonts="1">
+<p:presentation xmlns:a="http://schemas.openxmlformats.org/drawingml/2006/main" xmlns:r="http://schemas.openxmlformats.org/officeDocument/2006/relationships" xmlns:p="http://schemas.openxmlformats.org/presentationml/2006/main" saveSubsetFonts="1" autoCompressPictures="0">
   <p:sldMasterIdLst>
     <p:sldMasterId id="2147483648" r:id="rId1"/>
   </p:sldMasterIdLst>
@@ -43,6 +43,23 @@
     <p:sldId id="291" r:id="rId37"/>
     <p:sldId id="292" r:id="rId38"/>
     <p:sldId id="293" r:id="rId39"/>
+    <p:sldId id="294" r:id="rId40"/>
+    <p:sldId id="295" r:id="rId41"/>
+    <p:sldId id="296" r:id="rId42"/>
+    <p:sldId id="297" r:id="rId43"/>
+    <p:sldId id="298" r:id="rId44"/>
+    <p:sldId id="299" r:id="rId45"/>
+    <p:sldId id="300" r:id="rId46"/>
+    <p:sldId id="301" r:id="rId47"/>
+    <p:sldId id="302" r:id="rId48"/>
+    <p:sldId id="303" r:id="rId49"/>
+    <p:sldId id="304" r:id="rId50"/>
+    <p:sldId id="305" r:id="rId51"/>
+    <p:sldId id="306" r:id="rId52"/>
+    <p:sldId id="307" r:id="rId53"/>
+    <p:sldId id="308" r:id="rId54"/>
+    <p:sldId id="309" r:id="rId55"/>
+    <p:sldId id="310" r:id="rId56"/>
   </p:sldIdLst>
   <p:sldSz cx="9144000" cy="5143500" type="screen16x9"/>
   <p:notesSz cx="6858000" cy="9144000"/>
@@ -50,8 +67,8 @@
     <a:defPPr>
       <a:defRPr lang="en-US"/>
     </a:defPPr>
-    <a:lvl1pPr algn="l" defTabSz="457200" eaLnBrk="1" hangingPunct="1" latinLnBrk="0" marL="0" rtl="0">
-      <a:defRPr kern="1200" sz="1800">
+    <a:lvl1pPr marL="0" algn="l" defTabSz="457200" rtl="0" eaLnBrk="1" latinLnBrk="0" hangingPunct="1">
+      <a:defRPr sz="1800" kern="1200">
         <a:solidFill>
           <a:schemeClr val="tx1"/>
         </a:solidFill>
@@ -60,8 +77,8 @@
         <a:cs typeface="+mn-cs"/>
       </a:defRPr>
     </a:lvl1pPr>
-    <a:lvl2pPr algn="l" defTabSz="457200" eaLnBrk="1" hangingPunct="1" latinLnBrk="0" marL="457200" rtl="0">
-      <a:defRPr kern="1200" sz="1800">
+    <a:lvl2pPr marL="457200" algn="l" defTabSz="457200" rtl="0" eaLnBrk="1" latinLnBrk="0" hangingPunct="1">
+      <a:defRPr sz="1800" kern="1200">
         <a:solidFill>
           <a:schemeClr val="tx1"/>
         </a:solidFill>
@@ -70,8 +87,8 @@
         <a:cs typeface="+mn-cs"/>
       </a:defRPr>
     </a:lvl2pPr>
-    <a:lvl3pPr algn="l" defTabSz="457200" eaLnBrk="1" hangingPunct="1" latinLnBrk="0" marL="914400" rtl="0">
-      <a:defRPr kern="1200" sz="1800">
+    <a:lvl3pPr marL="914400" algn="l" defTabSz="457200" rtl="0" eaLnBrk="1" latinLnBrk="0" hangingPunct="1">
+      <a:defRPr sz="1800" kern="1200">
         <a:solidFill>
           <a:schemeClr val="tx1"/>
         </a:solidFill>
@@ -80,8 +97,8 @@
         <a:cs typeface="+mn-cs"/>
       </a:defRPr>
     </a:lvl3pPr>
-    <a:lvl4pPr algn="l" defTabSz="457200" eaLnBrk="1" hangingPunct="1" latinLnBrk="0" marL="1371600" rtl="0">
-      <a:defRPr kern="1200" sz="1800">
+    <a:lvl4pPr marL="1371600" algn="l" defTabSz="457200" rtl="0" eaLnBrk="1" latinLnBrk="0" hangingPunct="1">
+      <a:defRPr sz="1800" kern="1200">
         <a:solidFill>
           <a:schemeClr val="tx1"/>
         </a:solidFill>
@@ -90,8 +107,8 @@
         <a:cs typeface="+mn-cs"/>
       </a:defRPr>
     </a:lvl4pPr>
-    <a:lvl5pPr algn="l" defTabSz="457200" eaLnBrk="1" hangingPunct="1" latinLnBrk="0" marL="1828800" rtl="0">
-      <a:defRPr kern="1200" sz="1800">
+    <a:lvl5pPr marL="1828800" algn="l" defTabSz="457200" rtl="0" eaLnBrk="1" latinLnBrk="0" hangingPunct="1">
+      <a:defRPr sz="1800" kern="1200">
         <a:solidFill>
           <a:schemeClr val="tx1"/>
         </a:solidFill>
@@ -100,8 +117,8 @@
         <a:cs typeface="+mn-cs"/>
       </a:defRPr>
     </a:lvl5pPr>
-    <a:lvl6pPr algn="l" defTabSz="457200" eaLnBrk="1" hangingPunct="1" latinLnBrk="0" marL="2286000" rtl="0">
-      <a:defRPr kern="1200" sz="1800">
+    <a:lvl6pPr marL="2286000" algn="l" defTabSz="457200" rtl="0" eaLnBrk="1" latinLnBrk="0" hangingPunct="1">
+      <a:defRPr sz="1800" kern="1200">
         <a:solidFill>
           <a:schemeClr val="tx1"/>
         </a:solidFill>
@@ -110,8 +127,8 @@
         <a:cs typeface="+mn-cs"/>
       </a:defRPr>
     </a:lvl6pPr>
-    <a:lvl7pPr algn="l" defTabSz="457200" eaLnBrk="1" hangingPunct="1" latinLnBrk="0" marL="2743200" rtl="0">
-      <a:defRPr kern="1200" sz="1800">
+    <a:lvl7pPr marL="2743200" algn="l" defTabSz="457200" rtl="0" eaLnBrk="1" latinLnBrk="0" hangingPunct="1">
+      <a:defRPr sz="1800" kern="1200">
         <a:solidFill>
           <a:schemeClr val="tx1"/>
         </a:solidFill>
@@ -120,8 +137,8 @@
         <a:cs typeface="+mn-cs"/>
       </a:defRPr>
     </a:lvl7pPr>
-    <a:lvl8pPr algn="l" defTabSz="457200" eaLnBrk="1" hangingPunct="1" latinLnBrk="0" marL="3200400" rtl="0">
-      <a:defRPr kern="1200" sz="1800">
+    <a:lvl8pPr marL="3200400" algn="l" defTabSz="457200" rtl="0" eaLnBrk="1" latinLnBrk="0" hangingPunct="1">
+      <a:defRPr sz="1800" kern="1200">
         <a:solidFill>
           <a:schemeClr val="tx1"/>
         </a:solidFill>
@@ -130,8 +147,8 @@
         <a:cs typeface="+mn-cs"/>
       </a:defRPr>
     </a:lvl8pPr>
-    <a:lvl9pPr algn="l" defTabSz="457200" eaLnBrk="1" hangingPunct="1" latinLnBrk="0" marL="3657600" rtl="0">
-      <a:defRPr kern="1200" sz="1800">
+    <a:lvl9pPr marL="3657600" algn="l" defTabSz="457200" rtl="0" eaLnBrk="1" latinLnBrk="0" hangingPunct="1">
+      <a:defRPr sz="1800" kern="1200">
         <a:solidFill>
           <a:schemeClr val="tx1"/>
         </a:solidFill>
@@ -339,7 +356,7 @@
           <a:p>
             <a:fld id="{241EB5C9-1307-BA42-ABA2-0BC069CD8E7F}" type="datetimeFigureOut">
               <a:rPr lang="en-US" smtClean="0"/>
-              <a:t>1/2/22</a:t>
+              <a:t>4/1/24</a:t>
             </a:fld>
             <a:endParaRPr lang="en-US"/>
           </a:p>
@@ -507,7 +524,7 @@
           <a:p>
             <a:fld id="{241EB5C9-1307-BA42-ABA2-0BC069CD8E7F}" type="datetimeFigureOut">
               <a:rPr lang="en-US" smtClean="0"/>
-              <a:t>1/2/22</a:t>
+              <a:t>4/1/24</a:t>
             </a:fld>
             <a:endParaRPr lang="en-US"/>
           </a:p>
@@ -685,7 +702,7 @@
           <a:p>
             <a:fld id="{241EB5C9-1307-BA42-ABA2-0BC069CD8E7F}" type="datetimeFigureOut">
               <a:rPr lang="en-US" smtClean="0"/>
-              <a:t>1/2/22</a:t>
+              <a:t>4/1/24</a:t>
             </a:fld>
             <a:endParaRPr lang="en-US"/>
           </a:p>
@@ -853,7 +870,7 @@
           <a:p>
             <a:fld id="{241EB5C9-1307-BA42-ABA2-0BC069CD8E7F}" type="datetimeFigureOut">
               <a:rPr lang="en-US" smtClean="0"/>
-              <a:t>1/2/22</a:t>
+              <a:t>4/1/24</a:t>
             </a:fld>
             <a:endParaRPr lang="en-US"/>
           </a:p>
@@ -1098,7 +1115,7 @@
           <a:p>
             <a:fld id="{241EB5C9-1307-BA42-ABA2-0BC069CD8E7F}" type="datetimeFigureOut">
               <a:rPr lang="en-US" smtClean="0"/>
-              <a:t>1/2/22</a:t>
+              <a:t>4/1/24</a:t>
             </a:fld>
             <a:endParaRPr lang="en-US"/>
           </a:p>
@@ -1383,7 +1400,7 @@
           <a:p>
             <a:fld id="{241EB5C9-1307-BA42-ABA2-0BC069CD8E7F}" type="datetimeFigureOut">
               <a:rPr lang="en-US" smtClean="0"/>
-              <a:t>1/2/22</a:t>
+              <a:t>4/1/24</a:t>
             </a:fld>
             <a:endParaRPr lang="en-US"/>
           </a:p>
@@ -1802,7 +1819,7 @@
           <a:p>
             <a:fld id="{241EB5C9-1307-BA42-ABA2-0BC069CD8E7F}" type="datetimeFigureOut">
               <a:rPr lang="en-US" smtClean="0"/>
-              <a:t>1/2/22</a:t>
+              <a:t>4/1/24</a:t>
             </a:fld>
             <a:endParaRPr lang="en-US"/>
           </a:p>
@@ -1919,7 +1936,7 @@
           <a:p>
             <a:fld id="{241EB5C9-1307-BA42-ABA2-0BC069CD8E7F}" type="datetimeFigureOut">
               <a:rPr lang="en-US" smtClean="0"/>
-              <a:t>1/2/22</a:t>
+              <a:t>4/1/24</a:t>
             </a:fld>
             <a:endParaRPr lang="en-US"/>
           </a:p>
@@ -2014,7 +2031,7 @@
           <a:p>
             <a:fld id="{241EB5C9-1307-BA42-ABA2-0BC069CD8E7F}" type="datetimeFigureOut">
               <a:rPr lang="en-US" smtClean="0"/>
-              <a:t>1/2/22</a:t>
+              <a:t>4/1/24</a:t>
             </a:fld>
             <a:endParaRPr lang="en-US"/>
           </a:p>
@@ -2289,7 +2306,7 @@
           <a:p>
             <a:fld id="{241EB5C9-1307-BA42-ABA2-0BC069CD8E7F}" type="datetimeFigureOut">
               <a:rPr lang="en-US" smtClean="0"/>
-              <a:t>1/2/22</a:t>
+              <a:t>4/1/24</a:t>
             </a:fld>
             <a:endParaRPr lang="en-US"/>
           </a:p>
@@ -2541,7 +2558,7 @@
           <a:p>
             <a:fld id="{241EB5C9-1307-BA42-ABA2-0BC069CD8E7F}" type="datetimeFigureOut">
               <a:rPr lang="en-US" smtClean="0"/>
-              <a:t>1/2/22</a:t>
+              <a:t>4/1/24</a:t>
             </a:fld>
             <a:endParaRPr lang="en-US"/>
           </a:p>
@@ -2603,7 +2620,7 @@
 </file>
 
 <file path=ppt/slideMasters/slideMaster1.xml><?xml version="1.0" encoding="utf-8"?>
-<p:sldMaster xmlns:a="http://schemas.openxmlformats.org/drawingml/2006/main" xmlns:p="http://schemas.openxmlformats.org/presentationml/2006/main" xmlns:r="http://schemas.openxmlformats.org/officeDocument/2006/relationships">
+<p:sldMaster xmlns:a="http://schemas.openxmlformats.org/drawingml/2006/main" xmlns:r="http://schemas.openxmlformats.org/officeDocument/2006/relationships" xmlns:p="http://schemas.openxmlformats.org/presentationml/2006/main">
   <p:cSld>
     <p:bg>
       <p:bgRef idx="1001">
@@ -2644,7 +2661,7 @@
           </a:prstGeom>
         </p:spPr>
         <p:txBody>
-          <a:bodyPr anchor="ctr" bIns="45720" lIns="91440" rIns="91440" rtlCol="0" tIns="45720" vert="horz">
+          <a:bodyPr vert="horz" lIns="91440" tIns="45720" rIns="91440" bIns="45720" rtlCol="0" anchor="ctr">
             <a:normAutofit/>
           </a:bodyPr>
           <a:lstStyle/>
@@ -2663,7 +2680,7 @@
             <a:spLocks noGrp="1"/>
           </p:cNvSpPr>
           <p:nvPr>
-            <p:ph idx="1" type="body"/>
+            <p:ph type="body" idx="1"/>
           </p:nvPr>
         </p:nvSpPr>
         <p:spPr>
@@ -2676,7 +2693,7 @@
           </a:prstGeom>
         </p:spPr>
         <p:txBody>
-          <a:bodyPr bIns="45720" lIns="91440" rIns="91440" rtlCol="0" tIns="45720" vert="horz">
+          <a:bodyPr vert="horz" lIns="91440" tIns="45720" rIns="91440" bIns="45720" rtlCol="0">
             <a:normAutofit/>
           </a:bodyPr>
           <a:lstStyle/>
@@ -2724,7 +2741,7 @@
             <a:spLocks noGrp="1"/>
           </p:cNvSpPr>
           <p:nvPr>
-            <p:ph idx="2" sz="half" type="dt"/>
+            <p:ph type="dt" sz="half" idx="2"/>
           </p:nvPr>
         </p:nvSpPr>
         <p:spPr>
@@ -2737,7 +2754,7 @@
           </a:prstGeom>
         </p:spPr>
         <p:txBody>
-          <a:bodyPr anchor="ctr" bIns="45720" lIns="91440" rIns="91440" rtlCol="0" tIns="45720" vert="horz"/>
+          <a:bodyPr vert="horz" lIns="91440" tIns="45720" rIns="91440" bIns="45720" rtlCol="0" anchor="ctr"/>
           <a:lstStyle>
             <a:lvl1pPr algn="l">
               <a:defRPr sz="900">
@@ -2752,7 +2769,7 @@
           <a:p>
             <a:fld id="{241EB5C9-1307-BA42-ABA2-0BC069CD8E7F}" type="datetimeFigureOut">
               <a:rPr lang="en-US" smtClean="0"/>
-              <a:t>1/2/22</a:t>
+              <a:t>4/1/24</a:t>
             </a:fld>
             <a:endParaRPr lang="en-US"/>
           </a:p>
@@ -2765,7 +2782,7 @@
             <a:spLocks noGrp="1"/>
           </p:cNvSpPr>
           <p:nvPr>
-            <p:ph idx="3" sz="quarter" type="ftr"/>
+            <p:ph type="ftr" sz="quarter" idx="3"/>
           </p:nvPr>
         </p:nvSpPr>
         <p:spPr>
@@ -2778,7 +2795,7 @@
           </a:prstGeom>
         </p:spPr>
         <p:txBody>
-          <a:bodyPr anchor="ctr" bIns="45720" lIns="91440" rIns="91440" rtlCol="0" tIns="45720" vert="horz"/>
+          <a:bodyPr vert="horz" lIns="91440" tIns="45720" rIns="91440" bIns="45720" rtlCol="0" anchor="ctr"/>
           <a:lstStyle>
             <a:lvl1pPr algn="ctr">
               <a:defRPr sz="900">
@@ -2802,7 +2819,7 @@
             <a:spLocks noGrp="1"/>
           </p:cNvSpPr>
           <p:nvPr>
-            <p:ph idx="4" sz="quarter" type="sldNum"/>
+            <p:ph type="sldNum" sz="quarter" idx="4"/>
           </p:nvPr>
         </p:nvSpPr>
         <p:spPr>
@@ -2815,7 +2832,7 @@
           </a:prstGeom>
         </p:spPr>
         <p:txBody>
-          <a:bodyPr anchor="ctr" bIns="45720" lIns="91440" rIns="91440" rtlCol="0" tIns="45720" vert="horz"/>
+          <a:bodyPr vert="horz" lIns="91440" tIns="45720" rIns="91440" bIns="45720" rtlCol="0" anchor="ctr"/>
           <a:lstStyle>
             <a:lvl1pPr algn="r">
               <a:defRPr sz="900">
@@ -2843,7 +2860,7 @@
       </p:ext>
     </p:extLst>
   </p:cSld>
-  <p:clrMap accent1="accent1" accent2="accent2" accent3="accent3" accent4="accent4" accent5="accent5" accent6="accent6" bg1="lt1" bg2="lt2" folHlink="folHlink" hlink="hlink" tx1="dk1" tx2="dk2"/>
+  <p:clrMap bg1="lt1" tx1="dk1" bg2="lt2" tx2="dk2" accent1="accent1" accent2="accent2" accent3="accent3" accent4="accent4" accent5="accent5" accent6="accent6" hlink="hlink" folHlink="folHlink"/>
   <p:sldLayoutIdLst>
     <p:sldLayoutId id="2147483649" r:id="rId1"/>
     <p:sldLayoutId id="2147483650" r:id="rId2"/>
@@ -2859,12 +2876,12 @@
   </p:sldLayoutIdLst>
   <p:txStyles>
     <p:titleStyle>
-      <a:lvl1pPr algn="ctr" defTabSz="342900" eaLnBrk="1" hangingPunct="1" latinLnBrk="0" rtl="0">
+      <a:lvl1pPr algn="ctr" defTabSz="342900" rtl="0" eaLnBrk="1" latinLnBrk="0" hangingPunct="1">
         <a:spcBef>
           <a:spcPct val="0"/>
         </a:spcBef>
         <a:buNone/>
-        <a:defRPr kern="1200" sz="3300">
+        <a:defRPr sz="3300" kern="1200">
           <a:solidFill>
             <a:schemeClr val="tx1"/>
           </a:solidFill>
@@ -2875,13 +2892,13 @@
       </a:lvl1pPr>
     </p:titleStyle>
     <p:bodyStyle>
-      <a:lvl1pPr algn="l" defTabSz="342900" eaLnBrk="1" hangingPunct="1" indent="-342900" latinLnBrk="0" marL="342900" rtl="0">
+      <a:lvl1pPr marL="342900" indent="-342900" algn="l" defTabSz="342900" rtl="0" eaLnBrk="1" latinLnBrk="0" hangingPunct="1">
         <a:spcBef>
           <a:spcPct val="20000"/>
         </a:spcBef>
         <a:buFont typeface="Arial"/>
         <a:buChar char="•"/>
-        <a:defRPr kern="1200" sz="2400">
+        <a:defRPr sz="2400" kern="1200">
           <a:solidFill>
             <a:schemeClr val="tx1"/>
           </a:solidFill>
@@ -2890,13 +2907,13 @@
           <a:cs typeface="+mn-cs"/>
         </a:defRPr>
       </a:lvl1pPr>
-      <a:lvl2pPr algn="l" defTabSz="342900" eaLnBrk="1" hangingPunct="1" indent="-342900" latinLnBrk="0" marL="685800" rtl="0">
+      <a:lvl2pPr marL="685800" indent="-342900" algn="l" defTabSz="342900" rtl="0" eaLnBrk="1" latinLnBrk="0" hangingPunct="1">
         <a:spcBef>
           <a:spcPct val="20000"/>
         </a:spcBef>
         <a:buFont typeface="Arial"/>
         <a:buChar char="–"/>
-        <a:defRPr kern="1200" sz="2100">
+        <a:defRPr sz="2100" kern="1200">
           <a:solidFill>
             <a:schemeClr val="tx1"/>
           </a:solidFill>
@@ -2905,13 +2922,13 @@
           <a:cs typeface="+mn-cs"/>
         </a:defRPr>
       </a:lvl2pPr>
-      <a:lvl3pPr algn="l" defTabSz="342900" eaLnBrk="1" hangingPunct="1" indent="-342900" latinLnBrk="0" marL="1028700" rtl="0">
+      <a:lvl3pPr marL="1028700" indent="-342900" algn="l" defTabSz="342900" rtl="0" eaLnBrk="1" latinLnBrk="0" hangingPunct="1">
         <a:spcBef>
           <a:spcPct val="20000"/>
         </a:spcBef>
         <a:buFont typeface="Arial"/>
         <a:buChar char="•"/>
-        <a:defRPr kern="1200" sz="1800">
+        <a:defRPr sz="1800" kern="1200">
           <a:solidFill>
             <a:schemeClr val="tx1"/>
           </a:solidFill>
@@ -2920,13 +2937,13 @@
           <a:cs typeface="+mn-cs"/>
         </a:defRPr>
       </a:lvl3pPr>
-      <a:lvl4pPr algn="l" defTabSz="342900" eaLnBrk="1" hangingPunct="1" indent="-342900" latinLnBrk="0" marL="1371600" rtl="0">
+      <a:lvl4pPr marL="1371600" indent="-342900" algn="l" defTabSz="342900" rtl="0" eaLnBrk="1" latinLnBrk="0" hangingPunct="1">
         <a:spcBef>
           <a:spcPct val="20000"/>
         </a:spcBef>
         <a:buFont typeface="Arial"/>
         <a:buChar char="–"/>
-        <a:defRPr kern="1200" sz="1500">
+        <a:defRPr sz="1500" kern="1200">
           <a:solidFill>
             <a:schemeClr val="tx1"/>
           </a:solidFill>
@@ -2935,13 +2952,13 @@
           <a:cs typeface="+mn-cs"/>
         </a:defRPr>
       </a:lvl4pPr>
-      <a:lvl5pPr algn="l" defTabSz="342900" eaLnBrk="1" hangingPunct="1" indent="-342900" latinLnBrk="0" marL="1714500" rtl="0">
+      <a:lvl5pPr marL="1714500" indent="-342900" algn="l" defTabSz="342900" rtl="0" eaLnBrk="1" latinLnBrk="0" hangingPunct="1">
         <a:spcBef>
           <a:spcPct val="20000"/>
         </a:spcBef>
         <a:buFont typeface="Arial"/>
         <a:buChar char="»"/>
-        <a:defRPr kern="1200" sz="1500">
+        <a:defRPr sz="1500" kern="1200">
           <a:solidFill>
             <a:schemeClr val="tx1"/>
           </a:solidFill>
@@ -2950,13 +2967,13 @@
           <a:cs typeface="+mn-cs"/>
         </a:defRPr>
       </a:lvl5pPr>
-      <a:lvl6pPr algn="l" defTabSz="342900" eaLnBrk="1" hangingPunct="1" indent="-342900" latinLnBrk="0" marL="2057400" rtl="0">
+      <a:lvl6pPr marL="2057400" indent="-342900" algn="l" defTabSz="342900" rtl="0" eaLnBrk="1" latinLnBrk="0" hangingPunct="1">
         <a:spcBef>
           <a:spcPct val="20000"/>
         </a:spcBef>
         <a:buFont typeface="Arial"/>
         <a:buChar char="•"/>
-        <a:defRPr kern="1200" sz="1500">
+        <a:defRPr sz="1500" kern="1200">
           <a:solidFill>
             <a:schemeClr val="tx1"/>
           </a:solidFill>
@@ -2965,13 +2982,13 @@
           <a:cs typeface="+mn-cs"/>
         </a:defRPr>
       </a:lvl6pPr>
-      <a:lvl7pPr algn="l" defTabSz="342900" eaLnBrk="1" hangingPunct="1" indent="-342900" latinLnBrk="0" marL="2400300" rtl="0">
+      <a:lvl7pPr marL="2400300" indent="-342900" algn="l" defTabSz="342900" rtl="0" eaLnBrk="1" latinLnBrk="0" hangingPunct="1">
         <a:spcBef>
           <a:spcPct val="20000"/>
         </a:spcBef>
         <a:buFont typeface="Arial"/>
         <a:buChar char="•"/>
-        <a:defRPr kern="1200" sz="1500">
+        <a:defRPr sz="1500" kern="1200">
           <a:solidFill>
             <a:schemeClr val="tx1"/>
           </a:solidFill>
@@ -2980,13 +2997,13 @@
           <a:cs typeface="+mn-cs"/>
         </a:defRPr>
       </a:lvl7pPr>
-      <a:lvl8pPr algn="l" defTabSz="342900" eaLnBrk="1" hangingPunct="1" indent="-342900" latinLnBrk="0" marL="2743200" rtl="0">
+      <a:lvl8pPr marL="2743200" indent="-342900" algn="l" defTabSz="342900" rtl="0" eaLnBrk="1" latinLnBrk="0" hangingPunct="1">
         <a:spcBef>
           <a:spcPct val="20000"/>
         </a:spcBef>
         <a:buFont typeface="Arial"/>
         <a:buChar char="•"/>
-        <a:defRPr kern="1200" sz="1500">
+        <a:defRPr sz="1500" kern="1200">
           <a:solidFill>
             <a:schemeClr val="tx1"/>
           </a:solidFill>
@@ -2995,13 +3012,13 @@
           <a:cs typeface="+mn-cs"/>
         </a:defRPr>
       </a:lvl8pPr>
-      <a:lvl9pPr algn="l" defTabSz="342900" eaLnBrk="1" hangingPunct="1" indent="-342900" latinLnBrk="0" marL="3086100" rtl="0">
+      <a:lvl9pPr marL="3086100" indent="-342900" algn="l" defTabSz="342900" rtl="0" eaLnBrk="1" latinLnBrk="0" hangingPunct="1">
         <a:spcBef>
           <a:spcPct val="20000"/>
         </a:spcBef>
         <a:buFont typeface="Arial"/>
         <a:buChar char="•"/>
-        <a:defRPr kern="1200" sz="1500">
+        <a:defRPr sz="1500" kern="1200">
           <a:solidFill>
             <a:schemeClr val="tx1"/>
           </a:solidFill>
@@ -3015,8 +3032,8 @@
       <a:defPPr>
         <a:defRPr lang="en-US"/>
       </a:defPPr>
-      <a:lvl1pPr algn="l" defTabSz="342900" eaLnBrk="1" hangingPunct="1" latinLnBrk="0" marL="0" rtl="0">
-        <a:defRPr kern="1200" sz="1350">
+      <a:lvl1pPr marL="0" algn="l" defTabSz="342900" rtl="0" eaLnBrk="1" latinLnBrk="0" hangingPunct="1">
+        <a:defRPr sz="1350" kern="1200">
           <a:solidFill>
             <a:schemeClr val="tx1"/>
           </a:solidFill>
@@ -3025,8 +3042,8 @@
           <a:cs typeface="+mn-cs"/>
         </a:defRPr>
       </a:lvl1pPr>
-      <a:lvl2pPr algn="l" defTabSz="342900" eaLnBrk="1" hangingPunct="1" latinLnBrk="0" marL="342900" rtl="0">
-        <a:defRPr kern="1200" sz="1350">
+      <a:lvl2pPr marL="342900" algn="l" defTabSz="342900" rtl="0" eaLnBrk="1" latinLnBrk="0" hangingPunct="1">
+        <a:defRPr sz="1350" kern="1200">
           <a:solidFill>
             <a:schemeClr val="tx1"/>
           </a:solidFill>
@@ -3035,8 +3052,8 @@
           <a:cs typeface="+mn-cs"/>
         </a:defRPr>
       </a:lvl2pPr>
-      <a:lvl3pPr algn="l" defTabSz="342900" eaLnBrk="1" hangingPunct="1" latinLnBrk="0" marL="685800" rtl="0">
-        <a:defRPr kern="1200" sz="1350">
+      <a:lvl3pPr marL="685800" algn="l" defTabSz="342900" rtl="0" eaLnBrk="1" latinLnBrk="0" hangingPunct="1">
+        <a:defRPr sz="1350" kern="1200">
           <a:solidFill>
             <a:schemeClr val="tx1"/>
           </a:solidFill>
@@ -3045,8 +3062,8 @@
           <a:cs typeface="+mn-cs"/>
         </a:defRPr>
       </a:lvl3pPr>
-      <a:lvl4pPr algn="l" defTabSz="342900" eaLnBrk="1" hangingPunct="1" latinLnBrk="0" marL="1028700" rtl="0">
-        <a:defRPr kern="1200" sz="1350">
+      <a:lvl4pPr marL="1028700" algn="l" defTabSz="342900" rtl="0" eaLnBrk="1" latinLnBrk="0" hangingPunct="1">
+        <a:defRPr sz="1350" kern="1200">
           <a:solidFill>
             <a:schemeClr val="tx1"/>
           </a:solidFill>
@@ -3055,8 +3072,8 @@
           <a:cs typeface="+mn-cs"/>
         </a:defRPr>
       </a:lvl4pPr>
-      <a:lvl5pPr algn="l" defTabSz="342900" eaLnBrk="1" hangingPunct="1" latinLnBrk="0" marL="1371600" rtl="0">
-        <a:defRPr kern="1200" sz="1350">
+      <a:lvl5pPr marL="1371600" algn="l" defTabSz="342900" rtl="0" eaLnBrk="1" latinLnBrk="0" hangingPunct="1">
+        <a:defRPr sz="1350" kern="1200">
           <a:solidFill>
             <a:schemeClr val="tx1"/>
           </a:solidFill>
@@ -3065,8 +3082,8 @@
           <a:cs typeface="+mn-cs"/>
         </a:defRPr>
       </a:lvl5pPr>
-      <a:lvl6pPr algn="l" defTabSz="342900" eaLnBrk="1" hangingPunct="1" latinLnBrk="0" marL="1714500" rtl="0">
-        <a:defRPr kern="1200" sz="1350">
+      <a:lvl6pPr marL="1714500" algn="l" defTabSz="342900" rtl="0" eaLnBrk="1" latinLnBrk="0" hangingPunct="1">
+        <a:defRPr sz="1350" kern="1200">
           <a:solidFill>
             <a:schemeClr val="tx1"/>
           </a:solidFill>
@@ -3075,8 +3092,8 @@
           <a:cs typeface="+mn-cs"/>
         </a:defRPr>
       </a:lvl6pPr>
-      <a:lvl7pPr algn="l" defTabSz="342900" eaLnBrk="1" hangingPunct="1" latinLnBrk="0" marL="2057400" rtl="0">
-        <a:defRPr kern="1200" sz="1350">
+      <a:lvl7pPr marL="2057400" algn="l" defTabSz="342900" rtl="0" eaLnBrk="1" latinLnBrk="0" hangingPunct="1">
+        <a:defRPr sz="1350" kern="1200">
           <a:solidFill>
             <a:schemeClr val="tx1"/>
           </a:solidFill>
@@ -3085,8 +3102,8 @@
           <a:cs typeface="+mn-cs"/>
         </a:defRPr>
       </a:lvl7pPr>
-      <a:lvl8pPr algn="l" defTabSz="342900" eaLnBrk="1" hangingPunct="1" latinLnBrk="0" marL="2400300" rtl="0">
-        <a:defRPr kern="1200" sz="1350">
+      <a:lvl8pPr marL="2400300" algn="l" defTabSz="342900" rtl="0" eaLnBrk="1" latinLnBrk="0" hangingPunct="1">
+        <a:defRPr sz="1350" kern="1200">
           <a:solidFill>
             <a:schemeClr val="tx1"/>
           </a:solidFill>
@@ -3095,8 +3112,8 @@
           <a:cs typeface="+mn-cs"/>
         </a:defRPr>
       </a:lvl8pPr>
-      <a:lvl9pPr algn="l" defTabSz="342900" eaLnBrk="1" hangingPunct="1" latinLnBrk="0" marL="2743200" rtl="0">
-        <a:defRPr kern="1200" sz="1350">
+      <a:lvl9pPr marL="2743200" algn="l" defTabSz="342900" rtl="0" eaLnBrk="1" latinLnBrk="0" hangingPunct="1">
+        <a:defRPr sz="1350" kern="1200">
           <a:solidFill>
             <a:schemeClr val="tx1"/>
           </a:solidFill>
@@ -3147,11 +3164,10 @@
           <a:bodyPr/>
           <a:lstStyle/>
           <a:p>
-            <a:pPr lvl="0" indent="0" marL="0">
+            <a:pPr marL="0" lvl="0" indent="0">
               <a:buNone/>
             </a:pPr>
             <a:r>
-              <a:rPr/>
               <a:t>Presentation du Modele</a:t>
             </a:r>
           </a:p>
@@ -3164,7 +3180,7 @@
             <a:spLocks noGrp="1"/>
           </p:cNvSpPr>
           <p:nvPr>
-            <p:ph idx="1" type="subTitle"/>
+            <p:ph type="subTitle" idx="1"/>
           </p:nvPr>
         </p:nvSpPr>
         <p:spPr>
@@ -3177,13 +3193,12 @@
           <a:bodyPr/>
           <a:lstStyle/>
           <a:p>
-            <a:pPr lvl="0" indent="0" marL="0">
+            <a:pPr marL="0" lvl="0" indent="0">
               <a:buNone/>
             </a:pPr>
             <a:br/>
             <a:br/>
             <a:r>
-              <a:rPr/>
               <a:t>Benzico Pierre &amp; Alexandro Disla</a:t>
             </a:r>
           </a:p>
@@ -3191,6 +3206,9 @@
       </p:sp>
     </p:spTree>
   </p:cSld>
+  <p:clrMapOvr>
+    <a:masterClrMapping/>
+  </p:clrMapOvr>
 </p:sld>
 </file>
 
@@ -3226,11 +3244,10 @@
           <a:bodyPr/>
           <a:lstStyle/>
           <a:p>
-            <a:pPr lvl="0" indent="0" marL="0">
+            <a:pPr marL="0" lvl="0" indent="0">
               <a:buNone/>
             </a:pPr>
             <a:r>
-              <a:rPr/>
               <a:t>Exportation</a:t>
             </a:r>
           </a:p>
@@ -3238,7 +3255,7 @@
       </p:sp>
       <p:pic>
         <p:nvPicPr>
-          <p:cNvPr descr="modele_presentation_files/figure-pptx/exp%20brut%20plot-1.png" id="0" name="Picture 1"/>
+          <p:cNvPr id="3" name="Picture 1" descr="modele_presentation_files/figure-pptx/exp%20brut%20plot-1.png"/>
           <p:cNvPicPr>
             <a:picLocks noGrp="1" noChangeAspect="1"/>
           </p:cNvPicPr>
@@ -3268,6 +3285,9 @@
       </p:pic>
     </p:spTree>
   </p:cSld>
+  <p:clrMapOvr>
+    <a:masterClrMapping/>
+  </p:clrMapOvr>
 </p:sld>
 </file>
 
@@ -3303,11 +3323,10 @@
           <a:bodyPr/>
           <a:lstStyle/>
           <a:p>
-            <a:pPr lvl="0" indent="0" marL="0">
+            <a:pPr marL="0" lvl="0" indent="0">
               <a:buNone/>
             </a:pPr>
             <a:r>
-              <a:rPr/>
               <a:t>PIB</a:t>
             </a:r>
           </a:p>
@@ -3315,7 +3334,7 @@
       </p:sp>
       <p:pic>
         <p:nvPicPr>
-          <p:cNvPr descr="modele_presentation_files/figure-pptx/pib%20brut%20data%20plot-1.png" id="0" name="Picture 1"/>
+          <p:cNvPr id="3" name="Picture 1" descr="modele_presentation_files/figure-pptx/pib%20brut%20data%20plot-1.png"/>
           <p:cNvPicPr>
             <a:picLocks noGrp="1" noChangeAspect="1"/>
           </p:cNvPicPr>
@@ -3345,6 +3364,9 @@
       </p:pic>
     </p:spTree>
   </p:cSld>
+  <p:clrMapOvr>
+    <a:masterClrMapping/>
+  </p:clrMapOvr>
 </p:sld>
 </file>
 
@@ -3380,11 +3402,10 @@
           <a:bodyPr/>
           <a:lstStyle/>
           <a:p>
-            <a:pPr lvl="0" indent="0" marL="0">
+            <a:pPr marL="0" lvl="0" indent="0">
               <a:buNone/>
             </a:pPr>
             <a:r>
-              <a:rPr/>
               <a:t>PIB USA</a:t>
             </a:r>
           </a:p>
@@ -3392,7 +3413,7 @@
       </p:sp>
       <p:pic>
         <p:nvPicPr>
-          <p:cNvPr descr="modele_presentation_files/figure-pptx/pib.usa%20brut%20plot-1.png" id="0" name="Picture 1"/>
+          <p:cNvPr id="3" name="Picture 1" descr="modele_presentation_files/figure-pptx/pib.usa%20brut%20plot-1.png"/>
           <p:cNvPicPr>
             <a:picLocks noGrp="1" noChangeAspect="1"/>
           </p:cNvPicPr>
@@ -3422,6 +3443,9 @@
       </p:pic>
     </p:spTree>
   </p:cSld>
+  <p:clrMapOvr>
+    <a:masterClrMapping/>
+  </p:clrMapOvr>
 </p:sld>
 </file>
 
@@ -3457,11 +3481,10 @@
           <a:bodyPr/>
           <a:lstStyle/>
           <a:p>
-            <a:pPr lvl="0" indent="0" marL="0">
+            <a:pPr marL="0" lvl="0" indent="0">
               <a:buNone/>
             </a:pPr>
             <a:r>
-              <a:rPr/>
               <a:t>IPc</a:t>
             </a:r>
           </a:p>
@@ -3469,7 +3492,7 @@
       </p:sp>
       <p:pic>
         <p:nvPicPr>
-          <p:cNvPr descr="modele_presentation_files/figure-pptx/ipc%20brut%20plot-1.png" id="0" name="Picture 1"/>
+          <p:cNvPr id="3" name="Picture 1" descr="modele_presentation_files/figure-pptx/ipc%20brut%20plot-1.png"/>
           <p:cNvPicPr>
             <a:picLocks noGrp="1" noChangeAspect="1"/>
           </p:cNvPicPr>
@@ -3499,6 +3522,9 @@
       </p:pic>
     </p:spTree>
   </p:cSld>
+  <p:clrMapOvr>
+    <a:masterClrMapping/>
+  </p:clrMapOvr>
 </p:sld>
 </file>
 
@@ -3539,11 +3565,10 @@
           <a:bodyPr/>
           <a:lstStyle/>
           <a:p>
-            <a:pPr lvl="0" indent="0" marL="0">
+            <a:pPr marL="0" lvl="0" indent="0">
               <a:buNone/>
             </a:pPr>
             <a:r>
-              <a:rPr/>
               <a:t>Analyse graphiques evolution des series en Logarithme Neperien allant de 1988 a 2022</a:t>
             </a:r>
           </a:p>
@@ -3551,6 +3576,9 @@
       </p:sp>
     </p:spTree>
   </p:cSld>
+  <p:clrMapOvr>
+    <a:masterClrMapping/>
+  </p:clrMapOvr>
 </p:sld>
 </file>
 
@@ -3586,11 +3614,10 @@
           <a:bodyPr/>
           <a:lstStyle/>
           <a:p>
-            <a:pPr lvl="0" indent="0" marL="0">
+            <a:pPr marL="0" lvl="0" indent="0">
               <a:buNone/>
             </a:pPr>
             <a:r>
-              <a:rPr/>
               <a:t>Taux de Change</a:t>
             </a:r>
           </a:p>
@@ -3598,7 +3625,7 @@
       </p:sp>
       <p:pic>
         <p:nvPicPr>
-          <p:cNvPr descr="modele_presentation_files/figure-pptx/tx.c%20LN%20plot-1.png" id="0" name="Picture 1"/>
+          <p:cNvPr id="3" name="Picture 1" descr="modele_presentation_files/figure-pptx/tx.c%20LN%20plot-1.png"/>
           <p:cNvPicPr>
             <a:picLocks noGrp="1" noChangeAspect="1"/>
           </p:cNvPicPr>
@@ -3628,6 +3655,9 @@
       </p:pic>
     </p:spTree>
   </p:cSld>
+  <p:clrMapOvr>
+    <a:masterClrMapping/>
+  </p:clrMapOvr>
 </p:sld>
 </file>
 
@@ -3663,11 +3693,10 @@
           <a:bodyPr/>
           <a:lstStyle/>
           <a:p>
-            <a:pPr lvl="0" indent="0" marL="0">
+            <a:pPr marL="0" lvl="0" indent="0">
               <a:buNone/>
             </a:pPr>
             <a:r>
-              <a:rPr/>
               <a:t>Importation</a:t>
             </a:r>
           </a:p>
@@ -3675,7 +3704,7 @@
       </p:sp>
       <p:pic>
         <p:nvPicPr>
-          <p:cNvPr descr="modele_presentation_files/figure-pptx/Imp%20LN%20plot-1.png" id="0" name="Picture 1"/>
+          <p:cNvPr id="3" name="Picture 1" descr="modele_presentation_files/figure-pptx/Imp%20LN%20plot-1.png"/>
           <p:cNvPicPr>
             <a:picLocks noGrp="1" noChangeAspect="1"/>
           </p:cNvPicPr>
@@ -3705,6 +3734,9 @@
       </p:pic>
     </p:spTree>
   </p:cSld>
+  <p:clrMapOvr>
+    <a:masterClrMapping/>
+  </p:clrMapOvr>
 </p:sld>
 </file>
 
@@ -3740,11 +3772,10 @@
           <a:bodyPr/>
           <a:lstStyle/>
           <a:p>
-            <a:pPr lvl="0" indent="0" marL="0">
+            <a:pPr marL="0" lvl="0" indent="0">
               <a:buNone/>
             </a:pPr>
             <a:r>
-              <a:rPr/>
               <a:t>Exportation</a:t>
             </a:r>
           </a:p>
@@ -3752,7 +3783,7 @@
       </p:sp>
       <p:pic>
         <p:nvPicPr>
-          <p:cNvPr descr="modele_presentation_files/figure-pptx/exp%20LN%20plot-1.png" id="0" name="Picture 1"/>
+          <p:cNvPr id="3" name="Picture 1" descr="modele_presentation_files/figure-pptx/exp%20LN%20plot-1.png"/>
           <p:cNvPicPr>
             <a:picLocks noGrp="1" noChangeAspect="1"/>
           </p:cNvPicPr>
@@ -3782,6 +3813,9 @@
       </p:pic>
     </p:spTree>
   </p:cSld>
+  <p:clrMapOvr>
+    <a:masterClrMapping/>
+  </p:clrMapOvr>
 </p:sld>
 </file>
 
@@ -3817,11 +3851,10 @@
           <a:bodyPr/>
           <a:lstStyle/>
           <a:p>
-            <a:pPr lvl="0" indent="0" marL="0">
+            <a:pPr marL="0" lvl="0" indent="0">
               <a:buNone/>
             </a:pPr>
             <a:r>
-              <a:rPr/>
               <a:t>PIB</a:t>
             </a:r>
           </a:p>
@@ -3829,7 +3862,7 @@
       </p:sp>
       <p:pic>
         <p:nvPicPr>
-          <p:cNvPr descr="modele_presentation_files/figure-pptx/pib%20LN%20data%20plot-1.png" id="0" name="Picture 1"/>
+          <p:cNvPr id="3" name="Picture 1" descr="modele_presentation_files/figure-pptx/pib%20LN%20data%20plot-1.png"/>
           <p:cNvPicPr>
             <a:picLocks noGrp="1" noChangeAspect="1"/>
           </p:cNvPicPr>
@@ -3859,6 +3892,9 @@
       </p:pic>
     </p:spTree>
   </p:cSld>
+  <p:clrMapOvr>
+    <a:masterClrMapping/>
+  </p:clrMapOvr>
 </p:sld>
 </file>
 
@@ -3894,11 +3930,10 @@
           <a:bodyPr/>
           <a:lstStyle/>
           <a:p>
-            <a:pPr lvl="0" indent="0" marL="0">
+            <a:pPr marL="0" lvl="0" indent="0">
               <a:buNone/>
             </a:pPr>
             <a:r>
-              <a:rPr/>
               <a:t>PIB USA</a:t>
             </a:r>
           </a:p>
@@ -3906,7 +3941,7 @@
       </p:sp>
       <p:pic>
         <p:nvPicPr>
-          <p:cNvPr descr="modele_presentation_files/figure-pptx/pib.usa%20LN%20plot-1.png" id="0" name="Picture 1"/>
+          <p:cNvPr id="3" name="Picture 1" descr="modele_presentation_files/figure-pptx/pib.usa%20LN%20plot-1.png"/>
           <p:cNvPicPr>
             <a:picLocks noGrp="1" noChangeAspect="1"/>
           </p:cNvPicPr>
@@ -3936,6 +3971,9 @@
       </p:pic>
     </p:spTree>
   </p:cSld>
+  <p:clrMapOvr>
+    <a:masterClrMapping/>
+  </p:clrMapOvr>
 </p:sld>
 </file>
 
@@ -3976,11 +4014,10 @@
           <a:bodyPr/>
           <a:lstStyle/>
           <a:p>
-            <a:pPr lvl="0" indent="0" marL="0">
+            <a:pPr marL="0" lvl="0" indent="0">
               <a:buNone/>
             </a:pPr>
             <a:r>
-              <a:rPr/>
               <a:t>Presentation des Donnees</a:t>
             </a:r>
           </a:p>
@@ -3988,6 +4025,9 @@
       </p:sp>
     </p:spTree>
   </p:cSld>
+  <p:clrMapOvr>
+    <a:masterClrMapping/>
+  </p:clrMapOvr>
 </p:sld>
 </file>
 
@@ -4023,11 +4063,10 @@
           <a:bodyPr/>
           <a:lstStyle/>
           <a:p>
-            <a:pPr lvl="0" indent="0" marL="0">
+            <a:pPr marL="0" lvl="0" indent="0">
               <a:buNone/>
             </a:pPr>
             <a:r>
-              <a:rPr/>
               <a:t>IPc</a:t>
             </a:r>
           </a:p>
@@ -4035,7 +4074,7 @@
       </p:sp>
       <p:pic>
         <p:nvPicPr>
-          <p:cNvPr descr="modele_presentation_files/figure-pptx/ipc%20LN%20plot-1.png" id="0" name="Picture 1"/>
+          <p:cNvPr id="3" name="Picture 1" descr="modele_presentation_files/figure-pptx/ipc%20LN%20plot-1.png"/>
           <p:cNvPicPr>
             <a:picLocks noGrp="1" noChangeAspect="1"/>
           </p:cNvPicPr>
@@ -4065,6 +4104,9 @@
       </p:pic>
     </p:spTree>
   </p:cSld>
+  <p:clrMapOvr>
+    <a:masterClrMapping/>
+  </p:clrMapOvr>
 </p:sld>
 </file>
 
@@ -4105,11 +4147,10 @@
           <a:bodyPr/>
           <a:lstStyle/>
           <a:p>
-            <a:pPr lvl="0" indent="0" marL="0">
+            <a:pPr marL="0" lvl="0" indent="0">
               <a:buNone/>
             </a:pPr>
             <a:r>
-              <a:rPr/>
               <a:t>Choix de la Transformation en Log des series</a:t>
             </a:r>
           </a:p>
@@ -4117,6 +4158,9 @@
       </p:sp>
     </p:spTree>
   </p:cSld>
+  <p:clrMapOvr>
+    <a:masterClrMapping/>
+  </p:clrMapOvr>
 </p:sld>
 </file>
 
@@ -4152,11 +4196,10 @@
           <a:bodyPr/>
           <a:lstStyle/>
           <a:p>
-            <a:pPr lvl="0" indent="0" marL="0">
+            <a:pPr marL="0" lvl="0" indent="0">
               <a:buNone/>
             </a:pPr>
             <a:r>
-              <a:rPr/>
               <a:t>Litterature des series en Log</a:t>
             </a:r>
           </a:p>
@@ -4177,16 +4220,15 @@
           <a:bodyPr/>
           <a:lstStyle/>
           <a:p>
-            <a:pPr lvl="0" indent="0" marL="0">
+            <a:pPr marL="0" lvl="0" indent="0">
               <a:buNone/>
             </a:pPr>
             <a:r>
-              <a:rPr/>
               <a:t>Dans la littérature économétrique sur les séries temporelles, la transformation en logarithme naturel (LN) est souvent utilisée pour plusieurs raisons principales :</a:t>
             </a:r>
           </a:p>
           <a:p>
-            <a:pPr lvl="0" indent="-342900" marL="342900">
+            <a:pPr marL="342900" lvl="0" indent="-342900">
               <a:buAutoNum type="arabicPeriod"/>
             </a:pPr>
             <a:r>
@@ -4194,12 +4236,11 @@
               <a:t>Stabilisation de la variance</a:t>
             </a:r>
             <a:r>
-              <a:rPr/>
               <a:t> : Les séries temporelles peuvent souvent présenter des variations importantes dans leur variance au fil du temps, ce qui peut rendre difficile l’application de techniques statistiques classiques. En prenant le logarithme des valeurs, on réduit généralement l’amplitude des variations de la série, ce qui peut rendre la variance plus stable et faciliter l’analyse.</a:t>
             </a:r>
           </a:p>
           <a:p>
-            <a:pPr lvl="0" indent="-342900" marL="342900">
+            <a:pPr marL="342900" lvl="0" indent="-342900">
               <a:buAutoNum type="arabicPeriod"/>
             </a:pPr>
             <a:r>
@@ -4207,12 +4248,11 @@
               <a:t>Linéarisation des tendances multiplicatives</a:t>
             </a:r>
             <a:r>
-              <a:rPr/>
               <a:t> : Si une série temporelle présente une tendance qui augmente ou diminue de manière exponentielle, prendre le logarithme peut linéariser cette tendance, ce qui permet d’appliquer des modèles linéaires plus simples et plus interprétables. Par exemple, si une série a une croissance exponentielle, la transformation en logarithme peut la transformer en une croissance linéaire.</a:t>
             </a:r>
           </a:p>
           <a:p>
-            <a:pPr lvl="0" indent="-342900" marL="342900">
+            <a:pPr marL="342900" lvl="0" indent="-342900">
               <a:buAutoNum type="arabicPeriod"/>
             </a:pPr>
             <a:r>
@@ -4220,12 +4260,11 @@
               <a:t>Interprétation des variations relatives</a:t>
             </a:r>
             <a:r>
-              <a:rPr/>
               <a:t> : En prenant le logarithme des valeurs, les variations absolues dans les séries temporelles sont transformées en variations relatives, ce qui peut être plus pertinent dans certains contextes économiques. Par exemple, une variation de 0,1 sur une série avec une valeur initiale de 1 aura un effet différent de la même variation sur une série avec une valeur initiale de 100. Les transformations en logarithme permettent de rendre ces variations comparables et plus facilement interprétables.</a:t>
             </a:r>
           </a:p>
           <a:p>
-            <a:pPr lvl="0" indent="-342900" marL="342900">
+            <a:pPr marL="342900" lvl="0" indent="-342900">
               <a:buAutoNum type="arabicPeriod"/>
             </a:pPr>
             <a:r>
@@ -4233,16 +4272,14 @@
               <a:t>Normalisation des distributions</a:t>
             </a:r>
             <a:r>
-              <a:rPr/>
               <a:t> : Dans certains cas, les données peuvent être fortement asymétriques ou présenter des distributions non normales. La transformation en logarithme peut aider à se rapprocher d’une distribution normale, ce qui peut être utile pour l’application de certaines techniques statistiques qui supposent une distribution normale des données.</a:t>
             </a:r>
           </a:p>
           <a:p>
-            <a:pPr lvl="0" indent="0" marL="0">
+            <a:pPr marL="0" lvl="0" indent="0">
               <a:buNone/>
             </a:pPr>
             <a:r>
-              <a:rPr/>
               <a:t>En résumé, les transformations en logarithme sont largement utilisées dans l’analyse des séries temporelles pour stabiliser la variance, linéariser les tendances, faciliter l’interprétation des variations relatives et normaliser les distributions, ce qui rend l’analyse et la modélisation des données plus robustes et interprétables.</a:t>
             </a:r>
           </a:p>
@@ -4250,6 +4287,9 @@
       </p:sp>
     </p:spTree>
   </p:cSld>
+  <p:clrMapOvr>
+    <a:masterClrMapping/>
+  </p:clrMapOvr>
   <p:timing>
     <p:tnLst>
       <p:par>
@@ -4519,11 +4559,10 @@
           <a:bodyPr/>
           <a:lstStyle/>
           <a:p>
-            <a:pPr lvl="0" indent="0" marL="0">
+            <a:pPr marL="0" lvl="0" indent="0">
               <a:buNone/>
             </a:pPr>
             <a:r>
-              <a:rPr/>
               <a:t>Analyse Descriptive des Series en transformation LN</a:t>
             </a:r>
           </a:p>
@@ -4531,6 +4570,9 @@
       </p:sp>
     </p:spTree>
   </p:cSld>
+  <p:clrMapOvr>
+    <a:masterClrMapping/>
+  </p:clrMapOvr>
 </p:sld>
 </file>
 
@@ -4566,11 +4608,10 @@
           <a:bodyPr/>
           <a:lstStyle/>
           <a:p>
-            <a:pPr lvl="0" indent="0" marL="0">
+            <a:pPr marL="0" lvl="0" indent="0">
               <a:buNone/>
             </a:pPr>
             <a:r>
-              <a:rPr/>
               <a:t>Indicateurs statistiques des variables utilisees dans la modelisation econometrique</a:t>
             </a:r>
           </a:p>
@@ -4578,7 +4619,7 @@
       </p:sp>
       <p:pic>
         <p:nvPicPr>
-          <p:cNvPr descr="./outputs/table_description.png" id="0" name="Picture 1"/>
+          <p:cNvPr id="3" name="Picture 1" descr="./outputs/table_description.png"/>
           <p:cNvPicPr>
             <a:picLocks noGrp="1" noChangeAspect="1"/>
           </p:cNvPicPr>
@@ -4608,6 +4649,9 @@
       </p:pic>
     </p:spTree>
   </p:cSld>
+  <p:clrMapOvr>
+    <a:masterClrMapping/>
+  </p:clrMapOvr>
 </p:sld>
 </file>
 
@@ -4643,246 +4687,280 @@
           <a:bodyPr/>
           <a:lstStyle/>
           <a:p>
-            <a:pPr lvl="0" indent="0" marL="0">
+            <a:pPr marL="0" lvl="0" indent="0">
               <a:buNone/>
             </a:pPr>
             <a:r>
-              <a:rPr/>
               <a:t>Jarque Bera test</a:t>
             </a:r>
           </a:p>
         </p:txBody>
       </p:sp>
-      <mc:AlternateContent xmlns:mc="http://schemas.openxmlformats.org/markup-compatibility/2006">
-        <mc:Choice xmlns:a14="http://schemas.microsoft.com/office/drawing/2010/main" Requires="a14">
-          <p:sp>
-            <p:nvSpPr>
-              <p:cNvPr id="3" name="Content Placeholder 2"/>
-              <p:cNvSpPr>
-                <a:spLocks noGrp="1"/>
-              </p:cNvSpPr>
-              <p:nvPr>
-                <p:ph idx="1"/>
-              </p:nvPr>
-            </p:nvSpPr>
-            <p:spPr/>
-            <p:txBody>
-              <a:bodyPr/>
-              <a:lstStyle/>
-              <a:p>
-                <a:pPr lvl="0" indent="0" marL="0">
-                  <a:buNone/>
-                </a:pPr>
-                <a:r>
-                  <a:rPr b="1"/>
-                  <a:t>Test d’Hypothèse de Jarque-Bera :</a:t>
-                </a:r>
-              </a:p>
-              <a:p>
-                <a:pPr lvl="0" indent="0" marL="0">
-                  <a:buNone/>
-                </a:pPr>
-                <a:r>
-                  <a:rPr/>
-                  <a:t>Hypothèse Nulle (H₀) : Les données proviennent d’une distribution normale.</a:t>
-                </a:r>
-              </a:p>
-              <a:p>
-                <a:pPr lvl="0" indent="0" marL="0">
-                  <a:buNone/>
-                </a:pPr>
-                <a:r>
-                  <a:rPr/>
-                  <a:t>Hypothèse Alternative (H₁) : Les données ne proviennent pas d’une distribution normale.</a:t>
-                </a:r>
-              </a:p>
-              <a:p>
-                <a:pPr lvl="0" indent="0" marL="0">
-                  <a:buNone/>
-                </a:pPr>
-                <a:r>
-                  <a:rPr b="1"/>
-                  <a:t>Statistique de Jarque-Bera :</a:t>
-                </a:r>
-              </a:p>
-              <a:p>
-                <a:pPr lvl="0" indent="0" marL="0">
-                  <a:buNone/>
-                </a:pPr>
-                <a:r>
-                  <a:rPr/>
-                  <a:t>La statistique de Jarque-Bera (JB) est définie comme suit :</a:t>
-                </a:r>
-              </a:p>
-              <a:p>
-                <a:pPr lvl="0" indent="0" marL="0">
-                  <a:buNone/>
-                </a:pPr>
-                <a14:m>
-                  <m:oMathPara xmlns:m="http://schemas.openxmlformats.org/officeDocument/2006/math">
-                    <m:oMathParaPr>
-                      <m:jc m:val="center"/>
-                    </m:oMathParaPr>
-                    <m:oMath>
+      <p:sp>
+        <p:nvSpPr>
+          <p:cNvPr id="3" name="Content Placeholder 2"/>
+          <p:cNvSpPr>
+            <a:spLocks noGrp="1"/>
+          </p:cNvSpPr>
+          <p:nvPr>
+            <p:ph idx="1"/>
+          </p:nvPr>
+        </p:nvSpPr>
+        <p:spPr/>
+        <p:txBody>
+          <a:bodyPr/>
+          <a:lstStyle/>
+          <a:p>
+            <a:pPr marL="0" lvl="0" indent="0">
+              <a:buNone/>
+            </a:pPr>
+            <a:r>
+              <a:rPr b="1"/>
+              <a:t>Test d’Hypothèse de Jarque-Bera :</a:t>
+            </a:r>
+          </a:p>
+          <a:p>
+            <a:pPr marL="0" lvl="0" indent="0">
+              <a:buNone/>
+            </a:pPr>
+            <a:r>
+              <a:t>Hypothèse Nulle (H₀) : Les données proviennent d’une distribution normale.</a:t>
+            </a:r>
+          </a:p>
+          <a:p>
+            <a:pPr marL="0" lvl="0" indent="0">
+              <a:buNone/>
+            </a:pPr>
+            <a:r>
+              <a:t>Hypothèse Alternative (H₁) : Les données ne proviennent pas d’une distribution normale.</a:t>
+            </a:r>
+          </a:p>
+          <a:p>
+            <a:pPr marL="0" lvl="0" indent="0">
+              <a:buNone/>
+            </a:pPr>
+            <a:r>
+              <a:rPr b="1"/>
+              <a:t>Statistique de Jarque-Bera :</a:t>
+            </a:r>
+          </a:p>
+          <a:p>
+            <a:pPr marL="0" lvl="0" indent="0">
+              <a:buNone/>
+            </a:pPr>
+            <a:r>
+              <a:t>La statistique de Jarque-Bera (JB) est définie comme suit :</a:t>
+            </a:r>
+          </a:p>
+          <a:p>
+            <a:pPr marL="0" lvl="0" indent="0">
+              <a:buNone/>
+            </a:pPr>
+            <a14:m xmlns:a14="http://schemas.microsoft.com/office/drawing/2010/main">
+              <m:oMathPara xmlns:m="http://schemas.openxmlformats.org/officeDocument/2006/math">
+                <m:oMathParaPr>
+                  <m:jc m:val="center"/>
+                </m:oMathParaPr>
+                <m:oMath xmlns:m="http://schemas.openxmlformats.org/officeDocument/2006/math">
+                  <m:r>
+                    <a:rPr>
+                      <a:latin typeface="Cambria Math" panose="02040503050406030204" pitchFamily="18" charset="0"/>
+                    </a:rPr>
+                    <m:t>𝐽𝐵</m:t>
+                  </m:r>
+                  <m:r>
+                    <a:rPr>
+                      <a:latin typeface="Cambria Math" panose="02040503050406030204" pitchFamily="18" charset="0"/>
+                    </a:rPr>
+                    <m:t>=</m:t>
+                  </m:r>
+                  <m:f>
+                    <m:fPr>
+                      <m:ctrlPr>
+                        <a:rPr i="1">
+                          <a:latin typeface="Cambria Math" panose="02040503050406030204" pitchFamily="18" charset="0"/>
+                        </a:rPr>
+                      </m:ctrlPr>
+                    </m:fPr>
+                    <m:num>
                       <m:r>
-                        <m:t>J</m:t>
+                        <a:rPr>
+                          <a:latin typeface="Cambria Math" panose="02040503050406030204" pitchFamily="18" charset="0"/>
+                        </a:rPr>
+                        <m:t>𝑛</m:t>
                       </m:r>
+                    </m:num>
+                    <m:den>
                       <m:r>
-                        <m:t>B</m:t>
+                        <a:rPr>
+                          <a:latin typeface="Cambria Math" panose="02040503050406030204" pitchFamily="18" charset="0"/>
+                        </a:rPr>
+                        <m:t>6</m:t>
                       </m:r>
+                    </m:den>
+                  </m:f>
+                  <m:d>
+                    <m:dPr>
+                      <m:ctrlPr>
+                        <a:rPr i="1">
+                          <a:latin typeface="Cambria Math" panose="02040503050406030204" pitchFamily="18" charset="0"/>
+                        </a:rPr>
+                      </m:ctrlPr>
+                    </m:dPr>
+                    <m:e>
+                      <m:sSup>
+                        <m:sSupPr>
+                          <m:ctrlPr>
+                            <a:rPr i="1">
+                              <a:latin typeface="Cambria Math" panose="02040503050406030204" pitchFamily="18" charset="0"/>
+                            </a:rPr>
+                          </m:ctrlPr>
+                        </m:sSupPr>
+                        <m:e>
+                          <m:r>
+                            <a:rPr>
+                              <a:latin typeface="Cambria Math" panose="02040503050406030204" pitchFamily="18" charset="0"/>
+                            </a:rPr>
+                            <m:t>𝑆</m:t>
+                          </m:r>
+                        </m:e>
+                        <m:sup>
+                          <m:r>
+                            <a:rPr>
+                              <a:latin typeface="Cambria Math" panose="02040503050406030204" pitchFamily="18" charset="0"/>
+                            </a:rPr>
+                            <m:t>2</m:t>
+                          </m:r>
+                        </m:sup>
+                      </m:sSup>
                       <m:r>
-                        <m:rPr>
-                          <m:sty m:val="p"/>
-                        </m:rPr>
-                        <m:t>=</m:t>
+                        <a:rPr>
+                          <a:latin typeface="Cambria Math" panose="02040503050406030204" pitchFamily="18" charset="0"/>
+                        </a:rPr>
+                        <m:t>+</m:t>
                       </m:r>
                       <m:f>
                         <m:fPr>
-                          <m:type m:val="bar"/>
+                          <m:ctrlPr>
+                            <a:rPr i="1">
+                              <a:latin typeface="Cambria Math" panose="02040503050406030204" pitchFamily="18" charset="0"/>
+                            </a:rPr>
+                          </m:ctrlPr>
                         </m:fPr>
                         <m:num>
-                          <m:r>
-                            <m:t>n</m:t>
-                          </m:r>
-                        </m:num>
-                        <m:den>
-                          <m:r>
-                            <m:t>6</m:t>
-                          </m:r>
-                        </m:den>
-                      </m:f>
-                      <m:d>
-                        <m:dPr>
-                          <m:begChr m:val="("/>
-                          <m:endChr m:val=")"/>
-                          <m:sepChr m:val=""/>
-                          <m:grow/>
-                        </m:dPr>
-                        <m:e>
                           <m:sSup>
+                            <m:sSupPr>
+                              <m:ctrlPr>
+                                <a:rPr i="1">
+                                  <a:latin typeface="Cambria Math" panose="02040503050406030204" pitchFamily="18" charset="0"/>
+                                </a:rPr>
+                              </m:ctrlPr>
+                            </m:sSupPr>
                             <m:e>
-                              <m:r>
-                                <m:t>S</m:t>
-                              </m:r>
+                              <m:d>
+                                <m:dPr>
+                                  <m:ctrlPr>
+                                    <a:rPr i="1">
+                                      <a:latin typeface="Cambria Math" panose="02040503050406030204" pitchFamily="18" charset="0"/>
+                                    </a:rPr>
+                                  </m:ctrlPr>
+                                </m:dPr>
+                                <m:e>
+                                  <m:r>
+                                    <a:rPr>
+                                      <a:latin typeface="Cambria Math" panose="02040503050406030204" pitchFamily="18" charset="0"/>
+                                    </a:rPr>
+                                    <m:t>𝐾</m:t>
+                                  </m:r>
+                                  <m:r>
+                                    <a:rPr>
+                                      <a:latin typeface="Cambria Math" panose="02040503050406030204" pitchFamily="18" charset="0"/>
+                                    </a:rPr>
+                                    <m:t>−3</m:t>
+                                  </m:r>
+                                </m:e>
+                              </m:d>
                             </m:e>
                             <m:sup>
                               <m:r>
+                                <a:rPr>
+                                  <a:latin typeface="Cambria Math" panose="02040503050406030204" pitchFamily="18" charset="0"/>
+                                </a:rPr>
                                 <m:t>2</m:t>
                               </m:r>
                             </m:sup>
                           </m:sSup>
+                        </m:num>
+                        <m:den>
                           <m:r>
-                            <m:rPr>
-                              <m:sty m:val="p"/>
-                            </m:rPr>
-                            <m:t>+</m:t>
+                            <a:rPr>
+                              <a:latin typeface="Cambria Math" panose="02040503050406030204" pitchFamily="18" charset="0"/>
+                            </a:rPr>
+                            <m:t>4</m:t>
                           </m:r>
-                          <m:f>
-                            <m:fPr>
-                              <m:type m:val="bar"/>
-                            </m:fPr>
-                            <m:num>
-                              <m:sSup>
-                                <m:e>
-                                  <m:d>
-                                    <m:dPr>
-                                      <m:begChr m:val="("/>
-                                      <m:endChr m:val=")"/>
-                                      <m:sepChr m:val=""/>
-                                      <m:grow/>
-                                    </m:dPr>
-                                    <m:e>
-                                      <m:r>
-                                        <m:t>K</m:t>
-                                      </m:r>
-                                      <m:r>
-                                        <m:rPr>
-                                          <m:sty m:val="p"/>
-                                        </m:rPr>
-                                        <m:t>−</m:t>
-                                      </m:r>
-                                      <m:r>
-                                        <m:t>3</m:t>
-                                      </m:r>
-                                    </m:e>
-                                  </m:d>
-                                </m:e>
-                                <m:sup>
-                                  <m:r>
-                                    <m:t>2</m:t>
-                                  </m:r>
-                                </m:sup>
-                              </m:sSup>
-                            </m:num>
-                            <m:den>
-                              <m:r>
-                                <m:t>4</m:t>
-                              </m:r>
-                            </m:den>
-                          </m:f>
-                        </m:e>
-                      </m:d>
-                    </m:oMath>
-                  </m:oMathPara>
-                </a14:m>
-              </a:p>
-              <a:p>
-                <a:pPr lvl="0" indent="0" marL="0">
-                  <a:buNone/>
-                </a:pPr>
-                <a:r>
-                  <a:rPr b="1"/>
-                  <a:t>Où :</a:t>
-                </a:r>
-              </a:p>
-              <a:p>
-                <a:pPr lvl="0"/>
-                <a:r>
-                  <a:rPr b="1"/>
-                  <a:t>n</a:t>
-                </a:r>
-                <a:r>
-                  <a:rPr/>
-                  <a:t> est la taille de l’échantillon.</a:t>
-                </a:r>
-              </a:p>
-              <a:p>
-                <a:pPr lvl="0"/>
-                <a:r>
-                  <a:rPr b="1"/>
-                  <a:t>S</a:t>
-                </a:r>
-                <a:r>
-                  <a:rPr/>
-                  <a:t> est le coefficient d’asymétrie de l’échantillon.</a:t>
-                </a:r>
-              </a:p>
-              <a:p>
-                <a:pPr lvl="0"/>
-                <a:r>
-                  <a:rPr b="1"/>
-                  <a:t>K</a:t>
-                </a:r>
-                <a:r>
-                  <a:rPr/>
-                  <a:t> est le coefficient d’aplatissement de l’échantillon.</a:t>
-                </a:r>
-              </a:p>
-              <a:p>
-                <a:pPr lvl="0" indent="0" marL="0">
-                  <a:buNone/>
-                </a:pPr>
-                <a:r>
-                  <a:rPr/>
-                  <a:t>Cette statistique suit une distribution du chi carré avec 2 degrés de liberté sous l’hypothèse nulle (H₀).</a:t>
-                </a:r>
-              </a:p>
-            </p:txBody>
-          </p:sp>
-        </mc:Choice>
-      </mc:AlternateContent>
+                        </m:den>
+                      </m:f>
+                    </m:e>
+                  </m:d>
+                </m:oMath>
+              </m:oMathPara>
+            </a14:m>
+            <a:endParaRPr/>
+          </a:p>
+          <a:p>
+            <a:pPr marL="0" lvl="0" indent="0">
+              <a:buNone/>
+            </a:pPr>
+            <a:r>
+              <a:rPr b="1"/>
+              <a:t>Où :</a:t>
+            </a:r>
+          </a:p>
+          <a:p>
+            <a:pPr lvl="0"/>
+            <a:r>
+              <a:rPr b="1"/>
+              <a:t>n</a:t>
+            </a:r>
+            <a:r>
+              <a:t> est la taille de l’échantillon.</a:t>
+            </a:r>
+          </a:p>
+          <a:p>
+            <a:pPr lvl="0"/>
+            <a:r>
+              <a:rPr b="1"/>
+              <a:t>S</a:t>
+            </a:r>
+            <a:r>
+              <a:t> est le coefficient d’asymétrie de l’échantillon.</a:t>
+            </a:r>
+          </a:p>
+          <a:p>
+            <a:pPr lvl="0"/>
+            <a:r>
+              <a:rPr b="1"/>
+              <a:t>K</a:t>
+            </a:r>
+            <a:r>
+              <a:t> est le coefficient d’aplatissement de l’échantillon.</a:t>
+            </a:r>
+          </a:p>
+          <a:p>
+            <a:pPr marL="0" lvl="0" indent="0">
+              <a:buNone/>
+            </a:pPr>
+            <a:r>
+              <a:t>Cette statistique suit une distribution du chi carré avec 2 degrés de liberté sous l’hypothèse nulle (H₀).</a:t>
+            </a:r>
+          </a:p>
+        </p:txBody>
+      </p:sp>
     </p:spTree>
   </p:cSld>
+  <p:clrMapOvr>
+    <a:masterClrMapping/>
+  </p:clrMapOvr>
   <p:timing>
     <p:tnLst>
       <p:par>
@@ -5098,11 +5176,10 @@
           <a:bodyPr/>
           <a:lstStyle/>
           <a:p>
-            <a:pPr lvl="0" indent="0" marL="0">
+            <a:pPr marL="0" lvl="0" indent="0">
               <a:buNone/>
             </a:pPr>
             <a:r>
-              <a:rPr/>
               <a:t>Litterature du Test de Jarque Bera</a:t>
             </a:r>
           </a:p>
@@ -5123,52 +5200,46 @@
           <a:bodyPr/>
           <a:lstStyle/>
           <a:p>
-            <a:pPr lvl="0" indent="0" marL="0">
+            <a:pPr marL="0" lvl="0" indent="0">
               <a:buNone/>
             </a:pPr>
             <a:r>
-              <a:rPr/>
               <a:t>Le test de Jarque-Bera est un test statistique utilisé pour évaluer si un échantillon de données donné présente un coefficient d’asymétrie et un coefficient d’aplatissement qui sont approximativement distribués selon une loi normale, ce qui est une hypothèse courante dans de nombreuses techniques statistiques.</a:t>
             </a:r>
           </a:p>
           <a:p>
-            <a:pPr lvl="0" indent="-342900" marL="342900">
+            <a:pPr marL="342900" lvl="0" indent="-342900">
               <a:buAutoNum type="arabicPeriod"/>
             </a:pPr>
             <a:r>
-              <a:rPr/>
               <a:t>Comparaison de la statistique de test à la valeur critique :</a:t>
             </a:r>
           </a:p>
           <a:p>
-            <a:pPr lvl="0" indent="0" marL="0">
+            <a:pPr marL="0" lvl="0" indent="0">
               <a:buNone/>
             </a:pPr>
             <a:r>
-              <a:rPr/>
               <a:t>La statistique de test de Jarque-Bera suit une distribution du chi carré avec 2 degrés de liberté sous l’hypothèse nulle. Par conséquent, vous comparez la statistique de test calculée à la valeur critique de la distribution du chi carré avec 2 degrés de liberté à votre niveau de signification choisi (par exemple, 0,05 ou 0,01).</a:t>
             </a:r>
           </a:p>
           <a:p>
-            <a:pPr lvl="0" indent="-342900" marL="342900">
-              <a:buAutoNum startAt="2" type="arabicPeriod"/>
+            <a:pPr marL="342900" lvl="0" indent="-342900">
+              <a:buAutoNum type="arabicPeriod" startAt="2"/>
             </a:pPr>
             <a:r>
-              <a:rPr/>
               <a:t>Prise de décision :</a:t>
             </a:r>
           </a:p>
           <a:p>
             <a:pPr lvl="0"/>
             <a:r>
-              <a:rPr/>
               <a:t>Si la statistique de test calculée est supérieure à la valeur critique, vous rejetez l’hypothèse nulle, concluant que les données ne proviennent pas d’une distribution normale.</a:t>
             </a:r>
           </a:p>
           <a:p>
             <a:pPr lvl="0"/>
             <a:r>
-              <a:rPr/>
               <a:t>Si la statistique de test calculée est inférieure ou égale à la valeur critique, vous ne rejetez pas l’hypothèse nulle, ce qui indique qu’il n’y a pas suffisamment de preuves pour conclure que les données ne proviennent pas d’une distribution normale.</a:t>
             </a:r>
           </a:p>
@@ -5176,6 +5247,9 @@
       </p:sp>
     </p:spTree>
   </p:cSld>
+  <p:clrMapOvr>
+    <a:masterClrMapping/>
+  </p:clrMapOvr>
   <p:timing>
     <p:tnLst>
       <p:par>
@@ -5440,11 +5514,10 @@
           <a:bodyPr/>
           <a:lstStyle/>
           <a:p>
-            <a:pPr lvl="0" indent="0" marL="0">
+            <a:pPr marL="0" lvl="0" indent="0">
               <a:buNone/>
             </a:pPr>
             <a:r>
-              <a:rPr/>
               <a:t>Rappel sur la notion de P-Value</a:t>
             </a:r>
           </a:p>
@@ -5465,47 +5538,42 @@
           <a:bodyPr/>
           <a:lstStyle/>
           <a:p>
-            <a:pPr lvl="0" indent="0" marL="0">
+            <a:pPr marL="0" lvl="0" indent="0">
               <a:buNone/>
             </a:pPr>
             <a:r>
-              <a:rPr/>
               <a:t>Dans le cadre du test de Jarque-Bera, la p-valeur est une mesure cruciale pour interpréter les résultats du test. Voici comment interpréter la p-valeur :</a:t>
             </a:r>
           </a:p>
           <a:p>
-            <a:pPr lvl="0" indent="0" marL="0">
+            <a:pPr marL="0" lvl="0" indent="0">
               <a:buNone/>
             </a:pPr>
             <a:r>
-              <a:rPr/>
               <a:t>Si la p-valeur est inférieure au seuil de signification (α) :</a:t>
             </a:r>
           </a:p>
           <a:p>
-            <a:pPr lvl="0" indent="0" marL="0">
+            <a:pPr marL="0" lvl="0" indent="0">
               <a:buNone/>
             </a:pPr>
             <a:r>
-              <a:rPr/>
               <a:t>Cela signifie que la probabilité d’observer les données (ou des données encore plus extrêmes) sous l’hypothèse nulle (que les données proviennent d’une distribution normale) est faible. Vous rejetez alors l’hypothèse nulle au niveau de signification α. En d’autres termes, vous avez suffisamment de preuves pour conclure que les données ne suivent pas une distribution normale en termes d’asymétrie et/ou d’aplatissement. Si la p-valeur est supérieure au seuil de signification (α) :</a:t>
             </a:r>
           </a:p>
           <a:p>
-            <a:pPr lvl="0" indent="0" marL="0">
+            <a:pPr marL="0" lvl="0" indent="0">
               <a:buNone/>
             </a:pPr>
             <a:r>
-              <a:rPr/>
               <a:t>Cela signifie que la probabilité d’observer les données (ou des données encore plus extrêmes) sous l’hypothèse nulle est élevée. Vous ne rejetez pas l’hypothèse nulle au niveau de signification α. En d’autres termes, vous ne disposez pas de suffisamment de preuves pour conclure que les données ne suivent pas une distribution normale en termes d’asymétrie et/ou d’aplatissement. En résumé :</a:t>
             </a:r>
           </a:p>
           <a:p>
-            <a:pPr lvl="0" indent="0" marL="0">
+            <a:pPr marL="0" lvl="0" indent="0">
               <a:buNone/>
             </a:pPr>
             <a:r>
-              <a:rPr/>
               <a:t>Une p-valeur faible suggère des preuves en faveur du rejet de l’hypothèse nulle, indiquant que les données ne suivent probablement pas une distribution normale. Une p-valeur élevée suggère un manque de preuves pour rejeter l’hypothèse nulle, ce qui signifie que les données pourraient suivre une distribution normale. Il est important de choisir un seuil de signification approprié (α) avant d’interpréter la p-valeur. Les valeurs typiques pour α sont 0,05 ou 0,01, mais cela dépend souvent du contexte de l’analyse et des normes de l’industrie.</a:t>
             </a:r>
           </a:p>
@@ -5513,6 +5581,9 @@
       </p:sp>
     </p:spTree>
   </p:cSld>
+  <p:clrMapOvr>
+    <a:masterClrMapping/>
+  </p:clrMapOvr>
 </p:sld>
 </file>
 
@@ -5548,81 +5619,86 @@
           <a:bodyPr/>
           <a:lstStyle/>
           <a:p>
-            <a:pPr lvl="0" indent="0" marL="0">
+            <a:pPr marL="0" lvl="0" indent="0">
               <a:buNone/>
             </a:pPr>
             <a:r>
-              <a:rPr/>
               <a:t>Conclusion du Test de Jarque Bera des series</a:t>
             </a:r>
           </a:p>
         </p:txBody>
       </p:sp>
-      <mc:AlternateContent xmlns:mc="http://schemas.openxmlformats.org/markup-compatibility/2006">
-        <mc:Choice xmlns:a14="http://schemas.microsoft.com/office/drawing/2010/main" Requires="a14">
-          <p:sp>
-            <p:nvSpPr>
-              <p:cNvPr id="3" name="Content Placeholder 2"/>
-              <p:cNvSpPr>
-                <a:spLocks noGrp="1"/>
-              </p:cNvSpPr>
-              <p:nvPr>
-                <p:ph idx="1"/>
-              </p:nvPr>
-            </p:nvSpPr>
-            <p:spPr/>
-            <p:txBody>
-              <a:bodyPr/>
-              <a:lstStyle/>
-              <a:p>
-                <a:pPr lvl="0" indent="0" marL="1270000">
-                  <a:buNone/>
-                </a:pPr>
-                <a:r>
-                  <a:rPr sz="2000"/>
-                  <a:t>On ne peut rejeter l’hypothese nulle pour aucune des series parce que </a:t>
-                </a:r>
-                <a14:m>
-                  <m:oMath xmlns:m="http://schemas.openxmlformats.org/officeDocument/2006/math">
-                    <m:r>
-                      <m:t>p</m:t>
-                    </m:r>
-                    <m:r>
-                      <m:rPr>
-                        <m:sty m:val="p"/>
-                      </m:rPr>
-                      <m:t>≥</m:t>
-                    </m:r>
-                    <m:r>
-                      <m:t>α</m:t>
-                    </m:r>
-                    <m:r>
-                      <m:rPr>
-                        <m:sty m:val="p"/>
-                      </m:rPr>
-                      <m:t>,</m:t>
-                    </m:r>
-                    <m:r>
-                      <m:t>α</m:t>
-                    </m:r>
-                    <m:r>
-                      <m:rPr>
-                        <m:sty m:val="p"/>
-                      </m:rPr>
-                      <m:t>=</m:t>
-                    </m:r>
-                    <m:r>
-                      <m:t>0.05</m:t>
-                    </m:r>
-                  </m:oMath>
-                </a14:m>
-              </a:p>
-            </p:txBody>
-          </p:sp>
-        </mc:Choice>
-      </mc:AlternateContent>
+      <p:sp>
+        <p:nvSpPr>
+          <p:cNvPr id="3" name="Content Placeholder 2"/>
+          <p:cNvSpPr>
+            <a:spLocks noGrp="1"/>
+          </p:cNvSpPr>
+          <p:nvPr>
+            <p:ph idx="1"/>
+          </p:nvPr>
+        </p:nvSpPr>
+        <p:spPr/>
+        <p:txBody>
+          <a:bodyPr/>
+          <a:lstStyle/>
+          <a:p>
+            <a:pPr marL="1270000" lvl="0" indent="0">
+              <a:buNone/>
+            </a:pPr>
+            <a:r>
+              <a:rPr sz="2000"/>
+              <a:t>On ne peut rejeter l’hypothese nulle pour aucune des series parce que </a:t>
+            </a:r>
+            <a14:m xmlns:a14="http://schemas.microsoft.com/office/drawing/2010/main">
+              <m:oMath xmlns:m="http://schemas.openxmlformats.org/officeDocument/2006/math">
+                <m:r>
+                  <a:rPr>
+                    <a:latin typeface="Cambria Math" panose="02040503050406030204" pitchFamily="18" charset="0"/>
+                  </a:rPr>
+                  <m:t>𝑝</m:t>
+                </m:r>
+                <m:r>
+                  <a:rPr>
+                    <a:latin typeface="Cambria Math" panose="02040503050406030204" pitchFamily="18" charset="0"/>
+                  </a:rPr>
+                  <m:t>≥</m:t>
+                </m:r>
+                <m:r>
+                  <a:rPr>
+                    <a:latin typeface="Cambria Math" panose="02040503050406030204" pitchFamily="18" charset="0"/>
+                  </a:rPr>
+                  <m:t>𝛼</m:t>
+                </m:r>
+                <m:r>
+                  <a:rPr>
+                    <a:latin typeface="Cambria Math" panose="02040503050406030204" pitchFamily="18" charset="0"/>
+                  </a:rPr>
+                  <m:t>,</m:t>
+                </m:r>
+                <m:r>
+                  <a:rPr>
+                    <a:latin typeface="Cambria Math" panose="02040503050406030204" pitchFamily="18" charset="0"/>
+                  </a:rPr>
+                  <m:t>𝛼</m:t>
+                </m:r>
+                <m:r>
+                  <a:rPr>
+                    <a:latin typeface="Cambria Math" panose="02040503050406030204" pitchFamily="18" charset="0"/>
+                  </a:rPr>
+                  <m:t>=0.05</m:t>
+                </m:r>
+              </m:oMath>
+            </a14:m>
+            <a:endParaRPr sz="2000"/>
+          </a:p>
+        </p:txBody>
+      </p:sp>
     </p:spTree>
   </p:cSld>
+  <p:clrMapOvr>
+    <a:masterClrMapping/>
+  </p:clrMapOvr>
 </p:sld>
 </file>
 
@@ -5663,11 +5739,10 @@
           <a:bodyPr/>
           <a:lstStyle/>
           <a:p>
-            <a:pPr lvl="0" indent="0" marL="0">
+            <a:pPr marL="0" lvl="0" indent="0">
               <a:buNone/>
             </a:pPr>
             <a:r>
-              <a:rPr/>
               <a:t>La stationarite des Variable (LN)</a:t>
             </a:r>
           </a:p>
@@ -5675,6 +5750,9 @@
       </p:sp>
     </p:spTree>
   </p:cSld>
+  <p:clrMapOvr>
+    <a:masterClrMapping/>
+  </p:clrMapOvr>
 </p:sld>
 </file>
 
@@ -5710,11 +5788,10 @@
           <a:bodyPr/>
           <a:lstStyle/>
           <a:p>
-            <a:pPr lvl="0" indent="0" marL="0">
+            <a:pPr marL="0" lvl="0" indent="0">
               <a:buNone/>
             </a:pPr>
             <a:r>
-              <a:rPr/>
               <a:t>Source des Donnees</a:t>
             </a:r>
           </a:p>
@@ -5737,42 +5814,36 @@
           <a:p>
             <a:pPr lvl="0"/>
             <a:r>
-              <a:rPr/>
               <a:t>tx.change : Taux de Change Reel</a:t>
             </a:r>
           </a:p>
           <a:p>
             <a:pPr lvl="0"/>
             <a:r>
-              <a:rPr/>
               <a:t>imp: Importation Haitienne</a:t>
             </a:r>
           </a:p>
           <a:p>
             <a:pPr lvl="0"/>
             <a:r>
-              <a:rPr/>
               <a:t>exp: Exportation Haitienne</a:t>
             </a:r>
           </a:p>
           <a:p>
             <a:pPr lvl="0"/>
             <a:r>
-              <a:rPr/>
               <a:t>pib: Produit Interieur Brute Haitienne</a:t>
             </a:r>
           </a:p>
           <a:p>
             <a:pPr lvl="0"/>
             <a:r>
-              <a:rPr/>
               <a:t>pib.usa: Produit Interieur Brute des Etats Unis</a:t>
             </a:r>
           </a:p>
           <a:p>
             <a:pPr lvl="0"/>
             <a:r>
-              <a:rPr/>
               <a:t>ipc: L’indice des prix a la Consommation</a:t>
             </a:r>
           </a:p>
@@ -5780,6 +5851,9 @@
       </p:sp>
     </p:spTree>
   </p:cSld>
+  <p:clrMapOvr>
+    <a:masterClrMapping/>
+  </p:clrMapOvr>
   <p:timing>
     <p:tnLst>
       <p:par>
@@ -6142,11 +6216,10 @@
           <a:bodyPr/>
           <a:lstStyle/>
           <a:p>
-            <a:pPr lvl="0" indent="0" marL="0">
+            <a:pPr marL="0" lvl="0" indent="0">
               <a:buNone/>
             </a:pPr>
             <a:r>
-              <a:rPr/>
               <a:t>Procedure</a:t>
             </a:r>
           </a:p>
@@ -6167,11 +6240,10 @@
           <a:bodyPr/>
           <a:lstStyle/>
           <a:p>
-            <a:pPr lvl="0" indent="0" marL="0">
+            <a:pPr marL="0" lvl="0" indent="0">
               <a:buNone/>
             </a:pPr>
             <a:r>
-              <a:rPr/>
               <a:t>La procedure d’etude de la stationarite demande que l’on procede de stationarite pour les series en niveau. Ensuite on passe le filtre de difference sur les series et on recommence les tests.</a:t>
             </a:r>
           </a:p>
@@ -6179,6 +6251,9 @@
       </p:sp>
     </p:spTree>
   </p:cSld>
+  <p:clrMapOvr>
+    <a:masterClrMapping/>
+  </p:clrMapOvr>
 </p:sld>
 </file>
 
@@ -6214,376 +6289,438 @@
           <a:bodyPr/>
           <a:lstStyle/>
           <a:p>
-            <a:pPr lvl="0" indent="0" marL="0">
+            <a:pPr marL="0" lvl="0" indent="0">
               <a:buNone/>
             </a:pPr>
             <a:r>
-              <a:rPr/>
               <a:t>Filtre de difference</a:t>
             </a:r>
           </a:p>
         </p:txBody>
       </p:sp>
-      <mc:AlternateContent xmlns:mc="http://schemas.openxmlformats.org/markup-compatibility/2006">
-        <mc:Choice xmlns:a14="http://schemas.microsoft.com/office/drawing/2010/main" Requires="a14">
-          <p:sp>
-            <p:nvSpPr>
-              <p:cNvPr id="3" name="Content Placeholder 2"/>
-              <p:cNvSpPr>
-                <a:spLocks noGrp="1"/>
-              </p:cNvSpPr>
-              <p:nvPr>
-                <p:ph idx="1"/>
-              </p:nvPr>
-            </p:nvSpPr>
-            <p:spPr/>
-            <p:txBody>
-              <a:bodyPr/>
-              <a:lstStyle/>
-              <a:p>
-                <a:pPr lvl="0" indent="0" marL="0">
-                  <a:buNone/>
-                </a:pPr>
-                <a:r>
-                  <a:rPr/>
-                  <a:t>Le filtre de différence est une opération couramment utilisée dans l’analyse des séries chronologiques pour transformer une série en une série stationnaire en différenciant les observations. La différenciation implique de soustraire chaque observation de la série par son observation précédente. Cette opération aide à éliminer les tendances et les structures temporelles de la série, rendant ainsi la série stationnaire. Voici comment le filtre de différence est mathématiquement représenté :</a:t>
-                </a:r>
-              </a:p>
-              <a:p>
-                <a:pPr lvl="0" indent="0" marL="0">
-                  <a:buNone/>
-                </a:pPr>
-                <a:r>
-                  <a:rPr/>
-                  <a:t>Si nous avons une série chronologique </a:t>
-                </a:r>
-                <a14:m>
-                  <m:oMath xmlns:m="http://schemas.openxmlformats.org/officeDocument/2006/math">
-                    <m:sSub>
-                      <m:e>
-                        <m:r>
-                          <m:t>y</m:t>
-                        </m:r>
-                      </m:e>
-                      <m:sub>
-                        <m:r>
-                          <m:t>t</m:t>
-                        </m:r>
-                      </m:sub>
-                    </m:sSub>
-                  </m:oMath>
-                </a14:m>
-                <a:r>
-                  <a:rPr/>
-                  <a:t> pour </a:t>
-                </a:r>
-                <a14:m>
-                  <m:oMath xmlns:m="http://schemas.openxmlformats.org/officeDocument/2006/math">
+      <p:sp>
+        <p:nvSpPr>
+          <p:cNvPr id="3" name="Content Placeholder 2"/>
+          <p:cNvSpPr>
+            <a:spLocks noGrp="1"/>
+          </p:cNvSpPr>
+          <p:nvPr>
+            <p:ph idx="1"/>
+          </p:nvPr>
+        </p:nvSpPr>
+        <p:spPr/>
+        <p:txBody>
+          <a:bodyPr/>
+          <a:lstStyle/>
+          <a:p>
+            <a:pPr marL="0" lvl="0" indent="0">
+              <a:buNone/>
+            </a:pPr>
+            <a:r>
+              <a:t>Le filtre de différence est une opération couramment utilisée dans l’analyse des séries chronologiques pour transformer une série en une série stationnaire en différenciant les observations. La différenciation implique de soustraire chaque observation de la série par son observation précédente. Cette opération aide à éliminer les tendances et les structures temporelles de la série, rendant ainsi la série stationnaire. Voici comment le filtre de différence est mathématiquement représenté :</a:t>
+            </a:r>
+          </a:p>
+          <a:p>
+            <a:pPr marL="0" lvl="0" indent="0">
+              <a:buNone/>
+            </a:pPr>
+            <a:r>
+              <a:t>Si nous avons une série chronologique </a:t>
+            </a:r>
+            <a14:m xmlns:a14="http://schemas.microsoft.com/office/drawing/2010/main">
+              <m:oMath xmlns:m="http://schemas.openxmlformats.org/officeDocument/2006/math">
+                <m:sSub>
+                  <m:sSubPr>
+                    <m:ctrlPr>
+                      <a:rPr>
+                        <a:latin typeface="Cambria Math" panose="02040503050406030204" pitchFamily="18" charset="0"/>
+                      </a:rPr>
+                    </m:ctrlPr>
+                  </m:sSubPr>
+                  <m:e>
                     <m:r>
-                      <m:t>t</m:t>
+                      <a:rPr>
+                        <a:latin typeface="Cambria Math" panose="02040503050406030204" pitchFamily="18" charset="0"/>
+                      </a:rPr>
+                      <m:t>𝑦</m:t>
+                    </m:r>
+                  </m:e>
+                  <m:sub>
+                    <m:r>
+                      <a:rPr>
+                        <a:latin typeface="Cambria Math" panose="02040503050406030204" pitchFamily="18" charset="0"/>
+                      </a:rPr>
+                      <m:t>𝑡</m:t>
+                    </m:r>
+                  </m:sub>
+                </m:sSub>
+              </m:oMath>
+            </a14:m>
+            <a:r>
+              <a:t> pour </a:t>
+            </a:r>
+            <a14:m xmlns:a14="http://schemas.microsoft.com/office/drawing/2010/main">
+              <m:oMath xmlns:m="http://schemas.openxmlformats.org/officeDocument/2006/math">
+                <m:r>
+                  <a:rPr>
+                    <a:latin typeface="Cambria Math" panose="02040503050406030204" pitchFamily="18" charset="0"/>
+                  </a:rPr>
+                  <m:t>𝑡</m:t>
+                </m:r>
+                <m:r>
+                  <a:rPr>
+                    <a:latin typeface="Cambria Math" panose="02040503050406030204" pitchFamily="18" charset="0"/>
+                  </a:rPr>
+                  <m:t>=1,2,...,</m:t>
+                </m:r>
+                <m:r>
+                  <a:rPr>
+                    <a:latin typeface="Cambria Math" panose="02040503050406030204" pitchFamily="18" charset="0"/>
+                  </a:rPr>
+                  <m:t>𝑇</m:t>
+                </m:r>
+              </m:oMath>
+            </a14:m>
+            <a:r>
+              <a:t>, alors la série de différences premières, notée </a:t>
+            </a:r>
+            <a14:m xmlns:a14="http://schemas.microsoft.com/office/drawing/2010/main">
+              <m:oMath xmlns:m="http://schemas.openxmlformats.org/officeDocument/2006/math">
+                <m:r>
+                  <a:rPr>
+                    <a:latin typeface="Cambria Math" panose="02040503050406030204" pitchFamily="18" charset="0"/>
+                  </a:rPr>
+                  <m:t>𝛥</m:t>
+                </m:r>
+                <m:sSub>
+                  <m:sSubPr>
+                    <m:ctrlPr>
+                      <a:rPr i="1">
+                        <a:latin typeface="Cambria Math" panose="02040503050406030204" pitchFamily="18" charset="0"/>
+                      </a:rPr>
+                    </m:ctrlPr>
+                  </m:sSubPr>
+                  <m:e>
+                    <m:r>
+                      <a:rPr>
+                        <a:latin typeface="Cambria Math" panose="02040503050406030204" pitchFamily="18" charset="0"/>
+                      </a:rPr>
+                      <m:t>𝑦</m:t>
+                    </m:r>
+                  </m:e>
+                  <m:sub>
+                    <m:r>
+                      <a:rPr>
+                        <a:latin typeface="Cambria Math" panose="02040503050406030204" pitchFamily="18" charset="0"/>
+                      </a:rPr>
+                      <m:t>𝑡</m:t>
+                    </m:r>
+                  </m:sub>
+                </m:sSub>
+              </m:oMath>
+            </a14:m>
+            <a:r>
+              <a:t>, est définie comme :</a:t>
+            </a:r>
+          </a:p>
+          <a:p>
+            <a:pPr marL="0" lvl="0" indent="0">
+              <a:buNone/>
+            </a:pPr>
+            <a14:m xmlns:a14="http://schemas.microsoft.com/office/drawing/2010/main">
+              <m:oMathPara xmlns:m="http://schemas.openxmlformats.org/officeDocument/2006/math">
+                <m:oMathParaPr>
+                  <m:jc m:val="center"/>
+                </m:oMathParaPr>
+                <m:oMath xmlns:m="http://schemas.openxmlformats.org/officeDocument/2006/math">
+                  <m:r>
+                    <a:rPr>
+                      <a:latin typeface="Cambria Math" panose="02040503050406030204" pitchFamily="18" charset="0"/>
+                    </a:rPr>
+                    <m:t>𝛥</m:t>
+                  </m:r>
+                  <m:sSub>
+                    <m:sSubPr>
+                      <m:ctrlPr>
+                        <a:rPr i="1">
+                          <a:latin typeface="Cambria Math" panose="02040503050406030204" pitchFamily="18" charset="0"/>
+                        </a:rPr>
+                      </m:ctrlPr>
+                    </m:sSubPr>
+                    <m:e>
+                      <m:r>
+                        <a:rPr>
+                          <a:latin typeface="Cambria Math" panose="02040503050406030204" pitchFamily="18" charset="0"/>
+                        </a:rPr>
+                        <m:t>𝑦</m:t>
+                      </m:r>
+                    </m:e>
+                    <m:sub>
+                      <m:r>
+                        <a:rPr>
+                          <a:latin typeface="Cambria Math" panose="02040503050406030204" pitchFamily="18" charset="0"/>
+                        </a:rPr>
+                        <m:t>𝑡</m:t>
+                      </m:r>
+                    </m:sub>
+                  </m:sSub>
+                  <m:r>
+                    <a:rPr>
+                      <a:latin typeface="Cambria Math" panose="02040503050406030204" pitchFamily="18" charset="0"/>
+                    </a:rPr>
+                    <m:t>=</m:t>
+                  </m:r>
+                  <m:sSub>
+                    <m:sSubPr>
+                      <m:ctrlPr>
+                        <a:rPr i="1">
+                          <a:latin typeface="Cambria Math" panose="02040503050406030204" pitchFamily="18" charset="0"/>
+                        </a:rPr>
+                      </m:ctrlPr>
+                    </m:sSubPr>
+                    <m:e>
+                      <m:r>
+                        <a:rPr>
+                          <a:latin typeface="Cambria Math" panose="02040503050406030204" pitchFamily="18" charset="0"/>
+                        </a:rPr>
+                        <m:t>𝑦</m:t>
+                      </m:r>
+                    </m:e>
+                    <m:sub>
+                      <m:r>
+                        <a:rPr>
+                          <a:latin typeface="Cambria Math" panose="02040503050406030204" pitchFamily="18" charset="0"/>
+                        </a:rPr>
+                        <m:t>𝑡</m:t>
+                      </m:r>
+                    </m:sub>
+                  </m:sSub>
+                  <m:r>
+                    <a:rPr>
+                      <a:latin typeface="Cambria Math" panose="02040503050406030204" pitchFamily="18" charset="0"/>
+                    </a:rPr>
+                    <m:t>−</m:t>
+                  </m:r>
+                  <m:sSub>
+                    <m:sSubPr>
+                      <m:ctrlPr>
+                        <a:rPr i="1">
+                          <a:latin typeface="Cambria Math" panose="02040503050406030204" pitchFamily="18" charset="0"/>
+                        </a:rPr>
+                      </m:ctrlPr>
+                    </m:sSubPr>
+                    <m:e>
+                      <m:r>
+                        <a:rPr>
+                          <a:latin typeface="Cambria Math" panose="02040503050406030204" pitchFamily="18" charset="0"/>
+                        </a:rPr>
+                        <m:t>𝑦</m:t>
+                      </m:r>
+                    </m:e>
+                    <m:sub>
+                      <m:r>
+                        <a:rPr>
+                          <a:latin typeface="Cambria Math" panose="02040503050406030204" pitchFamily="18" charset="0"/>
+                        </a:rPr>
+                        <m:t>𝑡</m:t>
+                      </m:r>
+                      <m:r>
+                        <a:rPr>
+                          <a:latin typeface="Cambria Math" panose="02040503050406030204" pitchFamily="18" charset="0"/>
+                        </a:rPr>
+                        <m:t>−1</m:t>
+                      </m:r>
+                    </m:sub>
+                  </m:sSub>
+                </m:oMath>
+              </m:oMathPara>
+            </a14:m>
+            <a:endParaRPr/>
+          </a:p>
+          <a:p>
+            <a:pPr marL="0" lvl="0" indent="0">
+              <a:buNone/>
+            </a:pPr>
+            <a:r>
+              <a:t>Cette équation montre que chaque observation </a:t>
+            </a:r>
+            <a14:m xmlns:a14="http://schemas.microsoft.com/office/drawing/2010/main">
+              <m:oMath xmlns:m="http://schemas.openxmlformats.org/officeDocument/2006/math">
+                <m:sSub>
+                  <m:sSubPr>
+                    <m:ctrlPr>
+                      <a:rPr>
+                        <a:latin typeface="Cambria Math" panose="02040503050406030204" pitchFamily="18" charset="0"/>
+                      </a:rPr>
+                    </m:ctrlPr>
+                  </m:sSubPr>
+                  <m:e>
+                    <m:r>
+                      <a:rPr>
+                        <a:latin typeface="Cambria Math" panose="02040503050406030204" pitchFamily="18" charset="0"/>
+                      </a:rPr>
+                      <m:t>𝑦</m:t>
+                    </m:r>
+                  </m:e>
+                  <m:sub>
+                    <m:r>
+                      <a:rPr>
+                        <a:latin typeface="Cambria Math" panose="02040503050406030204" pitchFamily="18" charset="0"/>
+                      </a:rPr>
+                      <m:t>𝑡</m:t>
+                    </m:r>
+                  </m:sub>
+                </m:sSub>
+              </m:oMath>
+            </a14:m>
+            <a:r>
+              <a:t>est soustraite de son observation précédente </a:t>
+            </a:r>
+            <a14:m xmlns:a14="http://schemas.microsoft.com/office/drawing/2010/main">
+              <m:oMath xmlns:m="http://schemas.openxmlformats.org/officeDocument/2006/math">
+                <m:sSub>
+                  <m:sSubPr>
+                    <m:ctrlPr>
+                      <a:rPr>
+                        <a:latin typeface="Cambria Math" panose="02040503050406030204" pitchFamily="18" charset="0"/>
+                      </a:rPr>
+                    </m:ctrlPr>
+                  </m:sSubPr>
+                  <m:e>
+                    <m:r>
+                      <a:rPr>
+                        <a:latin typeface="Cambria Math" panose="02040503050406030204" pitchFamily="18" charset="0"/>
+                      </a:rPr>
+                      <m:t>𝑦</m:t>
+                    </m:r>
+                  </m:e>
+                  <m:sub>
+                    <m:r>
+                      <a:rPr>
+                        <a:latin typeface="Cambria Math" panose="02040503050406030204" pitchFamily="18" charset="0"/>
+                      </a:rPr>
+                      <m:t>𝑡</m:t>
                     </m:r>
                     <m:r>
-                      <m:rPr>
-                        <m:sty m:val="p"/>
-                      </m:rPr>
-                      <m:t>=</m:t>
+                      <a:rPr>
+                        <a:latin typeface="Cambria Math" panose="02040503050406030204" pitchFamily="18" charset="0"/>
+                      </a:rPr>
+                      <m:t>−1</m:t>
                     </m:r>
+                  </m:sub>
+                </m:sSub>
+              </m:oMath>
+            </a14:m>
+            <a:r>
+              <a:t> pour obtenir la différence première </a:t>
+            </a:r>
+            <a14:m xmlns:a14="http://schemas.microsoft.com/office/drawing/2010/main">
+              <m:oMath xmlns:m="http://schemas.openxmlformats.org/officeDocument/2006/math">
+                <m:r>
+                  <a:rPr>
+                    <a:latin typeface="Cambria Math" panose="02040503050406030204" pitchFamily="18" charset="0"/>
+                  </a:rPr>
+                  <m:t>𝛥</m:t>
+                </m:r>
+                <m:sSub>
+                  <m:sSubPr>
+                    <m:ctrlPr>
+                      <a:rPr i="1">
+                        <a:latin typeface="Cambria Math" panose="02040503050406030204" pitchFamily="18" charset="0"/>
+                      </a:rPr>
+                    </m:ctrlPr>
+                  </m:sSubPr>
+                  <m:e>
                     <m:r>
-                      <m:t>1</m:t>
+                      <a:rPr>
+                        <a:latin typeface="Cambria Math" panose="02040503050406030204" pitchFamily="18" charset="0"/>
+                      </a:rPr>
+                      <m:t>𝑦</m:t>
                     </m:r>
+                  </m:e>
+                  <m:sub>
                     <m:r>
-                      <m:rPr>
-                        <m:sty m:val="p"/>
-                      </m:rPr>
-                      <m:t>,</m:t>
+                      <a:rPr>
+                        <a:latin typeface="Cambria Math" panose="02040503050406030204" pitchFamily="18" charset="0"/>
+                      </a:rPr>
+                      <m:t>𝑡</m:t>
                     </m:r>
-                    <m:r>
-                      <m:t>2</m:t>
-                    </m:r>
-                    <m:r>
-                      <m:rPr>
-                        <m:sty m:val="p"/>
-                      </m:rPr>
-                      <m:t>,</m:t>
-                    </m:r>
-                    <m:r>
-                      <m:rPr>
-                        <m:sty m:val="p"/>
-                      </m:rPr>
-                      <m:t>.</m:t>
-                    </m:r>
-                    <m:r>
-                      <m:rPr>
-                        <m:sty m:val="p"/>
-                      </m:rPr>
-                      <m:t>.</m:t>
-                    </m:r>
-                    <m:r>
-                      <m:rPr>
-                        <m:sty m:val="p"/>
-                      </m:rPr>
-                      <m:t>.</m:t>
-                    </m:r>
-                    <m:r>
-                      <m:rPr>
-                        <m:sty m:val="p"/>
-                      </m:rPr>
-                      <m:t>,</m:t>
-                    </m:r>
-                    <m:r>
-                      <m:t>T</m:t>
-                    </m:r>
-                  </m:oMath>
-                </a14:m>
-                <a:r>
-                  <a:rPr/>
-                  <a:t>, alors la série de différences premières, notée </a:t>
-                </a:r>
-                <a14:m>
-                  <m:oMath xmlns:m="http://schemas.openxmlformats.org/officeDocument/2006/math">
-                    <m:r>
-                      <m:t>Δ</m:t>
-                    </m:r>
-                    <m:sSub>
-                      <m:e>
-                        <m:r>
-                          <m:t>y</m:t>
-                        </m:r>
-                      </m:e>
-                      <m:sub>
-                        <m:r>
-                          <m:t>t</m:t>
-                        </m:r>
-                      </m:sub>
-                    </m:sSub>
-                  </m:oMath>
-                </a14:m>
-                <a:r>
-                  <a:rPr/>
-                  <a:t>, est définie comme :</a:t>
-                </a:r>
-              </a:p>
-              <a:p>
-                <a:pPr lvl="0" indent="0" marL="0">
-                  <a:buNone/>
-                </a:pPr>
-                <a14:m>
-                  <m:oMathPara xmlns:m="http://schemas.openxmlformats.org/officeDocument/2006/math">
-                    <m:oMathParaPr>
-                      <m:jc m:val="center"/>
-                    </m:oMathParaPr>
-                    <m:oMath>
-                      <m:r>
-                        <m:t>Δ</m:t>
-                      </m:r>
-                      <m:sSub>
-                        <m:e>
-                          <m:r>
-                            <m:t>y</m:t>
-                          </m:r>
-                        </m:e>
-                        <m:sub>
-                          <m:r>
-                            <m:t>t</m:t>
-                          </m:r>
-                        </m:sub>
-                      </m:sSub>
-                      <m:r>
-                        <m:rPr>
-                          <m:sty m:val="p"/>
-                        </m:rPr>
-                        <m:t>=</m:t>
-                      </m:r>
-                      <m:sSub>
-                        <m:e>
-                          <m:r>
-                            <m:t>y</m:t>
-                          </m:r>
-                        </m:e>
-                        <m:sub>
-                          <m:r>
-                            <m:t>t</m:t>
-                          </m:r>
-                        </m:sub>
-                      </m:sSub>
-                      <m:r>
-                        <m:rPr>
-                          <m:sty m:val="p"/>
-                        </m:rPr>
-                        <m:t>−</m:t>
-                      </m:r>
-                      <m:sSub>
-                        <m:e>
-                          <m:r>
-                            <m:t>y</m:t>
-                          </m:r>
-                        </m:e>
-                        <m:sub>
-                          <m:r>
-                            <m:t>t</m:t>
-                          </m:r>
-                          <m:r>
-                            <m:rPr>
-                              <m:sty m:val="p"/>
-                            </m:rPr>
-                            <m:t>−</m:t>
-                          </m:r>
-                          <m:r>
-                            <m:t>1</m:t>
-                          </m:r>
-                        </m:sub>
-                      </m:sSub>
-                    </m:oMath>
-                  </m:oMathPara>
-                </a14:m>
-              </a:p>
-              <a:p>
-                <a:pPr lvl="0" indent="0" marL="0">
-                  <a:buNone/>
-                </a:pPr>
-                <a:r>
-                  <a:rPr/>
-                  <a:t>Cette équation montre que chaque observation </a:t>
-                </a:r>
-                <a14:m>
-                  <m:oMath xmlns:m="http://schemas.openxmlformats.org/officeDocument/2006/math">
-                    <m:sSub>
-                      <m:e>
-                        <m:r>
-                          <m:t>y</m:t>
-                        </m:r>
-                      </m:e>
-                      <m:sub>
-                        <m:r>
-                          <m:t>t</m:t>
-                        </m:r>
-                      </m:sub>
-                    </m:sSub>
-                  </m:oMath>
-                </a14:m>
-                <a:r>
-                  <a:rPr/>
-                  <a:t>est soustraite de son observation précédente </a:t>
-                </a:r>
-                <a14:m>
-                  <m:oMath xmlns:m="http://schemas.openxmlformats.org/officeDocument/2006/math">
-                    <m:sSub>
-                      <m:e>
-                        <m:r>
-                          <m:t>y</m:t>
-                        </m:r>
-                      </m:e>
-                      <m:sub>
-                        <m:r>
-                          <m:t>t</m:t>
-                        </m:r>
-                        <m:r>
-                          <m:rPr>
-                            <m:sty m:val="p"/>
-                          </m:rPr>
-                          <m:t>−</m:t>
-                        </m:r>
-                        <m:r>
-                          <m:t>1</m:t>
-                        </m:r>
-                      </m:sub>
-                    </m:sSub>
-                  </m:oMath>
-                </a14:m>
-                <a:r>
-                  <a:rPr/>
-                  <a:t> pour obtenir la différence première </a:t>
-                </a:r>
-                <a14:m>
-                  <m:oMath xmlns:m="http://schemas.openxmlformats.org/officeDocument/2006/math">
-                    <m:r>
-                      <m:t>Δ</m:t>
-                    </m:r>
-                    <m:sSub>
-                      <m:e>
-                        <m:r>
-                          <m:t>y</m:t>
-                        </m:r>
-                      </m:e>
-                      <m:sub>
-                        <m:r>
-                          <m:t>t</m:t>
-                        </m:r>
-                      </m:sub>
-                    </m:sSub>
-                  </m:oMath>
-                </a14:m>
-                <a:r>
-                  <a:rPr/>
-                  <a:t>. Cela peut être répété pour chaque observation dans la série, créant ainsi une nouvelle série de différences premières avec une longueur de </a:t>
-                </a:r>
-                <a14:m>
-                  <m:oMath xmlns:m="http://schemas.openxmlformats.org/officeDocument/2006/math">
-                    <m:r>
-                      <m:t>T</m:t>
-                    </m:r>
-                    <m:r>
-                      <m:rPr>
-                        <m:sty m:val="p"/>
-                      </m:rPr>
-                      <m:t>−</m:t>
-                    </m:r>
-                    <m:r>
-                      <m:t>1</m:t>
-                    </m:r>
-                  </m:oMath>
-                </a14:m>
-                <a:r>
-                  <a:rPr/>
-                  <a:t>, car la première observation n’a pas de valeur précédente à soustraire.</a:t>
-                </a:r>
-              </a:p>
-              <a:p>
-                <a:pPr lvl="0" indent="0" marL="0">
-                  <a:buNone/>
-                </a:pPr>
-                <a:r>
-                  <a:rPr/>
-                  <a:t>L’opération de différenciation peut être répétée plusieurs fois si nécessaire pour obtenir une série encore plus stationnaire, en soustrayant chaque observation par son observation précédente dans la série de différences premières. La série résultante est appelée série de différences d’ordre </a:t>
-                </a:r>
-                <a14:m>
-                  <m:oMath xmlns:m="http://schemas.openxmlformats.org/officeDocument/2006/math">
-                    <m:r>
-                      <m:t>d</m:t>
-                    </m:r>
-                  </m:oMath>
-                </a14:m>
-                <a:r>
-                  <a:rPr/>
-                  <a:t>, où </a:t>
-                </a:r>
-                <a14:m>
-                  <m:oMath xmlns:m="http://schemas.openxmlformats.org/officeDocument/2006/math">
-                    <m:r>
-                      <m:t>d</m:t>
-                    </m:r>
-                  </m:oMath>
-                </a14:m>
-                <a:r>
-                  <a:rPr/>
-                  <a:t> représente le nombre de différences effectuées.</a:t>
-                </a:r>
-              </a:p>
-              <a:p>
-                <a:pPr lvl="0" indent="0" marL="0">
-                  <a:buNone/>
-                </a:pPr>
-                <a:r>
-                  <a:rPr/>
-                  <a:t>Voici un exemple d’équation LaTeX pour représenter la série de différences premières : Cette équation peut être utilisée dans les documents LaTeX pour représenter mathématiquement le concept de différenciation dans l’analyse des séries chronologiques.</a:t>
-                </a:r>
-              </a:p>
-            </p:txBody>
-          </p:sp>
-        </mc:Choice>
-      </mc:AlternateContent>
+                  </m:sub>
+                </m:sSub>
+              </m:oMath>
+            </a14:m>
+            <a:r>
+              <a:t>. Cela peut être répété pour chaque observation dans la série, créant ainsi une nouvelle série de différences premières avec une longueur de </a:t>
+            </a:r>
+            <a14:m xmlns:a14="http://schemas.microsoft.com/office/drawing/2010/main">
+              <m:oMath xmlns:m="http://schemas.openxmlformats.org/officeDocument/2006/math">
+                <m:r>
+                  <a:rPr>
+                    <a:latin typeface="Cambria Math" panose="02040503050406030204" pitchFamily="18" charset="0"/>
+                  </a:rPr>
+                  <m:t>𝑇</m:t>
+                </m:r>
+                <m:r>
+                  <a:rPr>
+                    <a:latin typeface="Cambria Math" panose="02040503050406030204" pitchFamily="18" charset="0"/>
+                  </a:rPr>
+                  <m:t>−1</m:t>
+                </m:r>
+              </m:oMath>
+            </a14:m>
+            <a:r>
+              <a:t>, car la première observation n’a pas de valeur précédente à soustraire.</a:t>
+            </a:r>
+          </a:p>
+          <a:p>
+            <a:pPr marL="0" lvl="0" indent="0">
+              <a:buNone/>
+            </a:pPr>
+            <a:r>
+              <a:t>L’opération de différenciation peut être répétée plusieurs fois si nécessaire pour obtenir une série encore plus stationnaire, en soustrayant chaque observation par son observation précédente dans la série de différences premières. La série résultante est appelée série de différences d’ordre </a:t>
+            </a:r>
+            <a14:m xmlns:a14="http://schemas.microsoft.com/office/drawing/2010/main">
+              <m:oMath xmlns:m="http://schemas.openxmlformats.org/officeDocument/2006/math">
+                <m:r>
+                  <a:rPr>
+                    <a:latin typeface="Cambria Math" panose="02040503050406030204" pitchFamily="18" charset="0"/>
+                  </a:rPr>
+                  <m:t>𝑑</m:t>
+                </m:r>
+              </m:oMath>
+            </a14:m>
+            <a:r>
+              <a:t>, où </a:t>
+            </a:r>
+            <a14:m xmlns:a14="http://schemas.microsoft.com/office/drawing/2010/main">
+              <m:oMath xmlns:m="http://schemas.openxmlformats.org/officeDocument/2006/math">
+                <m:r>
+                  <a:rPr>
+                    <a:latin typeface="Cambria Math" panose="02040503050406030204" pitchFamily="18" charset="0"/>
+                  </a:rPr>
+                  <m:t>𝑑</m:t>
+                </m:r>
+              </m:oMath>
+            </a14:m>
+            <a:r>
+              <a:t> représente le nombre de différences effectuées.</a:t>
+            </a:r>
+          </a:p>
+          <a:p>
+            <a:pPr marL="0" lvl="0" indent="0">
+              <a:buNone/>
+            </a:pPr>
+            <a:r>
+              <a:t>Voici un exemple d’équation LaTeX pour représenter la série de différences premières : Cette équation peut être utilisée dans les documents LaTeX pour représenter mathématiquement le concept de différenciation dans l’analyse des séries chronologiques.</a:t>
+            </a:r>
+          </a:p>
+        </p:txBody>
+      </p:sp>
     </p:spTree>
   </p:cSld>
+  <p:clrMapOvr>
+    <a:masterClrMapping/>
+  </p:clrMapOvr>
 </p:sld>
 </file>
 
@@ -6624,11 +6761,10 @@
           <a:bodyPr/>
           <a:lstStyle/>
           <a:p>
-            <a:pPr lvl="0" indent="0" marL="0">
+            <a:pPr marL="0" lvl="0" indent="0">
               <a:buNone/>
             </a:pPr>
             <a:r>
-              <a:rPr/>
               <a:t>Resultats et Hypotheses test Stationarites</a:t>
             </a:r>
           </a:p>
@@ -6636,6 +6772,9 @@
       </p:sp>
     </p:spTree>
   </p:cSld>
+  <p:clrMapOvr>
+    <a:masterClrMapping/>
+  </p:clrMapOvr>
 </p:sld>
 </file>
 
@@ -6671,11 +6810,10 @@
           <a:bodyPr/>
           <a:lstStyle/>
           <a:p>
-            <a:pPr lvl="0" indent="0" marL="0">
+            <a:pPr marL="0" lvl="0" indent="0">
               <a:buNone/>
             </a:pPr>
             <a:r>
-              <a:rPr/>
               <a:t>Hypotheses pour les tests de stationnarite</a:t>
             </a:r>
           </a:p>
@@ -6696,16 +6834,15 @@
           <a:bodyPr/>
           <a:lstStyle/>
           <a:p>
-            <a:pPr lvl="0" indent="0" marL="0">
+            <a:pPr marL="0" lvl="0" indent="0">
               <a:buNone/>
             </a:pPr>
             <a:r>
-              <a:rPr/>
               <a:t>Bien sûr, voici les hypothèses nulles et alternatives pour les tests ADF, KPSS et Phillips-Perron :</a:t>
             </a:r>
           </a:p>
           <a:p>
-            <a:pPr lvl="0" indent="-342900" marL="342900">
+            <a:pPr marL="342900" lvl="0" indent="-342900">
               <a:buAutoNum type="arabicPeriod"/>
             </a:pPr>
             <a:r>
@@ -6713,26 +6850,23 @@
               <a:t>Test de Dickey-Fuller Augmenté (ADF)</a:t>
             </a:r>
             <a:r>
-              <a:rPr/>
               <a:t> :</a:t>
             </a:r>
           </a:p>
           <a:p>
             <a:pPr lvl="1"/>
             <a:r>
-              <a:rPr/>
               <a:t>Hypothèse Nulle (H0) : La série chronologique possède une racine unitaire, ce qui signifie qu’elle n’est pas stationnaire.</a:t>
             </a:r>
           </a:p>
           <a:p>
             <a:pPr lvl="1"/>
             <a:r>
-              <a:rPr/>
               <a:t>Hypothèse Alternative (H1) : La série chronologique ne possède pas de racine unitaire, ce qui signifie qu’elle est stationnaire.</a:t>
             </a:r>
           </a:p>
           <a:p>
-            <a:pPr lvl="0" indent="-342900" marL="342900">
+            <a:pPr marL="342900" lvl="0" indent="-342900">
               <a:buAutoNum type="arabicPeriod"/>
             </a:pPr>
             <a:r>
@@ -6740,26 +6874,23 @@
               <a:t>Test KPSS (Kwiatkowski-Phillips-Schmidt-Shin)</a:t>
             </a:r>
             <a:r>
-              <a:rPr/>
               <a:t> :</a:t>
             </a:r>
           </a:p>
           <a:p>
             <a:pPr lvl="1"/>
             <a:r>
-              <a:rPr/>
               <a:t>Hypothèse Nulle (H0) : La série chronologique est stationnaire.</a:t>
             </a:r>
           </a:p>
           <a:p>
             <a:pPr lvl="1"/>
             <a:r>
-              <a:rPr/>
               <a:t>Hypothèse Alternative (H1) : La série chronologique n’est pas stationnaire.</a:t>
             </a:r>
           </a:p>
           <a:p>
-            <a:pPr lvl="0" indent="-342900" marL="342900">
+            <a:pPr marL="342900" lvl="0" indent="-342900">
               <a:buAutoNum type="arabicPeriod"/>
             </a:pPr>
             <a:r>
@@ -6767,30 +6898,26 @@
               <a:t>Test Phillips-Perron</a:t>
             </a:r>
             <a:r>
-              <a:rPr/>
               <a:t> :</a:t>
             </a:r>
           </a:p>
           <a:p>
             <a:pPr lvl="1"/>
             <a:r>
-              <a:rPr/>
               <a:t>Hypothèse Nulle (H0) : La série chronologique possède une racine unitaire, ce qui signifie qu’elle n’est pas stationnaire.</a:t>
             </a:r>
           </a:p>
           <a:p>
             <a:pPr lvl="1"/>
             <a:r>
-              <a:rPr/>
               <a:t>Hypothèse Alternative (H1) : La série chronologique ne possède pas de racine unitaire, ce qui signifie qu’elle est stationnaire.</a:t>
             </a:r>
           </a:p>
           <a:p>
-            <a:pPr lvl="0" indent="0" marL="0">
+            <a:pPr marL="0" lvl="0" indent="0">
               <a:buNone/>
             </a:pPr>
             <a:r>
-              <a:rPr/>
               <a:t>Il est important de noter que les conclusions des tests dépendent de la p-value associée. Si la p-value est inférieure à un certain seuil (généralement 0,05), on rejette l’hypothèse nulle au profit de l’hypothèse alternative, ce qui signifie que la série est considérée comme stationnaire. Sinon, si la p-value est supérieure au seuil, on ne peut pas rejeter l’hypothèse nulle, ce qui indique que la série n’est pas stationnaire.</a:t>
             </a:r>
           </a:p>
@@ -6798,6 +6925,9 @@
       </p:sp>
     </p:spTree>
   </p:cSld>
+  <p:clrMapOvr>
+    <a:masterClrMapping/>
+  </p:clrMapOvr>
   <p:timing>
     <p:tnLst>
       <p:par>
@@ -7307,11 +7437,10 @@
           <a:bodyPr/>
           <a:lstStyle/>
           <a:p>
-            <a:pPr lvl="0" indent="0" marL="0">
+            <a:pPr marL="0" lvl="0" indent="0">
               <a:buNone/>
             </a:pPr>
             <a:r>
-              <a:rPr/>
               <a:t>Tableau Presentant les resultats des tests de stationnarite</a:t>
             </a:r>
           </a:p>
@@ -7319,7 +7448,7 @@
       </p:sp>
       <p:pic>
         <p:nvPicPr>
-          <p:cNvPr descr="./outputs/res_stationarity.png" id="0" name="Picture 1"/>
+          <p:cNvPr id="3" name="Picture 1" descr="./outputs/res_stationarity.png"/>
           <p:cNvPicPr>
             <a:picLocks noGrp="1" noChangeAspect="1"/>
           </p:cNvPicPr>
@@ -7349,6 +7478,9 @@
       </p:pic>
     </p:spTree>
   </p:cSld>
+  <p:clrMapOvr>
+    <a:masterClrMapping/>
+  </p:clrMapOvr>
 </p:sld>
 </file>
 
@@ -7389,11 +7521,10 @@
           <a:bodyPr/>
           <a:lstStyle/>
           <a:p>
-            <a:pPr lvl="0" indent="0" marL="0">
+            <a:pPr marL="0" lvl="0" indent="0">
               <a:buNone/>
             </a:pPr>
             <a:r>
-              <a:rPr/>
               <a:t>Maximum Lag Analysis</a:t>
             </a:r>
           </a:p>
@@ -7401,6 +7532,9 @@
       </p:sp>
     </p:spTree>
   </p:cSld>
+  <p:clrMapOvr>
+    <a:masterClrMapping/>
+  </p:clrMapOvr>
 </p:sld>
 </file>
 
@@ -7436,292 +7570,490 @@
           <a:bodyPr/>
           <a:lstStyle/>
           <a:p>
-            <a:pPr lvl="0" indent="0" marL="0">
+            <a:pPr marL="0" lvl="0" indent="0">
               <a:buNone/>
             </a:pPr>
             <a:r>
-              <a:rPr/>
               <a:t>Information Criterion</a:t>
             </a:r>
           </a:p>
         </p:txBody>
       </p:sp>
-      <mc:AlternateContent xmlns:mc="http://schemas.openxmlformats.org/markup-compatibility/2006">
-        <mc:Choice xmlns:a14="http://schemas.microsoft.com/office/drawing/2010/main" Requires="a14">
-          <p:sp>
-            <p:nvSpPr>
-              <p:cNvPr id="3" name="Content Placeholder 2"/>
-              <p:cNvSpPr>
-                <a:spLocks noGrp="1"/>
-              </p:cNvSpPr>
-              <p:nvPr>
-                <p:ph idx="1"/>
-              </p:nvPr>
-            </p:nvSpPr>
-            <p:spPr/>
-            <p:txBody>
-              <a:bodyPr/>
-              <a:lstStyle/>
-              <a:p>
-                <a:pPr lvl="0" indent="0" marL="0">
-                  <a:buNone/>
-                </a:pPr>
-                <a:r>
+      <p:sp>
+        <p:nvSpPr>
+          <p:cNvPr id="3" name="Content Placeholder 2"/>
+          <p:cNvSpPr>
+            <a:spLocks noGrp="1"/>
+          </p:cNvSpPr>
+          <p:nvPr>
+            <p:ph idx="1"/>
+          </p:nvPr>
+        </p:nvSpPr>
+        <p:spPr/>
+        <p:txBody>
+          <a:bodyPr/>
+          <a:lstStyle/>
+          <a:p>
+            <a:pPr marL="0" lvl="0" indent="0">
+              <a:buNone/>
+            </a:pPr>
+            <a:r>
+              <a:t>Les critères d’information sont des outils utilisés en statistiques pour sélectionner un modèle parmi un ensemble de modèles candidats. L’objectif est de choisir le modèle qui offre un bon équilibre entre l’ajustement aux données et la complexité du modèle. Les deux critères d’information les plus couramment utilisés sont le Critère d’Information Akaike (AIC) et le Critère d’Information Bayésien (BIC). Voici une explication de ces deux critères :</a:t>
+            </a:r>
+          </a:p>
+          <a:p>
+            <a:pPr marL="342900" lvl="0" indent="-342900">
+              <a:buAutoNum type="arabicPeriod"/>
+            </a:pPr>
+            <a:r>
+              <a:rPr b="1"/>
+              <a:t>Critère d’Information Akaike (AIC)</a:t>
+            </a:r>
+            <a:r>
+              <a:t> :</a:t>
+            </a:r>
+          </a:p>
+          <a:p>
+            <a:pPr lvl="1"/>
+            <a:r>
+              <a:t>Le Critère d’Information Akaike (AIC) a été développé par Hirotugu Akaike dans les années 1970. Il est basé sur la théorie de l’information et est largement utilisé pour comparer des modèles statistiques.</a:t>
+            </a:r>
+          </a:p>
+          <a:p>
+            <a:pPr lvl="1"/>
+            <a:r>
+              <a:t>L’AIC est calculé à partir de la fonction de vraisemblance du modèle et de sa complexité, mesurée par le nombre de paramètres du modèle. L’AIC est défini comme :</a:t>
+            </a:r>
+          </a:p>
+          <a:p>
+            <a:pPr lvl="1"/>
+            <a14:m xmlns:a14="http://schemas.microsoft.com/office/drawing/2010/main">
+              <m:oMath xmlns:m="http://schemas.openxmlformats.org/officeDocument/2006/math">
+                <m:r>
+                  <m:rPr>
+                    <m:nor/>
+                  </m:rPr>
                   <a:rPr/>
-                  <a:t>Les critères d’information sont des outils utilisés en statistiques pour sélectionner un modèle parmi un ensemble de modèles candidats. L’objectif est de choisir le modèle qui offre un bon équilibre entre l’ajustement aux données et la complexité du modèle. Les deux critères d’information les plus couramment utilisés sont le Critère d’Information Akaike (AIC) et le Critère d’Information Bayésien (BIC). Voici une explication de ces deux critères :</a:t>
-                </a:r>
-              </a:p>
-              <a:p>
-                <a:pPr lvl="0" indent="-342900" marL="342900">
-                  <a:buAutoNum type="arabicPeriod"/>
-                </a:pPr>
-                <a:r>
-                  <a:rPr b="1"/>
-                  <a:t>Critère d’Information Akaike (AIC)</a:t>
-                </a:r>
-                <a:r>
+                  <m:t>AIC</m:t>
+                </m:r>
+                <m:r>
+                  <a:rPr>
+                    <a:latin typeface="Cambria Math" panose="02040503050406030204" pitchFamily="18" charset="0"/>
+                  </a:rPr>
+                  <m:t>=−2×</m:t>
+                </m:r>
+                <m:r>
+                  <m:rPr>
+                    <m:nor/>
+                  </m:rPr>
                   <a:rPr/>
-                  <a:t> :</a:t>
-                </a:r>
-              </a:p>
-              <a:p>
-                <a:pPr lvl="1"/>
-                <a:r>
+                  <m:t>log</m:t>
+                </m:r>
+                <m:r>
+                  <m:rPr>
+                    <m:nor/>
+                  </m:rPr>
                   <a:rPr/>
-                  <a:t>Le Critère d’Information Akaike (AIC) a été développé par Hirotugu Akaike dans les années 1970. Il est basé sur la théorie de l’information et est largement utilisé pour comparer des modèles statistiques.</a:t>
-                </a:r>
-              </a:p>
-              <a:p>
-                <a:pPr lvl="1"/>
-                <a:r>
+                  <m:t>−</m:t>
+                </m:r>
+                <m:r>
+                  <m:rPr>
+                    <m:nor/>
+                  </m:rPr>
                   <a:rPr/>
-                  <a:t>L’AIC est calculé à partir de la fonction de vraisemblance du modèle et de sa complexité, mesurée par le nombre de paramètres du modèle. L’AIC est défini comme :</a:t>
-                </a:r>
-              </a:p>
-              <a:p>
-                <a:pPr lvl="1"/>
-                <a14:m>
-                  <m:oMathPara xmlns:m="http://schemas.openxmlformats.org/officeDocument/2006/math">
-                    <m:oMathParaPr>
-                      <m:jc m:val="center"/>
-                    </m:oMathParaPr>
-                    <m:oMath>
-                      <m:r>
-                        <m:rPr>
-                          <m:nor/>
-                          <m:sty m:val="p"/>
-                        </m:rPr>
-                        <m:t>AIC</m:t>
-                      </m:r>
-                      <m:r>
-                        <m:rPr>
-                          <m:sty m:val="p"/>
-                        </m:rPr>
-                        <m:t>=</m:t>
-                      </m:r>
-                      <m:r>
-                        <m:rPr>
-                          <m:sty m:val="p"/>
-                        </m:rPr>
-                        <m:t>−</m:t>
-                      </m:r>
-                      <m:r>
-                        <m:t>2</m:t>
-                      </m:r>
-                      <m:r>
-                        <m:rPr>
-                          <m:sty m:val="p"/>
-                        </m:rPr>
-                        <m:t>×</m:t>
-                      </m:r>
-                      <m:r>
-                        <m:rPr>
-                          <m:nor/>
-                          <m:sty m:val="p"/>
-                        </m:rPr>
-                        <m:t>log-vraisemblance maximisée</m:t>
-                      </m:r>
-                      <m:r>
-                        <m:rPr>
-                          <m:sty m:val="p"/>
-                        </m:rPr>
-                        <m:t>+</m:t>
-                      </m:r>
-                      <m:r>
-                        <m:t>2</m:t>
-                      </m:r>
-                      <m:r>
-                        <m:rPr>
-                          <m:sty m:val="p"/>
-                        </m:rPr>
-                        <m:t>×</m:t>
-                      </m:r>
-                      <m:r>
-                        <m:rPr>
-                          <m:nor/>
-                          <m:sty m:val="p"/>
-                        </m:rPr>
-                        <m:t>nombre de paramètres du modèle</m:t>
-                      </m:r>
-                    </m:oMath>
-                  </m:oMathPara>
-                </a14:m>
-              </a:p>
-              <a:p>
-                <a:pPr lvl="1"/>
-                <a:r>
+                  <m:t>vraisemblance</m:t>
+                </m:r>
+                <m:r>
+                  <m:rPr>
+                    <m:nor/>
+                  </m:rPr>
                   <a:rPr/>
-                  <a:t>Le modèle avec le plus faible AIC est considéré comme le meilleur ajustement parmi les modèles considérés.</a:t>
-                </a:r>
-              </a:p>
-              <a:p>
-                <a:pPr lvl="0" indent="-342900" marL="342900">
-                  <a:buAutoNum type="arabicPeriod"/>
-                </a:pPr>
-                <a:r>
-                  <a:rPr b="1"/>
-                  <a:t>Critère d’Information Bayésien (BIC)</a:t>
-                </a:r>
-                <a:r>
+                  <m:t> </m:t>
+                </m:r>
+                <m:r>
+                  <m:rPr>
+                    <m:nor/>
+                  </m:rPr>
                   <a:rPr/>
-                  <a:t> :</a:t>
-                </a:r>
-              </a:p>
-              <a:p>
-                <a:pPr lvl="1"/>
-                <a:r>
+                  <m:t>maximis</m:t>
+                </m:r>
+                <m:r>
+                  <m:rPr>
+                    <m:nor/>
+                  </m:rPr>
                   <a:rPr/>
-                  <a:t>Le Critère d’Information Bayésien (BIC), également connu sous le nom de Critère de Schwarz, a été développé par Gideon Schwarz dans les années 1970. Il est basé sur la théorie bayésienne de la probabilité.</a:t>
-                </a:r>
-              </a:p>
-              <a:p>
-                <a:pPr lvl="1"/>
-                <a:r>
+                  <m:t>é</m:t>
+                </m:r>
+                <m:r>
+                  <m:rPr>
+                    <m:nor/>
+                  </m:rPr>
                   <a:rPr/>
-                  <a:t>Comme l’AIC, le BIC prend en compte à la fois l’ajustement aux données et la complexité du modèle. Cependant, le BIC pénalise la complexité du modèle plus fortement que l’AIC.</a:t>
-                </a:r>
-              </a:p>
-              <a:p>
-                <a:pPr lvl="1"/>
-                <a:r>
+                  <m:t>e</m:t>
+                </m:r>
+                <m:r>
+                  <a:rPr>
+                    <a:latin typeface="Cambria Math" panose="02040503050406030204" pitchFamily="18" charset="0"/>
+                  </a:rPr>
+                  <m:t>+2×</m:t>
+                </m:r>
+                <m:r>
+                  <m:rPr>
+                    <m:nor/>
+                  </m:rPr>
                   <a:rPr/>
-                  <a:t>Le BIC est calculé comme suit :</a:t>
-                </a:r>
-              </a:p>
-              <a:p>
-                <a:pPr lvl="1"/>
-                <a14:m>
-                  <m:oMathPara xmlns:m="http://schemas.openxmlformats.org/officeDocument/2006/math">
-                    <m:oMathParaPr>
-                      <m:jc m:val="center"/>
-                    </m:oMathParaPr>
-                    <m:oMath>
-                      <m:r>
-                        <m:rPr>
-                          <m:nor/>
-                          <m:sty m:val="p"/>
-                        </m:rPr>
-                        <m:t>BIC</m:t>
-                      </m:r>
-                      <m:r>
-                        <m:rPr>
-                          <m:sty m:val="p"/>
-                        </m:rPr>
-                        <m:t>=</m:t>
-                      </m:r>
-                      <m:r>
-                        <m:rPr>
-                          <m:sty m:val="p"/>
-                        </m:rPr>
-                        <m:t>−</m:t>
-                      </m:r>
-                      <m:r>
-                        <m:t>2</m:t>
-                      </m:r>
-                      <m:r>
-                        <m:rPr>
-                          <m:sty m:val="p"/>
-                        </m:rPr>
-                        <m:t>×</m:t>
-                      </m:r>
-                      <m:r>
-                        <m:rPr>
-                          <m:nor/>
-                          <m:sty m:val="p"/>
-                        </m:rPr>
-                        <m:t>log-vraisemblance maximisée</m:t>
-                      </m:r>
-                      <m:r>
-                        <m:rPr>
-                          <m:sty m:val="p"/>
-                        </m:rPr>
-                        <m:t>+</m:t>
-                      </m:r>
-                      <m:r>
-                        <m:rPr>
-                          <m:sty m:val="p"/>
-                        </m:rPr>
-                        <m:t>log</m:t>
-                      </m:r>
-                      <m:d>
-                        <m:dPr>
-                          <m:begChr m:val="("/>
-                          <m:endChr m:val=")"/>
-                          <m:sepChr m:val=""/>
-                          <m:grow/>
-                        </m:dPr>
-                        <m:e>
-                          <m:r>
-                            <m:t>n</m:t>
-                          </m:r>
-                        </m:e>
-                      </m:d>
-                      <m:r>
-                        <m:rPr>
-                          <m:sty m:val="p"/>
-                        </m:rPr>
-                        <m:t>×</m:t>
-                      </m:r>
-                      <m:r>
-                        <m:rPr>
-                          <m:nor/>
-                          <m:sty m:val="p"/>
-                        </m:rPr>
-                        <m:t>nombre de paramètres du modèle</m:t>
-                      </m:r>
-                    </m:oMath>
-                  </m:oMathPara>
-                </a14:m>
-              </a:p>
-              <a:p>
-                <a:pPr lvl="1"/>
-                <a:r>
+                  <m:t>nombre</m:t>
+                </m:r>
+                <m:r>
+                  <m:rPr>
+                    <m:nor/>
+                  </m:rPr>
                   <a:rPr/>
-                  <a:t>où $ n $ est la taille de l’échantillon.</a:t>
-                </a:r>
-              </a:p>
-              <a:p>
-                <a:pPr lvl="1"/>
-                <a:r>
+                  <m:t> </m:t>
+                </m:r>
+                <m:r>
+                  <m:rPr>
+                    <m:nor/>
+                  </m:rPr>
                   <a:rPr/>
-                  <a:t>Comme pour l’AIC, le modèle avec le plus faible BIC est considéré comme le meilleur ajustement parmi les modèles considérés.</a:t>
-                </a:r>
-              </a:p>
-              <a:p>
-                <a:pPr lvl="0" indent="0" marL="0">
-                  <a:buNone/>
-                </a:pPr>
-                <a:r>
+                  <m:t>de</m:t>
+                </m:r>
+                <m:r>
+                  <m:rPr>
+                    <m:nor/>
+                  </m:rPr>
                   <a:rPr/>
-                  <a:t>En résumé, les critères d’information, tels que l’AIC et le BIC, fournissent une approche objective pour comparer différents modèles statistiques en tenant compte à la fois de leur ajustement aux données et de leur complexité. Ces critères sont largement utilisés dans la sélection de modèles en statistiques et en apprentissage automatique.</a:t>
-                </a:r>
-              </a:p>
-            </p:txBody>
-          </p:sp>
-        </mc:Choice>
-      </mc:AlternateContent>
+                  <m:t> </m:t>
+                </m:r>
+                <m:r>
+                  <m:rPr>
+                    <m:nor/>
+                  </m:rPr>
+                  <a:rPr/>
+                  <m:t>param</m:t>
+                </m:r>
+                <m:r>
+                  <m:rPr>
+                    <m:nor/>
+                  </m:rPr>
+                  <a:rPr/>
+                  <m:t>è</m:t>
+                </m:r>
+                <m:r>
+                  <m:rPr>
+                    <m:nor/>
+                  </m:rPr>
+                  <a:rPr/>
+                  <m:t>tres</m:t>
+                </m:r>
+                <m:r>
+                  <m:rPr>
+                    <m:nor/>
+                  </m:rPr>
+                  <a:rPr/>
+                  <m:t> </m:t>
+                </m:r>
+                <m:r>
+                  <m:rPr>
+                    <m:nor/>
+                  </m:rPr>
+                  <a:rPr/>
+                  <m:t>du</m:t>
+                </m:r>
+                <m:r>
+                  <m:rPr>
+                    <m:nor/>
+                  </m:rPr>
+                  <a:rPr/>
+                  <m:t> </m:t>
+                </m:r>
+                <m:r>
+                  <m:rPr>
+                    <m:nor/>
+                  </m:rPr>
+                  <a:rPr/>
+                  <m:t>mod</m:t>
+                </m:r>
+                <m:r>
+                  <m:rPr>
+                    <m:nor/>
+                  </m:rPr>
+                  <a:rPr/>
+                  <m:t>è</m:t>
+                </m:r>
+                <m:r>
+                  <m:rPr>
+                    <m:nor/>
+                  </m:rPr>
+                  <a:rPr/>
+                  <m:t>le</m:t>
+                </m:r>
+              </m:oMath>
+            </a14:m>
+            <a:endParaRPr/>
+          </a:p>
+          <a:p>
+            <a:pPr lvl="1"/>
+            <a:r>
+              <a:t>Le modèle avec le plus faible AIC est considéré comme le meilleur ajustement parmi les modèles considérés.</a:t>
+            </a:r>
+          </a:p>
+          <a:p>
+            <a:pPr marL="342900" lvl="0" indent="-342900">
+              <a:buAutoNum type="arabicPeriod"/>
+            </a:pPr>
+            <a:r>
+              <a:rPr b="1"/>
+              <a:t>Critère d’Information Bayésien (BIC)</a:t>
+            </a:r>
+            <a:r>
+              <a:t> :</a:t>
+            </a:r>
+          </a:p>
+          <a:p>
+            <a:pPr lvl="1"/>
+            <a:r>
+              <a:t>Le Critère d’Information Bayésien (BIC), également connu sous le nom de Critère de Schwarz, a été développé par Gideon Schwarz dans les années 1970. Il est basé sur la théorie bayésienne de la probabilité.</a:t>
+            </a:r>
+          </a:p>
+          <a:p>
+            <a:pPr lvl="1"/>
+            <a:r>
+              <a:t>Comme l’AIC, le BIC prend en compte à la fois l’ajustement aux données et la complexité du modèle. Cependant, le BIC pénalise la complexité du modèle plus fortement que l’AIC.</a:t>
+            </a:r>
+          </a:p>
+          <a:p>
+            <a:pPr lvl="1"/>
+            <a:r>
+              <a:t>Le BIC est calculé comme suit :</a:t>
+            </a:r>
+          </a:p>
+          <a:p>
+            <a:pPr lvl="1"/>
+            <a14:m xmlns:a14="http://schemas.microsoft.com/office/drawing/2010/main">
+              <m:oMath xmlns:m="http://schemas.openxmlformats.org/officeDocument/2006/math">
+                <m:r>
+                  <m:rPr>
+                    <m:nor/>
+                  </m:rPr>
+                  <a:rPr/>
+                  <m:t>BIC</m:t>
+                </m:r>
+                <m:r>
+                  <a:rPr>
+                    <a:latin typeface="Cambria Math" panose="02040503050406030204" pitchFamily="18" charset="0"/>
+                  </a:rPr>
+                  <m:t>=−2×</m:t>
+                </m:r>
+                <m:r>
+                  <m:rPr>
+                    <m:nor/>
+                  </m:rPr>
+                  <a:rPr/>
+                  <m:t>log</m:t>
+                </m:r>
+                <m:r>
+                  <m:rPr>
+                    <m:nor/>
+                  </m:rPr>
+                  <a:rPr/>
+                  <m:t>−</m:t>
+                </m:r>
+                <m:r>
+                  <m:rPr>
+                    <m:nor/>
+                  </m:rPr>
+                  <a:rPr/>
+                  <m:t>vraisemblance</m:t>
+                </m:r>
+                <m:r>
+                  <m:rPr>
+                    <m:nor/>
+                  </m:rPr>
+                  <a:rPr/>
+                  <m:t> </m:t>
+                </m:r>
+                <m:r>
+                  <m:rPr>
+                    <m:nor/>
+                  </m:rPr>
+                  <a:rPr/>
+                  <m:t>maximis</m:t>
+                </m:r>
+                <m:r>
+                  <m:rPr>
+                    <m:nor/>
+                  </m:rPr>
+                  <a:rPr/>
+                  <m:t>é</m:t>
+                </m:r>
+                <m:r>
+                  <m:rPr>
+                    <m:nor/>
+                  </m:rPr>
+                  <a:rPr/>
+                  <m:t>e</m:t>
+                </m:r>
+                <m:r>
+                  <a:rPr>
+                    <a:latin typeface="Cambria Math" panose="02040503050406030204" pitchFamily="18" charset="0"/>
+                  </a:rPr>
+                  <m:t>+</m:t>
+                </m:r>
+                <m:r>
+                  <m:rPr>
+                    <m:sty m:val="p"/>
+                  </m:rPr>
+                  <a:rPr>
+                    <a:latin typeface="Cambria Math" panose="02040503050406030204" pitchFamily="18" charset="0"/>
+                  </a:rPr>
+                  <m:t>log</m:t>
+                </m:r>
+                <m:d>
+                  <m:dPr>
+                    <m:ctrlPr>
+                      <a:rPr i="1">
+                        <a:latin typeface="Cambria Math" panose="02040503050406030204" pitchFamily="18" charset="0"/>
+                      </a:rPr>
+                    </m:ctrlPr>
+                  </m:dPr>
+                  <m:e>
+                    <m:r>
+                      <a:rPr>
+                        <a:latin typeface="Cambria Math" panose="02040503050406030204" pitchFamily="18" charset="0"/>
+                      </a:rPr>
+                      <m:t>𝑛</m:t>
+                    </m:r>
+                  </m:e>
+                </m:d>
+                <m:r>
+                  <a:rPr>
+                    <a:latin typeface="Cambria Math" panose="02040503050406030204" pitchFamily="18" charset="0"/>
+                  </a:rPr>
+                  <m:t>×</m:t>
+                </m:r>
+                <m:r>
+                  <m:rPr>
+                    <m:nor/>
+                  </m:rPr>
+                  <a:rPr/>
+                  <m:t>nombre</m:t>
+                </m:r>
+                <m:r>
+                  <m:rPr>
+                    <m:nor/>
+                  </m:rPr>
+                  <a:rPr/>
+                  <m:t> </m:t>
+                </m:r>
+                <m:r>
+                  <m:rPr>
+                    <m:nor/>
+                  </m:rPr>
+                  <a:rPr/>
+                  <m:t>de</m:t>
+                </m:r>
+                <m:r>
+                  <m:rPr>
+                    <m:nor/>
+                  </m:rPr>
+                  <a:rPr/>
+                  <m:t> </m:t>
+                </m:r>
+                <m:r>
+                  <m:rPr>
+                    <m:nor/>
+                  </m:rPr>
+                  <a:rPr/>
+                  <m:t>param</m:t>
+                </m:r>
+                <m:r>
+                  <m:rPr>
+                    <m:nor/>
+                  </m:rPr>
+                  <a:rPr/>
+                  <m:t>è</m:t>
+                </m:r>
+                <m:r>
+                  <m:rPr>
+                    <m:nor/>
+                  </m:rPr>
+                  <a:rPr/>
+                  <m:t>tres</m:t>
+                </m:r>
+                <m:r>
+                  <m:rPr>
+                    <m:nor/>
+                  </m:rPr>
+                  <a:rPr/>
+                  <m:t> </m:t>
+                </m:r>
+                <m:r>
+                  <m:rPr>
+                    <m:nor/>
+                  </m:rPr>
+                  <a:rPr/>
+                  <m:t>du</m:t>
+                </m:r>
+                <m:r>
+                  <m:rPr>
+                    <m:nor/>
+                  </m:rPr>
+                  <a:rPr/>
+                  <m:t> </m:t>
+                </m:r>
+                <m:r>
+                  <m:rPr>
+                    <m:nor/>
+                  </m:rPr>
+                  <a:rPr/>
+                  <m:t>mod</m:t>
+                </m:r>
+                <m:r>
+                  <m:rPr>
+                    <m:nor/>
+                  </m:rPr>
+                  <a:rPr/>
+                  <m:t>è</m:t>
+                </m:r>
+                <m:r>
+                  <m:rPr>
+                    <m:nor/>
+                  </m:rPr>
+                  <a:rPr/>
+                  <m:t>le</m:t>
+                </m:r>
+              </m:oMath>
+            </a14:m>
+            <a:endParaRPr/>
+          </a:p>
+          <a:p>
+            <a:pPr lvl="1"/>
+            <a:r>
+              <a:t>où $ n $ est la taille de l’échantillon.</a:t>
+            </a:r>
+          </a:p>
+          <a:p>
+            <a:pPr lvl="1"/>
+            <a:r>
+              <a:t>Comme pour l’AIC, le modèle avec le plus faible BIC est considéré comme le meilleur ajustement parmi les modèles considérés.</a:t>
+            </a:r>
+          </a:p>
+          <a:p>
+            <a:pPr marL="0" lvl="0" indent="0">
+              <a:buNone/>
+            </a:pPr>
+            <a:r>
+              <a:t>En résumé, les critères d’information, tels que l’AIC et le BIC, fournissent une approche objective pour comparer différents modèles statistiques en tenant compte à la fois de leur ajustement aux données et de leur complexité. Ces critères sont largement utilisés dans la sélection de modèles en statistiques et en apprentissage automatique.</a:t>
+            </a:r>
+          </a:p>
+        </p:txBody>
+      </p:sp>
     </p:spTree>
   </p:cSld>
+  <p:clrMapOvr>
+    <a:masterClrMapping/>
+  </p:clrMapOvr>
   <p:timing>
     <p:tnLst>
       <p:par>
@@ -8378,11 +8710,10 @@
           <a:bodyPr/>
           <a:lstStyle/>
           <a:p>
-            <a:pPr lvl="0" indent="0" marL="0">
+            <a:pPr marL="0" lvl="0" indent="0">
               <a:buNone/>
             </a:pPr>
             <a:r>
-              <a:rPr/>
               <a:t>Max Lag Importation</a:t>
             </a:r>
           </a:p>
@@ -8390,7 +8721,7 @@
       </p:sp>
       <p:pic>
         <p:nvPicPr>
-          <p:cNvPr descr="./outputs/optimal_selection_AIC_IT.png" id="0" name="Picture 1"/>
+          <p:cNvPr id="3" name="Picture 1" descr="./outputs/optimal_selection_AIC_IT.png"/>
           <p:cNvPicPr>
             <a:picLocks noGrp="1" noChangeAspect="1"/>
           </p:cNvPicPr>
@@ -8404,8 +8735,8 @@
         </p:blipFill>
         <p:spPr bwMode="auto">
           <a:xfrm>
-            <a:off x="3479800" y="1193800"/>
-            <a:ext cx="2171700" cy="3390900"/>
+            <a:off x="457200" y="1790700"/>
+            <a:ext cx="8229600" cy="2197100"/>
           </a:xfrm>
           <a:prstGeom prst="rect">
             <a:avLst/>
@@ -8420,6 +8751,9 @@
       </p:pic>
     </p:spTree>
   </p:cSld>
+  <p:clrMapOvr>
+    <a:masterClrMapping/>
+  </p:clrMapOvr>
 </p:sld>
 </file>
 
@@ -8455,19 +8789,18 @@
           <a:bodyPr/>
           <a:lstStyle/>
           <a:p>
-            <a:pPr lvl="0" indent="0" marL="0">
+            <a:pPr marL="0" lvl="0" indent="0">
               <a:buNone/>
             </a:pPr>
             <a:r>
-              <a:rPr/>
-              <a:t>Max Lag Expportation</a:t>
+              <a:t>Max Lag Exportation</a:t>
             </a:r>
           </a:p>
         </p:txBody>
       </p:sp>
       <p:pic>
         <p:nvPicPr>
-          <p:cNvPr descr="./outputs/optimal_selection_AIC_ET.png" id="0" name="Picture 1"/>
+          <p:cNvPr id="3" name="Picture 1" descr="./outputs/optimal_selection_AIC_ET.png"/>
           <p:cNvPicPr>
             <a:picLocks noGrp="1" noChangeAspect="1"/>
           </p:cNvPicPr>
@@ -8481,8 +8814,8 @@
         </p:blipFill>
         <p:spPr bwMode="auto">
           <a:xfrm>
-            <a:off x="3479800" y="1193800"/>
-            <a:ext cx="2171700" cy="3390900"/>
+            <a:off x="457200" y="1663700"/>
+            <a:ext cx="8229600" cy="2451100"/>
           </a:xfrm>
           <a:prstGeom prst="rect">
             <a:avLst/>
@@ -8497,6 +8830,63 @@
       </p:pic>
     </p:spTree>
   </p:cSld>
+  <p:clrMapOvr>
+    <a:masterClrMapping/>
+  </p:clrMapOvr>
+</p:sld>
+</file>
+
+<file path=ppt/slides/slide39.xml><?xml version="1.0" encoding="utf-8"?>
+<p:sld xmlns:a="http://schemas.openxmlformats.org/drawingml/2006/main" xmlns:r="http://schemas.openxmlformats.org/officeDocument/2006/relationships" xmlns:p="http://schemas.openxmlformats.org/presentationml/2006/main">
+  <p:cSld>
+    <p:spTree>
+      <p:nvGrpSpPr>
+        <p:cNvPr id="1" name=""/>
+        <p:cNvGrpSpPr/>
+        <p:nvPr/>
+      </p:nvGrpSpPr>
+      <p:grpSpPr>
+        <a:xfrm>
+          <a:off x="0" y="0"/>
+          <a:ext cx="0" cy="0"/>
+          <a:chOff x="0" y="0"/>
+          <a:chExt cx="0" cy="0"/>
+        </a:xfrm>
+      </p:grpSpPr>
+      <p:sp>
+        <p:nvSpPr>
+          <p:cNvPr id="2" name="Title 1"/>
+          <p:cNvSpPr>
+            <a:spLocks noGrp="1"/>
+          </p:cNvSpPr>
+          <p:nvPr>
+            <p:ph type="title"/>
+          </p:nvPr>
+        </p:nvSpPr>
+        <p:spPr>
+          <a:xfrm>
+            <a:off x="722313" y="3305176"/>
+            <a:ext cx="7772400" cy="1021556"/>
+          </a:xfrm>
+        </p:spPr>
+        <p:txBody>
+          <a:bodyPr/>
+          <a:lstStyle/>
+          <a:p>
+            <a:pPr marL="0" lvl="0" indent="0">
+              <a:buNone/>
+            </a:pPr>
+            <a:r>
+              <a:t>Cointegration</a:t>
+            </a:r>
+          </a:p>
+        </p:txBody>
+      </p:sp>
+    </p:spTree>
+  </p:cSld>
+  <p:clrMapOvr>
+    <a:masterClrMapping/>
+  </p:clrMapOvr>
 </p:sld>
 </file>
 
@@ -8532,11 +8922,10 @@
           <a:bodyPr/>
           <a:lstStyle/>
           <a:p>
-            <a:pPr lvl="0" indent="0" marL="0">
+            <a:pPr marL="0" lvl="0" indent="0">
               <a:buNone/>
             </a:pPr>
             <a:r>
-              <a:rPr/>
               <a:t>Tableau des metadonnees</a:t>
             </a:r>
           </a:p>
@@ -8544,7 +8933,7 @@
       </p:sp>
       <p:pic>
         <p:nvPicPr>
-          <p:cNvPr descr="./outputs/metadata.png" id="0" name="Picture 1"/>
+          <p:cNvPr id="3" name="Picture 1" descr="./outputs/metadata.png"/>
           <p:cNvPicPr>
             <a:picLocks noGrp="1" noChangeAspect="1"/>
           </p:cNvPicPr>
@@ -8574,6 +8963,2093 @@
       </p:pic>
     </p:spTree>
   </p:cSld>
+  <p:clrMapOvr>
+    <a:masterClrMapping/>
+  </p:clrMapOvr>
+</p:sld>
+</file>
+
+<file path=ppt/slides/slide40.xml><?xml version="1.0" encoding="utf-8"?>
+<p:sld xmlns:a="http://schemas.openxmlformats.org/drawingml/2006/main" xmlns:r="http://schemas.openxmlformats.org/officeDocument/2006/relationships" xmlns:p="http://schemas.openxmlformats.org/presentationml/2006/main">
+  <p:cSld>
+    <p:spTree>
+      <p:nvGrpSpPr>
+        <p:cNvPr id="1" name=""/>
+        <p:cNvGrpSpPr/>
+        <p:nvPr/>
+      </p:nvGrpSpPr>
+      <p:grpSpPr>
+        <a:xfrm>
+          <a:off x="0" y="0"/>
+          <a:ext cx="0" cy="0"/>
+          <a:chOff x="0" y="0"/>
+          <a:chExt cx="0" cy="0"/>
+        </a:xfrm>
+      </p:grpSpPr>
+      <p:sp>
+        <p:nvSpPr>
+          <p:cNvPr id="2" name="Title 1"/>
+          <p:cNvSpPr>
+            <a:spLocks noGrp="1"/>
+          </p:cNvSpPr>
+          <p:nvPr>
+            <p:ph type="title"/>
+          </p:nvPr>
+        </p:nvSpPr>
+        <p:spPr>
+          <a:xfrm>
+            <a:off x="457201" y="204787"/>
+            <a:ext cx="3008313" cy="871538"/>
+          </a:xfrm>
+        </p:spPr>
+        <p:txBody>
+          <a:bodyPr/>
+          <a:lstStyle/>
+          <a:p>
+            <a:pPr marL="0" lvl="0" indent="0">
+              <a:buNone/>
+            </a:pPr>
+            <a:r>
+              <a:t>Peasaran cointegration test (Bound test)</a:t>
+            </a:r>
+          </a:p>
+        </p:txBody>
+      </p:sp>
+      <p:sp>
+        <p:nvSpPr>
+          <p:cNvPr id="4" name="Text Placeholder 3"/>
+          <p:cNvSpPr>
+            <a:spLocks noGrp="1"/>
+          </p:cNvSpPr>
+          <p:nvPr>
+            <p:ph type="body" sz="half" idx="2"/>
+          </p:nvPr>
+        </p:nvSpPr>
+        <p:spPr/>
+        <p:txBody>
+          <a:bodyPr/>
+          <a:lstStyle/>
+          <a:p>
+            <a:pPr marL="0" lvl="0" indent="0">
+              <a:buNone/>
+            </a:pPr>
+            <a:r>
+              <a:t>Considérons le modèle ARDL suivant :</a:t>
+            </a:r>
+          </a:p>
+          <a:p>
+            <a:pPr marL="0" lvl="0" indent="0">
+              <a:buNone/>
+            </a:pPr>
+            <a14:m xmlns:a14="http://schemas.microsoft.com/office/drawing/2010/main">
+              <m:oMathPara xmlns:m="http://schemas.openxmlformats.org/officeDocument/2006/math">
+                <m:oMathParaPr>
+                  <m:jc m:val="center"/>
+                </m:oMathParaPr>
+                <m:oMath xmlns:m="http://schemas.openxmlformats.org/officeDocument/2006/math">
+                  <m:r>
+                    <a:rPr>
+                      <a:latin typeface="Cambria Math" panose="02040503050406030204" pitchFamily="18" charset="0"/>
+                    </a:rPr>
+                    <m:t>𝛥</m:t>
+                  </m:r>
+                  <m:sSub>
+                    <m:sSubPr>
+                      <m:ctrlPr>
+                        <a:rPr i="1">
+                          <a:latin typeface="Cambria Math" panose="02040503050406030204" pitchFamily="18" charset="0"/>
+                        </a:rPr>
+                      </m:ctrlPr>
+                    </m:sSubPr>
+                    <m:e>
+                      <m:r>
+                        <a:rPr>
+                          <a:latin typeface="Cambria Math" panose="02040503050406030204" pitchFamily="18" charset="0"/>
+                        </a:rPr>
+                        <m:t>𝑌</m:t>
+                      </m:r>
+                    </m:e>
+                    <m:sub>
+                      <m:r>
+                        <a:rPr>
+                          <a:latin typeface="Cambria Math" panose="02040503050406030204" pitchFamily="18" charset="0"/>
+                        </a:rPr>
+                        <m:t>𝑡</m:t>
+                      </m:r>
+                    </m:sub>
+                  </m:sSub>
+                  <m:r>
+                    <a:rPr>
+                      <a:latin typeface="Cambria Math" panose="02040503050406030204" pitchFamily="18" charset="0"/>
+                    </a:rPr>
+                    <m:t>=</m:t>
+                  </m:r>
+                  <m:r>
+                    <a:rPr>
+                      <a:latin typeface="Cambria Math" panose="02040503050406030204" pitchFamily="18" charset="0"/>
+                    </a:rPr>
+                    <m:t>𝛼</m:t>
+                  </m:r>
+                  <m:r>
+                    <a:rPr>
+                      <a:latin typeface="Cambria Math" panose="02040503050406030204" pitchFamily="18" charset="0"/>
+                    </a:rPr>
+                    <m:t>+</m:t>
+                  </m:r>
+                  <m:sSub>
+                    <m:sSubPr>
+                      <m:ctrlPr>
+                        <a:rPr i="1">
+                          <a:latin typeface="Cambria Math" panose="02040503050406030204" pitchFamily="18" charset="0"/>
+                        </a:rPr>
+                      </m:ctrlPr>
+                    </m:sSubPr>
+                    <m:e>
+                      <m:r>
+                        <a:rPr>
+                          <a:latin typeface="Cambria Math" panose="02040503050406030204" pitchFamily="18" charset="0"/>
+                        </a:rPr>
+                        <m:t>𝛽</m:t>
+                      </m:r>
+                    </m:e>
+                    <m:sub>
+                      <m:r>
+                        <a:rPr>
+                          <a:latin typeface="Cambria Math" panose="02040503050406030204" pitchFamily="18" charset="0"/>
+                        </a:rPr>
+                        <m:t>1</m:t>
+                      </m:r>
+                    </m:sub>
+                  </m:sSub>
+                  <m:sSub>
+                    <m:sSubPr>
+                      <m:ctrlPr>
+                        <a:rPr i="1">
+                          <a:latin typeface="Cambria Math" panose="02040503050406030204" pitchFamily="18" charset="0"/>
+                        </a:rPr>
+                      </m:ctrlPr>
+                    </m:sSubPr>
+                    <m:e>
+                      <m:r>
+                        <a:rPr>
+                          <a:latin typeface="Cambria Math" panose="02040503050406030204" pitchFamily="18" charset="0"/>
+                        </a:rPr>
+                        <m:t>𝑌</m:t>
+                      </m:r>
+                    </m:e>
+                    <m:sub>
+                      <m:r>
+                        <a:rPr>
+                          <a:latin typeface="Cambria Math" panose="02040503050406030204" pitchFamily="18" charset="0"/>
+                        </a:rPr>
+                        <m:t>𝑡</m:t>
+                      </m:r>
+                      <m:r>
+                        <a:rPr>
+                          <a:latin typeface="Cambria Math" panose="02040503050406030204" pitchFamily="18" charset="0"/>
+                        </a:rPr>
+                        <m:t>−1</m:t>
+                      </m:r>
+                    </m:sub>
+                  </m:sSub>
+                  <m:r>
+                    <a:rPr>
+                      <a:latin typeface="Cambria Math" panose="02040503050406030204" pitchFamily="18" charset="0"/>
+                    </a:rPr>
+                    <m:t>+</m:t>
+                  </m:r>
+                  <m:sSub>
+                    <m:sSubPr>
+                      <m:ctrlPr>
+                        <a:rPr i="1">
+                          <a:latin typeface="Cambria Math" panose="02040503050406030204" pitchFamily="18" charset="0"/>
+                        </a:rPr>
+                      </m:ctrlPr>
+                    </m:sSubPr>
+                    <m:e>
+                      <m:r>
+                        <a:rPr>
+                          <a:latin typeface="Cambria Math" panose="02040503050406030204" pitchFamily="18" charset="0"/>
+                        </a:rPr>
+                        <m:t>𝛽</m:t>
+                      </m:r>
+                    </m:e>
+                    <m:sub>
+                      <m:r>
+                        <a:rPr>
+                          <a:latin typeface="Cambria Math" panose="02040503050406030204" pitchFamily="18" charset="0"/>
+                        </a:rPr>
+                        <m:t>2</m:t>
+                      </m:r>
+                    </m:sub>
+                  </m:sSub>
+                  <m:r>
+                    <a:rPr>
+                      <a:latin typeface="Cambria Math" panose="02040503050406030204" pitchFamily="18" charset="0"/>
+                    </a:rPr>
+                    <m:t>𝛥</m:t>
+                  </m:r>
+                  <m:sSub>
+                    <m:sSubPr>
+                      <m:ctrlPr>
+                        <a:rPr i="1">
+                          <a:latin typeface="Cambria Math" panose="02040503050406030204" pitchFamily="18" charset="0"/>
+                        </a:rPr>
+                      </m:ctrlPr>
+                    </m:sSubPr>
+                    <m:e>
+                      <m:r>
+                        <a:rPr>
+                          <a:latin typeface="Cambria Math" panose="02040503050406030204" pitchFamily="18" charset="0"/>
+                        </a:rPr>
+                        <m:t>𝑌</m:t>
+                      </m:r>
+                    </m:e>
+                    <m:sub>
+                      <m:r>
+                        <a:rPr>
+                          <a:latin typeface="Cambria Math" panose="02040503050406030204" pitchFamily="18" charset="0"/>
+                        </a:rPr>
+                        <m:t>𝑡</m:t>
+                      </m:r>
+                      <m:r>
+                        <a:rPr>
+                          <a:latin typeface="Cambria Math" panose="02040503050406030204" pitchFamily="18" charset="0"/>
+                        </a:rPr>
+                        <m:t>−1</m:t>
+                      </m:r>
+                    </m:sub>
+                  </m:sSub>
+                  <m:r>
+                    <a:rPr>
+                      <a:latin typeface="Cambria Math" panose="02040503050406030204" pitchFamily="18" charset="0"/>
+                    </a:rPr>
+                    <m:t>+</m:t>
+                  </m:r>
+                  <m:sSub>
+                    <m:sSubPr>
+                      <m:ctrlPr>
+                        <a:rPr i="1">
+                          <a:latin typeface="Cambria Math" panose="02040503050406030204" pitchFamily="18" charset="0"/>
+                        </a:rPr>
+                      </m:ctrlPr>
+                    </m:sSubPr>
+                    <m:e>
+                      <m:r>
+                        <a:rPr>
+                          <a:latin typeface="Cambria Math" panose="02040503050406030204" pitchFamily="18" charset="0"/>
+                        </a:rPr>
+                        <m:t>𝛽</m:t>
+                      </m:r>
+                    </m:e>
+                    <m:sub>
+                      <m:r>
+                        <a:rPr>
+                          <a:latin typeface="Cambria Math" panose="02040503050406030204" pitchFamily="18" charset="0"/>
+                        </a:rPr>
+                        <m:t>3</m:t>
+                      </m:r>
+                    </m:sub>
+                  </m:sSub>
+                  <m:r>
+                    <a:rPr>
+                      <a:latin typeface="Cambria Math" panose="02040503050406030204" pitchFamily="18" charset="0"/>
+                    </a:rPr>
+                    <m:t>𝛥</m:t>
+                  </m:r>
+                  <m:sSub>
+                    <m:sSubPr>
+                      <m:ctrlPr>
+                        <a:rPr i="1">
+                          <a:latin typeface="Cambria Math" panose="02040503050406030204" pitchFamily="18" charset="0"/>
+                        </a:rPr>
+                      </m:ctrlPr>
+                    </m:sSubPr>
+                    <m:e>
+                      <m:r>
+                        <a:rPr>
+                          <a:latin typeface="Cambria Math" panose="02040503050406030204" pitchFamily="18" charset="0"/>
+                        </a:rPr>
+                        <m:t>𝑌</m:t>
+                      </m:r>
+                    </m:e>
+                    <m:sub>
+                      <m:r>
+                        <a:rPr>
+                          <a:latin typeface="Cambria Math" panose="02040503050406030204" pitchFamily="18" charset="0"/>
+                        </a:rPr>
+                        <m:t>𝑡</m:t>
+                      </m:r>
+                      <m:r>
+                        <a:rPr>
+                          <a:latin typeface="Cambria Math" panose="02040503050406030204" pitchFamily="18" charset="0"/>
+                        </a:rPr>
+                        <m:t>−2</m:t>
+                      </m:r>
+                    </m:sub>
+                  </m:sSub>
+                  <m:r>
+                    <a:rPr>
+                      <a:latin typeface="Cambria Math" panose="02040503050406030204" pitchFamily="18" charset="0"/>
+                    </a:rPr>
+                    <m:t>+…+</m:t>
+                  </m:r>
+                  <m:sSub>
+                    <m:sSubPr>
+                      <m:ctrlPr>
+                        <a:rPr i="1">
+                          <a:latin typeface="Cambria Math" panose="02040503050406030204" pitchFamily="18" charset="0"/>
+                        </a:rPr>
+                      </m:ctrlPr>
+                    </m:sSubPr>
+                    <m:e>
+                      <m:r>
+                        <a:rPr>
+                          <a:latin typeface="Cambria Math" panose="02040503050406030204" pitchFamily="18" charset="0"/>
+                        </a:rPr>
+                        <m:t>𝛽</m:t>
+                      </m:r>
+                    </m:e>
+                    <m:sub>
+                      <m:r>
+                        <a:rPr>
+                          <a:latin typeface="Cambria Math" panose="02040503050406030204" pitchFamily="18" charset="0"/>
+                        </a:rPr>
+                        <m:t>𝑝</m:t>
+                      </m:r>
+                    </m:sub>
+                  </m:sSub>
+                  <m:r>
+                    <a:rPr>
+                      <a:latin typeface="Cambria Math" panose="02040503050406030204" pitchFamily="18" charset="0"/>
+                    </a:rPr>
+                    <m:t>𝛥</m:t>
+                  </m:r>
+                  <m:sSub>
+                    <m:sSubPr>
+                      <m:ctrlPr>
+                        <a:rPr i="1">
+                          <a:latin typeface="Cambria Math" panose="02040503050406030204" pitchFamily="18" charset="0"/>
+                        </a:rPr>
+                      </m:ctrlPr>
+                    </m:sSubPr>
+                    <m:e>
+                      <m:r>
+                        <a:rPr>
+                          <a:latin typeface="Cambria Math" panose="02040503050406030204" pitchFamily="18" charset="0"/>
+                        </a:rPr>
+                        <m:t>𝑌</m:t>
+                      </m:r>
+                    </m:e>
+                    <m:sub>
+                      <m:r>
+                        <a:rPr>
+                          <a:latin typeface="Cambria Math" panose="02040503050406030204" pitchFamily="18" charset="0"/>
+                        </a:rPr>
+                        <m:t>𝑡</m:t>
+                      </m:r>
+                      <m:r>
+                        <a:rPr>
+                          <a:latin typeface="Cambria Math" panose="02040503050406030204" pitchFamily="18" charset="0"/>
+                        </a:rPr>
+                        <m:t>−</m:t>
+                      </m:r>
+                      <m:r>
+                        <a:rPr>
+                          <a:latin typeface="Cambria Math" panose="02040503050406030204" pitchFamily="18" charset="0"/>
+                        </a:rPr>
+                        <m:t>𝑝</m:t>
+                      </m:r>
+                    </m:sub>
+                  </m:sSub>
+                  <m:r>
+                    <a:rPr>
+                      <a:latin typeface="Cambria Math" panose="02040503050406030204" pitchFamily="18" charset="0"/>
+                    </a:rPr>
+                    <m:t>+</m:t>
+                  </m:r>
+                  <m:sSub>
+                    <m:sSubPr>
+                      <m:ctrlPr>
+                        <a:rPr i="1">
+                          <a:latin typeface="Cambria Math" panose="02040503050406030204" pitchFamily="18" charset="0"/>
+                        </a:rPr>
+                      </m:ctrlPr>
+                    </m:sSubPr>
+                    <m:e>
+                      <m:r>
+                        <a:rPr>
+                          <a:latin typeface="Cambria Math" panose="02040503050406030204" pitchFamily="18" charset="0"/>
+                        </a:rPr>
+                        <m:t>𝛾</m:t>
+                      </m:r>
+                    </m:e>
+                    <m:sub>
+                      <m:r>
+                        <a:rPr>
+                          <a:latin typeface="Cambria Math" panose="02040503050406030204" pitchFamily="18" charset="0"/>
+                        </a:rPr>
+                        <m:t>1</m:t>
+                      </m:r>
+                    </m:sub>
+                  </m:sSub>
+                  <m:sSub>
+                    <m:sSubPr>
+                      <m:ctrlPr>
+                        <a:rPr i="1">
+                          <a:latin typeface="Cambria Math" panose="02040503050406030204" pitchFamily="18" charset="0"/>
+                        </a:rPr>
+                      </m:ctrlPr>
+                    </m:sSubPr>
+                    <m:e>
+                      <m:r>
+                        <a:rPr>
+                          <a:latin typeface="Cambria Math" panose="02040503050406030204" pitchFamily="18" charset="0"/>
+                        </a:rPr>
+                        <m:t>𝑋</m:t>
+                      </m:r>
+                    </m:e>
+                    <m:sub>
+                      <m:r>
+                        <a:rPr>
+                          <a:latin typeface="Cambria Math" panose="02040503050406030204" pitchFamily="18" charset="0"/>
+                        </a:rPr>
+                        <m:t>1,</m:t>
+                      </m:r>
+                      <m:r>
+                        <a:rPr>
+                          <a:latin typeface="Cambria Math" panose="02040503050406030204" pitchFamily="18" charset="0"/>
+                        </a:rPr>
+                        <m:t>𝑡</m:t>
+                      </m:r>
+                      <m:r>
+                        <a:rPr>
+                          <a:latin typeface="Cambria Math" panose="02040503050406030204" pitchFamily="18" charset="0"/>
+                        </a:rPr>
+                        <m:t>−1</m:t>
+                      </m:r>
+                    </m:sub>
+                  </m:sSub>
+                  <m:r>
+                    <a:rPr>
+                      <a:latin typeface="Cambria Math" panose="02040503050406030204" pitchFamily="18" charset="0"/>
+                    </a:rPr>
+                    <m:t>+</m:t>
+                  </m:r>
+                  <m:sSub>
+                    <m:sSubPr>
+                      <m:ctrlPr>
+                        <a:rPr i="1">
+                          <a:latin typeface="Cambria Math" panose="02040503050406030204" pitchFamily="18" charset="0"/>
+                        </a:rPr>
+                      </m:ctrlPr>
+                    </m:sSubPr>
+                    <m:e>
+                      <m:r>
+                        <a:rPr>
+                          <a:latin typeface="Cambria Math" panose="02040503050406030204" pitchFamily="18" charset="0"/>
+                        </a:rPr>
+                        <m:t>𝛾</m:t>
+                      </m:r>
+                    </m:e>
+                    <m:sub>
+                      <m:r>
+                        <a:rPr>
+                          <a:latin typeface="Cambria Math" panose="02040503050406030204" pitchFamily="18" charset="0"/>
+                        </a:rPr>
+                        <m:t>2</m:t>
+                      </m:r>
+                    </m:sub>
+                  </m:sSub>
+                  <m:r>
+                    <a:rPr>
+                      <a:latin typeface="Cambria Math" panose="02040503050406030204" pitchFamily="18" charset="0"/>
+                    </a:rPr>
+                    <m:t>𝛥</m:t>
+                  </m:r>
+                  <m:sSub>
+                    <m:sSubPr>
+                      <m:ctrlPr>
+                        <a:rPr i="1">
+                          <a:latin typeface="Cambria Math" panose="02040503050406030204" pitchFamily="18" charset="0"/>
+                        </a:rPr>
+                      </m:ctrlPr>
+                    </m:sSubPr>
+                    <m:e>
+                      <m:r>
+                        <a:rPr>
+                          <a:latin typeface="Cambria Math" panose="02040503050406030204" pitchFamily="18" charset="0"/>
+                        </a:rPr>
+                        <m:t>𝑋</m:t>
+                      </m:r>
+                    </m:e>
+                    <m:sub>
+                      <m:r>
+                        <a:rPr>
+                          <a:latin typeface="Cambria Math" panose="02040503050406030204" pitchFamily="18" charset="0"/>
+                        </a:rPr>
+                        <m:t>1,</m:t>
+                      </m:r>
+                      <m:r>
+                        <a:rPr>
+                          <a:latin typeface="Cambria Math" panose="02040503050406030204" pitchFamily="18" charset="0"/>
+                        </a:rPr>
+                        <m:t>𝑡</m:t>
+                      </m:r>
+                      <m:r>
+                        <a:rPr>
+                          <a:latin typeface="Cambria Math" panose="02040503050406030204" pitchFamily="18" charset="0"/>
+                        </a:rPr>
+                        <m:t>−1</m:t>
+                      </m:r>
+                    </m:sub>
+                  </m:sSub>
+                  <m:r>
+                    <a:rPr>
+                      <a:latin typeface="Cambria Math" panose="02040503050406030204" pitchFamily="18" charset="0"/>
+                    </a:rPr>
+                    <m:t>+…+</m:t>
+                  </m:r>
+                  <m:sSub>
+                    <m:sSubPr>
+                      <m:ctrlPr>
+                        <a:rPr i="1">
+                          <a:latin typeface="Cambria Math" panose="02040503050406030204" pitchFamily="18" charset="0"/>
+                        </a:rPr>
+                      </m:ctrlPr>
+                    </m:sSubPr>
+                    <m:e>
+                      <m:r>
+                        <a:rPr>
+                          <a:latin typeface="Cambria Math" panose="02040503050406030204" pitchFamily="18" charset="0"/>
+                        </a:rPr>
+                        <m:t>𝛾</m:t>
+                      </m:r>
+                    </m:e>
+                    <m:sub>
+                      <m:r>
+                        <a:rPr>
+                          <a:latin typeface="Cambria Math" panose="02040503050406030204" pitchFamily="18" charset="0"/>
+                        </a:rPr>
+                        <m:t>𝑞</m:t>
+                      </m:r>
+                    </m:sub>
+                  </m:sSub>
+                  <m:r>
+                    <a:rPr>
+                      <a:latin typeface="Cambria Math" panose="02040503050406030204" pitchFamily="18" charset="0"/>
+                    </a:rPr>
+                    <m:t>𝛥</m:t>
+                  </m:r>
+                  <m:sSub>
+                    <m:sSubPr>
+                      <m:ctrlPr>
+                        <a:rPr i="1">
+                          <a:latin typeface="Cambria Math" panose="02040503050406030204" pitchFamily="18" charset="0"/>
+                        </a:rPr>
+                      </m:ctrlPr>
+                    </m:sSubPr>
+                    <m:e>
+                      <m:r>
+                        <a:rPr>
+                          <a:latin typeface="Cambria Math" panose="02040503050406030204" pitchFamily="18" charset="0"/>
+                        </a:rPr>
+                        <m:t>𝑋</m:t>
+                      </m:r>
+                    </m:e>
+                    <m:sub>
+                      <m:r>
+                        <a:rPr>
+                          <a:latin typeface="Cambria Math" panose="02040503050406030204" pitchFamily="18" charset="0"/>
+                        </a:rPr>
+                        <m:t>1,</m:t>
+                      </m:r>
+                      <m:r>
+                        <a:rPr>
+                          <a:latin typeface="Cambria Math" panose="02040503050406030204" pitchFamily="18" charset="0"/>
+                        </a:rPr>
+                        <m:t>𝑡</m:t>
+                      </m:r>
+                      <m:r>
+                        <a:rPr>
+                          <a:latin typeface="Cambria Math" panose="02040503050406030204" pitchFamily="18" charset="0"/>
+                        </a:rPr>
+                        <m:t>−</m:t>
+                      </m:r>
+                      <m:r>
+                        <a:rPr>
+                          <a:latin typeface="Cambria Math" panose="02040503050406030204" pitchFamily="18" charset="0"/>
+                        </a:rPr>
+                        <m:t>𝑞</m:t>
+                      </m:r>
+                    </m:sub>
+                  </m:sSub>
+                  <m:r>
+                    <a:rPr>
+                      <a:latin typeface="Cambria Math" panose="02040503050406030204" pitchFamily="18" charset="0"/>
+                    </a:rPr>
+                    <m:t>+</m:t>
+                  </m:r>
+                  <m:sSub>
+                    <m:sSubPr>
+                      <m:ctrlPr>
+                        <a:rPr i="1">
+                          <a:latin typeface="Cambria Math" panose="02040503050406030204" pitchFamily="18" charset="0"/>
+                        </a:rPr>
+                      </m:ctrlPr>
+                    </m:sSubPr>
+                    <m:e>
+                      <m:r>
+                        <a:rPr>
+                          <a:latin typeface="Cambria Math" panose="02040503050406030204" pitchFamily="18" charset="0"/>
+                        </a:rPr>
+                        <m:t>𝜖</m:t>
+                      </m:r>
+                    </m:e>
+                    <m:sub>
+                      <m:r>
+                        <a:rPr>
+                          <a:latin typeface="Cambria Math" panose="02040503050406030204" pitchFamily="18" charset="0"/>
+                        </a:rPr>
+                        <m:t>𝑡</m:t>
+                      </m:r>
+                    </m:sub>
+                  </m:sSub>
+                </m:oMath>
+              </m:oMathPara>
+            </a14:m>
+            <a:endParaRPr/>
+          </a:p>
+          <a:p>
+            <a:pPr marL="0" lvl="0" indent="0">
+              <a:buNone/>
+            </a:pPr>
+            <a:r>
+              <a:t>Le ARDL Bound Test implique deux tests de nullité :</a:t>
+            </a:r>
+          </a:p>
+          <a:p>
+            <a:pPr marL="342900" lvl="0" indent="-342900">
+              <a:buAutoNum type="arabicPeriod"/>
+            </a:pPr>
+            <a:r>
+              <a:rPr b="1"/>
+              <a:t>Pratiquement un test de Wald:</a:t>
+            </a:r>
+          </a:p>
+          <a:p>
+            <a:pPr lvl="1"/>
+            <a:r>
+              <a:t>Nullité : </a:t>
+            </a:r>
+            <a14:m xmlns:a14="http://schemas.microsoft.com/office/drawing/2010/main">
+              <m:oMath xmlns:m="http://schemas.openxmlformats.org/officeDocument/2006/math">
+                <m:sSub>
+                  <m:sSubPr>
+                    <m:ctrlPr>
+                      <a:rPr>
+                        <a:latin typeface="Cambria Math" panose="02040503050406030204" pitchFamily="18" charset="0"/>
+                      </a:rPr>
+                    </m:ctrlPr>
+                  </m:sSubPr>
+                  <m:e>
+                    <m:r>
+                      <a:rPr>
+                        <a:latin typeface="Cambria Math" panose="02040503050406030204" pitchFamily="18" charset="0"/>
+                      </a:rPr>
+                      <m:t>𝛽</m:t>
+                    </m:r>
+                  </m:e>
+                  <m:sub>
+                    <m:r>
+                      <a:rPr>
+                        <a:latin typeface="Cambria Math" panose="02040503050406030204" pitchFamily="18" charset="0"/>
+                      </a:rPr>
+                      <m:t>1</m:t>
+                    </m:r>
+                  </m:sub>
+                </m:sSub>
+                <m:r>
+                  <a:rPr>
+                    <a:latin typeface="Cambria Math" panose="02040503050406030204" pitchFamily="18" charset="0"/>
+                  </a:rPr>
+                  <m:t>=</m:t>
+                </m:r>
+                <m:sSub>
+                  <m:sSubPr>
+                    <m:ctrlPr>
+                      <a:rPr i="1">
+                        <a:latin typeface="Cambria Math" panose="02040503050406030204" pitchFamily="18" charset="0"/>
+                      </a:rPr>
+                    </m:ctrlPr>
+                  </m:sSubPr>
+                  <m:e>
+                    <m:r>
+                      <a:rPr>
+                        <a:latin typeface="Cambria Math" panose="02040503050406030204" pitchFamily="18" charset="0"/>
+                      </a:rPr>
+                      <m:t>𝛽</m:t>
+                    </m:r>
+                  </m:e>
+                  <m:sub>
+                    <m:r>
+                      <a:rPr>
+                        <a:latin typeface="Cambria Math" panose="02040503050406030204" pitchFamily="18" charset="0"/>
+                      </a:rPr>
+                      <m:t>2</m:t>
+                    </m:r>
+                  </m:sub>
+                </m:sSub>
+                <m:r>
+                  <a:rPr>
+                    <a:latin typeface="Cambria Math" panose="02040503050406030204" pitchFamily="18" charset="0"/>
+                  </a:rPr>
+                  <m:t>=…=</m:t>
+                </m:r>
+                <m:sSub>
+                  <m:sSubPr>
+                    <m:ctrlPr>
+                      <a:rPr i="1">
+                        <a:latin typeface="Cambria Math" panose="02040503050406030204" pitchFamily="18" charset="0"/>
+                      </a:rPr>
+                    </m:ctrlPr>
+                  </m:sSubPr>
+                  <m:e>
+                    <m:r>
+                      <a:rPr>
+                        <a:latin typeface="Cambria Math" panose="02040503050406030204" pitchFamily="18" charset="0"/>
+                      </a:rPr>
+                      <m:t>𝛽</m:t>
+                    </m:r>
+                  </m:e>
+                  <m:sub>
+                    <m:r>
+                      <a:rPr>
+                        <a:latin typeface="Cambria Math" panose="02040503050406030204" pitchFamily="18" charset="0"/>
+                      </a:rPr>
+                      <m:t>𝑝</m:t>
+                    </m:r>
+                  </m:sub>
+                </m:sSub>
+                <m:r>
+                  <a:rPr>
+                    <a:latin typeface="Cambria Math" panose="02040503050406030204" pitchFamily="18" charset="0"/>
+                  </a:rPr>
+                  <m:t>=0</m:t>
+                </m:r>
+              </m:oMath>
+            </a14:m>
+            <a:r>
+              <a:t> (pas de cointégration)</a:t>
+            </a:r>
+          </a:p>
+          <a:p>
+            <a:pPr lvl="1"/>
+            <a:r>
+              <a:t>Alternative : Au moins un des coefficients </a:t>
+            </a:r>
+            <a14:m xmlns:a14="http://schemas.microsoft.com/office/drawing/2010/main">
+              <m:oMath xmlns:m="http://schemas.openxmlformats.org/officeDocument/2006/math">
+                <m:sSub>
+                  <m:sSubPr>
+                    <m:ctrlPr>
+                      <a:rPr>
+                        <a:latin typeface="Cambria Math" panose="02040503050406030204" pitchFamily="18" charset="0"/>
+                      </a:rPr>
+                    </m:ctrlPr>
+                  </m:sSubPr>
+                  <m:e>
+                    <m:r>
+                      <a:rPr>
+                        <a:latin typeface="Cambria Math" panose="02040503050406030204" pitchFamily="18" charset="0"/>
+                      </a:rPr>
+                      <m:t>𝛽</m:t>
+                    </m:r>
+                  </m:e>
+                  <m:sub>
+                    <m:r>
+                      <a:rPr>
+                        <a:latin typeface="Cambria Math" panose="02040503050406030204" pitchFamily="18" charset="0"/>
+                      </a:rPr>
+                      <m:t>𝑖</m:t>
+                    </m:r>
+                  </m:sub>
+                </m:sSub>
+              </m:oMath>
+            </a14:m>
+            <a:r>
+              <a:t> est différent de zéro (cointégration)</a:t>
+            </a:r>
+          </a:p>
+          <a:p>
+            <a:pPr lvl="1"/>
+            <a:r>
+              <a:t>Test statistique : F-test</a:t>
+            </a:r>
+          </a:p>
+        </p:txBody>
+      </p:sp>
+      <p:pic>
+        <p:nvPicPr>
+          <p:cNvPr id="3" name="Picture 1" descr="./interpretation_boundtest.png"/>
+          <p:cNvPicPr>
+            <a:picLocks noGrp="1" noChangeAspect="1"/>
+          </p:cNvPicPr>
+          <p:nvPr/>
+        </p:nvPicPr>
+        <p:blipFill>
+          <a:blip r:embed="rId2"/>
+          <a:stretch>
+            <a:fillRect/>
+          </a:stretch>
+        </p:blipFill>
+        <p:spPr bwMode="auto">
+          <a:xfrm>
+            <a:off x="3568700" y="1612900"/>
+            <a:ext cx="5105400" cy="1574800"/>
+          </a:xfrm>
+          <a:prstGeom prst="rect">
+            <a:avLst/>
+          </a:prstGeom>
+          <a:noFill/>
+          <a:ln w="9525">
+            <a:noFill/>
+            <a:headEnd/>
+            <a:tailEnd/>
+          </a:ln>
+        </p:spPr>
+      </p:pic>
+    </p:spTree>
+  </p:cSld>
+  <p:clrMapOvr>
+    <a:masterClrMapping/>
+  </p:clrMapOvr>
+  <p:timing>
+    <p:tnLst>
+      <p:par>
+        <p:cTn id="1" dur="indefinite" restart="never" nodeType="tmRoot">
+          <p:childTnLst>
+            <p:seq concurrent="1" nextAc="seek">
+              <p:cTn id="2" dur="indefinite" nodeType="mainSeq">
+                <p:childTnLst>
+                  <p:par>
+                    <p:cTn id="3" fill="hold">
+                      <p:stCondLst>
+                        <p:cond delay="indefinite"/>
+                      </p:stCondLst>
+                      <p:childTnLst>
+                        <p:par>
+                          <p:cTn id="4" fill="hold">
+                            <p:stCondLst>
+                              <p:cond delay="0"/>
+                            </p:stCondLst>
+                            <p:childTnLst>
+                              <p:par>
+                                <p:cTn id="5" presetID="1" presetClass="entr" presetSubtype="0" fill="hold" grpId="0" nodeType="clickEffect">
+                                  <p:stCondLst>
+                                    <p:cond delay="0"/>
+                                  </p:stCondLst>
+                                  <p:childTnLst>
+                                    <p:set>
+                                      <p:cBhvr>
+                                        <p:cTn id="6" dur="1" fill="hold">
+                                          <p:stCondLst>
+                                            <p:cond delay="0"/>
+                                          </p:stCondLst>
+                                        </p:cTn>
+                                        <p:tgtEl>
+                                          <p:spTgt spid="4">
+                                            <p:txEl>
+                                              <p:pRg st="3" end="3"/>
+                                            </p:txEl>
+                                          </p:spTgt>
+                                        </p:tgtEl>
+                                        <p:attrNameLst>
+                                          <p:attrName>style.visibility</p:attrName>
+                                        </p:attrNameLst>
+                                      </p:cBhvr>
+                                      <p:to>
+                                        <p:strVal val="visible"/>
+                                      </p:to>
+                                    </p:set>
+                                  </p:childTnLst>
+                                </p:cTn>
+                              </p:par>
+                            </p:childTnLst>
+                          </p:cTn>
+                        </p:par>
+                      </p:childTnLst>
+                    </p:cTn>
+                  </p:par>
+                  <p:par>
+                    <p:cTn id="7" fill="hold">
+                      <p:stCondLst>
+                        <p:cond delay="indefinite"/>
+                      </p:stCondLst>
+                      <p:childTnLst>
+                        <p:par>
+                          <p:cTn id="8" fill="hold">
+                            <p:stCondLst>
+                              <p:cond delay="0"/>
+                            </p:stCondLst>
+                            <p:childTnLst>
+                              <p:par>
+                                <p:cTn id="9" presetID="1" presetClass="entr" presetSubtype="0" fill="hold" grpId="0" nodeType="clickEffect">
+                                  <p:stCondLst>
+                                    <p:cond delay="0"/>
+                                  </p:stCondLst>
+                                  <p:childTnLst>
+                                    <p:set>
+                                      <p:cBhvr>
+                                        <p:cTn id="10" dur="1" fill="hold">
+                                          <p:stCondLst>
+                                            <p:cond delay="0"/>
+                                          </p:stCondLst>
+                                        </p:cTn>
+                                        <p:tgtEl>
+                                          <p:spTgt spid="4">
+                                            <p:txEl>
+                                              <p:pRg st="4" end="4"/>
+                                            </p:txEl>
+                                          </p:spTgt>
+                                        </p:tgtEl>
+                                        <p:attrNameLst>
+                                          <p:attrName>style.visibility</p:attrName>
+                                        </p:attrNameLst>
+                                      </p:cBhvr>
+                                      <p:to>
+                                        <p:strVal val="visible"/>
+                                      </p:to>
+                                    </p:set>
+                                  </p:childTnLst>
+                                </p:cTn>
+                              </p:par>
+                            </p:childTnLst>
+                          </p:cTn>
+                        </p:par>
+                      </p:childTnLst>
+                    </p:cTn>
+                  </p:par>
+                  <p:par>
+                    <p:cTn id="11" fill="hold">
+                      <p:stCondLst>
+                        <p:cond delay="indefinite"/>
+                      </p:stCondLst>
+                      <p:childTnLst>
+                        <p:par>
+                          <p:cTn id="12" fill="hold">
+                            <p:stCondLst>
+                              <p:cond delay="0"/>
+                            </p:stCondLst>
+                            <p:childTnLst>
+                              <p:par>
+                                <p:cTn id="13" presetID="1" presetClass="entr" presetSubtype="0" fill="hold" grpId="0" nodeType="clickEffect">
+                                  <p:stCondLst>
+                                    <p:cond delay="0"/>
+                                  </p:stCondLst>
+                                  <p:childTnLst>
+                                    <p:set>
+                                      <p:cBhvr>
+                                        <p:cTn id="14" dur="1" fill="hold">
+                                          <p:stCondLst>
+                                            <p:cond delay="0"/>
+                                          </p:stCondLst>
+                                        </p:cTn>
+                                        <p:tgtEl>
+                                          <p:spTgt spid="4">
+                                            <p:txEl>
+                                              <p:pRg st="5" end="5"/>
+                                            </p:txEl>
+                                          </p:spTgt>
+                                        </p:tgtEl>
+                                        <p:attrNameLst>
+                                          <p:attrName>style.visibility</p:attrName>
+                                        </p:attrNameLst>
+                                      </p:cBhvr>
+                                      <p:to>
+                                        <p:strVal val="visible"/>
+                                      </p:to>
+                                    </p:set>
+                                  </p:childTnLst>
+                                </p:cTn>
+                              </p:par>
+                            </p:childTnLst>
+                          </p:cTn>
+                        </p:par>
+                      </p:childTnLst>
+                    </p:cTn>
+                  </p:par>
+                  <p:par>
+                    <p:cTn id="15" fill="hold">
+                      <p:stCondLst>
+                        <p:cond delay="indefinite"/>
+                      </p:stCondLst>
+                      <p:childTnLst>
+                        <p:par>
+                          <p:cTn id="16" fill="hold">
+                            <p:stCondLst>
+                              <p:cond delay="0"/>
+                            </p:stCondLst>
+                            <p:childTnLst>
+                              <p:par>
+                                <p:cTn id="17" presetID="1" presetClass="entr" presetSubtype="0" fill="hold" grpId="0" nodeType="clickEffect">
+                                  <p:stCondLst>
+                                    <p:cond delay="0"/>
+                                  </p:stCondLst>
+                                  <p:childTnLst>
+                                    <p:set>
+                                      <p:cBhvr>
+                                        <p:cTn id="18" dur="1" fill="hold">
+                                          <p:stCondLst>
+                                            <p:cond delay="0"/>
+                                          </p:stCondLst>
+                                        </p:cTn>
+                                        <p:tgtEl>
+                                          <p:spTgt spid="4">
+                                            <p:txEl>
+                                              <p:pRg st="6" end="6"/>
+                                            </p:txEl>
+                                          </p:spTgt>
+                                        </p:tgtEl>
+                                        <p:attrNameLst>
+                                          <p:attrName>style.visibility</p:attrName>
+                                        </p:attrNameLst>
+                                      </p:cBhvr>
+                                      <p:to>
+                                        <p:strVal val="visible"/>
+                                      </p:to>
+                                    </p:set>
+                                  </p:childTnLst>
+                                </p:cTn>
+                              </p:par>
+                            </p:childTnLst>
+                          </p:cTn>
+                        </p:par>
+                      </p:childTnLst>
+                    </p:cTn>
+                  </p:par>
+                </p:childTnLst>
+              </p:cTn>
+              <p:prevCondLst>
+                <p:cond evt="onPrev" delay="0">
+                  <p:tgtEl>
+                    <p:sldTgt/>
+                  </p:tgtEl>
+                </p:cond>
+              </p:prevCondLst>
+              <p:nextCondLst>
+                <p:cond evt="onNext" delay="0">
+                  <p:tgtEl>
+                    <p:sldTgt/>
+                  </p:tgtEl>
+                </p:cond>
+              </p:nextCondLst>
+            </p:seq>
+          </p:childTnLst>
+        </p:cTn>
+      </p:par>
+    </p:tnLst>
+    <p:bldLst>
+      <p:bldP spid="4" grpId="0" uiExpand="1" build="p"/>
+    </p:bldLst>
+  </p:timing>
+</p:sld>
+</file>
+
+<file path=ppt/slides/slide41.xml><?xml version="1.0" encoding="utf-8"?>
+<p:sld xmlns:a="http://schemas.openxmlformats.org/drawingml/2006/main" xmlns:r="http://schemas.openxmlformats.org/officeDocument/2006/relationships" xmlns:p="http://schemas.openxmlformats.org/presentationml/2006/main">
+  <p:cSld>
+    <p:spTree>
+      <p:nvGrpSpPr>
+        <p:cNvPr id="1" name=""/>
+        <p:cNvGrpSpPr/>
+        <p:nvPr/>
+      </p:nvGrpSpPr>
+      <p:grpSpPr>
+        <a:xfrm>
+          <a:off x="0" y="0"/>
+          <a:ext cx="0" cy="0"/>
+          <a:chOff x="0" y="0"/>
+          <a:chExt cx="0" cy="0"/>
+        </a:xfrm>
+      </p:grpSpPr>
+      <p:sp>
+        <p:nvSpPr>
+          <p:cNvPr id="2" name="Title 1"/>
+          <p:cNvSpPr>
+            <a:spLocks noGrp="1"/>
+          </p:cNvSpPr>
+          <p:nvPr>
+            <p:ph type="title"/>
+          </p:nvPr>
+        </p:nvSpPr>
+        <p:spPr>
+          <a:xfrm>
+            <a:off x="457201" y="204787"/>
+            <a:ext cx="3008313" cy="871538"/>
+          </a:xfrm>
+        </p:spPr>
+        <p:txBody>
+          <a:bodyPr/>
+          <a:lstStyle/>
+          <a:p>
+            <a:pPr marL="0" lvl="0" indent="0">
+              <a:buNone/>
+            </a:pPr>
+            <a:r>
+              <a:t>test cointegration peasaran (Bound test) IT modele</a:t>
+            </a:r>
+          </a:p>
+        </p:txBody>
+      </p:sp>
+      <p:sp>
+        <p:nvSpPr>
+          <p:cNvPr id="4" name="Text Placeholder 3"/>
+          <p:cNvSpPr>
+            <a:spLocks noGrp="1"/>
+          </p:cNvSpPr>
+          <p:nvPr>
+            <p:ph type="body" sz="half" idx="2"/>
+          </p:nvPr>
+        </p:nvSpPr>
+        <p:spPr/>
+        <p:txBody>
+          <a:bodyPr/>
+          <a:lstStyle/>
+          <a:p>
+            <a:pPr marL="0" lvl="0" indent="0">
+              <a:buNone/>
+            </a:pPr>
+            <a:r>
+              <a:t>Pesaran et al. [12] define five different cases according to the incorporation of intercept (μ0) and trend (μ1) coefficients in the error correction term. Case 1: No intercept and no trend. Case 2: Restricted intercept and no trend. Case 3: Unrestricted intercept and no trend. Case 4: Unrestricted intercept and restricted trend. Case 5: Unrestricted intercept and unrestricted trend.</a:t>
+            </a:r>
+          </a:p>
+          <a:p>
+            <a:pPr marL="1270000" lvl="0" indent="0">
+              <a:buNone/>
+            </a:pPr>
+            <a:r>
+              <a:rPr sz="2000"/>
+              <a:t>4eme cas retenu</a:t>
+            </a:r>
+          </a:p>
+        </p:txBody>
+      </p:sp>
+      <p:pic>
+        <p:nvPicPr>
+          <p:cNvPr id="3" name="Picture 1" descr="./peasaran.coint.test_it.png"/>
+          <p:cNvPicPr>
+            <a:picLocks noGrp="1" noChangeAspect="1"/>
+          </p:cNvPicPr>
+          <p:nvPr/>
+        </p:nvPicPr>
+        <p:blipFill>
+          <a:blip r:embed="rId2"/>
+          <a:stretch>
+            <a:fillRect/>
+          </a:stretch>
+        </p:blipFill>
+        <p:spPr bwMode="auto">
+          <a:xfrm>
+            <a:off x="3708400" y="203200"/>
+            <a:ext cx="4826000" cy="4381500"/>
+          </a:xfrm>
+          <a:prstGeom prst="rect">
+            <a:avLst/>
+          </a:prstGeom>
+          <a:noFill/>
+          <a:ln w="9525">
+            <a:noFill/>
+            <a:headEnd/>
+            <a:tailEnd/>
+          </a:ln>
+        </p:spPr>
+      </p:pic>
+    </p:spTree>
+  </p:cSld>
+  <p:clrMapOvr>
+    <a:masterClrMapping/>
+  </p:clrMapOvr>
+</p:sld>
+</file>
+
+<file path=ppt/slides/slide42.xml><?xml version="1.0" encoding="utf-8"?>
+<p:sld xmlns:a="http://schemas.openxmlformats.org/drawingml/2006/main" xmlns:r="http://schemas.openxmlformats.org/officeDocument/2006/relationships" xmlns:p="http://schemas.openxmlformats.org/presentationml/2006/main">
+  <p:cSld>
+    <p:spTree>
+      <p:nvGrpSpPr>
+        <p:cNvPr id="1" name=""/>
+        <p:cNvGrpSpPr/>
+        <p:nvPr/>
+      </p:nvGrpSpPr>
+      <p:grpSpPr>
+        <a:xfrm>
+          <a:off x="0" y="0"/>
+          <a:ext cx="0" cy="0"/>
+          <a:chOff x="0" y="0"/>
+          <a:chExt cx="0" cy="0"/>
+        </a:xfrm>
+      </p:grpSpPr>
+      <p:sp>
+        <p:nvSpPr>
+          <p:cNvPr id="2" name="Title 1"/>
+          <p:cNvSpPr>
+            <a:spLocks noGrp="1"/>
+          </p:cNvSpPr>
+          <p:nvPr>
+            <p:ph type="title"/>
+          </p:nvPr>
+        </p:nvSpPr>
+        <p:spPr>
+          <a:xfrm>
+            <a:off x="457201" y="204787"/>
+            <a:ext cx="3008313" cy="871538"/>
+          </a:xfrm>
+        </p:spPr>
+        <p:txBody>
+          <a:bodyPr/>
+          <a:lstStyle/>
+          <a:p>
+            <a:pPr marL="0" lvl="0" indent="0">
+              <a:buNone/>
+            </a:pPr>
+            <a:r>
+              <a:t>test cointegration peasaran (Bound test) ET modele</a:t>
+            </a:r>
+          </a:p>
+        </p:txBody>
+      </p:sp>
+      <p:sp>
+        <p:nvSpPr>
+          <p:cNvPr id="4" name="Text Placeholder 3"/>
+          <p:cNvSpPr>
+            <a:spLocks noGrp="1"/>
+          </p:cNvSpPr>
+          <p:nvPr>
+            <p:ph type="body" sz="half" idx="2"/>
+          </p:nvPr>
+        </p:nvSpPr>
+        <p:spPr/>
+        <p:txBody>
+          <a:bodyPr/>
+          <a:lstStyle/>
+          <a:p>
+            <a:pPr marL="0" lvl="0" indent="0">
+              <a:buNone/>
+            </a:pPr>
+            <a:r>
+              <a:t>Pesaran et al. [12] define five different cases according to the incorporation of intercept (μ0) and trend (μ1) coefficients in the error correction term. Case 1: No intercept and no trend. Case 2: Restricted intercept and no trend. Case 3: Unrestricted intercept and no trend. Case 4: Unrestricted intercept and restricted trend. Case 5: Unrestricted intercept and unrestricted trend.</a:t>
+            </a:r>
+          </a:p>
+          <a:p>
+            <a:pPr marL="1270000" lvl="0" indent="0">
+              <a:buNone/>
+            </a:pPr>
+            <a:r>
+              <a:rPr sz="2000"/>
+              <a:t>3eme cas retenu</a:t>
+            </a:r>
+          </a:p>
+        </p:txBody>
+      </p:sp>
+      <p:pic>
+        <p:nvPicPr>
+          <p:cNvPr id="3" name="Picture 1" descr="./peasaran.coint.test_et.png"/>
+          <p:cNvPicPr>
+            <a:picLocks noGrp="1" noChangeAspect="1"/>
+          </p:cNvPicPr>
+          <p:nvPr/>
+        </p:nvPicPr>
+        <p:blipFill>
+          <a:blip r:embed="rId2"/>
+          <a:stretch>
+            <a:fillRect/>
+          </a:stretch>
+        </p:blipFill>
+        <p:spPr bwMode="auto">
+          <a:xfrm>
+            <a:off x="3835400" y="203200"/>
+            <a:ext cx="4584700" cy="4381500"/>
+          </a:xfrm>
+          <a:prstGeom prst="rect">
+            <a:avLst/>
+          </a:prstGeom>
+          <a:noFill/>
+          <a:ln w="9525">
+            <a:noFill/>
+            <a:headEnd/>
+            <a:tailEnd/>
+          </a:ln>
+        </p:spPr>
+      </p:pic>
+    </p:spTree>
+  </p:cSld>
+  <p:clrMapOvr>
+    <a:masterClrMapping/>
+  </p:clrMapOvr>
+</p:sld>
+</file>
+
+<file path=ppt/slides/slide43.xml><?xml version="1.0" encoding="utf-8"?>
+<p:sld xmlns:a="http://schemas.openxmlformats.org/drawingml/2006/main" xmlns:r="http://schemas.openxmlformats.org/officeDocument/2006/relationships" xmlns:p="http://schemas.openxmlformats.org/presentationml/2006/main">
+  <p:cSld>
+    <p:spTree>
+      <p:nvGrpSpPr>
+        <p:cNvPr id="1" name=""/>
+        <p:cNvGrpSpPr/>
+        <p:nvPr/>
+      </p:nvGrpSpPr>
+      <p:grpSpPr>
+        <a:xfrm>
+          <a:off x="0" y="0"/>
+          <a:ext cx="0" cy="0"/>
+          <a:chOff x="0" y="0"/>
+          <a:chExt cx="0" cy="0"/>
+        </a:xfrm>
+      </p:grpSpPr>
+      <p:sp>
+        <p:nvSpPr>
+          <p:cNvPr id="2" name="Title 1"/>
+          <p:cNvSpPr>
+            <a:spLocks noGrp="1"/>
+          </p:cNvSpPr>
+          <p:nvPr>
+            <p:ph type="title"/>
+          </p:nvPr>
+        </p:nvSpPr>
+        <p:spPr/>
+        <p:txBody>
+          <a:bodyPr/>
+          <a:lstStyle/>
+          <a:p>
+            <a:pPr marL="0" lvl="0" indent="0">
+              <a:buNone/>
+            </a:pPr>
+            <a:r>
+              <a:t>conclusion Cointegration test</a:t>
+            </a:r>
+          </a:p>
+        </p:txBody>
+      </p:sp>
+      <p:sp>
+        <p:nvSpPr>
+          <p:cNvPr id="3" name="Content Placeholder 2"/>
+          <p:cNvSpPr>
+            <a:spLocks noGrp="1"/>
+          </p:cNvSpPr>
+          <p:nvPr>
+            <p:ph idx="1"/>
+          </p:nvPr>
+        </p:nvSpPr>
+        <p:spPr/>
+        <p:txBody>
+          <a:bodyPr/>
+          <a:lstStyle/>
+          <a:p>
+            <a:pPr marL="342900" lvl="0" indent="-342900">
+              <a:buAutoNum type="arabicPeriod"/>
+            </a:pPr>
+            <a:r>
+              <a:t>Modele IT:</a:t>
+            </a:r>
+          </a:p>
+          <a:p>
+            <a:pPr lvl="0"/>
+            <a:r>
+              <a:t>ECM avec intercept non restreint et une tendance restreinte</a:t>
+            </a:r>
+          </a:p>
+          <a:p>
+            <a:pPr marL="342900" lvl="0" indent="-342900">
+              <a:buAutoNum type="arabicPeriod" startAt="2"/>
+            </a:pPr>
+            <a:r>
+              <a:t>Modele ET: -ECM avec intercept non restreint et sans tendance</a:t>
+            </a:r>
+          </a:p>
+        </p:txBody>
+      </p:sp>
+    </p:spTree>
+  </p:cSld>
+  <p:clrMapOvr>
+    <a:masterClrMapping/>
+  </p:clrMapOvr>
+  <p:timing>
+    <p:tnLst>
+      <p:par>
+        <p:cTn id="1" dur="indefinite" restart="never" nodeType="tmRoot">
+          <p:childTnLst>
+            <p:seq concurrent="1" nextAc="seek">
+              <p:cTn id="2" dur="indefinite" nodeType="mainSeq">
+                <p:childTnLst>
+                  <p:par>
+                    <p:cTn id="3" fill="hold">
+                      <p:stCondLst>
+                        <p:cond delay="indefinite"/>
+                      </p:stCondLst>
+                      <p:childTnLst>
+                        <p:par>
+                          <p:cTn id="4" fill="hold">
+                            <p:stCondLst>
+                              <p:cond delay="0"/>
+                            </p:stCondLst>
+                            <p:childTnLst>
+                              <p:par>
+                                <p:cTn id="5" presetID="1" presetClass="entr" presetSubtype="0" fill="hold" grpId="0" nodeType="clickEffect">
+                                  <p:stCondLst>
+                                    <p:cond delay="0"/>
+                                  </p:stCondLst>
+                                  <p:childTnLst>
+                                    <p:set>
+                                      <p:cBhvr>
+                                        <p:cTn id="6" dur="1" fill="hold">
+                                          <p:stCondLst>
+                                            <p:cond delay="0"/>
+                                          </p:stCondLst>
+                                        </p:cTn>
+                                        <p:tgtEl>
+                                          <p:spTgt spid="3">
+                                            <p:txEl>
+                                              <p:pRg st="0" end="0"/>
+                                            </p:txEl>
+                                          </p:spTgt>
+                                        </p:tgtEl>
+                                        <p:attrNameLst>
+                                          <p:attrName>style.visibility</p:attrName>
+                                        </p:attrNameLst>
+                                      </p:cBhvr>
+                                      <p:to>
+                                        <p:strVal val="visible"/>
+                                      </p:to>
+                                    </p:set>
+                                  </p:childTnLst>
+                                </p:cTn>
+                              </p:par>
+                            </p:childTnLst>
+                          </p:cTn>
+                        </p:par>
+                      </p:childTnLst>
+                    </p:cTn>
+                  </p:par>
+                  <p:par>
+                    <p:cTn id="7" fill="hold">
+                      <p:stCondLst>
+                        <p:cond delay="indefinite"/>
+                      </p:stCondLst>
+                      <p:childTnLst>
+                        <p:par>
+                          <p:cTn id="8" fill="hold">
+                            <p:stCondLst>
+                              <p:cond delay="0"/>
+                            </p:stCondLst>
+                            <p:childTnLst>
+                              <p:par>
+                                <p:cTn id="9" presetID="1" presetClass="entr" presetSubtype="0" fill="hold" grpId="0" nodeType="clickEffect">
+                                  <p:stCondLst>
+                                    <p:cond delay="0"/>
+                                  </p:stCondLst>
+                                  <p:childTnLst>
+                                    <p:set>
+                                      <p:cBhvr>
+                                        <p:cTn id="10" dur="1" fill="hold">
+                                          <p:stCondLst>
+                                            <p:cond delay="0"/>
+                                          </p:stCondLst>
+                                        </p:cTn>
+                                        <p:tgtEl>
+                                          <p:spTgt spid="3">
+                                            <p:txEl>
+                                              <p:pRg st="1" end="1"/>
+                                            </p:txEl>
+                                          </p:spTgt>
+                                        </p:tgtEl>
+                                        <p:attrNameLst>
+                                          <p:attrName>style.visibility</p:attrName>
+                                        </p:attrNameLst>
+                                      </p:cBhvr>
+                                      <p:to>
+                                        <p:strVal val="visible"/>
+                                      </p:to>
+                                    </p:set>
+                                  </p:childTnLst>
+                                </p:cTn>
+                              </p:par>
+                            </p:childTnLst>
+                          </p:cTn>
+                        </p:par>
+                      </p:childTnLst>
+                    </p:cTn>
+                  </p:par>
+                  <p:par>
+                    <p:cTn id="11" fill="hold">
+                      <p:stCondLst>
+                        <p:cond delay="indefinite"/>
+                      </p:stCondLst>
+                      <p:childTnLst>
+                        <p:par>
+                          <p:cTn id="12" fill="hold">
+                            <p:stCondLst>
+                              <p:cond delay="0"/>
+                            </p:stCondLst>
+                            <p:childTnLst>
+                              <p:par>
+                                <p:cTn id="13" presetID="1" presetClass="entr" presetSubtype="0" fill="hold" grpId="0" nodeType="clickEffect">
+                                  <p:stCondLst>
+                                    <p:cond delay="0"/>
+                                  </p:stCondLst>
+                                  <p:childTnLst>
+                                    <p:set>
+                                      <p:cBhvr>
+                                        <p:cTn id="14" dur="1" fill="hold">
+                                          <p:stCondLst>
+                                            <p:cond delay="0"/>
+                                          </p:stCondLst>
+                                        </p:cTn>
+                                        <p:tgtEl>
+                                          <p:spTgt spid="3">
+                                            <p:txEl>
+                                              <p:pRg st="2" end="2"/>
+                                            </p:txEl>
+                                          </p:spTgt>
+                                        </p:tgtEl>
+                                        <p:attrNameLst>
+                                          <p:attrName>style.visibility</p:attrName>
+                                        </p:attrNameLst>
+                                      </p:cBhvr>
+                                      <p:to>
+                                        <p:strVal val="visible"/>
+                                      </p:to>
+                                    </p:set>
+                                  </p:childTnLst>
+                                </p:cTn>
+                              </p:par>
+                            </p:childTnLst>
+                          </p:cTn>
+                        </p:par>
+                      </p:childTnLst>
+                    </p:cTn>
+                  </p:par>
+                </p:childTnLst>
+              </p:cTn>
+              <p:prevCondLst>
+                <p:cond evt="onPrev" delay="0">
+                  <p:tgtEl>
+                    <p:sldTgt/>
+                  </p:tgtEl>
+                </p:cond>
+              </p:prevCondLst>
+              <p:nextCondLst>
+                <p:cond evt="onNext" delay="0">
+                  <p:tgtEl>
+                    <p:sldTgt/>
+                  </p:tgtEl>
+                </p:cond>
+              </p:nextCondLst>
+            </p:seq>
+          </p:childTnLst>
+        </p:cTn>
+      </p:par>
+    </p:tnLst>
+    <p:bldLst>
+      <p:bldP spid="3" grpId="0" uiExpand="1" build="p"/>
+    </p:bldLst>
+  </p:timing>
+</p:sld>
+</file>
+
+<file path=ppt/slides/slide44.xml><?xml version="1.0" encoding="utf-8"?>
+<p:sld xmlns:a="http://schemas.openxmlformats.org/drawingml/2006/main" xmlns:r="http://schemas.openxmlformats.org/officeDocument/2006/relationships" xmlns:p="http://schemas.openxmlformats.org/presentationml/2006/main">
+  <p:cSld>
+    <p:spTree>
+      <p:nvGrpSpPr>
+        <p:cNvPr id="1" name=""/>
+        <p:cNvGrpSpPr/>
+        <p:nvPr/>
+      </p:nvGrpSpPr>
+      <p:grpSpPr>
+        <a:xfrm>
+          <a:off x="0" y="0"/>
+          <a:ext cx="0" cy="0"/>
+          <a:chOff x="0" y="0"/>
+          <a:chExt cx="0" cy="0"/>
+        </a:xfrm>
+      </p:grpSpPr>
+      <p:sp>
+        <p:nvSpPr>
+          <p:cNvPr id="2" name="Title 1"/>
+          <p:cNvSpPr>
+            <a:spLocks noGrp="1"/>
+          </p:cNvSpPr>
+          <p:nvPr>
+            <p:ph type="title"/>
+          </p:nvPr>
+        </p:nvSpPr>
+        <p:spPr>
+          <a:xfrm>
+            <a:off x="722313" y="3305176"/>
+            <a:ext cx="7772400" cy="1021556"/>
+          </a:xfrm>
+        </p:spPr>
+        <p:txBody>
+          <a:bodyPr/>
+          <a:lstStyle/>
+          <a:p>
+            <a:pPr marL="0" lvl="0" indent="0">
+              <a:buNone/>
+            </a:pPr>
+            <a:r>
+              <a:t>Modelisation</a:t>
+            </a:r>
+          </a:p>
+        </p:txBody>
+      </p:sp>
+    </p:spTree>
+  </p:cSld>
+  <p:clrMapOvr>
+    <a:masterClrMapping/>
+  </p:clrMapOvr>
+</p:sld>
+</file>
+
+<file path=ppt/slides/slide45.xml><?xml version="1.0" encoding="utf-8"?>
+<p:sld xmlns:a="http://schemas.openxmlformats.org/drawingml/2006/main" xmlns:r="http://schemas.openxmlformats.org/officeDocument/2006/relationships" xmlns:p="http://schemas.openxmlformats.org/presentationml/2006/main">
+  <p:cSld>
+    <p:spTree>
+      <p:nvGrpSpPr>
+        <p:cNvPr id="1" name=""/>
+        <p:cNvGrpSpPr/>
+        <p:nvPr/>
+      </p:nvGrpSpPr>
+      <p:grpSpPr>
+        <a:xfrm>
+          <a:off x="0" y="0"/>
+          <a:ext cx="0" cy="0"/>
+          <a:chOff x="0" y="0"/>
+          <a:chExt cx="0" cy="0"/>
+        </a:xfrm>
+      </p:grpSpPr>
+      <p:sp>
+        <p:nvSpPr>
+          <p:cNvPr id="2" name="Title 1"/>
+          <p:cNvSpPr>
+            <a:spLocks noGrp="1"/>
+          </p:cNvSpPr>
+          <p:nvPr>
+            <p:ph type="title"/>
+          </p:nvPr>
+        </p:nvSpPr>
+        <p:spPr/>
+        <p:txBody>
+          <a:bodyPr/>
+          <a:lstStyle/>
+          <a:p>
+            <a:pPr marL="0" lvl="0" indent="0">
+              <a:buNone/>
+            </a:pPr>
+            <a:r>
+              <a:t>modele it</a:t>
+            </a:r>
+          </a:p>
+        </p:txBody>
+      </p:sp>
+      <p:sp>
+        <p:nvSpPr>
+          <p:cNvPr id="3" name="Content Placeholder 2"/>
+          <p:cNvSpPr>
+            <a:spLocks noGrp="1"/>
+          </p:cNvSpPr>
+          <p:nvPr>
+            <p:ph idx="1"/>
+          </p:nvPr>
+        </p:nvSpPr>
+        <p:spPr/>
+        <p:txBody>
+          <a:bodyPr/>
+          <a:lstStyle/>
+          <a:p>
+            <a:pPr marL="1270000" lvl="0" indent="0">
+              <a:buNone/>
+            </a:pPr>
+            <a:r>
+              <a:rPr sz="2000"/>
+              <a:t>Error Correction terme = -1.2427148</a:t>
+            </a:r>
+          </a:p>
+          <a:p>
+            <a:pPr lvl="0" indent="0">
+              <a:buNone/>
+            </a:pPr>
+            <a:r>
+              <a:rPr>
+                <a:latin typeface="Courier"/>
+              </a:rPr>
+              <a:t>
+Time series regression with "ts" data:
+Start = 4, End = 34
+Call:
+dynlm(formula = as.formula(model.text), data = data)
+Residuals:
+     Min       1Q   Median       3Q      Max 
+-0.07928 -0.04326 -0.01602  0.03196  0.15762 
+Coefficients:
+               Estimate Std. Error t value Pr(&gt;|t|)    
+(Intercept)    -50.5030     9.9361  -5.083 0.000167 ***
+ec.1            -1.2427     0.2446  -5.080 0.000168 ***
+dtaux.change.t  -0.7830     0.2042  -3.834 0.001823 ** 
+dtaux.change.1   1.3778     0.2563   5.376 9.78e-05 ***
+dtaux.change.2   0.8364     0.3046   2.746 0.015779 *  
+dtaux.change.3   1.0723     0.2637   4.066 0.001157 ** 
+dpib.t           1.4397     0.7345   1.960 0.070183 .  
+dpib.1           1.0529     0.7377   1.427 0.175441    
+dpib.usa.t       0.8900     1.2399   0.718 0.484697    
+dpib.usa.1      -1.3550     1.2806  -1.058 0.307907    
+dpib.usa.2      -1.7264     1.4518  -1.189 0.254167    
+dpib.usa.3       2.8411     1.5072   1.885 0.080352 .  
+dipc.t           0.8355     0.5814   1.437 0.172700    
+dipc.1          -1.5135     0.4612  -3.282 0.005457 ** 
+dimportation.1   0.1167     0.1475   0.792 0.441766    
+dimportation.2   0.2431     0.1455   1.670 0.117019    
+dimportation.3   0.3920     0.1410   2.779 0.014768 *  
+---
+Signif. codes:  0 '***' 0.001 '**' 0.01 '*' 0.05 '.' 0.1 ' ' 1
+Residual standard error: 0.09251 on 14 degrees of freedom
+Multiple R-squared:  0.8298,    Adjusted R-squared:  0.6352 
+F-statistic: 4.265 on 16 and 14 DF,  p-value: 0.004646</a:t>
+            </a:r>
+          </a:p>
+        </p:txBody>
+      </p:sp>
+    </p:spTree>
+  </p:cSld>
+  <p:clrMapOvr>
+    <a:masterClrMapping/>
+  </p:clrMapOvr>
+</p:sld>
+</file>
+
+<file path=ppt/slides/slide46.xml><?xml version="1.0" encoding="utf-8"?>
+<p:sld xmlns:a="http://schemas.openxmlformats.org/drawingml/2006/main" xmlns:r="http://schemas.openxmlformats.org/officeDocument/2006/relationships" xmlns:p="http://schemas.openxmlformats.org/presentationml/2006/main">
+  <p:cSld>
+    <p:spTree>
+      <p:nvGrpSpPr>
+        <p:cNvPr id="1" name=""/>
+        <p:cNvGrpSpPr/>
+        <p:nvPr/>
+      </p:nvGrpSpPr>
+      <p:grpSpPr>
+        <a:xfrm>
+          <a:off x="0" y="0"/>
+          <a:ext cx="0" cy="0"/>
+          <a:chOff x="0" y="0"/>
+          <a:chExt cx="0" cy="0"/>
+        </a:xfrm>
+      </p:grpSpPr>
+      <p:sp>
+        <p:nvSpPr>
+          <p:cNvPr id="2" name="Title 1"/>
+          <p:cNvSpPr>
+            <a:spLocks noGrp="1"/>
+          </p:cNvSpPr>
+          <p:nvPr>
+            <p:ph type="title"/>
+          </p:nvPr>
+        </p:nvSpPr>
+        <p:spPr/>
+        <p:txBody>
+          <a:bodyPr/>
+          <a:lstStyle/>
+          <a:p>
+            <a:pPr marL="0" lvl="0" indent="0">
+              <a:buNone/>
+            </a:pPr>
+            <a:r>
+              <a:t>modele et</a:t>
+            </a:r>
+          </a:p>
+        </p:txBody>
+      </p:sp>
+      <p:sp>
+        <p:nvSpPr>
+          <p:cNvPr id="3" name="Content Placeholder 2"/>
+          <p:cNvSpPr>
+            <a:spLocks noGrp="1"/>
+          </p:cNvSpPr>
+          <p:nvPr>
+            <p:ph idx="1"/>
+          </p:nvPr>
+        </p:nvSpPr>
+        <p:spPr/>
+        <p:txBody>
+          <a:bodyPr/>
+          <a:lstStyle/>
+          <a:p>
+            <a:pPr marL="1270000" lvl="0" indent="0">
+              <a:buNone/>
+            </a:pPr>
+            <a:r>
+              <a:rPr sz="2000"/>
+              <a:t>Error Correction terme = -1.6663234</a:t>
+            </a:r>
+          </a:p>
+          <a:p>
+            <a:pPr lvl="0" indent="0">
+              <a:buNone/>
+            </a:pPr>
+            <a:r>
+              <a:rPr>
+                <a:latin typeface="Courier"/>
+              </a:rPr>
+              <a:t>
+Time series regression with "ts" data:
+Start = 4, End = 34
+Call:
+dynlm(formula = as.formula(model.text), data = data)
+Residuals:
+     Min       1Q   Median       3Q      Max 
+-0.31943 -0.09940 -0.00047  0.10247  0.26622 
+Coefficients:
+                Estimate Std. Error t value Pr(&gt;|t|)    
+(Intercept)    195.10919   36.07592   5.408 5.80e-05 ***
+ec.1            -1.66632    0.30837  -5.404 5.85e-05 ***
+dtaux.change.t  -1.35114    0.42542  -3.176  0.00587 ** 
+dtaux.change.1   1.08878    0.39305   2.770  0.01366 *  
+dtaux.change.2   1.56376    0.50138   3.119  0.00661 ** 
+dpib.t          11.98337    1.64483   7.285 1.83e-06 ***
+dpib.1          -1.75655    1.60219  -1.096  0.28916    
+dpib.usa.t      -1.28438    2.44942  -0.524  0.60722    
+dpib.usa.1      11.02158    3.49640   3.152  0.00617 ** 
+dpib.usa.2       9.17439    4.36844   2.100  0.05193 .  
+dpib.usa.3      -7.47450    3.42940  -2.180  0.04458 *  
+dipc.t           3.57419    1.07788   3.316  0.00437 ** 
+dipc.1          -3.37714    1.03459  -3.264  0.00487 ** 
+dexportation.1   0.36064    0.19822   1.819  0.08762 .  
+dexportation.2   0.08489    0.12169   0.698  0.49545    
+---
+Signif. codes:  0 '***' 0.001 '**' 0.01 '*' 0.05 '.' 0.1 ' ' 1
+Residual standard error: 0.1977 on 16 degrees of freedom
+Multiple R-squared:  0.8458,    Adjusted R-squared:  0.7109 
+F-statistic: 6.269 on 14 and 16 DF,  p-value: 0.0003983</a:t>
+            </a:r>
+          </a:p>
+        </p:txBody>
+      </p:sp>
+    </p:spTree>
+  </p:cSld>
+  <p:clrMapOvr>
+    <a:masterClrMapping/>
+  </p:clrMapOvr>
+</p:sld>
+</file>
+
+<file path=ppt/slides/slide47.xml><?xml version="1.0" encoding="utf-8"?>
+<p:sld xmlns:a="http://schemas.openxmlformats.org/drawingml/2006/main" xmlns:r="http://schemas.openxmlformats.org/officeDocument/2006/relationships" xmlns:p="http://schemas.openxmlformats.org/presentationml/2006/main">
+  <p:cSld>
+    <p:spTree>
+      <p:nvGrpSpPr>
+        <p:cNvPr id="1" name=""/>
+        <p:cNvGrpSpPr/>
+        <p:nvPr/>
+      </p:nvGrpSpPr>
+      <p:grpSpPr>
+        <a:xfrm>
+          <a:off x="0" y="0"/>
+          <a:ext cx="0" cy="0"/>
+          <a:chOff x="0" y="0"/>
+          <a:chExt cx="0" cy="0"/>
+        </a:xfrm>
+      </p:grpSpPr>
+      <p:sp>
+        <p:nvSpPr>
+          <p:cNvPr id="2" name="Title 1"/>
+          <p:cNvSpPr>
+            <a:spLocks noGrp="1"/>
+          </p:cNvSpPr>
+          <p:nvPr>
+            <p:ph type="title"/>
+          </p:nvPr>
+        </p:nvSpPr>
+        <p:spPr>
+          <a:xfrm>
+            <a:off x="722313" y="3305176"/>
+            <a:ext cx="7772400" cy="1021556"/>
+          </a:xfrm>
+        </p:spPr>
+        <p:txBody>
+          <a:bodyPr/>
+          <a:lstStyle/>
+          <a:p>
+            <a:pPr marL="0" lvl="0" indent="0">
+              <a:buNone/>
+            </a:pPr>
+            <a:r>
+              <a:t>Validation des models</a:t>
+            </a:r>
+          </a:p>
+        </p:txBody>
+      </p:sp>
+    </p:spTree>
+  </p:cSld>
+  <p:clrMapOvr>
+    <a:masterClrMapping/>
+  </p:clrMapOvr>
+</p:sld>
+</file>
+
+<file path=ppt/slides/slide48.xml><?xml version="1.0" encoding="utf-8"?>
+<p:sld xmlns:a="http://schemas.openxmlformats.org/drawingml/2006/main" xmlns:r="http://schemas.openxmlformats.org/officeDocument/2006/relationships" xmlns:p="http://schemas.openxmlformats.org/presentationml/2006/main">
+  <p:cSld>
+    <p:spTree>
+      <p:nvGrpSpPr>
+        <p:cNvPr id="1" name=""/>
+        <p:cNvGrpSpPr/>
+        <p:nvPr/>
+      </p:nvGrpSpPr>
+      <p:grpSpPr>
+        <a:xfrm>
+          <a:off x="0" y="0"/>
+          <a:ext cx="0" cy="0"/>
+          <a:chOff x="0" y="0"/>
+          <a:chExt cx="0" cy="0"/>
+        </a:xfrm>
+      </p:grpSpPr>
+      <p:sp>
+        <p:nvSpPr>
+          <p:cNvPr id="2" name="Title 1"/>
+          <p:cNvSpPr>
+            <a:spLocks noGrp="1"/>
+          </p:cNvSpPr>
+          <p:nvPr>
+            <p:ph type="title"/>
+          </p:nvPr>
+        </p:nvSpPr>
+        <p:spPr/>
+        <p:txBody>
+          <a:bodyPr/>
+          <a:lstStyle/>
+          <a:p>
+            <a:pPr marL="0" lvl="0" indent="0">
+              <a:buNone/>
+            </a:pPr>
+            <a:r>
+              <a:t>Validation modeles it</a:t>
+            </a:r>
+          </a:p>
+        </p:txBody>
+      </p:sp>
+      <p:pic>
+        <p:nvPicPr>
+          <p:cNvPr id="3" name="Picture 1" descr="./outputs/VAL.IT.png"/>
+          <p:cNvPicPr>
+            <a:picLocks noGrp="1" noChangeAspect="1"/>
+          </p:cNvPicPr>
+          <p:nvPr/>
+        </p:nvPicPr>
+        <p:blipFill>
+          <a:blip r:embed="rId2"/>
+          <a:stretch>
+            <a:fillRect/>
+          </a:stretch>
+        </p:blipFill>
+        <p:spPr bwMode="auto">
+          <a:xfrm>
+            <a:off x="457200" y="1447800"/>
+            <a:ext cx="8229600" cy="2882900"/>
+          </a:xfrm>
+          <a:prstGeom prst="rect">
+            <a:avLst/>
+          </a:prstGeom>
+          <a:noFill/>
+          <a:ln w="9525">
+            <a:noFill/>
+            <a:headEnd/>
+            <a:tailEnd/>
+          </a:ln>
+        </p:spPr>
+      </p:pic>
+    </p:spTree>
+  </p:cSld>
+  <p:clrMapOvr>
+    <a:masterClrMapping/>
+  </p:clrMapOvr>
+</p:sld>
+</file>
+
+<file path=ppt/slides/slide49.xml><?xml version="1.0" encoding="utf-8"?>
+<p:sld xmlns:a="http://schemas.openxmlformats.org/drawingml/2006/main" xmlns:r="http://schemas.openxmlformats.org/officeDocument/2006/relationships" xmlns:p="http://schemas.openxmlformats.org/presentationml/2006/main">
+  <p:cSld>
+    <p:spTree>
+      <p:nvGrpSpPr>
+        <p:cNvPr id="1" name=""/>
+        <p:cNvGrpSpPr/>
+        <p:nvPr/>
+      </p:nvGrpSpPr>
+      <p:grpSpPr>
+        <a:xfrm>
+          <a:off x="0" y="0"/>
+          <a:ext cx="0" cy="0"/>
+          <a:chOff x="0" y="0"/>
+          <a:chExt cx="0" cy="0"/>
+        </a:xfrm>
+      </p:grpSpPr>
+      <p:sp>
+        <p:nvSpPr>
+          <p:cNvPr id="2" name="Title 1"/>
+          <p:cNvSpPr>
+            <a:spLocks noGrp="1"/>
+          </p:cNvSpPr>
+          <p:nvPr>
+            <p:ph type="title"/>
+          </p:nvPr>
+        </p:nvSpPr>
+        <p:spPr/>
+        <p:txBody>
+          <a:bodyPr/>
+          <a:lstStyle/>
+          <a:p>
+            <a:pPr marL="0" lvl="0" indent="0">
+              <a:buNone/>
+            </a:pPr>
+            <a:r>
+              <a:t>Validation modeles et</a:t>
+            </a:r>
+          </a:p>
+        </p:txBody>
+      </p:sp>
+      <p:pic>
+        <p:nvPicPr>
+          <p:cNvPr id="3" name="Picture 1" descr="./outputs/VAL.ET.png"/>
+          <p:cNvPicPr>
+            <a:picLocks noGrp="1" noChangeAspect="1"/>
+          </p:cNvPicPr>
+          <p:nvPr/>
+        </p:nvPicPr>
+        <p:blipFill>
+          <a:blip r:embed="rId2"/>
+          <a:stretch>
+            <a:fillRect/>
+          </a:stretch>
+        </p:blipFill>
+        <p:spPr bwMode="auto">
+          <a:xfrm>
+            <a:off x="457200" y="1447800"/>
+            <a:ext cx="8229600" cy="2882900"/>
+          </a:xfrm>
+          <a:prstGeom prst="rect">
+            <a:avLst/>
+          </a:prstGeom>
+          <a:noFill/>
+          <a:ln w="9525">
+            <a:noFill/>
+            <a:headEnd/>
+            <a:tailEnd/>
+          </a:ln>
+        </p:spPr>
+      </p:pic>
+    </p:spTree>
+  </p:cSld>
+  <p:clrMapOvr>
+    <a:masterClrMapping/>
+  </p:clrMapOvr>
 </p:sld>
 </file>
 
@@ -8609,11 +11085,10 @@
           <a:bodyPr/>
           <a:lstStyle/>
           <a:p>
-            <a:pPr lvl="0" indent="0" marL="0">
+            <a:pPr marL="0" lvl="0" indent="0">
               <a:buNone/>
             </a:pPr>
             <a:r>
-              <a:rPr/>
               <a:t>Tableau Presentant les Donnees Brutes</a:t>
             </a:r>
           </a:p>
@@ -8621,7 +11096,7 @@
       </p:sp>
       <p:pic>
         <p:nvPicPr>
-          <p:cNvPr descr="./outputs/table_donnee_brute.png" id="0" name="Picture 1"/>
+          <p:cNvPr id="3" name="Picture 1" descr="./outputs/table_donnee_brute.png"/>
           <p:cNvPicPr>
             <a:picLocks noGrp="1" noChangeAspect="1"/>
           </p:cNvPicPr>
@@ -8651,6 +11126,487 @@
       </p:pic>
     </p:spTree>
   </p:cSld>
+  <p:clrMapOvr>
+    <a:masterClrMapping/>
+  </p:clrMapOvr>
+</p:sld>
+</file>
+
+<file path=ppt/slides/slide50.xml><?xml version="1.0" encoding="utf-8"?>
+<p:sld xmlns:a="http://schemas.openxmlformats.org/drawingml/2006/main" xmlns:r="http://schemas.openxmlformats.org/officeDocument/2006/relationships" xmlns:p="http://schemas.openxmlformats.org/presentationml/2006/main">
+  <p:cSld>
+    <p:spTree>
+      <p:nvGrpSpPr>
+        <p:cNvPr id="1" name=""/>
+        <p:cNvGrpSpPr/>
+        <p:nvPr/>
+      </p:nvGrpSpPr>
+      <p:grpSpPr>
+        <a:xfrm>
+          <a:off x="0" y="0"/>
+          <a:ext cx="0" cy="0"/>
+          <a:chOff x="0" y="0"/>
+          <a:chExt cx="0" cy="0"/>
+        </a:xfrm>
+      </p:grpSpPr>
+      <p:sp>
+        <p:nvSpPr>
+          <p:cNvPr id="2" name="Title 1"/>
+          <p:cNvSpPr>
+            <a:spLocks noGrp="1"/>
+          </p:cNvSpPr>
+          <p:nvPr>
+            <p:ph type="title"/>
+          </p:nvPr>
+        </p:nvSpPr>
+        <p:spPr/>
+        <p:txBody>
+          <a:bodyPr/>
+          <a:lstStyle/>
+          <a:p>
+            <a:pPr marL="0" lvl="0" indent="0">
+              <a:buNone/>
+            </a:pPr>
+            <a:r>
+              <a:t>CUSUM it</a:t>
+            </a:r>
+          </a:p>
+        </p:txBody>
+      </p:sp>
+      <p:pic>
+        <p:nvPicPr>
+          <p:cNvPr id="3" name="Picture 1" descr="./cusum_it.modele.png"/>
+          <p:cNvPicPr>
+            <a:picLocks noGrp="1" noChangeAspect="1"/>
+          </p:cNvPicPr>
+          <p:nvPr/>
+        </p:nvPicPr>
+        <p:blipFill>
+          <a:blip r:embed="rId2"/>
+          <a:stretch>
+            <a:fillRect/>
+          </a:stretch>
+        </p:blipFill>
+        <p:spPr bwMode="auto">
+          <a:xfrm>
+            <a:off x="1828800" y="1193800"/>
+            <a:ext cx="5499100" cy="3390900"/>
+          </a:xfrm>
+          <a:prstGeom prst="rect">
+            <a:avLst/>
+          </a:prstGeom>
+          <a:noFill/>
+          <a:ln w="9525">
+            <a:noFill/>
+            <a:headEnd/>
+            <a:tailEnd/>
+          </a:ln>
+        </p:spPr>
+      </p:pic>
+    </p:spTree>
+  </p:cSld>
+  <p:clrMapOvr>
+    <a:masterClrMapping/>
+  </p:clrMapOvr>
+</p:sld>
+</file>
+
+<file path=ppt/slides/slide51.xml><?xml version="1.0" encoding="utf-8"?>
+<p:sld xmlns:a="http://schemas.openxmlformats.org/drawingml/2006/main" xmlns:r="http://schemas.openxmlformats.org/officeDocument/2006/relationships" xmlns:p="http://schemas.openxmlformats.org/presentationml/2006/main">
+  <p:cSld>
+    <p:spTree>
+      <p:nvGrpSpPr>
+        <p:cNvPr id="1" name=""/>
+        <p:cNvGrpSpPr/>
+        <p:nvPr/>
+      </p:nvGrpSpPr>
+      <p:grpSpPr>
+        <a:xfrm>
+          <a:off x="0" y="0"/>
+          <a:ext cx="0" cy="0"/>
+          <a:chOff x="0" y="0"/>
+          <a:chExt cx="0" cy="0"/>
+        </a:xfrm>
+      </p:grpSpPr>
+      <p:sp>
+        <p:nvSpPr>
+          <p:cNvPr id="2" name="Title 1"/>
+          <p:cNvSpPr>
+            <a:spLocks noGrp="1"/>
+          </p:cNvSpPr>
+          <p:nvPr>
+            <p:ph type="title"/>
+          </p:nvPr>
+        </p:nvSpPr>
+        <p:spPr/>
+        <p:txBody>
+          <a:bodyPr/>
+          <a:lstStyle/>
+          <a:p>
+            <a:pPr marL="0" lvl="0" indent="0">
+              <a:buNone/>
+            </a:pPr>
+            <a:r>
+              <a:t>CUSUM et</a:t>
+            </a:r>
+          </a:p>
+        </p:txBody>
+      </p:sp>
+      <p:pic>
+        <p:nvPicPr>
+          <p:cNvPr id="3" name="Picture 1" descr="./cusum_et.modele.png"/>
+          <p:cNvPicPr>
+            <a:picLocks noGrp="1" noChangeAspect="1"/>
+          </p:cNvPicPr>
+          <p:nvPr/>
+        </p:nvPicPr>
+        <p:blipFill>
+          <a:blip r:embed="rId2"/>
+          <a:stretch>
+            <a:fillRect/>
+          </a:stretch>
+        </p:blipFill>
+        <p:spPr bwMode="auto">
+          <a:xfrm>
+            <a:off x="1828800" y="1193800"/>
+            <a:ext cx="5499100" cy="3390900"/>
+          </a:xfrm>
+          <a:prstGeom prst="rect">
+            <a:avLst/>
+          </a:prstGeom>
+          <a:noFill/>
+          <a:ln w="9525">
+            <a:noFill/>
+            <a:headEnd/>
+            <a:tailEnd/>
+          </a:ln>
+        </p:spPr>
+      </p:pic>
+    </p:spTree>
+  </p:cSld>
+  <p:clrMapOvr>
+    <a:masterClrMapping/>
+  </p:clrMapOvr>
+</p:sld>
+</file>
+
+<file path=ppt/slides/slide52.xml><?xml version="1.0" encoding="utf-8"?>
+<p:sld xmlns:a="http://schemas.openxmlformats.org/drawingml/2006/main" xmlns:r="http://schemas.openxmlformats.org/officeDocument/2006/relationships" xmlns:p="http://schemas.openxmlformats.org/presentationml/2006/main">
+  <p:cSld>
+    <p:spTree>
+      <p:nvGrpSpPr>
+        <p:cNvPr id="1" name=""/>
+        <p:cNvGrpSpPr/>
+        <p:nvPr/>
+      </p:nvGrpSpPr>
+      <p:grpSpPr>
+        <a:xfrm>
+          <a:off x="0" y="0"/>
+          <a:ext cx="0" cy="0"/>
+          <a:chOff x="0" y="0"/>
+          <a:chExt cx="0" cy="0"/>
+        </a:xfrm>
+      </p:grpSpPr>
+      <p:sp>
+        <p:nvSpPr>
+          <p:cNvPr id="2" name="Title 1"/>
+          <p:cNvSpPr>
+            <a:spLocks noGrp="1"/>
+          </p:cNvSpPr>
+          <p:nvPr>
+            <p:ph type="title"/>
+          </p:nvPr>
+        </p:nvSpPr>
+        <p:spPr>
+          <a:xfrm>
+            <a:off x="722313" y="3305176"/>
+            <a:ext cx="7772400" cy="1021556"/>
+          </a:xfrm>
+        </p:spPr>
+        <p:txBody>
+          <a:bodyPr/>
+          <a:lstStyle/>
+          <a:p>
+            <a:pPr marL="0" lvl="0" indent="0">
+              <a:buNone/>
+            </a:pPr>
+            <a:r>
+              <a:t>Test additionnelle</a:t>
+            </a:r>
+          </a:p>
+        </p:txBody>
+      </p:sp>
+    </p:spTree>
+  </p:cSld>
+  <p:clrMapOvr>
+    <a:masterClrMapping/>
+  </p:clrMapOvr>
+</p:sld>
+</file>
+
+<file path=ppt/slides/slide53.xml><?xml version="1.0" encoding="utf-8"?>
+<p:sld xmlns:a="http://schemas.openxmlformats.org/drawingml/2006/main" xmlns:r="http://schemas.openxmlformats.org/officeDocument/2006/relationships" xmlns:p="http://schemas.openxmlformats.org/presentationml/2006/main">
+  <p:cSld>
+    <p:spTree>
+      <p:nvGrpSpPr>
+        <p:cNvPr id="1" name=""/>
+        <p:cNvGrpSpPr/>
+        <p:nvPr/>
+      </p:nvGrpSpPr>
+      <p:grpSpPr>
+        <a:xfrm>
+          <a:off x="0" y="0"/>
+          <a:ext cx="0" cy="0"/>
+          <a:chOff x="0" y="0"/>
+          <a:chExt cx="0" cy="0"/>
+        </a:xfrm>
+      </p:grpSpPr>
+      <p:sp>
+        <p:nvSpPr>
+          <p:cNvPr id="2" name="Title 1"/>
+          <p:cNvSpPr>
+            <a:spLocks noGrp="1"/>
+          </p:cNvSpPr>
+          <p:nvPr>
+            <p:ph type="title"/>
+          </p:nvPr>
+        </p:nvSpPr>
+        <p:spPr/>
+        <p:txBody>
+          <a:bodyPr/>
+          <a:lstStyle/>
+          <a:p>
+            <a:pPr marL="0" lvl="0" indent="0">
+              <a:buNone/>
+            </a:pPr>
+            <a:r>
+              <a:t>test de Normalite des series d’interet</a:t>
+            </a:r>
+          </a:p>
+        </p:txBody>
+      </p:sp>
+      <p:pic>
+        <p:nvPicPr>
+          <p:cNvPr id="3" name="Picture 1" descr="./outputs/shapiro_series_test.png"/>
+          <p:cNvPicPr>
+            <a:picLocks noGrp="1" noChangeAspect="1"/>
+          </p:cNvPicPr>
+          <p:nvPr/>
+        </p:nvPicPr>
+        <p:blipFill>
+          <a:blip r:embed="rId2"/>
+          <a:stretch>
+            <a:fillRect/>
+          </a:stretch>
+        </p:blipFill>
+        <p:spPr bwMode="auto">
+          <a:xfrm>
+            <a:off x="457200" y="1333500"/>
+            <a:ext cx="8229600" cy="3124200"/>
+          </a:xfrm>
+          <a:prstGeom prst="rect">
+            <a:avLst/>
+          </a:prstGeom>
+          <a:noFill/>
+          <a:ln w="9525">
+            <a:noFill/>
+            <a:headEnd/>
+            <a:tailEnd/>
+          </a:ln>
+        </p:spPr>
+      </p:pic>
+    </p:spTree>
+  </p:cSld>
+  <p:clrMapOvr>
+    <a:masterClrMapping/>
+  </p:clrMapOvr>
+</p:sld>
+</file>
+
+<file path=ppt/slides/slide54.xml><?xml version="1.0" encoding="utf-8"?>
+<p:sld xmlns:a="http://schemas.openxmlformats.org/drawingml/2006/main" xmlns:r="http://schemas.openxmlformats.org/officeDocument/2006/relationships" xmlns:p="http://schemas.openxmlformats.org/presentationml/2006/main">
+  <p:cSld>
+    <p:spTree>
+      <p:nvGrpSpPr>
+        <p:cNvPr id="1" name=""/>
+        <p:cNvGrpSpPr/>
+        <p:nvPr/>
+      </p:nvGrpSpPr>
+      <p:grpSpPr>
+        <a:xfrm>
+          <a:off x="0" y="0"/>
+          <a:ext cx="0" cy="0"/>
+          <a:chOff x="0" y="0"/>
+          <a:chExt cx="0" cy="0"/>
+        </a:xfrm>
+      </p:grpSpPr>
+      <p:sp>
+        <p:nvSpPr>
+          <p:cNvPr id="2" name="Title 1"/>
+          <p:cNvSpPr>
+            <a:spLocks noGrp="1"/>
+          </p:cNvSpPr>
+          <p:nvPr>
+            <p:ph type="title"/>
+          </p:nvPr>
+        </p:nvSpPr>
+        <p:spPr>
+          <a:xfrm>
+            <a:off x="457201" y="204787"/>
+            <a:ext cx="3008313" cy="871538"/>
+          </a:xfrm>
+        </p:spPr>
+        <p:txBody>
+          <a:bodyPr/>
+          <a:lstStyle/>
+          <a:p>
+            <a:pPr marL="0" lvl="0" indent="0">
+              <a:buNone/>
+            </a:pPr>
+            <a:r>
+              <a:t>Test de Kendall</a:t>
+            </a:r>
+          </a:p>
+        </p:txBody>
+      </p:sp>
+      <p:sp>
+        <p:nvSpPr>
+          <p:cNvPr id="4" name="Text Placeholder 3"/>
+          <p:cNvSpPr>
+            <a:spLocks noGrp="1"/>
+          </p:cNvSpPr>
+          <p:nvPr>
+            <p:ph type="body" sz="half" idx="2"/>
+          </p:nvPr>
+        </p:nvSpPr>
+        <p:spPr/>
+        <p:txBody>
+          <a:bodyPr/>
+          <a:lstStyle/>
+          <a:p>
+            <a:pPr marL="0" lvl="0" indent="0">
+              <a:buNone/>
+            </a:pPr>
+            <a:r>
+              <a:t>Donc on peut proceder a un test de correlation de Kendall.</a:t>
+            </a:r>
+          </a:p>
+        </p:txBody>
+      </p:sp>
+      <p:pic>
+        <p:nvPicPr>
+          <p:cNvPr id="3" name="Picture 1" descr="./outputs/kendall_test.png"/>
+          <p:cNvPicPr>
+            <a:picLocks noGrp="1" noChangeAspect="1"/>
+          </p:cNvPicPr>
+          <p:nvPr/>
+        </p:nvPicPr>
+        <p:blipFill>
+          <a:blip r:embed="rId2"/>
+          <a:stretch>
+            <a:fillRect/>
+          </a:stretch>
+        </p:blipFill>
+        <p:spPr bwMode="auto">
+          <a:xfrm>
+            <a:off x="3568700" y="1714500"/>
+            <a:ext cx="5105400" cy="1371600"/>
+          </a:xfrm>
+          <a:prstGeom prst="rect">
+            <a:avLst/>
+          </a:prstGeom>
+          <a:noFill/>
+          <a:ln w="9525">
+            <a:noFill/>
+            <a:headEnd/>
+            <a:tailEnd/>
+          </a:ln>
+        </p:spPr>
+      </p:pic>
+    </p:spTree>
+  </p:cSld>
+  <p:clrMapOvr>
+    <a:masterClrMapping/>
+  </p:clrMapOvr>
+</p:sld>
+</file>
+
+<file path=ppt/slides/slide55.xml><?xml version="1.0" encoding="utf-8"?>
+<p:sld xmlns:a="http://schemas.openxmlformats.org/drawingml/2006/main" xmlns:r="http://schemas.openxmlformats.org/officeDocument/2006/relationships" xmlns:p="http://schemas.openxmlformats.org/presentationml/2006/main">
+  <p:cSld>
+    <p:spTree>
+      <p:nvGrpSpPr>
+        <p:cNvPr id="1" name=""/>
+        <p:cNvGrpSpPr/>
+        <p:nvPr/>
+      </p:nvGrpSpPr>
+      <p:grpSpPr>
+        <a:xfrm>
+          <a:off x="0" y="0"/>
+          <a:ext cx="0" cy="0"/>
+          <a:chOff x="0" y="0"/>
+          <a:chExt cx="0" cy="0"/>
+        </a:xfrm>
+      </p:grpSpPr>
+      <p:sp>
+        <p:nvSpPr>
+          <p:cNvPr id="2" name="Title 1"/>
+          <p:cNvSpPr>
+            <a:spLocks noGrp="1"/>
+          </p:cNvSpPr>
+          <p:nvPr>
+            <p:ph type="title"/>
+          </p:nvPr>
+        </p:nvSpPr>
+        <p:spPr/>
+        <p:txBody>
+          <a:bodyPr/>
+          <a:lstStyle/>
+          <a:p>
+            <a:pPr marL="0" lvl="0" indent="0">
+              <a:buNone/>
+            </a:pPr>
+            <a:r>
+              <a:t>Test de Causalite de Ganger</a:t>
+            </a:r>
+          </a:p>
+        </p:txBody>
+      </p:sp>
+      <p:pic>
+        <p:nvPicPr>
+          <p:cNvPr id="3" name="Picture 1" descr="./outputs/granger_test.png"/>
+          <p:cNvPicPr>
+            <a:picLocks noGrp="1" noChangeAspect="1"/>
+          </p:cNvPicPr>
+          <p:nvPr/>
+        </p:nvPicPr>
+        <p:blipFill>
+          <a:blip r:embed="rId2"/>
+          <a:stretch>
+            <a:fillRect/>
+          </a:stretch>
+        </p:blipFill>
+        <p:spPr bwMode="auto">
+          <a:xfrm>
+            <a:off x="1447800" y="1193800"/>
+            <a:ext cx="6248400" cy="3390900"/>
+          </a:xfrm>
+          <a:prstGeom prst="rect">
+            <a:avLst/>
+          </a:prstGeom>
+          <a:noFill/>
+          <a:ln w="9525">
+            <a:noFill/>
+            <a:headEnd/>
+            <a:tailEnd/>
+          </a:ln>
+        </p:spPr>
+      </p:pic>
+    </p:spTree>
+  </p:cSld>
+  <p:clrMapOvr>
+    <a:masterClrMapping/>
+  </p:clrMapOvr>
 </p:sld>
 </file>
 
@@ -8686,11 +11642,10 @@
           <a:bodyPr/>
           <a:lstStyle/>
           <a:p>
-            <a:pPr lvl="0" indent="0" marL="0">
+            <a:pPr marL="0" lvl="0" indent="0">
               <a:buNone/>
             </a:pPr>
             <a:r>
-              <a:rPr/>
               <a:t>Tableau Presentant les Donnees en Logarithme Neperien</a:t>
             </a:r>
           </a:p>
@@ -8698,7 +11653,7 @@
       </p:sp>
       <p:pic>
         <p:nvPicPr>
-          <p:cNvPr descr="./outputs/table_donnee.png" id="0" name="Picture 1"/>
+          <p:cNvPr id="3" name="Picture 1" descr="./outputs/table_donnee.png"/>
           <p:cNvPicPr>
             <a:picLocks noGrp="1" noChangeAspect="1"/>
           </p:cNvPicPr>
@@ -8728,6 +11683,9 @@
       </p:pic>
     </p:spTree>
   </p:cSld>
+  <p:clrMapOvr>
+    <a:masterClrMapping/>
+  </p:clrMapOvr>
 </p:sld>
 </file>
 
@@ -8768,11 +11726,10 @@
           <a:bodyPr/>
           <a:lstStyle/>
           <a:p>
-            <a:pPr lvl="0" indent="0" marL="0">
+            <a:pPr marL="0" lvl="0" indent="0">
               <a:buNone/>
             </a:pPr>
             <a:r>
-              <a:rPr/>
               <a:t>Analyse graphiques evolution des series allant de 1988 a 2022</a:t>
             </a:r>
           </a:p>
@@ -8780,6 +11737,9 @@
       </p:sp>
     </p:spTree>
   </p:cSld>
+  <p:clrMapOvr>
+    <a:masterClrMapping/>
+  </p:clrMapOvr>
 </p:sld>
 </file>
 
@@ -8815,11 +11775,10 @@
           <a:bodyPr/>
           <a:lstStyle/>
           <a:p>
-            <a:pPr lvl="0" indent="0" marL="0">
+            <a:pPr marL="0" lvl="0" indent="0">
               <a:buNone/>
             </a:pPr>
             <a:r>
-              <a:rPr/>
               <a:t>Taux de Change</a:t>
             </a:r>
           </a:p>
@@ -8827,7 +11786,7 @@
       </p:sp>
       <p:pic>
         <p:nvPicPr>
-          <p:cNvPr descr="modele_presentation_files/figure-pptx/tx.c%20brut%20plot-1.png" id="0" name="Picture 1"/>
+          <p:cNvPr id="3" name="Picture 1" descr="modele_presentation_files/figure-pptx/tx.c%20brut%20plot-1.png"/>
           <p:cNvPicPr>
             <a:picLocks noGrp="1" noChangeAspect="1"/>
           </p:cNvPicPr>
@@ -8857,6 +11816,9 @@
       </p:pic>
     </p:spTree>
   </p:cSld>
+  <p:clrMapOvr>
+    <a:masterClrMapping/>
+  </p:clrMapOvr>
 </p:sld>
 </file>
 
@@ -8892,11 +11854,10 @@
           <a:bodyPr/>
           <a:lstStyle/>
           <a:p>
-            <a:pPr lvl="0" indent="0" marL="0">
+            <a:pPr marL="0" lvl="0" indent="0">
               <a:buNone/>
             </a:pPr>
             <a:r>
-              <a:rPr/>
               <a:t>Importation</a:t>
             </a:r>
           </a:p>
@@ -8904,7 +11865,7 @@
       </p:sp>
       <p:pic>
         <p:nvPicPr>
-          <p:cNvPr descr="modele_presentation_files/figure-pptx/Imp%20brut%20plot-1.png" id="0" name="Picture 1"/>
+          <p:cNvPr id="3" name="Picture 1" descr="modele_presentation_files/figure-pptx/Imp%20brut%20plot-1.png"/>
           <p:cNvPicPr>
             <a:picLocks noGrp="1" noChangeAspect="1"/>
           </p:cNvPicPr>
@@ -8934,6 +11895,9 @@
       </p:pic>
     </p:spTree>
   </p:cSld>
+  <p:clrMapOvr>
+    <a:masterClrMapping/>
+  </p:clrMapOvr>
 </p:sld>
 </file>
 
@@ -9255,265 +12219,4 @@
   </a:objectDefaults>
   <a:extraClrSchemeLst/>
 </a:theme>
-</file>
-
-<file path=ppt/theme/theme2.xml><?xml version="1.0" encoding="utf-8"?>
-<a:theme xmlns:a="http://schemas.openxmlformats.org/drawingml/2006/main" name="Office Theme">
-  <a:themeElements>
-    <a:clrScheme name="Office">
-      <a:dk1>
-        <a:sysClr val="windowText" lastClr="000000"/>
-      </a:dk1>
-      <a:lt1>
-        <a:sysClr val="window" lastClr="FFFFFF"/>
-      </a:lt1>
-      <a:dk2>
-        <a:srgbClr val="44546A"/>
-      </a:dk2>
-      <a:lt2>
-        <a:srgbClr val="E7E6E6"/>
-      </a:lt2>
-      <a:accent1>
-        <a:srgbClr val="5B9BD5"/>
-      </a:accent1>
-      <a:accent2>
-        <a:srgbClr val="ED7D31"/>
-      </a:accent2>
-      <a:accent3>
-        <a:srgbClr val="A5A5A5"/>
-      </a:accent3>
-      <a:accent4>
-        <a:srgbClr val="FFC000"/>
-      </a:accent4>
-      <a:accent5>
-        <a:srgbClr val="4472C4"/>
-      </a:accent5>
-      <a:accent6>
-        <a:srgbClr val="70AD47"/>
-      </a:accent6>
-      <a:hlink>
-        <a:srgbClr val="0563C1"/>
-      </a:hlink>
-      <a:folHlink>
-        <a:srgbClr val="954F72"/>
-      </a:folHlink>
-    </a:clrScheme>
-    <a:fontScheme name="Office">
-      <a:majorFont>
-        <a:latin typeface="Calibri Light" panose="020F0302020204030204"/>
-        <a:ea typeface=""/>
-        <a:cs typeface=""/>
-        <a:font script="Jpan" typeface="ＭＳ Ｐゴシック"/>
-        <a:font script="Hang" typeface="맑은 고딕"/>
-        <a:font script="Hans" typeface="宋体"/>
-        <a:font script="Hant" typeface="新細明體"/>
-        <a:font script="Arab" typeface="Times New Roman"/>
-        <a:font script="Hebr" typeface="Times New Roman"/>
-        <a:font script="Thai" typeface="Angsana New"/>
-        <a:font script="Ethi" typeface="Nyala"/>
-        <a:font script="Beng" typeface="Vrinda"/>
-        <a:font script="Gujr" typeface="Shruti"/>
-        <a:font script="Khmr" typeface="MoolBoran"/>
-        <a:font script="Knda" typeface="Tunga"/>
-        <a:font script="Guru" typeface="Raavi"/>
-        <a:font script="Cans" typeface="Euphemia"/>
-        <a:font script="Cher" typeface="Plantagenet Cherokee"/>
-        <a:font script="Yiii" typeface="Microsoft Yi Baiti"/>
-        <a:font script="Tibt" typeface="Microsoft Himalaya"/>
-        <a:font script="Thaa" typeface="MV Boli"/>
-        <a:font script="Deva" typeface="Mangal"/>
-        <a:font script="Telu" typeface="Gautami"/>
-        <a:font script="Taml" typeface="Latha"/>
-        <a:font script="Syrc" typeface="Estrangelo Edessa"/>
-        <a:font script="Orya" typeface="Kalinga"/>
-        <a:font script="Mlym" typeface="Kartika"/>
-        <a:font script="Laoo" typeface="DokChampa"/>
-        <a:font script="Sinh" typeface="Iskoola Pota"/>
-        <a:font script="Mong" typeface="Mongolian Baiti"/>
-        <a:font script="Viet" typeface="Times New Roman"/>
-        <a:font script="Uigh" typeface="Microsoft Uighur"/>
-        <a:font script="Geor" typeface="Sylfaen"/>
-      </a:majorFont>
-      <a:minorFont>
-        <a:latin typeface="Calibri" panose="020F0502020204030204"/>
-        <a:ea typeface=""/>
-        <a:cs typeface=""/>
-        <a:font script="Jpan" typeface="ＭＳ Ｐゴシック"/>
-        <a:font script="Hang" typeface="맑은 고딕"/>
-        <a:font script="Hans" typeface="宋体"/>
-        <a:font script="Hant" typeface="新細明體"/>
-        <a:font script="Arab" typeface="Arial"/>
-        <a:font script="Hebr" typeface="Arial"/>
-        <a:font script="Thai" typeface="Cordia New"/>
-        <a:font script="Ethi" typeface="Nyala"/>
-        <a:font script="Beng" typeface="Vrinda"/>
-        <a:font script="Gujr" typeface="Shruti"/>
-        <a:font script="Khmr" typeface="DaunPenh"/>
-        <a:font script="Knda" typeface="Tunga"/>
-        <a:font script="Guru" typeface="Raavi"/>
-        <a:font script="Cans" typeface="Euphemia"/>
-        <a:font script="Cher" typeface="Plantagenet Cherokee"/>
-        <a:font script="Yiii" typeface="Microsoft Yi Baiti"/>
-        <a:font script="Tibt" typeface="Microsoft Himalaya"/>
-        <a:font script="Thaa" typeface="MV Boli"/>
-        <a:font script="Deva" typeface="Mangal"/>
-        <a:font script="Telu" typeface="Gautami"/>
-        <a:font script="Taml" typeface="Latha"/>
-        <a:font script="Syrc" typeface="Estrangelo Edessa"/>
-        <a:font script="Orya" typeface="Kalinga"/>
-        <a:font script="Mlym" typeface="Kartika"/>
-        <a:font script="Laoo" typeface="DokChampa"/>
-        <a:font script="Sinh" typeface="Iskoola Pota"/>
-        <a:font script="Mong" typeface="Mongolian Baiti"/>
-        <a:font script="Viet" typeface="Arial"/>
-        <a:font script="Uigh" typeface="Microsoft Uighur"/>
-        <a:font script="Geor" typeface="Sylfaen"/>
-      </a:minorFont>
-    </a:fontScheme>
-    <a:fmtScheme name="Office">
-      <a:fillStyleLst>
-        <a:solidFill>
-          <a:schemeClr val="phClr"/>
-        </a:solidFill>
-        <a:gradFill rotWithShape="1">
-          <a:gsLst>
-            <a:gs pos="0">
-              <a:schemeClr val="phClr">
-                <a:lumMod val="110000"/>
-                <a:satMod val="105000"/>
-                <a:tint val="67000"/>
-              </a:schemeClr>
-            </a:gs>
-            <a:gs pos="50000">
-              <a:schemeClr val="phClr">
-                <a:lumMod val="105000"/>
-                <a:satMod val="103000"/>
-                <a:tint val="73000"/>
-              </a:schemeClr>
-            </a:gs>
-            <a:gs pos="100000">
-              <a:schemeClr val="phClr">
-                <a:lumMod val="105000"/>
-                <a:satMod val="109000"/>
-                <a:tint val="81000"/>
-              </a:schemeClr>
-            </a:gs>
-          </a:gsLst>
-          <a:lin ang="5400000" scaled="0"/>
-        </a:gradFill>
-        <a:gradFill rotWithShape="1">
-          <a:gsLst>
-            <a:gs pos="0">
-              <a:schemeClr val="phClr">
-                <a:satMod val="103000"/>
-                <a:lumMod val="102000"/>
-                <a:tint val="94000"/>
-              </a:schemeClr>
-            </a:gs>
-            <a:gs pos="50000">
-              <a:schemeClr val="phClr">
-                <a:satMod val="110000"/>
-                <a:lumMod val="100000"/>
-                <a:shade val="100000"/>
-              </a:schemeClr>
-            </a:gs>
-            <a:gs pos="100000">
-              <a:schemeClr val="phClr">
-                <a:lumMod val="99000"/>
-                <a:satMod val="120000"/>
-                <a:shade val="78000"/>
-              </a:schemeClr>
-            </a:gs>
-          </a:gsLst>
-          <a:lin ang="5400000" scaled="0"/>
-        </a:gradFill>
-      </a:fillStyleLst>
-      <a:lnStyleLst>
-        <a:ln w="6350" cap="flat" cmpd="sng" algn="ctr">
-          <a:solidFill>
-            <a:schemeClr val="phClr"/>
-          </a:solidFill>
-          <a:prstDash val="solid"/>
-          <a:miter lim="800000"/>
-        </a:ln>
-        <a:ln w="12700" cap="flat" cmpd="sng" algn="ctr">
-          <a:solidFill>
-            <a:schemeClr val="phClr"/>
-          </a:solidFill>
-          <a:prstDash val="solid"/>
-          <a:miter lim="800000"/>
-        </a:ln>
-        <a:ln w="19050" cap="flat" cmpd="sng" algn="ctr">
-          <a:solidFill>
-            <a:schemeClr val="phClr"/>
-          </a:solidFill>
-          <a:prstDash val="solid"/>
-          <a:miter lim="800000"/>
-        </a:ln>
-      </a:lnStyleLst>
-      <a:effectStyleLst>
-        <a:effectStyle>
-          <a:effectLst/>
-        </a:effectStyle>
-        <a:effectStyle>
-          <a:effectLst/>
-        </a:effectStyle>
-        <a:effectStyle>
-          <a:effectLst>
-            <a:outerShdw blurRad="57150" dist="19050" dir="5400000" algn="ctr" rotWithShape="0">
-              <a:srgbClr val="000000">
-                <a:alpha val="63000"/>
-              </a:srgbClr>
-            </a:outerShdw>
-          </a:effectLst>
-        </a:effectStyle>
-      </a:effectStyleLst>
-      <a:bgFillStyleLst>
-        <a:solidFill>
-          <a:schemeClr val="phClr"/>
-        </a:solidFill>
-        <a:solidFill>
-          <a:schemeClr val="phClr">
-            <a:tint val="95000"/>
-            <a:satMod val="170000"/>
-          </a:schemeClr>
-        </a:solidFill>
-        <a:gradFill rotWithShape="1">
-          <a:gsLst>
-            <a:gs pos="0">
-              <a:schemeClr val="phClr">
-                <a:tint val="93000"/>
-                <a:satMod val="150000"/>
-                <a:shade val="98000"/>
-                <a:lumMod val="102000"/>
-              </a:schemeClr>
-            </a:gs>
-            <a:gs pos="50000">
-              <a:schemeClr val="phClr">
-                <a:tint val="98000"/>
-                <a:satMod val="130000"/>
-                <a:shade val="90000"/>
-                <a:lumMod val="103000"/>
-              </a:schemeClr>
-            </a:gs>
-            <a:gs pos="100000">
-              <a:schemeClr val="phClr">
-                <a:shade val="63000"/>
-                <a:satMod val="120000"/>
-              </a:schemeClr>
-            </a:gs>
-          </a:gsLst>
-          <a:lin ang="5400000" scaled="0"/>
-        </a:gradFill>
-      </a:bgFillStyleLst>
-    </a:fmtScheme>
-  </a:themeElements>
-  <a:objectDefaults/>
-  <a:extraClrSchemeLst/>
-  <a:extLst>
-    <a:ext uri="{05A4C25C-085E-4340-85A3-A5531E510DB2}">
-      <thm15:themeFamily xmlns:thm15="http://schemas.microsoft.com/office/thememl/2012/main" name="Office Theme" id="{62F939B6-93AF-4DB8-9C6B-D6C7DFDC589F}" vid="{4A3C46E8-61CC-4603-A589-7422A47A8E4A}"/>
-    </a:ext>
-  </a:extLst>
-</a:theme>
 </file>
--- a/modele_presentation.pptx
+++ b/modele_presentation.pptx
@@ -3562,7 +3562,9 @@
           </a:xfrm>
         </p:spPr>
         <p:txBody>
-          <a:bodyPr/>
+          <a:bodyPr>
+            <a:normAutofit fontScale="90000"/>
+          </a:bodyPr>
           <a:lstStyle/>
           <a:p>
             <a:pPr marL="0" lvl="0" indent="0">
@@ -4191,16 +4193,36 @@
             <p:ph type="title"/>
           </p:nvPr>
         </p:nvSpPr>
-        <p:spPr/>
+        <p:spPr>
+          <a:xfrm>
+            <a:off x="457200" y="205979"/>
+            <a:ext cx="8229600" cy="457409"/>
+          </a:xfrm>
+        </p:spPr>
         <p:txBody>
-          <a:bodyPr/>
+          <a:bodyPr>
+            <a:normAutofit/>
+          </a:bodyPr>
           <a:lstStyle/>
           <a:p>
             <a:pPr marL="0" lvl="0" indent="0">
               <a:buNone/>
             </a:pPr>
             <a:r>
-              <a:t>Litterature des series en Log</a:t>
+              <a:rPr sz="1600" dirty="0" err="1"/>
+              <a:t>Litterature</a:t>
+            </a:r>
+            <a:r>
+              <a:rPr sz="1600" dirty="0"/>
+              <a:t> des series </a:t>
+            </a:r>
+            <a:r>
+              <a:rPr sz="1600" dirty="0" err="1"/>
+              <a:t>en</a:t>
+            </a:r>
+            <a:r>
+              <a:rPr sz="1600" dirty="0"/>
+              <a:t> Log</a:t>
             </a:r>
           </a:p>
         </p:txBody>
@@ -4215,16 +4237,112 @@
             <p:ph idx="1"/>
           </p:nvPr>
         </p:nvSpPr>
-        <p:spPr/>
+        <p:spPr>
+          <a:xfrm>
+            <a:off x="457200" y="663388"/>
+            <a:ext cx="8229600" cy="4087906"/>
+          </a:xfrm>
+        </p:spPr>
         <p:txBody>
-          <a:bodyPr/>
+          <a:bodyPr>
+            <a:noAutofit/>
+          </a:bodyPr>
           <a:lstStyle/>
           <a:p>
             <a:pPr marL="0" lvl="0" indent="0">
               <a:buNone/>
             </a:pPr>
             <a:r>
-              <a:t>Dans la littérature économétrique sur les séries temporelles, la transformation en logarithme naturel (LN) est souvent utilisée pour plusieurs raisons principales :</a:t>
+              <a:rPr sz="1200" dirty="0"/>
+              <a:t>Dans la </a:t>
+            </a:r>
+            <a:r>
+              <a:rPr sz="1200" dirty="0" err="1"/>
+              <a:t>littérature</a:t>
+            </a:r>
+            <a:r>
+              <a:rPr sz="1200" dirty="0"/>
+              <a:t> </a:t>
+            </a:r>
+            <a:r>
+              <a:rPr sz="1200" dirty="0" err="1"/>
+              <a:t>économétrique</a:t>
+            </a:r>
+            <a:r>
+              <a:rPr sz="1200" dirty="0"/>
+              <a:t> sur les </a:t>
+            </a:r>
+            <a:r>
+              <a:rPr sz="1200" dirty="0" err="1"/>
+              <a:t>séries</a:t>
+            </a:r>
+            <a:r>
+              <a:rPr sz="1200" dirty="0"/>
+              <a:t> </a:t>
+            </a:r>
+            <a:r>
+              <a:rPr sz="1200" dirty="0" err="1"/>
+              <a:t>temporelles</a:t>
+            </a:r>
+            <a:r>
+              <a:rPr sz="1200" dirty="0"/>
+              <a:t>, la transformation </a:t>
+            </a:r>
+            <a:r>
+              <a:rPr sz="1200" dirty="0" err="1"/>
+              <a:t>en</a:t>
+            </a:r>
+            <a:r>
+              <a:rPr sz="1200" dirty="0"/>
+              <a:t> </a:t>
+            </a:r>
+            <a:r>
+              <a:rPr sz="1200" dirty="0" err="1"/>
+              <a:t>logarithme</a:t>
+            </a:r>
+            <a:r>
+              <a:rPr sz="1200" dirty="0"/>
+              <a:t> naturel (LN) </a:t>
+            </a:r>
+            <a:r>
+              <a:rPr sz="1200" dirty="0" err="1"/>
+              <a:t>est</a:t>
+            </a:r>
+            <a:r>
+              <a:rPr sz="1200" dirty="0"/>
+              <a:t> </a:t>
+            </a:r>
+            <a:r>
+              <a:rPr sz="1200" dirty="0" err="1"/>
+              <a:t>souvent</a:t>
+            </a:r>
+            <a:r>
+              <a:rPr sz="1200" dirty="0"/>
+              <a:t> </a:t>
+            </a:r>
+            <a:r>
+              <a:rPr sz="1200" dirty="0" err="1"/>
+              <a:t>utilisée</a:t>
+            </a:r>
+            <a:r>
+              <a:rPr sz="1200" dirty="0"/>
+              <a:t> pour </a:t>
+            </a:r>
+            <a:r>
+              <a:rPr sz="1200" dirty="0" err="1"/>
+              <a:t>plusieurs</a:t>
+            </a:r>
+            <a:r>
+              <a:rPr sz="1200" dirty="0"/>
+              <a:t> raisons </a:t>
+            </a:r>
+            <a:r>
+              <a:rPr sz="1200" dirty="0" err="1"/>
+              <a:t>principales</a:t>
+            </a:r>
+            <a:r>
+              <a:rPr sz="1200" dirty="0"/>
+              <a:t> :</a:t>
             </a:r>
           </a:p>
           <a:p>
@@ -4232,11 +4350,224 @@
               <a:buAutoNum type="arabicPeriod"/>
             </a:pPr>
             <a:r>
-              <a:rPr b="1"/>
-              <a:t>Stabilisation de la variance</a:t>
-            </a:r>
-            <a:r>
-              <a:t> : Les séries temporelles peuvent souvent présenter des variations importantes dans leur variance au fil du temps, ce qui peut rendre difficile l’application de techniques statistiques classiques. En prenant le logarithme des valeurs, on réduit généralement l’amplitude des variations de la série, ce qui peut rendre la variance plus stable et faciliter l’analyse.</a:t>
+              <a:rPr sz="1200" b="1" dirty="0" err="1"/>
+              <a:t>Stabilisation</a:t>
+            </a:r>
+            <a:r>
+              <a:rPr sz="1200" b="1" dirty="0"/>
+              <a:t> de la variance</a:t>
+            </a:r>
+            <a:r>
+              <a:rPr sz="1200" dirty="0"/>
+              <a:t> : Les </a:t>
+            </a:r>
+            <a:r>
+              <a:rPr sz="1200" dirty="0" err="1"/>
+              <a:t>séries</a:t>
+            </a:r>
+            <a:r>
+              <a:rPr sz="1200" dirty="0"/>
+              <a:t> </a:t>
+            </a:r>
+            <a:r>
+              <a:rPr sz="1200" dirty="0" err="1"/>
+              <a:t>temporelles</a:t>
+            </a:r>
+            <a:r>
+              <a:rPr sz="1200" dirty="0"/>
+              <a:t> </a:t>
+            </a:r>
+            <a:r>
+              <a:rPr sz="1200" dirty="0" err="1"/>
+              <a:t>peuvent</a:t>
+            </a:r>
+            <a:r>
+              <a:rPr sz="1200" dirty="0"/>
+              <a:t> </a:t>
+            </a:r>
+            <a:r>
+              <a:rPr sz="1200" dirty="0" err="1"/>
+              <a:t>souvent</a:t>
+            </a:r>
+            <a:r>
+              <a:rPr sz="1200" dirty="0"/>
+              <a:t> </a:t>
+            </a:r>
+            <a:r>
+              <a:rPr sz="1200" dirty="0" err="1"/>
+              <a:t>présenter</a:t>
+            </a:r>
+            <a:r>
+              <a:rPr sz="1200" dirty="0"/>
+              <a:t> des variations </a:t>
+            </a:r>
+            <a:r>
+              <a:rPr sz="1200" dirty="0" err="1"/>
+              <a:t>importantes</a:t>
+            </a:r>
+            <a:r>
+              <a:rPr sz="1200" dirty="0"/>
+              <a:t> dans </a:t>
+            </a:r>
+            <a:r>
+              <a:rPr sz="1200" dirty="0" err="1"/>
+              <a:t>leur</a:t>
+            </a:r>
+            <a:r>
+              <a:rPr sz="1200" dirty="0"/>
+              <a:t> variance au fil du temps, </a:t>
+            </a:r>
+            <a:r>
+              <a:rPr sz="1200" dirty="0" err="1"/>
+              <a:t>ce</a:t>
+            </a:r>
+            <a:r>
+              <a:rPr sz="1200" dirty="0"/>
+              <a:t> qui </a:t>
+            </a:r>
+            <a:r>
+              <a:rPr sz="1200" dirty="0" err="1"/>
+              <a:t>peut</a:t>
+            </a:r>
+            <a:r>
+              <a:rPr sz="1200" dirty="0"/>
+              <a:t> </a:t>
+            </a:r>
+            <a:r>
+              <a:rPr sz="1200" dirty="0" err="1"/>
+              <a:t>rendre</a:t>
+            </a:r>
+            <a:r>
+              <a:rPr sz="1200" dirty="0"/>
+              <a:t> difficile </a:t>
+            </a:r>
+            <a:r>
+              <a:rPr sz="1200" dirty="0" err="1"/>
+              <a:t>l’application</a:t>
+            </a:r>
+            <a:r>
+              <a:rPr sz="1200" dirty="0"/>
+              <a:t> de techniques </a:t>
+            </a:r>
+            <a:r>
+              <a:rPr sz="1200" dirty="0" err="1"/>
+              <a:t>statistiques</a:t>
+            </a:r>
+            <a:r>
+              <a:rPr sz="1200" dirty="0"/>
+              <a:t> </a:t>
+            </a:r>
+            <a:r>
+              <a:rPr sz="1200" dirty="0" err="1"/>
+              <a:t>classiques</a:t>
+            </a:r>
+            <a:r>
+              <a:rPr sz="1200" dirty="0"/>
+              <a:t>. </a:t>
+            </a:r>
+            <a:r>
+              <a:rPr sz="1200" dirty="0" err="1"/>
+              <a:t>En</a:t>
+            </a:r>
+            <a:r>
+              <a:rPr sz="1200" dirty="0"/>
+              <a:t> </a:t>
+            </a:r>
+            <a:r>
+              <a:rPr sz="1200" dirty="0" err="1"/>
+              <a:t>prenant</a:t>
+            </a:r>
+            <a:r>
+              <a:rPr sz="1200" dirty="0"/>
+              <a:t> le </a:t>
+            </a:r>
+            <a:r>
+              <a:rPr sz="1200" dirty="0" err="1"/>
+              <a:t>logarithme</a:t>
+            </a:r>
+            <a:r>
+              <a:rPr sz="1200" dirty="0"/>
+              <a:t> des </a:t>
+            </a:r>
+            <a:r>
+              <a:rPr sz="1200" dirty="0" err="1"/>
+              <a:t>valeurs</a:t>
+            </a:r>
+            <a:r>
+              <a:rPr sz="1200" dirty="0"/>
+              <a:t>, on </a:t>
+            </a:r>
+            <a:r>
+              <a:rPr sz="1200" dirty="0" err="1"/>
+              <a:t>réduit</a:t>
+            </a:r>
+            <a:r>
+              <a:rPr sz="1200" dirty="0"/>
+              <a:t> </a:t>
+            </a:r>
+            <a:r>
+              <a:rPr sz="1200" dirty="0" err="1"/>
+              <a:t>généralement</a:t>
+            </a:r>
+            <a:r>
+              <a:rPr sz="1200" dirty="0"/>
+              <a:t> </a:t>
+            </a:r>
+            <a:r>
+              <a:rPr sz="1200" dirty="0" err="1"/>
+              <a:t>l’amplitude</a:t>
+            </a:r>
+            <a:r>
+              <a:rPr sz="1200" dirty="0"/>
+              <a:t> des variations de la </a:t>
+            </a:r>
+            <a:r>
+              <a:rPr sz="1200" dirty="0" err="1"/>
+              <a:t>série</a:t>
+            </a:r>
+            <a:r>
+              <a:rPr sz="1200" dirty="0"/>
+              <a:t>, </a:t>
+            </a:r>
+            <a:r>
+              <a:rPr sz="1200" dirty="0" err="1"/>
+              <a:t>ce</a:t>
+            </a:r>
+            <a:r>
+              <a:rPr sz="1200" dirty="0"/>
+              <a:t> qui </a:t>
+            </a:r>
+            <a:r>
+              <a:rPr sz="1200" dirty="0" err="1"/>
+              <a:t>peut</a:t>
+            </a:r>
+            <a:r>
+              <a:rPr sz="1200" dirty="0"/>
+              <a:t> </a:t>
+            </a:r>
+            <a:r>
+              <a:rPr sz="1200" dirty="0" err="1"/>
+              <a:t>rendre</a:t>
+            </a:r>
+            <a:r>
+              <a:rPr sz="1200" dirty="0"/>
+              <a:t> la variance plus stable et </a:t>
+            </a:r>
+            <a:r>
+              <a:rPr sz="1200" dirty="0" err="1"/>
+              <a:t>faciliter</a:t>
+            </a:r>
+            <a:r>
+              <a:rPr sz="1200" dirty="0"/>
+              <a:t> </a:t>
+            </a:r>
+            <a:r>
+              <a:rPr sz="1200" dirty="0" err="1"/>
+              <a:t>l’analyse</a:t>
+            </a:r>
+            <a:r>
+              <a:rPr sz="1200" dirty="0"/>
+              <a:t>.</a:t>
             </a:r>
           </a:p>
           <a:p>
@@ -4244,11 +4575,284 @@
               <a:buAutoNum type="arabicPeriod"/>
             </a:pPr>
             <a:r>
-              <a:rPr b="1"/>
-              <a:t>Linéarisation des tendances multiplicatives</a:t>
-            </a:r>
-            <a:r>
-              <a:t> : Si une série temporelle présente une tendance qui augmente ou diminue de manière exponentielle, prendre le logarithme peut linéariser cette tendance, ce qui permet d’appliquer des modèles linéaires plus simples et plus interprétables. Par exemple, si une série a une croissance exponentielle, la transformation en logarithme peut la transformer en une croissance linéaire.</a:t>
+              <a:rPr sz="1200" b="1" dirty="0" err="1"/>
+              <a:t>Linéarisation</a:t>
+            </a:r>
+            <a:r>
+              <a:rPr sz="1200" b="1" dirty="0"/>
+              <a:t> des tendances </a:t>
+            </a:r>
+            <a:r>
+              <a:rPr sz="1200" b="1" dirty="0" err="1"/>
+              <a:t>multiplicatives</a:t>
+            </a:r>
+            <a:r>
+              <a:rPr sz="1200" dirty="0"/>
+              <a:t> : Si </a:t>
+            </a:r>
+            <a:r>
+              <a:rPr sz="1200" dirty="0" err="1"/>
+              <a:t>une</a:t>
+            </a:r>
+            <a:r>
+              <a:rPr sz="1200" dirty="0"/>
+              <a:t> </a:t>
+            </a:r>
+            <a:r>
+              <a:rPr sz="1200" dirty="0" err="1"/>
+              <a:t>série</a:t>
+            </a:r>
+            <a:r>
+              <a:rPr sz="1200" dirty="0"/>
+              <a:t> </a:t>
+            </a:r>
+            <a:r>
+              <a:rPr sz="1200" dirty="0" err="1"/>
+              <a:t>temporelle</a:t>
+            </a:r>
+            <a:r>
+              <a:rPr sz="1200" dirty="0"/>
+              <a:t> </a:t>
+            </a:r>
+            <a:r>
+              <a:rPr sz="1200" dirty="0" err="1"/>
+              <a:t>présente</a:t>
+            </a:r>
+            <a:r>
+              <a:rPr sz="1200" dirty="0"/>
+              <a:t> </a:t>
+            </a:r>
+            <a:r>
+              <a:rPr sz="1200" dirty="0" err="1"/>
+              <a:t>une</a:t>
+            </a:r>
+            <a:r>
+              <a:rPr sz="1200" dirty="0"/>
+              <a:t> tendance qui </a:t>
+            </a:r>
+            <a:r>
+              <a:rPr sz="1200" dirty="0" err="1"/>
+              <a:t>augmente</a:t>
+            </a:r>
+            <a:r>
+              <a:rPr sz="1200" dirty="0"/>
+              <a:t> </a:t>
+            </a:r>
+            <a:r>
+              <a:rPr sz="1200" dirty="0" err="1"/>
+              <a:t>ou</a:t>
+            </a:r>
+            <a:r>
+              <a:rPr sz="1200" dirty="0"/>
+              <a:t> </a:t>
+            </a:r>
+            <a:r>
+              <a:rPr sz="1200" dirty="0" err="1"/>
+              <a:t>diminue</a:t>
+            </a:r>
+            <a:r>
+              <a:rPr sz="1200" dirty="0"/>
+              <a:t> de manière </a:t>
+            </a:r>
+            <a:r>
+              <a:rPr sz="1200" dirty="0" err="1"/>
+              <a:t>exponentielle</a:t>
+            </a:r>
+            <a:r>
+              <a:rPr sz="1200" dirty="0"/>
+              <a:t>, prendre le </a:t>
+            </a:r>
+            <a:r>
+              <a:rPr sz="1200" dirty="0" err="1"/>
+              <a:t>logarithme</a:t>
+            </a:r>
+            <a:r>
+              <a:rPr sz="1200" dirty="0"/>
+              <a:t> </a:t>
+            </a:r>
+            <a:r>
+              <a:rPr sz="1200" dirty="0" err="1"/>
+              <a:t>peut</a:t>
+            </a:r>
+            <a:r>
+              <a:rPr sz="1200" dirty="0"/>
+              <a:t> </a:t>
+            </a:r>
+            <a:r>
+              <a:rPr sz="1200" dirty="0" err="1"/>
+              <a:t>linéariser</a:t>
+            </a:r>
+            <a:r>
+              <a:rPr sz="1200" dirty="0"/>
+              <a:t> </a:t>
+            </a:r>
+            <a:r>
+              <a:rPr sz="1200" dirty="0" err="1"/>
+              <a:t>cette</a:t>
+            </a:r>
+            <a:r>
+              <a:rPr sz="1200" dirty="0"/>
+              <a:t> tendance, </a:t>
+            </a:r>
+            <a:r>
+              <a:rPr sz="1200" dirty="0" err="1"/>
+              <a:t>ce</a:t>
+            </a:r>
+            <a:r>
+              <a:rPr sz="1200" dirty="0"/>
+              <a:t> qui </a:t>
+            </a:r>
+            <a:r>
+              <a:rPr sz="1200" dirty="0" err="1"/>
+              <a:t>permet</a:t>
+            </a:r>
+            <a:r>
+              <a:rPr sz="1200" dirty="0"/>
+              <a:t> </a:t>
+            </a:r>
+            <a:r>
+              <a:rPr sz="1200" dirty="0" err="1"/>
+              <a:t>d’appliquer</a:t>
+            </a:r>
+            <a:r>
+              <a:rPr sz="1200" dirty="0"/>
+              <a:t> des </a:t>
+            </a:r>
+            <a:r>
+              <a:rPr sz="1200" dirty="0" err="1"/>
+              <a:t>modèles</a:t>
+            </a:r>
+            <a:r>
+              <a:rPr sz="1200" dirty="0"/>
+              <a:t> </a:t>
+            </a:r>
+            <a:r>
+              <a:rPr sz="1200" dirty="0" err="1"/>
+              <a:t>linéaires</a:t>
+            </a:r>
+            <a:r>
+              <a:rPr sz="1200" dirty="0"/>
+              <a:t> plus simples et plus </a:t>
+            </a:r>
+            <a:r>
+              <a:rPr sz="1200" dirty="0" err="1"/>
+              <a:t>interprétables</a:t>
+            </a:r>
+            <a:r>
+              <a:rPr sz="1200" dirty="0"/>
+              <a:t>. Par </a:t>
+            </a:r>
+            <a:r>
+              <a:rPr sz="1200" dirty="0" err="1"/>
+              <a:t>exemple</a:t>
+            </a:r>
+            <a:r>
+              <a:rPr sz="1200" dirty="0"/>
+              <a:t>, </a:t>
+            </a:r>
+            <a:r>
+              <a:rPr sz="1200" dirty="0" err="1"/>
+              <a:t>si</a:t>
+            </a:r>
+            <a:r>
+              <a:rPr sz="1200" dirty="0"/>
+              <a:t> </a:t>
+            </a:r>
+            <a:r>
+              <a:rPr sz="1200" dirty="0" err="1"/>
+              <a:t>une</a:t>
+            </a:r>
+            <a:r>
+              <a:rPr sz="1200" dirty="0"/>
+              <a:t> </a:t>
+            </a:r>
+            <a:r>
+              <a:rPr sz="1200" dirty="0" err="1"/>
+              <a:t>série</a:t>
+            </a:r>
+            <a:r>
+              <a:rPr sz="1200" dirty="0"/>
+              <a:t> a </a:t>
+            </a:r>
+            <a:r>
+              <a:rPr sz="1200" dirty="0" err="1"/>
+              <a:t>une</a:t>
+            </a:r>
+            <a:r>
+              <a:rPr sz="1200" dirty="0"/>
+              <a:t> </a:t>
+            </a:r>
+            <a:r>
+              <a:rPr sz="1200" dirty="0" err="1"/>
+              <a:t>croissance</a:t>
+            </a:r>
+            <a:r>
+              <a:rPr sz="1200" dirty="0"/>
+              <a:t> </a:t>
+            </a:r>
+            <a:r>
+              <a:rPr sz="1200" dirty="0" err="1"/>
+              <a:t>exponentielle</a:t>
+            </a:r>
+            <a:r>
+              <a:rPr sz="1200" dirty="0"/>
+              <a:t>, la transformation </a:t>
+            </a:r>
+            <a:r>
+              <a:rPr sz="1200" dirty="0" err="1"/>
+              <a:t>en</a:t>
+            </a:r>
+            <a:r>
+              <a:rPr sz="1200" dirty="0"/>
+              <a:t> </a:t>
+            </a:r>
+            <a:r>
+              <a:rPr sz="1200" dirty="0" err="1"/>
+              <a:t>logarithme</a:t>
+            </a:r>
+            <a:r>
+              <a:rPr sz="1200" dirty="0"/>
+              <a:t> </a:t>
+            </a:r>
+            <a:r>
+              <a:rPr sz="1200" dirty="0" err="1"/>
+              <a:t>peut</a:t>
+            </a:r>
+            <a:r>
+              <a:rPr sz="1200" dirty="0"/>
+              <a:t> la transformer </a:t>
+            </a:r>
+            <a:r>
+              <a:rPr sz="1200" dirty="0" err="1"/>
+              <a:t>en</a:t>
+            </a:r>
+            <a:r>
+              <a:rPr sz="1200" dirty="0"/>
+              <a:t> </a:t>
+            </a:r>
+            <a:r>
+              <a:rPr sz="1200" dirty="0" err="1"/>
+              <a:t>une</a:t>
+            </a:r>
+            <a:r>
+              <a:rPr sz="1200" dirty="0"/>
+              <a:t> </a:t>
+            </a:r>
+            <a:r>
+              <a:rPr sz="1200" dirty="0" err="1"/>
+              <a:t>croissance</a:t>
+            </a:r>
+            <a:r>
+              <a:rPr sz="1200" dirty="0"/>
+              <a:t> </a:t>
+            </a:r>
+            <a:r>
+              <a:rPr sz="1200" dirty="0" err="1"/>
+              <a:t>linéaire</a:t>
+            </a:r>
+            <a:r>
+              <a:rPr sz="1200" dirty="0"/>
+              <a:t>.</a:t>
             </a:r>
           </a:p>
           <a:p>
@@ -4256,11 +4860,328 @@
               <a:buAutoNum type="arabicPeriod"/>
             </a:pPr>
             <a:r>
-              <a:rPr b="1"/>
-              <a:t>Interprétation des variations relatives</a:t>
-            </a:r>
-            <a:r>
-              <a:t> : En prenant le logarithme des valeurs, les variations absolues dans les séries temporelles sont transformées en variations relatives, ce qui peut être plus pertinent dans certains contextes économiques. Par exemple, une variation de 0,1 sur une série avec une valeur initiale de 1 aura un effet différent de la même variation sur une série avec une valeur initiale de 100. Les transformations en logarithme permettent de rendre ces variations comparables et plus facilement interprétables.</a:t>
+              <a:rPr sz="1200" b="1" dirty="0" err="1"/>
+              <a:t>Interprétation</a:t>
+            </a:r>
+            <a:r>
+              <a:rPr sz="1200" b="1" dirty="0"/>
+              <a:t> des variations relatives</a:t>
+            </a:r>
+            <a:r>
+              <a:rPr sz="1200" dirty="0"/>
+              <a:t> : </a:t>
+            </a:r>
+            <a:r>
+              <a:rPr sz="1200" dirty="0" err="1"/>
+              <a:t>En</a:t>
+            </a:r>
+            <a:r>
+              <a:rPr sz="1200" dirty="0"/>
+              <a:t> </a:t>
+            </a:r>
+            <a:r>
+              <a:rPr sz="1200" dirty="0" err="1"/>
+              <a:t>prenant</a:t>
+            </a:r>
+            <a:r>
+              <a:rPr sz="1200" dirty="0"/>
+              <a:t> le </a:t>
+            </a:r>
+            <a:r>
+              <a:rPr sz="1200" dirty="0" err="1"/>
+              <a:t>logarithme</a:t>
+            </a:r>
+            <a:r>
+              <a:rPr sz="1200" dirty="0"/>
+              <a:t> des </a:t>
+            </a:r>
+            <a:r>
+              <a:rPr sz="1200" dirty="0" err="1"/>
+              <a:t>valeurs</a:t>
+            </a:r>
+            <a:r>
+              <a:rPr sz="1200" dirty="0"/>
+              <a:t>, les variations </a:t>
+            </a:r>
+            <a:r>
+              <a:rPr sz="1200" dirty="0" err="1"/>
+              <a:t>absolues</a:t>
+            </a:r>
+            <a:r>
+              <a:rPr sz="1200" dirty="0"/>
+              <a:t> dans les </a:t>
+            </a:r>
+            <a:r>
+              <a:rPr sz="1200" dirty="0" err="1"/>
+              <a:t>séries</a:t>
+            </a:r>
+            <a:r>
+              <a:rPr sz="1200" dirty="0"/>
+              <a:t> </a:t>
+            </a:r>
+            <a:r>
+              <a:rPr sz="1200" dirty="0" err="1"/>
+              <a:t>temporelles</a:t>
+            </a:r>
+            <a:r>
+              <a:rPr sz="1200" dirty="0"/>
+              <a:t> </a:t>
+            </a:r>
+            <a:r>
+              <a:rPr sz="1200" dirty="0" err="1"/>
+              <a:t>sont</a:t>
+            </a:r>
+            <a:r>
+              <a:rPr sz="1200" dirty="0"/>
+              <a:t> </a:t>
+            </a:r>
+            <a:r>
+              <a:rPr sz="1200" dirty="0" err="1"/>
+              <a:t>transformées</a:t>
+            </a:r>
+            <a:r>
+              <a:rPr sz="1200" dirty="0"/>
+              <a:t> </a:t>
+            </a:r>
+            <a:r>
+              <a:rPr sz="1200" dirty="0" err="1"/>
+              <a:t>en</a:t>
+            </a:r>
+            <a:r>
+              <a:rPr sz="1200" dirty="0"/>
+              <a:t> variations relatives, </a:t>
+            </a:r>
+            <a:r>
+              <a:rPr sz="1200" dirty="0" err="1"/>
+              <a:t>ce</a:t>
+            </a:r>
+            <a:r>
+              <a:rPr sz="1200" dirty="0"/>
+              <a:t> qui </a:t>
+            </a:r>
+            <a:r>
+              <a:rPr sz="1200" dirty="0" err="1"/>
+              <a:t>peut</a:t>
+            </a:r>
+            <a:r>
+              <a:rPr sz="1200" dirty="0"/>
+              <a:t> </a:t>
+            </a:r>
+            <a:r>
+              <a:rPr sz="1200" dirty="0" err="1"/>
+              <a:t>être</a:t>
+            </a:r>
+            <a:r>
+              <a:rPr sz="1200" dirty="0"/>
+              <a:t> plus pertinent dans </a:t>
+            </a:r>
+            <a:r>
+              <a:rPr sz="1200" dirty="0" err="1"/>
+              <a:t>certains</a:t>
+            </a:r>
+            <a:r>
+              <a:rPr sz="1200" dirty="0"/>
+              <a:t> </a:t>
+            </a:r>
+            <a:r>
+              <a:rPr sz="1200" dirty="0" err="1"/>
+              <a:t>contextes</a:t>
+            </a:r>
+            <a:r>
+              <a:rPr sz="1200" dirty="0"/>
+              <a:t> </a:t>
+            </a:r>
+            <a:r>
+              <a:rPr sz="1200" dirty="0" err="1"/>
+              <a:t>économiques</a:t>
+            </a:r>
+            <a:r>
+              <a:rPr sz="1200" dirty="0"/>
+              <a:t>. Par </a:t>
+            </a:r>
+            <a:r>
+              <a:rPr sz="1200" dirty="0" err="1"/>
+              <a:t>exemple</a:t>
+            </a:r>
+            <a:r>
+              <a:rPr sz="1200" dirty="0"/>
+              <a:t>, </a:t>
+            </a:r>
+            <a:r>
+              <a:rPr sz="1200" dirty="0" err="1"/>
+              <a:t>une</a:t>
+            </a:r>
+            <a:r>
+              <a:rPr sz="1200" dirty="0"/>
+              <a:t> variation de 0,1 sur </a:t>
+            </a:r>
+            <a:r>
+              <a:rPr sz="1200" dirty="0" err="1"/>
+              <a:t>une</a:t>
+            </a:r>
+            <a:r>
+              <a:rPr sz="1200" dirty="0"/>
+              <a:t> </a:t>
+            </a:r>
+            <a:r>
+              <a:rPr sz="1200" dirty="0" err="1"/>
+              <a:t>série</a:t>
+            </a:r>
+            <a:r>
+              <a:rPr sz="1200" dirty="0"/>
+              <a:t> avec </a:t>
+            </a:r>
+            <a:r>
+              <a:rPr sz="1200" dirty="0" err="1"/>
+              <a:t>une</a:t>
+            </a:r>
+            <a:r>
+              <a:rPr sz="1200" dirty="0"/>
+              <a:t> </a:t>
+            </a:r>
+            <a:r>
+              <a:rPr sz="1200" dirty="0" err="1"/>
+              <a:t>valeur</a:t>
+            </a:r>
+            <a:r>
+              <a:rPr sz="1200" dirty="0"/>
+              <a:t> </a:t>
+            </a:r>
+            <a:r>
+              <a:rPr sz="1200" dirty="0" err="1"/>
+              <a:t>initiale</a:t>
+            </a:r>
+            <a:r>
+              <a:rPr sz="1200" dirty="0"/>
+              <a:t> de 1 aura un </a:t>
+            </a:r>
+            <a:r>
+              <a:rPr sz="1200" dirty="0" err="1"/>
+              <a:t>effet</a:t>
+            </a:r>
+            <a:r>
+              <a:rPr sz="1200" dirty="0"/>
+              <a:t> </a:t>
+            </a:r>
+            <a:r>
+              <a:rPr sz="1200" dirty="0" err="1"/>
+              <a:t>différent</a:t>
+            </a:r>
+            <a:r>
+              <a:rPr sz="1200" dirty="0"/>
+              <a:t> de la </a:t>
+            </a:r>
+            <a:r>
+              <a:rPr sz="1200" dirty="0" err="1"/>
+              <a:t>même</a:t>
+            </a:r>
+            <a:r>
+              <a:rPr sz="1200" dirty="0"/>
+              <a:t> variation sur </a:t>
+            </a:r>
+            <a:r>
+              <a:rPr sz="1200" dirty="0" err="1"/>
+              <a:t>une</a:t>
+            </a:r>
+            <a:r>
+              <a:rPr sz="1200" dirty="0"/>
+              <a:t> </a:t>
+            </a:r>
+            <a:r>
+              <a:rPr sz="1200" dirty="0" err="1"/>
+              <a:t>série</a:t>
+            </a:r>
+            <a:r>
+              <a:rPr sz="1200" dirty="0"/>
+              <a:t> avec </a:t>
+            </a:r>
+            <a:r>
+              <a:rPr sz="1200" dirty="0" err="1"/>
+              <a:t>une</a:t>
+            </a:r>
+            <a:r>
+              <a:rPr sz="1200" dirty="0"/>
+              <a:t> </a:t>
+            </a:r>
+            <a:r>
+              <a:rPr sz="1200" dirty="0" err="1"/>
+              <a:t>valeur</a:t>
+            </a:r>
+            <a:r>
+              <a:rPr sz="1200" dirty="0"/>
+              <a:t> </a:t>
+            </a:r>
+            <a:r>
+              <a:rPr sz="1200" dirty="0" err="1"/>
+              <a:t>initiale</a:t>
+            </a:r>
+            <a:r>
+              <a:rPr sz="1200" dirty="0"/>
+              <a:t> de 100. Les transformations </a:t>
+            </a:r>
+            <a:r>
+              <a:rPr sz="1200" dirty="0" err="1"/>
+              <a:t>en</a:t>
+            </a:r>
+            <a:r>
+              <a:rPr sz="1200" dirty="0"/>
+              <a:t> </a:t>
+            </a:r>
+            <a:r>
+              <a:rPr sz="1200" dirty="0" err="1"/>
+              <a:t>logarithme</a:t>
+            </a:r>
+            <a:r>
+              <a:rPr sz="1200" dirty="0"/>
+              <a:t> </a:t>
+            </a:r>
+            <a:r>
+              <a:rPr sz="1200" dirty="0" err="1"/>
+              <a:t>permettent</a:t>
+            </a:r>
+            <a:r>
+              <a:rPr sz="1200" dirty="0"/>
+              <a:t> de </a:t>
+            </a:r>
+            <a:r>
+              <a:rPr sz="1200" dirty="0" err="1"/>
+              <a:t>rendre</a:t>
+            </a:r>
+            <a:r>
+              <a:rPr sz="1200" dirty="0"/>
+              <a:t> </a:t>
+            </a:r>
+            <a:r>
+              <a:rPr sz="1200" dirty="0" err="1"/>
+              <a:t>ces</a:t>
+            </a:r>
+            <a:r>
+              <a:rPr sz="1200" dirty="0"/>
+              <a:t> variations </a:t>
+            </a:r>
+            <a:r>
+              <a:rPr sz="1200" dirty="0" err="1"/>
+              <a:t>comparables</a:t>
+            </a:r>
+            <a:r>
+              <a:rPr sz="1200" dirty="0"/>
+              <a:t> et plus </a:t>
+            </a:r>
+            <a:r>
+              <a:rPr sz="1200" dirty="0" err="1"/>
+              <a:t>facilement</a:t>
+            </a:r>
+            <a:r>
+              <a:rPr sz="1200" dirty="0"/>
+              <a:t> </a:t>
+            </a:r>
+            <a:r>
+              <a:rPr sz="1200" dirty="0" err="1"/>
+              <a:t>interprétables</a:t>
+            </a:r>
+            <a:r>
+              <a:rPr sz="1200" dirty="0"/>
+              <a:t>.</a:t>
             </a:r>
           </a:p>
           <a:p>
@@ -4268,11 +5189,232 @@
               <a:buAutoNum type="arabicPeriod"/>
             </a:pPr>
             <a:r>
-              <a:rPr b="1"/>
-              <a:t>Normalisation des distributions</a:t>
-            </a:r>
-            <a:r>
-              <a:t> : Dans certains cas, les données peuvent être fortement asymétriques ou présenter des distributions non normales. La transformation en logarithme peut aider à se rapprocher d’une distribution normale, ce qui peut être utile pour l’application de certaines techniques statistiques qui supposent une distribution normale des données.</a:t>
+              <a:rPr sz="1200" b="1" dirty="0" err="1"/>
+              <a:t>Normalisation</a:t>
+            </a:r>
+            <a:r>
+              <a:rPr sz="1200" b="1" dirty="0"/>
+              <a:t> des distributions</a:t>
+            </a:r>
+            <a:r>
+              <a:rPr sz="1200" dirty="0"/>
+              <a:t> : Dans </a:t>
+            </a:r>
+            <a:r>
+              <a:rPr sz="1200" dirty="0" err="1"/>
+              <a:t>certains</a:t>
+            </a:r>
+            <a:r>
+              <a:rPr sz="1200" dirty="0"/>
+              <a:t> </a:t>
+            </a:r>
+            <a:r>
+              <a:rPr sz="1200" dirty="0" err="1"/>
+              <a:t>cas</a:t>
+            </a:r>
+            <a:r>
+              <a:rPr sz="1200" dirty="0"/>
+              <a:t>, les </a:t>
+            </a:r>
+            <a:r>
+              <a:rPr sz="1200" dirty="0" err="1"/>
+              <a:t>données</a:t>
+            </a:r>
+            <a:r>
+              <a:rPr sz="1200" dirty="0"/>
+              <a:t> </a:t>
+            </a:r>
+            <a:r>
+              <a:rPr sz="1200" dirty="0" err="1"/>
+              <a:t>peuvent</a:t>
+            </a:r>
+            <a:r>
+              <a:rPr sz="1200" dirty="0"/>
+              <a:t> </a:t>
+            </a:r>
+            <a:r>
+              <a:rPr sz="1200" dirty="0" err="1"/>
+              <a:t>être</a:t>
+            </a:r>
+            <a:r>
+              <a:rPr sz="1200" dirty="0"/>
+              <a:t> </a:t>
+            </a:r>
+            <a:r>
+              <a:rPr sz="1200" dirty="0" err="1"/>
+              <a:t>fortement</a:t>
+            </a:r>
+            <a:r>
+              <a:rPr sz="1200" dirty="0"/>
+              <a:t> </a:t>
+            </a:r>
+            <a:r>
+              <a:rPr sz="1200" dirty="0" err="1"/>
+              <a:t>asymétriques</a:t>
+            </a:r>
+            <a:r>
+              <a:rPr sz="1200" dirty="0"/>
+              <a:t> </a:t>
+            </a:r>
+            <a:r>
+              <a:rPr sz="1200" dirty="0" err="1"/>
+              <a:t>ou</a:t>
+            </a:r>
+            <a:r>
+              <a:rPr sz="1200" dirty="0"/>
+              <a:t> </a:t>
+            </a:r>
+            <a:r>
+              <a:rPr sz="1200" dirty="0" err="1"/>
+              <a:t>présenter</a:t>
+            </a:r>
+            <a:r>
+              <a:rPr sz="1200" dirty="0"/>
+              <a:t> des distributions non </a:t>
+            </a:r>
+            <a:r>
+              <a:rPr sz="1200" dirty="0" err="1"/>
+              <a:t>normales</a:t>
+            </a:r>
+            <a:r>
+              <a:rPr sz="1200" dirty="0"/>
+              <a:t>. La transformation </a:t>
+            </a:r>
+            <a:r>
+              <a:rPr sz="1200" dirty="0" err="1"/>
+              <a:t>en</a:t>
+            </a:r>
+            <a:r>
+              <a:rPr sz="1200" dirty="0"/>
+              <a:t> </a:t>
+            </a:r>
+            <a:r>
+              <a:rPr sz="1200" dirty="0" err="1"/>
+              <a:t>logarithme</a:t>
+            </a:r>
+            <a:r>
+              <a:rPr sz="1200" dirty="0"/>
+              <a:t> </a:t>
+            </a:r>
+            <a:r>
+              <a:rPr sz="1200" dirty="0" err="1"/>
+              <a:t>peut</a:t>
+            </a:r>
+            <a:r>
+              <a:rPr sz="1200" dirty="0"/>
+              <a:t> aider </a:t>
+            </a:r>
+            <a:r>
+              <a:rPr sz="1200" dirty="0" err="1"/>
+              <a:t>à</a:t>
+            </a:r>
+            <a:r>
+              <a:rPr sz="1200" dirty="0"/>
+              <a:t> se </a:t>
+            </a:r>
+            <a:r>
+              <a:rPr sz="1200" dirty="0" err="1"/>
+              <a:t>rapprocher</a:t>
+            </a:r>
+            <a:r>
+              <a:rPr sz="1200" dirty="0"/>
+              <a:t> </a:t>
+            </a:r>
+            <a:r>
+              <a:rPr sz="1200" dirty="0" err="1"/>
+              <a:t>d’une</a:t>
+            </a:r>
+            <a:r>
+              <a:rPr sz="1200" dirty="0"/>
+              <a:t> distribution </a:t>
+            </a:r>
+            <a:r>
+              <a:rPr sz="1200" dirty="0" err="1"/>
+              <a:t>normale</a:t>
+            </a:r>
+            <a:r>
+              <a:rPr sz="1200" dirty="0"/>
+              <a:t>, </a:t>
+            </a:r>
+            <a:r>
+              <a:rPr sz="1200" dirty="0" err="1"/>
+              <a:t>ce</a:t>
+            </a:r>
+            <a:r>
+              <a:rPr sz="1200" dirty="0"/>
+              <a:t> qui </a:t>
+            </a:r>
+            <a:r>
+              <a:rPr sz="1200" dirty="0" err="1"/>
+              <a:t>peut</a:t>
+            </a:r>
+            <a:r>
+              <a:rPr sz="1200" dirty="0"/>
+              <a:t> </a:t>
+            </a:r>
+            <a:r>
+              <a:rPr sz="1200" dirty="0" err="1"/>
+              <a:t>être</a:t>
+            </a:r>
+            <a:r>
+              <a:rPr sz="1200" dirty="0"/>
+              <a:t> utile pour </a:t>
+            </a:r>
+            <a:r>
+              <a:rPr sz="1200" dirty="0" err="1"/>
+              <a:t>l’application</a:t>
+            </a:r>
+            <a:r>
+              <a:rPr sz="1200" dirty="0"/>
+              <a:t> de </a:t>
+            </a:r>
+            <a:r>
+              <a:rPr sz="1200" dirty="0" err="1"/>
+              <a:t>certaines</a:t>
+            </a:r>
+            <a:r>
+              <a:rPr sz="1200" dirty="0"/>
+              <a:t> techniques </a:t>
+            </a:r>
+            <a:r>
+              <a:rPr sz="1200" dirty="0" err="1"/>
+              <a:t>statistiques</a:t>
+            </a:r>
+            <a:r>
+              <a:rPr sz="1200" dirty="0"/>
+              <a:t> qui </a:t>
+            </a:r>
+            <a:r>
+              <a:rPr sz="1200" dirty="0" err="1"/>
+              <a:t>supposent</a:t>
+            </a:r>
+            <a:r>
+              <a:rPr sz="1200" dirty="0"/>
+              <a:t> </a:t>
+            </a:r>
+            <a:r>
+              <a:rPr sz="1200" dirty="0" err="1"/>
+              <a:t>une</a:t>
+            </a:r>
+            <a:r>
+              <a:rPr sz="1200" dirty="0"/>
+              <a:t> distribution </a:t>
+            </a:r>
+            <a:r>
+              <a:rPr sz="1200" dirty="0" err="1"/>
+              <a:t>normale</a:t>
+            </a:r>
+            <a:r>
+              <a:rPr sz="1200" dirty="0"/>
+              <a:t> des </a:t>
+            </a:r>
+            <a:r>
+              <a:rPr sz="1200" dirty="0" err="1"/>
+              <a:t>données</a:t>
+            </a:r>
+            <a:r>
+              <a:rPr sz="1200" dirty="0"/>
+              <a:t>.</a:t>
             </a:r>
           </a:p>
           <a:p>
@@ -4280,7 +5422,164 @@
               <a:buNone/>
             </a:pPr>
             <a:r>
-              <a:t>En résumé, les transformations en logarithme sont largement utilisées dans l’analyse des séries temporelles pour stabiliser la variance, linéariser les tendances, faciliter l’interprétation des variations relatives et normaliser les distributions, ce qui rend l’analyse et la modélisation des données plus robustes et interprétables.</a:t>
+              <a:rPr sz="1200" dirty="0" err="1"/>
+              <a:t>En</a:t>
+            </a:r>
+            <a:r>
+              <a:rPr sz="1200" dirty="0"/>
+              <a:t> résumé, les transformations </a:t>
+            </a:r>
+            <a:r>
+              <a:rPr sz="1200" dirty="0" err="1"/>
+              <a:t>en</a:t>
+            </a:r>
+            <a:r>
+              <a:rPr sz="1200" dirty="0"/>
+              <a:t> </a:t>
+            </a:r>
+            <a:r>
+              <a:rPr sz="1200" dirty="0" err="1"/>
+              <a:t>logarithme</a:t>
+            </a:r>
+            <a:r>
+              <a:rPr sz="1200" dirty="0"/>
+              <a:t> </a:t>
+            </a:r>
+            <a:r>
+              <a:rPr sz="1200" dirty="0" err="1"/>
+              <a:t>sont</a:t>
+            </a:r>
+            <a:r>
+              <a:rPr sz="1200" dirty="0"/>
+              <a:t> </a:t>
+            </a:r>
+            <a:r>
+              <a:rPr sz="1200" dirty="0" err="1"/>
+              <a:t>largement</a:t>
+            </a:r>
+            <a:r>
+              <a:rPr sz="1200" dirty="0"/>
+              <a:t> </a:t>
+            </a:r>
+            <a:r>
+              <a:rPr sz="1200" dirty="0" err="1"/>
+              <a:t>utilisées</a:t>
+            </a:r>
+            <a:r>
+              <a:rPr sz="1200" dirty="0"/>
+              <a:t> dans </a:t>
+            </a:r>
+            <a:r>
+              <a:rPr sz="1200" dirty="0" err="1"/>
+              <a:t>l’analyse</a:t>
+            </a:r>
+            <a:r>
+              <a:rPr sz="1200" dirty="0"/>
+              <a:t> des </a:t>
+            </a:r>
+            <a:r>
+              <a:rPr sz="1200" dirty="0" err="1"/>
+              <a:t>séries</a:t>
+            </a:r>
+            <a:r>
+              <a:rPr sz="1200" dirty="0"/>
+              <a:t> </a:t>
+            </a:r>
+            <a:r>
+              <a:rPr sz="1200" dirty="0" err="1"/>
+              <a:t>temporelles</a:t>
+            </a:r>
+            <a:r>
+              <a:rPr sz="1200" dirty="0"/>
+              <a:t> pour </a:t>
+            </a:r>
+            <a:r>
+              <a:rPr sz="1200" dirty="0" err="1"/>
+              <a:t>stabiliser</a:t>
+            </a:r>
+            <a:r>
+              <a:rPr sz="1200" dirty="0"/>
+              <a:t> la variance, </a:t>
+            </a:r>
+            <a:r>
+              <a:rPr sz="1200" dirty="0" err="1"/>
+              <a:t>linéariser</a:t>
+            </a:r>
+            <a:r>
+              <a:rPr sz="1200" dirty="0"/>
+              <a:t> les tendances, </a:t>
+            </a:r>
+            <a:r>
+              <a:rPr sz="1200" dirty="0" err="1"/>
+              <a:t>faciliter</a:t>
+            </a:r>
+            <a:r>
+              <a:rPr sz="1200" dirty="0"/>
+              <a:t> </a:t>
+            </a:r>
+            <a:r>
+              <a:rPr sz="1200" dirty="0" err="1"/>
+              <a:t>l’interprétation</a:t>
+            </a:r>
+            <a:r>
+              <a:rPr sz="1200" dirty="0"/>
+              <a:t> des variations relatives et </a:t>
+            </a:r>
+            <a:r>
+              <a:rPr sz="1200" dirty="0" err="1"/>
+              <a:t>normaliser</a:t>
+            </a:r>
+            <a:r>
+              <a:rPr sz="1200" dirty="0"/>
+              <a:t> les distributions, </a:t>
+            </a:r>
+            <a:r>
+              <a:rPr sz="1200" dirty="0" err="1"/>
+              <a:t>ce</a:t>
+            </a:r>
+            <a:r>
+              <a:rPr sz="1200" dirty="0"/>
+              <a:t> qui rend </a:t>
+            </a:r>
+            <a:r>
+              <a:rPr sz="1200" dirty="0" err="1"/>
+              <a:t>l’analyse</a:t>
+            </a:r>
+            <a:r>
+              <a:rPr sz="1200" dirty="0"/>
+              <a:t> et la </a:t>
+            </a:r>
+            <a:r>
+              <a:rPr sz="1200" dirty="0" err="1"/>
+              <a:t>modélisation</a:t>
+            </a:r>
+            <a:r>
+              <a:rPr sz="1200" dirty="0"/>
+              <a:t> des </a:t>
+            </a:r>
+            <a:r>
+              <a:rPr sz="1200" dirty="0" err="1"/>
+              <a:t>données</a:t>
+            </a:r>
+            <a:r>
+              <a:rPr sz="1200" dirty="0"/>
+              <a:t> plus </a:t>
+            </a:r>
+            <a:r>
+              <a:rPr sz="1200" dirty="0" err="1"/>
+              <a:t>robustes</a:t>
+            </a:r>
+            <a:r>
+              <a:rPr sz="1200" dirty="0"/>
+              <a:t> et </a:t>
+            </a:r>
+            <a:r>
+              <a:rPr sz="1200" dirty="0" err="1"/>
+              <a:t>interprétables</a:t>
+            </a:r>
+            <a:r>
+              <a:rPr sz="1200" dirty="0"/>
+              <a:t>.</a:t>
             </a:r>
           </a:p>
         </p:txBody>
@@ -4605,7 +5904,9 @@
         </p:nvSpPr>
         <p:spPr/>
         <p:txBody>
-          <a:bodyPr/>
+          <a:bodyPr>
+            <a:normAutofit fontScale="90000"/>
+          </a:bodyPr>
           <a:lstStyle/>
           <a:p>
             <a:pPr marL="0" lvl="0" indent="0">
@@ -4696,148 +5997,87 @@
           </a:p>
         </p:txBody>
       </p:sp>
-      <p:sp>
-        <p:nvSpPr>
-          <p:cNvPr id="3" name="Content Placeholder 2"/>
-          <p:cNvSpPr>
-            <a:spLocks noGrp="1"/>
-          </p:cNvSpPr>
-          <p:nvPr>
-            <p:ph idx="1"/>
-          </p:nvPr>
-        </p:nvSpPr>
-        <p:spPr/>
-        <p:txBody>
-          <a:bodyPr/>
-          <a:lstStyle/>
-          <a:p>
-            <a:pPr marL="0" lvl="0" indent="0">
-              <a:buNone/>
-            </a:pPr>
-            <a:r>
-              <a:rPr b="1"/>
-              <a:t>Test d’Hypothèse de Jarque-Bera :</a:t>
-            </a:r>
-          </a:p>
-          <a:p>
-            <a:pPr marL="0" lvl="0" indent="0">
-              <a:buNone/>
-            </a:pPr>
-            <a:r>
-              <a:t>Hypothèse Nulle (H₀) : Les données proviennent d’une distribution normale.</a:t>
-            </a:r>
-          </a:p>
-          <a:p>
-            <a:pPr marL="0" lvl="0" indent="0">
-              <a:buNone/>
-            </a:pPr>
-            <a:r>
-              <a:t>Hypothèse Alternative (H₁) : Les données ne proviennent pas d’une distribution normale.</a:t>
-            </a:r>
-          </a:p>
-          <a:p>
-            <a:pPr marL="0" lvl="0" indent="0">
-              <a:buNone/>
-            </a:pPr>
-            <a:r>
-              <a:rPr b="1"/>
-              <a:t>Statistique de Jarque-Bera :</a:t>
-            </a:r>
-          </a:p>
-          <a:p>
-            <a:pPr marL="0" lvl="0" indent="0">
-              <a:buNone/>
-            </a:pPr>
-            <a:r>
-              <a:t>La statistique de Jarque-Bera (JB) est définie comme suit :</a:t>
-            </a:r>
-          </a:p>
-          <a:p>
-            <a:pPr marL="0" lvl="0" indent="0">
-              <a:buNone/>
-            </a:pPr>
-            <a14:m xmlns:a14="http://schemas.microsoft.com/office/drawing/2010/main">
-              <m:oMathPara xmlns:m="http://schemas.openxmlformats.org/officeDocument/2006/math">
-                <m:oMathParaPr>
-                  <m:jc m:val="center"/>
-                </m:oMathParaPr>
-                <m:oMath xmlns:m="http://schemas.openxmlformats.org/officeDocument/2006/math">
-                  <m:r>
-                    <a:rPr>
-                      <a:latin typeface="Cambria Math" panose="02040503050406030204" pitchFamily="18" charset="0"/>
-                    </a:rPr>
-                    <m:t>𝐽𝐵</m:t>
-                  </m:r>
-                  <m:r>
-                    <a:rPr>
-                      <a:latin typeface="Cambria Math" panose="02040503050406030204" pitchFamily="18" charset="0"/>
-                    </a:rPr>
-                    <m:t>=</m:t>
-                  </m:r>
-                  <m:f>
-                    <m:fPr>
-                      <m:ctrlPr>
-                        <a:rPr i="1">
-                          <a:latin typeface="Cambria Math" panose="02040503050406030204" pitchFamily="18" charset="0"/>
-                        </a:rPr>
-                      </m:ctrlPr>
-                    </m:fPr>
-                    <m:num>
+      <mc:AlternateContent xmlns:mc="http://schemas.openxmlformats.org/markup-compatibility/2006">
+        <mc:Choice xmlns:a14="http://schemas.microsoft.com/office/drawing/2010/main" Requires="a14">
+          <p:sp>
+            <p:nvSpPr>
+              <p:cNvPr id="3" name="Content Placeholder 2"/>
+              <p:cNvSpPr>
+                <a:spLocks noGrp="1"/>
+              </p:cNvSpPr>
+              <p:nvPr>
+                <p:ph idx="1"/>
+              </p:nvPr>
+            </p:nvSpPr>
+            <p:spPr/>
+            <p:txBody>
+              <a:bodyPr>
+                <a:normAutofit fontScale="62500" lnSpcReduction="20000"/>
+              </a:bodyPr>
+              <a:lstStyle/>
+              <a:p>
+                <a:pPr marL="0" lvl="0" indent="0">
+                  <a:buNone/>
+                </a:pPr>
+                <a:r>
+                  <a:rPr b="1"/>
+                  <a:t>Test d’Hypothèse de Jarque-Bera :</a:t>
+                </a:r>
+              </a:p>
+              <a:p>
+                <a:pPr marL="0" lvl="0" indent="0">
+                  <a:buNone/>
+                </a:pPr>
+                <a:r>
+                  <a:t>Hypothèse Nulle (H₀) : Les données proviennent d’une distribution normale.</a:t>
+                </a:r>
+              </a:p>
+              <a:p>
+                <a:pPr marL="0" lvl="0" indent="0">
+                  <a:buNone/>
+                </a:pPr>
+                <a:r>
+                  <a:t>Hypothèse Alternative (H₁) : Les données ne proviennent pas d’une distribution normale.</a:t>
+                </a:r>
+              </a:p>
+              <a:p>
+                <a:pPr marL="0" lvl="0" indent="0">
+                  <a:buNone/>
+                </a:pPr>
+                <a:r>
+                  <a:rPr b="1"/>
+                  <a:t>Statistique de Jarque-Bera :</a:t>
+                </a:r>
+              </a:p>
+              <a:p>
+                <a:pPr marL="0" lvl="0" indent="0">
+                  <a:buNone/>
+                </a:pPr>
+                <a:r>
+                  <a:t>La statistique de Jarque-Bera (JB) est définie comme suit :</a:t>
+                </a:r>
+              </a:p>
+              <a:p>
+                <a:pPr marL="0" lvl="0" indent="0">
+                  <a:buNone/>
+                </a:pPr>
+                <a14:m>
+                  <m:oMathPara xmlns:m="http://schemas.openxmlformats.org/officeDocument/2006/math">
+                    <m:oMathParaPr>
+                      <m:jc m:val="center"/>
+                    </m:oMathParaPr>
+                    <m:oMath xmlns:m="http://schemas.openxmlformats.org/officeDocument/2006/math">
                       <m:r>
                         <a:rPr>
                           <a:latin typeface="Cambria Math" panose="02040503050406030204" pitchFamily="18" charset="0"/>
                         </a:rPr>
-                        <m:t>𝑛</m:t>
+                        <m:t>𝐽𝐵</m:t>
                       </m:r>
-                    </m:num>
-                    <m:den>
                       <m:r>
                         <a:rPr>
                           <a:latin typeface="Cambria Math" panose="02040503050406030204" pitchFamily="18" charset="0"/>
                         </a:rPr>
-                        <m:t>6</m:t>
-                      </m:r>
-                    </m:den>
-                  </m:f>
-                  <m:d>
-                    <m:dPr>
-                      <m:ctrlPr>
-                        <a:rPr i="1">
-                          <a:latin typeface="Cambria Math" panose="02040503050406030204" pitchFamily="18" charset="0"/>
-                        </a:rPr>
-                      </m:ctrlPr>
-                    </m:dPr>
-                    <m:e>
-                      <m:sSup>
-                        <m:sSupPr>
-                          <m:ctrlPr>
-                            <a:rPr i="1">
-                              <a:latin typeface="Cambria Math" panose="02040503050406030204" pitchFamily="18" charset="0"/>
-                            </a:rPr>
-                          </m:ctrlPr>
-                        </m:sSupPr>
-                        <m:e>
-                          <m:r>
-                            <a:rPr>
-                              <a:latin typeface="Cambria Math" panose="02040503050406030204" pitchFamily="18" charset="0"/>
-                            </a:rPr>
-                            <m:t>𝑆</m:t>
-                          </m:r>
-                        </m:e>
-                        <m:sup>
-                          <m:r>
-                            <a:rPr>
-                              <a:latin typeface="Cambria Math" panose="02040503050406030204" pitchFamily="18" charset="0"/>
-                            </a:rPr>
-                            <m:t>2</m:t>
-                          </m:r>
-                        </m:sup>
-                      </m:sSup>
-                      <m:r>
-                        <a:rPr>
-                          <a:latin typeface="Cambria Math" panose="02040503050406030204" pitchFamily="18" charset="0"/>
-                        </a:rPr>
-                        <m:t>+</m:t>
+                        <m:t>=</m:t>
                       </m:r>
                       <m:f>
                         <m:fPr>
@@ -4848,6 +6088,31 @@
                           </m:ctrlPr>
                         </m:fPr>
                         <m:num>
+                          <m:r>
+                            <a:rPr>
+                              <a:latin typeface="Cambria Math" panose="02040503050406030204" pitchFamily="18" charset="0"/>
+                            </a:rPr>
+                            <m:t>𝑛</m:t>
+                          </m:r>
+                        </m:num>
+                        <m:den>
+                          <m:r>
+                            <a:rPr>
+                              <a:latin typeface="Cambria Math" panose="02040503050406030204" pitchFamily="18" charset="0"/>
+                            </a:rPr>
+                            <m:t>6</m:t>
+                          </m:r>
+                        </m:den>
+                      </m:f>
+                      <m:d>
+                        <m:dPr>
+                          <m:ctrlPr>
+                            <a:rPr i="1">
+                              <a:latin typeface="Cambria Math" panose="02040503050406030204" pitchFamily="18" charset="0"/>
+                            </a:rPr>
+                          </m:ctrlPr>
+                        </m:dPr>
+                        <m:e>
                           <m:sSup>
                             <m:sSupPr>
                               <m:ctrlPr>
@@ -4857,29 +6122,12 @@
                               </m:ctrlPr>
                             </m:sSupPr>
                             <m:e>
-                              <m:d>
-                                <m:dPr>
-                                  <m:ctrlPr>
-                                    <a:rPr i="1">
-                                      <a:latin typeface="Cambria Math" panose="02040503050406030204" pitchFamily="18" charset="0"/>
-                                    </a:rPr>
-                                  </m:ctrlPr>
-                                </m:dPr>
-                                <m:e>
-                                  <m:r>
-                                    <a:rPr>
-                                      <a:latin typeface="Cambria Math" panose="02040503050406030204" pitchFamily="18" charset="0"/>
-                                    </a:rPr>
-                                    <m:t>𝐾</m:t>
-                                  </m:r>
-                                  <m:r>
-                                    <a:rPr>
-                                      <a:latin typeface="Cambria Math" panose="02040503050406030204" pitchFamily="18" charset="0"/>
-                                    </a:rPr>
-                                    <m:t>−3</m:t>
-                                  </m:r>
-                                </m:e>
-                              </m:d>
+                              <m:r>
+                                <a:rPr>
+                                  <a:latin typeface="Cambria Math" panose="02040503050406030204" pitchFamily="18" charset="0"/>
+                                </a:rPr>
+                                <m:t>𝑆</m:t>
+                              </m:r>
                             </m:e>
                             <m:sup>
                               <m:r>
@@ -4890,72 +6138,164 @@
                               </m:r>
                             </m:sup>
                           </m:sSup>
-                        </m:num>
-                        <m:den>
                           <m:r>
                             <a:rPr>
                               <a:latin typeface="Cambria Math" panose="02040503050406030204" pitchFamily="18" charset="0"/>
                             </a:rPr>
-                            <m:t>4</m:t>
+                            <m:t>+</m:t>
                           </m:r>
-                        </m:den>
-                      </m:f>
-                    </m:e>
-                  </m:d>
-                </m:oMath>
-              </m:oMathPara>
-            </a14:m>
-            <a:endParaRPr/>
-          </a:p>
-          <a:p>
-            <a:pPr marL="0" lvl="0" indent="0">
-              <a:buNone/>
-            </a:pPr>
-            <a:r>
-              <a:rPr b="1"/>
-              <a:t>Où :</a:t>
-            </a:r>
-          </a:p>
-          <a:p>
-            <a:pPr lvl="0"/>
-            <a:r>
-              <a:rPr b="1"/>
-              <a:t>n</a:t>
-            </a:r>
-            <a:r>
-              <a:t> est la taille de l’échantillon.</a:t>
-            </a:r>
-          </a:p>
-          <a:p>
-            <a:pPr lvl="0"/>
-            <a:r>
-              <a:rPr b="1"/>
-              <a:t>S</a:t>
-            </a:r>
-            <a:r>
-              <a:t> est le coefficient d’asymétrie de l’échantillon.</a:t>
-            </a:r>
-          </a:p>
-          <a:p>
-            <a:pPr lvl="0"/>
-            <a:r>
-              <a:rPr b="1"/>
-              <a:t>K</a:t>
-            </a:r>
-            <a:r>
-              <a:t> est le coefficient d’aplatissement de l’échantillon.</a:t>
-            </a:r>
-          </a:p>
-          <a:p>
-            <a:pPr marL="0" lvl="0" indent="0">
-              <a:buNone/>
-            </a:pPr>
-            <a:r>
-              <a:t>Cette statistique suit une distribution du chi carré avec 2 degrés de liberté sous l’hypothèse nulle (H₀).</a:t>
-            </a:r>
-          </a:p>
-        </p:txBody>
-      </p:sp>
+                          <m:f>
+                            <m:fPr>
+                              <m:ctrlPr>
+                                <a:rPr i="1">
+                                  <a:latin typeface="Cambria Math" panose="02040503050406030204" pitchFamily="18" charset="0"/>
+                                </a:rPr>
+                              </m:ctrlPr>
+                            </m:fPr>
+                            <m:num>
+                              <m:sSup>
+                                <m:sSupPr>
+                                  <m:ctrlPr>
+                                    <a:rPr i="1">
+                                      <a:latin typeface="Cambria Math" panose="02040503050406030204" pitchFamily="18" charset="0"/>
+                                    </a:rPr>
+                                  </m:ctrlPr>
+                                </m:sSupPr>
+                                <m:e>
+                                  <m:d>
+                                    <m:dPr>
+                                      <m:ctrlPr>
+                                        <a:rPr i="1">
+                                          <a:latin typeface="Cambria Math" panose="02040503050406030204" pitchFamily="18" charset="0"/>
+                                        </a:rPr>
+                                      </m:ctrlPr>
+                                    </m:dPr>
+                                    <m:e>
+                                      <m:r>
+                                        <a:rPr>
+                                          <a:latin typeface="Cambria Math" panose="02040503050406030204" pitchFamily="18" charset="0"/>
+                                        </a:rPr>
+                                        <m:t>𝐾</m:t>
+                                      </m:r>
+                                      <m:r>
+                                        <a:rPr>
+                                          <a:latin typeface="Cambria Math" panose="02040503050406030204" pitchFamily="18" charset="0"/>
+                                        </a:rPr>
+                                        <m:t>−3</m:t>
+                                      </m:r>
+                                    </m:e>
+                                  </m:d>
+                                </m:e>
+                                <m:sup>
+                                  <m:r>
+                                    <a:rPr>
+                                      <a:latin typeface="Cambria Math" panose="02040503050406030204" pitchFamily="18" charset="0"/>
+                                    </a:rPr>
+                                    <m:t>2</m:t>
+                                  </m:r>
+                                </m:sup>
+                              </m:sSup>
+                            </m:num>
+                            <m:den>
+                              <m:r>
+                                <a:rPr>
+                                  <a:latin typeface="Cambria Math" panose="02040503050406030204" pitchFamily="18" charset="0"/>
+                                </a:rPr>
+                                <m:t>4</m:t>
+                              </m:r>
+                            </m:den>
+                          </m:f>
+                        </m:e>
+                      </m:d>
+                    </m:oMath>
+                  </m:oMathPara>
+                </a14:m>
+                <a:endParaRPr/>
+              </a:p>
+              <a:p>
+                <a:pPr marL="0" lvl="0" indent="0">
+                  <a:buNone/>
+                </a:pPr>
+                <a:r>
+                  <a:rPr b="1"/>
+                  <a:t>Où :</a:t>
+                </a:r>
+              </a:p>
+              <a:p>
+                <a:pPr lvl="0"/>
+                <a:r>
+                  <a:rPr b="1"/>
+                  <a:t>n</a:t>
+                </a:r>
+                <a:r>
+                  <a:t> est la taille de l’échantillon.</a:t>
+                </a:r>
+              </a:p>
+              <a:p>
+                <a:pPr lvl="0"/>
+                <a:r>
+                  <a:rPr b="1"/>
+                  <a:t>S</a:t>
+                </a:r>
+                <a:r>
+                  <a:t> est le coefficient d’asymétrie de l’échantillon.</a:t>
+                </a:r>
+              </a:p>
+              <a:p>
+                <a:pPr lvl="0"/>
+                <a:r>
+                  <a:rPr b="1"/>
+                  <a:t>K</a:t>
+                </a:r>
+                <a:r>
+                  <a:t> est le coefficient d’aplatissement de l’échantillon.</a:t>
+                </a:r>
+              </a:p>
+              <a:p>
+                <a:pPr marL="0" lvl="0" indent="0">
+                  <a:buNone/>
+                </a:pPr>
+                <a:r>
+                  <a:t>Cette statistique suit une distribution du chi carré avec 2 degrés de liberté sous l’hypothèse nulle (H₀).</a:t>
+                </a:r>
+              </a:p>
+            </p:txBody>
+          </p:sp>
+        </mc:Choice>
+        <mc:Fallback>
+          <p:sp>
+            <p:nvSpPr>
+              <p:cNvPr id="3" name="Content Placeholder 2"/>
+              <p:cNvSpPr>
+                <a:spLocks noGrp="1" noRot="1" noChangeAspect="1" noMove="1" noResize="1" noEditPoints="1" noAdjustHandles="1" noChangeArrowheads="1" noChangeShapeType="1" noTextEdit="1"/>
+              </p:cNvSpPr>
+              <p:nvPr>
+                <p:ph idx="1"/>
+              </p:nvPr>
+            </p:nvSpPr>
+            <p:spPr>
+              <a:blipFill>
+                <a:blip r:embed="rId2"/>
+                <a:stretch>
+                  <a:fillRect l="-309" t="-1493"/>
+                </a:stretch>
+              </a:blipFill>
+            </p:spPr>
+            <p:txBody>
+              <a:bodyPr/>
+              <a:lstStyle/>
+              <a:p>
+                <a:r>
+                  <a:rPr lang="en-HT">
+                    <a:noFill/>
+                  </a:rPr>
+                  <a:t> </a:t>
+                </a:r>
+              </a:p>
+            </p:txBody>
+          </p:sp>
+        </mc:Fallback>
+      </mc:AlternateContent>
     </p:spTree>
   </p:cSld>
   <p:clrMapOvr>
@@ -5197,14 +6537,217 @@
         </p:nvSpPr>
         <p:spPr/>
         <p:txBody>
-          <a:bodyPr/>
+          <a:bodyPr>
+            <a:normAutofit fontScale="62500" lnSpcReduction="20000"/>
+          </a:bodyPr>
           <a:lstStyle/>
           <a:p>
             <a:pPr marL="0" lvl="0" indent="0">
               <a:buNone/>
             </a:pPr>
             <a:r>
-              <a:t>Le test de Jarque-Bera est un test statistique utilisé pour évaluer si un échantillon de données donné présente un coefficient d’asymétrie et un coefficient d’aplatissement qui sont approximativement distribués selon une loi normale, ce qui est une hypothèse courante dans de nombreuses techniques statistiques.</a:t>
+              <a:rPr dirty="0"/>
+              <a:t>Le test de Jarque-</a:t>
+            </a:r>
+            <a:r>
+              <a:rPr dirty="0" err="1"/>
+              <a:t>Bera</a:t>
+            </a:r>
+            <a:r>
+              <a:rPr dirty="0"/>
+              <a:t> </a:t>
+            </a:r>
+            <a:r>
+              <a:rPr dirty="0" err="1"/>
+              <a:t>est</a:t>
+            </a:r>
+            <a:r>
+              <a:rPr dirty="0"/>
+              <a:t> un test </a:t>
+            </a:r>
+            <a:r>
+              <a:rPr dirty="0" err="1"/>
+              <a:t>statistique</a:t>
+            </a:r>
+            <a:r>
+              <a:rPr dirty="0"/>
+              <a:t> </a:t>
+            </a:r>
+            <a:r>
+              <a:rPr dirty="0" err="1"/>
+              <a:t>utilisé</a:t>
+            </a:r>
+            <a:r>
+              <a:rPr dirty="0"/>
+              <a:t> pour </a:t>
+            </a:r>
+            <a:r>
+              <a:rPr dirty="0" err="1"/>
+              <a:t>évaluer</a:t>
+            </a:r>
+            <a:r>
+              <a:rPr dirty="0"/>
+              <a:t> </a:t>
+            </a:r>
+            <a:r>
+              <a:rPr dirty="0" err="1"/>
+              <a:t>si</a:t>
+            </a:r>
+            <a:r>
+              <a:rPr dirty="0"/>
+              <a:t> un </a:t>
+            </a:r>
+            <a:r>
+              <a:rPr dirty="0" err="1"/>
+              <a:t>échantillon</a:t>
+            </a:r>
+            <a:r>
+              <a:rPr dirty="0"/>
+              <a:t> de </a:t>
+            </a:r>
+            <a:r>
+              <a:rPr dirty="0" err="1"/>
+              <a:t>données</a:t>
+            </a:r>
+            <a:r>
+              <a:rPr dirty="0"/>
+              <a:t> </a:t>
+            </a:r>
+            <a:r>
+              <a:rPr dirty="0" err="1"/>
+              <a:t>donné</a:t>
+            </a:r>
+            <a:r>
+              <a:rPr dirty="0"/>
+              <a:t> </a:t>
+            </a:r>
+            <a:r>
+              <a:rPr dirty="0" err="1"/>
+              <a:t>présente</a:t>
+            </a:r>
+            <a:r>
+              <a:rPr dirty="0"/>
+              <a:t> un coefficient </a:t>
+            </a:r>
+            <a:r>
+              <a:rPr dirty="0" err="1"/>
+              <a:t>d’asymétrie</a:t>
+            </a:r>
+            <a:r>
+              <a:rPr dirty="0"/>
+              <a:t> et un coefficient </a:t>
+            </a:r>
+            <a:r>
+              <a:rPr dirty="0" err="1"/>
+              <a:t>d’aplatissement</a:t>
+            </a:r>
+            <a:r>
+              <a:rPr dirty="0"/>
+              <a:t> qui </a:t>
+            </a:r>
+            <a:r>
+              <a:rPr dirty="0" err="1"/>
+              <a:t>sont</a:t>
+            </a:r>
+            <a:r>
+              <a:rPr dirty="0"/>
+              <a:t> </a:t>
+            </a:r>
+            <a:r>
+              <a:rPr dirty="0" err="1"/>
+              <a:t>approximativement</a:t>
+            </a:r>
+            <a:r>
+              <a:rPr dirty="0"/>
+              <a:t> </a:t>
+            </a:r>
+            <a:r>
+              <a:rPr dirty="0" err="1"/>
+              <a:t>distribués</a:t>
+            </a:r>
+            <a:r>
+              <a:rPr dirty="0"/>
+              <a:t> </a:t>
+            </a:r>
+            <a:r>
+              <a:rPr dirty="0" err="1"/>
+              <a:t>selon</a:t>
+            </a:r>
+            <a:r>
+              <a:rPr dirty="0"/>
+              <a:t> </a:t>
+            </a:r>
+            <a:r>
+              <a:rPr dirty="0" err="1"/>
+              <a:t>une</a:t>
+            </a:r>
+            <a:r>
+              <a:rPr dirty="0"/>
+              <a:t> </a:t>
+            </a:r>
+            <a:r>
+              <a:rPr dirty="0" err="1"/>
+              <a:t>loi</a:t>
+            </a:r>
+            <a:r>
+              <a:rPr dirty="0"/>
+              <a:t> </a:t>
+            </a:r>
+            <a:r>
+              <a:rPr dirty="0" err="1"/>
+              <a:t>normale</a:t>
+            </a:r>
+            <a:r>
+              <a:rPr dirty="0"/>
+              <a:t>, </a:t>
+            </a:r>
+            <a:r>
+              <a:rPr dirty="0" err="1"/>
+              <a:t>ce</a:t>
+            </a:r>
+            <a:r>
+              <a:rPr dirty="0"/>
+              <a:t> qui </a:t>
+            </a:r>
+            <a:r>
+              <a:rPr dirty="0" err="1"/>
+              <a:t>est</a:t>
+            </a:r>
+            <a:r>
+              <a:rPr dirty="0"/>
+              <a:t> </a:t>
+            </a:r>
+            <a:r>
+              <a:rPr dirty="0" err="1"/>
+              <a:t>une</a:t>
+            </a:r>
+            <a:r>
+              <a:rPr dirty="0"/>
+              <a:t> </a:t>
+            </a:r>
+            <a:r>
+              <a:rPr dirty="0" err="1"/>
+              <a:t>hypothèse</a:t>
+            </a:r>
+            <a:r>
+              <a:rPr dirty="0"/>
+              <a:t> courante dans de </a:t>
+            </a:r>
+            <a:r>
+              <a:rPr dirty="0" err="1"/>
+              <a:t>nombreuses</a:t>
+            </a:r>
+            <a:r>
+              <a:rPr dirty="0"/>
+              <a:t> techniques </a:t>
+            </a:r>
+            <a:r>
+              <a:rPr dirty="0" err="1"/>
+              <a:t>statistiques</a:t>
+            </a:r>
+            <a:r>
+              <a:rPr dirty="0"/>
+              <a:t>.</a:t>
             </a:r>
           </a:p>
           <a:p>
@@ -5212,7 +6755,36 @@
               <a:buAutoNum type="arabicPeriod"/>
             </a:pPr>
             <a:r>
-              <a:t>Comparaison de la statistique de test à la valeur critique :</a:t>
+              <a:rPr dirty="0" err="1"/>
+              <a:t>Comparaison</a:t>
+            </a:r>
+            <a:r>
+              <a:rPr dirty="0"/>
+              <a:t> de la </a:t>
+            </a:r>
+            <a:r>
+              <a:rPr dirty="0" err="1"/>
+              <a:t>statistique</a:t>
+            </a:r>
+            <a:r>
+              <a:rPr dirty="0"/>
+              <a:t> de test </a:t>
+            </a:r>
+            <a:r>
+              <a:rPr dirty="0" err="1"/>
+              <a:t>à</a:t>
+            </a:r>
+            <a:r>
+              <a:rPr dirty="0"/>
+              <a:t> la </a:t>
+            </a:r>
+            <a:r>
+              <a:rPr dirty="0" err="1"/>
+              <a:t>valeur</a:t>
+            </a:r>
+            <a:r>
+              <a:rPr dirty="0"/>
+              <a:t> critique :</a:t>
             </a:r>
           </a:p>
           <a:p>
@@ -5220,7 +6792,184 @@
               <a:buNone/>
             </a:pPr>
             <a:r>
-              <a:t>La statistique de test de Jarque-Bera suit une distribution du chi carré avec 2 degrés de liberté sous l’hypothèse nulle. Par conséquent, vous comparez la statistique de test calculée à la valeur critique de la distribution du chi carré avec 2 degrés de liberté à votre niveau de signification choisi (par exemple, 0,05 ou 0,01).</a:t>
+              <a:rPr dirty="0"/>
+              <a:t>La </a:t>
+            </a:r>
+            <a:r>
+              <a:rPr dirty="0" err="1"/>
+              <a:t>statistique</a:t>
+            </a:r>
+            <a:r>
+              <a:rPr dirty="0"/>
+              <a:t> de test de Jarque-</a:t>
+            </a:r>
+            <a:r>
+              <a:rPr dirty="0" err="1"/>
+              <a:t>Bera</a:t>
+            </a:r>
+            <a:r>
+              <a:rPr dirty="0"/>
+              <a:t> suit </a:t>
+            </a:r>
+            <a:r>
+              <a:rPr dirty="0" err="1"/>
+              <a:t>une</a:t>
+            </a:r>
+            <a:r>
+              <a:rPr dirty="0"/>
+              <a:t> distribution du chi </a:t>
+            </a:r>
+            <a:r>
+              <a:rPr dirty="0" err="1"/>
+              <a:t>carré</a:t>
+            </a:r>
+            <a:r>
+              <a:rPr dirty="0"/>
+              <a:t> avec 2 </a:t>
+            </a:r>
+            <a:r>
+              <a:rPr dirty="0" err="1"/>
+              <a:t>degrés</a:t>
+            </a:r>
+            <a:r>
+              <a:rPr dirty="0"/>
+              <a:t> de liberté sous </a:t>
+            </a:r>
+            <a:r>
+              <a:rPr dirty="0" err="1"/>
+              <a:t>l’hypothèse</a:t>
+            </a:r>
+            <a:r>
+              <a:rPr dirty="0"/>
+              <a:t> </a:t>
+            </a:r>
+            <a:r>
+              <a:rPr dirty="0" err="1"/>
+              <a:t>nulle</a:t>
+            </a:r>
+            <a:r>
+              <a:rPr dirty="0"/>
+              <a:t>. Par </a:t>
+            </a:r>
+            <a:r>
+              <a:rPr dirty="0" err="1"/>
+              <a:t>conséquent</a:t>
+            </a:r>
+            <a:r>
+              <a:rPr dirty="0"/>
+              <a:t>, </a:t>
+            </a:r>
+            <a:r>
+              <a:rPr dirty="0" err="1"/>
+              <a:t>vous</a:t>
+            </a:r>
+            <a:r>
+              <a:rPr dirty="0"/>
+              <a:t> </a:t>
+            </a:r>
+            <a:r>
+              <a:rPr dirty="0" err="1"/>
+              <a:t>comparez</a:t>
+            </a:r>
+            <a:r>
+              <a:rPr dirty="0"/>
+              <a:t> la </a:t>
+            </a:r>
+            <a:r>
+              <a:rPr dirty="0" err="1"/>
+              <a:t>statistique</a:t>
+            </a:r>
+            <a:r>
+              <a:rPr dirty="0"/>
+              <a:t> de test </a:t>
+            </a:r>
+            <a:r>
+              <a:rPr dirty="0" err="1"/>
+              <a:t>calculée</a:t>
+            </a:r>
+            <a:r>
+              <a:rPr dirty="0"/>
+              <a:t> </a:t>
+            </a:r>
+            <a:r>
+              <a:rPr dirty="0" err="1"/>
+              <a:t>à</a:t>
+            </a:r>
+            <a:r>
+              <a:rPr dirty="0"/>
+              <a:t> la </a:t>
+            </a:r>
+            <a:r>
+              <a:rPr dirty="0" err="1"/>
+              <a:t>valeur</a:t>
+            </a:r>
+            <a:r>
+              <a:rPr dirty="0"/>
+              <a:t> critique de la distribution du chi </a:t>
+            </a:r>
+            <a:r>
+              <a:rPr dirty="0" err="1"/>
+              <a:t>carré</a:t>
+            </a:r>
+            <a:r>
+              <a:rPr dirty="0"/>
+              <a:t> avec 2 </a:t>
+            </a:r>
+            <a:r>
+              <a:rPr dirty="0" err="1"/>
+              <a:t>degrés</a:t>
+            </a:r>
+            <a:r>
+              <a:rPr dirty="0"/>
+              <a:t> de liberté </a:t>
+            </a:r>
+            <a:r>
+              <a:rPr dirty="0" err="1"/>
+              <a:t>à</a:t>
+            </a:r>
+            <a:r>
+              <a:rPr dirty="0"/>
+              <a:t> </a:t>
+            </a:r>
+            <a:r>
+              <a:rPr dirty="0" err="1"/>
+              <a:t>votre</a:t>
+            </a:r>
+            <a:r>
+              <a:rPr dirty="0"/>
+              <a:t> </a:t>
+            </a:r>
+            <a:r>
+              <a:rPr dirty="0" err="1"/>
+              <a:t>niveau</a:t>
+            </a:r>
+            <a:r>
+              <a:rPr dirty="0"/>
+              <a:t> de signification </a:t>
+            </a:r>
+            <a:r>
+              <a:rPr dirty="0" err="1"/>
+              <a:t>choisi</a:t>
+            </a:r>
+            <a:r>
+              <a:rPr dirty="0"/>
+              <a:t> (par </a:t>
+            </a:r>
+            <a:r>
+              <a:rPr dirty="0" err="1"/>
+              <a:t>exemple</a:t>
+            </a:r>
+            <a:r>
+              <a:rPr dirty="0"/>
+              <a:t>, 0,05 </a:t>
+            </a:r>
+            <a:r>
+              <a:rPr dirty="0" err="1"/>
+              <a:t>ou</a:t>
+            </a:r>
+            <a:r>
+              <a:rPr dirty="0"/>
+              <a:t> 0,01).</a:t>
             </a:r>
           </a:p>
           <a:p>
@@ -5228,19 +6977,330 @@
               <a:buAutoNum type="arabicPeriod" startAt="2"/>
             </a:pPr>
             <a:r>
-              <a:t>Prise de décision :</a:t>
+              <a:rPr dirty="0" err="1"/>
+              <a:t>Prise</a:t>
+            </a:r>
+            <a:r>
+              <a:rPr dirty="0"/>
+              <a:t> de </a:t>
+            </a:r>
+            <a:r>
+              <a:rPr dirty="0" err="1"/>
+              <a:t>décision</a:t>
+            </a:r>
+            <a:r>
+              <a:rPr dirty="0"/>
+              <a:t> :</a:t>
             </a:r>
           </a:p>
           <a:p>
             <a:pPr lvl="0"/>
             <a:r>
-              <a:t>Si la statistique de test calculée est supérieure à la valeur critique, vous rejetez l’hypothèse nulle, concluant que les données ne proviennent pas d’une distribution normale.</a:t>
+              <a:rPr dirty="0"/>
+              <a:t>Si la </a:t>
+            </a:r>
+            <a:r>
+              <a:rPr dirty="0" err="1"/>
+              <a:t>statistique</a:t>
+            </a:r>
+            <a:r>
+              <a:rPr dirty="0"/>
+              <a:t> de test </a:t>
+            </a:r>
+            <a:r>
+              <a:rPr dirty="0" err="1"/>
+              <a:t>calculée</a:t>
+            </a:r>
+            <a:r>
+              <a:rPr dirty="0"/>
+              <a:t> </a:t>
+            </a:r>
+            <a:r>
+              <a:rPr dirty="0" err="1"/>
+              <a:t>est</a:t>
+            </a:r>
+            <a:r>
+              <a:rPr dirty="0"/>
+              <a:t> supérieure </a:t>
+            </a:r>
+            <a:r>
+              <a:rPr dirty="0" err="1"/>
+              <a:t>à</a:t>
+            </a:r>
+            <a:r>
+              <a:rPr dirty="0"/>
+              <a:t> la </a:t>
+            </a:r>
+            <a:r>
+              <a:rPr dirty="0" err="1"/>
+              <a:t>valeur</a:t>
+            </a:r>
+            <a:r>
+              <a:rPr dirty="0"/>
+              <a:t> critique, </a:t>
+            </a:r>
+            <a:r>
+              <a:rPr dirty="0" err="1"/>
+              <a:t>vous</a:t>
+            </a:r>
+            <a:r>
+              <a:rPr dirty="0"/>
+              <a:t> </a:t>
+            </a:r>
+            <a:r>
+              <a:rPr dirty="0" err="1"/>
+              <a:t>rejetez</a:t>
+            </a:r>
+            <a:r>
+              <a:rPr dirty="0"/>
+              <a:t> </a:t>
+            </a:r>
+            <a:r>
+              <a:rPr dirty="0" err="1"/>
+              <a:t>l’hypothèse</a:t>
+            </a:r>
+            <a:r>
+              <a:rPr dirty="0"/>
+              <a:t> </a:t>
+            </a:r>
+            <a:r>
+              <a:rPr dirty="0" err="1"/>
+              <a:t>nulle</a:t>
+            </a:r>
+            <a:r>
+              <a:rPr dirty="0"/>
+              <a:t>, </a:t>
+            </a:r>
+            <a:r>
+              <a:rPr dirty="0" err="1"/>
+              <a:t>concluant</a:t>
+            </a:r>
+            <a:r>
+              <a:rPr dirty="0"/>
+              <a:t> que les </a:t>
+            </a:r>
+            <a:r>
+              <a:rPr dirty="0" err="1"/>
+              <a:t>données</a:t>
+            </a:r>
+            <a:r>
+              <a:rPr dirty="0"/>
+              <a:t> ne </a:t>
+            </a:r>
+            <a:r>
+              <a:rPr dirty="0" err="1"/>
+              <a:t>proviennent</a:t>
+            </a:r>
+            <a:r>
+              <a:rPr dirty="0"/>
+              <a:t> pas </a:t>
+            </a:r>
+            <a:r>
+              <a:rPr dirty="0" err="1"/>
+              <a:t>d’une</a:t>
+            </a:r>
+            <a:r>
+              <a:rPr dirty="0"/>
+              <a:t> distribution </a:t>
+            </a:r>
+            <a:r>
+              <a:rPr dirty="0" err="1"/>
+              <a:t>normale</a:t>
+            </a:r>
+            <a:r>
+              <a:rPr dirty="0"/>
+              <a:t>.</a:t>
             </a:r>
           </a:p>
           <a:p>
             <a:pPr lvl="0"/>
             <a:r>
-              <a:t>Si la statistique de test calculée est inférieure ou égale à la valeur critique, vous ne rejetez pas l’hypothèse nulle, ce qui indique qu’il n’y a pas suffisamment de preuves pour conclure que les données ne proviennent pas d’une distribution normale.</a:t>
+              <a:rPr dirty="0"/>
+              <a:t>Si la </a:t>
+            </a:r>
+            <a:r>
+              <a:rPr dirty="0" err="1"/>
+              <a:t>statistique</a:t>
+            </a:r>
+            <a:r>
+              <a:rPr dirty="0"/>
+              <a:t> de test </a:t>
+            </a:r>
+            <a:r>
+              <a:rPr dirty="0" err="1"/>
+              <a:t>calculée</a:t>
+            </a:r>
+            <a:r>
+              <a:rPr dirty="0"/>
+              <a:t> </a:t>
+            </a:r>
+            <a:r>
+              <a:rPr dirty="0" err="1"/>
+              <a:t>est</a:t>
+            </a:r>
+            <a:r>
+              <a:rPr dirty="0"/>
+              <a:t> </a:t>
+            </a:r>
+            <a:r>
+              <a:rPr dirty="0" err="1"/>
+              <a:t>inférieure</a:t>
+            </a:r>
+            <a:r>
+              <a:rPr dirty="0"/>
+              <a:t> </a:t>
+            </a:r>
+            <a:r>
+              <a:rPr dirty="0" err="1"/>
+              <a:t>ou</a:t>
+            </a:r>
+            <a:r>
+              <a:rPr dirty="0"/>
+              <a:t> </a:t>
+            </a:r>
+            <a:r>
+              <a:rPr dirty="0" err="1"/>
+              <a:t>égale</a:t>
+            </a:r>
+            <a:r>
+              <a:rPr dirty="0"/>
+              <a:t> </a:t>
+            </a:r>
+            <a:r>
+              <a:rPr dirty="0" err="1"/>
+              <a:t>à</a:t>
+            </a:r>
+            <a:r>
+              <a:rPr dirty="0"/>
+              <a:t> la </a:t>
+            </a:r>
+            <a:r>
+              <a:rPr dirty="0" err="1"/>
+              <a:t>valeur</a:t>
+            </a:r>
+            <a:r>
+              <a:rPr dirty="0"/>
+              <a:t> critique, </a:t>
+            </a:r>
+            <a:r>
+              <a:rPr dirty="0" err="1"/>
+              <a:t>vous</a:t>
+            </a:r>
+            <a:r>
+              <a:rPr dirty="0"/>
+              <a:t> ne </a:t>
+            </a:r>
+            <a:r>
+              <a:rPr dirty="0" err="1"/>
+              <a:t>rejetez</a:t>
+            </a:r>
+            <a:r>
+              <a:rPr dirty="0"/>
+              <a:t> pas </a:t>
+            </a:r>
+            <a:r>
+              <a:rPr dirty="0" err="1"/>
+              <a:t>l’hypothèse</a:t>
+            </a:r>
+            <a:r>
+              <a:rPr dirty="0"/>
+              <a:t> </a:t>
+            </a:r>
+            <a:r>
+              <a:rPr dirty="0" err="1"/>
+              <a:t>nulle</a:t>
+            </a:r>
+            <a:r>
+              <a:rPr dirty="0"/>
+              <a:t>, </a:t>
+            </a:r>
+            <a:r>
+              <a:rPr dirty="0" err="1"/>
+              <a:t>ce</a:t>
+            </a:r>
+            <a:r>
+              <a:rPr dirty="0"/>
+              <a:t> qui </a:t>
+            </a:r>
+            <a:r>
+              <a:rPr dirty="0" err="1"/>
+              <a:t>indique</a:t>
+            </a:r>
+            <a:r>
+              <a:rPr dirty="0"/>
+              <a:t> </a:t>
+            </a:r>
+            <a:r>
+              <a:rPr dirty="0" err="1"/>
+              <a:t>qu’il</a:t>
+            </a:r>
+            <a:r>
+              <a:rPr dirty="0"/>
+              <a:t> </a:t>
+            </a:r>
+            <a:r>
+              <a:rPr dirty="0" err="1"/>
+              <a:t>n’y</a:t>
+            </a:r>
+            <a:r>
+              <a:rPr dirty="0"/>
+              <a:t> a pas </a:t>
+            </a:r>
+            <a:r>
+              <a:rPr dirty="0" err="1"/>
+              <a:t>suffisamment</a:t>
+            </a:r>
+            <a:r>
+              <a:rPr dirty="0"/>
+              <a:t> de </a:t>
+            </a:r>
+            <a:r>
+              <a:rPr dirty="0" err="1"/>
+              <a:t>preuves</a:t>
+            </a:r>
+            <a:r>
+              <a:rPr dirty="0"/>
+              <a:t> pour </a:t>
+            </a:r>
+            <a:r>
+              <a:rPr dirty="0" err="1"/>
+              <a:t>conclure</a:t>
+            </a:r>
+            <a:r>
+              <a:rPr dirty="0"/>
+              <a:t> que les </a:t>
+            </a:r>
+            <a:r>
+              <a:rPr dirty="0" err="1"/>
+              <a:t>données</a:t>
+            </a:r>
+            <a:r>
+              <a:rPr dirty="0"/>
+              <a:t> ne </a:t>
+            </a:r>
+            <a:r>
+              <a:rPr dirty="0" err="1"/>
+              <a:t>proviennent</a:t>
+            </a:r>
+            <a:r>
+              <a:rPr dirty="0"/>
+              <a:t> pas </a:t>
+            </a:r>
+            <a:r>
+              <a:rPr dirty="0" err="1"/>
+              <a:t>d’une</a:t>
+            </a:r>
+            <a:r>
+              <a:rPr dirty="0"/>
+              <a:t> distribution </a:t>
+            </a:r>
+            <a:r>
+              <a:rPr dirty="0" err="1"/>
+              <a:t>normale</a:t>
+            </a:r>
+            <a:r>
+              <a:rPr dirty="0"/>
+              <a:t>.</a:t>
             </a:r>
           </a:p>
         </p:txBody>
@@ -5535,14 +7595,105 @@
         </p:nvSpPr>
         <p:spPr/>
         <p:txBody>
-          <a:bodyPr/>
+          <a:bodyPr>
+            <a:normAutofit fontScale="55000" lnSpcReduction="20000"/>
+          </a:bodyPr>
           <a:lstStyle/>
           <a:p>
             <a:pPr marL="0" lvl="0" indent="0">
               <a:buNone/>
             </a:pPr>
             <a:r>
-              <a:t>Dans le cadre du test de Jarque-Bera, la p-valeur est une mesure cruciale pour interpréter les résultats du test. Voici comment interpréter la p-valeur :</a:t>
+              <a:rPr dirty="0"/>
+              <a:t>Dans le cadre du test de Jarque-</a:t>
+            </a:r>
+            <a:r>
+              <a:rPr dirty="0" err="1"/>
+              <a:t>Bera</a:t>
+            </a:r>
+            <a:r>
+              <a:rPr dirty="0"/>
+              <a:t>, la p-</a:t>
+            </a:r>
+            <a:r>
+              <a:rPr dirty="0" err="1"/>
+              <a:t>valeur</a:t>
+            </a:r>
+            <a:r>
+              <a:rPr dirty="0"/>
+              <a:t> </a:t>
+            </a:r>
+            <a:r>
+              <a:rPr dirty="0" err="1"/>
+              <a:t>est</a:t>
+            </a:r>
+            <a:r>
+              <a:rPr dirty="0"/>
+              <a:t> </a:t>
+            </a:r>
+            <a:r>
+              <a:rPr dirty="0" err="1"/>
+              <a:t>une</a:t>
+            </a:r>
+            <a:r>
+              <a:rPr dirty="0"/>
+              <a:t> </a:t>
+            </a:r>
+            <a:r>
+              <a:rPr dirty="0" err="1"/>
+              <a:t>mesure</a:t>
+            </a:r>
+            <a:r>
+              <a:rPr dirty="0"/>
+              <a:t> </a:t>
+            </a:r>
+            <a:r>
+              <a:rPr dirty="0" err="1"/>
+              <a:t>cruciale</a:t>
+            </a:r>
+            <a:r>
+              <a:rPr dirty="0"/>
+              <a:t> pour </a:t>
+            </a:r>
+            <a:r>
+              <a:rPr dirty="0" err="1"/>
+              <a:t>interpréter</a:t>
+            </a:r>
+            <a:r>
+              <a:rPr dirty="0"/>
+              <a:t> les </a:t>
+            </a:r>
+            <a:r>
+              <a:rPr dirty="0" err="1"/>
+              <a:t>résultats</a:t>
+            </a:r>
+            <a:r>
+              <a:rPr dirty="0"/>
+              <a:t> du test. </a:t>
+            </a:r>
+            <a:r>
+              <a:rPr dirty="0" err="1"/>
+              <a:t>Voici</a:t>
+            </a:r>
+            <a:r>
+              <a:rPr dirty="0"/>
+              <a:t> comment </a:t>
+            </a:r>
+            <a:r>
+              <a:rPr dirty="0" err="1"/>
+              <a:t>interpréter</a:t>
+            </a:r>
+            <a:r>
+              <a:rPr dirty="0"/>
+              <a:t> la p-</a:t>
+            </a:r>
+            <a:r>
+              <a:rPr dirty="0" err="1"/>
+              <a:t>valeur</a:t>
+            </a:r>
+            <a:r>
+              <a:rPr dirty="0"/>
+              <a:t> :</a:t>
             </a:r>
           </a:p>
           <a:p>
@@ -5550,7 +7701,40 @@
               <a:buNone/>
             </a:pPr>
             <a:r>
-              <a:t>Si la p-valeur est inférieure au seuil de signification (α) :</a:t>
+              <a:rPr dirty="0"/>
+              <a:t>Si la p-</a:t>
+            </a:r>
+            <a:r>
+              <a:rPr dirty="0" err="1"/>
+              <a:t>valeur</a:t>
+            </a:r>
+            <a:r>
+              <a:rPr dirty="0"/>
+              <a:t> </a:t>
+            </a:r>
+            <a:r>
+              <a:rPr dirty="0" err="1"/>
+              <a:t>est</a:t>
+            </a:r>
+            <a:r>
+              <a:rPr dirty="0"/>
+              <a:t> </a:t>
+            </a:r>
+            <a:r>
+              <a:rPr dirty="0" err="1"/>
+              <a:t>inférieure</a:t>
+            </a:r>
+            <a:r>
+              <a:rPr dirty="0"/>
+              <a:t> au </a:t>
+            </a:r>
+            <a:r>
+              <a:rPr dirty="0" err="1"/>
+              <a:t>seuil</a:t>
+            </a:r>
+            <a:r>
+              <a:rPr dirty="0"/>
+              <a:t> de signification (α) :</a:t>
             </a:r>
           </a:p>
           <a:p>
@@ -5558,7 +7742,340 @@
               <a:buNone/>
             </a:pPr>
             <a:r>
-              <a:t>Cela signifie que la probabilité d’observer les données (ou des données encore plus extrêmes) sous l’hypothèse nulle (que les données proviennent d’une distribution normale) est faible. Vous rejetez alors l’hypothèse nulle au niveau de signification α. En d’autres termes, vous avez suffisamment de preuves pour conclure que les données ne suivent pas une distribution normale en termes d’asymétrie et/ou d’aplatissement. Si la p-valeur est supérieure au seuil de signification (α) :</a:t>
+              <a:rPr dirty="0" err="1"/>
+              <a:t>Cela</a:t>
+            </a:r>
+            <a:r>
+              <a:rPr dirty="0"/>
+              <a:t> </a:t>
+            </a:r>
+            <a:r>
+              <a:rPr dirty="0" err="1"/>
+              <a:t>signifie</a:t>
+            </a:r>
+            <a:r>
+              <a:rPr dirty="0"/>
+              <a:t> que la </a:t>
+            </a:r>
+            <a:r>
+              <a:rPr dirty="0" err="1"/>
+              <a:t>probabilité</a:t>
+            </a:r>
+            <a:r>
+              <a:rPr dirty="0"/>
+              <a:t> </a:t>
+            </a:r>
+            <a:r>
+              <a:rPr dirty="0" err="1"/>
+              <a:t>d’observer</a:t>
+            </a:r>
+            <a:r>
+              <a:rPr dirty="0"/>
+              <a:t> les </a:t>
+            </a:r>
+            <a:r>
+              <a:rPr dirty="0" err="1"/>
+              <a:t>données</a:t>
+            </a:r>
+            <a:r>
+              <a:rPr dirty="0"/>
+              <a:t> (</a:t>
+            </a:r>
+            <a:r>
+              <a:rPr dirty="0" err="1"/>
+              <a:t>ou</a:t>
+            </a:r>
+            <a:r>
+              <a:rPr dirty="0"/>
+              <a:t> des </a:t>
+            </a:r>
+            <a:r>
+              <a:rPr dirty="0" err="1"/>
+              <a:t>données</a:t>
+            </a:r>
+            <a:r>
+              <a:rPr dirty="0"/>
+              <a:t> encore plus </a:t>
+            </a:r>
+            <a:r>
+              <a:rPr dirty="0" err="1"/>
+              <a:t>extrêmes</a:t>
+            </a:r>
+            <a:r>
+              <a:rPr dirty="0"/>
+              <a:t>) sous </a:t>
+            </a:r>
+            <a:r>
+              <a:rPr dirty="0" err="1"/>
+              <a:t>l’hypothèse</a:t>
+            </a:r>
+            <a:r>
+              <a:rPr dirty="0"/>
+              <a:t> </a:t>
+            </a:r>
+            <a:r>
+              <a:rPr dirty="0" err="1"/>
+              <a:t>nulle</a:t>
+            </a:r>
+            <a:r>
+              <a:rPr dirty="0"/>
+              <a:t> (que les </a:t>
+            </a:r>
+            <a:r>
+              <a:rPr dirty="0" err="1"/>
+              <a:t>données</a:t>
+            </a:r>
+            <a:r>
+              <a:rPr dirty="0"/>
+              <a:t> </a:t>
+            </a:r>
+            <a:r>
+              <a:rPr dirty="0" err="1"/>
+              <a:t>proviennent</a:t>
+            </a:r>
+            <a:r>
+              <a:rPr dirty="0"/>
+              <a:t> </a:t>
+            </a:r>
+            <a:r>
+              <a:rPr dirty="0" err="1"/>
+              <a:t>d’une</a:t>
+            </a:r>
+            <a:r>
+              <a:rPr dirty="0"/>
+              <a:t> distribution </a:t>
+            </a:r>
+            <a:r>
+              <a:rPr dirty="0" err="1"/>
+              <a:t>normale</a:t>
+            </a:r>
+            <a:r>
+              <a:rPr dirty="0"/>
+              <a:t>) </a:t>
+            </a:r>
+            <a:r>
+              <a:rPr dirty="0" err="1"/>
+              <a:t>est</a:t>
+            </a:r>
+            <a:r>
+              <a:rPr dirty="0"/>
+              <a:t> </a:t>
+            </a:r>
+            <a:r>
+              <a:rPr dirty="0" err="1"/>
+              <a:t>faible</a:t>
+            </a:r>
+            <a:r>
+              <a:rPr dirty="0"/>
+              <a:t>. </a:t>
+            </a:r>
+            <a:r>
+              <a:rPr dirty="0" err="1"/>
+              <a:t>Vous</a:t>
+            </a:r>
+            <a:r>
+              <a:rPr dirty="0"/>
+              <a:t> </a:t>
+            </a:r>
+            <a:r>
+              <a:rPr dirty="0" err="1"/>
+              <a:t>rejetez</a:t>
+            </a:r>
+            <a:r>
+              <a:rPr dirty="0"/>
+              <a:t> </a:t>
+            </a:r>
+            <a:r>
+              <a:rPr dirty="0" err="1"/>
+              <a:t>alors</a:t>
+            </a:r>
+            <a:r>
+              <a:rPr dirty="0"/>
+              <a:t> </a:t>
+            </a:r>
+            <a:r>
+              <a:rPr dirty="0" err="1"/>
+              <a:t>l’hypothèse</a:t>
+            </a:r>
+            <a:r>
+              <a:rPr dirty="0"/>
+              <a:t> </a:t>
+            </a:r>
+            <a:r>
+              <a:rPr dirty="0" err="1"/>
+              <a:t>nulle</a:t>
+            </a:r>
+            <a:r>
+              <a:rPr dirty="0"/>
+              <a:t> au </a:t>
+            </a:r>
+            <a:r>
+              <a:rPr dirty="0" err="1"/>
+              <a:t>niveau</a:t>
+            </a:r>
+            <a:r>
+              <a:rPr dirty="0"/>
+              <a:t> de signification α. </a:t>
+            </a:r>
+            <a:r>
+              <a:rPr dirty="0" err="1"/>
+              <a:t>En</a:t>
+            </a:r>
+            <a:r>
+              <a:rPr dirty="0"/>
+              <a:t> </a:t>
+            </a:r>
+            <a:r>
+              <a:rPr dirty="0" err="1"/>
+              <a:t>d’autres</a:t>
+            </a:r>
+            <a:r>
+              <a:rPr dirty="0"/>
+              <a:t> </a:t>
+            </a:r>
+            <a:r>
+              <a:rPr dirty="0" err="1"/>
+              <a:t>termes</a:t>
+            </a:r>
+            <a:r>
+              <a:rPr dirty="0"/>
+              <a:t>, </a:t>
+            </a:r>
+            <a:r>
+              <a:rPr dirty="0" err="1"/>
+              <a:t>vous</a:t>
+            </a:r>
+            <a:r>
+              <a:rPr dirty="0"/>
+              <a:t> </a:t>
+            </a:r>
+            <a:r>
+              <a:rPr dirty="0" err="1"/>
+              <a:t>avez</a:t>
+            </a:r>
+            <a:r>
+              <a:rPr dirty="0"/>
+              <a:t> </a:t>
+            </a:r>
+            <a:r>
+              <a:rPr dirty="0" err="1"/>
+              <a:t>suffisamment</a:t>
+            </a:r>
+            <a:r>
+              <a:rPr dirty="0"/>
+              <a:t> de </a:t>
+            </a:r>
+            <a:r>
+              <a:rPr dirty="0" err="1"/>
+              <a:t>preuves</a:t>
+            </a:r>
+            <a:r>
+              <a:rPr dirty="0"/>
+              <a:t> pour </a:t>
+            </a:r>
+            <a:r>
+              <a:rPr dirty="0" err="1"/>
+              <a:t>conclure</a:t>
+            </a:r>
+            <a:r>
+              <a:rPr dirty="0"/>
+              <a:t> que les </a:t>
+            </a:r>
+            <a:r>
+              <a:rPr dirty="0" err="1"/>
+              <a:t>données</a:t>
+            </a:r>
+            <a:r>
+              <a:rPr dirty="0"/>
+              <a:t> ne </a:t>
+            </a:r>
+            <a:r>
+              <a:rPr dirty="0" err="1"/>
+              <a:t>suivent</a:t>
+            </a:r>
+            <a:r>
+              <a:rPr dirty="0"/>
+              <a:t> pas </a:t>
+            </a:r>
+            <a:r>
+              <a:rPr dirty="0" err="1"/>
+              <a:t>une</a:t>
+            </a:r>
+            <a:r>
+              <a:rPr dirty="0"/>
+              <a:t> distribution </a:t>
+            </a:r>
+            <a:r>
+              <a:rPr dirty="0" err="1"/>
+              <a:t>normale</a:t>
+            </a:r>
+            <a:r>
+              <a:rPr dirty="0"/>
+              <a:t> </a:t>
+            </a:r>
+            <a:r>
+              <a:rPr dirty="0" err="1"/>
+              <a:t>en</a:t>
+            </a:r>
+            <a:r>
+              <a:rPr dirty="0"/>
+              <a:t> </a:t>
+            </a:r>
+            <a:r>
+              <a:rPr dirty="0" err="1"/>
+              <a:t>termes</a:t>
+            </a:r>
+            <a:r>
+              <a:rPr dirty="0"/>
+              <a:t> </a:t>
+            </a:r>
+            <a:r>
+              <a:rPr dirty="0" err="1"/>
+              <a:t>d’asymétrie</a:t>
+            </a:r>
+            <a:r>
+              <a:rPr dirty="0"/>
+              <a:t> et/</a:t>
+            </a:r>
+            <a:r>
+              <a:rPr dirty="0" err="1"/>
+              <a:t>ou</a:t>
+            </a:r>
+            <a:r>
+              <a:rPr dirty="0"/>
+              <a:t> </a:t>
+            </a:r>
+            <a:r>
+              <a:rPr dirty="0" err="1"/>
+              <a:t>d’aplatissement</a:t>
+            </a:r>
+            <a:r>
+              <a:rPr dirty="0"/>
+              <a:t>. Si la p-</a:t>
+            </a:r>
+            <a:r>
+              <a:rPr dirty="0" err="1"/>
+              <a:t>valeur</a:t>
+            </a:r>
+            <a:r>
+              <a:rPr dirty="0"/>
+              <a:t> </a:t>
+            </a:r>
+            <a:r>
+              <a:rPr dirty="0" err="1"/>
+              <a:t>est</a:t>
+            </a:r>
+            <a:r>
+              <a:rPr dirty="0"/>
+              <a:t> supérieure au </a:t>
+            </a:r>
+            <a:r>
+              <a:rPr dirty="0" err="1"/>
+              <a:t>seuil</a:t>
+            </a:r>
+            <a:r>
+              <a:rPr dirty="0"/>
+              <a:t> de signification (α) :</a:t>
             </a:r>
           </a:p>
           <a:p>
@@ -5566,7 +8083,284 @@
               <a:buNone/>
             </a:pPr>
             <a:r>
-              <a:t>Cela signifie que la probabilité d’observer les données (ou des données encore plus extrêmes) sous l’hypothèse nulle est élevée. Vous ne rejetez pas l’hypothèse nulle au niveau de signification α. En d’autres termes, vous ne disposez pas de suffisamment de preuves pour conclure que les données ne suivent pas une distribution normale en termes d’asymétrie et/ou d’aplatissement. En résumé :</a:t>
+              <a:rPr dirty="0" err="1"/>
+              <a:t>Cela</a:t>
+            </a:r>
+            <a:r>
+              <a:rPr dirty="0"/>
+              <a:t> </a:t>
+            </a:r>
+            <a:r>
+              <a:rPr dirty="0" err="1"/>
+              <a:t>signifie</a:t>
+            </a:r>
+            <a:r>
+              <a:rPr dirty="0"/>
+              <a:t> que la </a:t>
+            </a:r>
+            <a:r>
+              <a:rPr dirty="0" err="1"/>
+              <a:t>probabilité</a:t>
+            </a:r>
+            <a:r>
+              <a:rPr dirty="0"/>
+              <a:t> </a:t>
+            </a:r>
+            <a:r>
+              <a:rPr dirty="0" err="1"/>
+              <a:t>d’observer</a:t>
+            </a:r>
+            <a:r>
+              <a:rPr dirty="0"/>
+              <a:t> les </a:t>
+            </a:r>
+            <a:r>
+              <a:rPr dirty="0" err="1"/>
+              <a:t>données</a:t>
+            </a:r>
+            <a:r>
+              <a:rPr dirty="0"/>
+              <a:t> (</a:t>
+            </a:r>
+            <a:r>
+              <a:rPr dirty="0" err="1"/>
+              <a:t>ou</a:t>
+            </a:r>
+            <a:r>
+              <a:rPr dirty="0"/>
+              <a:t> des </a:t>
+            </a:r>
+            <a:r>
+              <a:rPr dirty="0" err="1"/>
+              <a:t>données</a:t>
+            </a:r>
+            <a:r>
+              <a:rPr dirty="0"/>
+              <a:t> encore plus </a:t>
+            </a:r>
+            <a:r>
+              <a:rPr dirty="0" err="1"/>
+              <a:t>extrêmes</a:t>
+            </a:r>
+            <a:r>
+              <a:rPr dirty="0"/>
+              <a:t>) sous </a:t>
+            </a:r>
+            <a:r>
+              <a:rPr dirty="0" err="1"/>
+              <a:t>l’hypothèse</a:t>
+            </a:r>
+            <a:r>
+              <a:rPr dirty="0"/>
+              <a:t> </a:t>
+            </a:r>
+            <a:r>
+              <a:rPr dirty="0" err="1"/>
+              <a:t>nulle</a:t>
+            </a:r>
+            <a:r>
+              <a:rPr dirty="0"/>
+              <a:t> </a:t>
+            </a:r>
+            <a:r>
+              <a:rPr dirty="0" err="1"/>
+              <a:t>est</a:t>
+            </a:r>
+            <a:r>
+              <a:rPr dirty="0"/>
+              <a:t> </a:t>
+            </a:r>
+            <a:r>
+              <a:rPr dirty="0" err="1"/>
+              <a:t>élevée</a:t>
+            </a:r>
+            <a:r>
+              <a:rPr dirty="0"/>
+              <a:t>. </a:t>
+            </a:r>
+            <a:r>
+              <a:rPr dirty="0" err="1"/>
+              <a:t>Vous</a:t>
+            </a:r>
+            <a:r>
+              <a:rPr dirty="0"/>
+              <a:t> ne </a:t>
+            </a:r>
+            <a:r>
+              <a:rPr dirty="0" err="1"/>
+              <a:t>rejetez</a:t>
+            </a:r>
+            <a:r>
+              <a:rPr dirty="0"/>
+              <a:t> pas </a:t>
+            </a:r>
+            <a:r>
+              <a:rPr dirty="0" err="1"/>
+              <a:t>l’hypothèse</a:t>
+            </a:r>
+            <a:r>
+              <a:rPr dirty="0"/>
+              <a:t> </a:t>
+            </a:r>
+            <a:r>
+              <a:rPr dirty="0" err="1"/>
+              <a:t>nulle</a:t>
+            </a:r>
+            <a:r>
+              <a:rPr dirty="0"/>
+              <a:t> au </a:t>
+            </a:r>
+            <a:r>
+              <a:rPr dirty="0" err="1"/>
+              <a:t>niveau</a:t>
+            </a:r>
+            <a:r>
+              <a:rPr dirty="0"/>
+              <a:t> de signification α. </a:t>
+            </a:r>
+            <a:r>
+              <a:rPr dirty="0" err="1"/>
+              <a:t>En</a:t>
+            </a:r>
+            <a:r>
+              <a:rPr dirty="0"/>
+              <a:t> </a:t>
+            </a:r>
+            <a:r>
+              <a:rPr dirty="0" err="1"/>
+              <a:t>d’autres</a:t>
+            </a:r>
+            <a:r>
+              <a:rPr dirty="0"/>
+              <a:t> </a:t>
+            </a:r>
+            <a:r>
+              <a:rPr dirty="0" err="1"/>
+              <a:t>termes</a:t>
+            </a:r>
+            <a:r>
+              <a:rPr dirty="0"/>
+              <a:t>, </a:t>
+            </a:r>
+            <a:r>
+              <a:rPr dirty="0" err="1"/>
+              <a:t>vous</a:t>
+            </a:r>
+            <a:r>
+              <a:rPr dirty="0"/>
+              <a:t> ne </a:t>
+            </a:r>
+            <a:r>
+              <a:rPr dirty="0" err="1"/>
+              <a:t>disposez</a:t>
+            </a:r>
+            <a:r>
+              <a:rPr dirty="0"/>
+              <a:t> pas de </a:t>
+            </a:r>
+            <a:r>
+              <a:rPr dirty="0" err="1"/>
+              <a:t>suffisamment</a:t>
+            </a:r>
+            <a:r>
+              <a:rPr dirty="0"/>
+              <a:t> de </a:t>
+            </a:r>
+            <a:r>
+              <a:rPr dirty="0" err="1"/>
+              <a:t>preuves</a:t>
+            </a:r>
+            <a:r>
+              <a:rPr dirty="0"/>
+              <a:t> pour </a:t>
+            </a:r>
+            <a:r>
+              <a:rPr dirty="0" err="1"/>
+              <a:t>conclure</a:t>
+            </a:r>
+            <a:r>
+              <a:rPr dirty="0"/>
+              <a:t> que les </a:t>
+            </a:r>
+            <a:r>
+              <a:rPr dirty="0" err="1"/>
+              <a:t>données</a:t>
+            </a:r>
+            <a:r>
+              <a:rPr dirty="0"/>
+              <a:t> ne </a:t>
+            </a:r>
+            <a:r>
+              <a:rPr dirty="0" err="1"/>
+              <a:t>suivent</a:t>
+            </a:r>
+            <a:r>
+              <a:rPr dirty="0"/>
+              <a:t> pas </a:t>
+            </a:r>
+            <a:r>
+              <a:rPr dirty="0" err="1"/>
+              <a:t>une</a:t>
+            </a:r>
+            <a:r>
+              <a:rPr dirty="0"/>
+              <a:t> distribution </a:t>
+            </a:r>
+            <a:r>
+              <a:rPr dirty="0" err="1"/>
+              <a:t>normale</a:t>
+            </a:r>
+            <a:r>
+              <a:rPr dirty="0"/>
+              <a:t> </a:t>
+            </a:r>
+            <a:r>
+              <a:rPr dirty="0" err="1"/>
+              <a:t>en</a:t>
+            </a:r>
+            <a:r>
+              <a:rPr dirty="0"/>
+              <a:t> </a:t>
+            </a:r>
+            <a:r>
+              <a:rPr dirty="0" err="1"/>
+              <a:t>termes</a:t>
+            </a:r>
+            <a:r>
+              <a:rPr dirty="0"/>
+              <a:t> </a:t>
+            </a:r>
+            <a:r>
+              <a:rPr dirty="0" err="1"/>
+              <a:t>d’asymétrie</a:t>
+            </a:r>
+            <a:r>
+              <a:rPr dirty="0"/>
+              <a:t> et/</a:t>
+            </a:r>
+            <a:r>
+              <a:rPr dirty="0" err="1"/>
+              <a:t>ou</a:t>
+            </a:r>
+            <a:r>
+              <a:rPr dirty="0"/>
+              <a:t> </a:t>
+            </a:r>
+            <a:r>
+              <a:rPr dirty="0" err="1"/>
+              <a:t>d’aplatissement</a:t>
+            </a:r>
+            <a:r>
+              <a:rPr dirty="0"/>
+              <a:t>. </a:t>
+            </a:r>
+            <a:r>
+              <a:rPr dirty="0" err="1"/>
+              <a:t>En</a:t>
+            </a:r>
+            <a:r>
+              <a:rPr dirty="0"/>
+              <a:t> résumé :</a:t>
             </a:r>
           </a:p>
           <a:p>
@@ -5574,7 +8368,392 @@
               <a:buNone/>
             </a:pPr>
             <a:r>
-              <a:t>Une p-valeur faible suggère des preuves en faveur du rejet de l’hypothèse nulle, indiquant que les données ne suivent probablement pas une distribution normale. Une p-valeur élevée suggère un manque de preuves pour rejeter l’hypothèse nulle, ce qui signifie que les données pourraient suivre une distribution normale. Il est important de choisir un seuil de signification approprié (α) avant d’interpréter la p-valeur. Les valeurs typiques pour α sont 0,05 ou 0,01, mais cela dépend souvent du contexte de l’analyse et des normes de l’industrie.</a:t>
+              <a:rPr dirty="0"/>
+              <a:t>Une p-</a:t>
+            </a:r>
+            <a:r>
+              <a:rPr dirty="0" err="1"/>
+              <a:t>valeur</a:t>
+            </a:r>
+            <a:r>
+              <a:rPr dirty="0"/>
+              <a:t> </a:t>
+            </a:r>
+            <a:r>
+              <a:rPr dirty="0" err="1"/>
+              <a:t>faible</a:t>
+            </a:r>
+            <a:r>
+              <a:rPr dirty="0"/>
+              <a:t> </a:t>
+            </a:r>
+            <a:r>
+              <a:rPr dirty="0" err="1"/>
+              <a:t>suggère</a:t>
+            </a:r>
+            <a:r>
+              <a:rPr dirty="0"/>
+              <a:t> des </a:t>
+            </a:r>
+            <a:r>
+              <a:rPr dirty="0" err="1"/>
+              <a:t>preuves</a:t>
+            </a:r>
+            <a:r>
+              <a:rPr dirty="0"/>
+              <a:t> </a:t>
+            </a:r>
+            <a:r>
+              <a:rPr dirty="0" err="1"/>
+              <a:t>en</a:t>
+            </a:r>
+            <a:r>
+              <a:rPr dirty="0"/>
+              <a:t> </a:t>
+            </a:r>
+            <a:r>
+              <a:rPr dirty="0" err="1"/>
+              <a:t>faveur</a:t>
+            </a:r>
+            <a:r>
+              <a:rPr dirty="0"/>
+              <a:t> du </a:t>
+            </a:r>
+            <a:r>
+              <a:rPr dirty="0" err="1"/>
+              <a:t>rejet</a:t>
+            </a:r>
+            <a:r>
+              <a:rPr dirty="0"/>
+              <a:t> de </a:t>
+            </a:r>
+            <a:r>
+              <a:rPr dirty="0" err="1"/>
+              <a:t>l’hypothèse</a:t>
+            </a:r>
+            <a:r>
+              <a:rPr dirty="0"/>
+              <a:t> </a:t>
+            </a:r>
+            <a:r>
+              <a:rPr dirty="0" err="1"/>
+              <a:t>nulle</a:t>
+            </a:r>
+            <a:r>
+              <a:rPr dirty="0"/>
+              <a:t>, </a:t>
+            </a:r>
+            <a:r>
+              <a:rPr dirty="0" err="1"/>
+              <a:t>indiquant</a:t>
+            </a:r>
+            <a:r>
+              <a:rPr dirty="0"/>
+              <a:t> que les </a:t>
+            </a:r>
+            <a:r>
+              <a:rPr dirty="0" err="1"/>
+              <a:t>données</a:t>
+            </a:r>
+            <a:r>
+              <a:rPr dirty="0"/>
+              <a:t> ne </a:t>
+            </a:r>
+            <a:r>
+              <a:rPr dirty="0" err="1"/>
+              <a:t>suivent</a:t>
+            </a:r>
+            <a:r>
+              <a:rPr dirty="0"/>
+              <a:t> </a:t>
+            </a:r>
+            <a:r>
+              <a:rPr dirty="0" err="1"/>
+              <a:t>probablement</a:t>
+            </a:r>
+            <a:r>
+              <a:rPr dirty="0"/>
+              <a:t> pas </a:t>
+            </a:r>
+            <a:r>
+              <a:rPr dirty="0" err="1"/>
+              <a:t>une</a:t>
+            </a:r>
+            <a:r>
+              <a:rPr dirty="0"/>
+              <a:t> distribution </a:t>
+            </a:r>
+            <a:r>
+              <a:rPr dirty="0" err="1"/>
+              <a:t>normale</a:t>
+            </a:r>
+            <a:r>
+              <a:rPr dirty="0"/>
+              <a:t>. Une p-</a:t>
+            </a:r>
+            <a:r>
+              <a:rPr dirty="0" err="1"/>
+              <a:t>valeur</a:t>
+            </a:r>
+            <a:r>
+              <a:rPr dirty="0"/>
+              <a:t> </a:t>
+            </a:r>
+            <a:r>
+              <a:rPr dirty="0" err="1"/>
+              <a:t>élevée</a:t>
+            </a:r>
+            <a:r>
+              <a:rPr dirty="0"/>
+              <a:t> </a:t>
+            </a:r>
+            <a:r>
+              <a:rPr dirty="0" err="1"/>
+              <a:t>suggère</a:t>
+            </a:r>
+            <a:r>
+              <a:rPr dirty="0"/>
+              <a:t> un manque de </a:t>
+            </a:r>
+            <a:r>
+              <a:rPr dirty="0" err="1"/>
+              <a:t>preuves</a:t>
+            </a:r>
+            <a:r>
+              <a:rPr dirty="0"/>
+              <a:t> pour </a:t>
+            </a:r>
+            <a:r>
+              <a:rPr dirty="0" err="1"/>
+              <a:t>rejeter</a:t>
+            </a:r>
+            <a:r>
+              <a:rPr dirty="0"/>
+              <a:t> </a:t>
+            </a:r>
+            <a:r>
+              <a:rPr dirty="0" err="1"/>
+              <a:t>l’hypothèse</a:t>
+            </a:r>
+            <a:r>
+              <a:rPr dirty="0"/>
+              <a:t> </a:t>
+            </a:r>
+            <a:r>
+              <a:rPr dirty="0" err="1"/>
+              <a:t>nulle</a:t>
+            </a:r>
+            <a:r>
+              <a:rPr dirty="0"/>
+              <a:t>, </a:t>
+            </a:r>
+            <a:r>
+              <a:rPr dirty="0" err="1"/>
+              <a:t>ce</a:t>
+            </a:r>
+            <a:r>
+              <a:rPr dirty="0"/>
+              <a:t> qui </a:t>
+            </a:r>
+            <a:r>
+              <a:rPr dirty="0" err="1"/>
+              <a:t>signifie</a:t>
+            </a:r>
+            <a:r>
+              <a:rPr dirty="0"/>
+              <a:t> que les </a:t>
+            </a:r>
+            <a:r>
+              <a:rPr dirty="0" err="1"/>
+              <a:t>données</a:t>
+            </a:r>
+            <a:r>
+              <a:rPr dirty="0"/>
+              <a:t> </a:t>
+            </a:r>
+            <a:r>
+              <a:rPr dirty="0" err="1"/>
+              <a:t>pourraient</a:t>
+            </a:r>
+            <a:r>
+              <a:rPr dirty="0"/>
+              <a:t> </a:t>
+            </a:r>
+            <a:r>
+              <a:rPr dirty="0" err="1"/>
+              <a:t>suivre</a:t>
+            </a:r>
+            <a:r>
+              <a:rPr dirty="0"/>
+              <a:t> </a:t>
+            </a:r>
+            <a:r>
+              <a:rPr dirty="0" err="1"/>
+              <a:t>une</a:t>
+            </a:r>
+            <a:r>
+              <a:rPr dirty="0"/>
+              <a:t> distribution </a:t>
+            </a:r>
+            <a:r>
+              <a:rPr dirty="0" err="1"/>
+              <a:t>normale</a:t>
+            </a:r>
+            <a:r>
+              <a:rPr dirty="0"/>
+              <a:t>. Il </a:t>
+            </a:r>
+            <a:r>
+              <a:rPr dirty="0" err="1"/>
+              <a:t>est</a:t>
+            </a:r>
+            <a:r>
+              <a:rPr dirty="0"/>
+              <a:t> important de </a:t>
+            </a:r>
+            <a:r>
+              <a:rPr dirty="0" err="1"/>
+              <a:t>choisir</a:t>
+            </a:r>
+            <a:r>
+              <a:rPr dirty="0"/>
+              <a:t> un </a:t>
+            </a:r>
+            <a:r>
+              <a:rPr dirty="0" err="1"/>
+              <a:t>seuil</a:t>
+            </a:r>
+            <a:r>
+              <a:rPr dirty="0"/>
+              <a:t> de signification </a:t>
+            </a:r>
+            <a:r>
+              <a:rPr dirty="0" err="1"/>
+              <a:t>approprié</a:t>
+            </a:r>
+            <a:r>
+              <a:rPr dirty="0"/>
+              <a:t> (α) </a:t>
+            </a:r>
+            <a:r>
+              <a:rPr dirty="0" err="1"/>
+              <a:t>avant</a:t>
+            </a:r>
+            <a:r>
+              <a:rPr dirty="0"/>
+              <a:t> </a:t>
+            </a:r>
+            <a:r>
+              <a:rPr dirty="0" err="1"/>
+              <a:t>d’interpréter</a:t>
+            </a:r>
+            <a:r>
+              <a:rPr dirty="0"/>
+              <a:t> la p-</a:t>
+            </a:r>
+            <a:r>
+              <a:rPr dirty="0" err="1"/>
+              <a:t>valeur</a:t>
+            </a:r>
+            <a:r>
+              <a:rPr dirty="0"/>
+              <a:t>. Les </a:t>
+            </a:r>
+            <a:r>
+              <a:rPr dirty="0" err="1"/>
+              <a:t>valeurs</a:t>
+            </a:r>
+            <a:r>
+              <a:rPr dirty="0"/>
+              <a:t> </a:t>
+            </a:r>
+            <a:r>
+              <a:rPr dirty="0" err="1"/>
+              <a:t>typiques</a:t>
+            </a:r>
+            <a:r>
+              <a:rPr dirty="0"/>
+              <a:t> pour α </a:t>
+            </a:r>
+            <a:r>
+              <a:rPr dirty="0" err="1"/>
+              <a:t>sont</a:t>
+            </a:r>
+            <a:r>
+              <a:rPr dirty="0"/>
+              <a:t> 0,05 </a:t>
+            </a:r>
+            <a:r>
+              <a:rPr dirty="0" err="1"/>
+              <a:t>ou</a:t>
+            </a:r>
+            <a:r>
+              <a:rPr dirty="0"/>
+              <a:t> 0,01, </a:t>
+            </a:r>
+            <a:r>
+              <a:rPr dirty="0" err="1"/>
+              <a:t>mais</a:t>
+            </a:r>
+            <a:r>
+              <a:rPr dirty="0"/>
+              <a:t> </a:t>
+            </a:r>
+            <a:r>
+              <a:rPr dirty="0" err="1"/>
+              <a:t>cela</a:t>
+            </a:r>
+            <a:r>
+              <a:rPr dirty="0"/>
+              <a:t> </a:t>
+            </a:r>
+            <a:r>
+              <a:rPr dirty="0" err="1"/>
+              <a:t>dépend</a:t>
+            </a:r>
+            <a:r>
+              <a:rPr dirty="0"/>
+              <a:t> </a:t>
+            </a:r>
+            <a:r>
+              <a:rPr dirty="0" err="1"/>
+              <a:t>souvent</a:t>
+            </a:r>
+            <a:r>
+              <a:rPr dirty="0"/>
+              <a:t> du </a:t>
+            </a:r>
+            <a:r>
+              <a:rPr dirty="0" err="1"/>
+              <a:t>contexte</a:t>
+            </a:r>
+            <a:r>
+              <a:rPr dirty="0"/>
+              <a:t> de </a:t>
+            </a:r>
+            <a:r>
+              <a:rPr dirty="0" err="1"/>
+              <a:t>l’analyse</a:t>
+            </a:r>
+            <a:r>
+              <a:rPr dirty="0"/>
+              <a:t> et des </a:t>
+            </a:r>
+            <a:r>
+              <a:rPr dirty="0" err="1"/>
+              <a:t>normes</a:t>
+            </a:r>
+            <a:r>
+              <a:rPr dirty="0"/>
+              <a:t> de </a:t>
+            </a:r>
+            <a:r>
+              <a:rPr dirty="0" err="1"/>
+              <a:t>l’industrie</a:t>
+            </a:r>
+            <a:r>
+              <a:rPr dirty="0"/>
+              <a:t>.</a:t>
             </a:r>
           </a:p>
         </p:txBody>
@@ -5628,72 +8807,109 @@
           </a:p>
         </p:txBody>
       </p:sp>
-      <p:sp>
-        <p:nvSpPr>
-          <p:cNvPr id="3" name="Content Placeholder 2"/>
-          <p:cNvSpPr>
-            <a:spLocks noGrp="1"/>
-          </p:cNvSpPr>
-          <p:nvPr>
-            <p:ph idx="1"/>
-          </p:nvPr>
-        </p:nvSpPr>
-        <p:spPr/>
-        <p:txBody>
-          <a:bodyPr/>
-          <a:lstStyle/>
-          <a:p>
-            <a:pPr marL="1270000" lvl="0" indent="0">
-              <a:buNone/>
-            </a:pPr>
-            <a:r>
-              <a:rPr sz="2000"/>
-              <a:t>On ne peut rejeter l’hypothese nulle pour aucune des series parce que </a:t>
-            </a:r>
-            <a14:m xmlns:a14="http://schemas.microsoft.com/office/drawing/2010/main">
-              <m:oMath xmlns:m="http://schemas.openxmlformats.org/officeDocument/2006/math">
-                <m:r>
-                  <a:rPr>
-                    <a:latin typeface="Cambria Math" panose="02040503050406030204" pitchFamily="18" charset="0"/>
+      <mc:AlternateContent xmlns:mc="http://schemas.openxmlformats.org/markup-compatibility/2006">
+        <mc:Choice xmlns:a14="http://schemas.microsoft.com/office/drawing/2010/main" Requires="a14">
+          <p:sp>
+            <p:nvSpPr>
+              <p:cNvPr id="3" name="Content Placeholder 2"/>
+              <p:cNvSpPr>
+                <a:spLocks noGrp="1"/>
+              </p:cNvSpPr>
+              <p:nvPr>
+                <p:ph idx="1"/>
+              </p:nvPr>
+            </p:nvSpPr>
+            <p:spPr/>
+            <p:txBody>
+              <a:bodyPr/>
+              <a:lstStyle/>
+              <a:p>
+                <a:pPr marL="1270000" lvl="0" indent="0">
+                  <a:buNone/>
+                </a:pPr>
+                <a:r>
+                  <a:rPr sz="2000"/>
+                  <a:t>On ne peut rejeter l’hypothese nulle pour aucune des series parce que </a:t>
+                </a:r>
+                <a14:m>
+                  <m:oMath xmlns:m="http://schemas.openxmlformats.org/officeDocument/2006/math">
+                    <m:r>
+                      <a:rPr>
+                        <a:latin typeface="Cambria Math" panose="02040503050406030204" pitchFamily="18" charset="0"/>
+                      </a:rPr>
+                      <m:t>𝑝</m:t>
+                    </m:r>
+                    <m:r>
+                      <a:rPr>
+                        <a:latin typeface="Cambria Math" panose="02040503050406030204" pitchFamily="18" charset="0"/>
+                      </a:rPr>
+                      <m:t>≥</m:t>
+                    </m:r>
+                    <m:r>
+                      <a:rPr>
+                        <a:latin typeface="Cambria Math" panose="02040503050406030204" pitchFamily="18" charset="0"/>
+                      </a:rPr>
+                      <m:t>𝛼</m:t>
+                    </m:r>
+                    <m:r>
+                      <a:rPr>
+                        <a:latin typeface="Cambria Math" panose="02040503050406030204" pitchFamily="18" charset="0"/>
+                      </a:rPr>
+                      <m:t>,</m:t>
+                    </m:r>
+                    <m:r>
+                      <a:rPr>
+                        <a:latin typeface="Cambria Math" panose="02040503050406030204" pitchFamily="18" charset="0"/>
+                      </a:rPr>
+                      <m:t>𝛼</m:t>
+                    </m:r>
+                    <m:r>
+                      <a:rPr>
+                        <a:latin typeface="Cambria Math" panose="02040503050406030204" pitchFamily="18" charset="0"/>
+                      </a:rPr>
+                      <m:t>=0.05</m:t>
+                    </m:r>
+                  </m:oMath>
+                </a14:m>
+                <a:endParaRPr sz="2000"/>
+              </a:p>
+            </p:txBody>
+          </p:sp>
+        </mc:Choice>
+        <mc:Fallback>
+          <p:sp>
+            <p:nvSpPr>
+              <p:cNvPr id="3" name="Content Placeholder 2"/>
+              <p:cNvSpPr>
+                <a:spLocks noGrp="1" noRot="1" noChangeAspect="1" noMove="1" noResize="1" noEditPoints="1" noAdjustHandles="1" noChangeArrowheads="1" noChangeShapeType="1" noTextEdit="1"/>
+              </p:cNvSpPr>
+              <p:nvPr>
+                <p:ph idx="1"/>
+              </p:nvPr>
+            </p:nvSpPr>
+            <p:spPr>
+              <a:blipFill>
+                <a:blip r:embed="rId2"/>
+                <a:stretch>
+                  <a:fillRect t="-1119"/>
+                </a:stretch>
+              </a:blipFill>
+            </p:spPr>
+            <p:txBody>
+              <a:bodyPr/>
+              <a:lstStyle/>
+              <a:p>
+                <a:r>
+                  <a:rPr lang="en-HT">
+                    <a:noFill/>
                   </a:rPr>
-                  <m:t>𝑝</m:t>
-                </m:r>
-                <m:r>
-                  <a:rPr>
-                    <a:latin typeface="Cambria Math" panose="02040503050406030204" pitchFamily="18" charset="0"/>
-                  </a:rPr>
-                  <m:t>≥</m:t>
-                </m:r>
-                <m:r>
-                  <a:rPr>
-                    <a:latin typeface="Cambria Math" panose="02040503050406030204" pitchFamily="18" charset="0"/>
-                  </a:rPr>
-                  <m:t>𝛼</m:t>
-                </m:r>
-                <m:r>
-                  <a:rPr>
-                    <a:latin typeface="Cambria Math" panose="02040503050406030204" pitchFamily="18" charset="0"/>
-                  </a:rPr>
-                  <m:t>,</m:t>
-                </m:r>
-                <m:r>
-                  <a:rPr>
-                    <a:latin typeface="Cambria Math" panose="02040503050406030204" pitchFamily="18" charset="0"/>
-                  </a:rPr>
-                  <m:t>𝛼</m:t>
-                </m:r>
-                <m:r>
-                  <a:rPr>
-                    <a:latin typeface="Cambria Math" panose="02040503050406030204" pitchFamily="18" charset="0"/>
-                  </a:rPr>
-                  <m:t>=0.05</m:t>
-                </m:r>
-              </m:oMath>
-            </a14:m>
-            <a:endParaRPr sz="2000"/>
-          </a:p>
-        </p:txBody>
-      </p:sp>
+                  <a:t> </a:t>
+                </a:r>
+              </a:p>
+            </p:txBody>
+          </p:sp>
+        </mc:Fallback>
+      </mc:AlternateContent>
     </p:spTree>
   </p:cSld>
   <p:clrMapOvr>
@@ -6298,303 +9514,428 @@
           </a:p>
         </p:txBody>
       </p:sp>
-      <p:sp>
-        <p:nvSpPr>
-          <p:cNvPr id="3" name="Content Placeholder 2"/>
-          <p:cNvSpPr>
-            <a:spLocks noGrp="1"/>
-          </p:cNvSpPr>
-          <p:nvPr>
-            <p:ph idx="1"/>
-          </p:nvPr>
-        </p:nvSpPr>
-        <p:spPr/>
-        <p:txBody>
-          <a:bodyPr/>
-          <a:lstStyle/>
-          <a:p>
-            <a:pPr marL="0" lvl="0" indent="0">
-              <a:buNone/>
-            </a:pPr>
-            <a:r>
-              <a:t>Le filtre de différence est une opération couramment utilisée dans l’analyse des séries chronologiques pour transformer une série en une série stationnaire en différenciant les observations. La différenciation implique de soustraire chaque observation de la série par son observation précédente. Cette opération aide à éliminer les tendances et les structures temporelles de la série, rendant ainsi la série stationnaire. Voici comment le filtre de différence est mathématiquement représenté :</a:t>
-            </a:r>
-          </a:p>
-          <a:p>
-            <a:pPr marL="0" lvl="0" indent="0">
-              <a:buNone/>
-            </a:pPr>
-            <a:r>
-              <a:t>Si nous avons une série chronologique </a:t>
-            </a:r>
-            <a14:m xmlns:a14="http://schemas.microsoft.com/office/drawing/2010/main">
-              <m:oMath xmlns:m="http://schemas.openxmlformats.org/officeDocument/2006/math">
-                <m:sSub>
-                  <m:sSubPr>
-                    <m:ctrlPr>
-                      <a:rPr>
-                        <a:latin typeface="Cambria Math" panose="02040503050406030204" pitchFamily="18" charset="0"/>
-                      </a:rPr>
-                    </m:ctrlPr>
-                  </m:sSubPr>
-                  <m:e>
-                    <m:r>
-                      <a:rPr>
-                        <a:latin typeface="Cambria Math" panose="02040503050406030204" pitchFamily="18" charset="0"/>
-                      </a:rPr>
-                      <m:t>𝑦</m:t>
-                    </m:r>
-                  </m:e>
-                  <m:sub>
-                    <m:r>
-                      <a:rPr>
-                        <a:latin typeface="Cambria Math" panose="02040503050406030204" pitchFamily="18" charset="0"/>
-                      </a:rPr>
-                      <m:t>𝑡</m:t>
-                    </m:r>
-                  </m:sub>
-                </m:sSub>
-              </m:oMath>
-            </a14:m>
-            <a:r>
-              <a:t> pour </a:t>
-            </a:r>
-            <a14:m xmlns:a14="http://schemas.microsoft.com/office/drawing/2010/main">
-              <m:oMath xmlns:m="http://schemas.openxmlformats.org/officeDocument/2006/math">
-                <m:r>
-                  <a:rPr>
-                    <a:latin typeface="Cambria Math" panose="02040503050406030204" pitchFamily="18" charset="0"/>
-                  </a:rPr>
-                  <m:t>𝑡</m:t>
-                </m:r>
-                <m:r>
-                  <a:rPr>
-                    <a:latin typeface="Cambria Math" panose="02040503050406030204" pitchFamily="18" charset="0"/>
-                  </a:rPr>
-                  <m:t>=1,2,...,</m:t>
-                </m:r>
-                <m:r>
-                  <a:rPr>
-                    <a:latin typeface="Cambria Math" panose="02040503050406030204" pitchFamily="18" charset="0"/>
-                  </a:rPr>
-                  <m:t>𝑇</m:t>
-                </m:r>
-              </m:oMath>
-            </a14:m>
-            <a:r>
-              <a:t>, alors la série de différences premières, notée </a:t>
-            </a:r>
-            <a14:m xmlns:a14="http://schemas.microsoft.com/office/drawing/2010/main">
-              <m:oMath xmlns:m="http://schemas.openxmlformats.org/officeDocument/2006/math">
-                <m:r>
-                  <a:rPr>
-                    <a:latin typeface="Cambria Math" panose="02040503050406030204" pitchFamily="18" charset="0"/>
-                  </a:rPr>
-                  <m:t>𝛥</m:t>
-                </m:r>
-                <m:sSub>
-                  <m:sSubPr>
-                    <m:ctrlPr>
-                      <a:rPr i="1">
-                        <a:latin typeface="Cambria Math" panose="02040503050406030204" pitchFamily="18" charset="0"/>
-                      </a:rPr>
-                    </m:ctrlPr>
-                  </m:sSubPr>
-                  <m:e>
-                    <m:r>
-                      <a:rPr>
-                        <a:latin typeface="Cambria Math" panose="02040503050406030204" pitchFamily="18" charset="0"/>
-                      </a:rPr>
-                      <m:t>𝑦</m:t>
-                    </m:r>
-                  </m:e>
-                  <m:sub>
-                    <m:r>
-                      <a:rPr>
-                        <a:latin typeface="Cambria Math" panose="02040503050406030204" pitchFamily="18" charset="0"/>
-                      </a:rPr>
-                      <m:t>𝑡</m:t>
-                    </m:r>
-                  </m:sub>
-                </m:sSub>
-              </m:oMath>
-            </a14:m>
-            <a:r>
-              <a:t>, est définie comme :</a:t>
-            </a:r>
-          </a:p>
-          <a:p>
-            <a:pPr marL="0" lvl="0" indent="0">
-              <a:buNone/>
-            </a:pPr>
-            <a14:m xmlns:a14="http://schemas.microsoft.com/office/drawing/2010/main">
-              <m:oMathPara xmlns:m="http://schemas.openxmlformats.org/officeDocument/2006/math">
-                <m:oMathParaPr>
-                  <m:jc m:val="center"/>
-                </m:oMathParaPr>
-                <m:oMath xmlns:m="http://schemas.openxmlformats.org/officeDocument/2006/math">
-                  <m:r>
-                    <a:rPr>
-                      <a:latin typeface="Cambria Math" panose="02040503050406030204" pitchFamily="18" charset="0"/>
-                    </a:rPr>
-                    <m:t>𝛥</m:t>
-                  </m:r>
-                  <m:sSub>
-                    <m:sSubPr>
-                      <m:ctrlPr>
-                        <a:rPr i="1">
-                          <a:latin typeface="Cambria Math" panose="02040503050406030204" pitchFamily="18" charset="0"/>
-                        </a:rPr>
-                      </m:ctrlPr>
-                    </m:sSubPr>
-                    <m:e>
-                      <m:r>
-                        <a:rPr>
-                          <a:latin typeface="Cambria Math" panose="02040503050406030204" pitchFamily="18" charset="0"/>
-                        </a:rPr>
-                        <m:t>𝑦</m:t>
-                      </m:r>
-                    </m:e>
-                    <m:sub>
-                      <m:r>
-                        <a:rPr>
-                          <a:latin typeface="Cambria Math" panose="02040503050406030204" pitchFamily="18" charset="0"/>
-                        </a:rPr>
-                        <m:t>𝑡</m:t>
-                      </m:r>
-                    </m:sub>
-                  </m:sSub>
-                  <m:r>
-                    <a:rPr>
-                      <a:latin typeface="Cambria Math" panose="02040503050406030204" pitchFamily="18" charset="0"/>
-                    </a:rPr>
-                    <m:t>=</m:t>
-                  </m:r>
-                  <m:sSub>
-                    <m:sSubPr>
-                      <m:ctrlPr>
-                        <a:rPr i="1">
-                          <a:latin typeface="Cambria Math" panose="02040503050406030204" pitchFamily="18" charset="0"/>
-                        </a:rPr>
-                      </m:ctrlPr>
-                    </m:sSubPr>
-                    <m:e>
-                      <m:r>
-                        <a:rPr>
-                          <a:latin typeface="Cambria Math" panose="02040503050406030204" pitchFamily="18" charset="0"/>
-                        </a:rPr>
-                        <m:t>𝑦</m:t>
-                      </m:r>
-                    </m:e>
-                    <m:sub>
-                      <m:r>
-                        <a:rPr>
-                          <a:latin typeface="Cambria Math" panose="02040503050406030204" pitchFamily="18" charset="0"/>
-                        </a:rPr>
-                        <m:t>𝑡</m:t>
-                      </m:r>
-                    </m:sub>
-                  </m:sSub>
-                  <m:r>
-                    <a:rPr>
-                      <a:latin typeface="Cambria Math" panose="02040503050406030204" pitchFamily="18" charset="0"/>
-                    </a:rPr>
-                    <m:t>−</m:t>
-                  </m:r>
-                  <m:sSub>
-                    <m:sSubPr>
-                      <m:ctrlPr>
-                        <a:rPr i="1">
-                          <a:latin typeface="Cambria Math" panose="02040503050406030204" pitchFamily="18" charset="0"/>
-                        </a:rPr>
-                      </m:ctrlPr>
-                    </m:sSubPr>
-                    <m:e>
-                      <m:r>
-                        <a:rPr>
-                          <a:latin typeface="Cambria Math" panose="02040503050406030204" pitchFamily="18" charset="0"/>
-                        </a:rPr>
-                        <m:t>𝑦</m:t>
-                      </m:r>
-                    </m:e>
-                    <m:sub>
-                      <m:r>
-                        <a:rPr>
-                          <a:latin typeface="Cambria Math" panose="02040503050406030204" pitchFamily="18" charset="0"/>
-                        </a:rPr>
-                        <m:t>𝑡</m:t>
-                      </m:r>
-                      <m:r>
-                        <a:rPr>
-                          <a:latin typeface="Cambria Math" panose="02040503050406030204" pitchFamily="18" charset="0"/>
-                        </a:rPr>
-                        <m:t>−1</m:t>
-                      </m:r>
-                    </m:sub>
-                  </m:sSub>
-                </m:oMath>
-              </m:oMathPara>
-            </a14:m>
-            <a:endParaRPr/>
-          </a:p>
-          <a:p>
-            <a:pPr marL="0" lvl="0" indent="0">
-              <a:buNone/>
-            </a:pPr>
-            <a:r>
-              <a:t>Cette équation montre que chaque observation </a:t>
-            </a:r>
-            <a14:m xmlns:a14="http://schemas.microsoft.com/office/drawing/2010/main">
-              <m:oMath xmlns:m="http://schemas.openxmlformats.org/officeDocument/2006/math">
-                <m:sSub>
-                  <m:sSubPr>
-                    <m:ctrlPr>
-                      <a:rPr>
-                        <a:latin typeface="Cambria Math" panose="02040503050406030204" pitchFamily="18" charset="0"/>
-                      </a:rPr>
-                    </m:ctrlPr>
-                  </m:sSubPr>
-                  <m:e>
-                    <m:r>
-                      <a:rPr>
-                        <a:latin typeface="Cambria Math" panose="02040503050406030204" pitchFamily="18" charset="0"/>
-                      </a:rPr>
-                      <m:t>𝑦</m:t>
-                    </m:r>
-                  </m:e>
-                  <m:sub>
-                    <m:r>
-                      <a:rPr>
-                        <a:latin typeface="Cambria Math" panose="02040503050406030204" pitchFamily="18" charset="0"/>
-                      </a:rPr>
-                      <m:t>𝑡</m:t>
-                    </m:r>
-                  </m:sub>
-                </m:sSub>
-              </m:oMath>
-            </a14:m>
-            <a:r>
-              <a:t>est soustraite de son observation précédente </a:t>
-            </a:r>
-            <a14:m xmlns:a14="http://schemas.microsoft.com/office/drawing/2010/main">
-              <m:oMath xmlns:m="http://schemas.openxmlformats.org/officeDocument/2006/math">
-                <m:sSub>
-                  <m:sSubPr>
-                    <m:ctrlPr>
-                      <a:rPr>
-                        <a:latin typeface="Cambria Math" panose="02040503050406030204" pitchFamily="18" charset="0"/>
-                      </a:rPr>
-                    </m:ctrlPr>
-                  </m:sSubPr>
-                  <m:e>
-                    <m:r>
-                      <a:rPr>
-                        <a:latin typeface="Cambria Math" panose="02040503050406030204" pitchFamily="18" charset="0"/>
-                      </a:rPr>
-                      <m:t>𝑦</m:t>
-                    </m:r>
-                  </m:e>
-                  <m:sub>
+      <mc:AlternateContent xmlns:mc="http://schemas.openxmlformats.org/markup-compatibility/2006">
+        <mc:Choice xmlns:a14="http://schemas.microsoft.com/office/drawing/2010/main" Requires="a14">
+          <p:sp>
+            <p:nvSpPr>
+              <p:cNvPr id="3" name="Content Placeholder 2"/>
+              <p:cNvSpPr>
+                <a:spLocks noGrp="1"/>
+              </p:cNvSpPr>
+              <p:nvPr>
+                <p:ph idx="1"/>
+              </p:nvPr>
+            </p:nvSpPr>
+            <p:spPr/>
+            <p:txBody>
+              <a:bodyPr>
+                <a:normAutofit fontScale="55000" lnSpcReduction="20000"/>
+              </a:bodyPr>
+              <a:lstStyle/>
+              <a:p>
+                <a:pPr marL="0" lvl="0" indent="0">
+                  <a:buNone/>
+                </a:pPr>
+                <a:r>
+                  <a:rPr dirty="0"/>
+                  <a:t>Le </a:t>
+                </a:r>
+                <a:r>
+                  <a:rPr dirty="0" err="1"/>
+                  <a:t>filtre</a:t>
+                </a:r>
+                <a:r>
+                  <a:rPr dirty="0"/>
+                  <a:t> de </a:t>
+                </a:r>
+                <a:r>
+                  <a:rPr dirty="0" err="1"/>
+                  <a:t>différence</a:t>
+                </a:r>
+                <a:r>
+                  <a:rPr dirty="0"/>
+                  <a:t> </a:t>
+                </a:r>
+                <a:r>
+                  <a:rPr dirty="0" err="1"/>
+                  <a:t>est</a:t>
+                </a:r>
+                <a:r>
+                  <a:rPr dirty="0"/>
+                  <a:t> </a:t>
+                </a:r>
+                <a:r>
+                  <a:rPr dirty="0" err="1"/>
+                  <a:t>une</a:t>
+                </a:r>
+                <a:r>
+                  <a:rPr dirty="0"/>
+                  <a:t> </a:t>
+                </a:r>
+                <a:r>
+                  <a:rPr dirty="0" err="1"/>
+                  <a:t>opération</a:t>
+                </a:r>
+                <a:r>
+                  <a:rPr dirty="0"/>
+                  <a:t> </a:t>
+                </a:r>
+                <a:r>
+                  <a:rPr dirty="0" err="1"/>
+                  <a:t>couramment</a:t>
+                </a:r>
+                <a:r>
+                  <a:rPr dirty="0"/>
+                  <a:t> </a:t>
+                </a:r>
+                <a:r>
+                  <a:rPr dirty="0" err="1"/>
+                  <a:t>utilisée</a:t>
+                </a:r>
+                <a:r>
+                  <a:rPr dirty="0"/>
+                  <a:t> dans </a:t>
+                </a:r>
+                <a:r>
+                  <a:rPr dirty="0" err="1"/>
+                  <a:t>l’analyse</a:t>
+                </a:r>
+                <a:r>
+                  <a:rPr dirty="0"/>
+                  <a:t> des </a:t>
+                </a:r>
+                <a:r>
+                  <a:rPr dirty="0" err="1"/>
+                  <a:t>séries</a:t>
+                </a:r>
+                <a:r>
+                  <a:rPr dirty="0"/>
+                  <a:t> </a:t>
+                </a:r>
+                <a:r>
+                  <a:rPr dirty="0" err="1"/>
+                  <a:t>chronologiques</a:t>
+                </a:r>
+                <a:r>
+                  <a:rPr dirty="0"/>
+                  <a:t> pour transformer </a:t>
+                </a:r>
+                <a:r>
+                  <a:rPr dirty="0" err="1"/>
+                  <a:t>une</a:t>
+                </a:r>
+                <a:r>
+                  <a:rPr dirty="0"/>
+                  <a:t> </a:t>
+                </a:r>
+                <a:r>
+                  <a:rPr dirty="0" err="1"/>
+                  <a:t>série</a:t>
+                </a:r>
+                <a:r>
+                  <a:rPr dirty="0"/>
+                  <a:t> </a:t>
+                </a:r>
+                <a:r>
+                  <a:rPr dirty="0" err="1"/>
+                  <a:t>en</a:t>
+                </a:r>
+                <a:r>
+                  <a:rPr dirty="0"/>
+                  <a:t> </a:t>
+                </a:r>
+                <a:r>
+                  <a:rPr dirty="0" err="1"/>
+                  <a:t>une</a:t>
+                </a:r>
+                <a:r>
+                  <a:rPr dirty="0"/>
+                  <a:t> </a:t>
+                </a:r>
+                <a:r>
+                  <a:rPr dirty="0" err="1"/>
+                  <a:t>série</a:t>
+                </a:r>
+                <a:r>
+                  <a:rPr dirty="0"/>
+                  <a:t> </a:t>
+                </a:r>
+                <a:r>
+                  <a:rPr dirty="0" err="1"/>
+                  <a:t>stationnaire</a:t>
+                </a:r>
+                <a:r>
+                  <a:rPr dirty="0"/>
+                  <a:t> </a:t>
+                </a:r>
+                <a:r>
+                  <a:rPr dirty="0" err="1"/>
+                  <a:t>en</a:t>
+                </a:r>
+                <a:r>
+                  <a:rPr dirty="0"/>
+                  <a:t> </a:t>
+                </a:r>
+                <a:r>
+                  <a:rPr dirty="0" err="1"/>
+                  <a:t>différenciant</a:t>
+                </a:r>
+                <a:r>
+                  <a:rPr dirty="0"/>
+                  <a:t> les observations. La </a:t>
+                </a:r>
+                <a:r>
+                  <a:rPr dirty="0" err="1"/>
+                  <a:t>différenciation</a:t>
+                </a:r>
+                <a:r>
+                  <a:rPr dirty="0"/>
+                  <a:t> </a:t>
+                </a:r>
+                <a:r>
+                  <a:rPr dirty="0" err="1"/>
+                  <a:t>implique</a:t>
+                </a:r>
+                <a:r>
+                  <a:rPr dirty="0"/>
+                  <a:t> de </a:t>
+                </a:r>
+                <a:r>
+                  <a:rPr dirty="0" err="1"/>
+                  <a:t>soustraire</a:t>
+                </a:r>
+                <a:r>
+                  <a:rPr dirty="0"/>
+                  <a:t> </a:t>
+                </a:r>
+                <a:r>
+                  <a:rPr dirty="0" err="1"/>
+                  <a:t>chaque</a:t>
+                </a:r>
+                <a:r>
+                  <a:rPr dirty="0"/>
+                  <a:t> observation de la </a:t>
+                </a:r>
+                <a:r>
+                  <a:rPr dirty="0" err="1"/>
+                  <a:t>série</a:t>
+                </a:r>
+                <a:r>
+                  <a:rPr dirty="0"/>
+                  <a:t> par son observation </a:t>
+                </a:r>
+                <a:r>
+                  <a:rPr dirty="0" err="1"/>
+                  <a:t>précédente</a:t>
+                </a:r>
+                <a:r>
+                  <a:rPr dirty="0"/>
+                  <a:t>. </a:t>
+                </a:r>
+                <a:r>
+                  <a:rPr dirty="0" err="1"/>
+                  <a:t>Cette</a:t>
+                </a:r>
+                <a:r>
+                  <a:rPr dirty="0"/>
+                  <a:t> </a:t>
+                </a:r>
+                <a:r>
+                  <a:rPr dirty="0" err="1"/>
+                  <a:t>opération</a:t>
+                </a:r>
+                <a:r>
+                  <a:rPr dirty="0"/>
+                  <a:t> aide </a:t>
+                </a:r>
+                <a:r>
+                  <a:rPr dirty="0" err="1"/>
+                  <a:t>à</a:t>
+                </a:r>
+                <a:r>
+                  <a:rPr dirty="0"/>
+                  <a:t> </a:t>
+                </a:r>
+                <a:r>
+                  <a:rPr dirty="0" err="1"/>
+                  <a:t>éliminer</a:t>
+                </a:r>
+                <a:r>
+                  <a:rPr dirty="0"/>
+                  <a:t> les tendances et les structures </a:t>
+                </a:r>
+                <a:r>
+                  <a:rPr dirty="0" err="1"/>
+                  <a:t>temporelles</a:t>
+                </a:r>
+                <a:r>
+                  <a:rPr dirty="0"/>
+                  <a:t> de la </a:t>
+                </a:r>
+                <a:r>
+                  <a:rPr dirty="0" err="1"/>
+                  <a:t>série</a:t>
+                </a:r>
+                <a:r>
+                  <a:rPr dirty="0"/>
+                  <a:t>, </a:t>
+                </a:r>
+                <a:r>
+                  <a:rPr dirty="0" err="1"/>
+                  <a:t>rendant</a:t>
+                </a:r>
+                <a:r>
+                  <a:rPr dirty="0"/>
+                  <a:t> </a:t>
+                </a:r>
+                <a:r>
+                  <a:rPr dirty="0" err="1"/>
+                  <a:t>ainsi</a:t>
+                </a:r>
+                <a:r>
+                  <a:rPr dirty="0"/>
+                  <a:t> la </a:t>
+                </a:r>
+                <a:r>
+                  <a:rPr dirty="0" err="1"/>
+                  <a:t>série</a:t>
+                </a:r>
+                <a:r>
+                  <a:rPr dirty="0"/>
+                  <a:t> </a:t>
+                </a:r>
+                <a:r>
+                  <a:rPr dirty="0" err="1"/>
+                  <a:t>stationnaire</a:t>
+                </a:r>
+                <a:r>
+                  <a:rPr dirty="0"/>
+                  <a:t>. </a:t>
+                </a:r>
+                <a:r>
+                  <a:rPr dirty="0" err="1"/>
+                  <a:t>Voici</a:t>
+                </a:r>
+                <a:r>
+                  <a:rPr dirty="0"/>
+                  <a:t> comment le </a:t>
+                </a:r>
+                <a:r>
+                  <a:rPr dirty="0" err="1"/>
+                  <a:t>filtre</a:t>
+                </a:r>
+                <a:r>
+                  <a:rPr dirty="0"/>
+                  <a:t> de </a:t>
+                </a:r>
+                <a:r>
+                  <a:rPr dirty="0" err="1"/>
+                  <a:t>différence</a:t>
+                </a:r>
+                <a:r>
+                  <a:rPr dirty="0"/>
+                  <a:t> </a:t>
+                </a:r>
+                <a:r>
+                  <a:rPr dirty="0" err="1"/>
+                  <a:t>est</a:t>
+                </a:r>
+                <a:r>
+                  <a:rPr dirty="0"/>
+                  <a:t> </a:t>
+                </a:r>
+                <a:r>
+                  <a:rPr dirty="0" err="1"/>
+                  <a:t>mathématiquement</a:t>
+                </a:r>
+                <a:r>
+                  <a:rPr dirty="0"/>
+                  <a:t> </a:t>
+                </a:r>
+                <a:r>
+                  <a:rPr dirty="0" err="1"/>
+                  <a:t>représenté</a:t>
+                </a:r>
+                <a:r>
+                  <a:rPr dirty="0"/>
+                  <a:t> :</a:t>
+                </a:r>
+              </a:p>
+              <a:p>
+                <a:pPr marL="0" lvl="0" indent="0">
+                  <a:buNone/>
+                </a:pPr>
+                <a:r>
+                  <a:rPr dirty="0"/>
+                  <a:t>Si nous </a:t>
+                </a:r>
+                <a:r>
+                  <a:rPr dirty="0" err="1"/>
+                  <a:t>avons</a:t>
+                </a:r>
+                <a:r>
+                  <a:rPr dirty="0"/>
+                  <a:t> </a:t>
+                </a:r>
+                <a:r>
+                  <a:rPr dirty="0" err="1"/>
+                  <a:t>une</a:t>
+                </a:r>
+                <a:r>
+                  <a:rPr dirty="0"/>
+                  <a:t> </a:t>
+                </a:r>
+                <a:r>
+                  <a:rPr dirty="0" err="1"/>
+                  <a:t>série</a:t>
+                </a:r>
+                <a:r>
+                  <a:rPr dirty="0"/>
+                  <a:t> </a:t>
+                </a:r>
+                <a:r>
+                  <a:rPr dirty="0" err="1"/>
+                  <a:t>chronologique</a:t>
+                </a:r>
+                <a:r>
+                  <a:rPr dirty="0"/>
+                  <a:t> </a:t>
+                </a:r>
+                <a14:m>
+                  <m:oMath xmlns:m="http://schemas.openxmlformats.org/officeDocument/2006/math">
+                    <m:sSub>
+                      <m:sSubPr>
+                        <m:ctrlPr>
+                          <a:rPr i="1">
+                            <a:latin typeface="Cambria Math" panose="02040503050406030204" pitchFamily="18" charset="0"/>
+                          </a:rPr>
+                        </m:ctrlPr>
+                      </m:sSubPr>
+                      <m:e>
+                        <m:r>
+                          <a:rPr>
+                            <a:latin typeface="Cambria Math" panose="02040503050406030204" pitchFamily="18" charset="0"/>
+                          </a:rPr>
+                          <m:t>𝑦</m:t>
+                        </m:r>
+                      </m:e>
+                      <m:sub>
+                        <m:r>
+                          <a:rPr>
+                            <a:latin typeface="Cambria Math" panose="02040503050406030204" pitchFamily="18" charset="0"/>
+                          </a:rPr>
+                          <m:t>𝑡</m:t>
+                        </m:r>
+                      </m:sub>
+                    </m:sSub>
+                  </m:oMath>
+                </a14:m>
+                <a:r>
+                  <a:rPr dirty="0"/>
+                  <a:t> pour </a:t>
+                </a:r>
+                <a14:m>
+                  <m:oMath xmlns:m="http://schemas.openxmlformats.org/officeDocument/2006/math">
                     <m:r>
                       <a:rPr>
                         <a:latin typeface="Cambria Math" panose="02040503050406030204" pitchFamily="18" charset="0"/>
@@ -6605,117 +9946,1029 @@
                       <a:rPr>
                         <a:latin typeface="Cambria Math" panose="02040503050406030204" pitchFamily="18" charset="0"/>
                       </a:rPr>
-                      <m:t>−1</m:t>
+                      <m:t>=1,2,...,</m:t>
                     </m:r>
-                  </m:sub>
-                </m:sSub>
-              </m:oMath>
-            </a14:m>
-            <a:r>
-              <a:t> pour obtenir la différence première </a:t>
-            </a:r>
-            <a14:m xmlns:a14="http://schemas.microsoft.com/office/drawing/2010/main">
-              <m:oMath xmlns:m="http://schemas.openxmlformats.org/officeDocument/2006/math">
-                <m:r>
-                  <a:rPr>
-                    <a:latin typeface="Cambria Math" panose="02040503050406030204" pitchFamily="18" charset="0"/>
-                  </a:rPr>
-                  <m:t>𝛥</m:t>
-                </m:r>
-                <m:sSub>
-                  <m:sSubPr>
-                    <m:ctrlPr>
-                      <a:rPr i="1">
-                        <a:latin typeface="Cambria Math" panose="02040503050406030204" pitchFamily="18" charset="0"/>
-                      </a:rPr>
-                    </m:ctrlPr>
-                  </m:sSubPr>
-                  <m:e>
                     <m:r>
                       <a:rPr>
                         <a:latin typeface="Cambria Math" panose="02040503050406030204" pitchFamily="18" charset="0"/>
                       </a:rPr>
-                      <m:t>𝑦</m:t>
+                      <m:t>𝑇</m:t>
                     </m:r>
-                  </m:e>
-                  <m:sub>
+                  </m:oMath>
+                </a14:m>
+                <a:r>
+                  <a:rPr dirty="0"/>
+                  <a:t>, </a:t>
+                </a:r>
+                <a:r>
+                  <a:rPr dirty="0" err="1"/>
+                  <a:t>alors</a:t>
+                </a:r>
+                <a:r>
+                  <a:rPr dirty="0"/>
+                  <a:t> la </a:t>
+                </a:r>
+                <a:r>
+                  <a:rPr dirty="0" err="1"/>
+                  <a:t>série</a:t>
+                </a:r>
+                <a:r>
+                  <a:rPr dirty="0"/>
+                  <a:t> de </a:t>
+                </a:r>
+                <a:r>
+                  <a:rPr dirty="0" err="1"/>
+                  <a:t>différences</a:t>
+                </a:r>
+                <a:r>
+                  <a:rPr dirty="0"/>
+                  <a:t> premières, </a:t>
+                </a:r>
+                <a:r>
+                  <a:rPr dirty="0" err="1"/>
+                  <a:t>notée</a:t>
+                </a:r>
+                <a:r>
+                  <a:rPr dirty="0"/>
+                  <a:t> </a:t>
+                </a:r>
+                <a14:m>
+                  <m:oMath xmlns:m="http://schemas.openxmlformats.org/officeDocument/2006/math">
                     <m:r>
                       <a:rPr>
                         <a:latin typeface="Cambria Math" panose="02040503050406030204" pitchFamily="18" charset="0"/>
                       </a:rPr>
-                      <m:t>𝑡</m:t>
+                      <m:t>𝛥</m:t>
                     </m:r>
-                  </m:sub>
-                </m:sSub>
-              </m:oMath>
-            </a14:m>
-            <a:r>
-              <a:t>. Cela peut être répété pour chaque observation dans la série, créant ainsi une nouvelle série de différences premières avec une longueur de </a:t>
-            </a:r>
-            <a14:m xmlns:a14="http://schemas.microsoft.com/office/drawing/2010/main">
-              <m:oMath xmlns:m="http://schemas.openxmlformats.org/officeDocument/2006/math">
-                <m:r>
-                  <a:rPr>
-                    <a:latin typeface="Cambria Math" panose="02040503050406030204" pitchFamily="18" charset="0"/>
+                    <m:sSub>
+                      <m:sSubPr>
+                        <m:ctrlPr>
+                          <a:rPr i="1">
+                            <a:latin typeface="Cambria Math" panose="02040503050406030204" pitchFamily="18" charset="0"/>
+                          </a:rPr>
+                        </m:ctrlPr>
+                      </m:sSubPr>
+                      <m:e>
+                        <m:r>
+                          <a:rPr>
+                            <a:latin typeface="Cambria Math" panose="02040503050406030204" pitchFamily="18" charset="0"/>
+                          </a:rPr>
+                          <m:t>𝑦</m:t>
+                        </m:r>
+                      </m:e>
+                      <m:sub>
+                        <m:r>
+                          <a:rPr>
+                            <a:latin typeface="Cambria Math" panose="02040503050406030204" pitchFamily="18" charset="0"/>
+                          </a:rPr>
+                          <m:t>𝑡</m:t>
+                        </m:r>
+                      </m:sub>
+                    </m:sSub>
+                  </m:oMath>
+                </a14:m>
+                <a:r>
+                  <a:rPr dirty="0"/>
+                  <a:t>, </a:t>
+                </a:r>
+                <a:r>
+                  <a:rPr dirty="0" err="1"/>
+                  <a:t>est</a:t>
+                </a:r>
+                <a:r>
+                  <a:rPr dirty="0"/>
+                  <a:t> </a:t>
+                </a:r>
+                <a:r>
+                  <a:rPr dirty="0" err="1"/>
+                  <a:t>définie</a:t>
+                </a:r>
+                <a:r>
+                  <a:rPr dirty="0"/>
+                  <a:t> </a:t>
+                </a:r>
+                <a:r>
+                  <a:rPr dirty="0" err="1"/>
+                  <a:t>comme</a:t>
+                </a:r>
+                <a:r>
+                  <a:rPr dirty="0"/>
+                  <a:t> :</a:t>
+                </a:r>
+              </a:p>
+              <a:p>
+                <a:pPr marL="0" lvl="0" indent="0">
+                  <a:buNone/>
+                </a:pPr>
+                <a14:m>
+                  <m:oMathPara xmlns:m="http://schemas.openxmlformats.org/officeDocument/2006/math">
+                    <m:oMathParaPr>
+                      <m:jc m:val="center"/>
+                    </m:oMathParaPr>
+                    <m:oMath xmlns:m="http://schemas.openxmlformats.org/officeDocument/2006/math">
+                      <m:r>
+                        <a:rPr>
+                          <a:latin typeface="Cambria Math" panose="02040503050406030204" pitchFamily="18" charset="0"/>
+                        </a:rPr>
+                        <m:t>𝛥</m:t>
+                      </m:r>
+                      <m:sSub>
+                        <m:sSubPr>
+                          <m:ctrlPr>
+                            <a:rPr i="1">
+                              <a:latin typeface="Cambria Math" panose="02040503050406030204" pitchFamily="18" charset="0"/>
+                            </a:rPr>
+                          </m:ctrlPr>
+                        </m:sSubPr>
+                        <m:e>
+                          <m:r>
+                            <a:rPr>
+                              <a:latin typeface="Cambria Math" panose="02040503050406030204" pitchFamily="18" charset="0"/>
+                            </a:rPr>
+                            <m:t>𝑦</m:t>
+                          </m:r>
+                        </m:e>
+                        <m:sub>
+                          <m:r>
+                            <a:rPr>
+                              <a:latin typeface="Cambria Math" panose="02040503050406030204" pitchFamily="18" charset="0"/>
+                            </a:rPr>
+                            <m:t>𝑡</m:t>
+                          </m:r>
+                        </m:sub>
+                      </m:sSub>
+                      <m:r>
+                        <a:rPr>
+                          <a:latin typeface="Cambria Math" panose="02040503050406030204" pitchFamily="18" charset="0"/>
+                        </a:rPr>
+                        <m:t>=</m:t>
+                      </m:r>
+                      <m:sSub>
+                        <m:sSubPr>
+                          <m:ctrlPr>
+                            <a:rPr i="1">
+                              <a:latin typeface="Cambria Math" panose="02040503050406030204" pitchFamily="18" charset="0"/>
+                            </a:rPr>
+                          </m:ctrlPr>
+                        </m:sSubPr>
+                        <m:e>
+                          <m:r>
+                            <a:rPr>
+                              <a:latin typeface="Cambria Math" panose="02040503050406030204" pitchFamily="18" charset="0"/>
+                            </a:rPr>
+                            <m:t>𝑦</m:t>
+                          </m:r>
+                        </m:e>
+                        <m:sub>
+                          <m:r>
+                            <a:rPr>
+                              <a:latin typeface="Cambria Math" panose="02040503050406030204" pitchFamily="18" charset="0"/>
+                            </a:rPr>
+                            <m:t>𝑡</m:t>
+                          </m:r>
+                        </m:sub>
+                      </m:sSub>
+                      <m:r>
+                        <a:rPr>
+                          <a:latin typeface="Cambria Math" panose="02040503050406030204" pitchFamily="18" charset="0"/>
+                        </a:rPr>
+                        <m:t>−</m:t>
+                      </m:r>
+                      <m:sSub>
+                        <m:sSubPr>
+                          <m:ctrlPr>
+                            <a:rPr i="1">
+                              <a:latin typeface="Cambria Math" panose="02040503050406030204" pitchFamily="18" charset="0"/>
+                            </a:rPr>
+                          </m:ctrlPr>
+                        </m:sSubPr>
+                        <m:e>
+                          <m:r>
+                            <a:rPr>
+                              <a:latin typeface="Cambria Math" panose="02040503050406030204" pitchFamily="18" charset="0"/>
+                            </a:rPr>
+                            <m:t>𝑦</m:t>
+                          </m:r>
+                        </m:e>
+                        <m:sub>
+                          <m:r>
+                            <a:rPr>
+                              <a:latin typeface="Cambria Math" panose="02040503050406030204" pitchFamily="18" charset="0"/>
+                            </a:rPr>
+                            <m:t>𝑡</m:t>
+                          </m:r>
+                          <m:r>
+                            <a:rPr>
+                              <a:latin typeface="Cambria Math" panose="02040503050406030204" pitchFamily="18" charset="0"/>
+                            </a:rPr>
+                            <m:t>−1</m:t>
+                          </m:r>
+                        </m:sub>
+                      </m:sSub>
+                    </m:oMath>
+                  </m:oMathPara>
+                </a14:m>
+                <a:endParaRPr dirty="0"/>
+              </a:p>
+              <a:p>
+                <a:pPr marL="0" lvl="0" indent="0">
+                  <a:buNone/>
+                </a:pPr>
+                <a:r>
+                  <a:rPr dirty="0" err="1"/>
+                  <a:t>Cette</a:t>
+                </a:r>
+                <a:r>
+                  <a:rPr dirty="0"/>
+                  <a:t> </a:t>
+                </a:r>
+                <a:r>
+                  <a:rPr dirty="0" err="1"/>
+                  <a:t>équation</a:t>
+                </a:r>
+                <a:r>
+                  <a:rPr dirty="0"/>
+                  <a:t> </a:t>
+                </a:r>
+                <a:r>
+                  <a:rPr dirty="0" err="1"/>
+                  <a:t>montre</a:t>
+                </a:r>
+                <a:r>
+                  <a:rPr dirty="0"/>
+                  <a:t> que </a:t>
+                </a:r>
+                <a:r>
+                  <a:rPr dirty="0" err="1"/>
+                  <a:t>chaque</a:t>
+                </a:r>
+                <a:r>
+                  <a:rPr dirty="0"/>
+                  <a:t> observation </a:t>
+                </a:r>
+                <a14:m>
+                  <m:oMath xmlns:m="http://schemas.openxmlformats.org/officeDocument/2006/math">
+                    <m:sSub>
+                      <m:sSubPr>
+                        <m:ctrlPr>
+                          <a:rPr i="1">
+                            <a:latin typeface="Cambria Math" panose="02040503050406030204" pitchFamily="18" charset="0"/>
+                          </a:rPr>
+                        </m:ctrlPr>
+                      </m:sSubPr>
+                      <m:e>
+                        <m:r>
+                          <a:rPr>
+                            <a:latin typeface="Cambria Math" panose="02040503050406030204" pitchFamily="18" charset="0"/>
+                          </a:rPr>
+                          <m:t>𝑦</m:t>
+                        </m:r>
+                      </m:e>
+                      <m:sub>
+                        <m:r>
+                          <a:rPr>
+                            <a:latin typeface="Cambria Math" panose="02040503050406030204" pitchFamily="18" charset="0"/>
+                          </a:rPr>
+                          <m:t>𝑡</m:t>
+                        </m:r>
+                      </m:sub>
+                    </m:sSub>
+                  </m:oMath>
+                </a14:m>
+                <a:r>
+                  <a:rPr dirty="0" err="1"/>
+                  <a:t>est</a:t>
+                </a:r>
+                <a:r>
+                  <a:rPr dirty="0"/>
+                  <a:t> </a:t>
+                </a:r>
+                <a:r>
+                  <a:rPr dirty="0" err="1"/>
+                  <a:t>soustraite</a:t>
+                </a:r>
+                <a:r>
+                  <a:rPr dirty="0"/>
+                  <a:t> de son observation </a:t>
+                </a:r>
+                <a:r>
+                  <a:rPr dirty="0" err="1"/>
+                  <a:t>précédente</a:t>
+                </a:r>
+                <a:r>
+                  <a:rPr dirty="0"/>
+                  <a:t> </a:t>
+                </a:r>
+                <a14:m>
+                  <m:oMath xmlns:m="http://schemas.openxmlformats.org/officeDocument/2006/math">
+                    <m:sSub>
+                      <m:sSubPr>
+                        <m:ctrlPr>
+                          <a:rPr i="1">
+                            <a:latin typeface="Cambria Math" panose="02040503050406030204" pitchFamily="18" charset="0"/>
+                          </a:rPr>
+                        </m:ctrlPr>
+                      </m:sSubPr>
+                      <m:e>
+                        <m:r>
+                          <a:rPr>
+                            <a:latin typeface="Cambria Math" panose="02040503050406030204" pitchFamily="18" charset="0"/>
+                          </a:rPr>
+                          <m:t>𝑦</m:t>
+                        </m:r>
+                      </m:e>
+                      <m:sub>
+                        <m:r>
+                          <a:rPr>
+                            <a:latin typeface="Cambria Math" panose="02040503050406030204" pitchFamily="18" charset="0"/>
+                          </a:rPr>
+                          <m:t>𝑡</m:t>
+                        </m:r>
+                        <m:r>
+                          <a:rPr>
+                            <a:latin typeface="Cambria Math" panose="02040503050406030204" pitchFamily="18" charset="0"/>
+                          </a:rPr>
+                          <m:t>−1</m:t>
+                        </m:r>
+                      </m:sub>
+                    </m:sSub>
+                  </m:oMath>
+                </a14:m>
+                <a:r>
+                  <a:rPr dirty="0"/>
+                  <a:t> pour </a:t>
+                </a:r>
+                <a:r>
+                  <a:rPr dirty="0" err="1"/>
+                  <a:t>obtenir</a:t>
+                </a:r>
+                <a:r>
+                  <a:rPr dirty="0"/>
+                  <a:t> la </a:t>
+                </a:r>
+                <a:r>
+                  <a:rPr dirty="0" err="1"/>
+                  <a:t>différence</a:t>
+                </a:r>
+                <a:r>
+                  <a:rPr dirty="0"/>
+                  <a:t> première </a:t>
+                </a:r>
+                <a14:m>
+                  <m:oMath xmlns:m="http://schemas.openxmlformats.org/officeDocument/2006/math">
+                    <m:r>
+                      <a:rPr>
+                        <a:latin typeface="Cambria Math" panose="02040503050406030204" pitchFamily="18" charset="0"/>
+                      </a:rPr>
+                      <m:t>𝛥</m:t>
+                    </m:r>
+                    <m:sSub>
+                      <m:sSubPr>
+                        <m:ctrlPr>
+                          <a:rPr i="1">
+                            <a:latin typeface="Cambria Math" panose="02040503050406030204" pitchFamily="18" charset="0"/>
+                          </a:rPr>
+                        </m:ctrlPr>
+                      </m:sSubPr>
+                      <m:e>
+                        <m:r>
+                          <a:rPr>
+                            <a:latin typeface="Cambria Math" panose="02040503050406030204" pitchFamily="18" charset="0"/>
+                          </a:rPr>
+                          <m:t>𝑦</m:t>
+                        </m:r>
+                      </m:e>
+                      <m:sub>
+                        <m:r>
+                          <a:rPr>
+                            <a:latin typeface="Cambria Math" panose="02040503050406030204" pitchFamily="18" charset="0"/>
+                          </a:rPr>
+                          <m:t>𝑡</m:t>
+                        </m:r>
+                      </m:sub>
+                    </m:sSub>
+                  </m:oMath>
+                </a14:m>
+                <a:r>
+                  <a:rPr dirty="0"/>
+                  <a:t>. </a:t>
+                </a:r>
+                <a:r>
+                  <a:rPr dirty="0" err="1"/>
+                  <a:t>Cela</a:t>
+                </a:r>
+                <a:r>
+                  <a:rPr dirty="0"/>
+                  <a:t> </a:t>
+                </a:r>
+                <a:r>
+                  <a:rPr dirty="0" err="1"/>
+                  <a:t>peut</a:t>
+                </a:r>
+                <a:r>
+                  <a:rPr dirty="0"/>
+                  <a:t> </a:t>
+                </a:r>
+                <a:r>
+                  <a:rPr dirty="0" err="1"/>
+                  <a:t>être</a:t>
+                </a:r>
+                <a:r>
+                  <a:rPr dirty="0"/>
+                  <a:t> </a:t>
+                </a:r>
+                <a:r>
+                  <a:rPr dirty="0" err="1"/>
+                  <a:t>répété</a:t>
+                </a:r>
+                <a:r>
+                  <a:rPr dirty="0"/>
+                  <a:t> pour </a:t>
+                </a:r>
+                <a:r>
+                  <a:rPr dirty="0" err="1"/>
+                  <a:t>chaque</a:t>
+                </a:r>
+                <a:r>
+                  <a:rPr dirty="0"/>
+                  <a:t> observation dans la </a:t>
+                </a:r>
+                <a:r>
+                  <a:rPr dirty="0" err="1"/>
+                  <a:t>série</a:t>
+                </a:r>
+                <a:r>
+                  <a:rPr dirty="0"/>
+                  <a:t>, </a:t>
+                </a:r>
+                <a:r>
+                  <a:rPr dirty="0" err="1"/>
+                  <a:t>créant</a:t>
+                </a:r>
+                <a:r>
+                  <a:rPr dirty="0"/>
+                  <a:t> </a:t>
+                </a:r>
+                <a:r>
+                  <a:rPr dirty="0" err="1"/>
+                  <a:t>ainsi</a:t>
+                </a:r>
+                <a:r>
+                  <a:rPr dirty="0"/>
+                  <a:t> </a:t>
+                </a:r>
+                <a:r>
+                  <a:rPr dirty="0" err="1"/>
+                  <a:t>une</a:t>
+                </a:r>
+                <a:r>
+                  <a:rPr dirty="0"/>
+                  <a:t> nouvelle </a:t>
+                </a:r>
+                <a:r>
+                  <a:rPr dirty="0" err="1"/>
+                  <a:t>série</a:t>
+                </a:r>
+                <a:r>
+                  <a:rPr dirty="0"/>
+                  <a:t> de </a:t>
+                </a:r>
+                <a:r>
+                  <a:rPr dirty="0" err="1"/>
+                  <a:t>différences</a:t>
+                </a:r>
+                <a:r>
+                  <a:rPr dirty="0"/>
+                  <a:t> premières avec </a:t>
+                </a:r>
+                <a:r>
+                  <a:rPr dirty="0" err="1"/>
+                  <a:t>une</a:t>
+                </a:r>
+                <a:r>
+                  <a:rPr dirty="0"/>
+                  <a:t> longueur de </a:t>
+                </a:r>
+                <a14:m>
+                  <m:oMath xmlns:m="http://schemas.openxmlformats.org/officeDocument/2006/math">
+                    <m:r>
+                      <a:rPr>
+                        <a:latin typeface="Cambria Math" panose="02040503050406030204" pitchFamily="18" charset="0"/>
+                      </a:rPr>
+                      <m:t>𝑇</m:t>
+                    </m:r>
+                    <m:r>
+                      <a:rPr>
+                        <a:latin typeface="Cambria Math" panose="02040503050406030204" pitchFamily="18" charset="0"/>
+                      </a:rPr>
+                      <m:t>−1</m:t>
+                    </m:r>
+                  </m:oMath>
+                </a14:m>
+                <a:r>
+                  <a:rPr dirty="0"/>
+                  <a:t>, car la première observation </a:t>
+                </a:r>
+                <a:r>
+                  <a:rPr dirty="0" err="1"/>
+                  <a:t>n’a</a:t>
+                </a:r>
+                <a:r>
+                  <a:rPr dirty="0"/>
+                  <a:t> pas de </a:t>
+                </a:r>
+                <a:r>
+                  <a:rPr dirty="0" err="1"/>
+                  <a:t>valeur</a:t>
+                </a:r>
+                <a:r>
+                  <a:rPr dirty="0"/>
+                  <a:t> </a:t>
+                </a:r>
+                <a:r>
+                  <a:rPr dirty="0" err="1"/>
+                  <a:t>précédente</a:t>
+                </a:r>
+                <a:r>
+                  <a:rPr dirty="0"/>
+                  <a:t> </a:t>
+                </a:r>
+                <a:r>
+                  <a:rPr dirty="0" err="1"/>
+                  <a:t>à</a:t>
+                </a:r>
+                <a:r>
+                  <a:rPr dirty="0"/>
+                  <a:t> </a:t>
+                </a:r>
+                <a:r>
+                  <a:rPr dirty="0" err="1"/>
+                  <a:t>soustraire</a:t>
+                </a:r>
+                <a:r>
+                  <a:rPr dirty="0"/>
+                  <a:t>.</a:t>
+                </a:r>
+              </a:p>
+              <a:p>
+                <a:pPr marL="0" lvl="0" indent="0">
+                  <a:buNone/>
+                </a:pPr>
+                <a:r>
+                  <a:rPr dirty="0" err="1"/>
+                  <a:t>L’opération</a:t>
+                </a:r>
+                <a:r>
+                  <a:rPr dirty="0"/>
+                  <a:t> de </a:t>
+                </a:r>
+                <a:r>
+                  <a:rPr dirty="0" err="1"/>
+                  <a:t>différenciation</a:t>
+                </a:r>
+                <a:r>
+                  <a:rPr dirty="0"/>
+                  <a:t> </a:t>
+                </a:r>
+                <a:r>
+                  <a:rPr dirty="0" err="1"/>
+                  <a:t>peut</a:t>
+                </a:r>
+                <a:r>
+                  <a:rPr dirty="0"/>
+                  <a:t> </a:t>
+                </a:r>
+                <a:r>
+                  <a:rPr dirty="0" err="1"/>
+                  <a:t>être</a:t>
+                </a:r>
+                <a:r>
+                  <a:rPr dirty="0"/>
+                  <a:t> </a:t>
+                </a:r>
+                <a:r>
+                  <a:rPr dirty="0" err="1"/>
+                  <a:t>répétée</a:t>
+                </a:r>
+                <a:r>
+                  <a:rPr dirty="0"/>
+                  <a:t> </a:t>
+                </a:r>
+                <a:r>
+                  <a:rPr dirty="0" err="1"/>
+                  <a:t>plusieurs</a:t>
+                </a:r>
+                <a:r>
+                  <a:rPr dirty="0"/>
+                  <a:t> </a:t>
+                </a:r>
+                <a:r>
+                  <a:rPr dirty="0" err="1"/>
+                  <a:t>fois</a:t>
+                </a:r>
+                <a:r>
+                  <a:rPr dirty="0"/>
+                  <a:t> </a:t>
+                </a:r>
+                <a:r>
+                  <a:rPr dirty="0" err="1"/>
+                  <a:t>si</a:t>
+                </a:r>
+                <a:r>
+                  <a:rPr dirty="0"/>
+                  <a:t> </a:t>
+                </a:r>
+                <a:r>
+                  <a:rPr dirty="0" err="1"/>
+                  <a:t>nécessaire</a:t>
+                </a:r>
+                <a:r>
+                  <a:rPr dirty="0"/>
+                  <a:t> pour </a:t>
+                </a:r>
+                <a:r>
+                  <a:rPr dirty="0" err="1"/>
+                  <a:t>obtenir</a:t>
+                </a:r>
+                <a:r>
+                  <a:rPr dirty="0"/>
+                  <a:t> </a:t>
+                </a:r>
+                <a:r>
+                  <a:rPr dirty="0" err="1"/>
+                  <a:t>une</a:t>
+                </a:r>
+                <a:r>
+                  <a:rPr dirty="0"/>
+                  <a:t> </a:t>
+                </a:r>
+                <a:r>
+                  <a:rPr dirty="0" err="1"/>
+                  <a:t>série</a:t>
+                </a:r>
+                <a:r>
+                  <a:rPr dirty="0"/>
+                  <a:t> encore plus </a:t>
+                </a:r>
+                <a:r>
+                  <a:rPr dirty="0" err="1"/>
+                  <a:t>stationnaire</a:t>
+                </a:r>
+                <a:r>
+                  <a:rPr dirty="0"/>
+                  <a:t>, </a:t>
+                </a:r>
+                <a:r>
+                  <a:rPr dirty="0" err="1"/>
+                  <a:t>en</a:t>
+                </a:r>
+                <a:r>
+                  <a:rPr dirty="0"/>
+                  <a:t> </a:t>
+                </a:r>
+                <a:r>
+                  <a:rPr dirty="0" err="1"/>
+                  <a:t>soustrayant</a:t>
+                </a:r>
+                <a:r>
+                  <a:rPr dirty="0"/>
+                  <a:t> </a:t>
+                </a:r>
+                <a:r>
+                  <a:rPr dirty="0" err="1"/>
+                  <a:t>chaque</a:t>
+                </a:r>
+                <a:r>
+                  <a:rPr dirty="0"/>
+                  <a:t> observation par son observation </a:t>
+                </a:r>
+                <a:r>
+                  <a:rPr dirty="0" err="1"/>
+                  <a:t>précédente</a:t>
+                </a:r>
+                <a:r>
+                  <a:rPr dirty="0"/>
+                  <a:t> dans la </a:t>
+                </a:r>
+                <a:r>
+                  <a:rPr dirty="0" err="1"/>
+                  <a:t>série</a:t>
+                </a:r>
+                <a:r>
+                  <a:rPr dirty="0"/>
+                  <a:t> de </a:t>
+                </a:r>
+                <a:r>
+                  <a:rPr dirty="0" err="1"/>
+                  <a:t>différences</a:t>
+                </a:r>
+                <a:r>
+                  <a:rPr dirty="0"/>
+                  <a:t> premières. La </a:t>
+                </a:r>
+                <a:r>
+                  <a:rPr dirty="0" err="1"/>
+                  <a:t>série</a:t>
+                </a:r>
+                <a:r>
+                  <a:rPr dirty="0"/>
+                  <a:t> </a:t>
+                </a:r>
+                <a:r>
+                  <a:rPr dirty="0" err="1"/>
+                  <a:t>résultante</a:t>
+                </a:r>
+                <a:r>
+                  <a:rPr dirty="0"/>
+                  <a:t> </a:t>
+                </a:r>
+                <a:r>
+                  <a:rPr dirty="0" err="1"/>
+                  <a:t>est</a:t>
+                </a:r>
+                <a:r>
+                  <a:rPr dirty="0"/>
+                  <a:t> </a:t>
+                </a:r>
+                <a:r>
+                  <a:rPr dirty="0" err="1"/>
+                  <a:t>appelée</a:t>
+                </a:r>
+                <a:r>
+                  <a:rPr dirty="0"/>
+                  <a:t> </a:t>
+                </a:r>
+                <a:r>
+                  <a:rPr dirty="0" err="1"/>
+                  <a:t>série</a:t>
+                </a:r>
+                <a:r>
+                  <a:rPr dirty="0"/>
+                  <a:t> de </a:t>
+                </a:r>
+                <a:r>
+                  <a:rPr dirty="0" err="1"/>
+                  <a:t>différences</a:t>
+                </a:r>
+                <a:r>
+                  <a:rPr dirty="0"/>
+                  <a:t> </a:t>
+                </a:r>
+                <a:r>
+                  <a:rPr dirty="0" err="1"/>
+                  <a:t>d’ordre</a:t>
+                </a:r>
+                <a:r>
+                  <a:rPr dirty="0"/>
+                  <a:t> </a:t>
+                </a:r>
+                <a14:m>
+                  <m:oMath xmlns:m="http://schemas.openxmlformats.org/officeDocument/2006/math">
+                    <m:r>
+                      <a:rPr>
+                        <a:latin typeface="Cambria Math" panose="02040503050406030204" pitchFamily="18" charset="0"/>
+                      </a:rPr>
+                      <m:t>𝑑</m:t>
+                    </m:r>
+                  </m:oMath>
+                </a14:m>
+                <a:r>
+                  <a:rPr dirty="0"/>
+                  <a:t>, </a:t>
+                </a:r>
+                <a:r>
+                  <a:rPr dirty="0" err="1"/>
+                  <a:t>où</a:t>
+                </a:r>
+                <a:r>
+                  <a:rPr dirty="0"/>
+                  <a:t> </a:t>
+                </a:r>
+                <a14:m>
+                  <m:oMath xmlns:m="http://schemas.openxmlformats.org/officeDocument/2006/math">
+                    <m:r>
+                      <a:rPr>
+                        <a:latin typeface="Cambria Math" panose="02040503050406030204" pitchFamily="18" charset="0"/>
+                      </a:rPr>
+                      <m:t>𝑑</m:t>
+                    </m:r>
+                  </m:oMath>
+                </a14:m>
+                <a:r>
+                  <a:rPr dirty="0"/>
+                  <a:t> </a:t>
+                </a:r>
+                <a:r>
+                  <a:rPr dirty="0" err="1"/>
+                  <a:t>représente</a:t>
+                </a:r>
+                <a:r>
+                  <a:rPr dirty="0"/>
+                  <a:t> le </a:t>
+                </a:r>
+                <a:r>
+                  <a:rPr dirty="0" err="1"/>
+                  <a:t>nombre</a:t>
+                </a:r>
+                <a:r>
+                  <a:rPr dirty="0"/>
+                  <a:t> de </a:t>
+                </a:r>
+                <a:r>
+                  <a:rPr dirty="0" err="1"/>
+                  <a:t>différences</a:t>
+                </a:r>
+                <a:r>
+                  <a:rPr dirty="0"/>
+                  <a:t> </a:t>
+                </a:r>
+                <a:r>
+                  <a:rPr dirty="0" err="1"/>
+                  <a:t>effectuées</a:t>
+                </a:r>
+                <a:r>
+                  <a:rPr dirty="0"/>
+                  <a:t>.</a:t>
+                </a:r>
+              </a:p>
+              <a:p>
+                <a:pPr marL="0" lvl="0" indent="0">
+                  <a:buNone/>
+                </a:pPr>
+                <a:r>
+                  <a:rPr dirty="0" err="1"/>
+                  <a:t>Voici</a:t>
+                </a:r>
+                <a:r>
+                  <a:rPr dirty="0"/>
+                  <a:t> un </a:t>
+                </a:r>
+                <a:r>
+                  <a:rPr dirty="0" err="1"/>
+                  <a:t>exemple</a:t>
+                </a:r>
+                <a:r>
+                  <a:rPr dirty="0"/>
+                  <a:t> </a:t>
+                </a:r>
+                <a:r>
+                  <a:rPr dirty="0" err="1"/>
+                  <a:t>d’équation</a:t>
+                </a:r>
+                <a:r>
+                  <a:rPr dirty="0"/>
+                  <a:t> LaTeX pour </a:t>
+                </a:r>
+                <a:r>
+                  <a:rPr dirty="0" err="1"/>
+                  <a:t>représenter</a:t>
+                </a:r>
+                <a:r>
+                  <a:rPr dirty="0"/>
+                  <a:t> la </a:t>
+                </a:r>
+                <a:r>
+                  <a:rPr dirty="0" err="1"/>
+                  <a:t>série</a:t>
+                </a:r>
+                <a:r>
+                  <a:rPr dirty="0"/>
+                  <a:t> de </a:t>
+                </a:r>
+                <a:r>
+                  <a:rPr dirty="0" err="1"/>
+                  <a:t>différences</a:t>
+                </a:r>
+                <a:r>
+                  <a:rPr dirty="0"/>
+                  <a:t> premières : </a:t>
+                </a:r>
+                <a:r>
+                  <a:rPr dirty="0" err="1"/>
+                  <a:t>Cette</a:t>
+                </a:r>
+                <a:r>
+                  <a:rPr dirty="0"/>
+                  <a:t> </a:t>
+                </a:r>
+                <a:r>
+                  <a:rPr dirty="0" err="1"/>
+                  <a:t>équation</a:t>
+                </a:r>
+                <a:r>
+                  <a:rPr dirty="0"/>
+                  <a:t> </a:t>
+                </a:r>
+                <a:r>
+                  <a:rPr dirty="0" err="1"/>
+                  <a:t>peut</a:t>
+                </a:r>
+                <a:r>
+                  <a:rPr dirty="0"/>
+                  <a:t> </a:t>
+                </a:r>
+                <a:r>
+                  <a:rPr dirty="0" err="1"/>
+                  <a:t>être</a:t>
+                </a:r>
+                <a:r>
+                  <a:rPr dirty="0"/>
+                  <a:t> </a:t>
+                </a:r>
+                <a:r>
+                  <a:rPr dirty="0" err="1"/>
+                  <a:t>utilisée</a:t>
+                </a:r>
+                <a:r>
+                  <a:rPr dirty="0"/>
+                  <a:t> dans les documents LaTeX pour </a:t>
+                </a:r>
+                <a:r>
+                  <a:rPr dirty="0" err="1"/>
+                  <a:t>représenter</a:t>
+                </a:r>
+                <a:r>
+                  <a:rPr dirty="0"/>
+                  <a:t> </a:t>
+                </a:r>
+                <a:r>
+                  <a:rPr dirty="0" err="1"/>
+                  <a:t>mathématiquement</a:t>
+                </a:r>
+                <a:r>
+                  <a:rPr dirty="0"/>
+                  <a:t> le concept de </a:t>
+                </a:r>
+                <a:r>
+                  <a:rPr dirty="0" err="1"/>
+                  <a:t>différenciation</a:t>
+                </a:r>
+                <a:r>
+                  <a:rPr dirty="0"/>
+                  <a:t> dans </a:t>
+                </a:r>
+                <a:r>
+                  <a:rPr dirty="0" err="1"/>
+                  <a:t>l’analyse</a:t>
+                </a:r>
+                <a:r>
+                  <a:rPr dirty="0"/>
+                  <a:t> des </a:t>
+                </a:r>
+                <a:r>
+                  <a:rPr dirty="0" err="1"/>
+                  <a:t>séries</a:t>
+                </a:r>
+                <a:r>
+                  <a:rPr dirty="0"/>
+                  <a:t> </a:t>
+                </a:r>
+                <a:r>
+                  <a:rPr dirty="0" err="1"/>
+                  <a:t>chronologiques</a:t>
+                </a:r>
+                <a:r>
+                  <a:rPr dirty="0"/>
+                  <a:t>.</a:t>
+                </a:r>
+              </a:p>
+            </p:txBody>
+          </p:sp>
+        </mc:Choice>
+        <mc:Fallback>
+          <p:sp>
+            <p:nvSpPr>
+              <p:cNvPr id="3" name="Content Placeholder 2"/>
+              <p:cNvSpPr>
+                <a:spLocks noGrp="1" noRot="1" noChangeAspect="1" noMove="1" noResize="1" noEditPoints="1" noAdjustHandles="1" noChangeArrowheads="1" noChangeShapeType="1" noTextEdit="1"/>
+              </p:cNvSpPr>
+              <p:nvPr>
+                <p:ph idx="1"/>
+              </p:nvPr>
+            </p:nvSpPr>
+            <p:spPr>
+              <a:blipFill>
+                <a:blip r:embed="rId2"/>
+                <a:stretch>
+                  <a:fillRect l="-154" t="-1493" r="-617"/>
+                </a:stretch>
+              </a:blipFill>
+            </p:spPr>
+            <p:txBody>
+              <a:bodyPr/>
+              <a:lstStyle/>
+              <a:p>
+                <a:r>
+                  <a:rPr lang="en-HT">
+                    <a:noFill/>
                   </a:rPr>
-                  <m:t>𝑇</m:t>
-                </m:r>
-                <m:r>
-                  <a:rPr>
-                    <a:latin typeface="Cambria Math" panose="02040503050406030204" pitchFamily="18" charset="0"/>
-                  </a:rPr>
-                  <m:t>−1</m:t>
-                </m:r>
-              </m:oMath>
-            </a14:m>
-            <a:r>
-              <a:t>, car la première observation n’a pas de valeur précédente à soustraire.</a:t>
-            </a:r>
-          </a:p>
-          <a:p>
-            <a:pPr marL="0" lvl="0" indent="0">
-              <a:buNone/>
-            </a:pPr>
-            <a:r>
-              <a:t>L’opération de différenciation peut être répétée plusieurs fois si nécessaire pour obtenir une série encore plus stationnaire, en soustrayant chaque observation par son observation précédente dans la série de différences premières. La série résultante est appelée série de différences d’ordre </a:t>
-            </a:r>
-            <a14:m xmlns:a14="http://schemas.microsoft.com/office/drawing/2010/main">
-              <m:oMath xmlns:m="http://schemas.openxmlformats.org/officeDocument/2006/math">
-                <m:r>
-                  <a:rPr>
-                    <a:latin typeface="Cambria Math" panose="02040503050406030204" pitchFamily="18" charset="0"/>
-                  </a:rPr>
-                  <m:t>𝑑</m:t>
-                </m:r>
-              </m:oMath>
-            </a14:m>
-            <a:r>
-              <a:t>, où </a:t>
-            </a:r>
-            <a14:m xmlns:a14="http://schemas.microsoft.com/office/drawing/2010/main">
-              <m:oMath xmlns:m="http://schemas.openxmlformats.org/officeDocument/2006/math">
-                <m:r>
-                  <a:rPr>
-                    <a:latin typeface="Cambria Math" panose="02040503050406030204" pitchFamily="18" charset="0"/>
-                  </a:rPr>
-                  <m:t>𝑑</m:t>
-                </m:r>
-              </m:oMath>
-            </a14:m>
-            <a:r>
-              <a:t> représente le nombre de différences effectuées.</a:t>
-            </a:r>
-          </a:p>
-          <a:p>
-            <a:pPr marL="0" lvl="0" indent="0">
-              <a:buNone/>
-            </a:pPr>
-            <a:r>
-              <a:t>Voici un exemple d’équation LaTeX pour représenter la série de différences premières : Cette équation peut être utilisée dans les documents LaTeX pour représenter mathématiquement le concept de différenciation dans l’analyse des séries chronologiques.</a:t>
-            </a:r>
-          </a:p>
-        </p:txBody>
-      </p:sp>
+                  <a:t> </a:t>
+                </a:r>
+              </a:p>
+            </p:txBody>
+          </p:sp>
+        </mc:Fallback>
+      </mc:AlternateContent>
     </p:spTree>
   </p:cSld>
   <p:clrMapOvr>
@@ -6831,7 +11084,9 @@
         </p:nvSpPr>
         <p:spPr/>
         <p:txBody>
-          <a:bodyPr/>
+          <a:bodyPr>
+            <a:normAutofit fontScale="55000" lnSpcReduction="20000"/>
+          </a:bodyPr>
           <a:lstStyle/>
           <a:p>
             <a:pPr marL="0" lvl="0" indent="0">
@@ -7434,7 +11689,9 @@
         </p:nvSpPr>
         <p:spPr/>
         <p:txBody>
-          <a:bodyPr/>
+          <a:bodyPr>
+            <a:normAutofit fontScale="90000"/>
+          </a:bodyPr>
           <a:lstStyle/>
           <a:p>
             <a:pPr marL="0" lvl="0" indent="0">
@@ -7579,476 +11836,515 @@
           </a:p>
         </p:txBody>
       </p:sp>
-      <p:sp>
-        <p:nvSpPr>
-          <p:cNvPr id="3" name="Content Placeholder 2"/>
-          <p:cNvSpPr>
-            <a:spLocks noGrp="1"/>
-          </p:cNvSpPr>
-          <p:nvPr>
-            <p:ph idx="1"/>
-          </p:nvPr>
-        </p:nvSpPr>
-        <p:spPr/>
-        <p:txBody>
-          <a:bodyPr/>
-          <a:lstStyle/>
-          <a:p>
-            <a:pPr marL="0" lvl="0" indent="0">
-              <a:buNone/>
-            </a:pPr>
-            <a:r>
-              <a:t>Les critères d’information sont des outils utilisés en statistiques pour sélectionner un modèle parmi un ensemble de modèles candidats. L’objectif est de choisir le modèle qui offre un bon équilibre entre l’ajustement aux données et la complexité du modèle. Les deux critères d’information les plus couramment utilisés sont le Critère d’Information Akaike (AIC) et le Critère d’Information Bayésien (BIC). Voici une explication de ces deux critères :</a:t>
-            </a:r>
-          </a:p>
-          <a:p>
-            <a:pPr marL="342900" lvl="0" indent="-342900">
-              <a:buAutoNum type="arabicPeriod"/>
-            </a:pPr>
-            <a:r>
-              <a:rPr b="1"/>
-              <a:t>Critère d’Information Akaike (AIC)</a:t>
-            </a:r>
-            <a:r>
-              <a:t> :</a:t>
-            </a:r>
-          </a:p>
-          <a:p>
-            <a:pPr lvl="1"/>
-            <a:r>
-              <a:t>Le Critère d’Information Akaike (AIC) a été développé par Hirotugu Akaike dans les années 1970. Il est basé sur la théorie de l’information et est largement utilisé pour comparer des modèles statistiques.</a:t>
-            </a:r>
-          </a:p>
-          <a:p>
-            <a:pPr lvl="1"/>
-            <a:r>
-              <a:t>L’AIC est calculé à partir de la fonction de vraisemblance du modèle et de sa complexité, mesurée par le nombre de paramètres du modèle. L’AIC est défini comme :</a:t>
-            </a:r>
-          </a:p>
-          <a:p>
-            <a:pPr lvl="1"/>
-            <a14:m xmlns:a14="http://schemas.microsoft.com/office/drawing/2010/main">
-              <m:oMath xmlns:m="http://schemas.openxmlformats.org/officeDocument/2006/math">
-                <m:r>
-                  <m:rPr>
-                    <m:nor/>
-                  </m:rPr>
-                  <a:rPr/>
-                  <m:t>AIC</m:t>
-                </m:r>
-                <m:r>
-                  <a:rPr>
-                    <a:latin typeface="Cambria Math" panose="02040503050406030204" pitchFamily="18" charset="0"/>
-                  </a:rPr>
-                  <m:t>=−2×</m:t>
-                </m:r>
-                <m:r>
-                  <m:rPr>
-                    <m:nor/>
-                  </m:rPr>
-                  <a:rPr/>
-                  <m:t>log</m:t>
-                </m:r>
-                <m:r>
-                  <m:rPr>
-                    <m:nor/>
-                  </m:rPr>
-                  <a:rPr/>
-                  <m:t>−</m:t>
-                </m:r>
-                <m:r>
-                  <m:rPr>
-                    <m:nor/>
-                  </m:rPr>
-                  <a:rPr/>
-                  <m:t>vraisemblance</m:t>
-                </m:r>
-                <m:r>
-                  <m:rPr>
-                    <m:nor/>
-                  </m:rPr>
-                  <a:rPr/>
-                  <m:t> </m:t>
-                </m:r>
-                <m:r>
-                  <m:rPr>
-                    <m:nor/>
-                  </m:rPr>
-                  <a:rPr/>
-                  <m:t>maximis</m:t>
-                </m:r>
-                <m:r>
-                  <m:rPr>
-                    <m:nor/>
-                  </m:rPr>
-                  <a:rPr/>
-                  <m:t>é</m:t>
-                </m:r>
-                <m:r>
-                  <m:rPr>
-                    <m:nor/>
-                  </m:rPr>
-                  <a:rPr/>
-                  <m:t>e</m:t>
-                </m:r>
-                <m:r>
-                  <a:rPr>
-                    <a:latin typeface="Cambria Math" panose="02040503050406030204" pitchFamily="18" charset="0"/>
-                  </a:rPr>
-                  <m:t>+2×</m:t>
-                </m:r>
-                <m:r>
-                  <m:rPr>
-                    <m:nor/>
-                  </m:rPr>
-                  <a:rPr/>
-                  <m:t>nombre</m:t>
-                </m:r>
-                <m:r>
-                  <m:rPr>
-                    <m:nor/>
-                  </m:rPr>
-                  <a:rPr/>
-                  <m:t> </m:t>
-                </m:r>
-                <m:r>
-                  <m:rPr>
-                    <m:nor/>
-                  </m:rPr>
-                  <a:rPr/>
-                  <m:t>de</m:t>
-                </m:r>
-                <m:r>
-                  <m:rPr>
-                    <m:nor/>
-                  </m:rPr>
-                  <a:rPr/>
-                  <m:t> </m:t>
-                </m:r>
-                <m:r>
-                  <m:rPr>
-                    <m:nor/>
-                  </m:rPr>
-                  <a:rPr/>
-                  <m:t>param</m:t>
-                </m:r>
-                <m:r>
-                  <m:rPr>
-                    <m:nor/>
-                  </m:rPr>
-                  <a:rPr/>
-                  <m:t>è</m:t>
-                </m:r>
-                <m:r>
-                  <m:rPr>
-                    <m:nor/>
-                  </m:rPr>
-                  <a:rPr/>
-                  <m:t>tres</m:t>
-                </m:r>
-                <m:r>
-                  <m:rPr>
-                    <m:nor/>
-                  </m:rPr>
-                  <a:rPr/>
-                  <m:t> </m:t>
-                </m:r>
-                <m:r>
-                  <m:rPr>
-                    <m:nor/>
-                  </m:rPr>
-                  <a:rPr/>
-                  <m:t>du</m:t>
-                </m:r>
-                <m:r>
-                  <m:rPr>
-                    <m:nor/>
-                  </m:rPr>
-                  <a:rPr/>
-                  <m:t> </m:t>
-                </m:r>
-                <m:r>
-                  <m:rPr>
-                    <m:nor/>
-                  </m:rPr>
-                  <a:rPr/>
-                  <m:t>mod</m:t>
-                </m:r>
-                <m:r>
-                  <m:rPr>
-                    <m:nor/>
-                  </m:rPr>
-                  <a:rPr/>
-                  <m:t>è</m:t>
-                </m:r>
-                <m:r>
-                  <m:rPr>
-                    <m:nor/>
-                  </m:rPr>
-                  <a:rPr/>
-                  <m:t>le</m:t>
-                </m:r>
-              </m:oMath>
-            </a14:m>
-            <a:endParaRPr/>
-          </a:p>
-          <a:p>
-            <a:pPr lvl="1"/>
-            <a:r>
-              <a:t>Le modèle avec le plus faible AIC est considéré comme le meilleur ajustement parmi les modèles considérés.</a:t>
-            </a:r>
-          </a:p>
-          <a:p>
-            <a:pPr marL="342900" lvl="0" indent="-342900">
-              <a:buAutoNum type="arabicPeriod"/>
-            </a:pPr>
-            <a:r>
-              <a:rPr b="1"/>
-              <a:t>Critère d’Information Bayésien (BIC)</a:t>
-            </a:r>
-            <a:r>
-              <a:t> :</a:t>
-            </a:r>
-          </a:p>
-          <a:p>
-            <a:pPr lvl="1"/>
-            <a:r>
-              <a:t>Le Critère d’Information Bayésien (BIC), également connu sous le nom de Critère de Schwarz, a été développé par Gideon Schwarz dans les années 1970. Il est basé sur la théorie bayésienne de la probabilité.</a:t>
-            </a:r>
-          </a:p>
-          <a:p>
-            <a:pPr lvl="1"/>
-            <a:r>
-              <a:t>Comme l’AIC, le BIC prend en compte à la fois l’ajustement aux données et la complexité du modèle. Cependant, le BIC pénalise la complexité du modèle plus fortement que l’AIC.</a:t>
-            </a:r>
-          </a:p>
-          <a:p>
-            <a:pPr lvl="1"/>
-            <a:r>
-              <a:t>Le BIC est calculé comme suit :</a:t>
-            </a:r>
-          </a:p>
-          <a:p>
-            <a:pPr lvl="1"/>
-            <a14:m xmlns:a14="http://schemas.microsoft.com/office/drawing/2010/main">
-              <m:oMath xmlns:m="http://schemas.openxmlformats.org/officeDocument/2006/math">
-                <m:r>
-                  <m:rPr>
-                    <m:nor/>
-                  </m:rPr>
-                  <a:rPr/>
-                  <m:t>BIC</m:t>
-                </m:r>
-                <m:r>
-                  <a:rPr>
-                    <a:latin typeface="Cambria Math" panose="02040503050406030204" pitchFamily="18" charset="0"/>
-                  </a:rPr>
-                  <m:t>=−2×</m:t>
-                </m:r>
-                <m:r>
-                  <m:rPr>
-                    <m:nor/>
-                  </m:rPr>
-                  <a:rPr/>
-                  <m:t>log</m:t>
-                </m:r>
-                <m:r>
-                  <m:rPr>
-                    <m:nor/>
-                  </m:rPr>
-                  <a:rPr/>
-                  <m:t>−</m:t>
-                </m:r>
-                <m:r>
-                  <m:rPr>
-                    <m:nor/>
-                  </m:rPr>
-                  <a:rPr/>
-                  <m:t>vraisemblance</m:t>
-                </m:r>
-                <m:r>
-                  <m:rPr>
-                    <m:nor/>
-                  </m:rPr>
-                  <a:rPr/>
-                  <m:t> </m:t>
-                </m:r>
-                <m:r>
-                  <m:rPr>
-                    <m:nor/>
-                  </m:rPr>
-                  <a:rPr/>
-                  <m:t>maximis</m:t>
-                </m:r>
-                <m:r>
-                  <m:rPr>
-                    <m:nor/>
-                  </m:rPr>
-                  <a:rPr/>
-                  <m:t>é</m:t>
-                </m:r>
-                <m:r>
-                  <m:rPr>
-                    <m:nor/>
-                  </m:rPr>
-                  <a:rPr/>
-                  <m:t>e</m:t>
-                </m:r>
-                <m:r>
-                  <a:rPr>
-                    <a:latin typeface="Cambria Math" panose="02040503050406030204" pitchFamily="18" charset="0"/>
-                  </a:rPr>
-                  <m:t>+</m:t>
-                </m:r>
-                <m:r>
-                  <m:rPr>
-                    <m:sty m:val="p"/>
-                  </m:rPr>
-                  <a:rPr>
-                    <a:latin typeface="Cambria Math" panose="02040503050406030204" pitchFamily="18" charset="0"/>
-                  </a:rPr>
-                  <m:t>log</m:t>
-                </m:r>
-                <m:d>
-                  <m:dPr>
-                    <m:ctrlPr>
-                      <a:rPr i="1">
-                        <a:latin typeface="Cambria Math" panose="02040503050406030204" pitchFamily="18" charset="0"/>
-                      </a:rPr>
-                    </m:ctrlPr>
-                  </m:dPr>
-                  <m:e>
+      <mc:AlternateContent xmlns:mc="http://schemas.openxmlformats.org/markup-compatibility/2006">
+        <mc:Choice xmlns:a14="http://schemas.microsoft.com/office/drawing/2010/main" Requires="a14">
+          <p:sp>
+            <p:nvSpPr>
+              <p:cNvPr id="3" name="Content Placeholder 2"/>
+              <p:cNvSpPr>
+                <a:spLocks noGrp="1"/>
+              </p:cNvSpPr>
+              <p:nvPr>
+                <p:ph idx="1"/>
+              </p:nvPr>
+            </p:nvSpPr>
+            <p:spPr/>
+            <p:txBody>
+              <a:bodyPr>
+                <a:normAutofit fontScale="40000" lnSpcReduction="20000"/>
+              </a:bodyPr>
+              <a:lstStyle/>
+              <a:p>
+                <a:pPr marL="0" lvl="0" indent="0">
+                  <a:buNone/>
+                </a:pPr>
+                <a:r>
+                  <a:t>Les critères d’information sont des outils utilisés en statistiques pour sélectionner un modèle parmi un ensemble de modèles candidats. L’objectif est de choisir le modèle qui offre un bon équilibre entre l’ajustement aux données et la complexité du modèle. Les deux critères d’information les plus couramment utilisés sont le Critère d’Information Akaike (AIC) et le Critère d’Information Bayésien (BIC). Voici une explication de ces deux critères :</a:t>
+                </a:r>
+              </a:p>
+              <a:p>
+                <a:pPr marL="342900" lvl="0" indent="-342900">
+                  <a:buAutoNum type="arabicPeriod"/>
+                </a:pPr>
+                <a:r>
+                  <a:rPr b="1"/>
+                  <a:t>Critère d’Information Akaike (AIC)</a:t>
+                </a:r>
+                <a:r>
+                  <a:t> :</a:t>
+                </a:r>
+              </a:p>
+              <a:p>
+                <a:pPr lvl="1"/>
+                <a:r>
+                  <a:t>Le Critère d’Information Akaike (AIC) a été développé par Hirotugu Akaike dans les années 1970. Il est basé sur la théorie de l’information et est largement utilisé pour comparer des modèles statistiques.</a:t>
+                </a:r>
+              </a:p>
+              <a:p>
+                <a:pPr lvl="1"/>
+                <a:r>
+                  <a:t>L’AIC est calculé à partir de la fonction de vraisemblance du modèle et de sa complexité, mesurée par le nombre de paramètres du modèle. L’AIC est défini comme :</a:t>
+                </a:r>
+              </a:p>
+              <a:p>
+                <a:pPr lvl="1"/>
+                <a14:m>
+                  <m:oMath xmlns:m="http://schemas.openxmlformats.org/officeDocument/2006/math">
+                    <m:r>
+                      <m:rPr>
+                        <m:nor/>
+                      </m:rPr>
+                      <a:rPr/>
+                      <m:t>AIC</m:t>
+                    </m:r>
                     <m:r>
                       <a:rPr>
                         <a:latin typeface="Cambria Math" panose="02040503050406030204" pitchFamily="18" charset="0"/>
                       </a:rPr>
-                      <m:t>𝑛</m:t>
+                      <m:t>=−2×</m:t>
                     </m:r>
-                  </m:e>
-                </m:d>
-                <m:r>
-                  <a:rPr>
-                    <a:latin typeface="Cambria Math" panose="02040503050406030204" pitchFamily="18" charset="0"/>
+                    <m:r>
+                      <m:rPr>
+                        <m:nor/>
+                      </m:rPr>
+                      <a:rPr/>
+                      <m:t>log</m:t>
+                    </m:r>
+                    <m:r>
+                      <m:rPr>
+                        <m:nor/>
+                      </m:rPr>
+                      <a:rPr/>
+                      <m:t>−</m:t>
+                    </m:r>
+                    <m:r>
+                      <m:rPr>
+                        <m:nor/>
+                      </m:rPr>
+                      <a:rPr/>
+                      <m:t>vraisemblance</m:t>
+                    </m:r>
+                    <m:r>
+                      <m:rPr>
+                        <m:nor/>
+                      </m:rPr>
+                      <a:rPr/>
+                      <m:t> </m:t>
+                    </m:r>
+                    <m:r>
+                      <m:rPr>
+                        <m:nor/>
+                      </m:rPr>
+                      <a:rPr/>
+                      <m:t>maximis</m:t>
+                    </m:r>
+                    <m:r>
+                      <m:rPr>
+                        <m:nor/>
+                      </m:rPr>
+                      <a:rPr/>
+                      <m:t>é</m:t>
+                    </m:r>
+                    <m:r>
+                      <m:rPr>
+                        <m:nor/>
+                      </m:rPr>
+                      <a:rPr/>
+                      <m:t>e</m:t>
+                    </m:r>
+                    <m:r>
+                      <a:rPr>
+                        <a:latin typeface="Cambria Math" panose="02040503050406030204" pitchFamily="18" charset="0"/>
+                      </a:rPr>
+                      <m:t>+2×</m:t>
+                    </m:r>
+                    <m:r>
+                      <m:rPr>
+                        <m:nor/>
+                      </m:rPr>
+                      <a:rPr/>
+                      <m:t>nombre</m:t>
+                    </m:r>
+                    <m:r>
+                      <m:rPr>
+                        <m:nor/>
+                      </m:rPr>
+                      <a:rPr/>
+                      <m:t> </m:t>
+                    </m:r>
+                    <m:r>
+                      <m:rPr>
+                        <m:nor/>
+                      </m:rPr>
+                      <a:rPr/>
+                      <m:t>de</m:t>
+                    </m:r>
+                    <m:r>
+                      <m:rPr>
+                        <m:nor/>
+                      </m:rPr>
+                      <a:rPr/>
+                      <m:t> </m:t>
+                    </m:r>
+                    <m:r>
+                      <m:rPr>
+                        <m:nor/>
+                      </m:rPr>
+                      <a:rPr/>
+                      <m:t>param</m:t>
+                    </m:r>
+                    <m:r>
+                      <m:rPr>
+                        <m:nor/>
+                      </m:rPr>
+                      <a:rPr/>
+                      <m:t>è</m:t>
+                    </m:r>
+                    <m:r>
+                      <m:rPr>
+                        <m:nor/>
+                      </m:rPr>
+                      <a:rPr/>
+                      <m:t>tres</m:t>
+                    </m:r>
+                    <m:r>
+                      <m:rPr>
+                        <m:nor/>
+                      </m:rPr>
+                      <a:rPr/>
+                      <m:t> </m:t>
+                    </m:r>
+                    <m:r>
+                      <m:rPr>
+                        <m:nor/>
+                      </m:rPr>
+                      <a:rPr/>
+                      <m:t>du</m:t>
+                    </m:r>
+                    <m:r>
+                      <m:rPr>
+                        <m:nor/>
+                      </m:rPr>
+                      <a:rPr/>
+                      <m:t> </m:t>
+                    </m:r>
+                    <m:r>
+                      <m:rPr>
+                        <m:nor/>
+                      </m:rPr>
+                      <a:rPr/>
+                      <m:t>mod</m:t>
+                    </m:r>
+                    <m:r>
+                      <m:rPr>
+                        <m:nor/>
+                      </m:rPr>
+                      <a:rPr/>
+                      <m:t>è</m:t>
+                    </m:r>
+                    <m:r>
+                      <m:rPr>
+                        <m:nor/>
+                      </m:rPr>
+                      <a:rPr/>
+                      <m:t>le</m:t>
+                    </m:r>
+                  </m:oMath>
+                </a14:m>
+                <a:endParaRPr/>
+              </a:p>
+              <a:p>
+                <a:pPr lvl="1"/>
+                <a:r>
+                  <a:t>Le modèle avec le plus faible AIC est considéré comme le meilleur ajustement parmi les modèles considérés.</a:t>
+                </a:r>
+              </a:p>
+              <a:p>
+                <a:pPr marL="342900" lvl="0" indent="-342900">
+                  <a:buAutoNum type="arabicPeriod"/>
+                </a:pPr>
+                <a:r>
+                  <a:rPr b="1"/>
+                  <a:t>Critère d’Information Bayésien (BIC)</a:t>
+                </a:r>
+                <a:r>
+                  <a:t> :</a:t>
+                </a:r>
+              </a:p>
+              <a:p>
+                <a:pPr lvl="1"/>
+                <a:r>
+                  <a:t>Le Critère d’Information Bayésien (BIC), également connu sous le nom de Critère de Schwarz, a été développé par Gideon Schwarz dans les années 1970. Il est basé sur la théorie bayésienne de la probabilité.</a:t>
+                </a:r>
+              </a:p>
+              <a:p>
+                <a:pPr lvl="1"/>
+                <a:r>
+                  <a:t>Comme l’AIC, le BIC prend en compte à la fois l’ajustement aux données et la complexité du modèle. Cependant, le BIC pénalise la complexité du modèle plus fortement que l’AIC.</a:t>
+                </a:r>
+              </a:p>
+              <a:p>
+                <a:pPr lvl="1"/>
+                <a:r>
+                  <a:t>Le BIC est calculé comme suit :</a:t>
+                </a:r>
+              </a:p>
+              <a:p>
+                <a:pPr lvl="1"/>
+                <a14:m>
+                  <m:oMath xmlns:m="http://schemas.openxmlformats.org/officeDocument/2006/math">
+                    <m:r>
+                      <m:rPr>
+                        <m:nor/>
+                      </m:rPr>
+                      <a:rPr/>
+                      <m:t>BIC</m:t>
+                    </m:r>
+                    <m:r>
+                      <a:rPr>
+                        <a:latin typeface="Cambria Math" panose="02040503050406030204" pitchFamily="18" charset="0"/>
+                      </a:rPr>
+                      <m:t>=−2×</m:t>
+                    </m:r>
+                    <m:r>
+                      <m:rPr>
+                        <m:nor/>
+                      </m:rPr>
+                      <a:rPr/>
+                      <m:t>log</m:t>
+                    </m:r>
+                    <m:r>
+                      <m:rPr>
+                        <m:nor/>
+                      </m:rPr>
+                      <a:rPr/>
+                      <m:t>−</m:t>
+                    </m:r>
+                    <m:r>
+                      <m:rPr>
+                        <m:nor/>
+                      </m:rPr>
+                      <a:rPr/>
+                      <m:t>vraisemblance</m:t>
+                    </m:r>
+                    <m:r>
+                      <m:rPr>
+                        <m:nor/>
+                      </m:rPr>
+                      <a:rPr/>
+                      <m:t> </m:t>
+                    </m:r>
+                    <m:r>
+                      <m:rPr>
+                        <m:nor/>
+                      </m:rPr>
+                      <a:rPr/>
+                      <m:t>maximis</m:t>
+                    </m:r>
+                    <m:r>
+                      <m:rPr>
+                        <m:nor/>
+                      </m:rPr>
+                      <a:rPr/>
+                      <m:t>é</m:t>
+                    </m:r>
+                    <m:r>
+                      <m:rPr>
+                        <m:nor/>
+                      </m:rPr>
+                      <a:rPr/>
+                      <m:t>e</m:t>
+                    </m:r>
+                    <m:r>
+                      <a:rPr>
+                        <a:latin typeface="Cambria Math" panose="02040503050406030204" pitchFamily="18" charset="0"/>
+                      </a:rPr>
+                      <m:t>+</m:t>
+                    </m:r>
+                    <m:r>
+                      <m:rPr>
+                        <m:sty m:val="p"/>
+                      </m:rPr>
+                      <a:rPr>
+                        <a:latin typeface="Cambria Math" panose="02040503050406030204" pitchFamily="18" charset="0"/>
+                      </a:rPr>
+                      <m:t>log</m:t>
+                    </m:r>
+                    <m:d>
+                      <m:dPr>
+                        <m:ctrlPr>
+                          <a:rPr i="1">
+                            <a:latin typeface="Cambria Math" panose="02040503050406030204" pitchFamily="18" charset="0"/>
+                          </a:rPr>
+                        </m:ctrlPr>
+                      </m:dPr>
+                      <m:e>
+                        <m:r>
+                          <a:rPr>
+                            <a:latin typeface="Cambria Math" panose="02040503050406030204" pitchFamily="18" charset="0"/>
+                          </a:rPr>
+                          <m:t>𝑛</m:t>
+                        </m:r>
+                      </m:e>
+                    </m:d>
+                    <m:r>
+                      <a:rPr>
+                        <a:latin typeface="Cambria Math" panose="02040503050406030204" pitchFamily="18" charset="0"/>
+                      </a:rPr>
+                      <m:t>×</m:t>
+                    </m:r>
+                    <m:r>
+                      <m:rPr>
+                        <m:nor/>
+                      </m:rPr>
+                      <a:rPr/>
+                      <m:t>nombre</m:t>
+                    </m:r>
+                    <m:r>
+                      <m:rPr>
+                        <m:nor/>
+                      </m:rPr>
+                      <a:rPr/>
+                      <m:t> </m:t>
+                    </m:r>
+                    <m:r>
+                      <m:rPr>
+                        <m:nor/>
+                      </m:rPr>
+                      <a:rPr/>
+                      <m:t>de</m:t>
+                    </m:r>
+                    <m:r>
+                      <m:rPr>
+                        <m:nor/>
+                      </m:rPr>
+                      <a:rPr/>
+                      <m:t> </m:t>
+                    </m:r>
+                    <m:r>
+                      <m:rPr>
+                        <m:nor/>
+                      </m:rPr>
+                      <a:rPr/>
+                      <m:t>param</m:t>
+                    </m:r>
+                    <m:r>
+                      <m:rPr>
+                        <m:nor/>
+                      </m:rPr>
+                      <a:rPr/>
+                      <m:t>è</m:t>
+                    </m:r>
+                    <m:r>
+                      <m:rPr>
+                        <m:nor/>
+                      </m:rPr>
+                      <a:rPr/>
+                      <m:t>tres</m:t>
+                    </m:r>
+                    <m:r>
+                      <m:rPr>
+                        <m:nor/>
+                      </m:rPr>
+                      <a:rPr/>
+                      <m:t> </m:t>
+                    </m:r>
+                    <m:r>
+                      <m:rPr>
+                        <m:nor/>
+                      </m:rPr>
+                      <a:rPr/>
+                      <m:t>du</m:t>
+                    </m:r>
+                    <m:r>
+                      <m:rPr>
+                        <m:nor/>
+                      </m:rPr>
+                      <a:rPr/>
+                      <m:t> </m:t>
+                    </m:r>
+                    <m:r>
+                      <m:rPr>
+                        <m:nor/>
+                      </m:rPr>
+                      <a:rPr/>
+                      <m:t>mod</m:t>
+                    </m:r>
+                    <m:r>
+                      <m:rPr>
+                        <m:nor/>
+                      </m:rPr>
+                      <a:rPr/>
+                      <m:t>è</m:t>
+                    </m:r>
+                    <m:r>
+                      <m:rPr>
+                        <m:nor/>
+                      </m:rPr>
+                      <a:rPr/>
+                      <m:t>le</m:t>
+                    </m:r>
+                  </m:oMath>
+                </a14:m>
+                <a:endParaRPr/>
+              </a:p>
+              <a:p>
+                <a:pPr lvl="1"/>
+                <a:r>
+                  <a:t>où $ n $ est la taille de l’échantillon.</a:t>
+                </a:r>
+              </a:p>
+              <a:p>
+                <a:pPr lvl="1"/>
+                <a:r>
+                  <a:t>Comme pour l’AIC, le modèle avec le plus faible BIC est considéré comme le meilleur ajustement parmi les modèles considérés.</a:t>
+                </a:r>
+              </a:p>
+              <a:p>
+                <a:pPr marL="0" lvl="0" indent="0">
+                  <a:buNone/>
+                </a:pPr>
+                <a:r>
+                  <a:t>En résumé, les critères d’information, tels que l’AIC et le BIC, fournissent une approche objective pour comparer différents modèles statistiques en tenant compte à la fois de leur ajustement aux données et de leur complexité. Ces critères sont largement utilisés dans la sélection de modèles en statistiques et en apprentissage automatique.</a:t>
+                </a:r>
+              </a:p>
+            </p:txBody>
+          </p:sp>
+        </mc:Choice>
+        <mc:Fallback>
+          <p:sp>
+            <p:nvSpPr>
+              <p:cNvPr id="3" name="Content Placeholder 2"/>
+              <p:cNvSpPr>
+                <a:spLocks noGrp="1" noRot="1" noChangeAspect="1" noMove="1" noResize="1" noEditPoints="1" noAdjustHandles="1" noChangeArrowheads="1" noChangeShapeType="1" noTextEdit="1"/>
+              </p:cNvSpPr>
+              <p:nvPr>
+                <p:ph idx="1"/>
+              </p:nvPr>
+            </p:nvSpPr>
+            <p:spPr>
+              <a:blipFill>
+                <a:blip r:embed="rId2"/>
+                <a:stretch>
+                  <a:fillRect t="-746"/>
+                </a:stretch>
+              </a:blipFill>
+            </p:spPr>
+            <p:txBody>
+              <a:bodyPr/>
+              <a:lstStyle/>
+              <a:p>
+                <a:r>
+                  <a:rPr lang="en-HT">
+                    <a:noFill/>
                   </a:rPr>
-                  <m:t>×</m:t>
-                </m:r>
-                <m:r>
-                  <m:rPr>
-                    <m:nor/>
-                  </m:rPr>
-                  <a:rPr/>
-                  <m:t>nombre</m:t>
-                </m:r>
-                <m:r>
-                  <m:rPr>
-                    <m:nor/>
-                  </m:rPr>
-                  <a:rPr/>
-                  <m:t> </m:t>
-                </m:r>
-                <m:r>
-                  <m:rPr>
-                    <m:nor/>
-                  </m:rPr>
-                  <a:rPr/>
-                  <m:t>de</m:t>
-                </m:r>
-                <m:r>
-                  <m:rPr>
-                    <m:nor/>
-                  </m:rPr>
-                  <a:rPr/>
-                  <m:t> </m:t>
-                </m:r>
-                <m:r>
-                  <m:rPr>
-                    <m:nor/>
-                  </m:rPr>
-                  <a:rPr/>
-                  <m:t>param</m:t>
-                </m:r>
-                <m:r>
-                  <m:rPr>
-                    <m:nor/>
-                  </m:rPr>
-                  <a:rPr/>
-                  <m:t>è</m:t>
-                </m:r>
-                <m:r>
-                  <m:rPr>
-                    <m:nor/>
-                  </m:rPr>
-                  <a:rPr/>
-                  <m:t>tres</m:t>
-                </m:r>
-                <m:r>
-                  <m:rPr>
-                    <m:nor/>
-                  </m:rPr>
-                  <a:rPr/>
-                  <m:t> </m:t>
-                </m:r>
-                <m:r>
-                  <m:rPr>
-                    <m:nor/>
-                  </m:rPr>
-                  <a:rPr/>
-                  <m:t>du</m:t>
-                </m:r>
-                <m:r>
-                  <m:rPr>
-                    <m:nor/>
-                  </m:rPr>
-                  <a:rPr/>
-                  <m:t> </m:t>
-                </m:r>
-                <m:r>
-                  <m:rPr>
-                    <m:nor/>
-                  </m:rPr>
-                  <a:rPr/>
-                  <m:t>mod</m:t>
-                </m:r>
-                <m:r>
-                  <m:rPr>
-                    <m:nor/>
-                  </m:rPr>
-                  <a:rPr/>
-                  <m:t>è</m:t>
-                </m:r>
-                <m:r>
-                  <m:rPr>
-                    <m:nor/>
-                  </m:rPr>
-                  <a:rPr/>
-                  <m:t>le</m:t>
-                </m:r>
-              </m:oMath>
-            </a14:m>
-            <a:endParaRPr/>
-          </a:p>
-          <a:p>
-            <a:pPr lvl="1"/>
-            <a:r>
-              <a:t>où $ n $ est la taille de l’échantillon.</a:t>
-            </a:r>
-          </a:p>
-          <a:p>
-            <a:pPr lvl="1"/>
-            <a:r>
-              <a:t>Comme pour l’AIC, le modèle avec le plus faible BIC est considéré comme le meilleur ajustement parmi les modèles considérés.</a:t>
-            </a:r>
-          </a:p>
-          <a:p>
-            <a:pPr marL="0" lvl="0" indent="0">
-              <a:buNone/>
-            </a:pPr>
-            <a:r>
-              <a:t>En résumé, les critères d’information, tels que l’AIC et le BIC, fournissent une approche objective pour comparer différents modèles statistiques en tenant compte à la fois de leur ajustement aux données et de leur complexité. Ces critères sont largement utilisés dans la sélection de modèles en statistiques et en apprentissage automatique.</a:t>
-            </a:r>
-          </a:p>
-        </p:txBody>
-      </p:sp>
+                  <a:t> </a:t>
+                </a:r>
+              </a:p>
+            </p:txBody>
+          </p:sp>
+        </mc:Fallback>
+      </mc:AlternateContent>
     </p:spTree>
   </p:cSld>
   <p:clrMapOvr>
@@ -9015,780 +13311,817 @@
           </a:p>
         </p:txBody>
       </p:sp>
-      <p:sp>
-        <p:nvSpPr>
-          <p:cNvPr id="4" name="Text Placeholder 3"/>
-          <p:cNvSpPr>
-            <a:spLocks noGrp="1"/>
-          </p:cNvSpPr>
-          <p:nvPr>
-            <p:ph type="body" sz="half" idx="2"/>
-          </p:nvPr>
-        </p:nvSpPr>
-        <p:spPr/>
-        <p:txBody>
-          <a:bodyPr/>
-          <a:lstStyle/>
-          <a:p>
-            <a:pPr marL="0" lvl="0" indent="0">
-              <a:buNone/>
-            </a:pPr>
-            <a:r>
-              <a:t>Considérons le modèle ARDL suivant :</a:t>
-            </a:r>
-          </a:p>
-          <a:p>
-            <a:pPr marL="0" lvl="0" indent="0">
-              <a:buNone/>
-            </a:pPr>
-            <a14:m xmlns:a14="http://schemas.microsoft.com/office/drawing/2010/main">
-              <m:oMathPara xmlns:m="http://schemas.openxmlformats.org/officeDocument/2006/math">
-                <m:oMathParaPr>
-                  <m:jc m:val="center"/>
-                </m:oMathParaPr>
-                <m:oMath xmlns:m="http://schemas.openxmlformats.org/officeDocument/2006/math">
-                  <m:r>
-                    <a:rPr>
-                      <a:latin typeface="Cambria Math" panose="02040503050406030204" pitchFamily="18" charset="0"/>
-                    </a:rPr>
-                    <m:t>𝛥</m:t>
-                  </m:r>
-                  <m:sSub>
-                    <m:sSubPr>
-                      <m:ctrlPr>
-                        <a:rPr i="1">
-                          <a:latin typeface="Cambria Math" panose="02040503050406030204" pitchFamily="18" charset="0"/>
-                        </a:rPr>
-                      </m:ctrlPr>
-                    </m:sSubPr>
-                    <m:e>
+      <mc:AlternateContent xmlns:mc="http://schemas.openxmlformats.org/markup-compatibility/2006">
+        <mc:Choice xmlns:a14="http://schemas.microsoft.com/office/drawing/2010/main" Requires="a14">
+          <p:sp>
+            <p:nvSpPr>
+              <p:cNvPr id="4" name="Text Placeholder 3"/>
+              <p:cNvSpPr>
+                <a:spLocks noGrp="1"/>
+              </p:cNvSpPr>
+              <p:nvPr>
+                <p:ph type="body" sz="half" idx="2"/>
+              </p:nvPr>
+            </p:nvSpPr>
+            <p:spPr/>
+            <p:txBody>
+              <a:bodyPr/>
+              <a:lstStyle/>
+              <a:p>
+                <a:pPr marL="0" lvl="0" indent="0">
+                  <a:buNone/>
+                </a:pPr>
+                <a:r>
+                  <a:t>Considérons le modèle ARDL suivant :</a:t>
+                </a:r>
+              </a:p>
+              <a:p>
+                <a:pPr marL="0" lvl="0" indent="0">
+                  <a:buNone/>
+                </a:pPr>
+                <a14:m>
+                  <m:oMathPara xmlns:m="http://schemas.openxmlformats.org/officeDocument/2006/math">
+                    <m:oMathParaPr>
+                      <m:jc m:val="center"/>
+                    </m:oMathParaPr>
+                    <m:oMath xmlns:m="http://schemas.openxmlformats.org/officeDocument/2006/math">
                       <m:r>
                         <a:rPr>
                           <a:latin typeface="Cambria Math" panose="02040503050406030204" pitchFamily="18" charset="0"/>
                         </a:rPr>
-                        <m:t>𝑌</m:t>
+                        <m:t>𝛥</m:t>
                       </m:r>
-                    </m:e>
-                    <m:sub>
+                      <m:sSub>
+                        <m:sSubPr>
+                          <m:ctrlPr>
+                            <a:rPr i="1">
+                              <a:latin typeface="Cambria Math" panose="02040503050406030204" pitchFamily="18" charset="0"/>
+                            </a:rPr>
+                          </m:ctrlPr>
+                        </m:sSubPr>
+                        <m:e>
+                          <m:r>
+                            <a:rPr>
+                              <a:latin typeface="Cambria Math" panose="02040503050406030204" pitchFamily="18" charset="0"/>
+                            </a:rPr>
+                            <m:t>𝑌</m:t>
+                          </m:r>
+                        </m:e>
+                        <m:sub>
+                          <m:r>
+                            <a:rPr>
+                              <a:latin typeface="Cambria Math" panose="02040503050406030204" pitchFamily="18" charset="0"/>
+                            </a:rPr>
+                            <m:t>𝑡</m:t>
+                          </m:r>
+                        </m:sub>
+                      </m:sSub>
                       <m:r>
                         <a:rPr>
                           <a:latin typeface="Cambria Math" panose="02040503050406030204" pitchFamily="18" charset="0"/>
                         </a:rPr>
-                        <m:t>𝑡</m:t>
-                      </m:r>
-                    </m:sub>
-                  </m:sSub>
-                  <m:r>
-                    <a:rPr>
-                      <a:latin typeface="Cambria Math" panose="02040503050406030204" pitchFamily="18" charset="0"/>
-                    </a:rPr>
-                    <m:t>=</m:t>
-                  </m:r>
-                  <m:r>
-                    <a:rPr>
-                      <a:latin typeface="Cambria Math" panose="02040503050406030204" pitchFamily="18" charset="0"/>
-                    </a:rPr>
-                    <m:t>𝛼</m:t>
-                  </m:r>
-                  <m:r>
-                    <a:rPr>
-                      <a:latin typeface="Cambria Math" panose="02040503050406030204" pitchFamily="18" charset="0"/>
-                    </a:rPr>
-                    <m:t>+</m:t>
-                  </m:r>
-                  <m:sSub>
-                    <m:sSubPr>
-                      <m:ctrlPr>
-                        <a:rPr i="1">
-                          <a:latin typeface="Cambria Math" panose="02040503050406030204" pitchFamily="18" charset="0"/>
-                        </a:rPr>
-                      </m:ctrlPr>
-                    </m:sSubPr>
-                    <m:e>
-                      <m:r>
-                        <a:rPr>
-                          <a:latin typeface="Cambria Math" panose="02040503050406030204" pitchFamily="18" charset="0"/>
-                        </a:rPr>
-                        <m:t>𝛽</m:t>
-                      </m:r>
-                    </m:e>
-                    <m:sub>
-                      <m:r>
-                        <a:rPr>
-                          <a:latin typeface="Cambria Math" panose="02040503050406030204" pitchFamily="18" charset="0"/>
-                        </a:rPr>
-                        <m:t>1</m:t>
-                      </m:r>
-                    </m:sub>
-                  </m:sSub>
-                  <m:sSub>
-                    <m:sSubPr>
-                      <m:ctrlPr>
-                        <a:rPr i="1">
-                          <a:latin typeface="Cambria Math" panose="02040503050406030204" pitchFamily="18" charset="0"/>
-                        </a:rPr>
-                      </m:ctrlPr>
-                    </m:sSubPr>
-                    <m:e>
-                      <m:r>
-                        <a:rPr>
-                          <a:latin typeface="Cambria Math" panose="02040503050406030204" pitchFamily="18" charset="0"/>
-                        </a:rPr>
-                        <m:t>𝑌</m:t>
-                      </m:r>
-                    </m:e>
-                    <m:sub>
-                      <m:r>
-                        <a:rPr>
-                          <a:latin typeface="Cambria Math" panose="02040503050406030204" pitchFamily="18" charset="0"/>
-                        </a:rPr>
-                        <m:t>𝑡</m:t>
+                        <m:t>=</m:t>
                       </m:r>
                       <m:r>
                         <a:rPr>
                           <a:latin typeface="Cambria Math" panose="02040503050406030204" pitchFamily="18" charset="0"/>
                         </a:rPr>
-                        <m:t>−1</m:t>
-                      </m:r>
-                    </m:sub>
-                  </m:sSub>
-                  <m:r>
-                    <a:rPr>
-                      <a:latin typeface="Cambria Math" panose="02040503050406030204" pitchFamily="18" charset="0"/>
-                    </a:rPr>
-                    <m:t>+</m:t>
-                  </m:r>
-                  <m:sSub>
-                    <m:sSubPr>
-                      <m:ctrlPr>
-                        <a:rPr i="1">
-                          <a:latin typeface="Cambria Math" panose="02040503050406030204" pitchFamily="18" charset="0"/>
-                        </a:rPr>
-                      </m:ctrlPr>
-                    </m:sSubPr>
-                    <m:e>
-                      <m:r>
-                        <a:rPr>
-                          <a:latin typeface="Cambria Math" panose="02040503050406030204" pitchFamily="18" charset="0"/>
-                        </a:rPr>
-                        <m:t>𝛽</m:t>
-                      </m:r>
-                    </m:e>
-                    <m:sub>
-                      <m:r>
-                        <a:rPr>
-                          <a:latin typeface="Cambria Math" panose="02040503050406030204" pitchFamily="18" charset="0"/>
-                        </a:rPr>
-                        <m:t>2</m:t>
-                      </m:r>
-                    </m:sub>
-                  </m:sSub>
-                  <m:r>
-                    <a:rPr>
-                      <a:latin typeface="Cambria Math" panose="02040503050406030204" pitchFamily="18" charset="0"/>
-                    </a:rPr>
-                    <m:t>𝛥</m:t>
-                  </m:r>
-                  <m:sSub>
-                    <m:sSubPr>
-                      <m:ctrlPr>
-                        <a:rPr i="1">
-                          <a:latin typeface="Cambria Math" panose="02040503050406030204" pitchFamily="18" charset="0"/>
-                        </a:rPr>
-                      </m:ctrlPr>
-                    </m:sSubPr>
-                    <m:e>
-                      <m:r>
-                        <a:rPr>
-                          <a:latin typeface="Cambria Math" panose="02040503050406030204" pitchFamily="18" charset="0"/>
-                        </a:rPr>
-                        <m:t>𝑌</m:t>
-                      </m:r>
-                    </m:e>
-                    <m:sub>
-                      <m:r>
-                        <a:rPr>
-                          <a:latin typeface="Cambria Math" panose="02040503050406030204" pitchFamily="18" charset="0"/>
-                        </a:rPr>
-                        <m:t>𝑡</m:t>
+                        <m:t>𝛼</m:t>
                       </m:r>
                       <m:r>
                         <a:rPr>
                           <a:latin typeface="Cambria Math" panose="02040503050406030204" pitchFamily="18" charset="0"/>
                         </a:rPr>
-                        <m:t>−1</m:t>
+                        <m:t>+</m:t>
                       </m:r>
-                    </m:sub>
-                  </m:sSub>
-                  <m:r>
-                    <a:rPr>
-                      <a:latin typeface="Cambria Math" panose="02040503050406030204" pitchFamily="18" charset="0"/>
-                    </a:rPr>
-                    <m:t>+</m:t>
-                  </m:r>
-                  <m:sSub>
-                    <m:sSubPr>
-                      <m:ctrlPr>
-                        <a:rPr i="1">
-                          <a:latin typeface="Cambria Math" panose="02040503050406030204" pitchFamily="18" charset="0"/>
-                        </a:rPr>
-                      </m:ctrlPr>
-                    </m:sSubPr>
-                    <m:e>
+                      <m:sSub>
+                        <m:sSubPr>
+                          <m:ctrlPr>
+                            <a:rPr i="1">
+                              <a:latin typeface="Cambria Math" panose="02040503050406030204" pitchFamily="18" charset="0"/>
+                            </a:rPr>
+                          </m:ctrlPr>
+                        </m:sSubPr>
+                        <m:e>
+                          <m:r>
+                            <a:rPr>
+                              <a:latin typeface="Cambria Math" panose="02040503050406030204" pitchFamily="18" charset="0"/>
+                            </a:rPr>
+                            <m:t>𝛽</m:t>
+                          </m:r>
+                        </m:e>
+                        <m:sub>
+                          <m:r>
+                            <a:rPr>
+                              <a:latin typeface="Cambria Math" panose="02040503050406030204" pitchFamily="18" charset="0"/>
+                            </a:rPr>
+                            <m:t>1</m:t>
+                          </m:r>
+                        </m:sub>
+                      </m:sSub>
+                      <m:sSub>
+                        <m:sSubPr>
+                          <m:ctrlPr>
+                            <a:rPr i="1">
+                              <a:latin typeface="Cambria Math" panose="02040503050406030204" pitchFamily="18" charset="0"/>
+                            </a:rPr>
+                          </m:ctrlPr>
+                        </m:sSubPr>
+                        <m:e>
+                          <m:r>
+                            <a:rPr>
+                              <a:latin typeface="Cambria Math" panose="02040503050406030204" pitchFamily="18" charset="0"/>
+                            </a:rPr>
+                            <m:t>𝑌</m:t>
+                          </m:r>
+                        </m:e>
+                        <m:sub>
+                          <m:r>
+                            <a:rPr>
+                              <a:latin typeface="Cambria Math" panose="02040503050406030204" pitchFamily="18" charset="0"/>
+                            </a:rPr>
+                            <m:t>𝑡</m:t>
+                          </m:r>
+                          <m:r>
+                            <a:rPr>
+                              <a:latin typeface="Cambria Math" panose="02040503050406030204" pitchFamily="18" charset="0"/>
+                            </a:rPr>
+                            <m:t>−1</m:t>
+                          </m:r>
+                        </m:sub>
+                      </m:sSub>
                       <m:r>
                         <a:rPr>
                           <a:latin typeface="Cambria Math" panose="02040503050406030204" pitchFamily="18" charset="0"/>
                         </a:rPr>
-                        <m:t>𝛽</m:t>
+                        <m:t>+</m:t>
                       </m:r>
-                    </m:e>
-                    <m:sub>
+                      <m:sSub>
+                        <m:sSubPr>
+                          <m:ctrlPr>
+                            <a:rPr i="1">
+                              <a:latin typeface="Cambria Math" panose="02040503050406030204" pitchFamily="18" charset="0"/>
+                            </a:rPr>
+                          </m:ctrlPr>
+                        </m:sSubPr>
+                        <m:e>
+                          <m:r>
+                            <a:rPr>
+                              <a:latin typeface="Cambria Math" panose="02040503050406030204" pitchFamily="18" charset="0"/>
+                            </a:rPr>
+                            <m:t>𝛽</m:t>
+                          </m:r>
+                        </m:e>
+                        <m:sub>
+                          <m:r>
+                            <a:rPr>
+                              <a:latin typeface="Cambria Math" panose="02040503050406030204" pitchFamily="18" charset="0"/>
+                            </a:rPr>
+                            <m:t>2</m:t>
+                          </m:r>
+                        </m:sub>
+                      </m:sSub>
                       <m:r>
                         <a:rPr>
                           <a:latin typeface="Cambria Math" panose="02040503050406030204" pitchFamily="18" charset="0"/>
                         </a:rPr>
-                        <m:t>3</m:t>
+                        <m:t>𝛥</m:t>
                       </m:r>
-                    </m:sub>
-                  </m:sSub>
-                  <m:r>
-                    <a:rPr>
-                      <a:latin typeface="Cambria Math" panose="02040503050406030204" pitchFamily="18" charset="0"/>
-                    </a:rPr>
-                    <m:t>𝛥</m:t>
-                  </m:r>
-                  <m:sSub>
-                    <m:sSubPr>
-                      <m:ctrlPr>
-                        <a:rPr i="1">
-                          <a:latin typeface="Cambria Math" panose="02040503050406030204" pitchFamily="18" charset="0"/>
-                        </a:rPr>
-                      </m:ctrlPr>
-                    </m:sSubPr>
-                    <m:e>
+                      <m:sSub>
+                        <m:sSubPr>
+                          <m:ctrlPr>
+                            <a:rPr i="1">
+                              <a:latin typeface="Cambria Math" panose="02040503050406030204" pitchFamily="18" charset="0"/>
+                            </a:rPr>
+                          </m:ctrlPr>
+                        </m:sSubPr>
+                        <m:e>
+                          <m:r>
+                            <a:rPr>
+                              <a:latin typeface="Cambria Math" panose="02040503050406030204" pitchFamily="18" charset="0"/>
+                            </a:rPr>
+                            <m:t>𝑌</m:t>
+                          </m:r>
+                        </m:e>
+                        <m:sub>
+                          <m:r>
+                            <a:rPr>
+                              <a:latin typeface="Cambria Math" panose="02040503050406030204" pitchFamily="18" charset="0"/>
+                            </a:rPr>
+                            <m:t>𝑡</m:t>
+                          </m:r>
+                          <m:r>
+                            <a:rPr>
+                              <a:latin typeface="Cambria Math" panose="02040503050406030204" pitchFamily="18" charset="0"/>
+                            </a:rPr>
+                            <m:t>−1</m:t>
+                          </m:r>
+                        </m:sub>
+                      </m:sSub>
                       <m:r>
                         <a:rPr>
                           <a:latin typeface="Cambria Math" panose="02040503050406030204" pitchFamily="18" charset="0"/>
                         </a:rPr>
-                        <m:t>𝑌</m:t>
+                        <m:t>+</m:t>
                       </m:r>
-                    </m:e>
-                    <m:sub>
+                      <m:sSub>
+                        <m:sSubPr>
+                          <m:ctrlPr>
+                            <a:rPr i="1">
+                              <a:latin typeface="Cambria Math" panose="02040503050406030204" pitchFamily="18" charset="0"/>
+                            </a:rPr>
+                          </m:ctrlPr>
+                        </m:sSubPr>
+                        <m:e>
+                          <m:r>
+                            <a:rPr>
+                              <a:latin typeface="Cambria Math" panose="02040503050406030204" pitchFamily="18" charset="0"/>
+                            </a:rPr>
+                            <m:t>𝛽</m:t>
+                          </m:r>
+                        </m:e>
+                        <m:sub>
+                          <m:r>
+                            <a:rPr>
+                              <a:latin typeface="Cambria Math" panose="02040503050406030204" pitchFamily="18" charset="0"/>
+                            </a:rPr>
+                            <m:t>3</m:t>
+                          </m:r>
+                        </m:sub>
+                      </m:sSub>
                       <m:r>
                         <a:rPr>
                           <a:latin typeface="Cambria Math" panose="02040503050406030204" pitchFamily="18" charset="0"/>
                         </a:rPr>
-                        <m:t>𝑡</m:t>
+                        <m:t>𝛥</m:t>
                       </m:r>
+                      <m:sSub>
+                        <m:sSubPr>
+                          <m:ctrlPr>
+                            <a:rPr i="1">
+                              <a:latin typeface="Cambria Math" panose="02040503050406030204" pitchFamily="18" charset="0"/>
+                            </a:rPr>
+                          </m:ctrlPr>
+                        </m:sSubPr>
+                        <m:e>
+                          <m:r>
+                            <a:rPr>
+                              <a:latin typeface="Cambria Math" panose="02040503050406030204" pitchFamily="18" charset="0"/>
+                            </a:rPr>
+                            <m:t>𝑌</m:t>
+                          </m:r>
+                        </m:e>
+                        <m:sub>
+                          <m:r>
+                            <a:rPr>
+                              <a:latin typeface="Cambria Math" panose="02040503050406030204" pitchFamily="18" charset="0"/>
+                            </a:rPr>
+                            <m:t>𝑡</m:t>
+                          </m:r>
+                          <m:r>
+                            <a:rPr>
+                              <a:latin typeface="Cambria Math" panose="02040503050406030204" pitchFamily="18" charset="0"/>
+                            </a:rPr>
+                            <m:t>−2</m:t>
+                          </m:r>
+                        </m:sub>
+                      </m:sSub>
                       <m:r>
                         <a:rPr>
                           <a:latin typeface="Cambria Math" panose="02040503050406030204" pitchFamily="18" charset="0"/>
                         </a:rPr>
-                        <m:t>−2</m:t>
+                        <m:t>+…+</m:t>
                       </m:r>
-                    </m:sub>
-                  </m:sSub>
-                  <m:r>
-                    <a:rPr>
-                      <a:latin typeface="Cambria Math" panose="02040503050406030204" pitchFamily="18" charset="0"/>
-                    </a:rPr>
-                    <m:t>+…+</m:t>
-                  </m:r>
-                  <m:sSub>
-                    <m:sSubPr>
-                      <m:ctrlPr>
-                        <a:rPr i="1">
-                          <a:latin typeface="Cambria Math" panose="02040503050406030204" pitchFamily="18" charset="0"/>
-                        </a:rPr>
-                      </m:ctrlPr>
-                    </m:sSubPr>
-                    <m:e>
+                      <m:sSub>
+                        <m:sSubPr>
+                          <m:ctrlPr>
+                            <a:rPr i="1">
+                              <a:latin typeface="Cambria Math" panose="02040503050406030204" pitchFamily="18" charset="0"/>
+                            </a:rPr>
+                          </m:ctrlPr>
+                        </m:sSubPr>
+                        <m:e>
+                          <m:r>
+                            <a:rPr>
+                              <a:latin typeface="Cambria Math" panose="02040503050406030204" pitchFamily="18" charset="0"/>
+                            </a:rPr>
+                            <m:t>𝛽</m:t>
+                          </m:r>
+                        </m:e>
+                        <m:sub>
+                          <m:r>
+                            <a:rPr>
+                              <a:latin typeface="Cambria Math" panose="02040503050406030204" pitchFamily="18" charset="0"/>
+                            </a:rPr>
+                            <m:t>𝑝</m:t>
+                          </m:r>
+                        </m:sub>
+                      </m:sSub>
                       <m:r>
                         <a:rPr>
                           <a:latin typeface="Cambria Math" panose="02040503050406030204" pitchFamily="18" charset="0"/>
                         </a:rPr>
-                        <m:t>𝛽</m:t>
+                        <m:t>𝛥</m:t>
                       </m:r>
-                    </m:e>
-                    <m:sub>
+                      <m:sSub>
+                        <m:sSubPr>
+                          <m:ctrlPr>
+                            <a:rPr i="1">
+                              <a:latin typeface="Cambria Math" panose="02040503050406030204" pitchFamily="18" charset="0"/>
+                            </a:rPr>
+                          </m:ctrlPr>
+                        </m:sSubPr>
+                        <m:e>
+                          <m:r>
+                            <a:rPr>
+                              <a:latin typeface="Cambria Math" panose="02040503050406030204" pitchFamily="18" charset="0"/>
+                            </a:rPr>
+                            <m:t>𝑌</m:t>
+                          </m:r>
+                        </m:e>
+                        <m:sub>
+                          <m:r>
+                            <a:rPr>
+                              <a:latin typeface="Cambria Math" panose="02040503050406030204" pitchFamily="18" charset="0"/>
+                            </a:rPr>
+                            <m:t>𝑡</m:t>
+                          </m:r>
+                          <m:r>
+                            <a:rPr>
+                              <a:latin typeface="Cambria Math" panose="02040503050406030204" pitchFamily="18" charset="0"/>
+                            </a:rPr>
+                            <m:t>−</m:t>
+                          </m:r>
+                          <m:r>
+                            <a:rPr>
+                              <a:latin typeface="Cambria Math" panose="02040503050406030204" pitchFamily="18" charset="0"/>
+                            </a:rPr>
+                            <m:t>𝑝</m:t>
+                          </m:r>
+                        </m:sub>
+                      </m:sSub>
                       <m:r>
                         <a:rPr>
                           <a:latin typeface="Cambria Math" panose="02040503050406030204" pitchFamily="18" charset="0"/>
                         </a:rPr>
-                        <m:t>𝑝</m:t>
+                        <m:t>+</m:t>
                       </m:r>
-                    </m:sub>
-                  </m:sSub>
-                  <m:r>
-                    <a:rPr>
-                      <a:latin typeface="Cambria Math" panose="02040503050406030204" pitchFamily="18" charset="0"/>
-                    </a:rPr>
-                    <m:t>𝛥</m:t>
-                  </m:r>
-                  <m:sSub>
-                    <m:sSubPr>
-                      <m:ctrlPr>
-                        <a:rPr i="1">
-                          <a:latin typeface="Cambria Math" panose="02040503050406030204" pitchFamily="18" charset="0"/>
-                        </a:rPr>
-                      </m:ctrlPr>
-                    </m:sSubPr>
-                    <m:e>
+                      <m:sSub>
+                        <m:sSubPr>
+                          <m:ctrlPr>
+                            <a:rPr i="1">
+                              <a:latin typeface="Cambria Math" panose="02040503050406030204" pitchFamily="18" charset="0"/>
+                            </a:rPr>
+                          </m:ctrlPr>
+                        </m:sSubPr>
+                        <m:e>
+                          <m:r>
+                            <a:rPr>
+                              <a:latin typeface="Cambria Math" panose="02040503050406030204" pitchFamily="18" charset="0"/>
+                            </a:rPr>
+                            <m:t>𝛾</m:t>
+                          </m:r>
+                        </m:e>
+                        <m:sub>
+                          <m:r>
+                            <a:rPr>
+                              <a:latin typeface="Cambria Math" panose="02040503050406030204" pitchFamily="18" charset="0"/>
+                            </a:rPr>
+                            <m:t>1</m:t>
+                          </m:r>
+                        </m:sub>
+                      </m:sSub>
+                      <m:sSub>
+                        <m:sSubPr>
+                          <m:ctrlPr>
+                            <a:rPr i="1">
+                              <a:latin typeface="Cambria Math" panose="02040503050406030204" pitchFamily="18" charset="0"/>
+                            </a:rPr>
+                          </m:ctrlPr>
+                        </m:sSubPr>
+                        <m:e>
+                          <m:r>
+                            <a:rPr>
+                              <a:latin typeface="Cambria Math" panose="02040503050406030204" pitchFamily="18" charset="0"/>
+                            </a:rPr>
+                            <m:t>𝑋</m:t>
+                          </m:r>
+                        </m:e>
+                        <m:sub>
+                          <m:r>
+                            <a:rPr>
+                              <a:latin typeface="Cambria Math" panose="02040503050406030204" pitchFamily="18" charset="0"/>
+                            </a:rPr>
+                            <m:t>1,</m:t>
+                          </m:r>
+                          <m:r>
+                            <a:rPr>
+                              <a:latin typeface="Cambria Math" panose="02040503050406030204" pitchFamily="18" charset="0"/>
+                            </a:rPr>
+                            <m:t>𝑡</m:t>
+                          </m:r>
+                          <m:r>
+                            <a:rPr>
+                              <a:latin typeface="Cambria Math" panose="02040503050406030204" pitchFamily="18" charset="0"/>
+                            </a:rPr>
+                            <m:t>−1</m:t>
+                          </m:r>
+                        </m:sub>
+                      </m:sSub>
                       <m:r>
                         <a:rPr>
                           <a:latin typeface="Cambria Math" panose="02040503050406030204" pitchFamily="18" charset="0"/>
                         </a:rPr>
-                        <m:t>𝑌</m:t>
+                        <m:t>+</m:t>
                       </m:r>
-                    </m:e>
-                    <m:sub>
+                      <m:sSub>
+                        <m:sSubPr>
+                          <m:ctrlPr>
+                            <a:rPr i="1">
+                              <a:latin typeface="Cambria Math" panose="02040503050406030204" pitchFamily="18" charset="0"/>
+                            </a:rPr>
+                          </m:ctrlPr>
+                        </m:sSubPr>
+                        <m:e>
+                          <m:r>
+                            <a:rPr>
+                              <a:latin typeface="Cambria Math" panose="02040503050406030204" pitchFamily="18" charset="0"/>
+                            </a:rPr>
+                            <m:t>𝛾</m:t>
+                          </m:r>
+                        </m:e>
+                        <m:sub>
+                          <m:r>
+                            <a:rPr>
+                              <a:latin typeface="Cambria Math" panose="02040503050406030204" pitchFamily="18" charset="0"/>
+                            </a:rPr>
+                            <m:t>2</m:t>
+                          </m:r>
+                        </m:sub>
+                      </m:sSub>
                       <m:r>
                         <a:rPr>
                           <a:latin typeface="Cambria Math" panose="02040503050406030204" pitchFamily="18" charset="0"/>
                         </a:rPr>
-                        <m:t>𝑡</m:t>
+                        <m:t>𝛥</m:t>
                       </m:r>
+                      <m:sSub>
+                        <m:sSubPr>
+                          <m:ctrlPr>
+                            <a:rPr i="1">
+                              <a:latin typeface="Cambria Math" panose="02040503050406030204" pitchFamily="18" charset="0"/>
+                            </a:rPr>
+                          </m:ctrlPr>
+                        </m:sSubPr>
+                        <m:e>
+                          <m:r>
+                            <a:rPr>
+                              <a:latin typeface="Cambria Math" panose="02040503050406030204" pitchFamily="18" charset="0"/>
+                            </a:rPr>
+                            <m:t>𝑋</m:t>
+                          </m:r>
+                        </m:e>
+                        <m:sub>
+                          <m:r>
+                            <a:rPr>
+                              <a:latin typeface="Cambria Math" panose="02040503050406030204" pitchFamily="18" charset="0"/>
+                            </a:rPr>
+                            <m:t>1,</m:t>
+                          </m:r>
+                          <m:r>
+                            <a:rPr>
+                              <a:latin typeface="Cambria Math" panose="02040503050406030204" pitchFamily="18" charset="0"/>
+                            </a:rPr>
+                            <m:t>𝑡</m:t>
+                          </m:r>
+                          <m:r>
+                            <a:rPr>
+                              <a:latin typeface="Cambria Math" panose="02040503050406030204" pitchFamily="18" charset="0"/>
+                            </a:rPr>
+                            <m:t>−1</m:t>
+                          </m:r>
+                        </m:sub>
+                      </m:sSub>
                       <m:r>
                         <a:rPr>
                           <a:latin typeface="Cambria Math" panose="02040503050406030204" pitchFamily="18" charset="0"/>
                         </a:rPr>
-                        <m:t>−</m:t>
+                        <m:t>+…+</m:t>
                       </m:r>
+                      <m:sSub>
+                        <m:sSubPr>
+                          <m:ctrlPr>
+                            <a:rPr i="1">
+                              <a:latin typeface="Cambria Math" panose="02040503050406030204" pitchFamily="18" charset="0"/>
+                            </a:rPr>
+                          </m:ctrlPr>
+                        </m:sSubPr>
+                        <m:e>
+                          <m:r>
+                            <a:rPr>
+                              <a:latin typeface="Cambria Math" panose="02040503050406030204" pitchFamily="18" charset="0"/>
+                            </a:rPr>
+                            <m:t>𝛾</m:t>
+                          </m:r>
+                        </m:e>
+                        <m:sub>
+                          <m:r>
+                            <a:rPr>
+                              <a:latin typeface="Cambria Math" panose="02040503050406030204" pitchFamily="18" charset="0"/>
+                            </a:rPr>
+                            <m:t>𝑞</m:t>
+                          </m:r>
+                        </m:sub>
+                      </m:sSub>
                       <m:r>
                         <a:rPr>
                           <a:latin typeface="Cambria Math" panose="02040503050406030204" pitchFamily="18" charset="0"/>
                         </a:rPr>
-                        <m:t>𝑝</m:t>
+                        <m:t>𝛥</m:t>
                       </m:r>
-                    </m:sub>
-                  </m:sSub>
-                  <m:r>
-                    <a:rPr>
-                      <a:latin typeface="Cambria Math" panose="02040503050406030204" pitchFamily="18" charset="0"/>
-                    </a:rPr>
-                    <m:t>+</m:t>
-                  </m:r>
-                  <m:sSub>
-                    <m:sSubPr>
-                      <m:ctrlPr>
-                        <a:rPr i="1">
-                          <a:latin typeface="Cambria Math" panose="02040503050406030204" pitchFamily="18" charset="0"/>
-                        </a:rPr>
-                      </m:ctrlPr>
-                    </m:sSubPr>
-                    <m:e>
+                      <m:sSub>
+                        <m:sSubPr>
+                          <m:ctrlPr>
+                            <a:rPr i="1">
+                              <a:latin typeface="Cambria Math" panose="02040503050406030204" pitchFamily="18" charset="0"/>
+                            </a:rPr>
+                          </m:ctrlPr>
+                        </m:sSubPr>
+                        <m:e>
+                          <m:r>
+                            <a:rPr>
+                              <a:latin typeface="Cambria Math" panose="02040503050406030204" pitchFamily="18" charset="0"/>
+                            </a:rPr>
+                            <m:t>𝑋</m:t>
+                          </m:r>
+                        </m:e>
+                        <m:sub>
+                          <m:r>
+                            <a:rPr>
+                              <a:latin typeface="Cambria Math" panose="02040503050406030204" pitchFamily="18" charset="0"/>
+                            </a:rPr>
+                            <m:t>1,</m:t>
+                          </m:r>
+                          <m:r>
+                            <a:rPr>
+                              <a:latin typeface="Cambria Math" panose="02040503050406030204" pitchFamily="18" charset="0"/>
+                            </a:rPr>
+                            <m:t>𝑡</m:t>
+                          </m:r>
+                          <m:r>
+                            <a:rPr>
+                              <a:latin typeface="Cambria Math" panose="02040503050406030204" pitchFamily="18" charset="0"/>
+                            </a:rPr>
+                            <m:t>−</m:t>
+                          </m:r>
+                          <m:r>
+                            <a:rPr>
+                              <a:latin typeface="Cambria Math" panose="02040503050406030204" pitchFamily="18" charset="0"/>
+                            </a:rPr>
+                            <m:t>𝑞</m:t>
+                          </m:r>
+                        </m:sub>
+                      </m:sSub>
                       <m:r>
                         <a:rPr>
                           <a:latin typeface="Cambria Math" panose="02040503050406030204" pitchFamily="18" charset="0"/>
                         </a:rPr>
-                        <m:t>𝛾</m:t>
+                        <m:t>+</m:t>
                       </m:r>
-                    </m:e>
-                    <m:sub>
-                      <m:r>
-                        <a:rPr>
-                          <a:latin typeface="Cambria Math" panose="02040503050406030204" pitchFamily="18" charset="0"/>
-                        </a:rPr>
-                        <m:t>1</m:t>
-                      </m:r>
-                    </m:sub>
-                  </m:sSub>
-                  <m:sSub>
-                    <m:sSubPr>
-                      <m:ctrlPr>
-                        <a:rPr i="1">
-                          <a:latin typeface="Cambria Math" panose="02040503050406030204" pitchFamily="18" charset="0"/>
-                        </a:rPr>
-                      </m:ctrlPr>
-                    </m:sSubPr>
-                    <m:e>
-                      <m:r>
-                        <a:rPr>
-                          <a:latin typeface="Cambria Math" panose="02040503050406030204" pitchFamily="18" charset="0"/>
-                        </a:rPr>
-                        <m:t>𝑋</m:t>
-                      </m:r>
-                    </m:e>
-                    <m:sub>
-                      <m:r>
-                        <a:rPr>
-                          <a:latin typeface="Cambria Math" panose="02040503050406030204" pitchFamily="18" charset="0"/>
-                        </a:rPr>
-                        <m:t>1,</m:t>
-                      </m:r>
-                      <m:r>
-                        <a:rPr>
-                          <a:latin typeface="Cambria Math" panose="02040503050406030204" pitchFamily="18" charset="0"/>
-                        </a:rPr>
-                        <m:t>𝑡</m:t>
-                      </m:r>
-                      <m:r>
-                        <a:rPr>
-                          <a:latin typeface="Cambria Math" panose="02040503050406030204" pitchFamily="18" charset="0"/>
-                        </a:rPr>
-                        <m:t>−1</m:t>
-                      </m:r>
-                    </m:sub>
-                  </m:sSub>
-                  <m:r>
-                    <a:rPr>
-                      <a:latin typeface="Cambria Math" panose="02040503050406030204" pitchFamily="18" charset="0"/>
-                    </a:rPr>
-                    <m:t>+</m:t>
-                  </m:r>
-                  <m:sSub>
-                    <m:sSubPr>
-                      <m:ctrlPr>
-                        <a:rPr i="1">
-                          <a:latin typeface="Cambria Math" panose="02040503050406030204" pitchFamily="18" charset="0"/>
-                        </a:rPr>
-                      </m:ctrlPr>
-                    </m:sSubPr>
-                    <m:e>
-                      <m:r>
-                        <a:rPr>
-                          <a:latin typeface="Cambria Math" panose="02040503050406030204" pitchFamily="18" charset="0"/>
-                        </a:rPr>
-                        <m:t>𝛾</m:t>
-                      </m:r>
-                    </m:e>
-                    <m:sub>
-                      <m:r>
-                        <a:rPr>
-                          <a:latin typeface="Cambria Math" panose="02040503050406030204" pitchFamily="18" charset="0"/>
-                        </a:rPr>
-                        <m:t>2</m:t>
-                      </m:r>
-                    </m:sub>
-                  </m:sSub>
-                  <m:r>
-                    <a:rPr>
-                      <a:latin typeface="Cambria Math" panose="02040503050406030204" pitchFamily="18" charset="0"/>
-                    </a:rPr>
-                    <m:t>𝛥</m:t>
-                  </m:r>
-                  <m:sSub>
-                    <m:sSubPr>
-                      <m:ctrlPr>
-                        <a:rPr i="1">
-                          <a:latin typeface="Cambria Math" panose="02040503050406030204" pitchFamily="18" charset="0"/>
-                        </a:rPr>
-                      </m:ctrlPr>
-                    </m:sSubPr>
-                    <m:e>
-                      <m:r>
-                        <a:rPr>
-                          <a:latin typeface="Cambria Math" panose="02040503050406030204" pitchFamily="18" charset="0"/>
-                        </a:rPr>
-                        <m:t>𝑋</m:t>
-                      </m:r>
-                    </m:e>
-                    <m:sub>
-                      <m:r>
-                        <a:rPr>
-                          <a:latin typeface="Cambria Math" panose="02040503050406030204" pitchFamily="18" charset="0"/>
-                        </a:rPr>
-                        <m:t>1,</m:t>
-                      </m:r>
-                      <m:r>
-                        <a:rPr>
-                          <a:latin typeface="Cambria Math" panose="02040503050406030204" pitchFamily="18" charset="0"/>
-                        </a:rPr>
-                        <m:t>𝑡</m:t>
-                      </m:r>
-                      <m:r>
-                        <a:rPr>
-                          <a:latin typeface="Cambria Math" panose="02040503050406030204" pitchFamily="18" charset="0"/>
-                        </a:rPr>
-                        <m:t>−1</m:t>
-                      </m:r>
-                    </m:sub>
-                  </m:sSub>
-                  <m:r>
-                    <a:rPr>
-                      <a:latin typeface="Cambria Math" panose="02040503050406030204" pitchFamily="18" charset="0"/>
-                    </a:rPr>
-                    <m:t>+…+</m:t>
-                  </m:r>
-                  <m:sSub>
-                    <m:sSubPr>
-                      <m:ctrlPr>
-                        <a:rPr i="1">
-                          <a:latin typeface="Cambria Math" panose="02040503050406030204" pitchFamily="18" charset="0"/>
-                        </a:rPr>
-                      </m:ctrlPr>
-                    </m:sSubPr>
-                    <m:e>
-                      <m:r>
-                        <a:rPr>
-                          <a:latin typeface="Cambria Math" panose="02040503050406030204" pitchFamily="18" charset="0"/>
-                        </a:rPr>
-                        <m:t>𝛾</m:t>
-                      </m:r>
-                    </m:e>
-                    <m:sub>
-                      <m:r>
-                        <a:rPr>
-                          <a:latin typeface="Cambria Math" panose="02040503050406030204" pitchFamily="18" charset="0"/>
-                        </a:rPr>
-                        <m:t>𝑞</m:t>
-                      </m:r>
-                    </m:sub>
-                  </m:sSub>
-                  <m:r>
-                    <a:rPr>
-                      <a:latin typeface="Cambria Math" panose="02040503050406030204" pitchFamily="18" charset="0"/>
-                    </a:rPr>
-                    <m:t>𝛥</m:t>
-                  </m:r>
-                  <m:sSub>
-                    <m:sSubPr>
-                      <m:ctrlPr>
-                        <a:rPr i="1">
-                          <a:latin typeface="Cambria Math" panose="02040503050406030204" pitchFamily="18" charset="0"/>
-                        </a:rPr>
-                      </m:ctrlPr>
-                    </m:sSubPr>
-                    <m:e>
-                      <m:r>
-                        <a:rPr>
-                          <a:latin typeface="Cambria Math" panose="02040503050406030204" pitchFamily="18" charset="0"/>
-                        </a:rPr>
-                        <m:t>𝑋</m:t>
-                      </m:r>
-                    </m:e>
-                    <m:sub>
-                      <m:r>
-                        <a:rPr>
-                          <a:latin typeface="Cambria Math" panose="02040503050406030204" pitchFamily="18" charset="0"/>
-                        </a:rPr>
-                        <m:t>1,</m:t>
-                      </m:r>
-                      <m:r>
-                        <a:rPr>
-                          <a:latin typeface="Cambria Math" panose="02040503050406030204" pitchFamily="18" charset="0"/>
-                        </a:rPr>
-                        <m:t>𝑡</m:t>
-                      </m:r>
-                      <m:r>
-                        <a:rPr>
-                          <a:latin typeface="Cambria Math" panose="02040503050406030204" pitchFamily="18" charset="0"/>
-                        </a:rPr>
-                        <m:t>−</m:t>
-                      </m:r>
-                      <m:r>
-                        <a:rPr>
-                          <a:latin typeface="Cambria Math" panose="02040503050406030204" pitchFamily="18" charset="0"/>
-                        </a:rPr>
-                        <m:t>𝑞</m:t>
-                      </m:r>
-                    </m:sub>
-                  </m:sSub>
-                  <m:r>
-                    <a:rPr>
-                      <a:latin typeface="Cambria Math" panose="02040503050406030204" pitchFamily="18" charset="0"/>
-                    </a:rPr>
-                    <m:t>+</m:t>
-                  </m:r>
-                  <m:sSub>
-                    <m:sSubPr>
-                      <m:ctrlPr>
-                        <a:rPr i="1">
-                          <a:latin typeface="Cambria Math" panose="02040503050406030204" pitchFamily="18" charset="0"/>
-                        </a:rPr>
-                      </m:ctrlPr>
-                    </m:sSubPr>
-                    <m:e>
-                      <m:r>
-                        <a:rPr>
-                          <a:latin typeface="Cambria Math" panose="02040503050406030204" pitchFamily="18" charset="0"/>
-                        </a:rPr>
-                        <m:t>𝜖</m:t>
-                      </m:r>
-                    </m:e>
-                    <m:sub>
-                      <m:r>
-                        <a:rPr>
-                          <a:latin typeface="Cambria Math" panose="02040503050406030204" pitchFamily="18" charset="0"/>
-                        </a:rPr>
-                        <m:t>𝑡</m:t>
-                      </m:r>
-                    </m:sub>
-                  </m:sSub>
-                </m:oMath>
-              </m:oMathPara>
-            </a14:m>
-            <a:endParaRPr/>
-          </a:p>
-          <a:p>
-            <a:pPr marL="0" lvl="0" indent="0">
-              <a:buNone/>
-            </a:pPr>
-            <a:r>
-              <a:t>Le ARDL Bound Test implique deux tests de nullité :</a:t>
-            </a:r>
-          </a:p>
-          <a:p>
-            <a:pPr marL="342900" lvl="0" indent="-342900">
-              <a:buAutoNum type="arabicPeriod"/>
-            </a:pPr>
-            <a:r>
-              <a:rPr b="1"/>
-              <a:t>Pratiquement un test de Wald:</a:t>
-            </a:r>
-          </a:p>
-          <a:p>
-            <a:pPr lvl="1"/>
-            <a:r>
-              <a:t>Nullité : </a:t>
-            </a:r>
-            <a14:m xmlns:a14="http://schemas.microsoft.com/office/drawing/2010/main">
-              <m:oMath xmlns:m="http://schemas.openxmlformats.org/officeDocument/2006/math">
-                <m:sSub>
-                  <m:sSubPr>
-                    <m:ctrlPr>
-                      <a:rPr>
-                        <a:latin typeface="Cambria Math" panose="02040503050406030204" pitchFamily="18" charset="0"/>
-                      </a:rPr>
-                    </m:ctrlPr>
-                  </m:sSubPr>
-                  <m:e>
+                      <m:sSub>
+                        <m:sSubPr>
+                          <m:ctrlPr>
+                            <a:rPr i="1">
+                              <a:latin typeface="Cambria Math" panose="02040503050406030204" pitchFamily="18" charset="0"/>
+                            </a:rPr>
+                          </m:ctrlPr>
+                        </m:sSubPr>
+                        <m:e>
+                          <m:r>
+                            <a:rPr>
+                              <a:latin typeface="Cambria Math" panose="02040503050406030204" pitchFamily="18" charset="0"/>
+                            </a:rPr>
+                            <m:t>𝜖</m:t>
+                          </m:r>
+                        </m:e>
+                        <m:sub>
+                          <m:r>
+                            <a:rPr>
+                              <a:latin typeface="Cambria Math" panose="02040503050406030204" pitchFamily="18" charset="0"/>
+                            </a:rPr>
+                            <m:t>𝑡</m:t>
+                          </m:r>
+                        </m:sub>
+                      </m:sSub>
+                    </m:oMath>
+                  </m:oMathPara>
+                </a14:m>
+                <a:endParaRPr/>
+              </a:p>
+              <a:p>
+                <a:pPr marL="0" lvl="0" indent="0">
+                  <a:buNone/>
+                </a:pPr>
+                <a:r>
+                  <a:t>Le ARDL Bound Test implique deux tests de nullité :</a:t>
+                </a:r>
+              </a:p>
+              <a:p>
+                <a:pPr marL="342900" lvl="0" indent="-342900">
+                  <a:buAutoNum type="arabicPeriod"/>
+                </a:pPr>
+                <a:r>
+                  <a:rPr b="1"/>
+                  <a:t>Pratiquement un test de Wald:</a:t>
+                </a:r>
+              </a:p>
+              <a:p>
+                <a:pPr lvl="1"/>
+                <a:r>
+                  <a:t>Nullité : </a:t>
+                </a:r>
+                <a14:m>
+                  <m:oMath xmlns:m="http://schemas.openxmlformats.org/officeDocument/2006/math">
+                    <m:sSub>
+                      <m:sSubPr>
+                        <m:ctrlPr>
+                          <a:rPr i="1">
+                            <a:latin typeface="Cambria Math" panose="02040503050406030204" pitchFamily="18" charset="0"/>
+                          </a:rPr>
+                        </m:ctrlPr>
+                      </m:sSubPr>
+                      <m:e>
+                        <m:r>
+                          <a:rPr>
+                            <a:latin typeface="Cambria Math" panose="02040503050406030204" pitchFamily="18" charset="0"/>
+                          </a:rPr>
+                          <m:t>𝛽</m:t>
+                        </m:r>
+                      </m:e>
+                      <m:sub>
+                        <m:r>
+                          <a:rPr>
+                            <a:latin typeface="Cambria Math" panose="02040503050406030204" pitchFamily="18" charset="0"/>
+                          </a:rPr>
+                          <m:t>1</m:t>
+                        </m:r>
+                      </m:sub>
+                    </m:sSub>
                     <m:r>
                       <a:rPr>
                         <a:latin typeface="Cambria Math" panose="02040503050406030204" pitchFamily="18" charset="0"/>
                       </a:rPr>
-                      <m:t>𝛽</m:t>
+                      <m:t>=</m:t>
                     </m:r>
-                  </m:e>
-                  <m:sub>
+                    <m:sSub>
+                      <m:sSubPr>
+                        <m:ctrlPr>
+                          <a:rPr i="1">
+                            <a:latin typeface="Cambria Math" panose="02040503050406030204" pitchFamily="18" charset="0"/>
+                          </a:rPr>
+                        </m:ctrlPr>
+                      </m:sSubPr>
+                      <m:e>
+                        <m:r>
+                          <a:rPr>
+                            <a:latin typeface="Cambria Math" panose="02040503050406030204" pitchFamily="18" charset="0"/>
+                          </a:rPr>
+                          <m:t>𝛽</m:t>
+                        </m:r>
+                      </m:e>
+                      <m:sub>
+                        <m:r>
+                          <a:rPr>
+                            <a:latin typeface="Cambria Math" panose="02040503050406030204" pitchFamily="18" charset="0"/>
+                          </a:rPr>
+                          <m:t>2</m:t>
+                        </m:r>
+                      </m:sub>
+                    </m:sSub>
                     <m:r>
                       <a:rPr>
                         <a:latin typeface="Cambria Math" panose="02040503050406030204" pitchFamily="18" charset="0"/>
                       </a:rPr>
-                      <m:t>1</m:t>
+                      <m:t>=…=</m:t>
                     </m:r>
-                  </m:sub>
-                </m:sSub>
-                <m:r>
-                  <a:rPr>
-                    <a:latin typeface="Cambria Math" panose="02040503050406030204" pitchFamily="18" charset="0"/>
-                  </a:rPr>
-                  <m:t>=</m:t>
-                </m:r>
-                <m:sSub>
-                  <m:sSubPr>
-                    <m:ctrlPr>
-                      <a:rPr i="1">
-                        <a:latin typeface="Cambria Math" panose="02040503050406030204" pitchFamily="18" charset="0"/>
-                      </a:rPr>
-                    </m:ctrlPr>
-                  </m:sSubPr>
-                  <m:e>
+                    <m:sSub>
+                      <m:sSubPr>
+                        <m:ctrlPr>
+                          <a:rPr i="1">
+                            <a:latin typeface="Cambria Math" panose="02040503050406030204" pitchFamily="18" charset="0"/>
+                          </a:rPr>
+                        </m:ctrlPr>
+                      </m:sSubPr>
+                      <m:e>
+                        <m:r>
+                          <a:rPr>
+                            <a:latin typeface="Cambria Math" panose="02040503050406030204" pitchFamily="18" charset="0"/>
+                          </a:rPr>
+                          <m:t>𝛽</m:t>
+                        </m:r>
+                      </m:e>
+                      <m:sub>
+                        <m:r>
+                          <a:rPr>
+                            <a:latin typeface="Cambria Math" panose="02040503050406030204" pitchFamily="18" charset="0"/>
+                          </a:rPr>
+                          <m:t>𝑝</m:t>
+                        </m:r>
+                      </m:sub>
+                    </m:sSub>
                     <m:r>
                       <a:rPr>
                         <a:latin typeface="Cambria Math" panose="02040503050406030204" pitchFamily="18" charset="0"/>
                       </a:rPr>
-                      <m:t>𝛽</m:t>
+                      <m:t>=0</m:t>
                     </m:r>
-                  </m:e>
-                  <m:sub>
-                    <m:r>
-                      <a:rPr>
-                        <a:latin typeface="Cambria Math" panose="02040503050406030204" pitchFamily="18" charset="0"/>
-                      </a:rPr>
-                      <m:t>2</m:t>
-                    </m:r>
-                  </m:sub>
-                </m:sSub>
-                <m:r>
-                  <a:rPr>
-                    <a:latin typeface="Cambria Math" panose="02040503050406030204" pitchFamily="18" charset="0"/>
+                  </m:oMath>
+                </a14:m>
+                <a:r>
+                  <a:t> (pas de cointégration)</a:t>
+                </a:r>
+              </a:p>
+              <a:p>
+                <a:pPr lvl="1"/>
+                <a:r>
+                  <a:t>Alternative : Au moins un des coefficients </a:t>
+                </a:r>
+                <a14:m>
+                  <m:oMath xmlns:m="http://schemas.openxmlformats.org/officeDocument/2006/math">
+                    <m:sSub>
+                      <m:sSubPr>
+                        <m:ctrlPr>
+                          <a:rPr i="1">
+                            <a:latin typeface="Cambria Math" panose="02040503050406030204" pitchFamily="18" charset="0"/>
+                          </a:rPr>
+                        </m:ctrlPr>
+                      </m:sSubPr>
+                      <m:e>
+                        <m:r>
+                          <a:rPr>
+                            <a:latin typeface="Cambria Math" panose="02040503050406030204" pitchFamily="18" charset="0"/>
+                          </a:rPr>
+                          <m:t>𝛽</m:t>
+                        </m:r>
+                      </m:e>
+                      <m:sub>
+                        <m:r>
+                          <a:rPr>
+                            <a:latin typeface="Cambria Math" panose="02040503050406030204" pitchFamily="18" charset="0"/>
+                          </a:rPr>
+                          <m:t>𝑖</m:t>
+                        </m:r>
+                      </m:sub>
+                    </m:sSub>
+                  </m:oMath>
+                </a14:m>
+                <a:r>
+                  <a:t> est différent de zéro (cointégration)</a:t>
+                </a:r>
+              </a:p>
+              <a:p>
+                <a:pPr lvl="1"/>
+                <a:r>
+                  <a:t>Test statistique : F-test</a:t>
+                </a:r>
+              </a:p>
+            </p:txBody>
+          </p:sp>
+        </mc:Choice>
+        <mc:Fallback>
+          <p:sp>
+            <p:nvSpPr>
+              <p:cNvPr id="4" name="Text Placeholder 3"/>
+              <p:cNvSpPr>
+                <a:spLocks noGrp="1" noRot="1" noChangeAspect="1" noMove="1" noResize="1" noEditPoints="1" noAdjustHandles="1" noChangeArrowheads="1" noChangeShapeType="1" noTextEdit="1"/>
+              </p:cNvSpPr>
+              <p:nvPr>
+                <p:ph type="body" sz="half" idx="2"/>
+              </p:nvPr>
+            </p:nvSpPr>
+            <p:spPr>
+              <a:blipFill>
+                <a:blip r:embed="rId2"/>
+                <a:stretch>
+                  <a:fillRect/>
+                </a:stretch>
+              </a:blipFill>
+            </p:spPr>
+            <p:txBody>
+              <a:bodyPr/>
+              <a:lstStyle/>
+              <a:p>
+                <a:r>
+                  <a:rPr lang="en-HT">
+                    <a:noFill/>
                   </a:rPr>
-                  <m:t>=…=</m:t>
-                </m:r>
-                <m:sSub>
-                  <m:sSubPr>
-                    <m:ctrlPr>
-                      <a:rPr i="1">
-                        <a:latin typeface="Cambria Math" panose="02040503050406030204" pitchFamily="18" charset="0"/>
-                      </a:rPr>
-                    </m:ctrlPr>
-                  </m:sSubPr>
-                  <m:e>
-                    <m:r>
-                      <a:rPr>
-                        <a:latin typeface="Cambria Math" panose="02040503050406030204" pitchFamily="18" charset="0"/>
-                      </a:rPr>
-                      <m:t>𝛽</m:t>
-                    </m:r>
-                  </m:e>
-                  <m:sub>
-                    <m:r>
-                      <a:rPr>
-                        <a:latin typeface="Cambria Math" panose="02040503050406030204" pitchFamily="18" charset="0"/>
-                      </a:rPr>
-                      <m:t>𝑝</m:t>
-                    </m:r>
-                  </m:sub>
-                </m:sSub>
-                <m:r>
-                  <a:rPr>
-                    <a:latin typeface="Cambria Math" panose="02040503050406030204" pitchFamily="18" charset="0"/>
-                  </a:rPr>
-                  <m:t>=0</m:t>
-                </m:r>
-              </m:oMath>
-            </a14:m>
-            <a:r>
-              <a:t> (pas de cointégration)</a:t>
-            </a:r>
-          </a:p>
-          <a:p>
-            <a:pPr lvl="1"/>
-            <a:r>
-              <a:t>Alternative : Au moins un des coefficients </a:t>
-            </a:r>
-            <a14:m xmlns:a14="http://schemas.microsoft.com/office/drawing/2010/main">
-              <m:oMath xmlns:m="http://schemas.openxmlformats.org/officeDocument/2006/math">
-                <m:sSub>
-                  <m:sSubPr>
-                    <m:ctrlPr>
-                      <a:rPr>
-                        <a:latin typeface="Cambria Math" panose="02040503050406030204" pitchFamily="18" charset="0"/>
-                      </a:rPr>
-                    </m:ctrlPr>
-                  </m:sSubPr>
-                  <m:e>
-                    <m:r>
-                      <a:rPr>
-                        <a:latin typeface="Cambria Math" panose="02040503050406030204" pitchFamily="18" charset="0"/>
-                      </a:rPr>
-                      <m:t>𝛽</m:t>
-                    </m:r>
-                  </m:e>
-                  <m:sub>
-                    <m:r>
-                      <a:rPr>
-                        <a:latin typeface="Cambria Math" panose="02040503050406030204" pitchFamily="18" charset="0"/>
-                      </a:rPr>
-                      <m:t>𝑖</m:t>
-                    </m:r>
-                  </m:sub>
-                </m:sSub>
-              </m:oMath>
-            </a14:m>
-            <a:r>
-              <a:t> est différent de zéro (cointégration)</a:t>
-            </a:r>
-          </a:p>
-          <a:p>
-            <a:pPr lvl="1"/>
-            <a:r>
-              <a:t>Test statistique : F-test</a:t>
-            </a:r>
-          </a:p>
-        </p:txBody>
-      </p:sp>
+                  <a:t> </a:t>
+                </a:r>
+              </a:p>
+            </p:txBody>
+          </p:sp>
+        </mc:Fallback>
+      </mc:AlternateContent>
       <p:pic>
         <p:nvPicPr>
           <p:cNvPr id="3" name="Picture 1" descr="./interpretation_boundtest.png"/>
@@ -9798,7 +14131,7 @@
           <p:nvPr/>
         </p:nvPicPr>
         <p:blipFill>
-          <a:blip r:embed="rId2"/>
+          <a:blip r:embed="rId3"/>
           <a:stretch>
             <a:fillRect/>
           </a:stretch>
@@ -10662,17 +14995,32 @@
             <p:ph idx="1"/>
           </p:nvPr>
         </p:nvSpPr>
-        <p:spPr/>
+        <p:spPr>
+          <a:xfrm>
+            <a:off x="457200" y="1063230"/>
+            <a:ext cx="8229600" cy="4080270"/>
+          </a:xfrm>
+        </p:spPr>
         <p:txBody>
-          <a:bodyPr/>
+          <a:bodyPr>
+            <a:normAutofit fontScale="25000" lnSpcReduction="20000"/>
+          </a:bodyPr>
           <a:lstStyle/>
           <a:p>
             <a:pPr marL="1270000" lvl="0" indent="0">
               <a:buNone/>
             </a:pPr>
             <a:r>
-              <a:rPr sz="2000"/>
-              <a:t>Error Correction terme = -1.2427148</a:t>
+              <a:rPr sz="2000" dirty="0"/>
+              <a:t>Error Correction </a:t>
+            </a:r>
+            <a:r>
+              <a:rPr sz="2000" dirty="0" err="1"/>
+              <a:t>terme</a:t>
+            </a:r>
+            <a:r>
+              <a:rPr sz="2000" dirty="0"/>
+              <a:t> = -1.2427148</a:t>
             </a:r>
           </a:p>
           <a:p>
@@ -10680,38 +15028,158 @@
               <a:buNone/>
             </a:pPr>
             <a:r>
-              <a:rPr>
+              <a:rPr sz="2800" dirty="0">
                 <a:latin typeface="Courier"/>
               </a:rPr>
               <a:t>
-Time series regression with "ts" data:
+Time series regression with "</a:t>
+            </a:r>
+            <a:r>
+              <a:rPr sz="2800" dirty="0" err="1">
+                <a:latin typeface="Courier"/>
+              </a:rPr>
+              <a:t>ts</a:t>
+            </a:r>
+            <a:r>
+              <a:rPr sz="2800" dirty="0">
+                <a:latin typeface="Courier"/>
+              </a:rPr>
+              <a:t>" data:
 Start = 4, End = 34
 Call:
-dynlm(formula = as.formula(model.text), data = data)
+</a:t>
+            </a:r>
+            <a:r>
+              <a:rPr sz="2800" dirty="0" err="1">
+                <a:latin typeface="Courier"/>
+              </a:rPr>
+              <a:t>dynlm</a:t>
+            </a:r>
+            <a:r>
+              <a:rPr sz="2800" dirty="0">
+                <a:latin typeface="Courier"/>
+              </a:rPr>
+              <a:t>(formula = </a:t>
+            </a:r>
+            <a:r>
+              <a:rPr sz="2800" dirty="0" err="1">
+                <a:latin typeface="Courier"/>
+              </a:rPr>
+              <a:t>as.formula</a:t>
+            </a:r>
+            <a:r>
+              <a:rPr sz="2800" dirty="0">
+                <a:latin typeface="Courier"/>
+              </a:rPr>
+              <a:t>(</a:t>
+            </a:r>
+            <a:r>
+              <a:rPr sz="2800" dirty="0" err="1">
+                <a:latin typeface="Courier"/>
+              </a:rPr>
+              <a:t>model.text</a:t>
+            </a:r>
+            <a:r>
+              <a:rPr sz="2800" dirty="0">
+                <a:latin typeface="Courier"/>
+              </a:rPr>
+              <a:t>), data = data)
 Residuals:
      Min       1Q   Median       3Q      Max 
 -0.07928 -0.04326 -0.01602  0.03196  0.15762 
 Coefficients:
-               Estimate Std. Error t value Pr(&gt;|t|)    
+               Estimate Std. Error t value </a:t>
+            </a:r>
+            <a:r>
+              <a:rPr sz="2800" dirty="0" err="1">
+                <a:latin typeface="Courier"/>
+              </a:rPr>
+              <a:t>Pr</a:t>
+            </a:r>
+            <a:r>
+              <a:rPr sz="2800" dirty="0">
+                <a:latin typeface="Courier"/>
+              </a:rPr>
+              <a:t>(&gt;|t|)    
 (Intercept)    -50.5030     9.9361  -5.083 0.000167 ***
 ec.1            -1.2427     0.2446  -5.080 0.000168 ***
-dtaux.change.t  -0.7830     0.2042  -3.834 0.001823 ** 
+</a:t>
+            </a:r>
+            <a:r>
+              <a:rPr sz="2800" dirty="0" err="1">
+                <a:latin typeface="Courier"/>
+              </a:rPr>
+              <a:t>dtaux.change.t</a:t>
+            </a:r>
+            <a:r>
+              <a:rPr sz="2800" dirty="0">
+                <a:latin typeface="Courier"/>
+              </a:rPr>
+              <a:t>  -0.7830     0.2042  -3.834 0.001823 ** 
 dtaux.change.1   1.3778     0.2563   5.376 9.78e-05 ***
 dtaux.change.2   0.8364     0.3046   2.746 0.015779 *  
 dtaux.change.3   1.0723     0.2637   4.066 0.001157 ** 
-dpib.t           1.4397     0.7345   1.960 0.070183 .  
+</a:t>
+            </a:r>
+            <a:r>
+              <a:rPr sz="2800" dirty="0" err="1">
+                <a:latin typeface="Courier"/>
+              </a:rPr>
+              <a:t>dpib.t</a:t>
+            </a:r>
+            <a:r>
+              <a:rPr sz="2800" dirty="0">
+                <a:latin typeface="Courier"/>
+              </a:rPr>
+              <a:t>           1.4397     0.7345   1.960 0.070183 .  
 dpib.1           1.0529     0.7377   1.427 0.175441    
-dpib.usa.t       0.8900     1.2399   0.718 0.484697    
+</a:t>
+            </a:r>
+            <a:r>
+              <a:rPr sz="2800" dirty="0" err="1">
+                <a:latin typeface="Courier"/>
+              </a:rPr>
+              <a:t>dpib.usa.t</a:t>
+            </a:r>
+            <a:r>
+              <a:rPr sz="2800" dirty="0">
+                <a:latin typeface="Courier"/>
+              </a:rPr>
+              <a:t>       0.8900     1.2399   0.718 0.484697    
 dpib.usa.1      -1.3550     1.2806  -1.058 0.307907    
 dpib.usa.2      -1.7264     1.4518  -1.189 0.254167    
 dpib.usa.3       2.8411     1.5072   1.885 0.080352 .  
-dipc.t           0.8355     0.5814   1.437 0.172700    
+</a:t>
+            </a:r>
+            <a:r>
+              <a:rPr sz="2800" dirty="0" err="1">
+                <a:latin typeface="Courier"/>
+              </a:rPr>
+              <a:t>dipc.t</a:t>
+            </a:r>
+            <a:r>
+              <a:rPr sz="2800" dirty="0">
+                <a:latin typeface="Courier"/>
+              </a:rPr>
+              <a:t>           0.8355     0.5814   1.437 0.172700    
 dipc.1          -1.5135     0.4612  -3.282 0.005457 ** 
 dimportation.1   0.1167     0.1475   0.792 0.441766    
 dimportation.2   0.2431     0.1455   1.670 0.117019    
 dimportation.3   0.3920     0.1410   2.779 0.014768 *  
 ---
-Signif. codes:  0 '***' 0.001 '**' 0.01 '*' 0.05 '.' 0.1 ' ' 1
+</a:t>
+            </a:r>
+            <a:r>
+              <a:rPr sz="2800" dirty="0" err="1">
+                <a:latin typeface="Courier"/>
+              </a:rPr>
+              <a:t>Signif</a:t>
+            </a:r>
+            <a:r>
+              <a:rPr sz="2800" dirty="0">
+                <a:latin typeface="Courier"/>
+              </a:rPr>
+              <a:t>. codes:  0 '***' 0.001 '**' 0.01 '*' 0.05 '.' 0.1 ' ' 1
 Residual standard error: 0.09251 on 14 degrees of freedom
 Multiple R-squared:  0.8298,    Adjusted R-squared:  0.6352 
 F-statistic: 4.265 on 16 and 14 DF,  p-value: 0.004646</a:t>
@@ -10754,7 +15222,12 @@
             <p:ph type="title"/>
           </p:nvPr>
         </p:nvSpPr>
-        <p:spPr/>
+        <p:spPr>
+          <a:xfrm>
+            <a:off x="457200" y="205979"/>
+            <a:ext cx="8229600" cy="600845"/>
+          </a:xfrm>
+        </p:spPr>
         <p:txBody>
           <a:bodyPr/>
           <a:lstStyle/>
@@ -10763,7 +15236,12 @@
               <a:buNone/>
             </a:pPr>
             <a:r>
-              <a:t>modele et</a:t>
+              <a:rPr dirty="0" err="1"/>
+              <a:t>modele</a:t>
+            </a:r>
+            <a:r>
+              <a:rPr dirty="0"/>
+              <a:t> et</a:t>
             </a:r>
           </a:p>
         </p:txBody>
@@ -10778,17 +15256,32 @@
             <p:ph idx="1"/>
           </p:nvPr>
         </p:nvSpPr>
-        <p:spPr/>
+        <p:spPr>
+          <a:xfrm>
+            <a:off x="457200" y="806824"/>
+            <a:ext cx="8229600" cy="4336675"/>
+          </a:xfrm>
+        </p:spPr>
         <p:txBody>
-          <a:bodyPr/>
+          <a:bodyPr>
+            <a:noAutofit/>
+          </a:bodyPr>
           <a:lstStyle/>
           <a:p>
             <a:pPr marL="1270000" lvl="0" indent="0">
               <a:buNone/>
             </a:pPr>
             <a:r>
-              <a:rPr sz="2000"/>
-              <a:t>Error Correction terme = -1.6663234</a:t>
+              <a:rPr sz="600" dirty="0"/>
+              <a:t>Error Correction </a:t>
+            </a:r>
+            <a:r>
+              <a:rPr sz="600" dirty="0" err="1"/>
+              <a:t>terme</a:t>
+            </a:r>
+            <a:r>
+              <a:rPr sz="600" dirty="0"/>
+              <a:t> = -1.6663234</a:t>
             </a:r>
           </a:p>
           <a:p>
@@ -10796,36 +15289,156 @@
               <a:buNone/>
             </a:pPr>
             <a:r>
-              <a:rPr>
+              <a:rPr sz="600" dirty="0">
                 <a:latin typeface="Courier"/>
               </a:rPr>
               <a:t>
-Time series regression with "ts" data:
+Time series regression with "</a:t>
+            </a:r>
+            <a:r>
+              <a:rPr sz="600" dirty="0" err="1">
+                <a:latin typeface="Courier"/>
+              </a:rPr>
+              <a:t>ts</a:t>
+            </a:r>
+            <a:r>
+              <a:rPr sz="600" dirty="0">
+                <a:latin typeface="Courier"/>
+              </a:rPr>
+              <a:t>" data:
 Start = 4, End = 34
 Call:
-dynlm(formula = as.formula(model.text), data = data)
+</a:t>
+            </a:r>
+            <a:r>
+              <a:rPr sz="600" dirty="0" err="1">
+                <a:latin typeface="Courier"/>
+              </a:rPr>
+              <a:t>dynlm</a:t>
+            </a:r>
+            <a:r>
+              <a:rPr sz="600" dirty="0">
+                <a:latin typeface="Courier"/>
+              </a:rPr>
+              <a:t>(formula = </a:t>
+            </a:r>
+            <a:r>
+              <a:rPr sz="600" dirty="0" err="1">
+                <a:latin typeface="Courier"/>
+              </a:rPr>
+              <a:t>as.formula</a:t>
+            </a:r>
+            <a:r>
+              <a:rPr sz="600" dirty="0">
+                <a:latin typeface="Courier"/>
+              </a:rPr>
+              <a:t>(</a:t>
+            </a:r>
+            <a:r>
+              <a:rPr sz="600" dirty="0" err="1">
+                <a:latin typeface="Courier"/>
+              </a:rPr>
+              <a:t>model.text</a:t>
+            </a:r>
+            <a:r>
+              <a:rPr sz="600" dirty="0">
+                <a:latin typeface="Courier"/>
+              </a:rPr>
+              <a:t>), data = data)
 Residuals:
      Min       1Q   Median       3Q      Max 
 -0.31943 -0.09940 -0.00047  0.10247  0.26622 
 Coefficients:
-                Estimate Std. Error t value Pr(&gt;|t|)    
+                Estimate Std. Error t value </a:t>
+            </a:r>
+            <a:r>
+              <a:rPr sz="600" dirty="0" err="1">
+                <a:latin typeface="Courier"/>
+              </a:rPr>
+              <a:t>Pr</a:t>
+            </a:r>
+            <a:r>
+              <a:rPr sz="600" dirty="0">
+                <a:latin typeface="Courier"/>
+              </a:rPr>
+              <a:t>(&gt;|t|)    
 (Intercept)    195.10919   36.07592   5.408 5.80e-05 ***
 ec.1            -1.66632    0.30837  -5.404 5.85e-05 ***
-dtaux.change.t  -1.35114    0.42542  -3.176  0.00587 ** 
+</a:t>
+            </a:r>
+            <a:r>
+              <a:rPr sz="600" dirty="0" err="1">
+                <a:latin typeface="Courier"/>
+              </a:rPr>
+              <a:t>dtaux.change.t</a:t>
+            </a:r>
+            <a:r>
+              <a:rPr sz="600" dirty="0">
+                <a:latin typeface="Courier"/>
+              </a:rPr>
+              <a:t>  -1.35114    0.42542  -3.176  0.00587 ** 
 dtaux.change.1   1.08878    0.39305   2.770  0.01366 *  
 dtaux.change.2   1.56376    0.50138   3.119  0.00661 ** 
-dpib.t          11.98337    1.64483   7.285 1.83e-06 ***
+</a:t>
+            </a:r>
+            <a:r>
+              <a:rPr sz="600" dirty="0" err="1">
+                <a:latin typeface="Courier"/>
+              </a:rPr>
+              <a:t>dpib.t</a:t>
+            </a:r>
+            <a:r>
+              <a:rPr sz="600" dirty="0">
+                <a:latin typeface="Courier"/>
+              </a:rPr>
+              <a:t>          11.98337    1.64483   7.285 1.83e-06 ***
 dpib.1          -1.75655    1.60219  -1.096  0.28916    
-dpib.usa.t      -1.28438    2.44942  -0.524  0.60722    
+</a:t>
+            </a:r>
+            <a:r>
+              <a:rPr sz="600" dirty="0" err="1">
+                <a:latin typeface="Courier"/>
+              </a:rPr>
+              <a:t>dpib.usa.t</a:t>
+            </a:r>
+            <a:r>
+              <a:rPr sz="600" dirty="0">
+                <a:latin typeface="Courier"/>
+              </a:rPr>
+              <a:t>      -1.28438    2.44942  -0.524  0.60722    
 dpib.usa.1      11.02158    3.49640   3.152  0.00617 ** 
 dpib.usa.2       9.17439    4.36844   2.100  0.05193 .  
 dpib.usa.3      -7.47450    3.42940  -2.180  0.04458 *  
-dipc.t           3.57419    1.07788   3.316  0.00437 ** 
+</a:t>
+            </a:r>
+            <a:r>
+              <a:rPr sz="600" dirty="0" err="1">
+                <a:latin typeface="Courier"/>
+              </a:rPr>
+              <a:t>dipc.t</a:t>
+            </a:r>
+            <a:r>
+              <a:rPr sz="600" dirty="0">
+                <a:latin typeface="Courier"/>
+              </a:rPr>
+              <a:t>           3.57419    1.07788   3.316  0.00437 ** 
 dipc.1          -3.37714    1.03459  -3.264  0.00487 ** 
 dexportation.1   0.36064    0.19822   1.819  0.08762 .  
 dexportation.2   0.08489    0.12169   0.698  0.49545    
 ---
-Signif. codes:  0 '***' 0.001 '**' 0.01 '*' 0.05 '.' 0.1 ' ' 1
+</a:t>
+            </a:r>
+            <a:r>
+              <a:rPr sz="600" dirty="0" err="1">
+                <a:latin typeface="Courier"/>
+              </a:rPr>
+              <a:t>Signif</a:t>
+            </a:r>
+            <a:r>
+              <a:rPr sz="600" dirty="0">
+                <a:latin typeface="Courier"/>
+              </a:rPr>
+              <a:t>. codes:  0 '***' 0.001 '**' 0.01 '*' 0.05 '.' 0.1 ' ' 1
 Residual standard error: 0.1977 on 16 degrees of freedom
 Multiple R-squared:  0.8458,    Adjusted R-squared:  0.7109 
 F-statistic: 6.269 on 14 and 16 DF,  p-value: 0.0003983</a:t>
@@ -11639,7 +16252,9 @@
         </p:nvSpPr>
         <p:spPr/>
         <p:txBody>
-          <a:bodyPr/>
+          <a:bodyPr>
+            <a:normAutofit fontScale="90000"/>
+          </a:bodyPr>
           <a:lstStyle/>
           <a:p>
             <a:pPr marL="0" lvl="0" indent="0">
